--- a/Wasted Water Quiz.pptx
+++ b/Wasted Water Quiz.pptx
@@ -8,13 +8,12 @@
     <p:sldId id="256" r:id="rId2"/>
     <p:sldId id="263" r:id="rId3"/>
     <p:sldId id="265" r:id="rId4"/>
-    <p:sldId id="257" r:id="rId5"/>
-    <p:sldId id="258" r:id="rId6"/>
+    <p:sldId id="266" r:id="rId5"/>
+    <p:sldId id="257" r:id="rId6"/>
     <p:sldId id="259" r:id="rId7"/>
-    <p:sldId id="260" r:id="rId8"/>
-    <p:sldId id="261" r:id="rId9"/>
-    <p:sldId id="264" r:id="rId10"/>
-    <p:sldId id="262" r:id="rId11"/>
+    <p:sldId id="264" r:id="rId8"/>
+    <p:sldId id="258" r:id="rId9"/>
+    <p:sldId id="262" r:id="rId10"/>
   </p:sldIdLst>
   <p:sldSz cx="9144000" cy="6858000" type="screen4x3"/>
   <p:notesSz cx="6858000" cy="9144000"/>
@@ -113,6 +112,22 @@
       </a:defRPr>
     </a:lvl9pPr>
   </p:defaultTextStyle>
+  <p:extLst>
+    <p:ext uri="{EFAFB233-063F-42B5-8137-9DF3F51BA10A}">
+      <p15:sldGuideLst xmlns:p15="http://schemas.microsoft.com/office/powerpoint/2012/main">
+        <p15:guide id="1" orient="horz" pos="2160">
+          <p15:clr>
+            <a:srgbClr val="A4A3A4"/>
+          </p15:clr>
+        </p15:guide>
+        <p15:guide id="2" pos="2880">
+          <p15:clr>
+            <a:srgbClr val="A4A3A4"/>
+          </p15:clr>
+        </p15:guide>
+      </p15:sldGuideLst>
+    </p:ext>
+  </p:extLst>
 </p:presentation>
 </file>
 
@@ -204,10 +219,9 @@
           </a:lstStyle>
           <a:p>
             <a:r>
-              <a:rPr kumimoji="0" lang="en-US" smtClean="0"/>
+              <a:rPr kumimoji="0" lang="en-US"/>
               <a:t>Click to edit Master title style</a:t>
             </a:r>
-            <a:endParaRPr kumimoji="0" lang="en-US"/>
           </a:p>
         </p:txBody>
       </p:sp>
@@ -265,10 +279,9 @@
           </a:lstStyle>
           <a:p>
             <a:r>
-              <a:rPr kumimoji="0" lang="en-US" smtClean="0"/>
+              <a:rPr kumimoji="0" lang="en-US"/>
               <a:t>Click to edit Master subtitle style</a:t>
             </a:r>
-            <a:endParaRPr kumimoji="0" lang="en-US"/>
           </a:p>
         </p:txBody>
       </p:sp>
@@ -289,7 +302,7 @@
           <a:p>
             <a:fld id="{59C7C267-A324-43B7-A9CD-5E98CD661245}" type="datetimeFigureOut">
               <a:rPr lang="en-US" smtClean="0"/>
-              <a:t>4/27/2018</a:t>
+              <a:t>4/30/2018</a:t>
             </a:fld>
             <a:endParaRPr lang="en-US"/>
           </a:p>
@@ -378,10 +391,9 @@
           <a:lstStyle/>
           <a:p>
             <a:r>
-              <a:rPr kumimoji="0" lang="en-US" smtClean="0"/>
+              <a:rPr kumimoji="0" lang="en-US"/>
               <a:t>Click to edit Master title style</a:t>
             </a:r>
-            <a:endParaRPr kumimoji="0" lang="en-US"/>
           </a:p>
         </p:txBody>
       </p:sp>
@@ -402,35 +414,35 @@
           <a:p>
             <a:pPr lvl="0" eaLnBrk="1" latinLnBrk="0" hangingPunct="1"/>
             <a:r>
-              <a:rPr lang="en-US" smtClean="0"/>
+              <a:rPr lang="en-US"/>
               <a:t>Click to edit Master text styles</a:t>
             </a:r>
           </a:p>
           <a:p>
             <a:pPr lvl="1" eaLnBrk="1" latinLnBrk="0" hangingPunct="1"/>
             <a:r>
-              <a:rPr lang="en-US" smtClean="0"/>
+              <a:rPr lang="en-US"/>
               <a:t>Second level</a:t>
             </a:r>
           </a:p>
           <a:p>
             <a:pPr lvl="2" eaLnBrk="1" latinLnBrk="0" hangingPunct="1"/>
             <a:r>
-              <a:rPr lang="en-US" smtClean="0"/>
+              <a:rPr lang="en-US"/>
               <a:t>Third level</a:t>
             </a:r>
           </a:p>
           <a:p>
             <a:pPr lvl="3" eaLnBrk="1" latinLnBrk="0" hangingPunct="1"/>
             <a:r>
-              <a:rPr lang="en-US" smtClean="0"/>
+              <a:rPr lang="en-US"/>
               <a:t>Fourth level</a:t>
             </a:r>
           </a:p>
           <a:p>
             <a:pPr lvl="4" eaLnBrk="1" latinLnBrk="0" hangingPunct="1"/>
             <a:r>
-              <a:rPr lang="en-US" smtClean="0"/>
+              <a:rPr lang="en-US"/>
               <a:t>Fifth level</a:t>
             </a:r>
             <a:endParaRPr kumimoji="0" lang="en-US"/>
@@ -454,7 +466,7 @@
           <a:p>
             <a:fld id="{59C7C267-A324-43B7-A9CD-5E98CD661245}" type="datetimeFigureOut">
               <a:rPr lang="en-US" smtClean="0"/>
-              <a:t>4/27/2018</a:t>
+              <a:t>4/30/2018</a:t>
             </a:fld>
             <a:endParaRPr lang="en-US"/>
           </a:p>
@@ -548,10 +560,9 @@
           <a:lstStyle/>
           <a:p>
             <a:r>
-              <a:rPr kumimoji="0" lang="en-US" smtClean="0"/>
+              <a:rPr kumimoji="0" lang="en-US"/>
               <a:t>Click to edit Master title style</a:t>
             </a:r>
-            <a:endParaRPr kumimoji="0" lang="en-US"/>
           </a:p>
         </p:txBody>
       </p:sp>
@@ -577,35 +588,35 @@
           <a:p>
             <a:pPr lvl="0" eaLnBrk="1" latinLnBrk="0" hangingPunct="1"/>
             <a:r>
-              <a:rPr lang="en-US" smtClean="0"/>
+              <a:rPr lang="en-US"/>
               <a:t>Click to edit Master text styles</a:t>
             </a:r>
           </a:p>
           <a:p>
             <a:pPr lvl="1" eaLnBrk="1" latinLnBrk="0" hangingPunct="1"/>
             <a:r>
-              <a:rPr lang="en-US" smtClean="0"/>
+              <a:rPr lang="en-US"/>
               <a:t>Second level</a:t>
             </a:r>
           </a:p>
           <a:p>
             <a:pPr lvl="2" eaLnBrk="1" latinLnBrk="0" hangingPunct="1"/>
             <a:r>
-              <a:rPr lang="en-US" smtClean="0"/>
+              <a:rPr lang="en-US"/>
               <a:t>Third level</a:t>
             </a:r>
           </a:p>
           <a:p>
             <a:pPr lvl="3" eaLnBrk="1" latinLnBrk="0" hangingPunct="1"/>
             <a:r>
-              <a:rPr lang="en-US" smtClean="0"/>
+              <a:rPr lang="en-US"/>
               <a:t>Fourth level</a:t>
             </a:r>
           </a:p>
           <a:p>
             <a:pPr lvl="4" eaLnBrk="1" latinLnBrk="0" hangingPunct="1"/>
             <a:r>
-              <a:rPr lang="en-US" smtClean="0"/>
+              <a:rPr lang="en-US"/>
               <a:t>Fifth level</a:t>
             </a:r>
             <a:endParaRPr kumimoji="0" lang="en-US"/>
@@ -629,7 +640,7 @@
           <a:p>
             <a:fld id="{59C7C267-A324-43B7-A9CD-5E98CD661245}" type="datetimeFigureOut">
               <a:rPr lang="en-US" smtClean="0"/>
-              <a:t>4/27/2018</a:t>
+              <a:t>4/30/2018</a:t>
             </a:fld>
             <a:endParaRPr lang="en-US"/>
           </a:p>
@@ -718,10 +729,9 @@
           <a:lstStyle/>
           <a:p>
             <a:r>
-              <a:rPr kumimoji="0" lang="en-US" smtClean="0"/>
+              <a:rPr kumimoji="0" lang="en-US"/>
               <a:t>Click to edit Master title style</a:t>
             </a:r>
-            <a:endParaRPr kumimoji="0" lang="en-US"/>
           </a:p>
         </p:txBody>
       </p:sp>
@@ -742,35 +752,35 @@
           <a:p>
             <a:pPr lvl="0" eaLnBrk="1" latinLnBrk="0" hangingPunct="1"/>
             <a:r>
-              <a:rPr lang="en-US" smtClean="0"/>
+              <a:rPr lang="en-US"/>
               <a:t>Click to edit Master text styles</a:t>
             </a:r>
           </a:p>
           <a:p>
             <a:pPr lvl="1" eaLnBrk="1" latinLnBrk="0" hangingPunct="1"/>
             <a:r>
-              <a:rPr lang="en-US" smtClean="0"/>
+              <a:rPr lang="en-US"/>
               <a:t>Second level</a:t>
             </a:r>
           </a:p>
           <a:p>
             <a:pPr lvl="2" eaLnBrk="1" latinLnBrk="0" hangingPunct="1"/>
             <a:r>
-              <a:rPr lang="en-US" smtClean="0"/>
+              <a:rPr lang="en-US"/>
               <a:t>Third level</a:t>
             </a:r>
           </a:p>
           <a:p>
             <a:pPr lvl="3" eaLnBrk="1" latinLnBrk="0" hangingPunct="1"/>
             <a:r>
-              <a:rPr lang="en-US" smtClean="0"/>
+              <a:rPr lang="en-US"/>
               <a:t>Fourth level</a:t>
             </a:r>
           </a:p>
           <a:p>
             <a:pPr lvl="4" eaLnBrk="1" latinLnBrk="0" hangingPunct="1"/>
             <a:r>
-              <a:rPr lang="en-US" smtClean="0"/>
+              <a:rPr lang="en-US"/>
               <a:t>Fifth level</a:t>
             </a:r>
             <a:endParaRPr kumimoji="0" lang="en-US"/>
@@ -794,7 +804,7 @@
           <a:p>
             <a:fld id="{59C7C267-A324-43B7-A9CD-5E98CD661245}" type="datetimeFigureOut">
               <a:rPr lang="en-US" smtClean="0"/>
-              <a:t>4/27/2018</a:t>
+              <a:t>4/30/2018</a:t>
             </a:fld>
             <a:endParaRPr lang="en-US"/>
           </a:p>
@@ -935,10 +945,9 @@
           </a:lstStyle>
           <a:p>
             <a:r>
-              <a:rPr kumimoji="0" lang="en-US" smtClean="0"/>
+              <a:rPr kumimoji="0" lang="en-US"/>
               <a:t>Click to edit Master title style</a:t>
             </a:r>
-            <a:endParaRPr kumimoji="0" lang="en-US"/>
           </a:p>
         </p:txBody>
       </p:sp>
@@ -1013,7 +1022,7 @@
           <a:p>
             <a:pPr lvl="0" eaLnBrk="1" latinLnBrk="0" hangingPunct="1"/>
             <a:r>
-              <a:rPr kumimoji="0" lang="en-US" smtClean="0"/>
+              <a:rPr kumimoji="0" lang="en-US"/>
               <a:t>Click to edit Master text styles</a:t>
             </a:r>
           </a:p>
@@ -1036,7 +1045,7 @@
           <a:p>
             <a:fld id="{59C7C267-A324-43B7-A9CD-5E98CD661245}" type="datetimeFigureOut">
               <a:rPr lang="en-US" smtClean="0"/>
-              <a:t>4/27/2018</a:t>
+              <a:t>4/30/2018</a:t>
             </a:fld>
             <a:endParaRPr lang="en-US"/>
           </a:p>
@@ -1130,10 +1139,9 @@
           <a:lstStyle/>
           <a:p>
             <a:r>
-              <a:rPr kumimoji="0" lang="en-US" smtClean="0"/>
+              <a:rPr kumimoji="0" lang="en-US"/>
               <a:t>Click to edit Master title style</a:t>
             </a:r>
-            <a:endParaRPr kumimoji="0" lang="en-US"/>
           </a:p>
         </p:txBody>
       </p:sp>
@@ -1175,35 +1183,35 @@
           <a:p>
             <a:pPr lvl="0" eaLnBrk="1" latinLnBrk="0" hangingPunct="1"/>
             <a:r>
-              <a:rPr lang="en-US" smtClean="0"/>
+              <a:rPr lang="en-US"/>
               <a:t>Click to edit Master text styles</a:t>
             </a:r>
           </a:p>
           <a:p>
             <a:pPr lvl="1" eaLnBrk="1" latinLnBrk="0" hangingPunct="1"/>
             <a:r>
-              <a:rPr lang="en-US" smtClean="0"/>
+              <a:rPr lang="en-US"/>
               <a:t>Second level</a:t>
             </a:r>
           </a:p>
           <a:p>
             <a:pPr lvl="2" eaLnBrk="1" latinLnBrk="0" hangingPunct="1"/>
             <a:r>
-              <a:rPr lang="en-US" smtClean="0"/>
+              <a:rPr lang="en-US"/>
               <a:t>Third level</a:t>
             </a:r>
           </a:p>
           <a:p>
             <a:pPr lvl="3" eaLnBrk="1" latinLnBrk="0" hangingPunct="1"/>
             <a:r>
-              <a:rPr lang="en-US" smtClean="0"/>
+              <a:rPr lang="en-US"/>
               <a:t>Fourth level</a:t>
             </a:r>
           </a:p>
           <a:p>
             <a:pPr lvl="4" eaLnBrk="1" latinLnBrk="0" hangingPunct="1"/>
             <a:r>
-              <a:rPr lang="en-US" smtClean="0"/>
+              <a:rPr lang="en-US"/>
               <a:t>Fifth level</a:t>
             </a:r>
             <a:endParaRPr kumimoji="0" lang="en-US"/>
@@ -1248,35 +1256,35 @@
           <a:p>
             <a:pPr lvl="0" eaLnBrk="1" latinLnBrk="0" hangingPunct="1"/>
             <a:r>
-              <a:rPr lang="en-US" smtClean="0"/>
+              <a:rPr lang="en-US"/>
               <a:t>Click to edit Master text styles</a:t>
             </a:r>
           </a:p>
           <a:p>
             <a:pPr lvl="1" eaLnBrk="1" latinLnBrk="0" hangingPunct="1"/>
             <a:r>
-              <a:rPr lang="en-US" smtClean="0"/>
+              <a:rPr lang="en-US"/>
               <a:t>Second level</a:t>
             </a:r>
           </a:p>
           <a:p>
             <a:pPr lvl="2" eaLnBrk="1" latinLnBrk="0" hangingPunct="1"/>
             <a:r>
-              <a:rPr lang="en-US" smtClean="0"/>
+              <a:rPr lang="en-US"/>
               <a:t>Third level</a:t>
             </a:r>
           </a:p>
           <a:p>
             <a:pPr lvl="3" eaLnBrk="1" latinLnBrk="0" hangingPunct="1"/>
             <a:r>
-              <a:rPr lang="en-US" smtClean="0"/>
+              <a:rPr lang="en-US"/>
               <a:t>Fourth level</a:t>
             </a:r>
           </a:p>
           <a:p>
             <a:pPr lvl="4" eaLnBrk="1" latinLnBrk="0" hangingPunct="1"/>
             <a:r>
-              <a:rPr lang="en-US" smtClean="0"/>
+              <a:rPr lang="en-US"/>
               <a:t>Fifth level</a:t>
             </a:r>
             <a:endParaRPr kumimoji="0" lang="en-US"/>
@@ -1300,7 +1308,7 @@
           <a:p>
             <a:fld id="{59C7C267-A324-43B7-A9CD-5E98CD661245}" type="datetimeFigureOut">
               <a:rPr lang="en-US" smtClean="0"/>
-              <a:t>4/27/2018</a:t>
+              <a:t>4/30/2018</a:t>
             </a:fld>
             <a:endParaRPr lang="en-US"/>
           </a:p>
@@ -1398,10 +1406,9 @@
           </a:lstStyle>
           <a:p>
             <a:r>
-              <a:rPr kumimoji="0" lang="en-US" smtClean="0"/>
+              <a:rPr kumimoji="0" lang="en-US"/>
               <a:t>Click to edit Master title style</a:t>
             </a:r>
-            <a:endParaRPr kumimoji="0" lang="en-US"/>
           </a:p>
         </p:txBody>
       </p:sp>
@@ -1455,7 +1462,7 @@
           <a:p>
             <a:pPr lvl="0" eaLnBrk="1" latinLnBrk="0" hangingPunct="1"/>
             <a:r>
-              <a:rPr kumimoji="0" lang="en-US" smtClean="0"/>
+              <a:rPr kumimoji="0" lang="en-US"/>
               <a:t>Click to edit Master text styles</a:t>
             </a:r>
           </a:p>
@@ -1509,7 +1516,7 @@
           <a:p>
             <a:pPr lvl="0" eaLnBrk="1" latinLnBrk="0" hangingPunct="1"/>
             <a:r>
-              <a:rPr kumimoji="0" lang="en-US" smtClean="0"/>
+              <a:rPr kumimoji="0" lang="en-US"/>
               <a:t>Click to edit Master text styles</a:t>
             </a:r>
           </a:p>
@@ -1553,35 +1560,35 @@
           <a:p>
             <a:pPr lvl="0" eaLnBrk="1" latinLnBrk="0" hangingPunct="1"/>
             <a:r>
-              <a:rPr lang="en-US" smtClean="0"/>
+              <a:rPr lang="en-US"/>
               <a:t>Click to edit Master text styles</a:t>
             </a:r>
           </a:p>
           <a:p>
             <a:pPr lvl="1" eaLnBrk="1" latinLnBrk="0" hangingPunct="1"/>
             <a:r>
-              <a:rPr lang="en-US" smtClean="0"/>
+              <a:rPr lang="en-US"/>
               <a:t>Second level</a:t>
             </a:r>
           </a:p>
           <a:p>
             <a:pPr lvl="2" eaLnBrk="1" latinLnBrk="0" hangingPunct="1"/>
             <a:r>
-              <a:rPr lang="en-US" smtClean="0"/>
+              <a:rPr lang="en-US"/>
               <a:t>Third level</a:t>
             </a:r>
           </a:p>
           <a:p>
             <a:pPr lvl="3" eaLnBrk="1" latinLnBrk="0" hangingPunct="1"/>
             <a:r>
-              <a:rPr lang="en-US" smtClean="0"/>
+              <a:rPr lang="en-US"/>
               <a:t>Fourth level</a:t>
             </a:r>
           </a:p>
           <a:p>
             <a:pPr lvl="4" eaLnBrk="1" latinLnBrk="0" hangingPunct="1"/>
             <a:r>
-              <a:rPr lang="en-US" smtClean="0"/>
+              <a:rPr lang="en-US"/>
               <a:t>Fifth level</a:t>
             </a:r>
             <a:endParaRPr kumimoji="0" lang="en-US"/>
@@ -1626,35 +1633,35 @@
           <a:p>
             <a:pPr lvl="0" eaLnBrk="1" latinLnBrk="0" hangingPunct="1"/>
             <a:r>
-              <a:rPr lang="en-US" smtClean="0"/>
+              <a:rPr lang="en-US"/>
               <a:t>Click to edit Master text styles</a:t>
             </a:r>
           </a:p>
           <a:p>
             <a:pPr lvl="1" eaLnBrk="1" latinLnBrk="0" hangingPunct="1"/>
             <a:r>
-              <a:rPr lang="en-US" smtClean="0"/>
+              <a:rPr lang="en-US"/>
               <a:t>Second level</a:t>
             </a:r>
           </a:p>
           <a:p>
             <a:pPr lvl="2" eaLnBrk="1" latinLnBrk="0" hangingPunct="1"/>
             <a:r>
-              <a:rPr lang="en-US" smtClean="0"/>
+              <a:rPr lang="en-US"/>
               <a:t>Third level</a:t>
             </a:r>
           </a:p>
           <a:p>
             <a:pPr lvl="3" eaLnBrk="1" latinLnBrk="0" hangingPunct="1"/>
             <a:r>
-              <a:rPr lang="en-US" smtClean="0"/>
+              <a:rPr lang="en-US"/>
               <a:t>Fourth level</a:t>
             </a:r>
           </a:p>
           <a:p>
             <a:pPr lvl="4" eaLnBrk="1" latinLnBrk="0" hangingPunct="1"/>
             <a:r>
-              <a:rPr lang="en-US" smtClean="0"/>
+              <a:rPr lang="en-US"/>
               <a:t>Fifth level</a:t>
             </a:r>
             <a:endParaRPr kumimoji="0" lang="en-US"/>
@@ -1678,7 +1685,7 @@
           <a:p>
             <a:fld id="{59C7C267-A324-43B7-A9CD-5E98CD661245}" type="datetimeFigureOut">
               <a:rPr lang="en-US" smtClean="0"/>
-              <a:t>4/27/2018</a:t>
+              <a:t>4/30/2018</a:t>
             </a:fld>
             <a:endParaRPr lang="en-US"/>
           </a:p>
@@ -1804,10 +1811,9 @@
           </a:lstStyle>
           <a:p>
             <a:r>
-              <a:rPr kumimoji="0" lang="en-US" smtClean="0"/>
+              <a:rPr kumimoji="0" lang="en-US"/>
               <a:t>Click to edit Master title style</a:t>
             </a:r>
-            <a:endParaRPr kumimoji="0" lang="en-US"/>
           </a:p>
         </p:txBody>
       </p:sp>
@@ -1828,7 +1834,7 @@
           <a:p>
             <a:fld id="{59C7C267-A324-43B7-A9CD-5E98CD661245}" type="datetimeFigureOut">
               <a:rPr lang="en-US" smtClean="0"/>
-              <a:t>4/27/2018</a:t>
+              <a:t>4/30/2018</a:t>
             </a:fld>
             <a:endParaRPr lang="en-US"/>
           </a:p>
@@ -1918,7 +1924,7 @@
           <a:p>
             <a:fld id="{59C7C267-A324-43B7-A9CD-5E98CD661245}" type="datetimeFigureOut">
               <a:rPr lang="en-US" smtClean="0"/>
-              <a:t>4/27/2018</a:t>
+              <a:t>4/30/2018</a:t>
             </a:fld>
             <a:endParaRPr lang="en-US"/>
           </a:p>
@@ -2033,10 +2039,9 @@
           </a:lstStyle>
           <a:p>
             <a:r>
-              <a:rPr kumimoji="0" lang="en-US" smtClean="0"/>
+              <a:rPr kumimoji="0" lang="en-US"/>
               <a:t>Click to edit Master title style</a:t>
             </a:r>
-            <a:endParaRPr kumimoji="0" lang="en-US"/>
           </a:p>
         </p:txBody>
       </p:sp>
@@ -2083,7 +2088,7 @@
           <a:p>
             <a:pPr lvl="0" eaLnBrk="1" latinLnBrk="0" hangingPunct="1"/>
             <a:r>
-              <a:rPr kumimoji="0" lang="en-US" smtClean="0"/>
+              <a:rPr kumimoji="0" lang="en-US"/>
               <a:t>Click to edit Master text styles</a:t>
             </a:r>
           </a:p>
@@ -2127,35 +2132,35 @@
           <a:p>
             <a:pPr lvl="0" eaLnBrk="1" latinLnBrk="0" hangingPunct="1"/>
             <a:r>
-              <a:rPr lang="en-US" smtClean="0"/>
+              <a:rPr lang="en-US"/>
               <a:t>Click to edit Master text styles</a:t>
             </a:r>
           </a:p>
           <a:p>
             <a:pPr lvl="1" eaLnBrk="1" latinLnBrk="0" hangingPunct="1"/>
             <a:r>
-              <a:rPr lang="en-US" smtClean="0"/>
+              <a:rPr lang="en-US"/>
               <a:t>Second level</a:t>
             </a:r>
           </a:p>
           <a:p>
             <a:pPr lvl="2" eaLnBrk="1" latinLnBrk="0" hangingPunct="1"/>
             <a:r>
-              <a:rPr lang="en-US" smtClean="0"/>
+              <a:rPr lang="en-US"/>
               <a:t>Third level</a:t>
             </a:r>
           </a:p>
           <a:p>
             <a:pPr lvl="3" eaLnBrk="1" latinLnBrk="0" hangingPunct="1"/>
             <a:r>
-              <a:rPr lang="en-US" smtClean="0"/>
+              <a:rPr lang="en-US"/>
               <a:t>Fourth level</a:t>
             </a:r>
           </a:p>
           <a:p>
             <a:pPr lvl="4" eaLnBrk="1" latinLnBrk="0" hangingPunct="1"/>
             <a:r>
-              <a:rPr lang="en-US" smtClean="0"/>
+              <a:rPr lang="en-US"/>
               <a:t>Fifth level</a:t>
             </a:r>
             <a:endParaRPr kumimoji="0" lang="en-US"/>
@@ -2179,7 +2184,7 @@
           <a:p>
             <a:fld id="{59C7C267-A324-43B7-A9CD-5E98CD661245}" type="datetimeFigureOut">
               <a:rPr lang="en-US" smtClean="0"/>
-              <a:t>4/27/2018</a:t>
+              <a:t>4/30/2018</a:t>
             </a:fld>
             <a:endParaRPr lang="en-US"/>
           </a:p>
@@ -2394,10 +2399,9 @@
           </a:lstStyle>
           <a:p>
             <a:r>
-              <a:rPr kumimoji="0" lang="en-US" smtClean="0"/>
+              <a:rPr kumimoji="0" lang="en-US"/>
               <a:t>Click to edit Master title style</a:t>
             </a:r>
-            <a:endParaRPr kumimoji="0" lang="en-US"/>
           </a:p>
         </p:txBody>
       </p:sp>
@@ -2444,7 +2448,7 @@
           <a:p>
             <a:pPr lvl="0" eaLnBrk="1" latinLnBrk="0" hangingPunct="1"/>
             <a:r>
-              <a:rPr kumimoji="0" lang="en-US" smtClean="0"/>
+              <a:rPr kumimoji="0" lang="en-US"/>
               <a:t>Click to edit Master text styles</a:t>
             </a:r>
           </a:p>
@@ -2467,7 +2471,7 @@
           <a:p>
             <a:fld id="{59C7C267-A324-43B7-A9CD-5E98CD661245}" type="datetimeFigureOut">
               <a:rPr lang="en-US" smtClean="0"/>
-              <a:t>4/27/2018</a:t>
+              <a:t>4/30/2018</a:t>
             </a:fld>
             <a:endParaRPr lang="en-US"/>
           </a:p>
@@ -2559,7 +2563,7 @@
           </a:lstStyle>
           <a:p>
             <a:r>
-              <a:rPr kumimoji="0" lang="en-US" smtClean="0"/>
+              <a:rPr kumimoji="0" lang="en-US"/>
               <a:t>Click icon to add picture</a:t>
             </a:r>
             <a:endParaRPr kumimoji="0" lang="en-US" dirty="0"/>
@@ -3134,10 +3138,9 @@
           <a:lstStyle/>
           <a:p>
             <a:r>
-              <a:rPr kumimoji="0" lang="en-US" smtClean="0"/>
+              <a:rPr kumimoji="0" lang="en-US"/>
               <a:t>Click to edit Master title style</a:t>
             </a:r>
-            <a:endParaRPr kumimoji="0" lang="en-US"/>
           </a:p>
         </p:txBody>
       </p:sp>
@@ -3168,38 +3171,37 @@
           <a:p>
             <a:pPr lvl="0" eaLnBrk="1" latinLnBrk="0" hangingPunct="1"/>
             <a:r>
-              <a:rPr kumimoji="0" lang="en-US" smtClean="0"/>
+              <a:rPr kumimoji="0" lang="en-US"/>
               <a:t>Click to edit Master text styles</a:t>
             </a:r>
           </a:p>
           <a:p>
             <a:pPr lvl="1" eaLnBrk="1" latinLnBrk="0" hangingPunct="1"/>
             <a:r>
-              <a:rPr kumimoji="0" lang="en-US" smtClean="0"/>
+              <a:rPr kumimoji="0" lang="en-US"/>
               <a:t>Second level</a:t>
             </a:r>
           </a:p>
           <a:p>
             <a:pPr lvl="2" eaLnBrk="1" latinLnBrk="0" hangingPunct="1"/>
             <a:r>
-              <a:rPr kumimoji="0" lang="en-US" smtClean="0"/>
+              <a:rPr kumimoji="0" lang="en-US"/>
               <a:t>Third level</a:t>
             </a:r>
           </a:p>
           <a:p>
             <a:pPr lvl="3" eaLnBrk="1" latinLnBrk="0" hangingPunct="1"/>
             <a:r>
-              <a:rPr kumimoji="0" lang="en-US" smtClean="0"/>
+              <a:rPr kumimoji="0" lang="en-US"/>
               <a:t>Fourth level</a:t>
             </a:r>
           </a:p>
           <a:p>
             <a:pPr lvl="4" eaLnBrk="1" latinLnBrk="0" hangingPunct="1"/>
             <a:r>
-              <a:rPr kumimoji="0" lang="en-US" smtClean="0"/>
+              <a:rPr kumimoji="0" lang="en-US"/>
               <a:t>Fifth level</a:t>
             </a:r>
-            <a:endParaRPr kumimoji="0" lang="en-US"/>
           </a:p>
         </p:txBody>
       </p:sp>
@@ -3238,7 +3240,7 @@
           <a:p>
             <a:fld id="{59C7C267-A324-43B7-A9CD-5E98CD661245}" type="datetimeFigureOut">
               <a:rPr lang="en-US" smtClean="0"/>
-              <a:t>4/27/2018</a:t>
+              <a:t>4/30/2018</a:t>
             </a:fld>
             <a:endParaRPr lang="en-US"/>
           </a:p>
@@ -3872,8 +3874,8 @@
           <a:lstStyle/>
           <a:p>
             <a:r>
-              <a:rPr lang="en-US" dirty="0" smtClean="0"/>
-              <a:t>Wasted Water Quiz</a:t>
+              <a:rPr lang="en-US" dirty="0" err="1"/>
+              <a:t>WaterQwiz</a:t>
             </a:r>
             <a:endParaRPr lang="en-US" dirty="0"/>
           </a:p>
@@ -3895,10 +3897,9 @@
           <a:lstStyle/>
           <a:p>
             <a:r>
-              <a:rPr lang="en-US" dirty="0" smtClean="0"/>
+              <a:rPr lang="en-US" dirty="0"/>
               <a:t>Team 24</a:t>
             </a:r>
-            <a:endParaRPr lang="en-US" dirty="0"/>
           </a:p>
         </p:txBody>
       </p:sp>
@@ -3906,78 +3907,6 @@
     <p:extLst>
       <p:ext uri="{BB962C8B-B14F-4D97-AF65-F5344CB8AC3E}">
         <p14:creationId xmlns:p14="http://schemas.microsoft.com/office/powerpoint/2010/main" val="3916363000"/>
-      </p:ext>
-    </p:extLst>
-  </p:cSld>
-  <p:clrMapOvr>
-    <a:masterClrMapping/>
-  </p:clrMapOvr>
-</p:sld>
-</file>
-
-<file path=ppt/slides/slide10.xml><?xml version="1.0" encoding="utf-8"?>
-<p:sld xmlns:a="http://schemas.openxmlformats.org/drawingml/2006/main" xmlns:r="http://schemas.openxmlformats.org/officeDocument/2006/relationships" xmlns:p="http://schemas.openxmlformats.org/presentationml/2006/main">
-  <p:cSld>
-    <p:spTree>
-      <p:nvGrpSpPr>
-        <p:cNvPr id="1" name=""/>
-        <p:cNvGrpSpPr/>
-        <p:nvPr/>
-      </p:nvGrpSpPr>
-      <p:grpSpPr>
-        <a:xfrm>
-          <a:off x="0" y="0"/>
-          <a:ext cx="0" cy="0"/>
-          <a:chOff x="0" y="0"/>
-          <a:chExt cx="0" cy="0"/>
-        </a:xfrm>
-      </p:grpSpPr>
-      <p:sp>
-        <p:nvSpPr>
-          <p:cNvPr id="2" name="Title 1"/>
-          <p:cNvSpPr>
-            <a:spLocks noGrp="1"/>
-          </p:cNvSpPr>
-          <p:nvPr>
-            <p:ph type="title"/>
-          </p:nvPr>
-        </p:nvSpPr>
-        <p:spPr/>
-        <p:txBody>
-          <a:bodyPr/>
-          <a:lstStyle/>
-          <a:p>
-            <a:r>
-              <a:rPr lang="en-US" dirty="0" smtClean="0"/>
-              <a:t>Questions?</a:t>
-            </a:r>
-            <a:endParaRPr lang="en-US" dirty="0"/>
-          </a:p>
-        </p:txBody>
-      </p:sp>
-      <p:sp>
-        <p:nvSpPr>
-          <p:cNvPr id="3" name="Content Placeholder 2"/>
-          <p:cNvSpPr>
-            <a:spLocks noGrp="1"/>
-          </p:cNvSpPr>
-          <p:nvPr>
-            <p:ph idx="1"/>
-          </p:nvPr>
-        </p:nvSpPr>
-        <p:spPr/>
-        <p:txBody>
-          <a:bodyPr/>
-          <a:lstStyle/>
-          <a:p>
-            <a:endParaRPr lang="en-US"/>
-          </a:p>
-        </p:txBody>
-      </p:sp>
-    </p:spTree>
-    <p:extLst>
-      <p:ext uri="{BB962C8B-B14F-4D97-AF65-F5344CB8AC3E}">
-        <p14:creationId xmlns:p14="http://schemas.microsoft.com/office/powerpoint/2010/main" val="4026785838"/>
       </p:ext>
     </p:extLst>
   </p:cSld>
@@ -4020,75 +3949,70 @@
           <a:lstStyle/>
           <a:p>
             <a:r>
-              <a:rPr lang="en-US" dirty="0" smtClean="0"/>
+              <a:rPr lang="en-US" dirty="0"/>
               <a:t>Outline</a:t>
             </a:r>
+          </a:p>
+        </p:txBody>
+      </p:sp>
+      <p:sp>
+        <p:nvSpPr>
+          <p:cNvPr id="3" name="Content Placeholder 2"/>
+          <p:cNvSpPr>
+            <a:spLocks noGrp="1"/>
+          </p:cNvSpPr>
+          <p:nvPr>
+            <p:ph idx="1"/>
+          </p:nvPr>
+        </p:nvSpPr>
+        <p:spPr/>
+        <p:txBody>
+          <a:bodyPr/>
+          <a:lstStyle/>
+          <a:p>
+            <a:r>
+              <a:rPr lang="en-US" dirty="0"/>
+              <a:t>Team Members</a:t>
+            </a:r>
+          </a:p>
+          <a:p>
+            <a:r>
+              <a:rPr lang="en-US" altLang="zh-TW" dirty="0"/>
+              <a:t>Problems</a:t>
+            </a:r>
             <a:endParaRPr lang="en-US" dirty="0"/>
           </a:p>
-        </p:txBody>
-      </p:sp>
-      <p:sp>
-        <p:nvSpPr>
-          <p:cNvPr id="3" name="Content Placeholder 2"/>
-          <p:cNvSpPr>
-            <a:spLocks noGrp="1"/>
-          </p:cNvSpPr>
-          <p:nvPr>
-            <p:ph idx="1"/>
-          </p:nvPr>
-        </p:nvSpPr>
-        <p:spPr/>
-        <p:txBody>
-          <a:bodyPr/>
-          <a:lstStyle/>
-          <a:p>
-            <a:r>
-              <a:rPr lang="en-US" dirty="0" smtClean="0"/>
-              <a:t>Team Members</a:t>
-            </a:r>
-          </a:p>
-          <a:p>
-            <a:r>
-              <a:rPr lang="en-US" dirty="0" smtClean="0"/>
-              <a:t>Application</a:t>
-            </a:r>
-          </a:p>
-          <a:p>
-            <a:r>
-              <a:rPr lang="en-US" dirty="0" smtClean="0"/>
-              <a:t>Purpose</a:t>
-            </a:r>
-          </a:p>
-          <a:p>
-            <a:r>
-              <a:rPr lang="en-US" dirty="0" smtClean="0"/>
-              <a:t>Target Audience</a:t>
-            </a:r>
-          </a:p>
-          <a:p>
-            <a:r>
-              <a:rPr lang="en-US" dirty="0" smtClean="0"/>
-              <a:t>Uniqueness</a:t>
-            </a:r>
-          </a:p>
-          <a:p>
-            <a:r>
-              <a:rPr lang="en-US" dirty="0" smtClean="0"/>
-              <a:t>Features</a:t>
-            </a:r>
-          </a:p>
-          <a:p>
-            <a:r>
-              <a:rPr lang="en-US" dirty="0" smtClean="0"/>
+          <a:p>
+            <a:r>
+              <a:rPr lang="en-US" altLang="zh-TW" dirty="0"/>
+              <a:t>Solution</a:t>
+            </a:r>
+            <a:endParaRPr lang="en-US" dirty="0"/>
+          </a:p>
+          <a:p>
+            <a:r>
+              <a:rPr lang="en-US" altLang="zh-TW" dirty="0"/>
+              <a:t>Target Audience &amp; Uniqueness</a:t>
+            </a:r>
+            <a:endParaRPr lang="en-US" dirty="0"/>
+          </a:p>
+          <a:p>
+            <a:r>
+              <a:rPr lang="en-US" dirty="0"/>
               <a:t>Technologies</a:t>
             </a:r>
           </a:p>
           <a:p>
             <a:r>
-              <a:rPr lang="en-US" dirty="0" smtClean="0"/>
+              <a:rPr lang="en-US" dirty="0"/>
+              <a:t>Breakdown of Roles</a:t>
+            </a:r>
+          </a:p>
+          <a:p>
+            <a:r>
+              <a:rPr lang="en-US" dirty="0"/>
               <a:t>Questions</a:t>
             </a:r>
-            <a:endParaRPr lang="en-US" dirty="0"/>
           </a:p>
         </p:txBody>
       </p:sp>
@@ -4138,10 +4062,9 @@
           <a:lstStyle/>
           <a:p>
             <a:r>
-              <a:rPr lang="en-US" dirty="0" smtClean="0"/>
+              <a:rPr lang="en-US" dirty="0"/>
               <a:t>Team 24</a:t>
             </a:r>
-            <a:endParaRPr lang="en-US" dirty="0"/>
           </a:p>
         </p:txBody>
       </p:sp>
@@ -4157,34 +4080,37 @@
         </p:nvSpPr>
         <p:spPr/>
         <p:txBody>
-          <a:bodyPr/>
-          <a:lstStyle/>
-          <a:p>
-            <a:r>
-              <a:rPr lang="en-US" dirty="0" smtClean="0"/>
-              <a:t>Alex – Graphic Designer</a:t>
-            </a:r>
-          </a:p>
-          <a:p>
-            <a:r>
-              <a:rPr lang="en-US" dirty="0" smtClean="0"/>
-              <a:t>Harmanbir &amp; Jonathan – Front-End</a:t>
-            </a:r>
-          </a:p>
-          <a:p>
-            <a:r>
-              <a:rPr lang="en-US" dirty="0" smtClean="0"/>
-              <a:t>Jacob – Back-End</a:t>
-            </a:r>
-          </a:p>
-          <a:p>
-            <a:r>
-              <a:rPr lang="en-US" dirty="0" smtClean="0"/>
-              <a:t>Allan - QA</a:t>
-            </a:r>
-          </a:p>
-          <a:p>
-            <a:endParaRPr lang="en-US" dirty="0"/>
+          <a:bodyPr>
+            <a:normAutofit/>
+          </a:bodyPr>
+          <a:lstStyle/>
+          <a:p>
+            <a:r>
+              <a:rPr lang="en-US" dirty="0"/>
+              <a:t>Alex – UI/UX Designer</a:t>
+            </a:r>
+          </a:p>
+          <a:p>
+            <a:r>
+              <a:rPr lang="en-US" dirty="0" err="1"/>
+              <a:t>Harmanbir</a:t>
+            </a:r>
+            <a:r>
+              <a:rPr lang="en-US" dirty="0"/>
+              <a:t> &amp; Jonathan – Front-End Developer</a:t>
+            </a:r>
+          </a:p>
+          <a:p>
+            <a:r>
+              <a:rPr lang="en-US" dirty="0"/>
+              <a:t>Jacob – Back-End Developer &amp; Team lead</a:t>
+            </a:r>
+          </a:p>
+          <a:p>
+            <a:r>
+              <a:rPr lang="en-US" dirty="0"/>
+              <a:t>Allan – Quality Assurance &amp; Sound</a:t>
+            </a:r>
           </a:p>
         </p:txBody>
       </p:sp>
@@ -4220,7 +4146,13 @@
       </p:grpSpPr>
       <p:sp>
         <p:nvSpPr>
-          <p:cNvPr id="2" name="Title 1"/>
+          <p:cNvPr id="2" name="標題 1">
+            <a:extLst>
+              <a:ext uri="{FF2B5EF4-FFF2-40B4-BE49-F238E27FC236}">
+                <a16:creationId xmlns:a16="http://schemas.microsoft.com/office/drawing/2014/main" id="{8B7A6AEC-ACA8-4A51-AD25-DC9D979038C0}"/>
+              </a:ext>
+            </a:extLst>
+          </p:cNvPr>
           <p:cNvSpPr>
             <a:spLocks noGrp="1"/>
           </p:cNvSpPr>
@@ -4234,16 +4166,22 @@
           <a:lstStyle/>
           <a:p>
             <a:r>
-              <a:rPr lang="en-US" dirty="0" smtClean="0"/>
-              <a:t>Application</a:t>
-            </a:r>
-            <a:endParaRPr lang="en-US" dirty="0"/>
-          </a:p>
-        </p:txBody>
-      </p:sp>
-      <p:sp>
-        <p:nvSpPr>
-          <p:cNvPr id="3" name="Content Placeholder 2"/>
+              <a:rPr lang="en-US" altLang="zh-TW" dirty="0"/>
+              <a:t>Problems</a:t>
+            </a:r>
+            <a:endParaRPr lang="zh-TW" altLang="en-US" dirty="0"/>
+          </a:p>
+        </p:txBody>
+      </p:sp>
+      <p:sp>
+        <p:nvSpPr>
+          <p:cNvPr id="3" name="內容版面配置區 2">
+            <a:extLst>
+              <a:ext uri="{FF2B5EF4-FFF2-40B4-BE49-F238E27FC236}">
+                <a16:creationId xmlns:a16="http://schemas.microsoft.com/office/drawing/2014/main" id="{5B8F69FB-2110-4940-A200-E715622F619D}"/>
+              </a:ext>
+            </a:extLst>
+          </p:cNvPr>
           <p:cNvSpPr>
             <a:spLocks noGrp="1"/>
           </p:cNvSpPr>
@@ -4256,38 +4194,54 @@
           <a:bodyPr/>
           <a:lstStyle/>
           <a:p>
-            <a:r>
-              <a:rPr lang="en-US" dirty="0" smtClean="0"/>
-              <a:t>Mobile quiz game</a:t>
-            </a:r>
-          </a:p>
-          <a:p>
-            <a:r>
-              <a:rPr lang="en-US" dirty="0" smtClean="0"/>
-              <a:t>Health bar in the form of a water gauge</a:t>
-            </a:r>
-          </a:p>
-          <a:p>
-            <a:r>
-              <a:rPr lang="en-US" dirty="0" smtClean="0"/>
-              <a:t>Users answer water waste related questions</a:t>
-            </a:r>
-          </a:p>
-          <a:p>
-            <a:r>
-              <a:rPr lang="en-US" dirty="0" smtClean="0"/>
-              <a:t>Compete with friends and other residents on the leaderboard</a:t>
-            </a:r>
-          </a:p>
-          <a:p>
-            <a:endParaRPr lang="en-US" dirty="0"/>
+            <a:pPr marL="514350" indent="-514350">
+              <a:buFont typeface="+mj-lt"/>
+              <a:buAutoNum type="arabicPeriod"/>
+            </a:pPr>
+            <a:r>
+              <a:rPr lang="en-US" altLang="zh-TW" dirty="0"/>
+              <a:t>Lack of interest</a:t>
+            </a:r>
+          </a:p>
+          <a:p>
+            <a:pPr marL="514350" indent="-514350">
+              <a:buFont typeface="+mj-lt"/>
+              <a:buAutoNum type="arabicPeriod"/>
+            </a:pPr>
+            <a:r>
+              <a:rPr lang="en-US" altLang="zh-TW" dirty="0"/>
+              <a:t>Lack of awareness</a:t>
+            </a:r>
+          </a:p>
+          <a:p>
+            <a:pPr marL="514350" indent="-514350">
+              <a:buFont typeface="+mj-lt"/>
+              <a:buAutoNum type="arabicPeriod"/>
+            </a:pPr>
+            <a:r>
+              <a:rPr lang="en-US" altLang="zh-TW" dirty="0"/>
+              <a:t>Lack of knowledge</a:t>
+            </a:r>
+          </a:p>
+          <a:p>
+            <a:pPr marL="514350" indent="-514350">
+              <a:buFont typeface="+mj-lt"/>
+              <a:buAutoNum type="arabicPeriod"/>
+            </a:pPr>
+            <a:endParaRPr lang="en-US" altLang="zh-TW" dirty="0"/>
+          </a:p>
+          <a:p>
+            <a:endParaRPr lang="en-US" altLang="zh-TW" dirty="0"/>
+          </a:p>
+          <a:p>
+            <a:endParaRPr lang="zh-TW" altLang="en-US" dirty="0"/>
           </a:p>
         </p:txBody>
       </p:sp>
     </p:spTree>
     <p:extLst>
       <p:ext uri="{BB962C8B-B14F-4D97-AF65-F5344CB8AC3E}">
-        <p14:creationId xmlns:p14="http://schemas.microsoft.com/office/powerpoint/2010/main" val="1832911184"/>
+        <p14:creationId xmlns:p14="http://schemas.microsoft.com/office/powerpoint/2010/main" val="2632816311"/>
       </p:ext>
     </p:extLst>
   </p:cSld>
@@ -4330,44 +4284,77 @@
           <a:lstStyle/>
           <a:p>
             <a:r>
-              <a:rPr lang="en-US" dirty="0" smtClean="0"/>
-              <a:t>Purpose</a:t>
-            </a:r>
+              <a:rPr lang="en-US" dirty="0"/>
+              <a:t>Solution</a:t>
+            </a:r>
+          </a:p>
+        </p:txBody>
+      </p:sp>
+      <p:sp>
+        <p:nvSpPr>
+          <p:cNvPr id="3" name="Content Placeholder 2"/>
+          <p:cNvSpPr>
+            <a:spLocks noGrp="1"/>
+          </p:cNvSpPr>
+          <p:nvPr>
+            <p:ph idx="1"/>
+          </p:nvPr>
+        </p:nvSpPr>
+        <p:spPr/>
+        <p:txBody>
+          <a:bodyPr>
+            <a:normAutofit lnSpcReduction="10000"/>
+          </a:bodyPr>
+          <a:lstStyle/>
+          <a:p>
+            <a:r>
+              <a:rPr lang="en-US" dirty="0"/>
+              <a:t>Mobile quiz game (interest up)</a:t>
+            </a:r>
+          </a:p>
+          <a:p>
+            <a:r>
+              <a:rPr lang="en-US" altLang="zh-TW" dirty="0"/>
+              <a:t>Quiz on water wasting (awareness up)</a:t>
+            </a:r>
+          </a:p>
+          <a:p>
+            <a:r>
+              <a:rPr lang="en-US" altLang="zh-TW" dirty="0"/>
+              <a:t>Links to existing learning resources (knowledge up)</a:t>
+            </a:r>
+          </a:p>
+          <a:p>
             <a:endParaRPr lang="en-US" dirty="0"/>
           </a:p>
-        </p:txBody>
-      </p:sp>
-      <p:sp>
-        <p:nvSpPr>
-          <p:cNvPr id="3" name="Content Placeholder 2"/>
-          <p:cNvSpPr>
-            <a:spLocks noGrp="1"/>
-          </p:cNvSpPr>
-          <p:nvPr>
-            <p:ph idx="1"/>
-          </p:nvPr>
-        </p:nvSpPr>
-        <p:spPr/>
-        <p:txBody>
-          <a:bodyPr/>
-          <a:lstStyle/>
-          <a:p>
-            <a:r>
-              <a:rPr lang="en-US" dirty="0" smtClean="0"/>
-              <a:t>Lack of knowledge and awareness for water waste</a:t>
-            </a:r>
-          </a:p>
-          <a:p>
-            <a:r>
-              <a:rPr lang="en-US" dirty="0" smtClean="0"/>
-              <a:t>Questions will test the knowledge of the people of metro Vancouver</a:t>
-            </a:r>
-          </a:p>
-          <a:p>
-            <a:r>
-              <a:rPr lang="en-US" dirty="0" smtClean="0"/>
-              <a:t>Learn efficient ways to save water</a:t>
-            </a:r>
+          <a:p>
+            <a:r>
+              <a:rPr lang="en-US" dirty="0"/>
+              <a:t>Application basic ideas</a:t>
+            </a:r>
+          </a:p>
+          <a:p>
+            <a:pPr lvl="1"/>
+            <a:r>
+              <a:rPr lang="en-US" dirty="0"/>
+              <a:t>Health bar in the form of a water gauge</a:t>
+            </a:r>
+          </a:p>
+          <a:p>
+            <a:pPr lvl="1"/>
+            <a:r>
+              <a:rPr lang="en-US" dirty="0"/>
+              <a:t>Compete with friends and other residents on the leaderboard</a:t>
+            </a:r>
+          </a:p>
+          <a:p>
+            <a:pPr lvl="1"/>
+            <a:r>
+              <a:rPr lang="en-US" dirty="0"/>
+              <a:t>Browse through linked existing websites to train yourself to get better score next time</a:t>
+            </a:r>
+          </a:p>
+          <a:p>
             <a:endParaRPr lang="en-US" dirty="0"/>
           </a:p>
         </p:txBody>
@@ -4375,7 +4362,7 @@
     </p:spTree>
     <p:extLst>
       <p:ext uri="{BB962C8B-B14F-4D97-AF65-F5344CB8AC3E}">
-        <p14:creationId xmlns:p14="http://schemas.microsoft.com/office/powerpoint/2010/main" val="3307196626"/>
+        <p14:creationId xmlns:p14="http://schemas.microsoft.com/office/powerpoint/2010/main" val="1832911184"/>
       </p:ext>
     </p:extLst>
   </p:cSld>
@@ -4412,50 +4399,85 @@
             <p:ph type="title"/>
           </p:nvPr>
         </p:nvSpPr>
+        <p:spPr>
+          <a:xfrm>
+            <a:off x="457200" y="704088"/>
+            <a:ext cx="8229600" cy="1143000"/>
+          </a:xfrm>
+        </p:spPr>
+        <p:txBody>
+          <a:bodyPr/>
+          <a:lstStyle/>
+          <a:p>
+            <a:r>
+              <a:rPr lang="en-US" dirty="0"/>
+              <a:t>Target Audience &amp; </a:t>
+            </a:r>
+            <a:r>
+              <a:rPr lang="en-US" altLang="zh-TW" dirty="0"/>
+              <a:t>Uniqueness</a:t>
+            </a:r>
+            <a:endParaRPr lang="en-US" dirty="0"/>
+          </a:p>
+        </p:txBody>
+      </p:sp>
+      <p:sp>
+        <p:nvSpPr>
+          <p:cNvPr id="3" name="Content Placeholder 2"/>
+          <p:cNvSpPr>
+            <a:spLocks noGrp="1"/>
+          </p:cNvSpPr>
+          <p:nvPr>
+            <p:ph idx="1"/>
+          </p:nvPr>
+        </p:nvSpPr>
         <p:spPr/>
         <p:txBody>
           <a:bodyPr/>
           <a:lstStyle/>
           <a:p>
             <a:r>
-              <a:rPr lang="en-US" dirty="0" smtClean="0"/>
-              <a:t>Target</a:t>
-            </a:r>
+              <a:rPr lang="en-US" dirty="0"/>
+              <a:t>Elementary school kids</a:t>
+            </a:r>
+          </a:p>
+          <a:p>
+            <a:r>
+              <a:rPr lang="en-US" dirty="0"/>
+              <a:t>Quiz lovers</a:t>
+            </a:r>
+          </a:p>
+          <a:p>
             <a:endParaRPr lang="en-US" dirty="0"/>
           </a:p>
-        </p:txBody>
-      </p:sp>
-      <p:sp>
-        <p:nvSpPr>
-          <p:cNvPr id="3" name="Content Placeholder 2"/>
-          <p:cNvSpPr>
-            <a:spLocks noGrp="1"/>
-          </p:cNvSpPr>
-          <p:nvPr>
-            <p:ph idx="1"/>
-          </p:nvPr>
-        </p:nvSpPr>
-        <p:spPr/>
-        <p:txBody>
-          <a:bodyPr/>
-          <a:lstStyle/>
-          <a:p>
-            <a:r>
-              <a:rPr lang="en-US" dirty="0" smtClean="0"/>
-              <a:t>People of metro Vancouver</a:t>
-            </a:r>
-          </a:p>
-          <a:p>
-            <a:r>
-              <a:rPr lang="en-US" dirty="0" smtClean="0"/>
-              <a:t>Free mobile web app</a:t>
-            </a:r>
-          </a:p>
-          <a:p>
-            <a:r>
-              <a:rPr lang="en-US" dirty="0" smtClean="0"/>
-              <a:t>Users of all ages</a:t>
-            </a:r>
+          <a:p>
+            <a:r>
+              <a:rPr lang="en-US" dirty="0"/>
+              <a:t>Time attack</a:t>
+            </a:r>
+          </a:p>
+          <a:p>
+            <a:r>
+              <a:rPr lang="en-US" dirty="0"/>
+              <a:t>Arcade style leaderboard</a:t>
+            </a:r>
+          </a:p>
+          <a:p>
+            <a:r>
+              <a:rPr lang="en-US" dirty="0"/>
+              <a:t>Appealing graphics</a:t>
+            </a:r>
+          </a:p>
+          <a:p>
+            <a:r>
+              <a:rPr lang="en-US" dirty="0"/>
+              <a:t>Smooth game flow</a:t>
+            </a:r>
+          </a:p>
+          <a:p>
+            <a:endParaRPr lang="en-US" dirty="0"/>
+          </a:p>
+          <a:p>
             <a:endParaRPr lang="en-US" dirty="0"/>
           </a:p>
         </p:txBody>
@@ -4506,10 +4528,9 @@
           <a:lstStyle/>
           <a:p>
             <a:r>
-              <a:rPr lang="en-US" dirty="0" smtClean="0"/>
-              <a:t>Uniqueness</a:t>
-            </a:r>
-            <a:endParaRPr lang="en-US" dirty="0"/>
+              <a:rPr lang="en-US" dirty="0"/>
+              <a:t>Technologies</a:t>
+            </a:r>
           </a:p>
         </p:txBody>
       </p:sp>
@@ -4529,28 +4550,58 @@
           <a:lstStyle/>
           <a:p>
             <a:r>
-              <a:rPr lang="en-US" dirty="0" smtClean="0"/>
-              <a:t>More engaging approach to presenting facts</a:t>
-            </a:r>
-          </a:p>
-          <a:p>
-            <a:r>
-              <a:rPr lang="en-US" dirty="0" smtClean="0"/>
-              <a:t>Appealing graphics</a:t>
-            </a:r>
-          </a:p>
-          <a:p>
-            <a:endParaRPr lang="en-US" dirty="0" smtClean="0"/>
-          </a:p>
-          <a:p>
-            <a:endParaRPr lang="en-US" dirty="0"/>
+              <a:rPr lang="en-US" dirty="0"/>
+              <a:t>Html 			page structure</a:t>
+            </a:r>
+          </a:p>
+          <a:p>
+            <a:r>
+              <a:rPr lang="en-US" dirty="0"/>
+              <a:t>CSS 				styling</a:t>
+            </a:r>
+          </a:p>
+          <a:p>
+            <a:r>
+              <a:rPr lang="en-US" dirty="0"/>
+              <a:t>PHP				server side script</a:t>
+            </a:r>
+          </a:p>
+          <a:p>
+            <a:r>
+              <a:rPr lang="en-US" dirty="0"/>
+              <a:t>Photoshop 		photo editing</a:t>
+            </a:r>
+          </a:p>
+          <a:p>
+            <a:r>
+              <a:rPr lang="en-US" dirty="0"/>
+              <a:t>MySQL 			database</a:t>
+            </a:r>
+          </a:p>
+          <a:p>
+            <a:r>
+              <a:rPr lang="en-US" dirty="0"/>
+              <a:t>JavaScript 			interactive functionalities</a:t>
+            </a:r>
+          </a:p>
+          <a:p>
+            <a:r>
+              <a:rPr lang="en-US" dirty="0"/>
+              <a:t>Brackets			code editing</a:t>
+            </a:r>
+          </a:p>
+          <a:p>
+            <a:r>
+              <a:rPr lang="en-US" dirty="0"/>
+              <a:t>Bootstrap			grid, templates and styling</a:t>
+            </a:r>
           </a:p>
         </p:txBody>
       </p:sp>
     </p:spTree>
     <p:extLst>
       <p:ext uri="{BB962C8B-B14F-4D97-AF65-F5344CB8AC3E}">
-        <p14:creationId xmlns:p14="http://schemas.microsoft.com/office/powerpoint/2010/main" val="4127281409"/>
+        <p14:creationId xmlns:p14="http://schemas.microsoft.com/office/powerpoint/2010/main" val="2175355013"/>
       </p:ext>
     </p:extLst>
   </p:cSld>
@@ -4593,10 +4644,9 @@
           <a:lstStyle/>
           <a:p>
             <a:r>
-              <a:rPr lang="en-US" dirty="0" smtClean="0"/>
-              <a:t>Features</a:t>
-            </a:r>
-            <a:endParaRPr lang="en-US" dirty="0"/>
+              <a:rPr lang="en-US" dirty="0"/>
+              <a:t>Breakdown of Roles</a:t>
+            </a:r>
           </a:p>
         </p:txBody>
       </p:sp>
@@ -4612,32 +4662,85 @@
         </p:nvSpPr>
         <p:spPr/>
         <p:txBody>
-          <a:bodyPr/>
-          <a:lstStyle/>
-          <a:p>
-            <a:r>
-              <a:rPr lang="en-US" dirty="0" smtClean="0"/>
-              <a:t>Basic trivia game</a:t>
-            </a:r>
-          </a:p>
-          <a:p>
-            <a:r>
-              <a:rPr lang="en-US" dirty="0" smtClean="0"/>
-              <a:t>Leaderboard</a:t>
-            </a:r>
-          </a:p>
-          <a:p>
-            <a:r>
-              <a:rPr lang="en-US" dirty="0" smtClean="0"/>
-              <a:t>Link to metro </a:t>
-            </a:r>
-            <a:r>
-              <a:rPr lang="en-US" dirty="0"/>
-              <a:t>V</a:t>
-            </a:r>
-            <a:r>
-              <a:rPr lang="en-US" dirty="0" smtClean="0"/>
-              <a:t>ancouver website</a:t>
+          <a:bodyPr>
+            <a:normAutofit fontScale="92500" lnSpcReduction="10000"/>
+          </a:bodyPr>
+          <a:lstStyle/>
+          <a:p>
+            <a:r>
+              <a:rPr lang="en-US" altLang="zh-TW" b="1" dirty="0"/>
+              <a:t>Alex – UI/UX Designer</a:t>
+            </a:r>
+          </a:p>
+          <a:p>
+            <a:pPr lvl="1"/>
+            <a:r>
+              <a:rPr lang="en-US" altLang="zh-TW" dirty="0"/>
+              <a:t>Design layouts, and create graphical elements</a:t>
+            </a:r>
+          </a:p>
+          <a:p>
+            <a:r>
+              <a:rPr lang="en-US" altLang="zh-TW" b="1" dirty="0" err="1"/>
+              <a:t>Harmanbir</a:t>
+            </a:r>
+            <a:r>
+              <a:rPr lang="en-US" altLang="zh-TW" b="1" dirty="0"/>
+              <a:t> &amp; Jonathan – Front-End</a:t>
+            </a:r>
+          </a:p>
+          <a:p>
+            <a:pPr lvl="1"/>
+            <a:r>
+              <a:rPr lang="en-US" altLang="zh-TW" dirty="0"/>
+              <a:t>Code all pages needed for the complete app</a:t>
+            </a:r>
+          </a:p>
+          <a:p>
+            <a:pPr lvl="1"/>
+            <a:r>
+              <a:rPr lang="en-US" altLang="zh-TW" dirty="0"/>
+              <a:t>Connect and test database</a:t>
+            </a:r>
+          </a:p>
+          <a:p>
+            <a:r>
+              <a:rPr lang="en-US" altLang="zh-TW" b="1" dirty="0"/>
+              <a:t>Jacob – Back-End &amp; Team lead</a:t>
+            </a:r>
+          </a:p>
+          <a:p>
+            <a:pPr lvl="1"/>
+            <a:r>
+              <a:rPr lang="en-US" altLang="zh-TW" dirty="0"/>
+              <a:t>Project Management</a:t>
+            </a:r>
+          </a:p>
+          <a:p>
+            <a:pPr lvl="1"/>
+            <a:r>
+              <a:rPr lang="en-US" altLang="zh-TW" dirty="0"/>
+              <a:t>Database</a:t>
+            </a:r>
+          </a:p>
+          <a:p>
+            <a:r>
+              <a:rPr lang="en-US" altLang="zh-TW" b="1" dirty="0"/>
+              <a:t>Allan – Quality Assurance &amp; Sound</a:t>
+            </a:r>
+          </a:p>
+          <a:p>
+            <a:pPr lvl="1"/>
+            <a:r>
+              <a:rPr lang="en-US" altLang="zh-TW" dirty="0"/>
+              <a:t>Ensure final product quality, debug and test code</a:t>
+            </a:r>
+          </a:p>
+          <a:p>
+            <a:pPr lvl="1"/>
+            <a:r>
+              <a:rPr lang="en-US" altLang="zh-TW" dirty="0"/>
+              <a:t>Produce sound effects needed</a:t>
             </a:r>
           </a:p>
           <a:p>
@@ -4648,7 +4751,7 @@
     </p:spTree>
     <p:extLst>
       <p:ext uri="{BB962C8B-B14F-4D97-AF65-F5344CB8AC3E}">
-        <p14:creationId xmlns:p14="http://schemas.microsoft.com/office/powerpoint/2010/main" val="4072369114"/>
+        <p14:creationId xmlns:p14="http://schemas.microsoft.com/office/powerpoint/2010/main" val="3307196626"/>
       </p:ext>
     </p:extLst>
   </p:cSld>
@@ -4691,82 +4794,51 @@
           <a:lstStyle/>
           <a:p>
             <a:r>
-              <a:rPr lang="en-US" dirty="0" smtClean="0"/>
-              <a:t>Technologies</a:t>
-            </a:r>
-            <a:endParaRPr lang="en-US" dirty="0"/>
-          </a:p>
-        </p:txBody>
-      </p:sp>
-      <p:sp>
-        <p:nvSpPr>
-          <p:cNvPr id="3" name="Content Placeholder 2"/>
-          <p:cNvSpPr>
-            <a:spLocks noGrp="1"/>
-          </p:cNvSpPr>
+              <a:rPr lang="en-US" dirty="0"/>
+              <a:t>Questions?</a:t>
+            </a:r>
+          </a:p>
+        </p:txBody>
+      </p:sp>
+      <p:pic>
+        <p:nvPicPr>
+          <p:cNvPr id="5" name="內容版面配置區 4">
+            <a:extLst>
+              <a:ext uri="{FF2B5EF4-FFF2-40B4-BE49-F238E27FC236}">
+                <a16:creationId xmlns:a16="http://schemas.microsoft.com/office/drawing/2014/main" id="{8FB782CE-E1FB-452F-92E3-0D7D50756DED}"/>
+              </a:ext>
+            </a:extLst>
+          </p:cNvPr>
+          <p:cNvPicPr>
+            <a:picLocks noGrp="1" noChangeAspect="1"/>
+          </p:cNvPicPr>
           <p:nvPr>
             <p:ph idx="1"/>
           </p:nvPr>
-        </p:nvSpPr>
-        <p:spPr/>
-        <p:txBody>
-          <a:bodyPr/>
-          <a:lstStyle/>
-          <a:p>
-            <a:r>
-              <a:rPr lang="en-US" dirty="0" smtClean="0"/>
-              <a:t>Html</a:t>
-            </a:r>
-          </a:p>
-          <a:p>
-            <a:r>
-              <a:rPr lang="en-US" dirty="0" smtClean="0"/>
-              <a:t>CSS</a:t>
-            </a:r>
-          </a:p>
-          <a:p>
-            <a:r>
-              <a:rPr lang="en-US" dirty="0" smtClean="0"/>
-              <a:t>PHP</a:t>
-            </a:r>
-          </a:p>
-          <a:p>
-            <a:r>
-              <a:rPr lang="en-US" dirty="0" smtClean="0"/>
-              <a:t>Photoshop</a:t>
-            </a:r>
-          </a:p>
-          <a:p>
-            <a:r>
-              <a:rPr lang="en-US" dirty="0" smtClean="0"/>
-              <a:t>MySQL</a:t>
-            </a:r>
-          </a:p>
-          <a:p>
-            <a:r>
-              <a:rPr lang="en-US" dirty="0" smtClean="0"/>
-              <a:t>JavaScript</a:t>
-            </a:r>
-          </a:p>
-          <a:p>
-            <a:r>
-              <a:rPr lang="en-US" dirty="0" smtClean="0"/>
-              <a:t>Brackets</a:t>
-            </a:r>
-          </a:p>
-          <a:p>
-            <a:r>
-              <a:rPr lang="en-US" dirty="0" smtClean="0"/>
-              <a:t>Bootstrap</a:t>
-            </a:r>
-            <a:endParaRPr lang="en-US" dirty="0"/>
-          </a:p>
-        </p:txBody>
-      </p:sp>
+        </p:nvPicPr>
+        <p:blipFill>
+          <a:blip r:embed="rId2">
+            <a:extLst>
+              <a:ext uri="{28A0092B-C50C-407E-A947-70E740481C1C}">
+                <a14:useLocalDpi xmlns:a14="http://schemas.microsoft.com/office/drawing/2010/main" val="0"/>
+              </a:ext>
+            </a:extLst>
+          </a:blip>
+          <a:stretch>
+            <a:fillRect/>
+          </a:stretch>
+        </p:blipFill>
+        <p:spPr>
+          <a:xfrm>
+            <a:off x="3047938" y="2605820"/>
+            <a:ext cx="3048123" cy="3048123"/>
+          </a:xfrm>
+        </p:spPr>
+      </p:pic>
     </p:spTree>
     <p:extLst>
       <p:ext uri="{BB962C8B-B14F-4D97-AF65-F5344CB8AC3E}">
-        <p14:creationId xmlns:p14="http://schemas.microsoft.com/office/powerpoint/2010/main" val="2175355013"/>
+        <p14:creationId xmlns:p14="http://schemas.microsoft.com/office/powerpoint/2010/main" val="4026785838"/>
       </p:ext>
     </p:extLst>
   </p:cSld>

--- a/Wasted Water Quiz.pptx
+++ b/Wasted Water Quiz.pptx
@@ -914,167 +914,85 @@
 </file>
 
 <file path=ppt/diagrams/colors2.xml><?xml version="1.0" encoding="utf-8"?>
-<dgm:colorsDef xmlns:dgm="http://schemas.openxmlformats.org/drawingml/2006/diagram" xmlns:a="http://schemas.openxmlformats.org/drawingml/2006/main" uniqueId="urn:microsoft.com/office/officeart/2005/8/colors/accent3_2">
+<dgm:colorsDef xmlns:dgm="http://schemas.openxmlformats.org/drawingml/2006/diagram" xmlns:a="http://schemas.openxmlformats.org/drawingml/2006/main" uniqueId="urn:microsoft.com/office/officeart/2005/8/colors/accent4_1">
   <dgm:title val=""/>
   <dgm:desc val=""/>
   <dgm:catLst>
-    <dgm:cat type="accent3" pri="11200"/>
+    <dgm:cat type="accent4" pri="11100"/>
   </dgm:catLst>
   <dgm:styleLbl name="node0">
     <dgm:fillClrLst meth="repeat">
-      <a:schemeClr val="accent3"/>
+      <a:schemeClr val="lt1"/>
     </dgm:fillClrLst>
     <dgm:linClrLst meth="repeat">
-      <a:schemeClr val="lt1"/>
+      <a:schemeClr val="accent4">
+        <a:shade val="80000"/>
+      </a:schemeClr>
     </dgm:linClrLst>
     <dgm:effectClrLst/>
     <dgm:txLinClrLst/>
-    <dgm:txFillClrLst/>
+    <dgm:txFillClrLst meth="repeat">
+      <a:schemeClr val="dk1"/>
+    </dgm:txFillClrLst>
     <dgm:txEffectClrLst/>
   </dgm:styleLbl>
   <dgm:styleLbl name="node1">
     <dgm:fillClrLst meth="repeat">
-      <a:schemeClr val="accent3"/>
+      <a:schemeClr val="lt1"/>
     </dgm:fillClrLst>
     <dgm:linClrLst meth="repeat">
-      <a:schemeClr val="lt1"/>
+      <a:schemeClr val="accent4">
+        <a:shade val="80000"/>
+      </a:schemeClr>
     </dgm:linClrLst>
     <dgm:effectClrLst/>
     <dgm:txLinClrLst/>
-    <dgm:txFillClrLst/>
+    <dgm:txFillClrLst meth="repeat">
+      <a:schemeClr val="dk1"/>
+    </dgm:txFillClrLst>
     <dgm:txEffectClrLst/>
   </dgm:styleLbl>
   <dgm:styleLbl name="alignNode1">
     <dgm:fillClrLst meth="repeat">
-      <a:schemeClr val="accent3"/>
+      <a:schemeClr val="lt1"/>
     </dgm:fillClrLst>
     <dgm:linClrLst meth="repeat">
-      <a:schemeClr val="accent3"/>
+      <a:schemeClr val="accent4">
+        <a:shade val="80000"/>
+      </a:schemeClr>
     </dgm:linClrLst>
     <dgm:effectClrLst/>
     <dgm:txLinClrLst/>
-    <dgm:txFillClrLst/>
+    <dgm:txFillClrLst meth="repeat">
+      <a:schemeClr val="dk1"/>
+    </dgm:txFillClrLst>
     <dgm:txEffectClrLst/>
   </dgm:styleLbl>
   <dgm:styleLbl name="lnNode1">
     <dgm:fillClrLst meth="repeat">
-      <a:schemeClr val="accent3"/>
+      <a:schemeClr val="lt1"/>
     </dgm:fillClrLst>
     <dgm:linClrLst meth="repeat">
-      <a:schemeClr val="lt1"/>
+      <a:schemeClr val="accent4">
+        <a:shade val="80000"/>
+      </a:schemeClr>
     </dgm:linClrLst>
     <dgm:effectClrLst/>
     <dgm:txLinClrLst/>
-    <dgm:txFillClrLst/>
+    <dgm:txFillClrLst meth="repeat">
+      <a:schemeClr val="dk1"/>
+    </dgm:txFillClrLst>
     <dgm:txEffectClrLst/>
   </dgm:styleLbl>
   <dgm:styleLbl name="vennNode1">
     <dgm:fillClrLst meth="repeat">
-      <a:schemeClr val="accent3">
+      <a:schemeClr val="lt1">
         <a:alpha val="50000"/>
       </a:schemeClr>
     </dgm:fillClrLst>
     <dgm:linClrLst meth="repeat">
-      <a:schemeClr val="lt1"/>
-    </dgm:linClrLst>
-    <dgm:effectClrLst/>
-    <dgm:txLinClrLst/>
-    <dgm:txFillClrLst/>
-    <dgm:txEffectClrLst/>
-  </dgm:styleLbl>
-  <dgm:styleLbl name="node2">
-    <dgm:fillClrLst meth="repeat">
-      <a:schemeClr val="accent3"/>
-    </dgm:fillClrLst>
-    <dgm:linClrLst meth="repeat">
-      <a:schemeClr val="lt1"/>
-    </dgm:linClrLst>
-    <dgm:effectClrLst/>
-    <dgm:txLinClrLst/>
-    <dgm:txFillClrLst/>
-    <dgm:txEffectClrLst/>
-  </dgm:styleLbl>
-  <dgm:styleLbl name="node3">
-    <dgm:fillClrLst meth="repeat">
-      <a:schemeClr val="accent3"/>
-    </dgm:fillClrLst>
-    <dgm:linClrLst meth="repeat">
-      <a:schemeClr val="lt1"/>
-    </dgm:linClrLst>
-    <dgm:effectClrLst/>
-    <dgm:txLinClrLst/>
-    <dgm:txFillClrLst/>
-    <dgm:txEffectClrLst/>
-  </dgm:styleLbl>
-  <dgm:styleLbl name="node4">
-    <dgm:fillClrLst meth="repeat">
-      <a:schemeClr val="accent3"/>
-    </dgm:fillClrLst>
-    <dgm:linClrLst meth="repeat">
-      <a:schemeClr val="lt1"/>
-    </dgm:linClrLst>
-    <dgm:effectClrLst/>
-    <dgm:txLinClrLst/>
-    <dgm:txFillClrLst/>
-    <dgm:txEffectClrLst/>
-  </dgm:styleLbl>
-  <dgm:styleLbl name="fgImgPlace1">
-    <dgm:fillClrLst meth="repeat">
-      <a:schemeClr val="accent3">
-        <a:tint val="50000"/>
-      </a:schemeClr>
-    </dgm:fillClrLst>
-    <dgm:linClrLst meth="repeat">
-      <a:schemeClr val="lt1"/>
-    </dgm:linClrLst>
-    <dgm:effectClrLst/>
-    <dgm:txLinClrLst/>
-    <dgm:txFillClrLst meth="repeat">
-      <a:schemeClr val="lt1"/>
-    </dgm:txFillClrLst>
-    <dgm:txEffectClrLst/>
-  </dgm:styleLbl>
-  <dgm:styleLbl name="alignImgPlace1">
-    <dgm:fillClrLst meth="repeat">
-      <a:schemeClr val="accent3">
-        <a:tint val="50000"/>
-      </a:schemeClr>
-    </dgm:fillClrLst>
-    <dgm:linClrLst meth="repeat">
-      <a:schemeClr val="lt1"/>
-    </dgm:linClrLst>
-    <dgm:effectClrLst/>
-    <dgm:txLinClrLst/>
-    <dgm:txFillClrLst meth="repeat">
-      <a:schemeClr val="lt1"/>
-    </dgm:txFillClrLst>
-    <dgm:txEffectClrLst/>
-  </dgm:styleLbl>
-  <dgm:styleLbl name="bgImgPlace1">
-    <dgm:fillClrLst meth="repeat">
-      <a:schemeClr val="accent3">
-        <a:tint val="50000"/>
-      </a:schemeClr>
-    </dgm:fillClrLst>
-    <dgm:linClrLst meth="repeat">
-      <a:schemeClr val="lt1"/>
-    </dgm:linClrLst>
-    <dgm:effectClrLst/>
-    <dgm:txLinClrLst/>
-    <dgm:txFillClrLst meth="repeat">
-      <a:schemeClr val="lt1"/>
-    </dgm:txFillClrLst>
-    <dgm:txEffectClrLst/>
-  </dgm:styleLbl>
-  <dgm:styleLbl name="sibTrans2D1">
-    <dgm:fillClrLst meth="repeat">
-      <a:schemeClr val="accent3">
-        <a:tint val="60000"/>
-      </a:schemeClr>
-    </dgm:fillClrLst>
-    <dgm:linClrLst meth="repeat">
-      <a:schemeClr val="accent3">
-        <a:tint val="60000"/>
+      <a:schemeClr val="accent4">
+        <a:shade val="80000"/>
       </a:schemeClr>
     </dgm:linClrLst>
     <dgm:effectClrLst/>
@@ -1082,137 +1000,63 @@
     <dgm:txFillClrLst/>
     <dgm:txEffectClrLst/>
   </dgm:styleLbl>
-  <dgm:styleLbl name="fgSibTrans2D1">
+  <dgm:styleLbl name="node2">
     <dgm:fillClrLst meth="repeat">
-      <a:schemeClr val="accent3">
-        <a:tint val="60000"/>
-      </a:schemeClr>
+      <a:schemeClr val="lt1"/>
     </dgm:fillClrLst>
     <dgm:linClrLst meth="repeat">
-      <a:schemeClr val="accent3">
-        <a:tint val="60000"/>
-      </a:schemeClr>
-    </dgm:linClrLst>
-    <dgm:effectClrLst/>
-    <dgm:txLinClrLst/>
-    <dgm:txFillClrLst/>
-    <dgm:txEffectClrLst/>
-  </dgm:styleLbl>
-  <dgm:styleLbl name="bgSibTrans2D1">
-    <dgm:fillClrLst meth="repeat">
-      <a:schemeClr val="accent3">
-        <a:tint val="60000"/>
-      </a:schemeClr>
-    </dgm:fillClrLst>
-    <dgm:linClrLst meth="repeat">
-      <a:schemeClr val="accent3">
-        <a:tint val="60000"/>
-      </a:schemeClr>
-    </dgm:linClrLst>
-    <dgm:effectClrLst/>
-    <dgm:txLinClrLst/>
-    <dgm:txFillClrLst/>
-    <dgm:txEffectClrLst/>
-  </dgm:styleLbl>
-  <dgm:styleLbl name="sibTrans1D1">
-    <dgm:fillClrLst meth="repeat">
-      <a:schemeClr val="accent3"/>
-    </dgm:fillClrLst>
-    <dgm:linClrLst meth="repeat">
-      <a:schemeClr val="accent3"/>
-    </dgm:linClrLst>
-    <dgm:effectClrLst/>
-    <dgm:txLinClrLst/>
-    <dgm:txFillClrLst meth="repeat">
-      <a:schemeClr val="tx1"/>
-    </dgm:txFillClrLst>
-    <dgm:txEffectClrLst/>
-  </dgm:styleLbl>
-  <dgm:styleLbl name="callout">
-    <dgm:fillClrLst meth="repeat">
-      <a:schemeClr val="accent3"/>
-    </dgm:fillClrLst>
-    <dgm:linClrLst meth="repeat">
-      <a:schemeClr val="accent3">
-        <a:tint val="50000"/>
+      <a:schemeClr val="accent4">
+        <a:shade val="80000"/>
       </a:schemeClr>
     </dgm:linClrLst>
     <dgm:effectClrLst/>
     <dgm:txLinClrLst/>
     <dgm:txFillClrLst meth="repeat">
-      <a:schemeClr val="tx1"/>
+      <a:schemeClr val="dk1"/>
     </dgm:txFillClrLst>
     <dgm:txEffectClrLst/>
   </dgm:styleLbl>
-  <dgm:styleLbl name="asst0">
+  <dgm:styleLbl name="node3">
     <dgm:fillClrLst meth="repeat">
-      <a:schemeClr val="accent3"/>
+      <a:schemeClr val="lt1"/>
     </dgm:fillClrLst>
     <dgm:linClrLst meth="repeat">
-      <a:schemeClr val="lt1"/>
+      <a:schemeClr val="accent4">
+        <a:shade val="80000"/>
+      </a:schemeClr>
     </dgm:linClrLst>
     <dgm:effectClrLst/>
     <dgm:txLinClrLst/>
-    <dgm:txFillClrLst/>
+    <dgm:txFillClrLst meth="repeat">
+      <a:schemeClr val="dk1"/>
+    </dgm:txFillClrLst>
     <dgm:txEffectClrLst/>
   </dgm:styleLbl>
-  <dgm:styleLbl name="asst1">
+  <dgm:styleLbl name="node4">
     <dgm:fillClrLst meth="repeat">
-      <a:schemeClr val="accent3"/>
+      <a:schemeClr val="lt1"/>
     </dgm:fillClrLst>
     <dgm:linClrLst meth="repeat">
-      <a:schemeClr val="lt1"/>
+      <a:schemeClr val="accent4">
+        <a:shade val="80000"/>
+      </a:schemeClr>
     </dgm:linClrLst>
     <dgm:effectClrLst/>
     <dgm:txLinClrLst/>
-    <dgm:txFillClrLst/>
+    <dgm:txFillClrLst meth="repeat">
+      <a:schemeClr val="dk1"/>
+    </dgm:txFillClrLst>
     <dgm:txEffectClrLst/>
   </dgm:styleLbl>
-  <dgm:styleLbl name="asst2">
+  <dgm:styleLbl name="fgImgPlace1">
     <dgm:fillClrLst meth="repeat">
-      <a:schemeClr val="accent3"/>
-    </dgm:fillClrLst>
-    <dgm:linClrLst meth="repeat">
-      <a:schemeClr val="lt1"/>
-    </dgm:linClrLst>
-    <dgm:effectClrLst/>
-    <dgm:txLinClrLst/>
-    <dgm:txFillClrLst/>
-    <dgm:txEffectClrLst/>
-  </dgm:styleLbl>
-  <dgm:styleLbl name="asst3">
-    <dgm:fillClrLst meth="repeat">
-      <a:schemeClr val="accent3"/>
-    </dgm:fillClrLst>
-    <dgm:linClrLst meth="repeat">
-      <a:schemeClr val="lt1"/>
-    </dgm:linClrLst>
-    <dgm:effectClrLst/>
-    <dgm:txLinClrLst/>
-    <dgm:txFillClrLst/>
-    <dgm:txEffectClrLst/>
-  </dgm:styleLbl>
-  <dgm:styleLbl name="asst4">
-    <dgm:fillClrLst meth="repeat">
-      <a:schemeClr val="accent3"/>
-    </dgm:fillClrLst>
-    <dgm:linClrLst meth="repeat">
-      <a:schemeClr val="lt1"/>
-    </dgm:linClrLst>
-    <dgm:effectClrLst/>
-    <dgm:txLinClrLst/>
-    <dgm:txFillClrLst/>
-    <dgm:txEffectClrLst/>
-  </dgm:styleLbl>
-  <dgm:styleLbl name="parChTrans2D1">
-    <dgm:fillClrLst meth="repeat">
-      <a:schemeClr val="accent3">
-        <a:tint val="60000"/>
+      <a:schemeClr val="accent4">
+        <a:tint val="40000"/>
       </a:schemeClr>
     </dgm:fillClrLst>
     <dgm:linClrLst meth="repeat">
-      <a:schemeClr val="accent3">
-        <a:tint val="60000"/>
+      <a:schemeClr val="accent4">
+        <a:shade val="80000"/>
       </a:schemeClr>
     </dgm:linClrLst>
     <dgm:effectClrLst/>
@@ -1222,12 +1066,16 @@
     </dgm:txFillClrLst>
     <dgm:txEffectClrLst/>
   </dgm:styleLbl>
-  <dgm:styleLbl name="parChTrans2D2">
+  <dgm:styleLbl name="alignImgPlace1">
     <dgm:fillClrLst meth="repeat">
-      <a:schemeClr val="accent3"/>
+      <a:schemeClr val="accent4">
+        <a:tint val="40000"/>
+      </a:schemeClr>
     </dgm:fillClrLst>
     <dgm:linClrLst meth="repeat">
-      <a:schemeClr val="accent3"/>
+      <a:schemeClr val="accent4">
+        <a:shade val="80000"/>
+      </a:schemeClr>
     </dgm:linClrLst>
     <dgm:effectClrLst/>
     <dgm:txLinClrLst/>
@@ -1236,12 +1084,16 @@
     </dgm:txFillClrLst>
     <dgm:txEffectClrLst/>
   </dgm:styleLbl>
-  <dgm:styleLbl name="parChTrans2D3">
+  <dgm:styleLbl name="bgImgPlace1">
     <dgm:fillClrLst meth="repeat">
-      <a:schemeClr val="accent3"/>
+      <a:schemeClr val="accent4">
+        <a:tint val="40000"/>
+      </a:schemeClr>
     </dgm:fillClrLst>
     <dgm:linClrLst meth="repeat">
-      <a:schemeClr val="accent3"/>
+      <a:schemeClr val="accent4">
+        <a:shade val="80000"/>
+      </a:schemeClr>
     </dgm:linClrLst>
     <dgm:effectClrLst/>
     <dgm:txLinClrLst/>
@@ -1250,12 +1102,214 @@
     </dgm:txFillClrLst>
     <dgm:txEffectClrLst/>
   </dgm:styleLbl>
+  <dgm:styleLbl name="sibTrans2D1">
+    <dgm:fillClrLst meth="repeat">
+      <a:schemeClr val="accent4">
+        <a:tint val="60000"/>
+      </a:schemeClr>
+    </dgm:fillClrLst>
+    <dgm:linClrLst meth="repeat">
+      <a:schemeClr val="accent4">
+        <a:tint val="60000"/>
+      </a:schemeClr>
+    </dgm:linClrLst>
+    <dgm:effectClrLst/>
+    <dgm:txLinClrLst/>
+    <dgm:txFillClrLst meth="repeat">
+      <a:schemeClr val="dk1"/>
+    </dgm:txFillClrLst>
+    <dgm:txEffectClrLst/>
+  </dgm:styleLbl>
+  <dgm:styleLbl name="fgSibTrans2D1">
+    <dgm:fillClrLst meth="repeat">
+      <a:schemeClr val="accent4">
+        <a:tint val="60000"/>
+      </a:schemeClr>
+    </dgm:fillClrLst>
+    <dgm:linClrLst meth="repeat">
+      <a:schemeClr val="accent4">
+        <a:tint val="60000"/>
+      </a:schemeClr>
+    </dgm:linClrLst>
+    <dgm:effectClrLst/>
+    <dgm:txLinClrLst/>
+    <dgm:txFillClrLst meth="repeat">
+      <a:schemeClr val="dk1"/>
+    </dgm:txFillClrLst>
+    <dgm:txEffectClrLst/>
+  </dgm:styleLbl>
+  <dgm:styleLbl name="bgSibTrans2D1">
+    <dgm:fillClrLst meth="repeat">
+      <a:schemeClr val="accent4">
+        <a:tint val="60000"/>
+      </a:schemeClr>
+    </dgm:fillClrLst>
+    <dgm:linClrLst meth="repeat">
+      <a:schemeClr val="accent4">
+        <a:tint val="60000"/>
+      </a:schemeClr>
+    </dgm:linClrLst>
+    <dgm:effectClrLst/>
+    <dgm:txLinClrLst/>
+    <dgm:txFillClrLst meth="repeat">
+      <a:schemeClr val="dk1"/>
+    </dgm:txFillClrLst>
+    <dgm:txEffectClrLst/>
+  </dgm:styleLbl>
+  <dgm:styleLbl name="sibTrans1D1">
+    <dgm:fillClrLst meth="repeat">
+      <a:schemeClr val="accent4"/>
+    </dgm:fillClrLst>
+    <dgm:linClrLst meth="repeat">
+      <a:schemeClr val="accent4"/>
+    </dgm:linClrLst>
+    <dgm:effectClrLst/>
+    <dgm:txLinClrLst/>
+    <dgm:txFillClrLst meth="repeat">
+      <a:schemeClr val="tx1"/>
+    </dgm:txFillClrLst>
+    <dgm:txEffectClrLst/>
+  </dgm:styleLbl>
+  <dgm:styleLbl name="callout">
+    <dgm:fillClrLst meth="repeat">
+      <a:schemeClr val="accent4"/>
+    </dgm:fillClrLst>
+    <dgm:linClrLst meth="repeat">
+      <a:schemeClr val="accent4"/>
+    </dgm:linClrLst>
+    <dgm:effectClrLst/>
+    <dgm:txLinClrLst/>
+    <dgm:txFillClrLst meth="repeat">
+      <a:schemeClr val="tx1"/>
+    </dgm:txFillClrLst>
+    <dgm:txEffectClrLst/>
+  </dgm:styleLbl>
+  <dgm:styleLbl name="asst0">
+    <dgm:fillClrLst meth="repeat">
+      <a:schemeClr val="lt1"/>
+    </dgm:fillClrLst>
+    <dgm:linClrLst meth="repeat">
+      <a:schemeClr val="accent4">
+        <a:shade val="80000"/>
+      </a:schemeClr>
+    </dgm:linClrLst>
+    <dgm:effectClrLst/>
+    <dgm:txLinClrLst/>
+    <dgm:txFillClrLst meth="repeat">
+      <a:schemeClr val="dk1"/>
+    </dgm:txFillClrLst>
+    <dgm:txEffectClrLst/>
+  </dgm:styleLbl>
+  <dgm:styleLbl name="asst1">
+    <dgm:fillClrLst meth="repeat">
+      <a:schemeClr val="lt1"/>
+    </dgm:fillClrLst>
+    <dgm:linClrLst meth="repeat">
+      <a:schemeClr val="accent4">
+        <a:shade val="80000"/>
+      </a:schemeClr>
+    </dgm:linClrLst>
+    <dgm:effectClrLst/>
+    <dgm:txLinClrLst/>
+    <dgm:txFillClrLst meth="repeat">
+      <a:schemeClr val="dk1"/>
+    </dgm:txFillClrLst>
+    <dgm:txEffectClrLst/>
+  </dgm:styleLbl>
+  <dgm:styleLbl name="asst2">
+    <dgm:fillClrLst meth="repeat">
+      <a:schemeClr val="lt1"/>
+    </dgm:fillClrLst>
+    <dgm:linClrLst meth="repeat">
+      <a:schemeClr val="accent4">
+        <a:shade val="80000"/>
+      </a:schemeClr>
+    </dgm:linClrLst>
+    <dgm:effectClrLst/>
+    <dgm:txLinClrLst/>
+    <dgm:txFillClrLst meth="repeat">
+      <a:schemeClr val="dk1"/>
+    </dgm:txFillClrLst>
+    <dgm:txEffectClrLst/>
+  </dgm:styleLbl>
+  <dgm:styleLbl name="asst3">
+    <dgm:fillClrLst meth="repeat">
+      <a:schemeClr val="lt1"/>
+    </dgm:fillClrLst>
+    <dgm:linClrLst meth="repeat">
+      <a:schemeClr val="accent4">
+        <a:shade val="80000"/>
+      </a:schemeClr>
+    </dgm:linClrLst>
+    <dgm:effectClrLst/>
+    <dgm:txLinClrLst/>
+    <dgm:txFillClrLst meth="repeat">
+      <a:schemeClr val="dk1"/>
+    </dgm:txFillClrLst>
+    <dgm:txEffectClrLst/>
+  </dgm:styleLbl>
+  <dgm:styleLbl name="asst4">
+    <dgm:fillClrLst meth="repeat">
+      <a:schemeClr val="lt1"/>
+    </dgm:fillClrLst>
+    <dgm:linClrLst meth="repeat">
+      <a:schemeClr val="accent4">
+        <a:shade val="80000"/>
+      </a:schemeClr>
+    </dgm:linClrLst>
+    <dgm:effectClrLst/>
+    <dgm:txLinClrLst/>
+    <dgm:txFillClrLst meth="repeat">
+      <a:schemeClr val="dk1"/>
+    </dgm:txFillClrLst>
+    <dgm:txEffectClrLst/>
+  </dgm:styleLbl>
+  <dgm:styleLbl name="parChTrans2D1">
+    <dgm:fillClrLst meth="repeat">
+      <a:schemeClr val="accent4">
+        <a:tint val="60000"/>
+      </a:schemeClr>
+    </dgm:fillClrLst>
+    <dgm:linClrLst meth="repeat">
+      <a:schemeClr val="accent4">
+        <a:tint val="60000"/>
+      </a:schemeClr>
+    </dgm:linClrLst>
+    <dgm:effectClrLst/>
+    <dgm:txLinClrLst/>
+    <dgm:txFillClrLst/>
+    <dgm:txEffectClrLst/>
+  </dgm:styleLbl>
+  <dgm:styleLbl name="parChTrans2D2">
+    <dgm:fillClrLst meth="repeat">
+      <a:schemeClr val="accent4"/>
+    </dgm:fillClrLst>
+    <dgm:linClrLst meth="repeat">
+      <a:schemeClr val="accent4"/>
+    </dgm:linClrLst>
+    <dgm:effectClrLst/>
+    <dgm:txLinClrLst/>
+    <dgm:txFillClrLst/>
+    <dgm:txEffectClrLst/>
+  </dgm:styleLbl>
+  <dgm:styleLbl name="parChTrans2D3">
+    <dgm:fillClrLst meth="repeat">
+      <a:schemeClr val="accent4"/>
+    </dgm:fillClrLst>
+    <dgm:linClrLst meth="repeat">
+      <a:schemeClr val="accent4"/>
+    </dgm:linClrLst>
+    <dgm:effectClrLst/>
+    <dgm:txLinClrLst/>
+    <dgm:txFillClrLst/>
+    <dgm:txEffectClrLst/>
+  </dgm:styleLbl>
   <dgm:styleLbl name="parChTrans2D4">
     <dgm:fillClrLst meth="repeat">
-      <a:schemeClr val="accent3"/>
+      <a:schemeClr val="accent4"/>
     </dgm:fillClrLst>
     <dgm:linClrLst meth="repeat">
-      <a:schemeClr val="accent3"/>
+      <a:schemeClr val="accent4"/>
     </dgm:linClrLst>
     <dgm:effectClrLst/>
     <dgm:txLinClrLst/>
@@ -1266,10 +1320,10 @@
   </dgm:styleLbl>
   <dgm:styleLbl name="parChTrans1D1">
     <dgm:fillClrLst meth="repeat">
-      <a:schemeClr val="accent3"/>
+      <a:schemeClr val="accent4"/>
     </dgm:fillClrLst>
     <dgm:linClrLst meth="repeat">
-      <a:schemeClr val="accent3">
+      <a:schemeClr val="accent4">
         <a:shade val="60000"/>
       </a:schemeClr>
     </dgm:linClrLst>
@@ -1282,10 +1336,10 @@
   </dgm:styleLbl>
   <dgm:styleLbl name="parChTrans1D2">
     <dgm:fillClrLst meth="repeat">
-      <a:schemeClr val="accent3"/>
+      <a:schemeClr val="accent4"/>
     </dgm:fillClrLst>
     <dgm:linClrLst meth="repeat">
-      <a:schemeClr val="accent3">
+      <a:schemeClr val="accent4">
         <a:shade val="60000"/>
       </a:schemeClr>
     </dgm:linClrLst>
@@ -1298,10 +1352,10 @@
   </dgm:styleLbl>
   <dgm:styleLbl name="parChTrans1D3">
     <dgm:fillClrLst meth="repeat">
-      <a:schemeClr val="accent3"/>
+      <a:schemeClr val="accent4"/>
     </dgm:fillClrLst>
     <dgm:linClrLst meth="repeat">
-      <a:schemeClr val="accent3">
+      <a:schemeClr val="accent4">
         <a:shade val="80000"/>
       </a:schemeClr>
     </dgm:linClrLst>
@@ -1314,10 +1368,10 @@
   </dgm:styleLbl>
   <dgm:styleLbl name="parChTrans1D4">
     <dgm:fillClrLst meth="repeat">
-      <a:schemeClr val="accent3"/>
+      <a:schemeClr val="accent4"/>
     </dgm:fillClrLst>
     <dgm:linClrLst meth="repeat">
-      <a:schemeClr val="accent3">
+      <a:schemeClr val="accent4">
         <a:shade val="80000"/>
       </a:schemeClr>
     </dgm:linClrLst>
@@ -1330,12 +1384,13 @@
   </dgm:styleLbl>
   <dgm:styleLbl name="fgAcc1">
     <dgm:fillClrLst meth="repeat">
-      <a:schemeClr val="lt1">
+      <a:schemeClr val="accent4">
         <a:alpha val="90000"/>
+        <a:tint val="40000"/>
       </a:schemeClr>
     </dgm:fillClrLst>
     <dgm:linClrLst meth="repeat">
-      <a:schemeClr val="accent3"/>
+      <a:schemeClr val="accent4"/>
     </dgm:linClrLst>
     <dgm:effectClrLst/>
     <dgm:txLinClrLst/>
@@ -1346,12 +1401,13 @@
   </dgm:styleLbl>
   <dgm:styleLbl name="conFgAcc1">
     <dgm:fillClrLst meth="repeat">
-      <a:schemeClr val="lt1">
+      <a:schemeClr val="accent4">
         <a:alpha val="90000"/>
+        <a:tint val="40000"/>
       </a:schemeClr>
     </dgm:fillClrLst>
     <dgm:linClrLst meth="repeat">
-      <a:schemeClr val="accent3"/>
+      <a:schemeClr val="accent4"/>
     </dgm:linClrLst>
     <dgm:effectClrLst/>
     <dgm:txLinClrLst/>
@@ -1362,12 +1418,13 @@
   </dgm:styleLbl>
   <dgm:styleLbl name="alignAcc1">
     <dgm:fillClrLst meth="repeat">
-      <a:schemeClr val="lt1">
+      <a:schemeClr val="accent4">
         <a:alpha val="90000"/>
+        <a:tint val="40000"/>
       </a:schemeClr>
     </dgm:fillClrLst>
     <dgm:linClrLst meth="repeat">
-      <a:schemeClr val="accent3"/>
+      <a:schemeClr val="accent4"/>
     </dgm:linClrLst>
     <dgm:effectClrLst/>
     <dgm:txLinClrLst/>
@@ -1378,12 +1435,13 @@
   </dgm:styleLbl>
   <dgm:styleLbl name="trAlignAcc1">
     <dgm:fillClrLst meth="repeat">
-      <a:schemeClr val="lt1">
+      <a:schemeClr val="accent4">
         <a:alpha val="40000"/>
+        <a:tint val="40000"/>
       </a:schemeClr>
     </dgm:fillClrLst>
     <dgm:linClrLst meth="repeat">
-      <a:schemeClr val="accent3"/>
+      <a:schemeClr val="accent4"/>
     </dgm:linClrLst>
     <dgm:effectClrLst/>
     <dgm:txLinClrLst/>
@@ -1394,12 +1452,13 @@
   </dgm:styleLbl>
   <dgm:styleLbl name="bgAcc1">
     <dgm:fillClrLst meth="repeat">
-      <a:schemeClr val="lt1">
+      <a:schemeClr val="accent4">
         <a:alpha val="90000"/>
+        <a:tint val="40000"/>
       </a:schemeClr>
     </dgm:fillClrLst>
     <dgm:linClrLst meth="repeat">
-      <a:schemeClr val="accent3"/>
+      <a:schemeClr val="accent4"/>
     </dgm:linClrLst>
     <dgm:effectClrLst/>
     <dgm:txLinClrLst/>
@@ -1413,7 +1472,7 @@
       <a:schemeClr val="lt1"/>
     </dgm:fillClrLst>
     <dgm:linClrLst meth="repeat">
-      <a:schemeClr val="accent3"/>
+      <a:schemeClr val="accent4"/>
     </dgm:linClrLst>
     <dgm:effectClrLst/>
     <dgm:txLinClrLst/>
@@ -1427,7 +1486,7 @@
       <a:schemeClr val="lt1"/>
     </dgm:fillClrLst>
     <dgm:linClrLst meth="repeat">
-      <a:schemeClr val="accent3"/>
+      <a:schemeClr val="accent4"/>
     </dgm:linClrLst>
     <dgm:effectClrLst/>
     <dgm:txLinClrLst/>
@@ -1441,7 +1500,7 @@
       <a:schemeClr val="lt1"/>
     </dgm:fillClrLst>
     <dgm:linClrLst meth="repeat">
-      <a:schemeClr val="accent3"/>
+      <a:schemeClr val="accent4"/>
     </dgm:linClrLst>
     <dgm:effectClrLst/>
     <dgm:txLinClrLst/>
@@ -1452,15 +1511,14 @@
   </dgm:styleLbl>
   <dgm:styleLbl name="fgAccFollowNode1">
     <dgm:fillClrLst meth="repeat">
-      <a:schemeClr val="accent3">
+      <a:schemeClr val="lt1">
         <a:alpha val="90000"/>
         <a:tint val="40000"/>
       </a:schemeClr>
     </dgm:fillClrLst>
     <dgm:linClrLst meth="repeat">
-      <a:schemeClr val="accent3">
+      <a:schemeClr val="accent4">
         <a:alpha val="90000"/>
-        <a:tint val="40000"/>
       </a:schemeClr>
     </dgm:linClrLst>
     <dgm:effectClrLst/>
@@ -1472,15 +1530,14 @@
   </dgm:styleLbl>
   <dgm:styleLbl name="alignAccFollowNode1">
     <dgm:fillClrLst meth="repeat">
-      <a:schemeClr val="accent3">
+      <a:schemeClr val="lt1">
         <a:alpha val="90000"/>
         <a:tint val="40000"/>
       </a:schemeClr>
     </dgm:fillClrLst>
     <dgm:linClrLst meth="repeat">
-      <a:schemeClr val="accent3">
+      <a:schemeClr val="accent4">
         <a:alpha val="90000"/>
-        <a:tint val="40000"/>
       </a:schemeClr>
     </dgm:linClrLst>
     <dgm:effectClrLst/>
@@ -1492,15 +1549,14 @@
   </dgm:styleLbl>
   <dgm:styleLbl name="bgAccFollowNode1">
     <dgm:fillClrLst meth="repeat">
-      <a:schemeClr val="accent3">
+      <a:schemeClr val="lt1">
         <a:alpha val="90000"/>
         <a:tint val="40000"/>
       </a:schemeClr>
     </dgm:fillClrLst>
     <dgm:linClrLst meth="repeat">
-      <a:schemeClr val="accent3">
+      <a:schemeClr val="accent4">
         <a:alpha val="90000"/>
-        <a:tint val="40000"/>
       </a:schemeClr>
     </dgm:linClrLst>
     <dgm:effectClrLst/>
@@ -1512,12 +1568,13 @@
   </dgm:styleLbl>
   <dgm:styleLbl name="fgAcc0">
     <dgm:fillClrLst meth="repeat">
-      <a:schemeClr val="lt1">
+      <a:schemeClr val="accent4">
         <a:alpha val="90000"/>
+        <a:tint val="40000"/>
       </a:schemeClr>
     </dgm:fillClrLst>
     <dgm:linClrLst meth="repeat">
-      <a:schemeClr val="accent3"/>
+      <a:schemeClr val="accent4"/>
     </dgm:linClrLst>
     <dgm:effectClrLst/>
     <dgm:txLinClrLst/>
@@ -1528,12 +1585,13 @@
   </dgm:styleLbl>
   <dgm:styleLbl name="fgAcc2">
     <dgm:fillClrLst meth="repeat">
-      <a:schemeClr val="lt1">
+      <a:schemeClr val="accent4">
         <a:alpha val="90000"/>
+        <a:tint val="40000"/>
       </a:schemeClr>
     </dgm:fillClrLst>
     <dgm:linClrLst meth="repeat">
-      <a:schemeClr val="accent3"/>
+      <a:schemeClr val="accent4"/>
     </dgm:linClrLst>
     <dgm:effectClrLst/>
     <dgm:txLinClrLst/>
@@ -1544,12 +1602,13 @@
   </dgm:styleLbl>
   <dgm:styleLbl name="fgAcc3">
     <dgm:fillClrLst meth="repeat">
-      <a:schemeClr val="lt1">
+      <a:schemeClr val="accent4">
         <a:alpha val="90000"/>
+        <a:tint val="40000"/>
       </a:schemeClr>
     </dgm:fillClrLst>
     <dgm:linClrLst meth="repeat">
-      <a:schemeClr val="accent3"/>
+      <a:schemeClr val="accent4"/>
     </dgm:linClrLst>
     <dgm:effectClrLst/>
     <dgm:txLinClrLst/>
@@ -1560,12 +1619,13 @@
   </dgm:styleLbl>
   <dgm:styleLbl name="fgAcc4">
     <dgm:fillClrLst meth="repeat">
-      <a:schemeClr val="lt1">
+      <a:schemeClr val="accent4">
         <a:alpha val="90000"/>
+        <a:tint val="40000"/>
       </a:schemeClr>
     </dgm:fillClrLst>
     <dgm:linClrLst meth="repeat">
-      <a:schemeClr val="accent3"/>
+      <a:schemeClr val="accent4"/>
     </dgm:linClrLst>
     <dgm:effectClrLst/>
     <dgm:txLinClrLst/>
@@ -1576,12 +1636,12 @@
   </dgm:styleLbl>
   <dgm:styleLbl name="bgShp">
     <dgm:fillClrLst meth="repeat">
-      <a:schemeClr val="accent3">
+      <a:schemeClr val="accent4">
         <a:tint val="40000"/>
       </a:schemeClr>
     </dgm:fillClrLst>
     <dgm:linClrLst meth="repeat">
-      <a:schemeClr val="accent3"/>
+      <a:schemeClr val="accent4"/>
     </dgm:linClrLst>
     <dgm:effectClrLst/>
     <dgm:txLinClrLst/>
@@ -1592,12 +1652,12 @@
   </dgm:styleLbl>
   <dgm:styleLbl name="dkBgShp">
     <dgm:fillClrLst meth="repeat">
-      <a:schemeClr val="accent3">
+      <a:schemeClr val="accent4">
         <a:shade val="80000"/>
       </a:schemeClr>
     </dgm:fillClrLst>
     <dgm:linClrLst meth="repeat">
-      <a:schemeClr val="accent3"/>
+      <a:schemeClr val="accent4"/>
     </dgm:linClrLst>
     <dgm:effectClrLst/>
     <dgm:txLinClrLst/>
@@ -1608,13 +1668,13 @@
   </dgm:styleLbl>
   <dgm:styleLbl name="trBgShp">
     <dgm:fillClrLst meth="repeat">
-      <a:schemeClr val="accent3">
+      <a:schemeClr val="accent4">
         <a:tint val="50000"/>
         <a:alpha val="40000"/>
       </a:schemeClr>
     </dgm:fillClrLst>
     <dgm:linClrLst meth="repeat">
-      <a:schemeClr val="accent3"/>
+      <a:schemeClr val="accent4"/>
     </dgm:linClrLst>
     <dgm:effectClrLst/>
     <dgm:txLinClrLst/>
@@ -1625,7 +1685,7 @@
   </dgm:styleLbl>
   <dgm:styleLbl name="fgShp">
     <dgm:fillClrLst meth="repeat">
-      <a:schemeClr val="accent3">
+      <a:schemeClr val="accent4">
         <a:tint val="60000"/>
       </a:schemeClr>
     </dgm:fillClrLst>
@@ -2393,813 +2453,6 @@
   <dgm:styleLbl name="revTx">
     <dgm:fillClrLst meth="repeat">
       <a:schemeClr val="lt2">
-        <a:alpha val="0"/>
-      </a:schemeClr>
-    </dgm:fillClrLst>
-    <dgm:linClrLst meth="repeat">
-      <a:schemeClr val="dk1">
-        <a:alpha val="0"/>
-      </a:schemeClr>
-    </dgm:linClrLst>
-    <dgm:effectClrLst/>
-    <dgm:txLinClrLst/>
-    <dgm:txFillClrLst meth="repeat">
-      <a:schemeClr val="tx1"/>
-    </dgm:txFillClrLst>
-    <dgm:txEffectClrLst/>
-  </dgm:styleLbl>
-</dgm:colorsDef>
-</file>
-
-<file path=ppt/diagrams/colors4.xml><?xml version="1.0" encoding="utf-8"?>
-<dgm:colorsDef xmlns:dgm="http://schemas.openxmlformats.org/drawingml/2006/diagram" xmlns:a="http://schemas.openxmlformats.org/drawingml/2006/main" uniqueId="urn:microsoft.com/office/officeart/2005/8/colors/accent3_1">
-  <dgm:title val=""/>
-  <dgm:desc val=""/>
-  <dgm:catLst>
-    <dgm:cat type="accent3" pri="11100"/>
-  </dgm:catLst>
-  <dgm:styleLbl name="node0">
-    <dgm:fillClrLst meth="repeat">
-      <a:schemeClr val="lt1"/>
-    </dgm:fillClrLst>
-    <dgm:linClrLst meth="repeat">
-      <a:schemeClr val="accent3">
-        <a:shade val="80000"/>
-      </a:schemeClr>
-    </dgm:linClrLst>
-    <dgm:effectClrLst/>
-    <dgm:txLinClrLst/>
-    <dgm:txFillClrLst meth="repeat">
-      <a:schemeClr val="dk1"/>
-    </dgm:txFillClrLst>
-    <dgm:txEffectClrLst/>
-  </dgm:styleLbl>
-  <dgm:styleLbl name="node1">
-    <dgm:fillClrLst meth="repeat">
-      <a:schemeClr val="lt1"/>
-    </dgm:fillClrLst>
-    <dgm:linClrLst meth="repeat">
-      <a:schemeClr val="accent3">
-        <a:shade val="80000"/>
-      </a:schemeClr>
-    </dgm:linClrLst>
-    <dgm:effectClrLst/>
-    <dgm:txLinClrLst/>
-    <dgm:txFillClrLst meth="repeat">
-      <a:schemeClr val="dk1"/>
-    </dgm:txFillClrLst>
-    <dgm:txEffectClrLst/>
-  </dgm:styleLbl>
-  <dgm:styleLbl name="alignNode1">
-    <dgm:fillClrLst meth="repeat">
-      <a:schemeClr val="lt1"/>
-    </dgm:fillClrLst>
-    <dgm:linClrLst meth="repeat">
-      <a:schemeClr val="accent3">
-        <a:shade val="80000"/>
-      </a:schemeClr>
-    </dgm:linClrLst>
-    <dgm:effectClrLst/>
-    <dgm:txLinClrLst/>
-    <dgm:txFillClrLst meth="repeat">
-      <a:schemeClr val="dk1"/>
-    </dgm:txFillClrLst>
-    <dgm:txEffectClrLst/>
-  </dgm:styleLbl>
-  <dgm:styleLbl name="lnNode1">
-    <dgm:fillClrLst meth="repeat">
-      <a:schemeClr val="lt1"/>
-    </dgm:fillClrLst>
-    <dgm:linClrLst meth="repeat">
-      <a:schemeClr val="accent3">
-        <a:shade val="80000"/>
-      </a:schemeClr>
-    </dgm:linClrLst>
-    <dgm:effectClrLst/>
-    <dgm:txLinClrLst/>
-    <dgm:txFillClrLst meth="repeat">
-      <a:schemeClr val="dk1"/>
-    </dgm:txFillClrLst>
-    <dgm:txEffectClrLst/>
-  </dgm:styleLbl>
-  <dgm:styleLbl name="vennNode1">
-    <dgm:fillClrLst meth="repeat">
-      <a:schemeClr val="lt1">
-        <a:alpha val="50000"/>
-      </a:schemeClr>
-    </dgm:fillClrLst>
-    <dgm:linClrLst meth="repeat">
-      <a:schemeClr val="accent3">
-        <a:shade val="80000"/>
-      </a:schemeClr>
-    </dgm:linClrLst>
-    <dgm:effectClrLst/>
-    <dgm:txLinClrLst/>
-    <dgm:txFillClrLst/>
-    <dgm:txEffectClrLst/>
-  </dgm:styleLbl>
-  <dgm:styleLbl name="node2">
-    <dgm:fillClrLst meth="repeat">
-      <a:schemeClr val="lt1"/>
-    </dgm:fillClrLst>
-    <dgm:linClrLst meth="repeat">
-      <a:schemeClr val="accent3">
-        <a:shade val="80000"/>
-      </a:schemeClr>
-    </dgm:linClrLst>
-    <dgm:effectClrLst/>
-    <dgm:txLinClrLst/>
-    <dgm:txFillClrLst meth="repeat">
-      <a:schemeClr val="dk1"/>
-    </dgm:txFillClrLst>
-    <dgm:txEffectClrLst/>
-  </dgm:styleLbl>
-  <dgm:styleLbl name="node3">
-    <dgm:fillClrLst meth="repeat">
-      <a:schemeClr val="lt1"/>
-    </dgm:fillClrLst>
-    <dgm:linClrLst meth="repeat">
-      <a:schemeClr val="accent3">
-        <a:shade val="80000"/>
-      </a:schemeClr>
-    </dgm:linClrLst>
-    <dgm:effectClrLst/>
-    <dgm:txLinClrLst/>
-    <dgm:txFillClrLst meth="repeat">
-      <a:schemeClr val="dk1"/>
-    </dgm:txFillClrLst>
-    <dgm:txEffectClrLst/>
-  </dgm:styleLbl>
-  <dgm:styleLbl name="node4">
-    <dgm:fillClrLst meth="repeat">
-      <a:schemeClr val="lt1"/>
-    </dgm:fillClrLst>
-    <dgm:linClrLst meth="repeat">
-      <a:schemeClr val="accent3">
-        <a:shade val="80000"/>
-      </a:schemeClr>
-    </dgm:linClrLst>
-    <dgm:effectClrLst/>
-    <dgm:txLinClrLst/>
-    <dgm:txFillClrLst meth="repeat">
-      <a:schemeClr val="dk1"/>
-    </dgm:txFillClrLst>
-    <dgm:txEffectClrLst/>
-  </dgm:styleLbl>
-  <dgm:styleLbl name="fgImgPlace1">
-    <dgm:fillClrLst meth="repeat">
-      <a:schemeClr val="accent3">
-        <a:tint val="40000"/>
-      </a:schemeClr>
-    </dgm:fillClrLst>
-    <dgm:linClrLst meth="repeat">
-      <a:schemeClr val="accent3">
-        <a:shade val="80000"/>
-      </a:schemeClr>
-    </dgm:linClrLst>
-    <dgm:effectClrLst/>
-    <dgm:txLinClrLst/>
-    <dgm:txFillClrLst meth="repeat">
-      <a:schemeClr val="lt1"/>
-    </dgm:txFillClrLst>
-    <dgm:txEffectClrLst/>
-  </dgm:styleLbl>
-  <dgm:styleLbl name="alignImgPlace1">
-    <dgm:fillClrLst meth="repeat">
-      <a:schemeClr val="accent3">
-        <a:tint val="40000"/>
-      </a:schemeClr>
-    </dgm:fillClrLst>
-    <dgm:linClrLst meth="repeat">
-      <a:schemeClr val="accent3">
-        <a:shade val="80000"/>
-      </a:schemeClr>
-    </dgm:linClrLst>
-    <dgm:effectClrLst/>
-    <dgm:txLinClrLst/>
-    <dgm:txFillClrLst meth="repeat">
-      <a:schemeClr val="lt1"/>
-    </dgm:txFillClrLst>
-    <dgm:txEffectClrLst/>
-  </dgm:styleLbl>
-  <dgm:styleLbl name="bgImgPlace1">
-    <dgm:fillClrLst meth="repeat">
-      <a:schemeClr val="accent3">
-        <a:tint val="40000"/>
-      </a:schemeClr>
-    </dgm:fillClrLst>
-    <dgm:linClrLst meth="repeat">
-      <a:schemeClr val="accent3">
-        <a:shade val="80000"/>
-      </a:schemeClr>
-    </dgm:linClrLst>
-    <dgm:effectClrLst/>
-    <dgm:txLinClrLst/>
-    <dgm:txFillClrLst meth="repeat">
-      <a:schemeClr val="lt1"/>
-    </dgm:txFillClrLst>
-    <dgm:txEffectClrLst/>
-  </dgm:styleLbl>
-  <dgm:styleLbl name="sibTrans2D1">
-    <dgm:fillClrLst meth="repeat">
-      <a:schemeClr val="accent3">
-        <a:tint val="60000"/>
-      </a:schemeClr>
-    </dgm:fillClrLst>
-    <dgm:linClrLst meth="repeat">
-      <a:schemeClr val="accent3">
-        <a:tint val="60000"/>
-      </a:schemeClr>
-    </dgm:linClrLst>
-    <dgm:effectClrLst/>
-    <dgm:txLinClrLst/>
-    <dgm:txFillClrLst meth="repeat">
-      <a:schemeClr val="dk1"/>
-    </dgm:txFillClrLst>
-    <dgm:txEffectClrLst/>
-  </dgm:styleLbl>
-  <dgm:styleLbl name="fgSibTrans2D1">
-    <dgm:fillClrLst meth="repeat">
-      <a:schemeClr val="accent3">
-        <a:tint val="60000"/>
-      </a:schemeClr>
-    </dgm:fillClrLst>
-    <dgm:linClrLst meth="repeat">
-      <a:schemeClr val="accent3">
-        <a:tint val="60000"/>
-      </a:schemeClr>
-    </dgm:linClrLst>
-    <dgm:effectClrLst/>
-    <dgm:txLinClrLst/>
-    <dgm:txFillClrLst meth="repeat">
-      <a:schemeClr val="dk1"/>
-    </dgm:txFillClrLst>
-    <dgm:txEffectClrLst/>
-  </dgm:styleLbl>
-  <dgm:styleLbl name="bgSibTrans2D1">
-    <dgm:fillClrLst meth="repeat">
-      <a:schemeClr val="accent3">
-        <a:tint val="60000"/>
-      </a:schemeClr>
-    </dgm:fillClrLst>
-    <dgm:linClrLst meth="repeat">
-      <a:schemeClr val="accent3">
-        <a:tint val="60000"/>
-      </a:schemeClr>
-    </dgm:linClrLst>
-    <dgm:effectClrLst/>
-    <dgm:txLinClrLst/>
-    <dgm:txFillClrLst meth="repeat">
-      <a:schemeClr val="dk1"/>
-    </dgm:txFillClrLst>
-    <dgm:txEffectClrLst/>
-  </dgm:styleLbl>
-  <dgm:styleLbl name="sibTrans1D1">
-    <dgm:fillClrLst meth="repeat">
-      <a:schemeClr val="accent3"/>
-    </dgm:fillClrLst>
-    <dgm:linClrLst meth="repeat">
-      <a:schemeClr val="accent3"/>
-    </dgm:linClrLst>
-    <dgm:effectClrLst/>
-    <dgm:txLinClrLst/>
-    <dgm:txFillClrLst meth="repeat">
-      <a:schemeClr val="tx1"/>
-    </dgm:txFillClrLst>
-    <dgm:txEffectClrLst/>
-  </dgm:styleLbl>
-  <dgm:styleLbl name="callout">
-    <dgm:fillClrLst meth="repeat">
-      <a:schemeClr val="accent3"/>
-    </dgm:fillClrLst>
-    <dgm:linClrLst meth="repeat">
-      <a:schemeClr val="accent3"/>
-    </dgm:linClrLst>
-    <dgm:effectClrLst/>
-    <dgm:txLinClrLst/>
-    <dgm:txFillClrLst meth="repeat">
-      <a:schemeClr val="tx1"/>
-    </dgm:txFillClrLst>
-    <dgm:txEffectClrLst/>
-  </dgm:styleLbl>
-  <dgm:styleLbl name="asst0">
-    <dgm:fillClrLst meth="repeat">
-      <a:schemeClr val="lt1"/>
-    </dgm:fillClrLst>
-    <dgm:linClrLst meth="repeat">
-      <a:schemeClr val="accent3">
-        <a:shade val="80000"/>
-      </a:schemeClr>
-    </dgm:linClrLst>
-    <dgm:effectClrLst/>
-    <dgm:txLinClrLst/>
-    <dgm:txFillClrLst meth="repeat">
-      <a:schemeClr val="dk1"/>
-    </dgm:txFillClrLst>
-    <dgm:txEffectClrLst/>
-  </dgm:styleLbl>
-  <dgm:styleLbl name="asst1">
-    <dgm:fillClrLst meth="repeat">
-      <a:schemeClr val="lt1"/>
-    </dgm:fillClrLst>
-    <dgm:linClrLst meth="repeat">
-      <a:schemeClr val="accent3">
-        <a:shade val="80000"/>
-      </a:schemeClr>
-    </dgm:linClrLst>
-    <dgm:effectClrLst/>
-    <dgm:txLinClrLst/>
-    <dgm:txFillClrLst meth="repeat">
-      <a:schemeClr val="dk1"/>
-    </dgm:txFillClrLst>
-    <dgm:txEffectClrLst/>
-  </dgm:styleLbl>
-  <dgm:styleLbl name="asst2">
-    <dgm:fillClrLst meth="repeat">
-      <a:schemeClr val="lt1"/>
-    </dgm:fillClrLst>
-    <dgm:linClrLst meth="repeat">
-      <a:schemeClr val="accent3">
-        <a:shade val="80000"/>
-      </a:schemeClr>
-    </dgm:linClrLst>
-    <dgm:effectClrLst/>
-    <dgm:txLinClrLst/>
-    <dgm:txFillClrLst meth="repeat">
-      <a:schemeClr val="dk1"/>
-    </dgm:txFillClrLst>
-    <dgm:txEffectClrLst/>
-  </dgm:styleLbl>
-  <dgm:styleLbl name="asst3">
-    <dgm:fillClrLst meth="repeat">
-      <a:schemeClr val="lt1"/>
-    </dgm:fillClrLst>
-    <dgm:linClrLst meth="repeat">
-      <a:schemeClr val="accent3">
-        <a:shade val="80000"/>
-      </a:schemeClr>
-    </dgm:linClrLst>
-    <dgm:effectClrLst/>
-    <dgm:txLinClrLst/>
-    <dgm:txFillClrLst meth="repeat">
-      <a:schemeClr val="dk1"/>
-    </dgm:txFillClrLst>
-    <dgm:txEffectClrLst/>
-  </dgm:styleLbl>
-  <dgm:styleLbl name="asst4">
-    <dgm:fillClrLst meth="repeat">
-      <a:schemeClr val="lt1"/>
-    </dgm:fillClrLst>
-    <dgm:linClrLst meth="repeat">
-      <a:schemeClr val="accent3">
-        <a:shade val="80000"/>
-      </a:schemeClr>
-    </dgm:linClrLst>
-    <dgm:effectClrLst/>
-    <dgm:txLinClrLst/>
-    <dgm:txFillClrLst meth="repeat">
-      <a:schemeClr val="dk1"/>
-    </dgm:txFillClrLst>
-    <dgm:txEffectClrLst/>
-  </dgm:styleLbl>
-  <dgm:styleLbl name="parChTrans2D1">
-    <dgm:fillClrLst meth="repeat">
-      <a:schemeClr val="accent3">
-        <a:tint val="60000"/>
-      </a:schemeClr>
-    </dgm:fillClrLst>
-    <dgm:linClrLst meth="repeat">
-      <a:schemeClr val="accent3">
-        <a:tint val="60000"/>
-      </a:schemeClr>
-    </dgm:linClrLst>
-    <dgm:effectClrLst/>
-    <dgm:txLinClrLst/>
-    <dgm:txFillClrLst/>
-    <dgm:txEffectClrLst/>
-  </dgm:styleLbl>
-  <dgm:styleLbl name="parChTrans2D2">
-    <dgm:fillClrLst meth="repeat">
-      <a:schemeClr val="accent3"/>
-    </dgm:fillClrLst>
-    <dgm:linClrLst meth="repeat">
-      <a:schemeClr val="accent3"/>
-    </dgm:linClrLst>
-    <dgm:effectClrLst/>
-    <dgm:txLinClrLst/>
-    <dgm:txFillClrLst/>
-    <dgm:txEffectClrLst/>
-  </dgm:styleLbl>
-  <dgm:styleLbl name="parChTrans2D3">
-    <dgm:fillClrLst meth="repeat">
-      <a:schemeClr val="accent3"/>
-    </dgm:fillClrLst>
-    <dgm:linClrLst meth="repeat">
-      <a:schemeClr val="accent3"/>
-    </dgm:linClrLst>
-    <dgm:effectClrLst/>
-    <dgm:txLinClrLst/>
-    <dgm:txFillClrLst/>
-    <dgm:txEffectClrLst/>
-  </dgm:styleLbl>
-  <dgm:styleLbl name="parChTrans2D4">
-    <dgm:fillClrLst meth="repeat">
-      <a:schemeClr val="accent3"/>
-    </dgm:fillClrLst>
-    <dgm:linClrLst meth="repeat">
-      <a:schemeClr val="accent3"/>
-    </dgm:linClrLst>
-    <dgm:effectClrLst/>
-    <dgm:txLinClrLst/>
-    <dgm:txFillClrLst meth="repeat">
-      <a:schemeClr val="lt1"/>
-    </dgm:txFillClrLst>
-    <dgm:txEffectClrLst/>
-  </dgm:styleLbl>
-  <dgm:styleLbl name="parChTrans1D1">
-    <dgm:fillClrLst meth="repeat">
-      <a:schemeClr val="accent3"/>
-    </dgm:fillClrLst>
-    <dgm:linClrLst meth="repeat">
-      <a:schemeClr val="accent3">
-        <a:shade val="60000"/>
-      </a:schemeClr>
-    </dgm:linClrLst>
-    <dgm:effectClrLst/>
-    <dgm:txLinClrLst/>
-    <dgm:txFillClrLst meth="repeat">
-      <a:schemeClr val="tx1"/>
-    </dgm:txFillClrLst>
-    <dgm:txEffectClrLst/>
-  </dgm:styleLbl>
-  <dgm:styleLbl name="parChTrans1D2">
-    <dgm:fillClrLst meth="repeat">
-      <a:schemeClr val="accent3"/>
-    </dgm:fillClrLst>
-    <dgm:linClrLst meth="repeat">
-      <a:schemeClr val="accent3">
-        <a:shade val="60000"/>
-      </a:schemeClr>
-    </dgm:linClrLst>
-    <dgm:effectClrLst/>
-    <dgm:txLinClrLst/>
-    <dgm:txFillClrLst meth="repeat">
-      <a:schemeClr val="tx1"/>
-    </dgm:txFillClrLst>
-    <dgm:txEffectClrLst/>
-  </dgm:styleLbl>
-  <dgm:styleLbl name="parChTrans1D3">
-    <dgm:fillClrLst meth="repeat">
-      <a:schemeClr val="accent3"/>
-    </dgm:fillClrLst>
-    <dgm:linClrLst meth="repeat">
-      <a:schemeClr val="accent3">
-        <a:shade val="80000"/>
-      </a:schemeClr>
-    </dgm:linClrLst>
-    <dgm:effectClrLst/>
-    <dgm:txLinClrLst/>
-    <dgm:txFillClrLst meth="repeat">
-      <a:schemeClr val="tx1"/>
-    </dgm:txFillClrLst>
-    <dgm:txEffectClrLst/>
-  </dgm:styleLbl>
-  <dgm:styleLbl name="parChTrans1D4">
-    <dgm:fillClrLst meth="repeat">
-      <a:schemeClr val="accent3"/>
-    </dgm:fillClrLst>
-    <dgm:linClrLst meth="repeat">
-      <a:schemeClr val="accent3">
-        <a:shade val="80000"/>
-      </a:schemeClr>
-    </dgm:linClrLst>
-    <dgm:effectClrLst/>
-    <dgm:txLinClrLst/>
-    <dgm:txFillClrLst meth="repeat">
-      <a:schemeClr val="tx1"/>
-    </dgm:txFillClrLst>
-    <dgm:txEffectClrLst/>
-  </dgm:styleLbl>
-  <dgm:styleLbl name="fgAcc1">
-    <dgm:fillClrLst meth="repeat">
-      <a:schemeClr val="accent3">
-        <a:alpha val="90000"/>
-        <a:tint val="40000"/>
-      </a:schemeClr>
-    </dgm:fillClrLst>
-    <dgm:linClrLst meth="repeat">
-      <a:schemeClr val="accent3"/>
-    </dgm:linClrLst>
-    <dgm:effectClrLst/>
-    <dgm:txLinClrLst/>
-    <dgm:txFillClrLst meth="repeat">
-      <a:schemeClr val="dk1"/>
-    </dgm:txFillClrLst>
-    <dgm:txEffectClrLst/>
-  </dgm:styleLbl>
-  <dgm:styleLbl name="conFgAcc1">
-    <dgm:fillClrLst meth="repeat">
-      <a:schemeClr val="accent3">
-        <a:alpha val="90000"/>
-        <a:tint val="40000"/>
-      </a:schemeClr>
-    </dgm:fillClrLst>
-    <dgm:linClrLst meth="repeat">
-      <a:schemeClr val="accent3"/>
-    </dgm:linClrLst>
-    <dgm:effectClrLst/>
-    <dgm:txLinClrLst/>
-    <dgm:txFillClrLst meth="repeat">
-      <a:schemeClr val="dk1"/>
-    </dgm:txFillClrLst>
-    <dgm:txEffectClrLst/>
-  </dgm:styleLbl>
-  <dgm:styleLbl name="alignAcc1">
-    <dgm:fillClrLst meth="repeat">
-      <a:schemeClr val="accent3">
-        <a:alpha val="90000"/>
-        <a:tint val="40000"/>
-      </a:schemeClr>
-    </dgm:fillClrLst>
-    <dgm:linClrLst meth="repeat">
-      <a:schemeClr val="accent3"/>
-    </dgm:linClrLst>
-    <dgm:effectClrLst/>
-    <dgm:txLinClrLst/>
-    <dgm:txFillClrLst meth="repeat">
-      <a:schemeClr val="dk1"/>
-    </dgm:txFillClrLst>
-    <dgm:txEffectClrLst/>
-  </dgm:styleLbl>
-  <dgm:styleLbl name="trAlignAcc1">
-    <dgm:fillClrLst meth="repeat">
-      <a:schemeClr val="accent3">
-        <a:alpha val="40000"/>
-        <a:tint val="40000"/>
-      </a:schemeClr>
-    </dgm:fillClrLst>
-    <dgm:linClrLst meth="repeat">
-      <a:schemeClr val="accent3"/>
-    </dgm:linClrLst>
-    <dgm:effectClrLst/>
-    <dgm:txLinClrLst/>
-    <dgm:txFillClrLst meth="repeat">
-      <a:schemeClr val="dk1"/>
-    </dgm:txFillClrLst>
-    <dgm:txEffectClrLst/>
-  </dgm:styleLbl>
-  <dgm:styleLbl name="bgAcc1">
-    <dgm:fillClrLst meth="repeat">
-      <a:schemeClr val="accent3">
-        <a:alpha val="90000"/>
-        <a:tint val="40000"/>
-      </a:schemeClr>
-    </dgm:fillClrLst>
-    <dgm:linClrLst meth="repeat">
-      <a:schemeClr val="accent3"/>
-    </dgm:linClrLst>
-    <dgm:effectClrLst/>
-    <dgm:txLinClrLst/>
-    <dgm:txFillClrLst meth="repeat">
-      <a:schemeClr val="dk1"/>
-    </dgm:txFillClrLst>
-    <dgm:txEffectClrLst/>
-  </dgm:styleLbl>
-  <dgm:styleLbl name="solidFgAcc1">
-    <dgm:fillClrLst meth="repeat">
-      <a:schemeClr val="lt1"/>
-    </dgm:fillClrLst>
-    <dgm:linClrLst meth="repeat">
-      <a:schemeClr val="accent3"/>
-    </dgm:linClrLst>
-    <dgm:effectClrLst/>
-    <dgm:txLinClrLst/>
-    <dgm:txFillClrLst meth="repeat">
-      <a:schemeClr val="dk1"/>
-    </dgm:txFillClrLst>
-    <dgm:txEffectClrLst/>
-  </dgm:styleLbl>
-  <dgm:styleLbl name="solidAlignAcc1">
-    <dgm:fillClrLst meth="repeat">
-      <a:schemeClr val="lt1"/>
-    </dgm:fillClrLst>
-    <dgm:linClrLst meth="repeat">
-      <a:schemeClr val="accent3"/>
-    </dgm:linClrLst>
-    <dgm:effectClrLst/>
-    <dgm:txLinClrLst/>
-    <dgm:txFillClrLst meth="repeat">
-      <a:schemeClr val="dk1"/>
-    </dgm:txFillClrLst>
-    <dgm:txEffectClrLst/>
-  </dgm:styleLbl>
-  <dgm:styleLbl name="solidBgAcc1">
-    <dgm:fillClrLst meth="repeat">
-      <a:schemeClr val="lt1"/>
-    </dgm:fillClrLst>
-    <dgm:linClrLst meth="repeat">
-      <a:schemeClr val="accent3"/>
-    </dgm:linClrLst>
-    <dgm:effectClrLst/>
-    <dgm:txLinClrLst/>
-    <dgm:txFillClrLst meth="repeat">
-      <a:schemeClr val="dk1"/>
-    </dgm:txFillClrLst>
-    <dgm:txEffectClrLst/>
-  </dgm:styleLbl>
-  <dgm:styleLbl name="fgAccFollowNode1">
-    <dgm:fillClrLst meth="repeat">
-      <a:schemeClr val="lt1">
-        <a:alpha val="90000"/>
-        <a:tint val="40000"/>
-      </a:schemeClr>
-    </dgm:fillClrLst>
-    <dgm:linClrLst meth="repeat">
-      <a:schemeClr val="accent3">
-        <a:alpha val="90000"/>
-      </a:schemeClr>
-    </dgm:linClrLst>
-    <dgm:effectClrLst/>
-    <dgm:txLinClrLst/>
-    <dgm:txFillClrLst meth="repeat">
-      <a:schemeClr val="dk1"/>
-    </dgm:txFillClrLst>
-    <dgm:txEffectClrLst/>
-  </dgm:styleLbl>
-  <dgm:styleLbl name="alignAccFollowNode1">
-    <dgm:fillClrLst meth="repeat">
-      <a:schemeClr val="lt1">
-        <a:alpha val="90000"/>
-        <a:tint val="40000"/>
-      </a:schemeClr>
-    </dgm:fillClrLst>
-    <dgm:linClrLst meth="repeat">
-      <a:schemeClr val="accent3">
-        <a:alpha val="90000"/>
-      </a:schemeClr>
-    </dgm:linClrLst>
-    <dgm:effectClrLst/>
-    <dgm:txLinClrLst/>
-    <dgm:txFillClrLst meth="repeat">
-      <a:schemeClr val="dk1"/>
-    </dgm:txFillClrLst>
-    <dgm:txEffectClrLst/>
-  </dgm:styleLbl>
-  <dgm:styleLbl name="bgAccFollowNode1">
-    <dgm:fillClrLst meth="repeat">
-      <a:schemeClr val="lt1">
-        <a:alpha val="90000"/>
-        <a:tint val="40000"/>
-      </a:schemeClr>
-    </dgm:fillClrLst>
-    <dgm:linClrLst meth="repeat">
-      <a:schemeClr val="accent3">
-        <a:alpha val="90000"/>
-      </a:schemeClr>
-    </dgm:linClrLst>
-    <dgm:effectClrLst/>
-    <dgm:txLinClrLst/>
-    <dgm:txFillClrLst meth="repeat">
-      <a:schemeClr val="dk1"/>
-    </dgm:txFillClrLst>
-    <dgm:txEffectClrLst/>
-  </dgm:styleLbl>
-  <dgm:styleLbl name="fgAcc0">
-    <dgm:fillClrLst meth="repeat">
-      <a:schemeClr val="accent3">
-        <a:alpha val="90000"/>
-        <a:tint val="40000"/>
-      </a:schemeClr>
-    </dgm:fillClrLst>
-    <dgm:linClrLst meth="repeat">
-      <a:schemeClr val="accent3"/>
-    </dgm:linClrLst>
-    <dgm:effectClrLst/>
-    <dgm:txLinClrLst/>
-    <dgm:txFillClrLst meth="repeat">
-      <a:schemeClr val="dk1"/>
-    </dgm:txFillClrLst>
-    <dgm:txEffectClrLst/>
-  </dgm:styleLbl>
-  <dgm:styleLbl name="fgAcc2">
-    <dgm:fillClrLst meth="repeat">
-      <a:schemeClr val="accent3">
-        <a:alpha val="90000"/>
-        <a:tint val="40000"/>
-      </a:schemeClr>
-    </dgm:fillClrLst>
-    <dgm:linClrLst meth="repeat">
-      <a:schemeClr val="accent3"/>
-    </dgm:linClrLst>
-    <dgm:effectClrLst/>
-    <dgm:txLinClrLst/>
-    <dgm:txFillClrLst meth="repeat">
-      <a:schemeClr val="dk1"/>
-    </dgm:txFillClrLst>
-    <dgm:txEffectClrLst/>
-  </dgm:styleLbl>
-  <dgm:styleLbl name="fgAcc3">
-    <dgm:fillClrLst meth="repeat">
-      <a:schemeClr val="accent3">
-        <a:alpha val="90000"/>
-        <a:tint val="40000"/>
-      </a:schemeClr>
-    </dgm:fillClrLst>
-    <dgm:linClrLst meth="repeat">
-      <a:schemeClr val="accent3"/>
-    </dgm:linClrLst>
-    <dgm:effectClrLst/>
-    <dgm:txLinClrLst/>
-    <dgm:txFillClrLst meth="repeat">
-      <a:schemeClr val="dk1"/>
-    </dgm:txFillClrLst>
-    <dgm:txEffectClrLst/>
-  </dgm:styleLbl>
-  <dgm:styleLbl name="fgAcc4">
-    <dgm:fillClrLst meth="repeat">
-      <a:schemeClr val="accent3">
-        <a:alpha val="90000"/>
-        <a:tint val="40000"/>
-      </a:schemeClr>
-    </dgm:fillClrLst>
-    <dgm:linClrLst meth="repeat">
-      <a:schemeClr val="accent3"/>
-    </dgm:linClrLst>
-    <dgm:effectClrLst/>
-    <dgm:txLinClrLst/>
-    <dgm:txFillClrLst meth="repeat">
-      <a:schemeClr val="dk1"/>
-    </dgm:txFillClrLst>
-    <dgm:txEffectClrLst/>
-  </dgm:styleLbl>
-  <dgm:styleLbl name="bgShp">
-    <dgm:fillClrLst meth="repeat">
-      <a:schemeClr val="accent3">
-        <a:tint val="40000"/>
-      </a:schemeClr>
-    </dgm:fillClrLst>
-    <dgm:linClrLst meth="repeat">
-      <a:schemeClr val="accent3"/>
-    </dgm:linClrLst>
-    <dgm:effectClrLst/>
-    <dgm:txLinClrLst/>
-    <dgm:txFillClrLst meth="repeat">
-      <a:schemeClr val="dk1"/>
-    </dgm:txFillClrLst>
-    <dgm:txEffectClrLst/>
-  </dgm:styleLbl>
-  <dgm:styleLbl name="dkBgShp">
-    <dgm:fillClrLst meth="repeat">
-      <a:schemeClr val="accent3">
-        <a:shade val="80000"/>
-      </a:schemeClr>
-    </dgm:fillClrLst>
-    <dgm:linClrLst meth="repeat">
-      <a:schemeClr val="accent3"/>
-    </dgm:linClrLst>
-    <dgm:effectClrLst/>
-    <dgm:txLinClrLst/>
-    <dgm:txFillClrLst meth="repeat">
-      <a:schemeClr val="lt1"/>
-    </dgm:txFillClrLst>
-    <dgm:txEffectClrLst/>
-  </dgm:styleLbl>
-  <dgm:styleLbl name="trBgShp">
-    <dgm:fillClrLst meth="repeat">
-      <a:schemeClr val="accent3">
-        <a:tint val="50000"/>
-        <a:alpha val="40000"/>
-      </a:schemeClr>
-    </dgm:fillClrLst>
-    <dgm:linClrLst meth="repeat">
-      <a:schemeClr val="accent3"/>
-    </dgm:linClrLst>
-    <dgm:effectClrLst/>
-    <dgm:txLinClrLst/>
-    <dgm:txFillClrLst meth="repeat">
-      <a:schemeClr val="lt1"/>
-    </dgm:txFillClrLst>
-    <dgm:txEffectClrLst/>
-  </dgm:styleLbl>
-  <dgm:styleLbl name="fgShp">
-    <dgm:fillClrLst meth="repeat">
-      <a:schemeClr val="accent3">
-        <a:tint val="60000"/>
-      </a:schemeClr>
-    </dgm:fillClrLst>
-    <dgm:linClrLst meth="repeat">
-      <a:schemeClr val="lt1"/>
-    </dgm:linClrLst>
-    <dgm:effectClrLst/>
-    <dgm:txLinClrLst/>
-    <dgm:txFillClrLst meth="repeat">
-      <a:schemeClr val="dk1"/>
-    </dgm:txFillClrLst>
-    <dgm:txEffectClrLst/>
-  </dgm:styleLbl>
-  <dgm:styleLbl name="revTx">
-    <dgm:fillClrLst meth="repeat">
-      <a:schemeClr val="lt1">
         <a:alpha val="0"/>
       </a:schemeClr>
     </dgm:fillClrLst>
@@ -3666,7 +2919,7 @@
 <dgm:dataModel xmlns:dgm="http://schemas.openxmlformats.org/drawingml/2006/diagram" xmlns:a="http://schemas.openxmlformats.org/drawingml/2006/main">
   <dgm:ptLst>
     <dgm:pt modelId="{525E5362-F3E0-4733-917E-42C5F9F0456E}" type="doc">
-      <dgm:prSet loTypeId="urn:microsoft.com/office/officeart/2008/layout/LinedList" loCatId="list" qsTypeId="urn:microsoft.com/office/officeart/2005/8/quickstyle/simple2" qsCatId="simple" csTypeId="urn:microsoft.com/office/officeart/2005/8/colors/accent3_2" csCatId="accent3"/>
+      <dgm:prSet loTypeId="urn:microsoft.com/office/officeart/2008/layout/LinedList" loCatId="list" qsTypeId="urn:microsoft.com/office/officeart/2005/8/quickstyle/simple2" qsCatId="simple" csTypeId="urn:microsoft.com/office/officeart/2005/8/colors/accent4_1" csCatId="accent4"/>
       <dgm:spPr/>
       <dgm:t>
         <a:bodyPr/>
@@ -3820,7 +3073,7 @@
         </a:p>
       </dgm:t>
     </dgm:pt>
-    <dgm:pt modelId="{060DC6DD-7879-4A4A-931E-D29BD7ED8C7D}" type="pres">
+    <dgm:pt modelId="{CDC0AFD0-D3CB-D74A-BD81-284633EDA49F}" type="pres">
       <dgm:prSet presAssocID="{525E5362-F3E0-4733-917E-42C5F9F0456E}" presName="vert0" presStyleCnt="0">
         <dgm:presLayoutVars>
           <dgm:dir/>
@@ -3830,97 +3083,97 @@
       </dgm:prSet>
       <dgm:spPr/>
     </dgm:pt>
-    <dgm:pt modelId="{CA6A4093-30DC-C94F-99AD-0EAC7605AE28}" type="pres">
+    <dgm:pt modelId="{E2C29E2C-814B-6B40-9E67-576B3955C780}" type="pres">
       <dgm:prSet presAssocID="{ADA20A3D-4B12-4568-91BF-CD3659C20377}" presName="thickLine" presStyleLbl="alignNode1" presStyleIdx="0" presStyleCnt="4"/>
       <dgm:spPr/>
     </dgm:pt>
-    <dgm:pt modelId="{7CAC217C-4539-E745-BE16-7311C767B6DE}" type="pres">
+    <dgm:pt modelId="{75EFA901-CF99-FD4F-8C90-8CB33401DA57}" type="pres">
       <dgm:prSet presAssocID="{ADA20A3D-4B12-4568-91BF-CD3659C20377}" presName="horz1" presStyleCnt="0"/>
       <dgm:spPr/>
     </dgm:pt>
-    <dgm:pt modelId="{6B679DE4-CFA4-8F4E-B9AF-7C5B540E2247}" type="pres">
+    <dgm:pt modelId="{65C242AD-C459-DF49-9009-4A77E83ABA12}" type="pres">
       <dgm:prSet presAssocID="{ADA20A3D-4B12-4568-91BF-CD3659C20377}" presName="tx1" presStyleLbl="revTx" presStyleIdx="0" presStyleCnt="4"/>
       <dgm:spPr/>
     </dgm:pt>
-    <dgm:pt modelId="{9F195DA3-C4C4-FF44-9203-8C03C7D55678}" type="pres">
+    <dgm:pt modelId="{7D036E52-DFD7-0840-9C5E-755F0FE242D1}" type="pres">
       <dgm:prSet presAssocID="{ADA20A3D-4B12-4568-91BF-CD3659C20377}" presName="vert1" presStyleCnt="0"/>
       <dgm:spPr/>
     </dgm:pt>
-    <dgm:pt modelId="{E7600D7C-0382-A649-9A80-B413134002EE}" type="pres">
+    <dgm:pt modelId="{8A8D93FB-3F74-7445-9C9D-137ECD3739B7}" type="pres">
       <dgm:prSet presAssocID="{B6218AC5-06F4-4F43-9229-417ACE6AF1E1}" presName="thickLine" presStyleLbl="alignNode1" presStyleIdx="1" presStyleCnt="4"/>
       <dgm:spPr/>
     </dgm:pt>
-    <dgm:pt modelId="{6373B1D2-05F0-0D43-9E02-A76C20C8CE69}" type="pres">
+    <dgm:pt modelId="{77ACB4BC-24CB-1644-97E8-41B1F6C9AEEA}" type="pres">
       <dgm:prSet presAssocID="{B6218AC5-06F4-4F43-9229-417ACE6AF1E1}" presName="horz1" presStyleCnt="0"/>
       <dgm:spPr/>
     </dgm:pt>
-    <dgm:pt modelId="{6AC20E80-413E-AA47-B070-001A4ABA6299}" type="pres">
+    <dgm:pt modelId="{E02C5115-474F-BC48-A1DF-3071001F6540}" type="pres">
       <dgm:prSet presAssocID="{B6218AC5-06F4-4F43-9229-417ACE6AF1E1}" presName="tx1" presStyleLbl="revTx" presStyleIdx="1" presStyleCnt="4"/>
       <dgm:spPr/>
     </dgm:pt>
-    <dgm:pt modelId="{840ED7E4-3A9C-A543-886F-AABB1536EA5E}" type="pres">
+    <dgm:pt modelId="{1A5742EB-8812-754A-AEF5-AF4468422DD7}" type="pres">
       <dgm:prSet presAssocID="{B6218AC5-06F4-4F43-9229-417ACE6AF1E1}" presName="vert1" presStyleCnt="0"/>
       <dgm:spPr/>
     </dgm:pt>
-    <dgm:pt modelId="{141D1819-D805-384C-A85B-216288F55EA9}" type="pres">
+    <dgm:pt modelId="{2B0A7396-2BEC-F049-B5A6-A24D839776A0}" type="pres">
       <dgm:prSet presAssocID="{91FF5814-BB43-46B7-B22A-CDF058991BC7}" presName="thickLine" presStyleLbl="alignNode1" presStyleIdx="2" presStyleCnt="4"/>
       <dgm:spPr/>
     </dgm:pt>
-    <dgm:pt modelId="{15869687-D845-1F4C-8C0C-88372161BAAD}" type="pres">
+    <dgm:pt modelId="{9E186ED5-4E49-614D-8F75-80EAC29D2A53}" type="pres">
       <dgm:prSet presAssocID="{91FF5814-BB43-46B7-B22A-CDF058991BC7}" presName="horz1" presStyleCnt="0"/>
       <dgm:spPr/>
     </dgm:pt>
-    <dgm:pt modelId="{AE730FF6-D074-D244-AB08-396A0F8FE668}" type="pres">
+    <dgm:pt modelId="{B2131AB9-EEB6-2E4C-9EAB-CECB2586B7ED}" type="pres">
       <dgm:prSet presAssocID="{91FF5814-BB43-46B7-B22A-CDF058991BC7}" presName="tx1" presStyleLbl="revTx" presStyleIdx="2" presStyleCnt="4"/>
       <dgm:spPr/>
     </dgm:pt>
-    <dgm:pt modelId="{412A1DDD-2383-4D40-B77B-8F717B626979}" type="pres">
+    <dgm:pt modelId="{56FD5A63-97CC-4244-936E-3243CFE53ED2}" type="pres">
       <dgm:prSet presAssocID="{91FF5814-BB43-46B7-B22A-CDF058991BC7}" presName="vert1" presStyleCnt="0"/>
       <dgm:spPr/>
     </dgm:pt>
-    <dgm:pt modelId="{1E877CA4-B01F-E546-90FA-C075A3930EBA}" type="pres">
+    <dgm:pt modelId="{BE542D9A-1A78-2A40-AB02-99125EE03766}" type="pres">
       <dgm:prSet presAssocID="{EF2EFCAD-77B7-4298-A872-72815CE0234C}" presName="thickLine" presStyleLbl="alignNode1" presStyleIdx="3" presStyleCnt="4"/>
       <dgm:spPr/>
     </dgm:pt>
-    <dgm:pt modelId="{CFFDF335-28F5-CF42-9F82-E7B9C2F54A29}" type="pres">
+    <dgm:pt modelId="{3E1F6876-EBC9-F045-B5EA-BC1BC98EBC2A}" type="pres">
       <dgm:prSet presAssocID="{EF2EFCAD-77B7-4298-A872-72815CE0234C}" presName="horz1" presStyleCnt="0"/>
       <dgm:spPr/>
     </dgm:pt>
-    <dgm:pt modelId="{4458AB9D-0E4D-2C48-BA85-6F6455D03BC8}" type="pres">
+    <dgm:pt modelId="{F150D374-B24D-0E47-A461-57180903DAEE}" type="pres">
       <dgm:prSet presAssocID="{EF2EFCAD-77B7-4298-A872-72815CE0234C}" presName="tx1" presStyleLbl="revTx" presStyleIdx="3" presStyleCnt="4"/>
       <dgm:spPr/>
     </dgm:pt>
-    <dgm:pt modelId="{8B85EA4C-4742-7548-95EF-C7DA9C464778}" type="pres">
+    <dgm:pt modelId="{7F3F37F9-9B3B-7E4D-B1FB-1B0E9132B7C3}" type="pres">
       <dgm:prSet presAssocID="{EF2EFCAD-77B7-4298-A872-72815CE0234C}" presName="vert1" presStyleCnt="0"/>
       <dgm:spPr/>
     </dgm:pt>
   </dgm:ptLst>
   <dgm:cxnLst>
-    <dgm:cxn modelId="{A889303F-51E9-3F41-B765-C2F8E5CD4CE0}" type="presOf" srcId="{B6218AC5-06F4-4F43-9229-417ACE6AF1E1}" destId="{6AC20E80-413E-AA47-B070-001A4ABA6299}" srcOrd="0" destOrd="0" presId="urn:microsoft.com/office/officeart/2008/layout/LinedList"/>
+    <dgm:cxn modelId="{454CC139-5134-FE4B-AE6C-337664F91AF5}" type="presOf" srcId="{525E5362-F3E0-4733-917E-42C5F9F0456E}" destId="{CDC0AFD0-D3CB-D74A-BD81-284633EDA49F}" srcOrd="0" destOrd="0" presId="urn:microsoft.com/office/officeart/2008/layout/LinedList"/>
+    <dgm:cxn modelId="{5D6B0B3B-41A2-E948-B4F0-F780635209FE}" type="presOf" srcId="{B6218AC5-06F4-4F43-9229-417ACE6AF1E1}" destId="{E02C5115-474F-BC48-A1DF-3071001F6540}" srcOrd="0" destOrd="0" presId="urn:microsoft.com/office/officeart/2008/layout/LinedList"/>
     <dgm:cxn modelId="{C5D7D854-EB26-4603-AE4B-F1277F97494B}" srcId="{525E5362-F3E0-4733-917E-42C5F9F0456E}" destId="{ADA20A3D-4B12-4568-91BF-CD3659C20377}" srcOrd="0" destOrd="0" parTransId="{F00A17AD-9DF5-4BB2-85CB-242EC849A801}" sibTransId="{378430ED-B090-4EA2-BA6D-511459F509AC}"/>
-    <dgm:cxn modelId="{EB9CF861-90A1-494B-93EA-041DAFBB5C54}" type="presOf" srcId="{525E5362-F3E0-4733-917E-42C5F9F0456E}" destId="{060DC6DD-7879-4A4A-931E-D29BD7ED8C7D}" srcOrd="0" destOrd="0" presId="urn:microsoft.com/office/officeart/2008/layout/LinedList"/>
-    <dgm:cxn modelId="{06CF047F-88DE-074B-A2E2-F0AF4002CEFB}" type="presOf" srcId="{ADA20A3D-4B12-4568-91BF-CD3659C20377}" destId="{6B679DE4-CFA4-8F4E-B9AF-7C5B540E2247}" srcOrd="0" destOrd="0" presId="urn:microsoft.com/office/officeart/2008/layout/LinedList"/>
-    <dgm:cxn modelId="{B59B57B4-A868-0A47-B8E6-A5DEBD0E0901}" type="presOf" srcId="{EF2EFCAD-77B7-4298-A872-72815CE0234C}" destId="{4458AB9D-0E4D-2C48-BA85-6F6455D03BC8}" srcOrd="0" destOrd="0" presId="urn:microsoft.com/office/officeart/2008/layout/LinedList"/>
+    <dgm:cxn modelId="{2D7B116F-E2FB-8448-9812-B7BD58A4B49A}" type="presOf" srcId="{EF2EFCAD-77B7-4298-A872-72815CE0234C}" destId="{F150D374-B24D-0E47-A461-57180903DAEE}" srcOrd="0" destOrd="0" presId="urn:microsoft.com/office/officeart/2008/layout/LinedList"/>
     <dgm:cxn modelId="{9D5421D4-C1B7-4620-B994-00E1627A1C21}" srcId="{525E5362-F3E0-4733-917E-42C5F9F0456E}" destId="{EF2EFCAD-77B7-4298-A872-72815CE0234C}" srcOrd="3" destOrd="0" parTransId="{4A712B39-E2E8-42E3-A553-FE015B435982}" sibTransId="{7B460A25-0457-4E07-914B-18F63B3D4E52}"/>
     <dgm:cxn modelId="{043547D7-A7ED-42A8-8474-662A81BD62B0}" srcId="{525E5362-F3E0-4733-917E-42C5F9F0456E}" destId="{91FF5814-BB43-46B7-B22A-CDF058991BC7}" srcOrd="2" destOrd="0" parTransId="{123B21AB-5800-401B-97CA-92A436421861}" sibTransId="{A6A75991-C11F-4E2C-8D58-4B87F86E94B9}"/>
+    <dgm:cxn modelId="{42A875E3-6594-7C4E-96BA-D008176D95D1}" type="presOf" srcId="{ADA20A3D-4B12-4568-91BF-CD3659C20377}" destId="{65C242AD-C459-DF49-9009-4A77E83ABA12}" srcOrd="0" destOrd="0" presId="urn:microsoft.com/office/officeart/2008/layout/LinedList"/>
+    <dgm:cxn modelId="{C7B3E0E3-DC8B-BD42-B2E7-9E30DB884F4E}" type="presOf" srcId="{91FF5814-BB43-46B7-B22A-CDF058991BC7}" destId="{B2131AB9-EEB6-2E4C-9EAB-CECB2586B7ED}" srcOrd="0" destOrd="0" presId="urn:microsoft.com/office/officeart/2008/layout/LinedList"/>
     <dgm:cxn modelId="{48AA7DEA-0AEB-4CBA-A993-72F1008E2CCB}" srcId="{525E5362-F3E0-4733-917E-42C5F9F0456E}" destId="{B6218AC5-06F4-4F43-9229-417ACE6AF1E1}" srcOrd="1" destOrd="0" parTransId="{4C0B58A4-715B-4BEA-A685-62C71E26EA50}" sibTransId="{7916DDAB-76DF-4CF3-8BC6-E2247C6BEBD4}"/>
-    <dgm:cxn modelId="{71CECAF6-FB91-124A-9939-CF8B8F9E0C65}" type="presOf" srcId="{91FF5814-BB43-46B7-B22A-CDF058991BC7}" destId="{AE730FF6-D074-D244-AB08-396A0F8FE668}" srcOrd="0" destOrd="0" presId="urn:microsoft.com/office/officeart/2008/layout/LinedList"/>
-    <dgm:cxn modelId="{F318A668-D8ED-E44B-8D12-B6FA9F727156}" type="presParOf" srcId="{060DC6DD-7879-4A4A-931E-D29BD7ED8C7D}" destId="{CA6A4093-30DC-C94F-99AD-0EAC7605AE28}" srcOrd="0" destOrd="0" presId="urn:microsoft.com/office/officeart/2008/layout/LinedList"/>
-    <dgm:cxn modelId="{CDD6FA30-1EAE-0144-A6B1-38BBC35A5F88}" type="presParOf" srcId="{060DC6DD-7879-4A4A-931E-D29BD7ED8C7D}" destId="{7CAC217C-4539-E745-BE16-7311C767B6DE}" srcOrd="1" destOrd="0" presId="urn:microsoft.com/office/officeart/2008/layout/LinedList"/>
-    <dgm:cxn modelId="{3E865B2C-AF63-2E41-8FEB-0D283490E3E3}" type="presParOf" srcId="{7CAC217C-4539-E745-BE16-7311C767B6DE}" destId="{6B679DE4-CFA4-8F4E-B9AF-7C5B540E2247}" srcOrd="0" destOrd="0" presId="urn:microsoft.com/office/officeart/2008/layout/LinedList"/>
-    <dgm:cxn modelId="{6E97782A-47D3-7A4F-B32E-07B441DBB07F}" type="presParOf" srcId="{7CAC217C-4539-E745-BE16-7311C767B6DE}" destId="{9F195DA3-C4C4-FF44-9203-8C03C7D55678}" srcOrd="1" destOrd="0" presId="urn:microsoft.com/office/officeart/2008/layout/LinedList"/>
-    <dgm:cxn modelId="{6DF89362-A624-5A43-932A-17EEBE716922}" type="presParOf" srcId="{060DC6DD-7879-4A4A-931E-D29BD7ED8C7D}" destId="{E7600D7C-0382-A649-9A80-B413134002EE}" srcOrd="2" destOrd="0" presId="urn:microsoft.com/office/officeart/2008/layout/LinedList"/>
-    <dgm:cxn modelId="{B042DDA3-66FB-4645-A4D6-969970212506}" type="presParOf" srcId="{060DC6DD-7879-4A4A-931E-D29BD7ED8C7D}" destId="{6373B1D2-05F0-0D43-9E02-A76C20C8CE69}" srcOrd="3" destOrd="0" presId="urn:microsoft.com/office/officeart/2008/layout/LinedList"/>
-    <dgm:cxn modelId="{0E805226-92EB-084F-8A70-C340CDF3C8AD}" type="presParOf" srcId="{6373B1D2-05F0-0D43-9E02-A76C20C8CE69}" destId="{6AC20E80-413E-AA47-B070-001A4ABA6299}" srcOrd="0" destOrd="0" presId="urn:microsoft.com/office/officeart/2008/layout/LinedList"/>
-    <dgm:cxn modelId="{0138C13B-40F0-3F44-BCA5-E1F8FFD1E612}" type="presParOf" srcId="{6373B1D2-05F0-0D43-9E02-A76C20C8CE69}" destId="{840ED7E4-3A9C-A543-886F-AABB1536EA5E}" srcOrd="1" destOrd="0" presId="urn:microsoft.com/office/officeart/2008/layout/LinedList"/>
-    <dgm:cxn modelId="{F6FCA93D-AFB7-9444-825C-66D0138A8F05}" type="presParOf" srcId="{060DC6DD-7879-4A4A-931E-D29BD7ED8C7D}" destId="{141D1819-D805-384C-A85B-216288F55EA9}" srcOrd="4" destOrd="0" presId="urn:microsoft.com/office/officeart/2008/layout/LinedList"/>
-    <dgm:cxn modelId="{44846AF2-B263-464A-9614-3ADE37D1B35D}" type="presParOf" srcId="{060DC6DD-7879-4A4A-931E-D29BD7ED8C7D}" destId="{15869687-D845-1F4C-8C0C-88372161BAAD}" srcOrd="5" destOrd="0" presId="urn:microsoft.com/office/officeart/2008/layout/LinedList"/>
-    <dgm:cxn modelId="{07786CC1-4B74-7A49-AD4E-A696BAB99087}" type="presParOf" srcId="{15869687-D845-1F4C-8C0C-88372161BAAD}" destId="{AE730FF6-D074-D244-AB08-396A0F8FE668}" srcOrd="0" destOrd="0" presId="urn:microsoft.com/office/officeart/2008/layout/LinedList"/>
-    <dgm:cxn modelId="{3FC1C5BD-38A6-1249-B4B6-591A18EC54A5}" type="presParOf" srcId="{15869687-D845-1F4C-8C0C-88372161BAAD}" destId="{412A1DDD-2383-4D40-B77B-8F717B626979}" srcOrd="1" destOrd="0" presId="urn:microsoft.com/office/officeart/2008/layout/LinedList"/>
-    <dgm:cxn modelId="{2604B80E-11C6-944D-8359-60805F7383AC}" type="presParOf" srcId="{060DC6DD-7879-4A4A-931E-D29BD7ED8C7D}" destId="{1E877CA4-B01F-E546-90FA-C075A3930EBA}" srcOrd="6" destOrd="0" presId="urn:microsoft.com/office/officeart/2008/layout/LinedList"/>
-    <dgm:cxn modelId="{06D3DD30-F68B-C149-A6C9-F175E5BCAC02}" type="presParOf" srcId="{060DC6DD-7879-4A4A-931E-D29BD7ED8C7D}" destId="{CFFDF335-28F5-CF42-9F82-E7B9C2F54A29}" srcOrd="7" destOrd="0" presId="urn:microsoft.com/office/officeart/2008/layout/LinedList"/>
-    <dgm:cxn modelId="{D1A6FC2D-9506-6B4A-BA88-353A06A61447}" type="presParOf" srcId="{CFFDF335-28F5-CF42-9F82-E7B9C2F54A29}" destId="{4458AB9D-0E4D-2C48-BA85-6F6455D03BC8}" srcOrd="0" destOrd="0" presId="urn:microsoft.com/office/officeart/2008/layout/LinedList"/>
-    <dgm:cxn modelId="{611FFCF5-C0C6-C448-BF2B-4DE270030C6C}" type="presParOf" srcId="{CFFDF335-28F5-CF42-9F82-E7B9C2F54A29}" destId="{8B85EA4C-4742-7548-95EF-C7DA9C464778}" srcOrd="1" destOrd="0" presId="urn:microsoft.com/office/officeart/2008/layout/LinedList"/>
+    <dgm:cxn modelId="{950FE2BF-1EAE-D943-9060-A41773A3F439}" type="presParOf" srcId="{CDC0AFD0-D3CB-D74A-BD81-284633EDA49F}" destId="{E2C29E2C-814B-6B40-9E67-576B3955C780}" srcOrd="0" destOrd="0" presId="urn:microsoft.com/office/officeart/2008/layout/LinedList"/>
+    <dgm:cxn modelId="{A48BD16C-0431-AD4A-9CFA-FD3CD36F2C95}" type="presParOf" srcId="{CDC0AFD0-D3CB-D74A-BD81-284633EDA49F}" destId="{75EFA901-CF99-FD4F-8C90-8CB33401DA57}" srcOrd="1" destOrd="0" presId="urn:microsoft.com/office/officeart/2008/layout/LinedList"/>
+    <dgm:cxn modelId="{97232486-77FF-3146-8607-F049BC899F12}" type="presParOf" srcId="{75EFA901-CF99-FD4F-8C90-8CB33401DA57}" destId="{65C242AD-C459-DF49-9009-4A77E83ABA12}" srcOrd="0" destOrd="0" presId="urn:microsoft.com/office/officeart/2008/layout/LinedList"/>
+    <dgm:cxn modelId="{0E3A7DEE-24B5-A940-AA35-8A88E35FDD4F}" type="presParOf" srcId="{75EFA901-CF99-FD4F-8C90-8CB33401DA57}" destId="{7D036E52-DFD7-0840-9C5E-755F0FE242D1}" srcOrd="1" destOrd="0" presId="urn:microsoft.com/office/officeart/2008/layout/LinedList"/>
+    <dgm:cxn modelId="{A0CDE29B-6AC4-5847-9BB1-2F94F3187BFA}" type="presParOf" srcId="{CDC0AFD0-D3CB-D74A-BD81-284633EDA49F}" destId="{8A8D93FB-3F74-7445-9C9D-137ECD3739B7}" srcOrd="2" destOrd="0" presId="urn:microsoft.com/office/officeart/2008/layout/LinedList"/>
+    <dgm:cxn modelId="{1F3D49C4-48AD-E941-AF20-B6FD5DF26E47}" type="presParOf" srcId="{CDC0AFD0-D3CB-D74A-BD81-284633EDA49F}" destId="{77ACB4BC-24CB-1644-97E8-41B1F6C9AEEA}" srcOrd="3" destOrd="0" presId="urn:microsoft.com/office/officeart/2008/layout/LinedList"/>
+    <dgm:cxn modelId="{BD5741E6-852A-D94C-A00E-79759FFB175F}" type="presParOf" srcId="{77ACB4BC-24CB-1644-97E8-41B1F6C9AEEA}" destId="{E02C5115-474F-BC48-A1DF-3071001F6540}" srcOrd="0" destOrd="0" presId="urn:microsoft.com/office/officeart/2008/layout/LinedList"/>
+    <dgm:cxn modelId="{E7F1A01D-2C6A-3C43-AE98-D2576D156F4E}" type="presParOf" srcId="{77ACB4BC-24CB-1644-97E8-41B1F6C9AEEA}" destId="{1A5742EB-8812-754A-AEF5-AF4468422DD7}" srcOrd="1" destOrd="0" presId="urn:microsoft.com/office/officeart/2008/layout/LinedList"/>
+    <dgm:cxn modelId="{73A443BB-9101-1847-902C-052BA2199FBB}" type="presParOf" srcId="{CDC0AFD0-D3CB-D74A-BD81-284633EDA49F}" destId="{2B0A7396-2BEC-F049-B5A6-A24D839776A0}" srcOrd="4" destOrd="0" presId="urn:microsoft.com/office/officeart/2008/layout/LinedList"/>
+    <dgm:cxn modelId="{C88AF634-110B-6242-9105-3CD2BD1BAB2A}" type="presParOf" srcId="{CDC0AFD0-D3CB-D74A-BD81-284633EDA49F}" destId="{9E186ED5-4E49-614D-8F75-80EAC29D2A53}" srcOrd="5" destOrd="0" presId="urn:microsoft.com/office/officeart/2008/layout/LinedList"/>
+    <dgm:cxn modelId="{B3B275E9-2F70-DD4D-A690-9D5D2A8F49A3}" type="presParOf" srcId="{9E186ED5-4E49-614D-8F75-80EAC29D2A53}" destId="{B2131AB9-EEB6-2E4C-9EAB-CECB2586B7ED}" srcOrd="0" destOrd="0" presId="urn:microsoft.com/office/officeart/2008/layout/LinedList"/>
+    <dgm:cxn modelId="{3E78BC8E-7291-D04D-A912-38832EA6000A}" type="presParOf" srcId="{9E186ED5-4E49-614D-8F75-80EAC29D2A53}" destId="{56FD5A63-97CC-4244-936E-3243CFE53ED2}" srcOrd="1" destOrd="0" presId="urn:microsoft.com/office/officeart/2008/layout/LinedList"/>
+    <dgm:cxn modelId="{90EBD38D-8B87-FA4A-BD98-1B73427B233D}" type="presParOf" srcId="{CDC0AFD0-D3CB-D74A-BD81-284633EDA49F}" destId="{BE542D9A-1A78-2A40-AB02-99125EE03766}" srcOrd="6" destOrd="0" presId="urn:microsoft.com/office/officeart/2008/layout/LinedList"/>
+    <dgm:cxn modelId="{3C7D4C11-456B-E84F-87CE-632728A2D697}" type="presParOf" srcId="{CDC0AFD0-D3CB-D74A-BD81-284633EDA49F}" destId="{3E1F6876-EBC9-F045-B5EA-BC1BC98EBC2A}" srcOrd="7" destOrd="0" presId="urn:microsoft.com/office/officeart/2008/layout/LinedList"/>
+    <dgm:cxn modelId="{A01DA5EA-C5CD-DA48-AC01-4DE8BA4E9A64}" type="presParOf" srcId="{3E1F6876-EBC9-F045-B5EA-BC1BC98EBC2A}" destId="{F150D374-B24D-0E47-A461-57180903DAEE}" srcOrd="0" destOrd="0" presId="urn:microsoft.com/office/officeart/2008/layout/LinedList"/>
+    <dgm:cxn modelId="{4BED3888-3A01-8D4C-A03E-B46294D59CE5}" type="presParOf" srcId="{3E1F6876-EBC9-F045-B5EA-BC1BC98EBC2A}" destId="{7F3F37F9-9B3B-7E4D-B1FB-1B0E9132B7C3}" srcOrd="1" destOrd="0" presId="urn:microsoft.com/office/officeart/2008/layout/LinedList"/>
   </dgm:cxnLst>
   <dgm:bg/>
   <dgm:whole/>
@@ -4180,577 +3433,6 @@
   <dgm:extLst>
     <a:ext uri="http://schemas.microsoft.com/office/drawing/2008/diagram">
       <dsp:dataModelExt xmlns:dsp="http://schemas.microsoft.com/office/drawing/2008/diagram" relId="rId6" minVer="http://schemas.openxmlformats.org/drawingml/2006/diagram"/>
-    </a:ext>
-  </dgm:extLst>
-</dgm:dataModel>
-</file>
-
-<file path=ppt/diagrams/data4.xml><?xml version="1.0" encoding="utf-8"?>
-<dgm:dataModel xmlns:dgm="http://schemas.openxmlformats.org/drawingml/2006/diagram" xmlns:a="http://schemas.openxmlformats.org/drawingml/2006/main">
-  <dgm:ptLst>
-    <dgm:pt modelId="{04735FA7-E9D4-49FD-8458-0FD5D86CB111}" type="doc">
-      <dgm:prSet loTypeId="urn:microsoft.com/office/officeart/2005/8/layout/vList5" loCatId="list" qsTypeId="urn:microsoft.com/office/officeart/2005/8/quickstyle/simple5" qsCatId="simple" csTypeId="urn:microsoft.com/office/officeart/2005/8/colors/accent3_1" csCatId="accent3"/>
-      <dgm:spPr/>
-      <dgm:t>
-        <a:bodyPr/>
-        <a:lstStyle/>
-        <a:p>
-          <a:endParaRPr lang="en-US"/>
-        </a:p>
-      </dgm:t>
-    </dgm:pt>
-    <dgm:pt modelId="{DC75B4C8-8C0C-4B90-976F-B908279105EF}">
-      <dgm:prSet/>
-      <dgm:spPr/>
-      <dgm:t>
-        <a:bodyPr/>
-        <a:lstStyle/>
-        <a:p>
-          <a:r>
-            <a:rPr lang="en-US" b="1"/>
-            <a:t>Alex – UI/UX Designer</a:t>
-          </a:r>
-          <a:endParaRPr lang="en-US"/>
-        </a:p>
-      </dgm:t>
-    </dgm:pt>
-    <dgm:pt modelId="{AD81020A-C53B-41C8-96FB-9E70F48E7F3D}" type="parTrans" cxnId="{273F1DE7-71CC-4DFD-805A-658D83CD98A7}">
-      <dgm:prSet/>
-      <dgm:spPr/>
-      <dgm:t>
-        <a:bodyPr/>
-        <a:lstStyle/>
-        <a:p>
-          <a:endParaRPr lang="en-US"/>
-        </a:p>
-      </dgm:t>
-    </dgm:pt>
-    <dgm:pt modelId="{62EFC8D8-8186-453E-9947-1CDB4C5F67E1}" type="sibTrans" cxnId="{273F1DE7-71CC-4DFD-805A-658D83CD98A7}">
-      <dgm:prSet/>
-      <dgm:spPr/>
-      <dgm:t>
-        <a:bodyPr/>
-        <a:lstStyle/>
-        <a:p>
-          <a:endParaRPr lang="en-US"/>
-        </a:p>
-      </dgm:t>
-    </dgm:pt>
-    <dgm:pt modelId="{8973053E-16C9-401D-B51F-79979A906F8A}">
-      <dgm:prSet/>
-      <dgm:spPr/>
-      <dgm:t>
-        <a:bodyPr/>
-        <a:lstStyle/>
-        <a:p>
-          <a:r>
-            <a:rPr lang="en-US"/>
-            <a:t>Design layouts, and create graphical elements</a:t>
-          </a:r>
-        </a:p>
-      </dgm:t>
-    </dgm:pt>
-    <dgm:pt modelId="{40BB15BA-4BD0-4D29-9F05-32128790F902}" type="parTrans" cxnId="{000CFFB0-5C0C-41EE-90CC-272EDF37EE4D}">
-      <dgm:prSet/>
-      <dgm:spPr/>
-      <dgm:t>
-        <a:bodyPr/>
-        <a:lstStyle/>
-        <a:p>
-          <a:endParaRPr lang="en-US"/>
-        </a:p>
-      </dgm:t>
-    </dgm:pt>
-    <dgm:pt modelId="{D1056644-1A33-4BE4-9036-D4635E4D305B}" type="sibTrans" cxnId="{000CFFB0-5C0C-41EE-90CC-272EDF37EE4D}">
-      <dgm:prSet/>
-      <dgm:spPr/>
-      <dgm:t>
-        <a:bodyPr/>
-        <a:lstStyle/>
-        <a:p>
-          <a:endParaRPr lang="en-US"/>
-        </a:p>
-      </dgm:t>
-    </dgm:pt>
-    <dgm:pt modelId="{36B9D486-3A74-44C1-A7B4-4E341DEDD409}">
-      <dgm:prSet/>
-      <dgm:spPr/>
-      <dgm:t>
-        <a:bodyPr/>
-        <a:lstStyle/>
-        <a:p>
-          <a:r>
-            <a:rPr lang="en-US" b="1"/>
-            <a:t>Harmanbir &amp; Jonathan – Front-End</a:t>
-          </a:r>
-          <a:endParaRPr lang="en-US"/>
-        </a:p>
-      </dgm:t>
-    </dgm:pt>
-    <dgm:pt modelId="{BC7EC32C-D689-46AB-A7DC-E8F54B1712A8}" type="parTrans" cxnId="{569A9478-D127-4F03-8067-ED22B3AF2A38}">
-      <dgm:prSet/>
-      <dgm:spPr/>
-      <dgm:t>
-        <a:bodyPr/>
-        <a:lstStyle/>
-        <a:p>
-          <a:endParaRPr lang="en-US"/>
-        </a:p>
-      </dgm:t>
-    </dgm:pt>
-    <dgm:pt modelId="{60EB2B92-55C3-444A-873C-56F13BC22F8D}" type="sibTrans" cxnId="{569A9478-D127-4F03-8067-ED22B3AF2A38}">
-      <dgm:prSet/>
-      <dgm:spPr/>
-      <dgm:t>
-        <a:bodyPr/>
-        <a:lstStyle/>
-        <a:p>
-          <a:endParaRPr lang="en-US"/>
-        </a:p>
-      </dgm:t>
-    </dgm:pt>
-    <dgm:pt modelId="{E20FF0A7-8CCE-49FC-93EB-AD4EABA66BA5}">
-      <dgm:prSet/>
-      <dgm:spPr/>
-      <dgm:t>
-        <a:bodyPr/>
-        <a:lstStyle/>
-        <a:p>
-          <a:r>
-            <a:rPr lang="en-US"/>
-            <a:t>Code all pages needed for the complete app</a:t>
-          </a:r>
-        </a:p>
-      </dgm:t>
-    </dgm:pt>
-    <dgm:pt modelId="{85EE447A-EE43-4326-8576-5FD1E703C7B2}" type="parTrans" cxnId="{0E977655-0E49-4B78-9A80-5A90A2294BEB}">
-      <dgm:prSet/>
-      <dgm:spPr/>
-      <dgm:t>
-        <a:bodyPr/>
-        <a:lstStyle/>
-        <a:p>
-          <a:endParaRPr lang="en-US"/>
-        </a:p>
-      </dgm:t>
-    </dgm:pt>
-    <dgm:pt modelId="{4459E616-0D6B-4647-9760-84317DDDA63E}" type="sibTrans" cxnId="{0E977655-0E49-4B78-9A80-5A90A2294BEB}">
-      <dgm:prSet/>
-      <dgm:spPr/>
-      <dgm:t>
-        <a:bodyPr/>
-        <a:lstStyle/>
-        <a:p>
-          <a:endParaRPr lang="en-US"/>
-        </a:p>
-      </dgm:t>
-    </dgm:pt>
-    <dgm:pt modelId="{CD594DB3-CA92-4F8E-8B4E-EB6587836601}">
-      <dgm:prSet/>
-      <dgm:spPr/>
-      <dgm:t>
-        <a:bodyPr/>
-        <a:lstStyle/>
-        <a:p>
-          <a:r>
-            <a:rPr lang="en-US"/>
-            <a:t>Connect and test database</a:t>
-          </a:r>
-        </a:p>
-      </dgm:t>
-    </dgm:pt>
-    <dgm:pt modelId="{E09DC04E-4ECE-4C02-A813-709E2C4807CC}" type="parTrans" cxnId="{12686720-B628-4BE5-83D0-4C8C329D191E}">
-      <dgm:prSet/>
-      <dgm:spPr/>
-      <dgm:t>
-        <a:bodyPr/>
-        <a:lstStyle/>
-        <a:p>
-          <a:endParaRPr lang="en-US"/>
-        </a:p>
-      </dgm:t>
-    </dgm:pt>
-    <dgm:pt modelId="{33135574-D6FA-4718-B7C5-83B70F7E5924}" type="sibTrans" cxnId="{12686720-B628-4BE5-83D0-4C8C329D191E}">
-      <dgm:prSet/>
-      <dgm:spPr/>
-      <dgm:t>
-        <a:bodyPr/>
-        <a:lstStyle/>
-        <a:p>
-          <a:endParaRPr lang="en-US"/>
-        </a:p>
-      </dgm:t>
-    </dgm:pt>
-    <dgm:pt modelId="{A2B642EC-E201-41F0-A45A-AE106FDEB453}">
-      <dgm:prSet/>
-      <dgm:spPr/>
-      <dgm:t>
-        <a:bodyPr/>
-        <a:lstStyle/>
-        <a:p>
-          <a:r>
-            <a:rPr lang="en-US" b="1"/>
-            <a:t>Jacob – Back-End &amp; Team lead</a:t>
-          </a:r>
-          <a:endParaRPr lang="en-US"/>
-        </a:p>
-      </dgm:t>
-    </dgm:pt>
-    <dgm:pt modelId="{719AF309-E7C8-4C8B-9F73-B5085262011B}" type="parTrans" cxnId="{43C7503A-B1DC-4D41-851B-93108D00F568}">
-      <dgm:prSet/>
-      <dgm:spPr/>
-      <dgm:t>
-        <a:bodyPr/>
-        <a:lstStyle/>
-        <a:p>
-          <a:endParaRPr lang="en-US"/>
-        </a:p>
-      </dgm:t>
-    </dgm:pt>
-    <dgm:pt modelId="{14540864-ED4E-44E1-B835-59325019BFE3}" type="sibTrans" cxnId="{43C7503A-B1DC-4D41-851B-93108D00F568}">
-      <dgm:prSet/>
-      <dgm:spPr/>
-      <dgm:t>
-        <a:bodyPr/>
-        <a:lstStyle/>
-        <a:p>
-          <a:endParaRPr lang="en-US"/>
-        </a:p>
-      </dgm:t>
-    </dgm:pt>
-    <dgm:pt modelId="{C656752D-B5C2-4330-AA33-FBF9E4F0200D}">
-      <dgm:prSet/>
-      <dgm:spPr/>
-      <dgm:t>
-        <a:bodyPr/>
-        <a:lstStyle/>
-        <a:p>
-          <a:r>
-            <a:rPr lang="en-US"/>
-            <a:t>Project Management</a:t>
-          </a:r>
-        </a:p>
-      </dgm:t>
-    </dgm:pt>
-    <dgm:pt modelId="{53D1EE78-39A8-49E7-9AF8-5442B04EED28}" type="parTrans" cxnId="{486B93D0-3AEC-49AD-A7E8-5E88288CA698}">
-      <dgm:prSet/>
-      <dgm:spPr/>
-      <dgm:t>
-        <a:bodyPr/>
-        <a:lstStyle/>
-        <a:p>
-          <a:endParaRPr lang="en-US"/>
-        </a:p>
-      </dgm:t>
-    </dgm:pt>
-    <dgm:pt modelId="{FAB14C1D-2C78-4DF6-9F47-58C99F48FD7E}" type="sibTrans" cxnId="{486B93D0-3AEC-49AD-A7E8-5E88288CA698}">
-      <dgm:prSet/>
-      <dgm:spPr/>
-      <dgm:t>
-        <a:bodyPr/>
-        <a:lstStyle/>
-        <a:p>
-          <a:endParaRPr lang="en-US"/>
-        </a:p>
-      </dgm:t>
-    </dgm:pt>
-    <dgm:pt modelId="{BC46C581-20B5-4039-A47A-17DA063B284D}">
-      <dgm:prSet/>
-      <dgm:spPr/>
-      <dgm:t>
-        <a:bodyPr/>
-        <a:lstStyle/>
-        <a:p>
-          <a:r>
-            <a:rPr lang="en-US"/>
-            <a:t>Database</a:t>
-          </a:r>
-        </a:p>
-      </dgm:t>
-    </dgm:pt>
-    <dgm:pt modelId="{E99DF12E-67C3-4C4E-B62B-D0D4F9DC5153}" type="parTrans" cxnId="{9A4A8EF4-4A33-4AC4-B142-F9041434F373}">
-      <dgm:prSet/>
-      <dgm:spPr/>
-      <dgm:t>
-        <a:bodyPr/>
-        <a:lstStyle/>
-        <a:p>
-          <a:endParaRPr lang="en-US"/>
-        </a:p>
-      </dgm:t>
-    </dgm:pt>
-    <dgm:pt modelId="{C671E1D0-5E16-4FD0-BF29-EF5BC6E47E7C}" type="sibTrans" cxnId="{9A4A8EF4-4A33-4AC4-B142-F9041434F373}">
-      <dgm:prSet/>
-      <dgm:spPr/>
-      <dgm:t>
-        <a:bodyPr/>
-        <a:lstStyle/>
-        <a:p>
-          <a:endParaRPr lang="en-US"/>
-        </a:p>
-      </dgm:t>
-    </dgm:pt>
-    <dgm:pt modelId="{E67F75F9-644B-46B6-953E-7F3C06BD242A}">
-      <dgm:prSet/>
-      <dgm:spPr/>
-      <dgm:t>
-        <a:bodyPr/>
-        <a:lstStyle/>
-        <a:p>
-          <a:r>
-            <a:rPr lang="en-US" b="1"/>
-            <a:t>Allan – Quality Assurance &amp; Sound</a:t>
-          </a:r>
-          <a:endParaRPr lang="en-US"/>
-        </a:p>
-      </dgm:t>
-    </dgm:pt>
-    <dgm:pt modelId="{72647CA5-7F23-4D56-8C82-188A2643C931}" type="parTrans" cxnId="{0BD4B7B9-C258-4D1B-B217-F6C8668C0643}">
-      <dgm:prSet/>
-      <dgm:spPr/>
-      <dgm:t>
-        <a:bodyPr/>
-        <a:lstStyle/>
-        <a:p>
-          <a:endParaRPr lang="en-US"/>
-        </a:p>
-      </dgm:t>
-    </dgm:pt>
-    <dgm:pt modelId="{8899315E-D999-4BE6-8AF3-D4DE1EC7F37B}" type="sibTrans" cxnId="{0BD4B7B9-C258-4D1B-B217-F6C8668C0643}">
-      <dgm:prSet/>
-      <dgm:spPr/>
-      <dgm:t>
-        <a:bodyPr/>
-        <a:lstStyle/>
-        <a:p>
-          <a:endParaRPr lang="en-US"/>
-        </a:p>
-      </dgm:t>
-    </dgm:pt>
-    <dgm:pt modelId="{13E1348C-8699-4F1A-96CF-43293C2B514E}">
-      <dgm:prSet/>
-      <dgm:spPr/>
-      <dgm:t>
-        <a:bodyPr/>
-        <a:lstStyle/>
-        <a:p>
-          <a:r>
-            <a:rPr lang="en-US"/>
-            <a:t>Ensure final product quality, debug and test code</a:t>
-          </a:r>
-        </a:p>
-      </dgm:t>
-    </dgm:pt>
-    <dgm:pt modelId="{E1F395AF-30C8-4563-A180-6F5E5676C7EA}" type="parTrans" cxnId="{A1047649-AFD6-4DBA-B5C8-AFA3EF597C0E}">
-      <dgm:prSet/>
-      <dgm:spPr/>
-      <dgm:t>
-        <a:bodyPr/>
-        <a:lstStyle/>
-        <a:p>
-          <a:endParaRPr lang="en-US"/>
-        </a:p>
-      </dgm:t>
-    </dgm:pt>
-    <dgm:pt modelId="{68C53E16-2E6A-408A-AD8C-7B8184DA31D1}" type="sibTrans" cxnId="{A1047649-AFD6-4DBA-B5C8-AFA3EF597C0E}">
-      <dgm:prSet/>
-      <dgm:spPr/>
-      <dgm:t>
-        <a:bodyPr/>
-        <a:lstStyle/>
-        <a:p>
-          <a:endParaRPr lang="en-US"/>
-        </a:p>
-      </dgm:t>
-    </dgm:pt>
-    <dgm:pt modelId="{14029F32-8FC4-4351-AE05-6AB118F8FAEC}">
-      <dgm:prSet/>
-      <dgm:spPr/>
-      <dgm:t>
-        <a:bodyPr/>
-        <a:lstStyle/>
-        <a:p>
-          <a:r>
-            <a:rPr lang="en-US"/>
-            <a:t>Produce sound effects needed</a:t>
-          </a:r>
-        </a:p>
-      </dgm:t>
-    </dgm:pt>
-    <dgm:pt modelId="{B5C8585A-FA96-40E5-B6E8-AC5407291DC0}" type="parTrans" cxnId="{903F207B-1030-4147-90AB-05B5E71C6468}">
-      <dgm:prSet/>
-      <dgm:spPr/>
-      <dgm:t>
-        <a:bodyPr/>
-        <a:lstStyle/>
-        <a:p>
-          <a:endParaRPr lang="en-US"/>
-        </a:p>
-      </dgm:t>
-    </dgm:pt>
-    <dgm:pt modelId="{42C18BE3-2F9C-4C51-BE26-CA10EEDCFB9B}" type="sibTrans" cxnId="{903F207B-1030-4147-90AB-05B5E71C6468}">
-      <dgm:prSet/>
-      <dgm:spPr/>
-      <dgm:t>
-        <a:bodyPr/>
-        <a:lstStyle/>
-        <a:p>
-          <a:endParaRPr lang="en-US"/>
-        </a:p>
-      </dgm:t>
-    </dgm:pt>
-    <dgm:pt modelId="{1DB37771-D118-6242-A5C7-5674C8FE1EC1}" type="pres">
-      <dgm:prSet presAssocID="{04735FA7-E9D4-49FD-8458-0FD5D86CB111}" presName="Name0" presStyleCnt="0">
-        <dgm:presLayoutVars>
-          <dgm:dir/>
-          <dgm:animLvl val="lvl"/>
-          <dgm:resizeHandles val="exact"/>
-        </dgm:presLayoutVars>
-      </dgm:prSet>
-      <dgm:spPr/>
-    </dgm:pt>
-    <dgm:pt modelId="{322BFE34-2D43-1948-A91F-F16E6619171A}" type="pres">
-      <dgm:prSet presAssocID="{DC75B4C8-8C0C-4B90-976F-B908279105EF}" presName="linNode" presStyleCnt="0"/>
-      <dgm:spPr/>
-    </dgm:pt>
-    <dgm:pt modelId="{54AC9942-65F4-F74E-9EA8-ED89CED514FB}" type="pres">
-      <dgm:prSet presAssocID="{DC75B4C8-8C0C-4B90-976F-B908279105EF}" presName="parentText" presStyleLbl="node1" presStyleIdx="0" presStyleCnt="4">
-        <dgm:presLayoutVars>
-          <dgm:chMax val="1"/>
-          <dgm:bulletEnabled val="1"/>
-        </dgm:presLayoutVars>
-      </dgm:prSet>
-      <dgm:spPr/>
-    </dgm:pt>
-    <dgm:pt modelId="{BE21C776-BE84-674A-8512-0B67919F84FE}" type="pres">
-      <dgm:prSet presAssocID="{DC75B4C8-8C0C-4B90-976F-B908279105EF}" presName="descendantText" presStyleLbl="alignAccFollowNode1" presStyleIdx="0" presStyleCnt="4">
-        <dgm:presLayoutVars>
-          <dgm:bulletEnabled val="1"/>
-        </dgm:presLayoutVars>
-      </dgm:prSet>
-      <dgm:spPr/>
-    </dgm:pt>
-    <dgm:pt modelId="{A36AB794-17D7-E14A-AE0E-41506889A2CE}" type="pres">
-      <dgm:prSet presAssocID="{62EFC8D8-8186-453E-9947-1CDB4C5F67E1}" presName="sp" presStyleCnt="0"/>
-      <dgm:spPr/>
-    </dgm:pt>
-    <dgm:pt modelId="{7D35588D-7382-6446-A52F-8A2F53C15AFA}" type="pres">
-      <dgm:prSet presAssocID="{36B9D486-3A74-44C1-A7B4-4E341DEDD409}" presName="linNode" presStyleCnt="0"/>
-      <dgm:spPr/>
-    </dgm:pt>
-    <dgm:pt modelId="{5FEA7DA4-DBDF-6841-BA1E-829975F40655}" type="pres">
-      <dgm:prSet presAssocID="{36B9D486-3A74-44C1-A7B4-4E341DEDD409}" presName="parentText" presStyleLbl="node1" presStyleIdx="1" presStyleCnt="4">
-        <dgm:presLayoutVars>
-          <dgm:chMax val="1"/>
-          <dgm:bulletEnabled val="1"/>
-        </dgm:presLayoutVars>
-      </dgm:prSet>
-      <dgm:spPr/>
-    </dgm:pt>
-    <dgm:pt modelId="{1F181259-2B12-3440-A044-7816E836186A}" type="pres">
-      <dgm:prSet presAssocID="{36B9D486-3A74-44C1-A7B4-4E341DEDD409}" presName="descendantText" presStyleLbl="alignAccFollowNode1" presStyleIdx="1" presStyleCnt="4">
-        <dgm:presLayoutVars>
-          <dgm:bulletEnabled val="1"/>
-        </dgm:presLayoutVars>
-      </dgm:prSet>
-      <dgm:spPr/>
-    </dgm:pt>
-    <dgm:pt modelId="{07708177-91C3-6946-A0D2-A66A089308FD}" type="pres">
-      <dgm:prSet presAssocID="{60EB2B92-55C3-444A-873C-56F13BC22F8D}" presName="sp" presStyleCnt="0"/>
-      <dgm:spPr/>
-    </dgm:pt>
-    <dgm:pt modelId="{704914C2-9810-CC4E-8197-9830ABD2ECD8}" type="pres">
-      <dgm:prSet presAssocID="{A2B642EC-E201-41F0-A45A-AE106FDEB453}" presName="linNode" presStyleCnt="0"/>
-      <dgm:spPr/>
-    </dgm:pt>
-    <dgm:pt modelId="{143BCF6D-E017-104F-89E3-35EE3D79654C}" type="pres">
-      <dgm:prSet presAssocID="{A2B642EC-E201-41F0-A45A-AE106FDEB453}" presName="parentText" presStyleLbl="node1" presStyleIdx="2" presStyleCnt="4">
-        <dgm:presLayoutVars>
-          <dgm:chMax val="1"/>
-          <dgm:bulletEnabled val="1"/>
-        </dgm:presLayoutVars>
-      </dgm:prSet>
-      <dgm:spPr/>
-    </dgm:pt>
-    <dgm:pt modelId="{ADFC3D45-93F6-524A-A42F-C2CB0313D07A}" type="pres">
-      <dgm:prSet presAssocID="{A2B642EC-E201-41F0-A45A-AE106FDEB453}" presName="descendantText" presStyleLbl="alignAccFollowNode1" presStyleIdx="2" presStyleCnt="4">
-        <dgm:presLayoutVars>
-          <dgm:bulletEnabled val="1"/>
-        </dgm:presLayoutVars>
-      </dgm:prSet>
-      <dgm:spPr/>
-    </dgm:pt>
-    <dgm:pt modelId="{32840BCF-0CB2-DF48-B7F2-07FA68C2F0AB}" type="pres">
-      <dgm:prSet presAssocID="{14540864-ED4E-44E1-B835-59325019BFE3}" presName="sp" presStyleCnt="0"/>
-      <dgm:spPr/>
-    </dgm:pt>
-    <dgm:pt modelId="{8C88FC03-FEAE-234A-BAD9-8C0F67A11122}" type="pres">
-      <dgm:prSet presAssocID="{E67F75F9-644B-46B6-953E-7F3C06BD242A}" presName="linNode" presStyleCnt="0"/>
-      <dgm:spPr/>
-    </dgm:pt>
-    <dgm:pt modelId="{4E4C48EB-04E5-504D-B53C-95197C949852}" type="pres">
-      <dgm:prSet presAssocID="{E67F75F9-644B-46B6-953E-7F3C06BD242A}" presName="parentText" presStyleLbl="node1" presStyleIdx="3" presStyleCnt="4">
-        <dgm:presLayoutVars>
-          <dgm:chMax val="1"/>
-          <dgm:bulletEnabled val="1"/>
-        </dgm:presLayoutVars>
-      </dgm:prSet>
-      <dgm:spPr/>
-    </dgm:pt>
-    <dgm:pt modelId="{EB04EC8A-4AEF-5146-B21F-89AB6F66C33A}" type="pres">
-      <dgm:prSet presAssocID="{E67F75F9-644B-46B6-953E-7F3C06BD242A}" presName="descendantText" presStyleLbl="alignAccFollowNode1" presStyleIdx="3" presStyleCnt="4">
-        <dgm:presLayoutVars>
-          <dgm:bulletEnabled val="1"/>
-        </dgm:presLayoutVars>
-      </dgm:prSet>
-      <dgm:spPr/>
-    </dgm:pt>
-  </dgm:ptLst>
-  <dgm:cxnLst>
-    <dgm:cxn modelId="{12686720-B628-4BE5-83D0-4C8C329D191E}" srcId="{36B9D486-3A74-44C1-A7B4-4E341DEDD409}" destId="{CD594DB3-CA92-4F8E-8B4E-EB6587836601}" srcOrd="1" destOrd="0" parTransId="{E09DC04E-4ECE-4C02-A813-709E2C4807CC}" sibTransId="{33135574-D6FA-4718-B7C5-83B70F7E5924}"/>
-    <dgm:cxn modelId="{3247112A-D486-CB41-84BB-A17C07CA5A3F}" type="presOf" srcId="{04735FA7-E9D4-49FD-8458-0FD5D86CB111}" destId="{1DB37771-D118-6242-A5C7-5674C8FE1EC1}" srcOrd="0" destOrd="0" presId="urn:microsoft.com/office/officeart/2005/8/layout/vList5"/>
-    <dgm:cxn modelId="{43C7503A-B1DC-4D41-851B-93108D00F568}" srcId="{04735FA7-E9D4-49FD-8458-0FD5D86CB111}" destId="{A2B642EC-E201-41F0-A45A-AE106FDEB453}" srcOrd="2" destOrd="0" parTransId="{719AF309-E7C8-4C8B-9F73-B5085262011B}" sibTransId="{14540864-ED4E-44E1-B835-59325019BFE3}"/>
-    <dgm:cxn modelId="{A1047649-AFD6-4DBA-B5C8-AFA3EF597C0E}" srcId="{E67F75F9-644B-46B6-953E-7F3C06BD242A}" destId="{13E1348C-8699-4F1A-96CF-43293C2B514E}" srcOrd="0" destOrd="0" parTransId="{E1F395AF-30C8-4563-A180-6F5E5676C7EA}" sibTransId="{68C53E16-2E6A-408A-AD8C-7B8184DA31D1}"/>
-    <dgm:cxn modelId="{90D42D53-4F86-304F-9EF0-FE8729D0591D}" type="presOf" srcId="{14029F32-8FC4-4351-AE05-6AB118F8FAEC}" destId="{EB04EC8A-4AEF-5146-B21F-89AB6F66C33A}" srcOrd="0" destOrd="1" presId="urn:microsoft.com/office/officeart/2005/8/layout/vList5"/>
-    <dgm:cxn modelId="{8C414554-9BD9-384C-A940-F24B353D5856}" type="presOf" srcId="{E67F75F9-644B-46B6-953E-7F3C06BD242A}" destId="{4E4C48EB-04E5-504D-B53C-95197C949852}" srcOrd="0" destOrd="0" presId="urn:microsoft.com/office/officeart/2005/8/layout/vList5"/>
-    <dgm:cxn modelId="{0E977655-0E49-4B78-9A80-5A90A2294BEB}" srcId="{36B9D486-3A74-44C1-A7B4-4E341DEDD409}" destId="{E20FF0A7-8CCE-49FC-93EB-AD4EABA66BA5}" srcOrd="0" destOrd="0" parTransId="{85EE447A-EE43-4326-8576-5FD1E703C7B2}" sibTransId="{4459E616-0D6B-4647-9760-84317DDDA63E}"/>
-    <dgm:cxn modelId="{569A9478-D127-4F03-8067-ED22B3AF2A38}" srcId="{04735FA7-E9D4-49FD-8458-0FD5D86CB111}" destId="{36B9D486-3A74-44C1-A7B4-4E341DEDD409}" srcOrd="1" destOrd="0" parTransId="{BC7EC32C-D689-46AB-A7DC-E8F54B1712A8}" sibTransId="{60EB2B92-55C3-444A-873C-56F13BC22F8D}"/>
-    <dgm:cxn modelId="{903F207B-1030-4147-90AB-05B5E71C6468}" srcId="{E67F75F9-644B-46B6-953E-7F3C06BD242A}" destId="{14029F32-8FC4-4351-AE05-6AB118F8FAEC}" srcOrd="1" destOrd="0" parTransId="{B5C8585A-FA96-40E5-B6E8-AC5407291DC0}" sibTransId="{42C18BE3-2F9C-4C51-BE26-CA10EEDCFB9B}"/>
-    <dgm:cxn modelId="{BFC21A7C-0461-B742-AF5B-1F39F6CACE32}" type="presOf" srcId="{A2B642EC-E201-41F0-A45A-AE106FDEB453}" destId="{143BCF6D-E017-104F-89E3-35EE3D79654C}" srcOrd="0" destOrd="0" presId="urn:microsoft.com/office/officeart/2005/8/layout/vList5"/>
-    <dgm:cxn modelId="{488F747F-6889-DC4F-9B5D-D6746043CF06}" type="presOf" srcId="{C656752D-B5C2-4330-AA33-FBF9E4F0200D}" destId="{ADFC3D45-93F6-524A-A42F-C2CB0313D07A}" srcOrd="0" destOrd="0" presId="urn:microsoft.com/office/officeart/2005/8/layout/vList5"/>
-    <dgm:cxn modelId="{049C0C89-EC07-AC45-A307-19E236079CEF}" type="presOf" srcId="{E20FF0A7-8CCE-49FC-93EB-AD4EABA66BA5}" destId="{1F181259-2B12-3440-A044-7816E836186A}" srcOrd="0" destOrd="0" presId="urn:microsoft.com/office/officeart/2005/8/layout/vList5"/>
-    <dgm:cxn modelId="{A6AD5F8B-566B-D449-9E15-5400F3C5FC26}" type="presOf" srcId="{36B9D486-3A74-44C1-A7B4-4E341DEDD409}" destId="{5FEA7DA4-DBDF-6841-BA1E-829975F40655}" srcOrd="0" destOrd="0" presId="urn:microsoft.com/office/officeart/2005/8/layout/vList5"/>
-    <dgm:cxn modelId="{6E32F79E-D76C-1341-898C-8F18B141C01D}" type="presOf" srcId="{CD594DB3-CA92-4F8E-8B4E-EB6587836601}" destId="{1F181259-2B12-3440-A044-7816E836186A}" srcOrd="0" destOrd="1" presId="urn:microsoft.com/office/officeart/2005/8/layout/vList5"/>
-    <dgm:cxn modelId="{000CFFB0-5C0C-41EE-90CC-272EDF37EE4D}" srcId="{DC75B4C8-8C0C-4B90-976F-B908279105EF}" destId="{8973053E-16C9-401D-B51F-79979A906F8A}" srcOrd="0" destOrd="0" parTransId="{40BB15BA-4BD0-4D29-9F05-32128790F902}" sibTransId="{D1056644-1A33-4BE4-9036-D4635E4D305B}"/>
-    <dgm:cxn modelId="{0BD4B7B9-C258-4D1B-B217-F6C8668C0643}" srcId="{04735FA7-E9D4-49FD-8458-0FD5D86CB111}" destId="{E67F75F9-644B-46B6-953E-7F3C06BD242A}" srcOrd="3" destOrd="0" parTransId="{72647CA5-7F23-4D56-8C82-188A2643C931}" sibTransId="{8899315E-D999-4BE6-8AF3-D4DE1EC7F37B}"/>
-    <dgm:cxn modelId="{2713DCCE-75DE-DE4C-AFF2-7A0AD64F4DB9}" type="presOf" srcId="{8973053E-16C9-401D-B51F-79979A906F8A}" destId="{BE21C776-BE84-674A-8512-0B67919F84FE}" srcOrd="0" destOrd="0" presId="urn:microsoft.com/office/officeart/2005/8/layout/vList5"/>
-    <dgm:cxn modelId="{486B93D0-3AEC-49AD-A7E8-5E88288CA698}" srcId="{A2B642EC-E201-41F0-A45A-AE106FDEB453}" destId="{C656752D-B5C2-4330-AA33-FBF9E4F0200D}" srcOrd="0" destOrd="0" parTransId="{53D1EE78-39A8-49E7-9AF8-5442B04EED28}" sibTransId="{FAB14C1D-2C78-4DF6-9F47-58C99F48FD7E}"/>
-    <dgm:cxn modelId="{BC4659DD-A538-CA4E-83A3-C23E0773484A}" type="presOf" srcId="{DC75B4C8-8C0C-4B90-976F-B908279105EF}" destId="{54AC9942-65F4-F74E-9EA8-ED89CED514FB}" srcOrd="0" destOrd="0" presId="urn:microsoft.com/office/officeart/2005/8/layout/vList5"/>
-    <dgm:cxn modelId="{273F1DE7-71CC-4DFD-805A-658D83CD98A7}" srcId="{04735FA7-E9D4-49FD-8458-0FD5D86CB111}" destId="{DC75B4C8-8C0C-4B90-976F-B908279105EF}" srcOrd="0" destOrd="0" parTransId="{AD81020A-C53B-41C8-96FB-9E70F48E7F3D}" sibTransId="{62EFC8D8-8186-453E-9947-1CDB4C5F67E1}"/>
-    <dgm:cxn modelId="{C3499FEC-0438-2B40-A9CF-1B301C8920BF}" type="presOf" srcId="{13E1348C-8699-4F1A-96CF-43293C2B514E}" destId="{EB04EC8A-4AEF-5146-B21F-89AB6F66C33A}" srcOrd="0" destOrd="0" presId="urn:microsoft.com/office/officeart/2005/8/layout/vList5"/>
-    <dgm:cxn modelId="{1E1871F4-BE22-E040-9FA2-FD42EDCD2AAD}" type="presOf" srcId="{BC46C581-20B5-4039-A47A-17DA063B284D}" destId="{ADFC3D45-93F6-524A-A42F-C2CB0313D07A}" srcOrd="0" destOrd="1" presId="urn:microsoft.com/office/officeart/2005/8/layout/vList5"/>
-    <dgm:cxn modelId="{9A4A8EF4-4A33-4AC4-B142-F9041434F373}" srcId="{A2B642EC-E201-41F0-A45A-AE106FDEB453}" destId="{BC46C581-20B5-4039-A47A-17DA063B284D}" srcOrd="1" destOrd="0" parTransId="{E99DF12E-67C3-4C4E-B62B-D0D4F9DC5153}" sibTransId="{C671E1D0-5E16-4FD0-BF29-EF5BC6E47E7C}"/>
-    <dgm:cxn modelId="{06D8CAE0-0613-5549-8246-616965069E6F}" type="presParOf" srcId="{1DB37771-D118-6242-A5C7-5674C8FE1EC1}" destId="{322BFE34-2D43-1948-A91F-F16E6619171A}" srcOrd="0" destOrd="0" presId="urn:microsoft.com/office/officeart/2005/8/layout/vList5"/>
-    <dgm:cxn modelId="{B1AB69A2-BEB5-1846-8C50-9C91A2C97184}" type="presParOf" srcId="{322BFE34-2D43-1948-A91F-F16E6619171A}" destId="{54AC9942-65F4-F74E-9EA8-ED89CED514FB}" srcOrd="0" destOrd="0" presId="urn:microsoft.com/office/officeart/2005/8/layout/vList5"/>
-    <dgm:cxn modelId="{A17F511E-A04C-0644-8C22-FB1FA144E22F}" type="presParOf" srcId="{322BFE34-2D43-1948-A91F-F16E6619171A}" destId="{BE21C776-BE84-674A-8512-0B67919F84FE}" srcOrd="1" destOrd="0" presId="urn:microsoft.com/office/officeart/2005/8/layout/vList5"/>
-    <dgm:cxn modelId="{1B2AA9DE-D761-0948-A4D8-0883DD0E874B}" type="presParOf" srcId="{1DB37771-D118-6242-A5C7-5674C8FE1EC1}" destId="{A36AB794-17D7-E14A-AE0E-41506889A2CE}" srcOrd="1" destOrd="0" presId="urn:microsoft.com/office/officeart/2005/8/layout/vList5"/>
-    <dgm:cxn modelId="{4BD26FB6-CD90-8F4E-8EAA-B2DCC4752E6F}" type="presParOf" srcId="{1DB37771-D118-6242-A5C7-5674C8FE1EC1}" destId="{7D35588D-7382-6446-A52F-8A2F53C15AFA}" srcOrd="2" destOrd="0" presId="urn:microsoft.com/office/officeart/2005/8/layout/vList5"/>
-    <dgm:cxn modelId="{6B9D0AB7-D667-734E-9D04-83A44E66CB51}" type="presParOf" srcId="{7D35588D-7382-6446-A52F-8A2F53C15AFA}" destId="{5FEA7DA4-DBDF-6841-BA1E-829975F40655}" srcOrd="0" destOrd="0" presId="urn:microsoft.com/office/officeart/2005/8/layout/vList5"/>
-    <dgm:cxn modelId="{42147156-7A6F-1548-87E1-C35CE24F5ADA}" type="presParOf" srcId="{7D35588D-7382-6446-A52F-8A2F53C15AFA}" destId="{1F181259-2B12-3440-A044-7816E836186A}" srcOrd="1" destOrd="0" presId="urn:microsoft.com/office/officeart/2005/8/layout/vList5"/>
-    <dgm:cxn modelId="{3FE3B2F6-3950-F34C-A1B0-4F6DFF864843}" type="presParOf" srcId="{1DB37771-D118-6242-A5C7-5674C8FE1EC1}" destId="{07708177-91C3-6946-A0D2-A66A089308FD}" srcOrd="3" destOrd="0" presId="urn:microsoft.com/office/officeart/2005/8/layout/vList5"/>
-    <dgm:cxn modelId="{05F68D72-1859-8C43-B540-1DA02CFC5217}" type="presParOf" srcId="{1DB37771-D118-6242-A5C7-5674C8FE1EC1}" destId="{704914C2-9810-CC4E-8197-9830ABD2ECD8}" srcOrd="4" destOrd="0" presId="urn:microsoft.com/office/officeart/2005/8/layout/vList5"/>
-    <dgm:cxn modelId="{12EB6FA8-A9DE-E74A-A293-D92294A13651}" type="presParOf" srcId="{704914C2-9810-CC4E-8197-9830ABD2ECD8}" destId="{143BCF6D-E017-104F-89E3-35EE3D79654C}" srcOrd="0" destOrd="0" presId="urn:microsoft.com/office/officeart/2005/8/layout/vList5"/>
-    <dgm:cxn modelId="{850592AA-3338-AB4E-8A6F-578C0A925017}" type="presParOf" srcId="{704914C2-9810-CC4E-8197-9830ABD2ECD8}" destId="{ADFC3D45-93F6-524A-A42F-C2CB0313D07A}" srcOrd="1" destOrd="0" presId="urn:microsoft.com/office/officeart/2005/8/layout/vList5"/>
-    <dgm:cxn modelId="{F17FF03F-4EEC-9047-8688-0474DF44EBC1}" type="presParOf" srcId="{1DB37771-D118-6242-A5C7-5674C8FE1EC1}" destId="{32840BCF-0CB2-DF48-B7F2-07FA68C2F0AB}" srcOrd="5" destOrd="0" presId="urn:microsoft.com/office/officeart/2005/8/layout/vList5"/>
-    <dgm:cxn modelId="{407D3705-8E71-5241-BAA5-68AB794E9A3A}" type="presParOf" srcId="{1DB37771-D118-6242-A5C7-5674C8FE1EC1}" destId="{8C88FC03-FEAE-234A-BAD9-8C0F67A11122}" srcOrd="6" destOrd="0" presId="urn:microsoft.com/office/officeart/2005/8/layout/vList5"/>
-    <dgm:cxn modelId="{5DE52BF0-3C1F-5649-B661-1223F6BD08F9}" type="presParOf" srcId="{8C88FC03-FEAE-234A-BAD9-8C0F67A11122}" destId="{4E4C48EB-04E5-504D-B53C-95197C949852}" srcOrd="0" destOrd="0" presId="urn:microsoft.com/office/officeart/2005/8/layout/vList5"/>
-    <dgm:cxn modelId="{994A4210-03A4-D247-993A-CE0582AF2B80}" type="presParOf" srcId="{8C88FC03-FEAE-234A-BAD9-8C0F67A11122}" destId="{EB04EC8A-4AEF-5146-B21F-89AB6F66C33A}" srcOrd="1" destOrd="0" presId="urn:microsoft.com/office/officeart/2005/8/layout/vList5"/>
-  </dgm:cxnLst>
-  <dgm:bg/>
-  <dgm:whole/>
-  <dgm:extLst>
-    <a:ext uri="http://schemas.microsoft.com/office/drawing/2008/diagram">
-      <dsp:dataModelExt xmlns:dsp="http://schemas.microsoft.com/office/drawing/2008/diagram" relId="rId7" minVer="http://schemas.openxmlformats.org/drawingml/2006/diagram"/>
     </a:ext>
   </dgm:extLst>
 </dgm:dataModel>
@@ -5651,7 +4333,7 @@
       <dsp:cNvGrpSpPr/>
     </dsp:nvGrpSpPr>
     <dsp:grpSpPr/>
-    <dsp:sp modelId="{CA6A4093-30DC-C94F-99AD-0EAC7605AE28}">
+    <dsp:sp modelId="{E2C29E2C-814B-6B40-9E67-576B3955C780}">
       <dsp:nvSpPr>
         <dsp:cNvPr id="0" name=""/>
         <dsp:cNvSpPr/>
@@ -5659,13 +4341,13 @@
       <dsp:spPr>
         <a:xfrm>
           <a:off x="0" y="0"/>
-          <a:ext cx="4296258" cy="0"/>
+          <a:ext cx="4362450" cy="0"/>
         </a:xfrm>
         <a:prstGeom prst="line">
           <a:avLst/>
         </a:prstGeom>
         <a:solidFill>
-          <a:schemeClr val="accent3">
+          <a:schemeClr val="lt1">
             <a:hueOff val="0"/>
             <a:satOff val="0"/>
             <a:lumOff val="0"/>
@@ -5674,7 +4356,8 @@
         </a:solidFill>
         <a:ln w="15875" cap="rnd" cmpd="sng" algn="ctr">
           <a:solidFill>
-            <a:schemeClr val="accent3">
+            <a:schemeClr val="accent4">
+              <a:shade val="80000"/>
               <a:hueOff val="0"/>
               <a:satOff val="0"/>
               <a:lumOff val="0"/>
@@ -5700,7 +4383,7 @@
         </a:fontRef>
       </dsp:style>
     </dsp:sp>
-    <dsp:sp modelId="{6B679DE4-CFA4-8F4E-B9AF-7C5B540E2247}">
+    <dsp:sp modelId="{65C242AD-C459-DF49-9009-4A77E83ABA12}">
       <dsp:nvSpPr>
         <dsp:cNvPr id="0" name=""/>
         <dsp:cNvSpPr/>
@@ -5708,7 +4391,7 @@
       <dsp:spPr>
         <a:xfrm>
           <a:off x="0" y="0"/>
-          <a:ext cx="4296258" cy="1225747"/>
+          <a:ext cx="4362450" cy="1081881"/>
         </a:xfrm>
         <a:prstGeom prst="rect">
           <a:avLst/>
@@ -5732,12 +4415,12 @@
         <a:fontRef idx="minor"/>
       </dsp:style>
       <dsp:txBody>
-        <a:bodyPr spcFirstLastPara="0" vert="horz" wrap="square" lIns="102870" tIns="102870" rIns="102870" bIns="102870" numCol="1" spcCol="1270" anchor="t" anchorCtr="0">
+        <a:bodyPr spcFirstLastPara="0" vert="horz" wrap="square" lIns="106680" tIns="106680" rIns="106680" bIns="106680" numCol="1" spcCol="1270" anchor="t" anchorCtr="0">
           <a:noAutofit/>
         </a:bodyPr>
         <a:lstStyle/>
         <a:p>
-          <a:pPr marL="0" lvl="0" indent="0" algn="l" defTabSz="1200150">
+          <a:pPr marL="0" lvl="0" indent="0" algn="l" defTabSz="1244600">
             <a:lnSpc>
               <a:spcPct val="90000"/>
             </a:lnSpc>
@@ -5750,31 +4433,31 @@
             <a:buNone/>
           </a:pPr>
           <a:r>
-            <a:rPr lang="en-US" sz="2700" kern="1200"/>
+            <a:rPr lang="en-US" sz="2800" kern="1200"/>
             <a:t>Alex – UI/UX Designer</a:t>
           </a:r>
         </a:p>
       </dsp:txBody>
       <dsp:txXfrm>
         <a:off x="0" y="0"/>
-        <a:ext cx="4296258" cy="1225747"/>
+        <a:ext cx="4362450" cy="1081881"/>
       </dsp:txXfrm>
     </dsp:sp>
-    <dsp:sp modelId="{E7600D7C-0382-A649-9A80-B413134002EE}">
+    <dsp:sp modelId="{8A8D93FB-3F74-7445-9C9D-137ECD3739B7}">
       <dsp:nvSpPr>
         <dsp:cNvPr id="0" name=""/>
         <dsp:cNvSpPr/>
       </dsp:nvSpPr>
       <dsp:spPr>
         <a:xfrm>
-          <a:off x="0" y="1225747"/>
-          <a:ext cx="4296258" cy="0"/>
+          <a:off x="0" y="1081881"/>
+          <a:ext cx="4362450" cy="0"/>
         </a:xfrm>
         <a:prstGeom prst="line">
           <a:avLst/>
         </a:prstGeom>
         <a:solidFill>
-          <a:schemeClr val="accent3">
+          <a:schemeClr val="lt1">
             <a:hueOff val="0"/>
             <a:satOff val="0"/>
             <a:lumOff val="0"/>
@@ -5783,7 +4466,8 @@
         </a:solidFill>
         <a:ln w="15875" cap="rnd" cmpd="sng" algn="ctr">
           <a:solidFill>
-            <a:schemeClr val="accent3">
+            <a:schemeClr val="accent4">
+              <a:shade val="80000"/>
               <a:hueOff val="0"/>
               <a:satOff val="0"/>
               <a:lumOff val="0"/>
@@ -5809,15 +4493,15 @@
         </a:fontRef>
       </dsp:style>
     </dsp:sp>
-    <dsp:sp modelId="{6AC20E80-413E-AA47-B070-001A4ABA6299}">
+    <dsp:sp modelId="{E02C5115-474F-BC48-A1DF-3071001F6540}">
       <dsp:nvSpPr>
         <dsp:cNvPr id="0" name=""/>
         <dsp:cNvSpPr/>
       </dsp:nvSpPr>
       <dsp:spPr>
         <a:xfrm>
-          <a:off x="0" y="1225747"/>
-          <a:ext cx="4296258" cy="1225747"/>
+          <a:off x="0" y="1081881"/>
+          <a:ext cx="4362450" cy="1081881"/>
         </a:xfrm>
         <a:prstGeom prst="rect">
           <a:avLst/>
@@ -5841,12 +4525,12 @@
         <a:fontRef idx="minor"/>
       </dsp:style>
       <dsp:txBody>
-        <a:bodyPr spcFirstLastPara="0" vert="horz" wrap="square" lIns="102870" tIns="102870" rIns="102870" bIns="102870" numCol="1" spcCol="1270" anchor="t" anchorCtr="0">
+        <a:bodyPr spcFirstLastPara="0" vert="horz" wrap="square" lIns="106680" tIns="106680" rIns="106680" bIns="106680" numCol="1" spcCol="1270" anchor="t" anchorCtr="0">
           <a:noAutofit/>
         </a:bodyPr>
         <a:lstStyle/>
         <a:p>
-          <a:pPr marL="0" lvl="0" indent="0" algn="l" defTabSz="1200150">
+          <a:pPr marL="0" lvl="0" indent="0" algn="l" defTabSz="1244600">
             <a:lnSpc>
               <a:spcPct val="90000"/>
             </a:lnSpc>
@@ -5859,31 +4543,31 @@
             <a:buNone/>
           </a:pPr>
           <a:r>
-            <a:rPr lang="en-US" sz="2700" kern="1200"/>
+            <a:rPr lang="en-US" sz="2800" kern="1200"/>
             <a:t>Harmanbir &amp; Jonathan – Front-End Developer</a:t>
           </a:r>
         </a:p>
       </dsp:txBody>
       <dsp:txXfrm>
-        <a:off x="0" y="1225747"/>
-        <a:ext cx="4296258" cy="1225747"/>
+        <a:off x="0" y="1081881"/>
+        <a:ext cx="4362450" cy="1081881"/>
       </dsp:txXfrm>
     </dsp:sp>
-    <dsp:sp modelId="{141D1819-D805-384C-A85B-216288F55EA9}">
+    <dsp:sp modelId="{2B0A7396-2BEC-F049-B5A6-A24D839776A0}">
       <dsp:nvSpPr>
         <dsp:cNvPr id="0" name=""/>
         <dsp:cNvSpPr/>
       </dsp:nvSpPr>
       <dsp:spPr>
         <a:xfrm>
-          <a:off x="0" y="2451495"/>
-          <a:ext cx="4296258" cy="0"/>
+          <a:off x="0" y="2163762"/>
+          <a:ext cx="4362450" cy="0"/>
         </a:xfrm>
         <a:prstGeom prst="line">
           <a:avLst/>
         </a:prstGeom>
         <a:solidFill>
-          <a:schemeClr val="accent3">
+          <a:schemeClr val="lt1">
             <a:hueOff val="0"/>
             <a:satOff val="0"/>
             <a:lumOff val="0"/>
@@ -5892,7 +4576,8 @@
         </a:solidFill>
         <a:ln w="15875" cap="rnd" cmpd="sng" algn="ctr">
           <a:solidFill>
-            <a:schemeClr val="accent3">
+            <a:schemeClr val="accent4">
+              <a:shade val="80000"/>
               <a:hueOff val="0"/>
               <a:satOff val="0"/>
               <a:lumOff val="0"/>
@@ -5918,15 +4603,15 @@
         </a:fontRef>
       </dsp:style>
     </dsp:sp>
-    <dsp:sp modelId="{AE730FF6-D074-D244-AB08-396A0F8FE668}">
+    <dsp:sp modelId="{B2131AB9-EEB6-2E4C-9EAB-CECB2586B7ED}">
       <dsp:nvSpPr>
         <dsp:cNvPr id="0" name=""/>
         <dsp:cNvSpPr/>
       </dsp:nvSpPr>
       <dsp:spPr>
         <a:xfrm>
-          <a:off x="0" y="2451495"/>
-          <a:ext cx="4296258" cy="1225747"/>
+          <a:off x="0" y="2163762"/>
+          <a:ext cx="4362450" cy="1081881"/>
         </a:xfrm>
         <a:prstGeom prst="rect">
           <a:avLst/>
@@ -5950,12 +4635,12 @@
         <a:fontRef idx="minor"/>
       </dsp:style>
       <dsp:txBody>
-        <a:bodyPr spcFirstLastPara="0" vert="horz" wrap="square" lIns="102870" tIns="102870" rIns="102870" bIns="102870" numCol="1" spcCol="1270" anchor="t" anchorCtr="0">
+        <a:bodyPr spcFirstLastPara="0" vert="horz" wrap="square" lIns="106680" tIns="106680" rIns="106680" bIns="106680" numCol="1" spcCol="1270" anchor="t" anchorCtr="0">
           <a:noAutofit/>
         </a:bodyPr>
         <a:lstStyle/>
         <a:p>
-          <a:pPr marL="0" lvl="0" indent="0" algn="l" defTabSz="1200150">
+          <a:pPr marL="0" lvl="0" indent="0" algn="l" defTabSz="1244600">
             <a:lnSpc>
               <a:spcPct val="90000"/>
             </a:lnSpc>
@@ -5968,31 +4653,31 @@
             <a:buNone/>
           </a:pPr>
           <a:r>
-            <a:rPr lang="en-US" sz="2700" kern="1200"/>
+            <a:rPr lang="en-US" sz="2800" kern="1200"/>
             <a:t>Jacob – Back-End Developer &amp; Team lead</a:t>
           </a:r>
         </a:p>
       </dsp:txBody>
       <dsp:txXfrm>
-        <a:off x="0" y="2451495"/>
-        <a:ext cx="4296258" cy="1225747"/>
+        <a:off x="0" y="2163762"/>
+        <a:ext cx="4362450" cy="1081881"/>
       </dsp:txXfrm>
     </dsp:sp>
-    <dsp:sp modelId="{1E877CA4-B01F-E546-90FA-C075A3930EBA}">
+    <dsp:sp modelId="{BE542D9A-1A78-2A40-AB02-99125EE03766}">
       <dsp:nvSpPr>
         <dsp:cNvPr id="0" name=""/>
         <dsp:cNvSpPr/>
       </dsp:nvSpPr>
       <dsp:spPr>
         <a:xfrm>
-          <a:off x="0" y="3677242"/>
-          <a:ext cx="4296258" cy="0"/>
+          <a:off x="0" y="3245643"/>
+          <a:ext cx="4362450" cy="0"/>
         </a:xfrm>
         <a:prstGeom prst="line">
           <a:avLst/>
         </a:prstGeom>
         <a:solidFill>
-          <a:schemeClr val="accent3">
+          <a:schemeClr val="lt1">
             <a:hueOff val="0"/>
             <a:satOff val="0"/>
             <a:lumOff val="0"/>
@@ -6001,7 +4686,8 @@
         </a:solidFill>
         <a:ln w="15875" cap="rnd" cmpd="sng" algn="ctr">
           <a:solidFill>
-            <a:schemeClr val="accent3">
+            <a:schemeClr val="accent4">
+              <a:shade val="80000"/>
               <a:hueOff val="0"/>
               <a:satOff val="0"/>
               <a:lumOff val="0"/>
@@ -6027,15 +4713,15 @@
         </a:fontRef>
       </dsp:style>
     </dsp:sp>
-    <dsp:sp modelId="{4458AB9D-0E4D-2C48-BA85-6F6455D03BC8}">
+    <dsp:sp modelId="{F150D374-B24D-0E47-A461-57180903DAEE}">
       <dsp:nvSpPr>
         <dsp:cNvPr id="0" name=""/>
         <dsp:cNvSpPr/>
       </dsp:nvSpPr>
       <dsp:spPr>
         <a:xfrm>
-          <a:off x="0" y="3677242"/>
-          <a:ext cx="4296258" cy="1225747"/>
+          <a:off x="0" y="3245643"/>
+          <a:ext cx="4362450" cy="1081881"/>
         </a:xfrm>
         <a:prstGeom prst="rect">
           <a:avLst/>
@@ -6059,12 +4745,12 @@
         <a:fontRef idx="minor"/>
       </dsp:style>
       <dsp:txBody>
-        <a:bodyPr spcFirstLastPara="0" vert="horz" wrap="square" lIns="102870" tIns="102870" rIns="102870" bIns="102870" numCol="1" spcCol="1270" anchor="t" anchorCtr="0">
+        <a:bodyPr spcFirstLastPara="0" vert="horz" wrap="square" lIns="106680" tIns="106680" rIns="106680" bIns="106680" numCol="1" spcCol="1270" anchor="t" anchorCtr="0">
           <a:noAutofit/>
         </a:bodyPr>
         <a:lstStyle/>
         <a:p>
-          <a:pPr marL="0" lvl="0" indent="0" algn="l" defTabSz="1200150">
+          <a:pPr marL="0" lvl="0" indent="0" algn="l" defTabSz="1244600">
             <a:lnSpc>
               <a:spcPct val="90000"/>
             </a:lnSpc>
@@ -6077,14 +4763,14 @@
             <a:buNone/>
           </a:pPr>
           <a:r>
-            <a:rPr lang="en-US" sz="2700" kern="1200"/>
+            <a:rPr lang="en-US" sz="2800" kern="1200"/>
             <a:t>Allan – Quality Assurance &amp; Sound</a:t>
           </a:r>
         </a:p>
       </dsp:txBody>
       <dsp:txXfrm>
-        <a:off x="0" y="3677242"/>
-        <a:ext cx="4296258" cy="1225747"/>
+        <a:off x="0" y="3245643"/>
+        <a:ext cx="4362450" cy="1081881"/>
       </dsp:txXfrm>
     </dsp:sp>
   </dsp:spTree>
@@ -6517,748 +5203,6 @@
       <dsp:txXfrm>
         <a:off x="5730506" y="1107494"/>
         <a:ext cx="2143365" cy="1330812"/>
-      </dsp:txXfrm>
-    </dsp:sp>
-  </dsp:spTree>
-</dsp:drawing>
-</file>
-
-<file path=ppt/diagrams/drawing4.xml><?xml version="1.0" encoding="utf-8"?>
-<dsp:drawing xmlns:dgm="http://schemas.openxmlformats.org/drawingml/2006/diagram" xmlns:dsp="http://schemas.microsoft.com/office/drawing/2008/diagram" xmlns:a="http://schemas.openxmlformats.org/drawingml/2006/main">
-  <dsp:spTree>
-    <dsp:nvGrpSpPr>
-      <dsp:cNvPr id="0" name=""/>
-      <dsp:cNvGrpSpPr/>
-    </dsp:nvGrpSpPr>
-    <dsp:grpSpPr/>
-    <dsp:sp modelId="{BE21C776-BE84-674A-8512-0B67919F84FE}">
-      <dsp:nvSpPr>
-        <dsp:cNvPr id="0" name=""/>
-        <dsp:cNvSpPr/>
-      </dsp:nvSpPr>
-      <dsp:spPr>
-        <a:xfrm rot="5400000">
-          <a:off x="2449351" y="-782218"/>
-          <a:ext cx="944208" cy="2749605"/>
-        </a:xfrm>
-        <a:prstGeom prst="round2SameRect">
-          <a:avLst/>
-        </a:prstGeom>
-        <a:solidFill>
-          <a:schemeClr val="lt1">
-            <a:alpha val="90000"/>
-            <a:tint val="40000"/>
-            <a:hueOff val="0"/>
-            <a:satOff val="0"/>
-            <a:lumOff val="0"/>
-            <a:alphaOff val="0"/>
-          </a:schemeClr>
-        </a:solidFill>
-        <a:ln w="9525" cap="rnd" cmpd="sng" algn="ctr">
-          <a:solidFill>
-            <a:schemeClr val="accent3">
-              <a:alpha val="90000"/>
-              <a:hueOff val="0"/>
-              <a:satOff val="0"/>
-              <a:lumOff val="0"/>
-              <a:alphaOff val="0"/>
-            </a:schemeClr>
-          </a:solidFill>
-          <a:prstDash val="solid"/>
-        </a:ln>
-        <a:effectLst/>
-      </dsp:spPr>
-      <dsp:style>
-        <a:lnRef idx="1">
-          <a:scrgbClr r="0" g="0" b="0"/>
-        </a:lnRef>
-        <a:fillRef idx="1">
-          <a:scrgbClr r="0" g="0" b="0"/>
-        </a:fillRef>
-        <a:effectRef idx="2">
-          <a:scrgbClr r="0" g="0" b="0"/>
-        </a:effectRef>
-        <a:fontRef idx="minor"/>
-      </dsp:style>
-      <dsp:txBody>
-        <a:bodyPr spcFirstLastPara="0" vert="horz" wrap="square" lIns="49530" tIns="24765" rIns="49530" bIns="24765" numCol="1" spcCol="1270" anchor="ctr" anchorCtr="0">
-          <a:noAutofit/>
-        </a:bodyPr>
-        <a:lstStyle/>
-        <a:p>
-          <a:pPr marL="114300" lvl="1" indent="-114300" algn="l" defTabSz="577850">
-            <a:lnSpc>
-              <a:spcPct val="90000"/>
-            </a:lnSpc>
-            <a:spcBef>
-              <a:spcPct val="0"/>
-            </a:spcBef>
-            <a:spcAft>
-              <a:spcPct val="15000"/>
-            </a:spcAft>
-            <a:buChar char="•"/>
-          </a:pPr>
-          <a:r>
-            <a:rPr lang="en-US" sz="1300" kern="1200"/>
-            <a:t>Design layouts, and create graphical elements</a:t>
-          </a:r>
-        </a:p>
-      </dsp:txBody>
-      <dsp:txXfrm rot="-5400000">
-        <a:off x="1546653" y="166572"/>
-        <a:ext cx="2703513" cy="852024"/>
-      </dsp:txXfrm>
-    </dsp:sp>
-    <dsp:sp modelId="{54AC9942-65F4-F74E-9EA8-ED89CED514FB}">
-      <dsp:nvSpPr>
-        <dsp:cNvPr id="0" name=""/>
-        <dsp:cNvSpPr/>
-      </dsp:nvSpPr>
-      <dsp:spPr>
-        <a:xfrm>
-          <a:off x="0" y="2453"/>
-          <a:ext cx="1546652" cy="1180260"/>
-        </a:xfrm>
-        <a:prstGeom prst="roundRect">
-          <a:avLst/>
-        </a:prstGeom>
-        <a:blipFill rotWithShape="0">
-          <a:blip xmlns:r="http://schemas.openxmlformats.org/officeDocument/2006/relationships" r:embed="rId1">
-            <a:duotone>
-              <a:schemeClr val="lt1">
-                <a:hueOff val="0"/>
-                <a:satOff val="0"/>
-                <a:lumOff val="0"/>
-                <a:alphaOff val="0"/>
-                <a:tint val="98000"/>
-                <a:lumMod val="102000"/>
-              </a:schemeClr>
-              <a:schemeClr val="lt1">
-                <a:hueOff val="0"/>
-                <a:satOff val="0"/>
-                <a:lumOff val="0"/>
-                <a:alphaOff val="0"/>
-                <a:shade val="98000"/>
-                <a:lumMod val="98000"/>
-              </a:schemeClr>
-            </a:duotone>
-          </a:blip>
-          <a:tile tx="0" ty="0" sx="100000" sy="100000" flip="none" algn="tl"/>
-        </a:blipFill>
-        <a:ln>
-          <a:noFill/>
-        </a:ln>
-        <a:effectLst>
-          <a:innerShdw blurRad="63500" dist="25400" dir="13500000">
-            <a:srgbClr val="000000">
-              <a:alpha val="75000"/>
-            </a:srgbClr>
-          </a:innerShdw>
-        </a:effectLst>
-      </dsp:spPr>
-      <dsp:style>
-        <a:lnRef idx="0">
-          <a:scrgbClr r="0" g="0" b="0"/>
-        </a:lnRef>
-        <a:fillRef idx="3">
-          <a:scrgbClr r="0" g="0" b="0"/>
-        </a:fillRef>
-        <a:effectRef idx="3">
-          <a:scrgbClr r="0" g="0" b="0"/>
-        </a:effectRef>
-        <a:fontRef idx="minor">
-          <a:schemeClr val="lt1"/>
-        </a:fontRef>
-      </dsp:style>
-      <dsp:txBody>
-        <a:bodyPr spcFirstLastPara="0" vert="horz" wrap="square" lIns="64770" tIns="32385" rIns="64770" bIns="32385" numCol="1" spcCol="1270" anchor="ctr" anchorCtr="0">
-          <a:noAutofit/>
-        </a:bodyPr>
-        <a:lstStyle/>
-        <a:p>
-          <a:pPr marL="0" lvl="0" indent="0" algn="ctr" defTabSz="755650">
-            <a:lnSpc>
-              <a:spcPct val="90000"/>
-            </a:lnSpc>
-            <a:spcBef>
-              <a:spcPct val="0"/>
-            </a:spcBef>
-            <a:spcAft>
-              <a:spcPct val="35000"/>
-            </a:spcAft>
-            <a:buNone/>
-          </a:pPr>
-          <a:r>
-            <a:rPr lang="en-US" sz="1700" b="1" kern="1200"/>
-            <a:t>Alex – UI/UX Designer</a:t>
-          </a:r>
-          <a:endParaRPr lang="en-US" sz="1700" kern="1200"/>
-        </a:p>
-      </dsp:txBody>
-      <dsp:txXfrm>
-        <a:off x="57616" y="60069"/>
-        <a:ext cx="1431420" cy="1065028"/>
-      </dsp:txXfrm>
-    </dsp:sp>
-    <dsp:sp modelId="{1F181259-2B12-3440-A044-7816E836186A}">
-      <dsp:nvSpPr>
-        <dsp:cNvPr id="0" name=""/>
-        <dsp:cNvSpPr/>
-      </dsp:nvSpPr>
-      <dsp:spPr>
-        <a:xfrm rot="5400000">
-          <a:off x="2449351" y="457055"/>
-          <a:ext cx="944208" cy="2749605"/>
-        </a:xfrm>
-        <a:prstGeom prst="round2SameRect">
-          <a:avLst/>
-        </a:prstGeom>
-        <a:solidFill>
-          <a:schemeClr val="lt1">
-            <a:alpha val="90000"/>
-            <a:tint val="40000"/>
-            <a:hueOff val="0"/>
-            <a:satOff val="0"/>
-            <a:lumOff val="0"/>
-            <a:alphaOff val="0"/>
-          </a:schemeClr>
-        </a:solidFill>
-        <a:ln w="9525" cap="rnd" cmpd="sng" algn="ctr">
-          <a:solidFill>
-            <a:schemeClr val="accent3">
-              <a:alpha val="90000"/>
-              <a:hueOff val="0"/>
-              <a:satOff val="0"/>
-              <a:lumOff val="0"/>
-              <a:alphaOff val="0"/>
-            </a:schemeClr>
-          </a:solidFill>
-          <a:prstDash val="solid"/>
-        </a:ln>
-        <a:effectLst/>
-      </dsp:spPr>
-      <dsp:style>
-        <a:lnRef idx="1">
-          <a:scrgbClr r="0" g="0" b="0"/>
-        </a:lnRef>
-        <a:fillRef idx="1">
-          <a:scrgbClr r="0" g="0" b="0"/>
-        </a:fillRef>
-        <a:effectRef idx="2">
-          <a:scrgbClr r="0" g="0" b="0"/>
-        </a:effectRef>
-        <a:fontRef idx="minor"/>
-      </dsp:style>
-      <dsp:txBody>
-        <a:bodyPr spcFirstLastPara="0" vert="horz" wrap="square" lIns="49530" tIns="24765" rIns="49530" bIns="24765" numCol="1" spcCol="1270" anchor="ctr" anchorCtr="0">
-          <a:noAutofit/>
-        </a:bodyPr>
-        <a:lstStyle/>
-        <a:p>
-          <a:pPr marL="114300" lvl="1" indent="-114300" algn="l" defTabSz="577850">
-            <a:lnSpc>
-              <a:spcPct val="90000"/>
-            </a:lnSpc>
-            <a:spcBef>
-              <a:spcPct val="0"/>
-            </a:spcBef>
-            <a:spcAft>
-              <a:spcPct val="15000"/>
-            </a:spcAft>
-            <a:buChar char="•"/>
-          </a:pPr>
-          <a:r>
-            <a:rPr lang="en-US" sz="1300" kern="1200"/>
-            <a:t>Code all pages needed for the complete app</a:t>
-          </a:r>
-        </a:p>
-        <a:p>
-          <a:pPr marL="114300" lvl="1" indent="-114300" algn="l" defTabSz="577850">
-            <a:lnSpc>
-              <a:spcPct val="90000"/>
-            </a:lnSpc>
-            <a:spcBef>
-              <a:spcPct val="0"/>
-            </a:spcBef>
-            <a:spcAft>
-              <a:spcPct val="15000"/>
-            </a:spcAft>
-            <a:buChar char="•"/>
-          </a:pPr>
-          <a:r>
-            <a:rPr lang="en-US" sz="1300" kern="1200"/>
-            <a:t>Connect and test database</a:t>
-          </a:r>
-        </a:p>
-      </dsp:txBody>
-      <dsp:txXfrm rot="-5400000">
-        <a:off x="1546653" y="1405845"/>
-        <a:ext cx="2703513" cy="852024"/>
-      </dsp:txXfrm>
-    </dsp:sp>
-    <dsp:sp modelId="{5FEA7DA4-DBDF-6841-BA1E-829975F40655}">
-      <dsp:nvSpPr>
-        <dsp:cNvPr id="0" name=""/>
-        <dsp:cNvSpPr/>
-      </dsp:nvSpPr>
-      <dsp:spPr>
-        <a:xfrm>
-          <a:off x="0" y="1241727"/>
-          <a:ext cx="1546652" cy="1180260"/>
-        </a:xfrm>
-        <a:prstGeom prst="roundRect">
-          <a:avLst/>
-        </a:prstGeom>
-        <a:blipFill rotWithShape="0">
-          <a:blip xmlns:r="http://schemas.openxmlformats.org/officeDocument/2006/relationships" r:embed="rId1">
-            <a:duotone>
-              <a:schemeClr val="lt1">
-                <a:hueOff val="0"/>
-                <a:satOff val="0"/>
-                <a:lumOff val="0"/>
-                <a:alphaOff val="0"/>
-                <a:tint val="98000"/>
-                <a:lumMod val="102000"/>
-              </a:schemeClr>
-              <a:schemeClr val="lt1">
-                <a:hueOff val="0"/>
-                <a:satOff val="0"/>
-                <a:lumOff val="0"/>
-                <a:alphaOff val="0"/>
-                <a:shade val="98000"/>
-                <a:lumMod val="98000"/>
-              </a:schemeClr>
-            </a:duotone>
-          </a:blip>
-          <a:tile tx="0" ty="0" sx="100000" sy="100000" flip="none" algn="tl"/>
-        </a:blipFill>
-        <a:ln>
-          <a:noFill/>
-        </a:ln>
-        <a:effectLst>
-          <a:innerShdw blurRad="63500" dist="25400" dir="13500000">
-            <a:srgbClr val="000000">
-              <a:alpha val="75000"/>
-            </a:srgbClr>
-          </a:innerShdw>
-        </a:effectLst>
-      </dsp:spPr>
-      <dsp:style>
-        <a:lnRef idx="0">
-          <a:scrgbClr r="0" g="0" b="0"/>
-        </a:lnRef>
-        <a:fillRef idx="3">
-          <a:scrgbClr r="0" g="0" b="0"/>
-        </a:fillRef>
-        <a:effectRef idx="3">
-          <a:scrgbClr r="0" g="0" b="0"/>
-        </a:effectRef>
-        <a:fontRef idx="minor">
-          <a:schemeClr val="lt1"/>
-        </a:fontRef>
-      </dsp:style>
-      <dsp:txBody>
-        <a:bodyPr spcFirstLastPara="0" vert="horz" wrap="square" lIns="64770" tIns="32385" rIns="64770" bIns="32385" numCol="1" spcCol="1270" anchor="ctr" anchorCtr="0">
-          <a:noAutofit/>
-        </a:bodyPr>
-        <a:lstStyle/>
-        <a:p>
-          <a:pPr marL="0" lvl="0" indent="0" algn="ctr" defTabSz="755650">
-            <a:lnSpc>
-              <a:spcPct val="90000"/>
-            </a:lnSpc>
-            <a:spcBef>
-              <a:spcPct val="0"/>
-            </a:spcBef>
-            <a:spcAft>
-              <a:spcPct val="35000"/>
-            </a:spcAft>
-            <a:buNone/>
-          </a:pPr>
-          <a:r>
-            <a:rPr lang="en-US" sz="1700" b="1" kern="1200"/>
-            <a:t>Harmanbir &amp; Jonathan – Front-End</a:t>
-          </a:r>
-          <a:endParaRPr lang="en-US" sz="1700" kern="1200"/>
-        </a:p>
-      </dsp:txBody>
-      <dsp:txXfrm>
-        <a:off x="57616" y="1299343"/>
-        <a:ext cx="1431420" cy="1065028"/>
-      </dsp:txXfrm>
-    </dsp:sp>
-    <dsp:sp modelId="{ADFC3D45-93F6-524A-A42F-C2CB0313D07A}">
-      <dsp:nvSpPr>
-        <dsp:cNvPr id="0" name=""/>
-        <dsp:cNvSpPr/>
-      </dsp:nvSpPr>
-      <dsp:spPr>
-        <a:xfrm rot="5400000">
-          <a:off x="2449351" y="1696329"/>
-          <a:ext cx="944208" cy="2749605"/>
-        </a:xfrm>
-        <a:prstGeom prst="round2SameRect">
-          <a:avLst/>
-        </a:prstGeom>
-        <a:solidFill>
-          <a:schemeClr val="lt1">
-            <a:alpha val="90000"/>
-            <a:tint val="40000"/>
-            <a:hueOff val="0"/>
-            <a:satOff val="0"/>
-            <a:lumOff val="0"/>
-            <a:alphaOff val="0"/>
-          </a:schemeClr>
-        </a:solidFill>
-        <a:ln w="9525" cap="rnd" cmpd="sng" algn="ctr">
-          <a:solidFill>
-            <a:schemeClr val="accent3">
-              <a:alpha val="90000"/>
-              <a:hueOff val="0"/>
-              <a:satOff val="0"/>
-              <a:lumOff val="0"/>
-              <a:alphaOff val="0"/>
-            </a:schemeClr>
-          </a:solidFill>
-          <a:prstDash val="solid"/>
-        </a:ln>
-        <a:effectLst/>
-      </dsp:spPr>
-      <dsp:style>
-        <a:lnRef idx="1">
-          <a:scrgbClr r="0" g="0" b="0"/>
-        </a:lnRef>
-        <a:fillRef idx="1">
-          <a:scrgbClr r="0" g="0" b="0"/>
-        </a:fillRef>
-        <a:effectRef idx="2">
-          <a:scrgbClr r="0" g="0" b="0"/>
-        </a:effectRef>
-        <a:fontRef idx="minor"/>
-      </dsp:style>
-      <dsp:txBody>
-        <a:bodyPr spcFirstLastPara="0" vert="horz" wrap="square" lIns="49530" tIns="24765" rIns="49530" bIns="24765" numCol="1" spcCol="1270" anchor="ctr" anchorCtr="0">
-          <a:noAutofit/>
-        </a:bodyPr>
-        <a:lstStyle/>
-        <a:p>
-          <a:pPr marL="114300" lvl="1" indent="-114300" algn="l" defTabSz="577850">
-            <a:lnSpc>
-              <a:spcPct val="90000"/>
-            </a:lnSpc>
-            <a:spcBef>
-              <a:spcPct val="0"/>
-            </a:spcBef>
-            <a:spcAft>
-              <a:spcPct val="15000"/>
-            </a:spcAft>
-            <a:buChar char="•"/>
-          </a:pPr>
-          <a:r>
-            <a:rPr lang="en-US" sz="1300" kern="1200"/>
-            <a:t>Project Management</a:t>
-          </a:r>
-        </a:p>
-        <a:p>
-          <a:pPr marL="114300" lvl="1" indent="-114300" algn="l" defTabSz="577850">
-            <a:lnSpc>
-              <a:spcPct val="90000"/>
-            </a:lnSpc>
-            <a:spcBef>
-              <a:spcPct val="0"/>
-            </a:spcBef>
-            <a:spcAft>
-              <a:spcPct val="15000"/>
-            </a:spcAft>
-            <a:buChar char="•"/>
-          </a:pPr>
-          <a:r>
-            <a:rPr lang="en-US" sz="1300" kern="1200"/>
-            <a:t>Database</a:t>
-          </a:r>
-        </a:p>
-      </dsp:txBody>
-      <dsp:txXfrm rot="-5400000">
-        <a:off x="1546653" y="2645119"/>
-        <a:ext cx="2703513" cy="852024"/>
-      </dsp:txXfrm>
-    </dsp:sp>
-    <dsp:sp modelId="{143BCF6D-E017-104F-89E3-35EE3D79654C}">
-      <dsp:nvSpPr>
-        <dsp:cNvPr id="0" name=""/>
-        <dsp:cNvSpPr/>
-      </dsp:nvSpPr>
-      <dsp:spPr>
-        <a:xfrm>
-          <a:off x="0" y="2481001"/>
-          <a:ext cx="1546652" cy="1180260"/>
-        </a:xfrm>
-        <a:prstGeom prst="roundRect">
-          <a:avLst/>
-        </a:prstGeom>
-        <a:blipFill rotWithShape="0">
-          <a:blip xmlns:r="http://schemas.openxmlformats.org/officeDocument/2006/relationships" r:embed="rId1">
-            <a:duotone>
-              <a:schemeClr val="lt1">
-                <a:hueOff val="0"/>
-                <a:satOff val="0"/>
-                <a:lumOff val="0"/>
-                <a:alphaOff val="0"/>
-                <a:tint val="98000"/>
-                <a:lumMod val="102000"/>
-              </a:schemeClr>
-              <a:schemeClr val="lt1">
-                <a:hueOff val="0"/>
-                <a:satOff val="0"/>
-                <a:lumOff val="0"/>
-                <a:alphaOff val="0"/>
-                <a:shade val="98000"/>
-                <a:lumMod val="98000"/>
-              </a:schemeClr>
-            </a:duotone>
-          </a:blip>
-          <a:tile tx="0" ty="0" sx="100000" sy="100000" flip="none" algn="tl"/>
-        </a:blipFill>
-        <a:ln>
-          <a:noFill/>
-        </a:ln>
-        <a:effectLst>
-          <a:innerShdw blurRad="63500" dist="25400" dir="13500000">
-            <a:srgbClr val="000000">
-              <a:alpha val="75000"/>
-            </a:srgbClr>
-          </a:innerShdw>
-        </a:effectLst>
-      </dsp:spPr>
-      <dsp:style>
-        <a:lnRef idx="0">
-          <a:scrgbClr r="0" g="0" b="0"/>
-        </a:lnRef>
-        <a:fillRef idx="3">
-          <a:scrgbClr r="0" g="0" b="0"/>
-        </a:fillRef>
-        <a:effectRef idx="3">
-          <a:scrgbClr r="0" g="0" b="0"/>
-        </a:effectRef>
-        <a:fontRef idx="minor">
-          <a:schemeClr val="lt1"/>
-        </a:fontRef>
-      </dsp:style>
-      <dsp:txBody>
-        <a:bodyPr spcFirstLastPara="0" vert="horz" wrap="square" lIns="64770" tIns="32385" rIns="64770" bIns="32385" numCol="1" spcCol="1270" anchor="ctr" anchorCtr="0">
-          <a:noAutofit/>
-        </a:bodyPr>
-        <a:lstStyle/>
-        <a:p>
-          <a:pPr marL="0" lvl="0" indent="0" algn="ctr" defTabSz="755650">
-            <a:lnSpc>
-              <a:spcPct val="90000"/>
-            </a:lnSpc>
-            <a:spcBef>
-              <a:spcPct val="0"/>
-            </a:spcBef>
-            <a:spcAft>
-              <a:spcPct val="35000"/>
-            </a:spcAft>
-            <a:buNone/>
-          </a:pPr>
-          <a:r>
-            <a:rPr lang="en-US" sz="1700" b="1" kern="1200"/>
-            <a:t>Jacob – Back-End &amp; Team lead</a:t>
-          </a:r>
-          <a:endParaRPr lang="en-US" sz="1700" kern="1200"/>
-        </a:p>
-      </dsp:txBody>
-      <dsp:txXfrm>
-        <a:off x="57616" y="2538617"/>
-        <a:ext cx="1431420" cy="1065028"/>
-      </dsp:txXfrm>
-    </dsp:sp>
-    <dsp:sp modelId="{EB04EC8A-4AEF-5146-B21F-89AB6F66C33A}">
-      <dsp:nvSpPr>
-        <dsp:cNvPr id="0" name=""/>
-        <dsp:cNvSpPr/>
-      </dsp:nvSpPr>
-      <dsp:spPr>
-        <a:xfrm rot="5400000">
-          <a:off x="2449351" y="2935603"/>
-          <a:ext cx="944208" cy="2749605"/>
-        </a:xfrm>
-        <a:prstGeom prst="round2SameRect">
-          <a:avLst/>
-        </a:prstGeom>
-        <a:solidFill>
-          <a:schemeClr val="lt1">
-            <a:alpha val="90000"/>
-            <a:tint val="40000"/>
-            <a:hueOff val="0"/>
-            <a:satOff val="0"/>
-            <a:lumOff val="0"/>
-            <a:alphaOff val="0"/>
-          </a:schemeClr>
-        </a:solidFill>
-        <a:ln w="9525" cap="rnd" cmpd="sng" algn="ctr">
-          <a:solidFill>
-            <a:schemeClr val="accent3">
-              <a:alpha val="90000"/>
-              <a:hueOff val="0"/>
-              <a:satOff val="0"/>
-              <a:lumOff val="0"/>
-              <a:alphaOff val="0"/>
-            </a:schemeClr>
-          </a:solidFill>
-          <a:prstDash val="solid"/>
-        </a:ln>
-        <a:effectLst/>
-      </dsp:spPr>
-      <dsp:style>
-        <a:lnRef idx="1">
-          <a:scrgbClr r="0" g="0" b="0"/>
-        </a:lnRef>
-        <a:fillRef idx="1">
-          <a:scrgbClr r="0" g="0" b="0"/>
-        </a:fillRef>
-        <a:effectRef idx="2">
-          <a:scrgbClr r="0" g="0" b="0"/>
-        </a:effectRef>
-        <a:fontRef idx="minor"/>
-      </dsp:style>
-      <dsp:txBody>
-        <a:bodyPr spcFirstLastPara="0" vert="horz" wrap="square" lIns="49530" tIns="24765" rIns="49530" bIns="24765" numCol="1" spcCol="1270" anchor="ctr" anchorCtr="0">
-          <a:noAutofit/>
-        </a:bodyPr>
-        <a:lstStyle/>
-        <a:p>
-          <a:pPr marL="114300" lvl="1" indent="-114300" algn="l" defTabSz="577850">
-            <a:lnSpc>
-              <a:spcPct val="90000"/>
-            </a:lnSpc>
-            <a:spcBef>
-              <a:spcPct val="0"/>
-            </a:spcBef>
-            <a:spcAft>
-              <a:spcPct val="15000"/>
-            </a:spcAft>
-            <a:buChar char="•"/>
-          </a:pPr>
-          <a:r>
-            <a:rPr lang="en-US" sz="1300" kern="1200"/>
-            <a:t>Ensure final product quality, debug and test code</a:t>
-          </a:r>
-        </a:p>
-        <a:p>
-          <a:pPr marL="114300" lvl="1" indent="-114300" algn="l" defTabSz="577850">
-            <a:lnSpc>
-              <a:spcPct val="90000"/>
-            </a:lnSpc>
-            <a:spcBef>
-              <a:spcPct val="0"/>
-            </a:spcBef>
-            <a:spcAft>
-              <a:spcPct val="15000"/>
-            </a:spcAft>
-            <a:buChar char="•"/>
-          </a:pPr>
-          <a:r>
-            <a:rPr lang="en-US" sz="1300" kern="1200"/>
-            <a:t>Produce sound effects needed</a:t>
-          </a:r>
-        </a:p>
-      </dsp:txBody>
-      <dsp:txXfrm rot="-5400000">
-        <a:off x="1546653" y="3884393"/>
-        <a:ext cx="2703513" cy="852024"/>
-      </dsp:txXfrm>
-    </dsp:sp>
-    <dsp:sp modelId="{4E4C48EB-04E5-504D-B53C-95197C949852}">
-      <dsp:nvSpPr>
-        <dsp:cNvPr id="0" name=""/>
-        <dsp:cNvSpPr/>
-      </dsp:nvSpPr>
-      <dsp:spPr>
-        <a:xfrm>
-          <a:off x="0" y="3720275"/>
-          <a:ext cx="1546652" cy="1180260"/>
-        </a:xfrm>
-        <a:prstGeom prst="roundRect">
-          <a:avLst/>
-        </a:prstGeom>
-        <a:blipFill rotWithShape="0">
-          <a:blip xmlns:r="http://schemas.openxmlformats.org/officeDocument/2006/relationships" r:embed="rId1">
-            <a:duotone>
-              <a:schemeClr val="lt1">
-                <a:hueOff val="0"/>
-                <a:satOff val="0"/>
-                <a:lumOff val="0"/>
-                <a:alphaOff val="0"/>
-                <a:tint val="98000"/>
-                <a:lumMod val="102000"/>
-              </a:schemeClr>
-              <a:schemeClr val="lt1">
-                <a:hueOff val="0"/>
-                <a:satOff val="0"/>
-                <a:lumOff val="0"/>
-                <a:alphaOff val="0"/>
-                <a:shade val="98000"/>
-                <a:lumMod val="98000"/>
-              </a:schemeClr>
-            </a:duotone>
-          </a:blip>
-          <a:tile tx="0" ty="0" sx="100000" sy="100000" flip="none" algn="tl"/>
-        </a:blipFill>
-        <a:ln>
-          <a:noFill/>
-        </a:ln>
-        <a:effectLst>
-          <a:innerShdw blurRad="63500" dist="25400" dir="13500000">
-            <a:srgbClr val="000000">
-              <a:alpha val="75000"/>
-            </a:srgbClr>
-          </a:innerShdw>
-        </a:effectLst>
-      </dsp:spPr>
-      <dsp:style>
-        <a:lnRef idx="0">
-          <a:scrgbClr r="0" g="0" b="0"/>
-        </a:lnRef>
-        <a:fillRef idx="3">
-          <a:scrgbClr r="0" g="0" b="0"/>
-        </a:fillRef>
-        <a:effectRef idx="3">
-          <a:scrgbClr r="0" g="0" b="0"/>
-        </a:effectRef>
-        <a:fontRef idx="minor">
-          <a:schemeClr val="lt1"/>
-        </a:fontRef>
-      </dsp:style>
-      <dsp:txBody>
-        <a:bodyPr spcFirstLastPara="0" vert="horz" wrap="square" lIns="64770" tIns="32385" rIns="64770" bIns="32385" numCol="1" spcCol="1270" anchor="ctr" anchorCtr="0">
-          <a:noAutofit/>
-        </a:bodyPr>
-        <a:lstStyle/>
-        <a:p>
-          <a:pPr marL="0" lvl="0" indent="0" algn="ctr" defTabSz="755650">
-            <a:lnSpc>
-              <a:spcPct val="90000"/>
-            </a:lnSpc>
-            <a:spcBef>
-              <a:spcPct val="0"/>
-            </a:spcBef>
-            <a:spcAft>
-              <a:spcPct val="35000"/>
-            </a:spcAft>
-            <a:buNone/>
-          </a:pPr>
-          <a:r>
-            <a:rPr lang="en-US" sz="1700" b="1" kern="1200"/>
-            <a:t>Allan – Quality Assurance &amp; Sound</a:t>
-          </a:r>
-          <a:endParaRPr lang="en-US" sz="1700" kern="1200"/>
-        </a:p>
-      </dsp:txBody>
-      <dsp:txXfrm>
-        <a:off x="57616" y="3777891"/>
-        <a:ext cx="1431420" cy="1065028"/>
       </dsp:txXfrm>
     </dsp:sp>
   </dsp:spTree>
@@ -8760,239 +6704,6 @@
 </dgm:layoutDef>
 </file>
 
-<file path=ppt/diagrams/layout4.xml><?xml version="1.0" encoding="utf-8"?>
-<dgm:layoutDef xmlns:dgm="http://schemas.openxmlformats.org/drawingml/2006/diagram" xmlns:a="http://schemas.openxmlformats.org/drawingml/2006/main" uniqueId="urn:microsoft.com/office/officeart/2005/8/layout/vList5">
-  <dgm:title val=""/>
-  <dgm:desc val=""/>
-  <dgm:catLst>
-    <dgm:cat type="list" pri="15000"/>
-    <dgm:cat type="convert" pri="2000"/>
-  </dgm:catLst>
-  <dgm:sampData>
-    <dgm:dataModel>
-      <dgm:ptLst>
-        <dgm:pt modelId="0" type="doc"/>
-        <dgm:pt modelId="1">
-          <dgm:prSet phldr="1"/>
-        </dgm:pt>
-        <dgm:pt modelId="11">
-          <dgm:prSet phldr="1"/>
-        </dgm:pt>
-        <dgm:pt modelId="12">
-          <dgm:prSet phldr="1"/>
-        </dgm:pt>
-        <dgm:pt modelId="2">
-          <dgm:prSet phldr="1"/>
-        </dgm:pt>
-        <dgm:pt modelId="21">
-          <dgm:prSet phldr="1"/>
-        </dgm:pt>
-        <dgm:pt modelId="22">
-          <dgm:prSet phldr="1"/>
-        </dgm:pt>
-        <dgm:pt modelId="3">
-          <dgm:prSet phldr="1"/>
-        </dgm:pt>
-        <dgm:pt modelId="31">
-          <dgm:prSet phldr="1"/>
-        </dgm:pt>
-        <dgm:pt modelId="32">
-          <dgm:prSet phldr="1"/>
-        </dgm:pt>
-      </dgm:ptLst>
-      <dgm:cxnLst>
-        <dgm:cxn modelId="4" srcId="0" destId="1" srcOrd="0" destOrd="0"/>
-        <dgm:cxn modelId="5" srcId="0" destId="2" srcOrd="1" destOrd="0"/>
-        <dgm:cxn modelId="6" srcId="0" destId="3" srcOrd="2" destOrd="0"/>
-        <dgm:cxn modelId="13" srcId="1" destId="11" srcOrd="0" destOrd="0"/>
-        <dgm:cxn modelId="14" srcId="1" destId="12" srcOrd="1" destOrd="0"/>
-        <dgm:cxn modelId="23" srcId="2" destId="21" srcOrd="0" destOrd="0"/>
-        <dgm:cxn modelId="24" srcId="2" destId="22" srcOrd="1" destOrd="0"/>
-        <dgm:cxn modelId="33" srcId="3" destId="31" srcOrd="0" destOrd="0"/>
-        <dgm:cxn modelId="34" srcId="3" destId="32" srcOrd="1" destOrd="0"/>
-      </dgm:cxnLst>
-      <dgm:bg/>
-      <dgm:whole/>
-    </dgm:dataModel>
-  </dgm:sampData>
-  <dgm:styleData>
-    <dgm:dataModel>
-      <dgm:ptLst>
-        <dgm:pt modelId="0" type="doc"/>
-        <dgm:pt modelId="1"/>
-        <dgm:pt modelId="11"/>
-        <dgm:pt modelId="2"/>
-        <dgm:pt modelId="21"/>
-      </dgm:ptLst>
-      <dgm:cxnLst>
-        <dgm:cxn modelId="4" srcId="0" destId="1" srcOrd="0" destOrd="0"/>
-        <dgm:cxn modelId="5" srcId="0" destId="2" srcOrd="1" destOrd="0"/>
-        <dgm:cxn modelId="13" srcId="1" destId="11" srcOrd="0" destOrd="0"/>
-        <dgm:cxn modelId="23" srcId="2" destId="21" srcOrd="0" destOrd="0"/>
-      </dgm:cxnLst>
-      <dgm:bg/>
-      <dgm:whole/>
-    </dgm:dataModel>
-  </dgm:styleData>
-  <dgm:clrData>
-    <dgm:dataModel>
-      <dgm:ptLst>
-        <dgm:pt modelId="0" type="doc"/>
-        <dgm:pt modelId="1"/>
-        <dgm:pt modelId="11"/>
-        <dgm:pt modelId="2"/>
-        <dgm:pt modelId="21"/>
-        <dgm:pt modelId="3"/>
-        <dgm:pt modelId="31"/>
-        <dgm:pt modelId="4"/>
-        <dgm:pt modelId="41"/>
-      </dgm:ptLst>
-      <dgm:cxnLst>
-        <dgm:cxn modelId="5" srcId="0" destId="1" srcOrd="0" destOrd="0"/>
-        <dgm:cxn modelId="6" srcId="0" destId="2" srcOrd="1" destOrd="0"/>
-        <dgm:cxn modelId="7" srcId="0" destId="3" srcOrd="2" destOrd="0"/>
-        <dgm:cxn modelId="8" srcId="0" destId="4" srcOrd="3" destOrd="0"/>
-        <dgm:cxn modelId="13" srcId="1" destId="11" srcOrd="0" destOrd="0"/>
-        <dgm:cxn modelId="23" srcId="2" destId="21" srcOrd="0" destOrd="0"/>
-        <dgm:cxn modelId="33" srcId="3" destId="31" srcOrd="0" destOrd="0"/>
-        <dgm:cxn modelId="43" srcId="4" destId="41" srcOrd="0" destOrd="0"/>
-      </dgm:cxnLst>
-      <dgm:bg/>
-      <dgm:whole/>
-    </dgm:dataModel>
-  </dgm:clrData>
-  <dgm:layoutNode name="Name0">
-    <dgm:varLst>
-      <dgm:dir/>
-      <dgm:animLvl val="lvl"/>
-      <dgm:resizeHandles val="exact"/>
-    </dgm:varLst>
-    <dgm:choose name="Name1">
-      <dgm:if name="Name2" func="var" arg="dir" op="equ" val="norm">
-        <dgm:alg type="lin">
-          <dgm:param type="linDir" val="fromT"/>
-          <dgm:param type="nodeHorzAlign" val="l"/>
-        </dgm:alg>
-      </dgm:if>
-      <dgm:else name="Name3">
-        <dgm:alg type="lin">
-          <dgm:param type="linDir" val="fromT"/>
-          <dgm:param type="nodeHorzAlign" val="r"/>
-        </dgm:alg>
-      </dgm:else>
-    </dgm:choose>
-    <dgm:shape xmlns:r="http://schemas.openxmlformats.org/officeDocument/2006/relationships" r:blip="">
-      <dgm:adjLst/>
-    </dgm:shape>
-    <dgm:presOf/>
-    <dgm:constrLst>
-      <dgm:constr type="h" for="ch" forName="linNode" refType="h"/>
-      <dgm:constr type="w" for="ch" forName="linNode" refType="w"/>
-      <dgm:constr type="h" for="ch" forName="sp" refType="h" fact="0.05"/>
-      <dgm:constr type="primFontSz" for="des" forName="parentText" op="equ" val="65"/>
-      <dgm:constr type="secFontSz" for="des" forName="descendantText" op="equ"/>
-    </dgm:constrLst>
-    <dgm:ruleLst/>
-    <dgm:forEach name="Name4" axis="ch" ptType="node">
-      <dgm:layoutNode name="linNode">
-        <dgm:choose name="Name5">
-          <dgm:if name="Name6" func="var" arg="dir" op="equ" val="norm">
-            <dgm:alg type="lin">
-              <dgm:param type="linDir" val="fromL"/>
-            </dgm:alg>
-          </dgm:if>
-          <dgm:else name="Name7">
-            <dgm:alg type="lin">
-              <dgm:param type="linDir" val="fromR"/>
-            </dgm:alg>
-          </dgm:else>
-        </dgm:choose>
-        <dgm:shape xmlns:r="http://schemas.openxmlformats.org/officeDocument/2006/relationships" r:blip="">
-          <dgm:adjLst/>
-        </dgm:shape>
-        <dgm:presOf/>
-        <dgm:constrLst>
-          <dgm:constr type="w" for="ch" forName="parentText" refType="w" fact="0.36"/>
-          <dgm:constr type="w" for="ch" forName="descendantText" refType="w" fact="0.64"/>
-          <dgm:constr type="h" for="ch" forName="parentText" refType="h"/>
-          <dgm:constr type="h" for="ch" forName="descendantText" refType="h" refFor="ch" refForName="parentText" fact="0.8"/>
-        </dgm:constrLst>
-        <dgm:ruleLst/>
-        <dgm:layoutNode name="parentText">
-          <dgm:varLst>
-            <dgm:chMax val="1"/>
-            <dgm:bulletEnabled val="1"/>
-          </dgm:varLst>
-          <dgm:alg type="tx"/>
-          <dgm:shape xmlns:r="http://schemas.openxmlformats.org/officeDocument/2006/relationships" type="roundRect" r:blip="" zOrderOff="3">
-            <dgm:adjLst/>
-          </dgm:shape>
-          <dgm:presOf axis="self" ptType="node"/>
-          <dgm:constrLst>
-            <dgm:constr type="tMarg" refType="primFontSz" fact="0.15"/>
-            <dgm:constr type="bMarg" refType="primFontSz" fact="0.15"/>
-            <dgm:constr type="lMarg" refType="primFontSz" fact="0.3"/>
-            <dgm:constr type="rMarg" refType="primFontSz" fact="0.3"/>
-          </dgm:constrLst>
-          <dgm:ruleLst>
-            <dgm:rule type="primFontSz" val="5" fact="NaN" max="NaN"/>
-          </dgm:ruleLst>
-        </dgm:layoutNode>
-        <dgm:choose name="Name8">
-          <dgm:if name="Name9" axis="ch" ptType="node" func="cnt" op="gte" val="1">
-            <dgm:layoutNode name="descendantText" styleLbl="alignAccFollowNode1">
-              <dgm:varLst>
-                <dgm:bulletEnabled val="1"/>
-              </dgm:varLst>
-              <dgm:alg type="tx">
-                <dgm:param type="stBulletLvl" val="1"/>
-                <dgm:param type="txAnchorVertCh" val="mid"/>
-              </dgm:alg>
-              <dgm:choose name="Name10">
-                <dgm:if name="Name11" func="var" arg="dir" op="equ" val="norm">
-                  <dgm:shape xmlns:r="http://schemas.openxmlformats.org/officeDocument/2006/relationships" rot="90" type="round2SameRect" r:blip="">
-                    <dgm:adjLst/>
-                  </dgm:shape>
-                </dgm:if>
-                <dgm:else name="Name12">
-                  <dgm:shape xmlns:r="http://schemas.openxmlformats.org/officeDocument/2006/relationships" rot="-90" type="round2SameRect" r:blip="">
-                    <dgm:adjLst/>
-                  </dgm:shape>
-                </dgm:else>
-              </dgm:choose>
-              <dgm:presOf axis="des" ptType="node"/>
-              <dgm:constrLst>
-                <dgm:constr type="secFontSz" val="65"/>
-                <dgm:constr type="primFontSz" refType="secFontSz"/>
-                <dgm:constr type="lMarg" refType="secFontSz" fact="0.3"/>
-                <dgm:constr type="rMarg" refType="secFontSz" fact="0.3"/>
-                <dgm:constr type="tMarg" refType="secFontSz" fact="0.15"/>
-                <dgm:constr type="bMarg" refType="secFontSz" fact="0.15"/>
-              </dgm:constrLst>
-              <dgm:ruleLst>
-                <dgm:rule type="secFontSz" val="5" fact="NaN" max="NaN"/>
-              </dgm:ruleLst>
-            </dgm:layoutNode>
-          </dgm:if>
-          <dgm:else name="Name13"/>
-        </dgm:choose>
-      </dgm:layoutNode>
-      <dgm:forEach name="Name14" axis="followSib" ptType="sibTrans" cnt="1">
-        <dgm:layoutNode name="sp">
-          <dgm:alg type="sp"/>
-          <dgm:shape xmlns:r="http://schemas.openxmlformats.org/officeDocument/2006/relationships" r:blip="">
-            <dgm:adjLst/>
-          </dgm:shape>
-          <dgm:presOf/>
-          <dgm:constrLst/>
-          <dgm:ruleLst/>
-        </dgm:layoutNode>
-      </dgm:forEach>
-    </dgm:forEach>
-  </dgm:layoutNode>
-</dgm:layoutDef>
-</file>
-
 <file path=ppt/diagrams/quickStyle1.xml><?xml version="1.0" encoding="utf-8"?>
 <dgm:styleDef xmlns:dgm="http://schemas.openxmlformats.org/drawingml/2006/diagram" xmlns:a="http://schemas.openxmlformats.org/drawingml/2006/main" uniqueId="urn:microsoft.com/office/officeart/2005/8/quickstyle/simple3">
   <dgm:title val=""/>
@@ -12093,1040 +9804,6 @@
         <a:scrgbClr r="0" g="0" b="0"/>
       </a:fillRef>
       <a:effectRef idx="2">
-        <a:scrgbClr r="0" g="0" b="0"/>
-      </a:effectRef>
-      <a:fontRef idx="minor"/>
-    </dgm:style>
-  </dgm:styleLbl>
-  <dgm:styleLbl name="revTx">
-    <dgm:scene3d>
-      <a:camera prst="orthographicFront"/>
-      <a:lightRig rig="threePt" dir="t"/>
-    </dgm:scene3d>
-    <dgm:sp3d/>
-    <dgm:txPr/>
-    <dgm:style>
-      <a:lnRef idx="0">
-        <a:scrgbClr r="0" g="0" b="0"/>
-      </a:lnRef>
-      <a:fillRef idx="0">
-        <a:scrgbClr r="0" g="0" b="0"/>
-      </a:fillRef>
-      <a:effectRef idx="0">
-        <a:scrgbClr r="0" g="0" b="0"/>
-      </a:effectRef>
-      <a:fontRef idx="minor"/>
-    </dgm:style>
-  </dgm:styleLbl>
-</dgm:styleDef>
-</file>
-
-<file path=ppt/diagrams/quickStyle4.xml><?xml version="1.0" encoding="utf-8"?>
-<dgm:styleDef xmlns:dgm="http://schemas.openxmlformats.org/drawingml/2006/diagram" xmlns:a="http://schemas.openxmlformats.org/drawingml/2006/main" uniqueId="urn:microsoft.com/office/officeart/2005/8/quickstyle/simple5">
-  <dgm:title val=""/>
-  <dgm:desc val=""/>
-  <dgm:catLst>
-    <dgm:cat type="simple" pri="10500"/>
-  </dgm:catLst>
-  <dgm:scene3d>
-    <a:camera prst="orthographicFront"/>
-    <a:lightRig rig="threePt" dir="t"/>
-  </dgm:scene3d>
-  <dgm:styleLbl name="node0">
-    <dgm:scene3d>
-      <a:camera prst="orthographicFront"/>
-      <a:lightRig rig="threePt" dir="t"/>
-    </dgm:scene3d>
-    <dgm:sp3d/>
-    <dgm:txPr/>
-    <dgm:style>
-      <a:lnRef idx="0">
-        <a:scrgbClr r="0" g="0" b="0"/>
-      </a:lnRef>
-      <a:fillRef idx="3">
-        <a:scrgbClr r="0" g="0" b="0"/>
-      </a:fillRef>
-      <a:effectRef idx="3">
-        <a:scrgbClr r="0" g="0" b="0"/>
-      </a:effectRef>
-      <a:fontRef idx="minor">
-        <a:schemeClr val="lt1"/>
-      </a:fontRef>
-    </dgm:style>
-  </dgm:styleLbl>
-  <dgm:styleLbl name="lnNode1">
-    <dgm:scene3d>
-      <a:camera prst="orthographicFront"/>
-      <a:lightRig rig="threePt" dir="t"/>
-    </dgm:scene3d>
-    <dgm:sp3d/>
-    <dgm:txPr/>
-    <dgm:style>
-      <a:lnRef idx="0">
-        <a:scrgbClr r="0" g="0" b="0"/>
-      </a:lnRef>
-      <a:fillRef idx="3">
-        <a:scrgbClr r="0" g="0" b="0"/>
-      </a:fillRef>
-      <a:effectRef idx="3">
-        <a:scrgbClr r="0" g="0" b="0"/>
-      </a:effectRef>
-      <a:fontRef idx="minor">
-        <a:schemeClr val="lt1"/>
-      </a:fontRef>
-    </dgm:style>
-  </dgm:styleLbl>
-  <dgm:styleLbl name="vennNode1">
-    <dgm:scene3d>
-      <a:camera prst="orthographicFront"/>
-      <a:lightRig rig="threePt" dir="t"/>
-    </dgm:scene3d>
-    <dgm:sp3d/>
-    <dgm:txPr/>
-    <dgm:style>
-      <a:lnRef idx="0">
-        <a:scrgbClr r="0" g="0" b="0"/>
-      </a:lnRef>
-      <a:fillRef idx="3">
-        <a:scrgbClr r="0" g="0" b="0"/>
-      </a:fillRef>
-      <a:effectRef idx="3">
-        <a:scrgbClr r="0" g="0" b="0"/>
-      </a:effectRef>
-      <a:fontRef idx="minor">
-        <a:schemeClr val="tx1"/>
-      </a:fontRef>
-    </dgm:style>
-  </dgm:styleLbl>
-  <dgm:styleLbl name="alignNode1">
-    <dgm:scene3d>
-      <a:camera prst="orthographicFront"/>
-      <a:lightRig rig="threePt" dir="t"/>
-    </dgm:scene3d>
-    <dgm:sp3d/>
-    <dgm:txPr/>
-    <dgm:style>
-      <a:lnRef idx="1">
-        <a:scrgbClr r="0" g="0" b="0"/>
-      </a:lnRef>
-      <a:fillRef idx="3">
-        <a:scrgbClr r="0" g="0" b="0"/>
-      </a:fillRef>
-      <a:effectRef idx="3">
-        <a:scrgbClr r="0" g="0" b="0"/>
-      </a:effectRef>
-      <a:fontRef idx="minor">
-        <a:schemeClr val="lt1"/>
-      </a:fontRef>
-    </dgm:style>
-  </dgm:styleLbl>
-  <dgm:styleLbl name="node1">
-    <dgm:scene3d>
-      <a:camera prst="orthographicFront"/>
-      <a:lightRig rig="threePt" dir="t"/>
-    </dgm:scene3d>
-    <dgm:sp3d/>
-    <dgm:txPr/>
-    <dgm:style>
-      <a:lnRef idx="0">
-        <a:scrgbClr r="0" g="0" b="0"/>
-      </a:lnRef>
-      <a:fillRef idx="3">
-        <a:scrgbClr r="0" g="0" b="0"/>
-      </a:fillRef>
-      <a:effectRef idx="3">
-        <a:scrgbClr r="0" g="0" b="0"/>
-      </a:effectRef>
-      <a:fontRef idx="minor">
-        <a:schemeClr val="lt1"/>
-      </a:fontRef>
-    </dgm:style>
-  </dgm:styleLbl>
-  <dgm:styleLbl name="node2">
-    <dgm:scene3d>
-      <a:camera prst="orthographicFront"/>
-      <a:lightRig rig="threePt" dir="t"/>
-    </dgm:scene3d>
-    <dgm:sp3d/>
-    <dgm:txPr/>
-    <dgm:style>
-      <a:lnRef idx="0">
-        <a:scrgbClr r="0" g="0" b="0"/>
-      </a:lnRef>
-      <a:fillRef idx="3">
-        <a:scrgbClr r="0" g="0" b="0"/>
-      </a:fillRef>
-      <a:effectRef idx="3">
-        <a:scrgbClr r="0" g="0" b="0"/>
-      </a:effectRef>
-      <a:fontRef idx="minor">
-        <a:schemeClr val="lt1"/>
-      </a:fontRef>
-    </dgm:style>
-  </dgm:styleLbl>
-  <dgm:styleLbl name="node3">
-    <dgm:scene3d>
-      <a:camera prst="orthographicFront"/>
-      <a:lightRig rig="threePt" dir="t"/>
-    </dgm:scene3d>
-    <dgm:sp3d/>
-    <dgm:txPr/>
-    <dgm:style>
-      <a:lnRef idx="0">
-        <a:scrgbClr r="0" g="0" b="0"/>
-      </a:lnRef>
-      <a:fillRef idx="3">
-        <a:scrgbClr r="0" g="0" b="0"/>
-      </a:fillRef>
-      <a:effectRef idx="3">
-        <a:scrgbClr r="0" g="0" b="0"/>
-      </a:effectRef>
-      <a:fontRef idx="minor">
-        <a:schemeClr val="lt1"/>
-      </a:fontRef>
-    </dgm:style>
-  </dgm:styleLbl>
-  <dgm:styleLbl name="node4">
-    <dgm:scene3d>
-      <a:camera prst="orthographicFront"/>
-      <a:lightRig rig="threePt" dir="t"/>
-    </dgm:scene3d>
-    <dgm:sp3d/>
-    <dgm:txPr/>
-    <dgm:style>
-      <a:lnRef idx="0">
-        <a:scrgbClr r="0" g="0" b="0"/>
-      </a:lnRef>
-      <a:fillRef idx="3">
-        <a:scrgbClr r="0" g="0" b="0"/>
-      </a:fillRef>
-      <a:effectRef idx="3">
-        <a:scrgbClr r="0" g="0" b="0"/>
-      </a:effectRef>
-      <a:fontRef idx="minor">
-        <a:schemeClr val="lt1"/>
-      </a:fontRef>
-    </dgm:style>
-  </dgm:styleLbl>
-  <dgm:styleLbl name="fgImgPlace1">
-    <dgm:scene3d>
-      <a:camera prst="orthographicFront"/>
-      <a:lightRig rig="threePt" dir="t"/>
-    </dgm:scene3d>
-    <dgm:sp3d/>
-    <dgm:txPr/>
-    <dgm:style>
-      <a:lnRef idx="0">
-        <a:scrgbClr r="0" g="0" b="0"/>
-      </a:lnRef>
-      <a:fillRef idx="1">
-        <a:scrgbClr r="0" g="0" b="0"/>
-      </a:fillRef>
-      <a:effectRef idx="3">
-        <a:scrgbClr r="0" g="0" b="0"/>
-      </a:effectRef>
-      <a:fontRef idx="minor"/>
-    </dgm:style>
-  </dgm:styleLbl>
-  <dgm:styleLbl name="alignImgPlace1">
-    <dgm:scene3d>
-      <a:camera prst="orthographicFront"/>
-      <a:lightRig rig="threePt" dir="t"/>
-    </dgm:scene3d>
-    <dgm:sp3d/>
-    <dgm:txPr/>
-    <dgm:style>
-      <a:lnRef idx="0">
-        <a:scrgbClr r="0" g="0" b="0"/>
-      </a:lnRef>
-      <a:fillRef idx="1">
-        <a:scrgbClr r="0" g="0" b="0"/>
-      </a:fillRef>
-      <a:effectRef idx="3">
-        <a:scrgbClr r="0" g="0" b="0"/>
-      </a:effectRef>
-      <a:fontRef idx="minor"/>
-    </dgm:style>
-  </dgm:styleLbl>
-  <dgm:styleLbl name="bgImgPlace1">
-    <dgm:scene3d>
-      <a:camera prst="orthographicFront"/>
-      <a:lightRig rig="threePt" dir="t"/>
-    </dgm:scene3d>
-    <dgm:sp3d/>
-    <dgm:txPr/>
-    <dgm:style>
-      <a:lnRef idx="0">
-        <a:scrgbClr r="0" g="0" b="0"/>
-      </a:lnRef>
-      <a:fillRef idx="1">
-        <a:scrgbClr r="0" g="0" b="0"/>
-      </a:fillRef>
-      <a:effectRef idx="3">
-        <a:scrgbClr r="0" g="0" b="0"/>
-      </a:effectRef>
-      <a:fontRef idx="minor"/>
-    </dgm:style>
-  </dgm:styleLbl>
-  <dgm:styleLbl name="sibTrans2D1">
-    <dgm:scene3d>
-      <a:camera prst="orthographicFront"/>
-      <a:lightRig rig="threePt" dir="t"/>
-    </dgm:scene3d>
-    <dgm:sp3d/>
-    <dgm:txPr/>
-    <dgm:style>
-      <a:lnRef idx="0">
-        <a:scrgbClr r="0" g="0" b="0"/>
-      </a:lnRef>
-      <a:fillRef idx="3">
-        <a:scrgbClr r="0" g="0" b="0"/>
-      </a:fillRef>
-      <a:effectRef idx="3">
-        <a:scrgbClr r="0" g="0" b="0"/>
-      </a:effectRef>
-      <a:fontRef idx="minor">
-        <a:schemeClr val="lt1"/>
-      </a:fontRef>
-    </dgm:style>
-  </dgm:styleLbl>
-  <dgm:styleLbl name="fgSibTrans2D1">
-    <dgm:scene3d>
-      <a:camera prst="orthographicFront"/>
-      <a:lightRig rig="threePt" dir="t"/>
-    </dgm:scene3d>
-    <dgm:sp3d/>
-    <dgm:txPr/>
-    <dgm:style>
-      <a:lnRef idx="0">
-        <a:scrgbClr r="0" g="0" b="0"/>
-      </a:lnRef>
-      <a:fillRef idx="3">
-        <a:scrgbClr r="0" g="0" b="0"/>
-      </a:fillRef>
-      <a:effectRef idx="3">
-        <a:scrgbClr r="0" g="0" b="0"/>
-      </a:effectRef>
-      <a:fontRef idx="minor">
-        <a:schemeClr val="lt1"/>
-      </a:fontRef>
-    </dgm:style>
-  </dgm:styleLbl>
-  <dgm:styleLbl name="bgSibTrans2D1">
-    <dgm:scene3d>
-      <a:camera prst="orthographicFront"/>
-      <a:lightRig rig="threePt" dir="t"/>
-    </dgm:scene3d>
-    <dgm:sp3d/>
-    <dgm:txPr/>
-    <dgm:style>
-      <a:lnRef idx="0">
-        <a:scrgbClr r="0" g="0" b="0"/>
-      </a:lnRef>
-      <a:fillRef idx="3">
-        <a:scrgbClr r="0" g="0" b="0"/>
-      </a:fillRef>
-      <a:effectRef idx="3">
-        <a:scrgbClr r="0" g="0" b="0"/>
-      </a:effectRef>
-      <a:fontRef idx="minor">
-        <a:schemeClr val="lt1"/>
-      </a:fontRef>
-    </dgm:style>
-  </dgm:styleLbl>
-  <dgm:styleLbl name="sibTrans1D1">
-    <dgm:scene3d>
-      <a:camera prst="orthographicFront"/>
-      <a:lightRig rig="threePt" dir="t"/>
-    </dgm:scene3d>
-    <dgm:sp3d/>
-    <dgm:txPr/>
-    <dgm:style>
-      <a:lnRef idx="1">
-        <a:scrgbClr r="0" g="0" b="0"/>
-      </a:lnRef>
-      <a:fillRef idx="0">
-        <a:scrgbClr r="0" g="0" b="0"/>
-      </a:fillRef>
-      <a:effectRef idx="0">
-        <a:scrgbClr r="0" g="0" b="0"/>
-      </a:effectRef>
-      <a:fontRef idx="minor"/>
-    </dgm:style>
-  </dgm:styleLbl>
-  <dgm:styleLbl name="callout">
-    <dgm:scene3d>
-      <a:camera prst="orthographicFront"/>
-      <a:lightRig rig="threePt" dir="t"/>
-    </dgm:scene3d>
-    <dgm:sp3d/>
-    <dgm:txPr/>
-    <dgm:style>
-      <a:lnRef idx="1">
-        <a:scrgbClr r="0" g="0" b="0"/>
-      </a:lnRef>
-      <a:fillRef idx="0">
-        <a:scrgbClr r="0" g="0" b="0"/>
-      </a:fillRef>
-      <a:effectRef idx="1">
-        <a:scrgbClr r="0" g="0" b="0"/>
-      </a:effectRef>
-      <a:fontRef idx="minor"/>
-    </dgm:style>
-  </dgm:styleLbl>
-  <dgm:styleLbl name="asst0">
-    <dgm:scene3d>
-      <a:camera prst="orthographicFront"/>
-      <a:lightRig rig="threePt" dir="t"/>
-    </dgm:scene3d>
-    <dgm:sp3d/>
-    <dgm:txPr/>
-    <dgm:style>
-      <a:lnRef idx="0">
-        <a:scrgbClr r="0" g="0" b="0"/>
-      </a:lnRef>
-      <a:fillRef idx="3">
-        <a:scrgbClr r="0" g="0" b="0"/>
-      </a:fillRef>
-      <a:effectRef idx="3">
-        <a:scrgbClr r="0" g="0" b="0"/>
-      </a:effectRef>
-      <a:fontRef idx="minor">
-        <a:schemeClr val="lt1"/>
-      </a:fontRef>
-    </dgm:style>
-  </dgm:styleLbl>
-  <dgm:styleLbl name="asst1">
-    <dgm:scene3d>
-      <a:camera prst="orthographicFront"/>
-      <a:lightRig rig="threePt" dir="t"/>
-    </dgm:scene3d>
-    <dgm:sp3d/>
-    <dgm:txPr/>
-    <dgm:style>
-      <a:lnRef idx="0">
-        <a:scrgbClr r="0" g="0" b="0"/>
-      </a:lnRef>
-      <a:fillRef idx="3">
-        <a:scrgbClr r="0" g="0" b="0"/>
-      </a:fillRef>
-      <a:effectRef idx="3">
-        <a:scrgbClr r="0" g="0" b="0"/>
-      </a:effectRef>
-      <a:fontRef idx="minor">
-        <a:schemeClr val="lt1"/>
-      </a:fontRef>
-    </dgm:style>
-  </dgm:styleLbl>
-  <dgm:styleLbl name="asst2">
-    <dgm:scene3d>
-      <a:camera prst="orthographicFront"/>
-      <a:lightRig rig="threePt" dir="t"/>
-    </dgm:scene3d>
-    <dgm:sp3d/>
-    <dgm:txPr/>
-    <dgm:style>
-      <a:lnRef idx="0">
-        <a:scrgbClr r="0" g="0" b="0"/>
-      </a:lnRef>
-      <a:fillRef idx="3">
-        <a:scrgbClr r="0" g="0" b="0"/>
-      </a:fillRef>
-      <a:effectRef idx="3">
-        <a:scrgbClr r="0" g="0" b="0"/>
-      </a:effectRef>
-      <a:fontRef idx="minor">
-        <a:schemeClr val="lt1"/>
-      </a:fontRef>
-    </dgm:style>
-  </dgm:styleLbl>
-  <dgm:styleLbl name="asst3">
-    <dgm:scene3d>
-      <a:camera prst="orthographicFront"/>
-      <a:lightRig rig="threePt" dir="t"/>
-    </dgm:scene3d>
-    <dgm:sp3d/>
-    <dgm:txPr/>
-    <dgm:style>
-      <a:lnRef idx="0">
-        <a:scrgbClr r="0" g="0" b="0"/>
-      </a:lnRef>
-      <a:fillRef idx="3">
-        <a:scrgbClr r="0" g="0" b="0"/>
-      </a:fillRef>
-      <a:effectRef idx="3">
-        <a:scrgbClr r="0" g="0" b="0"/>
-      </a:effectRef>
-      <a:fontRef idx="minor">
-        <a:schemeClr val="lt1"/>
-      </a:fontRef>
-    </dgm:style>
-  </dgm:styleLbl>
-  <dgm:styleLbl name="asst4">
-    <dgm:scene3d>
-      <a:camera prst="orthographicFront"/>
-      <a:lightRig rig="threePt" dir="t"/>
-    </dgm:scene3d>
-    <dgm:sp3d/>
-    <dgm:txPr/>
-    <dgm:style>
-      <a:lnRef idx="0">
-        <a:scrgbClr r="0" g="0" b="0"/>
-      </a:lnRef>
-      <a:fillRef idx="3">
-        <a:scrgbClr r="0" g="0" b="0"/>
-      </a:fillRef>
-      <a:effectRef idx="3">
-        <a:scrgbClr r="0" g="0" b="0"/>
-      </a:effectRef>
-      <a:fontRef idx="minor">
-        <a:schemeClr val="lt1"/>
-      </a:fontRef>
-    </dgm:style>
-  </dgm:styleLbl>
-  <dgm:styleLbl name="parChTrans2D1">
-    <dgm:scene3d>
-      <a:camera prst="orthographicFront"/>
-      <a:lightRig rig="threePt" dir="t"/>
-    </dgm:scene3d>
-    <dgm:sp3d/>
-    <dgm:txPr/>
-    <dgm:style>
-      <a:lnRef idx="0">
-        <a:scrgbClr r="0" g="0" b="0"/>
-      </a:lnRef>
-      <a:fillRef idx="3">
-        <a:scrgbClr r="0" g="0" b="0"/>
-      </a:fillRef>
-      <a:effectRef idx="3">
-        <a:scrgbClr r="0" g="0" b="0"/>
-      </a:effectRef>
-      <a:fontRef idx="minor">
-        <a:schemeClr val="lt1"/>
-      </a:fontRef>
-    </dgm:style>
-  </dgm:styleLbl>
-  <dgm:styleLbl name="parChTrans2D2">
-    <dgm:scene3d>
-      <a:camera prst="orthographicFront"/>
-      <a:lightRig rig="threePt" dir="t"/>
-    </dgm:scene3d>
-    <dgm:sp3d/>
-    <dgm:txPr/>
-    <dgm:style>
-      <a:lnRef idx="0">
-        <a:scrgbClr r="0" g="0" b="0"/>
-      </a:lnRef>
-      <a:fillRef idx="3">
-        <a:scrgbClr r="0" g="0" b="0"/>
-      </a:fillRef>
-      <a:effectRef idx="3">
-        <a:scrgbClr r="0" g="0" b="0"/>
-      </a:effectRef>
-      <a:fontRef idx="minor">
-        <a:schemeClr val="lt1"/>
-      </a:fontRef>
-    </dgm:style>
-  </dgm:styleLbl>
-  <dgm:styleLbl name="parChTrans2D3">
-    <dgm:scene3d>
-      <a:camera prst="orthographicFront"/>
-      <a:lightRig rig="threePt" dir="t"/>
-    </dgm:scene3d>
-    <dgm:sp3d/>
-    <dgm:txPr/>
-    <dgm:style>
-      <a:lnRef idx="0">
-        <a:scrgbClr r="0" g="0" b="0"/>
-      </a:lnRef>
-      <a:fillRef idx="3">
-        <a:scrgbClr r="0" g="0" b="0"/>
-      </a:fillRef>
-      <a:effectRef idx="3">
-        <a:scrgbClr r="0" g="0" b="0"/>
-      </a:effectRef>
-      <a:fontRef idx="minor">
-        <a:schemeClr val="lt1"/>
-      </a:fontRef>
-    </dgm:style>
-  </dgm:styleLbl>
-  <dgm:styleLbl name="parChTrans2D4">
-    <dgm:scene3d>
-      <a:camera prst="orthographicFront"/>
-      <a:lightRig rig="threePt" dir="t"/>
-    </dgm:scene3d>
-    <dgm:sp3d/>
-    <dgm:txPr/>
-    <dgm:style>
-      <a:lnRef idx="0">
-        <a:scrgbClr r="0" g="0" b="0"/>
-      </a:lnRef>
-      <a:fillRef idx="3">
-        <a:scrgbClr r="0" g="0" b="0"/>
-      </a:fillRef>
-      <a:effectRef idx="3">
-        <a:scrgbClr r="0" g="0" b="0"/>
-      </a:effectRef>
-      <a:fontRef idx="minor">
-        <a:schemeClr val="lt1"/>
-      </a:fontRef>
-    </dgm:style>
-  </dgm:styleLbl>
-  <dgm:styleLbl name="parChTrans1D1">
-    <dgm:scene3d>
-      <a:camera prst="orthographicFront"/>
-      <a:lightRig rig="threePt" dir="t"/>
-    </dgm:scene3d>
-    <dgm:sp3d/>
-    <dgm:txPr/>
-    <dgm:style>
-      <a:lnRef idx="2">
-        <a:scrgbClr r="0" g="0" b="0"/>
-      </a:lnRef>
-      <a:fillRef idx="0">
-        <a:scrgbClr r="0" g="0" b="0"/>
-      </a:fillRef>
-      <a:effectRef idx="0">
-        <a:scrgbClr r="0" g="0" b="0"/>
-      </a:effectRef>
-      <a:fontRef idx="minor"/>
-    </dgm:style>
-  </dgm:styleLbl>
-  <dgm:styleLbl name="parChTrans1D2">
-    <dgm:scene3d>
-      <a:camera prst="orthographicFront"/>
-      <a:lightRig rig="threePt" dir="t"/>
-    </dgm:scene3d>
-    <dgm:sp3d/>
-    <dgm:txPr/>
-    <dgm:style>
-      <a:lnRef idx="2">
-        <a:scrgbClr r="0" g="0" b="0"/>
-      </a:lnRef>
-      <a:fillRef idx="0">
-        <a:scrgbClr r="0" g="0" b="0"/>
-      </a:fillRef>
-      <a:effectRef idx="0">
-        <a:scrgbClr r="0" g="0" b="0"/>
-      </a:effectRef>
-      <a:fontRef idx="minor"/>
-    </dgm:style>
-  </dgm:styleLbl>
-  <dgm:styleLbl name="parChTrans1D3">
-    <dgm:scene3d>
-      <a:camera prst="orthographicFront"/>
-      <a:lightRig rig="threePt" dir="t"/>
-    </dgm:scene3d>
-    <dgm:sp3d/>
-    <dgm:txPr/>
-    <dgm:style>
-      <a:lnRef idx="2">
-        <a:scrgbClr r="0" g="0" b="0"/>
-      </a:lnRef>
-      <a:fillRef idx="0">
-        <a:scrgbClr r="0" g="0" b="0"/>
-      </a:fillRef>
-      <a:effectRef idx="0">
-        <a:scrgbClr r="0" g="0" b="0"/>
-      </a:effectRef>
-      <a:fontRef idx="minor"/>
-    </dgm:style>
-  </dgm:styleLbl>
-  <dgm:styleLbl name="parChTrans1D4">
-    <dgm:scene3d>
-      <a:camera prst="orthographicFront"/>
-      <a:lightRig rig="threePt" dir="t"/>
-    </dgm:scene3d>
-    <dgm:sp3d/>
-    <dgm:txPr/>
-    <dgm:style>
-      <a:lnRef idx="2">
-        <a:scrgbClr r="0" g="0" b="0"/>
-      </a:lnRef>
-      <a:fillRef idx="0">
-        <a:scrgbClr r="0" g="0" b="0"/>
-      </a:fillRef>
-      <a:effectRef idx="0">
-        <a:scrgbClr r="0" g="0" b="0"/>
-      </a:effectRef>
-      <a:fontRef idx="minor"/>
-    </dgm:style>
-  </dgm:styleLbl>
-  <dgm:styleLbl name="fgAcc1">
-    <dgm:scene3d>
-      <a:camera prst="orthographicFront"/>
-      <a:lightRig rig="threePt" dir="t"/>
-    </dgm:scene3d>
-    <dgm:sp3d/>
-    <dgm:txPr/>
-    <dgm:style>
-      <a:lnRef idx="1">
-        <a:scrgbClr r="0" g="0" b="0"/>
-      </a:lnRef>
-      <a:fillRef idx="1">
-        <a:scrgbClr r="0" g="0" b="0"/>
-      </a:fillRef>
-      <a:effectRef idx="2">
-        <a:scrgbClr r="0" g="0" b="0"/>
-      </a:effectRef>
-      <a:fontRef idx="minor"/>
-    </dgm:style>
-  </dgm:styleLbl>
-  <dgm:styleLbl name="conFgAcc1">
-    <dgm:scene3d>
-      <a:camera prst="orthographicFront"/>
-      <a:lightRig rig="threePt" dir="t"/>
-    </dgm:scene3d>
-    <dgm:sp3d/>
-    <dgm:txPr/>
-    <dgm:style>
-      <a:lnRef idx="1">
-        <a:scrgbClr r="0" g="0" b="0"/>
-      </a:lnRef>
-      <a:fillRef idx="1">
-        <a:scrgbClr r="0" g="0" b="0"/>
-      </a:fillRef>
-      <a:effectRef idx="2">
-        <a:scrgbClr r="0" g="0" b="0"/>
-      </a:effectRef>
-      <a:fontRef idx="minor"/>
-    </dgm:style>
-  </dgm:styleLbl>
-  <dgm:styleLbl name="alignAcc1">
-    <dgm:scene3d>
-      <a:camera prst="orthographicFront"/>
-      <a:lightRig rig="threePt" dir="t"/>
-    </dgm:scene3d>
-    <dgm:sp3d/>
-    <dgm:txPr/>
-    <dgm:style>
-      <a:lnRef idx="1">
-        <a:scrgbClr r="0" g="0" b="0"/>
-      </a:lnRef>
-      <a:fillRef idx="1">
-        <a:scrgbClr r="0" g="0" b="0"/>
-      </a:fillRef>
-      <a:effectRef idx="2">
-        <a:scrgbClr r="0" g="0" b="0"/>
-      </a:effectRef>
-      <a:fontRef idx="minor"/>
-    </dgm:style>
-  </dgm:styleLbl>
-  <dgm:styleLbl name="trAlignAcc1">
-    <dgm:scene3d>
-      <a:camera prst="orthographicFront"/>
-      <a:lightRig rig="threePt" dir="t"/>
-    </dgm:scene3d>
-    <dgm:sp3d/>
-    <dgm:txPr/>
-    <dgm:style>
-      <a:lnRef idx="1">
-        <a:scrgbClr r="0" g="0" b="0"/>
-      </a:lnRef>
-      <a:fillRef idx="1">
-        <a:scrgbClr r="0" g="0" b="0"/>
-      </a:fillRef>
-      <a:effectRef idx="0">
-        <a:scrgbClr r="0" g="0" b="0"/>
-      </a:effectRef>
-      <a:fontRef idx="minor"/>
-    </dgm:style>
-  </dgm:styleLbl>
-  <dgm:styleLbl name="bgAcc1">
-    <dgm:scene3d>
-      <a:camera prst="orthographicFront"/>
-      <a:lightRig rig="threePt" dir="t"/>
-    </dgm:scene3d>
-    <dgm:sp3d/>
-    <dgm:txPr/>
-    <dgm:style>
-      <a:lnRef idx="1">
-        <a:scrgbClr r="0" g="0" b="0"/>
-      </a:lnRef>
-      <a:fillRef idx="1">
-        <a:scrgbClr r="0" g="0" b="0"/>
-      </a:fillRef>
-      <a:effectRef idx="2">
-        <a:scrgbClr r="0" g="0" b="0"/>
-      </a:effectRef>
-      <a:fontRef idx="minor"/>
-    </dgm:style>
-  </dgm:styleLbl>
-  <dgm:styleLbl name="solidFgAcc1">
-    <dgm:scene3d>
-      <a:camera prst="orthographicFront"/>
-      <a:lightRig rig="threePt" dir="t"/>
-    </dgm:scene3d>
-    <dgm:sp3d/>
-    <dgm:txPr/>
-    <dgm:style>
-      <a:lnRef idx="1">
-        <a:scrgbClr r="0" g="0" b="0"/>
-      </a:lnRef>
-      <a:fillRef idx="1">
-        <a:scrgbClr r="0" g="0" b="0"/>
-      </a:fillRef>
-      <a:effectRef idx="2">
-        <a:scrgbClr r="0" g="0" b="0"/>
-      </a:effectRef>
-      <a:fontRef idx="minor"/>
-    </dgm:style>
-  </dgm:styleLbl>
-  <dgm:styleLbl name="solidAlignAcc1">
-    <dgm:scene3d>
-      <a:camera prst="orthographicFront"/>
-      <a:lightRig rig="threePt" dir="t"/>
-    </dgm:scene3d>
-    <dgm:sp3d/>
-    <dgm:txPr/>
-    <dgm:style>
-      <a:lnRef idx="1">
-        <a:scrgbClr r="0" g="0" b="0"/>
-      </a:lnRef>
-      <a:fillRef idx="1">
-        <a:scrgbClr r="0" g="0" b="0"/>
-      </a:fillRef>
-      <a:effectRef idx="3">
-        <a:scrgbClr r="0" g="0" b="0"/>
-      </a:effectRef>
-      <a:fontRef idx="minor"/>
-    </dgm:style>
-  </dgm:styleLbl>
-  <dgm:styleLbl name="solidBgAcc1">
-    <dgm:scene3d>
-      <a:camera prst="orthographicFront"/>
-      <a:lightRig rig="threePt" dir="t"/>
-    </dgm:scene3d>
-    <dgm:sp3d/>
-    <dgm:txPr/>
-    <dgm:style>
-      <a:lnRef idx="1">
-        <a:scrgbClr r="0" g="0" b="0"/>
-      </a:lnRef>
-      <a:fillRef idx="1">
-        <a:scrgbClr r="0" g="0" b="0"/>
-      </a:fillRef>
-      <a:effectRef idx="3">
-        <a:scrgbClr r="0" g="0" b="0"/>
-      </a:effectRef>
-      <a:fontRef idx="minor"/>
-    </dgm:style>
-  </dgm:styleLbl>
-  <dgm:styleLbl name="fgAccFollowNode1">
-    <dgm:scene3d>
-      <a:camera prst="orthographicFront"/>
-      <a:lightRig rig="threePt" dir="t"/>
-    </dgm:scene3d>
-    <dgm:sp3d/>
-    <dgm:txPr/>
-    <dgm:style>
-      <a:lnRef idx="1">
-        <a:scrgbClr r="0" g="0" b="0"/>
-      </a:lnRef>
-      <a:fillRef idx="1">
-        <a:scrgbClr r="0" g="0" b="0"/>
-      </a:fillRef>
-      <a:effectRef idx="2">
-        <a:scrgbClr r="0" g="0" b="0"/>
-      </a:effectRef>
-      <a:fontRef idx="minor"/>
-    </dgm:style>
-  </dgm:styleLbl>
-  <dgm:styleLbl name="alignAccFollowNode1">
-    <dgm:scene3d>
-      <a:camera prst="orthographicFront"/>
-      <a:lightRig rig="threePt" dir="t"/>
-    </dgm:scene3d>
-    <dgm:sp3d/>
-    <dgm:txPr/>
-    <dgm:style>
-      <a:lnRef idx="1">
-        <a:scrgbClr r="0" g="0" b="0"/>
-      </a:lnRef>
-      <a:fillRef idx="1">
-        <a:scrgbClr r="0" g="0" b="0"/>
-      </a:fillRef>
-      <a:effectRef idx="2">
-        <a:scrgbClr r="0" g="0" b="0"/>
-      </a:effectRef>
-      <a:fontRef idx="minor"/>
-    </dgm:style>
-  </dgm:styleLbl>
-  <dgm:styleLbl name="bgAccFollowNode1">
-    <dgm:scene3d>
-      <a:camera prst="orthographicFront"/>
-      <a:lightRig rig="threePt" dir="t"/>
-    </dgm:scene3d>
-    <dgm:sp3d/>
-    <dgm:txPr/>
-    <dgm:style>
-      <a:lnRef idx="1">
-        <a:scrgbClr r="0" g="0" b="0"/>
-      </a:lnRef>
-      <a:fillRef idx="1">
-        <a:scrgbClr r="0" g="0" b="0"/>
-      </a:fillRef>
-      <a:effectRef idx="2">
-        <a:scrgbClr r="0" g="0" b="0"/>
-      </a:effectRef>
-      <a:fontRef idx="minor"/>
-    </dgm:style>
-  </dgm:styleLbl>
-  <dgm:styleLbl name="fgAcc0">
-    <dgm:scene3d>
-      <a:camera prst="orthographicFront"/>
-      <a:lightRig rig="threePt" dir="t"/>
-    </dgm:scene3d>
-    <dgm:sp3d/>
-    <dgm:txPr/>
-    <dgm:style>
-      <a:lnRef idx="1">
-        <a:scrgbClr r="0" g="0" b="0"/>
-      </a:lnRef>
-      <a:fillRef idx="1">
-        <a:scrgbClr r="0" g="0" b="0"/>
-      </a:fillRef>
-      <a:effectRef idx="2">
-        <a:scrgbClr r="0" g="0" b="0"/>
-      </a:effectRef>
-      <a:fontRef idx="minor"/>
-    </dgm:style>
-  </dgm:styleLbl>
-  <dgm:styleLbl name="fgAcc2">
-    <dgm:scene3d>
-      <a:camera prst="orthographicFront"/>
-      <a:lightRig rig="threePt" dir="t"/>
-    </dgm:scene3d>
-    <dgm:sp3d/>
-    <dgm:txPr/>
-    <dgm:style>
-      <a:lnRef idx="1">
-        <a:scrgbClr r="0" g="0" b="0"/>
-      </a:lnRef>
-      <a:fillRef idx="1">
-        <a:scrgbClr r="0" g="0" b="0"/>
-      </a:fillRef>
-      <a:effectRef idx="2">
-        <a:scrgbClr r="0" g="0" b="0"/>
-      </a:effectRef>
-      <a:fontRef idx="minor"/>
-    </dgm:style>
-  </dgm:styleLbl>
-  <dgm:styleLbl name="fgAcc3">
-    <dgm:scene3d>
-      <a:camera prst="orthographicFront"/>
-      <a:lightRig rig="threePt" dir="t"/>
-    </dgm:scene3d>
-    <dgm:sp3d/>
-    <dgm:txPr/>
-    <dgm:style>
-      <a:lnRef idx="1">
-        <a:scrgbClr r="0" g="0" b="0"/>
-      </a:lnRef>
-      <a:fillRef idx="1">
-        <a:scrgbClr r="0" g="0" b="0"/>
-      </a:fillRef>
-      <a:effectRef idx="2">
-        <a:scrgbClr r="0" g="0" b="0"/>
-      </a:effectRef>
-      <a:fontRef idx="minor"/>
-    </dgm:style>
-  </dgm:styleLbl>
-  <dgm:styleLbl name="fgAcc4">
-    <dgm:scene3d>
-      <a:camera prst="orthographicFront"/>
-      <a:lightRig rig="threePt" dir="t"/>
-    </dgm:scene3d>
-    <dgm:sp3d/>
-    <dgm:txPr/>
-    <dgm:style>
-      <a:lnRef idx="1">
-        <a:scrgbClr r="0" g="0" b="0"/>
-      </a:lnRef>
-      <a:fillRef idx="1">
-        <a:scrgbClr r="0" g="0" b="0"/>
-      </a:fillRef>
-      <a:effectRef idx="2">
-        <a:scrgbClr r="0" g="0" b="0"/>
-      </a:effectRef>
-      <a:fontRef idx="minor"/>
-    </dgm:style>
-  </dgm:styleLbl>
-  <dgm:styleLbl name="bgShp">
-    <dgm:scene3d>
-      <a:camera prst="orthographicFront"/>
-      <a:lightRig rig="threePt" dir="t"/>
-    </dgm:scene3d>
-    <dgm:sp3d/>
-    <dgm:txPr/>
-    <dgm:style>
-      <a:lnRef idx="0">
-        <a:scrgbClr r="0" g="0" b="0"/>
-      </a:lnRef>
-      <a:fillRef idx="1">
-        <a:scrgbClr r="0" g="0" b="0"/>
-      </a:fillRef>
-      <a:effectRef idx="2">
-        <a:scrgbClr r="0" g="0" b="0"/>
-      </a:effectRef>
-      <a:fontRef idx="minor"/>
-    </dgm:style>
-  </dgm:styleLbl>
-  <dgm:styleLbl name="dkBgShp">
-    <dgm:scene3d>
-      <a:camera prst="orthographicFront"/>
-      <a:lightRig rig="threePt" dir="t"/>
-    </dgm:scene3d>
-    <dgm:sp3d/>
-    <dgm:txPr/>
-    <dgm:style>
-      <a:lnRef idx="0">
-        <a:scrgbClr r="0" g="0" b="0"/>
-      </a:lnRef>
-      <a:fillRef idx="1">
-        <a:scrgbClr r="0" g="0" b="0"/>
-      </a:fillRef>
-      <a:effectRef idx="3">
-        <a:scrgbClr r="0" g="0" b="0"/>
-      </a:effectRef>
-      <a:fontRef idx="minor"/>
-    </dgm:style>
-  </dgm:styleLbl>
-  <dgm:styleLbl name="trBgShp">
-    <dgm:scene3d>
-      <a:camera prst="orthographicFront"/>
-      <a:lightRig rig="threePt" dir="t"/>
-    </dgm:scene3d>
-    <dgm:sp3d/>
-    <dgm:txPr/>
-    <dgm:style>
-      <a:lnRef idx="0">
-        <a:scrgbClr r="0" g="0" b="0"/>
-      </a:lnRef>
-      <a:fillRef idx="1">
-        <a:scrgbClr r="0" g="0" b="0"/>
-      </a:fillRef>
-      <a:effectRef idx="0">
-        <a:scrgbClr r="0" g="0" b="0"/>
-      </a:effectRef>
-      <a:fontRef idx="minor"/>
-    </dgm:style>
-  </dgm:styleLbl>
-  <dgm:styleLbl name="fgShp">
-    <dgm:scene3d>
-      <a:camera prst="orthographicFront"/>
-      <a:lightRig rig="threePt" dir="t"/>
-    </dgm:scene3d>
-    <dgm:sp3d/>
-    <dgm:txPr/>
-    <dgm:style>
-      <a:lnRef idx="0">
-        <a:scrgbClr r="0" g="0" b="0"/>
-      </a:lnRef>
-      <a:fillRef idx="3">
-        <a:scrgbClr r="0" g="0" b="0"/>
-      </a:fillRef>
-      <a:effectRef idx="3">
         <a:scrgbClr r="0" g="0" b="0"/>
       </a:effectRef>
       <a:fontRef idx="minor"/>
@@ -18650,6 +15327,245 @@
           <a:chExt cx="0" cy="0"/>
         </a:xfrm>
       </p:grpSpPr>
+      <p:sp useBgFill="1">
+        <p:nvSpPr>
+          <p:cNvPr id="25" name="Rectangle 20">
+            <a:extLst>
+              <a:ext uri="{FF2B5EF4-FFF2-40B4-BE49-F238E27FC236}">
+                <a16:creationId xmlns:a16="http://schemas.microsoft.com/office/drawing/2014/main" id="{A3322B77-FA16-4D4E-BAA6-811C61DB3E85}"/>
+              </a:ext>
+            </a:extLst>
+          </p:cNvPr>
+          <p:cNvSpPr>
+            <a:spLocks noGrp="1" noRot="1" noChangeAspect="1" noMove="1" noResize="1" noEditPoints="1" noAdjustHandles="1" noChangeArrowheads="1" noChangeShapeType="1" noTextEdit="1"/>
+          </p:cNvSpPr>
+          <p:nvPr>
+            <p:extLst>
+              <p:ext uri="{386F3935-93C4-4BCD-93E2-E3B085C9AB24}">
+                <p16:designElem xmlns:p16="http://schemas.microsoft.com/office/powerpoint/2015/main" val="1"/>
+              </p:ext>
+            </p:extLst>
+          </p:nvPr>
+        </p:nvSpPr>
+        <p:spPr>
+          <a:xfrm>
+            <a:off x="0" y="0"/>
+            <a:ext cx="9144000" cy="6858000"/>
+          </a:xfrm>
+          <a:prstGeom prst="rect">
+            <a:avLst/>
+          </a:prstGeom>
+          <a:ln>
+            <a:noFill/>
+          </a:ln>
+        </p:spPr>
+        <p:style>
+          <a:lnRef idx="2">
+            <a:schemeClr val="accent1">
+              <a:shade val="50000"/>
+            </a:schemeClr>
+          </a:lnRef>
+          <a:fillRef idx="1">
+            <a:schemeClr val="accent1"/>
+          </a:fillRef>
+          <a:effectRef idx="0">
+            <a:schemeClr val="accent1"/>
+          </a:effectRef>
+          <a:fontRef idx="minor">
+            <a:schemeClr val="lt1"/>
+          </a:fontRef>
+        </p:style>
+        <p:txBody>
+          <a:bodyPr rtlCol="0" anchor="ctr"/>
+          <a:lstStyle/>
+          <a:p>
+            <a:pPr algn="ctr"/>
+            <a:endParaRPr lang="en-US"/>
+          </a:p>
+        </p:txBody>
+      </p:sp>
+      <p:sp>
+        <p:nvSpPr>
+          <p:cNvPr id="26" name="Freeform: Shape 22">
+            <a:extLst>
+              <a:ext uri="{FF2B5EF4-FFF2-40B4-BE49-F238E27FC236}">
+                <a16:creationId xmlns:a16="http://schemas.microsoft.com/office/drawing/2014/main" id="{CA6EF34F-3BAD-4CD8-B05E-03BA773AE864}"/>
+              </a:ext>
+            </a:extLst>
+          </p:cNvPr>
+          <p:cNvSpPr>
+            <a:spLocks noGrp="1" noRot="1" noChangeAspect="1" noMove="1" noResize="1" noEditPoints="1" noAdjustHandles="1" noChangeArrowheads="1" noChangeShapeType="1" noTextEdit="1"/>
+          </p:cNvSpPr>
+          <p:nvPr>
+            <p:extLst>
+              <p:ext uri="{386F3935-93C4-4BCD-93E2-E3B085C9AB24}">
+                <p16:designElem xmlns:p16="http://schemas.microsoft.com/office/powerpoint/2015/main" val="1"/>
+              </p:ext>
+            </p:extLst>
+          </p:nvPr>
+        </p:nvSpPr>
+        <p:spPr bwMode="auto">
+          <a:xfrm rot="16200000">
+            <a:off x="-787973" y="1050634"/>
+            <a:ext cx="5143497" cy="4756735"/>
+          </a:xfrm>
+          <a:custGeom>
+            <a:avLst/>
+            <a:gdLst>
+              <a:gd name="connsiteX0" fmla="*/ 6857997 w 6857997"/>
+              <a:gd name="connsiteY0" fmla="*/ 0 h 4756735"/>
+              <a:gd name="connsiteX1" fmla="*/ 6857997 w 6857997"/>
+              <a:gd name="connsiteY1" fmla="*/ 4458285 h 4756735"/>
+              <a:gd name="connsiteX2" fmla="*/ 4861980 w 6857997"/>
+              <a:gd name="connsiteY2" fmla="*/ 4458285 h 4756735"/>
+              <a:gd name="connsiteX3" fmla="*/ 4480980 w 6857997"/>
+              <a:gd name="connsiteY3" fmla="*/ 4744036 h 4756735"/>
+              <a:gd name="connsiteX4" fmla="*/ 4472514 w 6857997"/>
+              <a:gd name="connsiteY4" fmla="*/ 4747210 h 4756735"/>
+              <a:gd name="connsiteX5" fmla="*/ 4459814 w 6857997"/>
+              <a:gd name="connsiteY5" fmla="*/ 4751973 h 4756735"/>
+              <a:gd name="connsiteX6" fmla="*/ 4447114 w 6857997"/>
+              <a:gd name="connsiteY6" fmla="*/ 4756735 h 4756735"/>
+              <a:gd name="connsiteX7" fmla="*/ 4436530 w 6857997"/>
+              <a:gd name="connsiteY7" fmla="*/ 4756735 h 4756735"/>
+              <a:gd name="connsiteX8" fmla="*/ 4423830 w 6857997"/>
+              <a:gd name="connsiteY8" fmla="*/ 4756735 h 4756735"/>
+              <a:gd name="connsiteX9" fmla="*/ 4413247 w 6857997"/>
+              <a:gd name="connsiteY9" fmla="*/ 4751973 h 4756735"/>
+              <a:gd name="connsiteX10" fmla="*/ 4400547 w 6857997"/>
+              <a:gd name="connsiteY10" fmla="*/ 4747210 h 4756735"/>
+              <a:gd name="connsiteX11" fmla="*/ 4392080 w 6857997"/>
+              <a:gd name="connsiteY11" fmla="*/ 4744036 h 4756735"/>
+              <a:gd name="connsiteX12" fmla="*/ 4011080 w 6857997"/>
+              <a:gd name="connsiteY12" fmla="*/ 4458285 h 4756735"/>
+              <a:gd name="connsiteX13" fmla="*/ 0 w 6857997"/>
+              <a:gd name="connsiteY13" fmla="*/ 4458285 h 4756735"/>
+              <a:gd name="connsiteX14" fmla="*/ 1 w 6857997"/>
+              <a:gd name="connsiteY14" fmla="*/ 0 h 4756735"/>
+            </a:gdLst>
+            <a:ahLst/>
+            <a:cxnLst>
+              <a:cxn ang="0">
+                <a:pos x="connsiteX0" y="connsiteY0"/>
+              </a:cxn>
+              <a:cxn ang="0">
+                <a:pos x="connsiteX1" y="connsiteY1"/>
+              </a:cxn>
+              <a:cxn ang="0">
+                <a:pos x="connsiteX2" y="connsiteY2"/>
+              </a:cxn>
+              <a:cxn ang="0">
+                <a:pos x="connsiteX3" y="connsiteY3"/>
+              </a:cxn>
+              <a:cxn ang="0">
+                <a:pos x="connsiteX4" y="connsiteY4"/>
+              </a:cxn>
+              <a:cxn ang="0">
+                <a:pos x="connsiteX5" y="connsiteY5"/>
+              </a:cxn>
+              <a:cxn ang="0">
+                <a:pos x="connsiteX6" y="connsiteY6"/>
+              </a:cxn>
+              <a:cxn ang="0">
+                <a:pos x="connsiteX7" y="connsiteY7"/>
+              </a:cxn>
+              <a:cxn ang="0">
+                <a:pos x="connsiteX8" y="connsiteY8"/>
+              </a:cxn>
+              <a:cxn ang="0">
+                <a:pos x="connsiteX9" y="connsiteY9"/>
+              </a:cxn>
+              <a:cxn ang="0">
+                <a:pos x="connsiteX10" y="connsiteY10"/>
+              </a:cxn>
+              <a:cxn ang="0">
+                <a:pos x="connsiteX11" y="connsiteY11"/>
+              </a:cxn>
+              <a:cxn ang="0">
+                <a:pos x="connsiteX12" y="connsiteY12"/>
+              </a:cxn>
+              <a:cxn ang="0">
+                <a:pos x="connsiteX13" y="connsiteY13"/>
+              </a:cxn>
+              <a:cxn ang="0">
+                <a:pos x="connsiteX14" y="connsiteY14"/>
+              </a:cxn>
+            </a:cxnLst>
+            <a:rect l="l" t="t" r="r" b="b"/>
+            <a:pathLst>
+              <a:path w="6857997" h="4756735">
+                <a:moveTo>
+                  <a:pt x="6857997" y="0"/>
+                </a:moveTo>
+                <a:lnTo>
+                  <a:pt x="6857997" y="4458285"/>
+                </a:lnTo>
+                <a:lnTo>
+                  <a:pt x="4861980" y="4458285"/>
+                </a:lnTo>
+                <a:lnTo>
+                  <a:pt x="4480980" y="4744036"/>
+                </a:lnTo>
+                <a:lnTo>
+                  <a:pt x="4472514" y="4747210"/>
+                </a:lnTo>
+                <a:lnTo>
+                  <a:pt x="4459814" y="4751973"/>
+                </a:lnTo>
+                <a:lnTo>
+                  <a:pt x="4447114" y="4756735"/>
+                </a:lnTo>
+                <a:lnTo>
+                  <a:pt x="4436530" y="4756735"/>
+                </a:lnTo>
+                <a:lnTo>
+                  <a:pt x="4423830" y="4756735"/>
+                </a:lnTo>
+                <a:lnTo>
+                  <a:pt x="4413247" y="4751973"/>
+                </a:lnTo>
+                <a:lnTo>
+                  <a:pt x="4400547" y="4747210"/>
+                </a:lnTo>
+                <a:lnTo>
+                  <a:pt x="4392080" y="4744036"/>
+                </a:lnTo>
+                <a:lnTo>
+                  <a:pt x="4011080" y="4458285"/>
+                </a:lnTo>
+                <a:lnTo>
+                  <a:pt x="0" y="4458285"/>
+                </a:lnTo>
+                <a:lnTo>
+                  <a:pt x="1" y="0"/>
+                </a:lnTo>
+                <a:close/>
+              </a:path>
+            </a:pathLst>
+          </a:custGeom>
+          <a:solidFill>
+            <a:schemeClr val="accent1"/>
+          </a:solidFill>
+          <a:ln>
+            <a:headEnd/>
+            <a:tailEnd/>
+          </a:ln>
+        </p:spPr>
+        <p:style>
+          <a:lnRef idx="1">
+            <a:schemeClr val="accent1"/>
+          </a:lnRef>
+          <a:fillRef idx="3">
+            <a:schemeClr val="accent1"/>
+          </a:fillRef>
+          <a:effectRef idx="2">
+            <a:schemeClr val="accent1"/>
+          </a:effectRef>
+          <a:fontRef idx="minor">
+            <a:schemeClr val="lt1"/>
+          </a:fontRef>
+        </p:style>
+      </p:sp>
       <p:sp>
         <p:nvSpPr>
           <p:cNvPr id="2" name="Title 1"/>
@@ -18662,8 +15578,8 @@
         </p:nvSpPr>
         <p:spPr>
           <a:xfrm>
-            <a:off x="481315" y="1687286"/>
-            <a:ext cx="2452097" cy="3978017"/>
+            <a:off x="481315" y="1918252"/>
+            <a:ext cx="2524079" cy="3997635"/>
           </a:xfrm>
         </p:spPr>
         <p:txBody>
@@ -18695,14 +15611,14 @@
             <p:ph idx="1"/>
             <p:extLst>
               <p:ext uri="{D42A27DB-BD31-4B8C-83A1-F6EECF244321}">
-                <p14:modId xmlns:p14="http://schemas.microsoft.com/office/powerpoint/2010/main" val="4258971303"/>
+                <p14:modId xmlns:p14="http://schemas.microsoft.com/office/powerpoint/2010/main" val="389454245"/>
               </p:ext>
             </p:extLst>
           </p:nvPr>
         </p:nvGraphicFramePr>
         <p:xfrm>
-          <a:off x="4131615" y="965200"/>
-          <a:ext cx="4296258" cy="4902990"/>
+          <a:off x="4167187" y="1262063"/>
+          <a:ext cx="4362450" cy="4327525"/>
         </p:xfrm>
         <a:graphic>
           <a:graphicData uri="http://schemas.openxmlformats.org/drawingml/2006/diagram">
@@ -19120,7 +16036,7 @@
           <a:effectLst/>
           <a:extLst>
             <a:ext uri="{91240B29-F687-4f45-9708-019B960494DF}">
-              <a14:hiddenLine xmlns:a14="http://schemas.microsoft.com/office/drawing/2010/main" xmlns:p14="http://schemas.microsoft.com/office/powerpoint/2010/main" xmlns:a16="http://schemas.microsoft.com/office/drawing/2014/main" xmlns="" w="9525">
+              <a14:hiddenLine xmlns="" xmlns:a16="http://schemas.microsoft.com/office/drawing/2014/main" xmlns:p14="http://schemas.microsoft.com/office/powerpoint/2010/main" xmlns:a14="http://schemas.microsoft.com/office/drawing/2010/main" w="9525">
                 <a:solidFill>
                   <a:srgbClr val="000000"/>
                 </a:solidFill>
@@ -20012,7 +16928,7 @@
     <p:bg>
       <p:bgPr>
         <a:solidFill>
-          <a:schemeClr val="bg1"/>
+          <a:schemeClr val="bg2"/>
         </a:solidFill>
         <a:effectLst/>
       </p:bgPr>
@@ -20033,10 +16949,10 @@
       </p:grpSpPr>
       <p:sp useBgFill="1">
         <p:nvSpPr>
-          <p:cNvPr id="10" name="Rectangle 9">
+          <p:cNvPr id="11" name="Rectangle 7">
             <a:extLst>
               <a:ext uri="{FF2B5EF4-FFF2-40B4-BE49-F238E27FC236}">
-                <a16:creationId xmlns:a16="http://schemas.microsoft.com/office/drawing/2014/main" id="{31095359-A3F5-45A1-BE39-3176384B498B}"/>
+                <a16:creationId xmlns:a16="http://schemas.microsoft.com/office/drawing/2014/main" id="{35C44DBB-AD7C-4682-B258-6367305D207B}"/>
               </a:ext>
             </a:extLst>
           </p:cNvPr>
@@ -20088,18 +17004,18 @@
           </a:p>
         </p:txBody>
       </p:sp>
-      <p:sp>
-        <p:nvSpPr>
-          <p:cNvPr id="12" name="Freeform 23">
+      <p:cxnSp>
+        <p:nvCxnSpPr>
+          <p:cNvPr id="10" name="Straight Connector 9">
             <a:extLst>
               <a:ext uri="{FF2B5EF4-FFF2-40B4-BE49-F238E27FC236}">
-                <a16:creationId xmlns:a16="http://schemas.microsoft.com/office/drawing/2014/main" id="{CCC3BF85-22AC-4EA9-BA3C-305A8B4F8953}"/>
+                <a16:creationId xmlns:a16="http://schemas.microsoft.com/office/drawing/2014/main" id="{A1CED323-FAF0-4E0B-8717-FC1F468A28FE}"/>
               </a:ext>
             </a:extLst>
           </p:cNvPr>
-          <p:cNvSpPr>
-            <a:spLocks noGrp="1" noRot="1" noChangeAspect="1" noMove="1" noResize="1" noEditPoints="1" noAdjustHandles="1" noChangeArrowheads="1" noChangeShapeType="1" noTextEdit="1"/>
-          </p:cNvSpPr>
+          <p:cNvCxnSpPr>
+            <a:cxnSpLocks noGrp="1" noRot="1" noChangeAspect="1" noMove="1" noResize="1" noEditPoints="1" noAdjustHandles="1" noChangeArrowheads="1" noChangeShapeType="1"/>
+          </p:cNvCxnSpPr>
           <p:nvPr>
             <p:extLst>
               <p:ext uri="{386F3935-93C4-4BCD-93E2-E3B085C9AB24}">
@@ -20107,191 +17023,32 @@
               </p:ext>
             </p:extLst>
           </p:nvPr>
-        </p:nvSpPr>
-        <p:spPr bwMode="white">
-          <a:xfrm flipH="1">
-            <a:off x="5666246" y="0"/>
-            <a:ext cx="3477754" cy="6858000"/>
+        </p:nvCxnSpPr>
+        <p:spPr>
+          <a:xfrm>
+            <a:off x="3487225" y="1696777"/>
+            <a:ext cx="0" cy="3464447"/>
           </a:xfrm>
-          <a:custGeom>
+          <a:prstGeom prst="line">
             <a:avLst/>
-            <a:gdLst>
-              <a:gd name="connsiteX0" fmla="*/ 0 w 4637005"/>
-              <a:gd name="connsiteY0" fmla="*/ 0 h 6858000"/>
-              <a:gd name="connsiteX1" fmla="*/ 4637005 w 4637005"/>
-              <a:gd name="connsiteY1" fmla="*/ 0 h 6858000"/>
-              <a:gd name="connsiteX2" fmla="*/ 4637005 w 4637005"/>
-              <a:gd name="connsiteY2" fmla="*/ 1900238 h 6858000"/>
-              <a:gd name="connsiteX3" fmla="*/ 4266589 w 4637005"/>
-              <a:gd name="connsiteY3" fmla="*/ 2178050 h 6858000"/>
-              <a:gd name="connsiteX4" fmla="*/ 4262355 w 4637005"/>
-              <a:gd name="connsiteY4" fmla="*/ 2184400 h 6858000"/>
-              <a:gd name="connsiteX5" fmla="*/ 4256005 w 4637005"/>
-              <a:gd name="connsiteY5" fmla="*/ 2193925 h 6858000"/>
-              <a:gd name="connsiteX6" fmla="*/ 4249655 w 4637005"/>
-              <a:gd name="connsiteY6" fmla="*/ 2201863 h 6858000"/>
-              <a:gd name="connsiteX7" fmla="*/ 4249655 w 4637005"/>
-              <a:gd name="connsiteY7" fmla="*/ 2211388 h 6858000"/>
-              <a:gd name="connsiteX8" fmla="*/ 4249655 w 4637005"/>
-              <a:gd name="connsiteY8" fmla="*/ 2220913 h 6858000"/>
-              <a:gd name="connsiteX9" fmla="*/ 4256005 w 4637005"/>
-              <a:gd name="connsiteY9" fmla="*/ 2228850 h 6858000"/>
-              <a:gd name="connsiteX10" fmla="*/ 4262355 w 4637005"/>
-              <a:gd name="connsiteY10" fmla="*/ 2238375 h 6858000"/>
-              <a:gd name="connsiteX11" fmla="*/ 4266589 w 4637005"/>
-              <a:gd name="connsiteY11" fmla="*/ 2244725 h 6858000"/>
-              <a:gd name="connsiteX12" fmla="*/ 4637005 w 4637005"/>
-              <a:gd name="connsiteY12" fmla="*/ 2522538 h 6858000"/>
-              <a:gd name="connsiteX13" fmla="*/ 4637005 w 4637005"/>
-              <a:gd name="connsiteY13" fmla="*/ 6858000 h 6858000"/>
-              <a:gd name="connsiteX14" fmla="*/ 0 w 4637005"/>
-              <a:gd name="connsiteY14" fmla="*/ 6858000 h 6858000"/>
-            </a:gdLst>
-            <a:ahLst/>
-            <a:cxnLst>
-              <a:cxn ang="0">
-                <a:pos x="connsiteX0" y="connsiteY0"/>
-              </a:cxn>
-              <a:cxn ang="0">
-                <a:pos x="connsiteX1" y="connsiteY1"/>
-              </a:cxn>
-              <a:cxn ang="0">
-                <a:pos x="connsiteX2" y="connsiteY2"/>
-              </a:cxn>
-              <a:cxn ang="0">
-                <a:pos x="connsiteX3" y="connsiteY3"/>
-              </a:cxn>
-              <a:cxn ang="0">
-                <a:pos x="connsiteX4" y="connsiteY4"/>
-              </a:cxn>
-              <a:cxn ang="0">
-                <a:pos x="connsiteX5" y="connsiteY5"/>
-              </a:cxn>
-              <a:cxn ang="0">
-                <a:pos x="connsiteX6" y="connsiteY6"/>
-              </a:cxn>
-              <a:cxn ang="0">
-                <a:pos x="connsiteX7" y="connsiteY7"/>
-              </a:cxn>
-              <a:cxn ang="0">
-                <a:pos x="connsiteX8" y="connsiteY8"/>
-              </a:cxn>
-              <a:cxn ang="0">
-                <a:pos x="connsiteX9" y="connsiteY9"/>
-              </a:cxn>
-              <a:cxn ang="0">
-                <a:pos x="connsiteX10" y="connsiteY10"/>
-              </a:cxn>
-              <a:cxn ang="0">
-                <a:pos x="connsiteX11" y="connsiteY11"/>
-              </a:cxn>
-              <a:cxn ang="0">
-                <a:pos x="connsiteX12" y="connsiteY12"/>
-              </a:cxn>
-              <a:cxn ang="0">
-                <a:pos x="connsiteX13" y="connsiteY13"/>
-              </a:cxn>
-              <a:cxn ang="0">
-                <a:pos x="connsiteX14" y="connsiteY14"/>
-              </a:cxn>
-            </a:cxnLst>
-            <a:rect l="l" t="t" r="r" b="b"/>
-            <a:pathLst>
-              <a:path w="4637005" h="6858000">
-                <a:moveTo>
-                  <a:pt x="0" y="0"/>
-                </a:moveTo>
-                <a:lnTo>
-                  <a:pt x="4637005" y="0"/>
-                </a:lnTo>
-                <a:lnTo>
-                  <a:pt x="4637005" y="1900238"/>
-                </a:lnTo>
-                <a:lnTo>
-                  <a:pt x="4266589" y="2178050"/>
-                </a:lnTo>
-                <a:lnTo>
-                  <a:pt x="4262355" y="2184400"/>
-                </a:lnTo>
-                <a:lnTo>
-                  <a:pt x="4256005" y="2193925"/>
-                </a:lnTo>
-                <a:lnTo>
-                  <a:pt x="4249655" y="2201863"/>
-                </a:lnTo>
-                <a:lnTo>
-                  <a:pt x="4249655" y="2211388"/>
-                </a:lnTo>
-                <a:lnTo>
-                  <a:pt x="4249655" y="2220913"/>
-                </a:lnTo>
-                <a:lnTo>
-                  <a:pt x="4256005" y="2228850"/>
-                </a:lnTo>
-                <a:lnTo>
-                  <a:pt x="4262355" y="2238375"/>
-                </a:lnTo>
-                <a:lnTo>
-                  <a:pt x="4266589" y="2244725"/>
-                </a:lnTo>
-                <a:lnTo>
-                  <a:pt x="4637005" y="2522538"/>
-                </a:lnTo>
-                <a:lnTo>
-                  <a:pt x="4637005" y="6858000"/>
-                </a:lnTo>
-                <a:lnTo>
-                  <a:pt x="0" y="6858000"/>
-                </a:lnTo>
-                <a:close/>
-              </a:path>
-            </a:pathLst>
-          </a:custGeom>
-          <a:blipFill>
-            <a:blip r:embed="rId2">
-              <a:duotone>
-                <a:schemeClr val="accent1">
-                  <a:tint val="98000"/>
-                  <a:lumMod val="102000"/>
-                </a:schemeClr>
-                <a:schemeClr val="accent1">
-                  <a:shade val="98000"/>
-                  <a:lumMod val="98000"/>
-                </a:schemeClr>
-              </a:duotone>
-            </a:blip>
-            <a:tile tx="0" ty="0" sx="100000" sy="100000" flip="none" algn="tl"/>
-          </a:blipFill>
-          <a:ln>
-            <a:headEnd/>
-            <a:tailEnd/>
-          </a:ln>
+          </a:prstGeom>
+          <a:ln w="22225"/>
         </p:spPr>
         <p:style>
           <a:lnRef idx="1">
             <a:schemeClr val="accent1"/>
           </a:lnRef>
-          <a:fillRef idx="3">
+          <a:fillRef idx="0">
             <a:schemeClr val="accent1"/>
           </a:fillRef>
-          <a:effectRef idx="2">
+          <a:effectRef idx="0">
             <a:schemeClr val="accent1"/>
           </a:effectRef>
           <a:fontRef idx="minor">
-            <a:schemeClr val="lt1"/>
+            <a:schemeClr val="tx1"/>
           </a:fontRef>
         </p:style>
-        <p:txBody>
-          <a:bodyPr wrap="square" rtlCol="0" anchor="ctr">
-            <a:noAutofit/>
-          </a:bodyPr>
-          <a:lstStyle/>
-          <a:p>
-            <a:pPr algn="ctr"/>
-            <a:endParaRPr lang="en-US"/>
-          </a:p>
-        </p:txBody>
-      </p:sp>
+      </p:cxnSp>
       <p:sp>
         <p:nvSpPr>
           <p:cNvPr id="2" name="Title 1"/>
@@ -20304,54 +17061,129 @@
         </p:nvSpPr>
         <p:spPr>
           <a:xfrm>
-            <a:off x="6179073" y="1719943"/>
-            <a:ext cx="2452098" cy="4034815"/>
+            <a:off x="723900" y="1218476"/>
+            <a:ext cx="2390488" cy="4421050"/>
           </a:xfrm>
+          <a:effectLst/>
         </p:spPr>
         <p:txBody>
-          <a:bodyPr anchor="t">
+          <a:bodyPr anchor="ctr">
+            <a:normAutofit/>
+          </a:bodyPr>
+          <a:lstStyle/>
+          <a:p>
+            <a:pPr algn="r"/>
+            <a:r>
+              <a:rPr lang="en-US" sz="2800">
+                <a:solidFill>
+                  <a:schemeClr val="tx1"/>
+                </a:solidFill>
+              </a:rPr>
+              <a:t>Breakdown of Roles</a:t>
+            </a:r>
+          </a:p>
+        </p:txBody>
+      </p:sp>
+      <p:sp>
+        <p:nvSpPr>
+          <p:cNvPr id="3" name="Content Placeholder 2"/>
+          <p:cNvSpPr>
+            <a:spLocks noGrp="1"/>
+          </p:cNvSpPr>
+          <p:nvPr>
+            <p:ph idx="1"/>
+          </p:nvPr>
+        </p:nvSpPr>
+        <p:spPr>
+          <a:xfrm>
+            <a:off x="3860063" y="1218475"/>
+            <a:ext cx="4560037" cy="4421051"/>
+          </a:xfrm>
+          <a:effectLst/>
+        </p:spPr>
+        <p:txBody>
+          <a:bodyPr>
             <a:normAutofit/>
           </a:bodyPr>
           <a:lstStyle/>
           <a:p>
             <a:r>
-              <a:rPr lang="en-US" sz="3200"/>
-              <a:t>Breakdown of Roles</a:t>
+              <a:rPr lang="en-US" altLang="zh-TW" sz="1400" b="1"/>
+              <a:t>Alex – UI/UX Designer</a:t>
             </a:r>
+          </a:p>
+          <a:p>
+            <a:pPr lvl="1"/>
+            <a:r>
+              <a:rPr lang="en-US" altLang="zh-TW" sz="1400"/>
+              <a:t>Design layouts, and create graphical elements</a:t>
+            </a:r>
+          </a:p>
+          <a:p>
+            <a:r>
+              <a:rPr lang="en-US" altLang="zh-TW" sz="1400" b="1"/>
+              <a:t>Harmanbir &amp; Jonathan – Front-End</a:t>
+            </a:r>
+          </a:p>
+          <a:p>
+            <a:pPr lvl="1"/>
+            <a:r>
+              <a:rPr lang="en-US" altLang="zh-TW" sz="1400"/>
+              <a:t>Code all pages needed for the complete app</a:t>
+            </a:r>
+          </a:p>
+          <a:p>
+            <a:pPr lvl="1"/>
+            <a:r>
+              <a:rPr lang="en-US" altLang="zh-TW" sz="1400"/>
+              <a:t>Connect and test database</a:t>
+            </a:r>
+          </a:p>
+          <a:p>
+            <a:r>
+              <a:rPr lang="en-US" altLang="zh-TW" sz="1400" b="1"/>
+              <a:t>Jacob – Back-End &amp; Team lead</a:t>
+            </a:r>
+          </a:p>
+          <a:p>
+            <a:pPr lvl="1"/>
+            <a:r>
+              <a:rPr lang="en-US" altLang="zh-TW" sz="1400"/>
+              <a:t>Project Management</a:t>
+            </a:r>
+          </a:p>
+          <a:p>
+            <a:pPr lvl="1"/>
+            <a:r>
+              <a:rPr lang="en-US" altLang="zh-TW" sz="1400"/>
+              <a:t>Database</a:t>
+            </a:r>
+          </a:p>
+          <a:p>
+            <a:r>
+              <a:rPr lang="en-US" altLang="zh-TW" sz="1400" b="1"/>
+              <a:t>Allan – Quality Assurance &amp; Sound</a:t>
+            </a:r>
+          </a:p>
+          <a:p>
+            <a:pPr lvl="1"/>
+            <a:r>
+              <a:rPr lang="en-US" altLang="zh-TW" sz="1400"/>
+              <a:t>Ensure final product quality, debug and test code</a:t>
+            </a:r>
+          </a:p>
+          <a:p>
+            <a:pPr lvl="1"/>
+            <a:r>
+              <a:rPr lang="en-US" altLang="zh-TW" sz="1400"/>
+              <a:t>Produce sound effects needed</a:t>
+            </a:r>
+          </a:p>
+          <a:p>
+            <a:endParaRPr lang="en-US" sz="1400"/>
           </a:p>
         </p:txBody>
       </p:sp>
-      <p:graphicFrame>
-        <p:nvGraphicFramePr>
-          <p:cNvPr id="7" name="Content Placeholder 2">
-            <a:extLst>
-              <a:ext uri="{FF2B5EF4-FFF2-40B4-BE49-F238E27FC236}">
-                <a16:creationId xmlns:a16="http://schemas.microsoft.com/office/drawing/2014/main" id="{2F6C25BD-78A1-4F0D-A4D6-916B0D918227}"/>
-              </a:ext>
-            </a:extLst>
-          </p:cNvPr>
-          <p:cNvGraphicFramePr>
-            <a:graphicFrameLocks noGrp="1"/>
-          </p:cNvGraphicFramePr>
-          <p:nvPr>
-            <p:ph idx="1"/>
-            <p:extLst>
-              <p:ext uri="{D42A27DB-BD31-4B8C-83A1-F6EECF244321}">
-                <p14:modId xmlns:p14="http://schemas.microsoft.com/office/powerpoint/2010/main" val="3157877623"/>
-              </p:ext>
-            </p:extLst>
-          </p:nvPr>
-        </p:nvGraphicFramePr>
-        <p:xfrm>
-          <a:off x="684994" y="965200"/>
-          <a:ext cx="4296258" cy="4902990"/>
-        </p:xfrm>
-        <a:graphic>
-          <a:graphicData uri="http://schemas.openxmlformats.org/drawingml/2006/diagram">
-            <dgm:relIds xmlns:dgm="http://schemas.openxmlformats.org/drawingml/2006/diagram" xmlns:r="http://schemas.openxmlformats.org/officeDocument/2006/relationships" r:dm="rId3" r:lo="rId4" r:qs="rId5" r:cs="rId6"/>
-          </a:graphicData>
-        </a:graphic>
-      </p:graphicFrame>
     </p:spTree>
     <p:extLst>
       <p:ext uri="{BB962C8B-B14F-4D97-AF65-F5344CB8AC3E}">
@@ -20360,7 +17192,7 @@
     </p:extLst>
   </p:cSld>
   <p:clrMapOvr>
-    <a:overrideClrMapping bg1="lt1" tx1="dk1" bg2="lt2" tx2="dk2" accent1="accent1" accent2="accent2" accent3="accent3" accent4="accent4" accent5="accent5" accent6="accent6" hlink="hlink" folHlink="folHlink"/>
+    <a:masterClrMapping/>
   </p:clrMapOvr>
 </p:sld>
 </file>

--- a/Wasted Water Quiz.pptx
+++ b/Wasted Water Quiz.pptx
@@ -114,7 +114,7 @@
   </p:defaultTextStyle>
   <p:extLst>
     <p:ext uri="{EFAFB233-063F-42B5-8137-9DF3F51BA10A}">
-      <p15:sldGuideLst xmlns:p15="http://schemas.microsoft.com/office/powerpoint/2012/main" xmlns="">
+      <p15:sldGuideLst xmlns:p15="http://schemas.microsoft.com/office/powerpoint/2012/main">
         <p15:guide id="1" orient="horz" pos="2160">
           <p15:clr>
             <a:srgbClr val="A4A3A4"/>
@@ -2179,8 +2179,8 @@
     <dgm:cxn modelId="{751E7E60-E5F8-774A-8FE0-D99A3F6FCEA1}" type="presOf" srcId="{04949050-BC41-45B2-BFD8-75D7D869405A}" destId="{91CD5485-F150-D043-ADE0-19D754122003}" srcOrd="0" destOrd="0" presId="urn:microsoft.com/office/officeart/2008/layout/LinedList"/>
     <dgm:cxn modelId="{A995CB59-D8CC-1247-A9B5-B4BCB8AF6F89}" type="presOf" srcId="{59057BDD-BB04-426B-AA09-C0F34A718B5C}" destId="{CBB3AF93-5C4F-5446-B8CA-CA95CA2FD835}" srcOrd="0" destOrd="0" presId="urn:microsoft.com/office/officeart/2008/layout/LinedList"/>
     <dgm:cxn modelId="{A0EA691B-DD78-4BDC-A054-4C5FE133D3A5}" srcId="{04949050-BC41-45B2-BFD8-75D7D869405A}" destId="{288F703F-6FCA-4054-95A5-05AF09B5C609}" srcOrd="4" destOrd="0" parTransId="{7EE0D5A3-9CDF-437D-8509-B00AE9149B55}" sibTransId="{5435BE82-B4B4-4A1F-904F-74091A556665}"/>
+    <dgm:cxn modelId="{44F86215-31DC-4457-B9F0-05C9DFBC60D6}" type="presOf" srcId="{CD21134F-6B83-46CB-87A9-37E7941873B8}" destId="{0A718A93-1491-48F1-A6CD-C3B42D68594F}" srcOrd="0" destOrd="0" presId="urn:microsoft.com/office/officeart/2008/layout/LinedList"/>
     <dgm:cxn modelId="{527AAE99-54F2-BA42-9425-639CFC3C6BF7}" type="presOf" srcId="{AA76D586-0015-4FA1-87BD-54FD594C14D2}" destId="{DB6D5F9D-02BF-1746-953C-89A15CB67224}" srcOrd="0" destOrd="0" presId="urn:microsoft.com/office/officeart/2008/layout/LinedList"/>
-    <dgm:cxn modelId="{44F86215-31DC-4457-B9F0-05C9DFBC60D6}" type="presOf" srcId="{CD21134F-6B83-46CB-87A9-37E7941873B8}" destId="{0A718A93-1491-48F1-A6CD-C3B42D68594F}" srcOrd="0" destOrd="0" presId="urn:microsoft.com/office/officeart/2008/layout/LinedList"/>
     <dgm:cxn modelId="{672CAC29-C623-47A9-A657-91C7520E4068}" srcId="{04949050-BC41-45B2-BFD8-75D7D869405A}" destId="{59057BDD-BB04-426B-AA09-C0F34A718B5C}" srcOrd="1" destOrd="0" parTransId="{489D992C-06D1-49AF-AA4A-9B129B026805}" sibTransId="{365D6A6D-1909-4179-A1AC-38BB696206B3}"/>
     <dgm:cxn modelId="{8BC11DFA-D1FB-794C-9938-A7A4231DE06A}" type="presOf" srcId="{C88E755F-C08D-48EA-85AD-3DF0C77937DF}" destId="{7AE9FC42-9157-7849-B8B0-B8E92C7EB364}" srcOrd="0" destOrd="0" presId="urn:microsoft.com/office/officeart/2008/layout/LinedList"/>
     <dgm:cxn modelId="{ADDD9E1F-7F7B-4085-83D4-568FF8C13926}" srcId="{04949050-BC41-45B2-BFD8-75D7D869405A}" destId="{C88E755F-C08D-48EA-85AD-3DF0C77937DF}" srcOrd="2" destOrd="0" parTransId="{B2E6AE8C-C9C3-415B-ABC8-0A7B18DC48C9}" sibTransId="{C6CF371A-1A12-4380-905F-1886F8DEB5CE}"/>
@@ -2537,1123 +2537,6 @@
       <dsp:cNvGrpSpPr/>
     </dsp:nvGrpSpPr>
     <dsp:grpSpPr/>
-    <dsp:sp modelId="{A49CD074-082E-BD4C-9396-5C88C70718B7}">
-      <dsp:nvSpPr>
-        <dsp:cNvPr id="0" name=""/>
-        <dsp:cNvSpPr/>
-      </dsp:nvSpPr>
-      <dsp:spPr>
-        <a:xfrm>
-          <a:off x="0" y="404"/>
-          <a:ext cx="7915275" cy="0"/>
-        </a:xfrm>
-        <a:prstGeom prst="line">
-          <a:avLst/>
-        </a:prstGeom>
-        <a:gradFill rotWithShape="0">
-          <a:gsLst>
-            <a:gs pos="0">
-              <a:schemeClr val="accent5">
-                <a:hueOff val="0"/>
-                <a:satOff val="0"/>
-                <a:lumOff val="0"/>
-                <a:alphaOff val="0"/>
-                <a:tint val="70000"/>
-                <a:satMod val="130000"/>
-              </a:schemeClr>
-            </a:gs>
-            <a:gs pos="43000">
-              <a:schemeClr val="accent5">
-                <a:hueOff val="0"/>
-                <a:satOff val="0"/>
-                <a:lumOff val="0"/>
-                <a:alphaOff val="0"/>
-                <a:tint val="44000"/>
-                <a:satMod val="165000"/>
-              </a:schemeClr>
-            </a:gs>
-            <a:gs pos="93000">
-              <a:schemeClr val="accent5">
-                <a:hueOff val="0"/>
-                <a:satOff val="0"/>
-                <a:lumOff val="0"/>
-                <a:alphaOff val="0"/>
-                <a:tint val="15000"/>
-                <a:satMod val="165000"/>
-              </a:schemeClr>
-            </a:gs>
-            <a:gs pos="100000">
-              <a:schemeClr val="accent5">
-                <a:hueOff val="0"/>
-                <a:satOff val="0"/>
-                <a:lumOff val="0"/>
-                <a:alphaOff val="0"/>
-                <a:tint val="5000"/>
-                <a:satMod val="250000"/>
-              </a:schemeClr>
-            </a:gs>
-          </a:gsLst>
-          <a:path path="circle">
-            <a:fillToRect l="50000" t="130000" r="50000" b="-30000"/>
-          </a:path>
-        </a:gradFill>
-        <a:ln w="9525" cap="flat" cmpd="sng" algn="ctr">
-          <a:solidFill>
-            <a:schemeClr val="accent5">
-              <a:hueOff val="0"/>
-              <a:satOff val="0"/>
-              <a:lumOff val="0"/>
-              <a:alphaOff val="0"/>
-            </a:schemeClr>
-          </a:solidFill>
-          <a:prstDash val="solid"/>
-        </a:ln>
-        <a:effectLst>
-          <a:outerShdw blurRad="57150" dist="38100" dir="5400000" algn="ctr" rotWithShape="0">
-            <a:schemeClr val="accent5">
-              <a:hueOff val="0"/>
-              <a:satOff val="0"/>
-              <a:lumOff val="0"/>
-              <a:alphaOff val="0"/>
-              <a:shade val="9000"/>
-              <a:alpha val="48000"/>
-              <a:satMod val="105000"/>
-            </a:schemeClr>
-          </a:outerShdw>
-        </a:effectLst>
-      </dsp:spPr>
-      <dsp:style>
-        <a:lnRef idx="1">
-          <a:scrgbClr r="0" g="0" b="0"/>
-        </a:lnRef>
-        <a:fillRef idx="2">
-          <a:scrgbClr r="0" g="0" b="0"/>
-        </a:fillRef>
-        <a:effectRef idx="1">
-          <a:scrgbClr r="0" g="0" b="0"/>
-        </a:effectRef>
-        <a:fontRef idx="minor">
-          <a:schemeClr val="dk1"/>
-        </a:fontRef>
-      </dsp:style>
-    </dsp:sp>
-    <dsp:sp modelId="{01539F69-3534-0C4E-9A6C-7977836A6A5C}">
-      <dsp:nvSpPr>
-        <dsp:cNvPr id="0" name=""/>
-        <dsp:cNvSpPr/>
-      </dsp:nvSpPr>
-      <dsp:spPr>
-        <a:xfrm>
-          <a:off x="0" y="404"/>
-          <a:ext cx="7915275" cy="472858"/>
-        </a:xfrm>
-        <a:prstGeom prst="rect">
-          <a:avLst/>
-        </a:prstGeom>
-        <a:noFill/>
-        <a:ln>
-          <a:noFill/>
-        </a:ln>
-        <a:effectLst/>
-      </dsp:spPr>
-      <dsp:style>
-        <a:lnRef idx="0">
-          <a:scrgbClr r="0" g="0" b="0"/>
-        </a:lnRef>
-        <a:fillRef idx="0">
-          <a:scrgbClr r="0" g="0" b="0"/>
-        </a:fillRef>
-        <a:effectRef idx="0">
-          <a:scrgbClr r="0" g="0" b="0"/>
-        </a:effectRef>
-        <a:fontRef idx="minor"/>
-      </dsp:style>
-      <dsp:txBody>
-        <a:bodyPr spcFirstLastPara="0" vert="horz" wrap="square" lIns="80010" tIns="80010" rIns="80010" bIns="80010" numCol="1" spcCol="1270" anchor="t" anchorCtr="0">
-          <a:noAutofit/>
-        </a:bodyPr>
-        <a:lstStyle/>
-        <a:p>
-          <a:pPr lvl="0" algn="l" defTabSz="933450">
-            <a:lnSpc>
-              <a:spcPct val="90000"/>
-            </a:lnSpc>
-            <a:spcBef>
-              <a:spcPct val="0"/>
-            </a:spcBef>
-            <a:spcAft>
-              <a:spcPct val="35000"/>
-            </a:spcAft>
-          </a:pPr>
-          <a:r>
-            <a:rPr lang="en-US" sz="2100" kern="1200" dirty="0"/>
-            <a:t>Team Members</a:t>
-          </a:r>
-        </a:p>
-      </dsp:txBody>
-      <dsp:txXfrm>
-        <a:off x="0" y="404"/>
-        <a:ext cx="7915275" cy="472858"/>
-      </dsp:txXfrm>
-    </dsp:sp>
-    <dsp:sp modelId="{3C841FB7-219B-C944-8CDE-437716CD15E5}">
-      <dsp:nvSpPr>
-        <dsp:cNvPr id="0" name=""/>
-        <dsp:cNvSpPr/>
-      </dsp:nvSpPr>
-      <dsp:spPr>
-        <a:xfrm>
-          <a:off x="0" y="473262"/>
-          <a:ext cx="7915275" cy="0"/>
-        </a:xfrm>
-        <a:prstGeom prst="line">
-          <a:avLst/>
-        </a:prstGeom>
-        <a:gradFill rotWithShape="0">
-          <a:gsLst>
-            <a:gs pos="0">
-              <a:schemeClr val="accent5">
-                <a:hueOff val="-306190"/>
-                <a:satOff val="45"/>
-                <a:lumOff val="-1079"/>
-                <a:alphaOff val="0"/>
-                <a:tint val="70000"/>
-                <a:satMod val="130000"/>
-              </a:schemeClr>
-            </a:gs>
-            <a:gs pos="43000">
-              <a:schemeClr val="accent5">
-                <a:hueOff val="-306190"/>
-                <a:satOff val="45"/>
-                <a:lumOff val="-1079"/>
-                <a:alphaOff val="0"/>
-                <a:tint val="44000"/>
-                <a:satMod val="165000"/>
-              </a:schemeClr>
-            </a:gs>
-            <a:gs pos="93000">
-              <a:schemeClr val="accent5">
-                <a:hueOff val="-306190"/>
-                <a:satOff val="45"/>
-                <a:lumOff val="-1079"/>
-                <a:alphaOff val="0"/>
-                <a:tint val="15000"/>
-                <a:satMod val="165000"/>
-              </a:schemeClr>
-            </a:gs>
-            <a:gs pos="100000">
-              <a:schemeClr val="accent5">
-                <a:hueOff val="-306190"/>
-                <a:satOff val="45"/>
-                <a:lumOff val="-1079"/>
-                <a:alphaOff val="0"/>
-                <a:tint val="5000"/>
-                <a:satMod val="250000"/>
-              </a:schemeClr>
-            </a:gs>
-          </a:gsLst>
-          <a:path path="circle">
-            <a:fillToRect l="50000" t="130000" r="50000" b="-30000"/>
-          </a:path>
-        </a:gradFill>
-        <a:ln w="9525" cap="flat" cmpd="sng" algn="ctr">
-          <a:solidFill>
-            <a:schemeClr val="accent5">
-              <a:hueOff val="-306190"/>
-              <a:satOff val="45"/>
-              <a:lumOff val="-1079"/>
-              <a:alphaOff val="0"/>
-            </a:schemeClr>
-          </a:solidFill>
-          <a:prstDash val="solid"/>
-        </a:ln>
-        <a:effectLst>
-          <a:outerShdw blurRad="57150" dist="38100" dir="5400000" algn="ctr" rotWithShape="0">
-            <a:schemeClr val="accent5">
-              <a:hueOff val="-306190"/>
-              <a:satOff val="45"/>
-              <a:lumOff val="-1079"/>
-              <a:alphaOff val="0"/>
-              <a:shade val="9000"/>
-              <a:alpha val="48000"/>
-              <a:satMod val="105000"/>
-            </a:schemeClr>
-          </a:outerShdw>
-        </a:effectLst>
-      </dsp:spPr>
-      <dsp:style>
-        <a:lnRef idx="1">
-          <a:scrgbClr r="0" g="0" b="0"/>
-        </a:lnRef>
-        <a:fillRef idx="2">
-          <a:scrgbClr r="0" g="0" b="0"/>
-        </a:fillRef>
-        <a:effectRef idx="1">
-          <a:scrgbClr r="0" g="0" b="0"/>
-        </a:effectRef>
-        <a:fontRef idx="minor">
-          <a:schemeClr val="dk1"/>
-        </a:fontRef>
-      </dsp:style>
-    </dsp:sp>
-    <dsp:sp modelId="{CBB3AF93-5C4F-5446-B8CA-CA95CA2FD835}">
-      <dsp:nvSpPr>
-        <dsp:cNvPr id="0" name=""/>
-        <dsp:cNvSpPr/>
-      </dsp:nvSpPr>
-      <dsp:spPr>
-        <a:xfrm>
-          <a:off x="0" y="473262"/>
-          <a:ext cx="7915275" cy="472858"/>
-        </a:xfrm>
-        <a:prstGeom prst="rect">
-          <a:avLst/>
-        </a:prstGeom>
-        <a:noFill/>
-        <a:ln>
-          <a:noFill/>
-        </a:ln>
-        <a:effectLst/>
-      </dsp:spPr>
-      <dsp:style>
-        <a:lnRef idx="0">
-          <a:scrgbClr r="0" g="0" b="0"/>
-        </a:lnRef>
-        <a:fillRef idx="0">
-          <a:scrgbClr r="0" g="0" b="0"/>
-        </a:fillRef>
-        <a:effectRef idx="0">
-          <a:scrgbClr r="0" g="0" b="0"/>
-        </a:effectRef>
-        <a:fontRef idx="minor"/>
-      </dsp:style>
-      <dsp:txBody>
-        <a:bodyPr spcFirstLastPara="0" vert="horz" wrap="square" lIns="80010" tIns="80010" rIns="80010" bIns="80010" numCol="1" spcCol="1270" anchor="t" anchorCtr="0">
-          <a:noAutofit/>
-        </a:bodyPr>
-        <a:lstStyle/>
-        <a:p>
-          <a:pPr lvl="0" algn="l" defTabSz="933450">
-            <a:lnSpc>
-              <a:spcPct val="90000"/>
-            </a:lnSpc>
-            <a:spcBef>
-              <a:spcPct val="0"/>
-            </a:spcBef>
-            <a:spcAft>
-              <a:spcPct val="35000"/>
-            </a:spcAft>
-          </a:pPr>
-          <a:r>
-            <a:rPr lang="en-US" sz="2100" kern="1200" dirty="0" smtClean="0"/>
-            <a:t>Features</a:t>
-          </a:r>
-          <a:endParaRPr lang="en-US" sz="2100" kern="1200" dirty="0"/>
-        </a:p>
-      </dsp:txBody>
-      <dsp:txXfrm>
-        <a:off x="0" y="473262"/>
-        <a:ext cx="7915275" cy="472858"/>
-      </dsp:txXfrm>
-    </dsp:sp>
-    <dsp:sp modelId="{8463D5D5-B945-A745-AF01-54BE1CC0DF37}">
-      <dsp:nvSpPr>
-        <dsp:cNvPr id="0" name=""/>
-        <dsp:cNvSpPr/>
-      </dsp:nvSpPr>
-      <dsp:spPr>
-        <a:xfrm>
-          <a:off x="0" y="946120"/>
-          <a:ext cx="7915275" cy="0"/>
-        </a:xfrm>
-        <a:prstGeom prst="line">
-          <a:avLst/>
-        </a:prstGeom>
-        <a:gradFill rotWithShape="0">
-          <a:gsLst>
-            <a:gs pos="0">
-              <a:schemeClr val="accent5">
-                <a:hueOff val="-612379"/>
-                <a:satOff val="90"/>
-                <a:lumOff val="-2157"/>
-                <a:alphaOff val="0"/>
-                <a:tint val="70000"/>
-                <a:satMod val="130000"/>
-              </a:schemeClr>
-            </a:gs>
-            <a:gs pos="43000">
-              <a:schemeClr val="accent5">
-                <a:hueOff val="-612379"/>
-                <a:satOff val="90"/>
-                <a:lumOff val="-2157"/>
-                <a:alphaOff val="0"/>
-                <a:tint val="44000"/>
-                <a:satMod val="165000"/>
-              </a:schemeClr>
-            </a:gs>
-            <a:gs pos="93000">
-              <a:schemeClr val="accent5">
-                <a:hueOff val="-612379"/>
-                <a:satOff val="90"/>
-                <a:lumOff val="-2157"/>
-                <a:alphaOff val="0"/>
-                <a:tint val="15000"/>
-                <a:satMod val="165000"/>
-              </a:schemeClr>
-            </a:gs>
-            <a:gs pos="100000">
-              <a:schemeClr val="accent5">
-                <a:hueOff val="-612379"/>
-                <a:satOff val="90"/>
-                <a:lumOff val="-2157"/>
-                <a:alphaOff val="0"/>
-                <a:tint val="5000"/>
-                <a:satMod val="250000"/>
-              </a:schemeClr>
-            </a:gs>
-          </a:gsLst>
-          <a:path path="circle">
-            <a:fillToRect l="50000" t="130000" r="50000" b="-30000"/>
-          </a:path>
-        </a:gradFill>
-        <a:ln w="9525" cap="flat" cmpd="sng" algn="ctr">
-          <a:solidFill>
-            <a:schemeClr val="accent5">
-              <a:hueOff val="-612379"/>
-              <a:satOff val="90"/>
-              <a:lumOff val="-2157"/>
-              <a:alphaOff val="0"/>
-            </a:schemeClr>
-          </a:solidFill>
-          <a:prstDash val="solid"/>
-        </a:ln>
-        <a:effectLst>
-          <a:outerShdw blurRad="57150" dist="38100" dir="5400000" algn="ctr" rotWithShape="0">
-            <a:schemeClr val="accent5">
-              <a:hueOff val="-612379"/>
-              <a:satOff val="90"/>
-              <a:lumOff val="-2157"/>
-              <a:alphaOff val="0"/>
-              <a:shade val="9000"/>
-              <a:alpha val="48000"/>
-              <a:satMod val="105000"/>
-            </a:schemeClr>
-          </a:outerShdw>
-        </a:effectLst>
-      </dsp:spPr>
-      <dsp:style>
-        <a:lnRef idx="1">
-          <a:scrgbClr r="0" g="0" b="0"/>
-        </a:lnRef>
-        <a:fillRef idx="2">
-          <a:scrgbClr r="0" g="0" b="0"/>
-        </a:fillRef>
-        <a:effectRef idx="1">
-          <a:scrgbClr r="0" g="0" b="0"/>
-        </a:effectRef>
-        <a:fontRef idx="minor">
-          <a:schemeClr val="dk1"/>
-        </a:fontRef>
-      </dsp:style>
-    </dsp:sp>
-    <dsp:sp modelId="{7AE9FC42-9157-7849-B8B0-B8E92C7EB364}">
-      <dsp:nvSpPr>
-        <dsp:cNvPr id="0" name=""/>
-        <dsp:cNvSpPr/>
-      </dsp:nvSpPr>
-      <dsp:spPr>
-        <a:xfrm>
-          <a:off x="0" y="946120"/>
-          <a:ext cx="7915275" cy="472858"/>
-        </a:xfrm>
-        <a:prstGeom prst="rect">
-          <a:avLst/>
-        </a:prstGeom>
-        <a:noFill/>
-        <a:ln>
-          <a:noFill/>
-        </a:ln>
-        <a:effectLst/>
-      </dsp:spPr>
-      <dsp:style>
-        <a:lnRef idx="0">
-          <a:scrgbClr r="0" g="0" b="0"/>
-        </a:lnRef>
-        <a:fillRef idx="0">
-          <a:scrgbClr r="0" g="0" b="0"/>
-        </a:fillRef>
-        <a:effectRef idx="0">
-          <a:scrgbClr r="0" g="0" b="0"/>
-        </a:effectRef>
-        <a:fontRef idx="minor"/>
-      </dsp:style>
-      <dsp:txBody>
-        <a:bodyPr spcFirstLastPara="0" vert="horz" wrap="square" lIns="80010" tIns="80010" rIns="80010" bIns="80010" numCol="1" spcCol="1270" anchor="t" anchorCtr="0">
-          <a:noAutofit/>
-        </a:bodyPr>
-        <a:lstStyle/>
-        <a:p>
-          <a:pPr lvl="0" algn="l" defTabSz="933450">
-            <a:lnSpc>
-              <a:spcPct val="90000"/>
-            </a:lnSpc>
-            <a:spcBef>
-              <a:spcPct val="0"/>
-            </a:spcBef>
-            <a:spcAft>
-              <a:spcPct val="35000"/>
-            </a:spcAft>
-          </a:pPr>
-          <a:r>
-            <a:rPr lang="en-US" sz="2100" kern="1200" dirty="0"/>
-            <a:t>Target Audience &amp; Uniqueness</a:t>
-          </a:r>
-        </a:p>
-      </dsp:txBody>
-      <dsp:txXfrm>
-        <a:off x="0" y="946120"/>
-        <a:ext cx="7915275" cy="472858"/>
-      </dsp:txXfrm>
-    </dsp:sp>
-    <dsp:sp modelId="{803C4B3A-C34F-E242-97BA-4F5566F5D147}">
-      <dsp:nvSpPr>
-        <dsp:cNvPr id="0" name=""/>
-        <dsp:cNvSpPr/>
-      </dsp:nvSpPr>
-      <dsp:spPr>
-        <a:xfrm>
-          <a:off x="0" y="1418978"/>
-          <a:ext cx="7915275" cy="0"/>
-        </a:xfrm>
-        <a:prstGeom prst="line">
-          <a:avLst/>
-        </a:prstGeom>
-        <a:gradFill rotWithShape="0">
-          <a:gsLst>
-            <a:gs pos="0">
-              <a:schemeClr val="accent5">
-                <a:hueOff val="-918568"/>
-                <a:satOff val="135"/>
-                <a:lumOff val="-3236"/>
-                <a:alphaOff val="0"/>
-                <a:tint val="70000"/>
-                <a:satMod val="130000"/>
-              </a:schemeClr>
-            </a:gs>
-            <a:gs pos="43000">
-              <a:schemeClr val="accent5">
-                <a:hueOff val="-918568"/>
-                <a:satOff val="135"/>
-                <a:lumOff val="-3236"/>
-                <a:alphaOff val="0"/>
-                <a:tint val="44000"/>
-                <a:satMod val="165000"/>
-              </a:schemeClr>
-            </a:gs>
-            <a:gs pos="93000">
-              <a:schemeClr val="accent5">
-                <a:hueOff val="-918568"/>
-                <a:satOff val="135"/>
-                <a:lumOff val="-3236"/>
-                <a:alphaOff val="0"/>
-                <a:tint val="15000"/>
-                <a:satMod val="165000"/>
-              </a:schemeClr>
-            </a:gs>
-            <a:gs pos="100000">
-              <a:schemeClr val="accent5">
-                <a:hueOff val="-918568"/>
-                <a:satOff val="135"/>
-                <a:lumOff val="-3236"/>
-                <a:alphaOff val="0"/>
-                <a:tint val="5000"/>
-                <a:satMod val="250000"/>
-              </a:schemeClr>
-            </a:gs>
-          </a:gsLst>
-          <a:path path="circle">
-            <a:fillToRect l="50000" t="130000" r="50000" b="-30000"/>
-          </a:path>
-        </a:gradFill>
-        <a:ln w="9525" cap="flat" cmpd="sng" algn="ctr">
-          <a:solidFill>
-            <a:schemeClr val="accent5">
-              <a:hueOff val="-918568"/>
-              <a:satOff val="135"/>
-              <a:lumOff val="-3236"/>
-              <a:alphaOff val="0"/>
-            </a:schemeClr>
-          </a:solidFill>
-          <a:prstDash val="solid"/>
-        </a:ln>
-        <a:effectLst>
-          <a:outerShdw blurRad="57150" dist="38100" dir="5400000" algn="ctr" rotWithShape="0">
-            <a:schemeClr val="accent5">
-              <a:hueOff val="-918568"/>
-              <a:satOff val="135"/>
-              <a:lumOff val="-3236"/>
-              <a:alphaOff val="0"/>
-              <a:shade val="9000"/>
-              <a:alpha val="48000"/>
-              <a:satMod val="105000"/>
-            </a:schemeClr>
-          </a:outerShdw>
-        </a:effectLst>
-      </dsp:spPr>
-      <dsp:style>
-        <a:lnRef idx="1">
-          <a:scrgbClr r="0" g="0" b="0"/>
-        </a:lnRef>
-        <a:fillRef idx="2">
-          <a:scrgbClr r="0" g="0" b="0"/>
-        </a:fillRef>
-        <a:effectRef idx="1">
-          <a:scrgbClr r="0" g="0" b="0"/>
-        </a:effectRef>
-        <a:fontRef idx="minor">
-          <a:schemeClr val="dk1"/>
-        </a:fontRef>
-      </dsp:style>
-    </dsp:sp>
-    <dsp:sp modelId="{BB9D75FB-A306-F24F-A15F-9BB3E204E0A9}">
-      <dsp:nvSpPr>
-        <dsp:cNvPr id="0" name=""/>
-        <dsp:cNvSpPr/>
-      </dsp:nvSpPr>
-      <dsp:spPr>
-        <a:xfrm>
-          <a:off x="0" y="1418978"/>
-          <a:ext cx="7915275" cy="472858"/>
-        </a:xfrm>
-        <a:prstGeom prst="rect">
-          <a:avLst/>
-        </a:prstGeom>
-        <a:noFill/>
-        <a:ln>
-          <a:noFill/>
-        </a:ln>
-        <a:effectLst/>
-      </dsp:spPr>
-      <dsp:style>
-        <a:lnRef idx="0">
-          <a:scrgbClr r="0" g="0" b="0"/>
-        </a:lnRef>
-        <a:fillRef idx="0">
-          <a:scrgbClr r="0" g="0" b="0"/>
-        </a:fillRef>
-        <a:effectRef idx="0">
-          <a:scrgbClr r="0" g="0" b="0"/>
-        </a:effectRef>
-        <a:fontRef idx="minor"/>
-      </dsp:style>
-      <dsp:txBody>
-        <a:bodyPr spcFirstLastPara="0" vert="horz" wrap="square" lIns="80010" tIns="80010" rIns="80010" bIns="80010" numCol="1" spcCol="1270" anchor="t" anchorCtr="0">
-          <a:noAutofit/>
-        </a:bodyPr>
-        <a:lstStyle/>
-        <a:p>
-          <a:pPr lvl="0" algn="l" defTabSz="933450">
-            <a:lnSpc>
-              <a:spcPct val="90000"/>
-            </a:lnSpc>
-            <a:spcBef>
-              <a:spcPct val="0"/>
-            </a:spcBef>
-            <a:spcAft>
-              <a:spcPct val="35000"/>
-            </a:spcAft>
-          </a:pPr>
-          <a:r>
-            <a:rPr lang="en-US" sz="2100" kern="1200" dirty="0" smtClean="0"/>
-            <a:t>Scrum</a:t>
-          </a:r>
-          <a:endParaRPr lang="en-US" sz="2100" kern="1200" dirty="0"/>
-        </a:p>
-      </dsp:txBody>
-      <dsp:txXfrm>
-        <a:off x="0" y="1418978"/>
-        <a:ext cx="7915275" cy="472858"/>
-      </dsp:txXfrm>
-    </dsp:sp>
-    <dsp:sp modelId="{CC735D8E-C36B-6F47-8A0A-F18D17AB6D0D}">
-      <dsp:nvSpPr>
-        <dsp:cNvPr id="0" name=""/>
-        <dsp:cNvSpPr/>
-      </dsp:nvSpPr>
-      <dsp:spPr>
-        <a:xfrm>
-          <a:off x="0" y="1891837"/>
-          <a:ext cx="7915275" cy="0"/>
-        </a:xfrm>
-        <a:prstGeom prst="line">
-          <a:avLst/>
-        </a:prstGeom>
-        <a:gradFill rotWithShape="0">
-          <a:gsLst>
-            <a:gs pos="0">
-              <a:schemeClr val="accent5">
-                <a:hueOff val="-1224758"/>
-                <a:satOff val="180"/>
-                <a:lumOff val="-4314"/>
-                <a:alphaOff val="0"/>
-                <a:tint val="70000"/>
-                <a:satMod val="130000"/>
-              </a:schemeClr>
-            </a:gs>
-            <a:gs pos="43000">
-              <a:schemeClr val="accent5">
-                <a:hueOff val="-1224758"/>
-                <a:satOff val="180"/>
-                <a:lumOff val="-4314"/>
-                <a:alphaOff val="0"/>
-                <a:tint val="44000"/>
-                <a:satMod val="165000"/>
-              </a:schemeClr>
-            </a:gs>
-            <a:gs pos="93000">
-              <a:schemeClr val="accent5">
-                <a:hueOff val="-1224758"/>
-                <a:satOff val="180"/>
-                <a:lumOff val="-4314"/>
-                <a:alphaOff val="0"/>
-                <a:tint val="15000"/>
-                <a:satMod val="165000"/>
-              </a:schemeClr>
-            </a:gs>
-            <a:gs pos="100000">
-              <a:schemeClr val="accent5">
-                <a:hueOff val="-1224758"/>
-                <a:satOff val="180"/>
-                <a:lumOff val="-4314"/>
-                <a:alphaOff val="0"/>
-                <a:tint val="5000"/>
-                <a:satMod val="250000"/>
-              </a:schemeClr>
-            </a:gs>
-          </a:gsLst>
-          <a:path path="circle">
-            <a:fillToRect l="50000" t="130000" r="50000" b="-30000"/>
-          </a:path>
-        </a:gradFill>
-        <a:ln w="9525" cap="flat" cmpd="sng" algn="ctr">
-          <a:solidFill>
-            <a:schemeClr val="accent5">
-              <a:hueOff val="-1224758"/>
-              <a:satOff val="180"/>
-              <a:lumOff val="-4314"/>
-              <a:alphaOff val="0"/>
-            </a:schemeClr>
-          </a:solidFill>
-          <a:prstDash val="solid"/>
-        </a:ln>
-        <a:effectLst>
-          <a:outerShdw blurRad="57150" dist="38100" dir="5400000" algn="ctr" rotWithShape="0">
-            <a:schemeClr val="accent5">
-              <a:hueOff val="-1224758"/>
-              <a:satOff val="180"/>
-              <a:lumOff val="-4314"/>
-              <a:alphaOff val="0"/>
-              <a:shade val="9000"/>
-              <a:alpha val="48000"/>
-              <a:satMod val="105000"/>
-            </a:schemeClr>
-          </a:outerShdw>
-        </a:effectLst>
-      </dsp:spPr>
-      <dsp:style>
-        <a:lnRef idx="1">
-          <a:scrgbClr r="0" g="0" b="0"/>
-        </a:lnRef>
-        <a:fillRef idx="2">
-          <a:scrgbClr r="0" g="0" b="0"/>
-        </a:fillRef>
-        <a:effectRef idx="1">
-          <a:scrgbClr r="0" g="0" b="0"/>
-        </a:effectRef>
-        <a:fontRef idx="minor">
-          <a:schemeClr val="dk1"/>
-        </a:fontRef>
-      </dsp:style>
-    </dsp:sp>
-    <dsp:sp modelId="{9322DCD7-A23F-6D45-B861-B8C337B5E0CB}">
-      <dsp:nvSpPr>
-        <dsp:cNvPr id="0" name=""/>
-        <dsp:cNvSpPr/>
-      </dsp:nvSpPr>
-      <dsp:spPr>
-        <a:xfrm>
-          <a:off x="0" y="1891837"/>
-          <a:ext cx="7915275" cy="472858"/>
-        </a:xfrm>
-        <a:prstGeom prst="rect">
-          <a:avLst/>
-        </a:prstGeom>
-        <a:noFill/>
-        <a:ln>
-          <a:noFill/>
-        </a:ln>
-        <a:effectLst/>
-      </dsp:spPr>
-      <dsp:style>
-        <a:lnRef idx="0">
-          <a:scrgbClr r="0" g="0" b="0"/>
-        </a:lnRef>
-        <a:fillRef idx="0">
-          <a:scrgbClr r="0" g="0" b="0"/>
-        </a:fillRef>
-        <a:effectRef idx="0">
-          <a:scrgbClr r="0" g="0" b="0"/>
-        </a:effectRef>
-        <a:fontRef idx="minor"/>
-      </dsp:style>
-      <dsp:txBody>
-        <a:bodyPr spcFirstLastPara="0" vert="horz" wrap="square" lIns="80010" tIns="80010" rIns="80010" bIns="80010" numCol="1" spcCol="1270" anchor="t" anchorCtr="0">
-          <a:noAutofit/>
-        </a:bodyPr>
-        <a:lstStyle/>
-        <a:p>
-          <a:pPr lvl="0" algn="l" defTabSz="933450">
-            <a:lnSpc>
-              <a:spcPct val="90000"/>
-            </a:lnSpc>
-            <a:spcBef>
-              <a:spcPct val="0"/>
-            </a:spcBef>
-            <a:spcAft>
-              <a:spcPct val="35000"/>
-            </a:spcAft>
-          </a:pPr>
-          <a:r>
-            <a:rPr lang="en-US" sz="2100" kern="1200" dirty="0" smtClean="0"/>
-            <a:t>Database</a:t>
-          </a:r>
-          <a:endParaRPr lang="en-US" sz="2100" kern="1200" dirty="0"/>
-        </a:p>
-      </dsp:txBody>
-      <dsp:txXfrm>
-        <a:off x="0" y="1891837"/>
-        <a:ext cx="7915275" cy="472858"/>
-      </dsp:txXfrm>
-    </dsp:sp>
-    <dsp:sp modelId="{F7C221DE-A05D-41E8-ADB7-09B55969452C}">
-      <dsp:nvSpPr>
-        <dsp:cNvPr id="0" name=""/>
-        <dsp:cNvSpPr/>
-      </dsp:nvSpPr>
-      <dsp:spPr>
-        <a:xfrm>
-          <a:off x="0" y="2364695"/>
-          <a:ext cx="7915275" cy="0"/>
-        </a:xfrm>
-        <a:prstGeom prst="line">
-          <a:avLst/>
-        </a:prstGeom>
-        <a:gradFill rotWithShape="0">
-          <a:gsLst>
-            <a:gs pos="0">
-              <a:schemeClr val="accent5">
-                <a:hueOff val="-1530947"/>
-                <a:satOff val="225"/>
-                <a:lumOff val="-5393"/>
-                <a:alphaOff val="0"/>
-                <a:tint val="70000"/>
-                <a:satMod val="130000"/>
-              </a:schemeClr>
-            </a:gs>
-            <a:gs pos="43000">
-              <a:schemeClr val="accent5">
-                <a:hueOff val="-1530947"/>
-                <a:satOff val="225"/>
-                <a:lumOff val="-5393"/>
-                <a:alphaOff val="0"/>
-                <a:tint val="44000"/>
-                <a:satMod val="165000"/>
-              </a:schemeClr>
-            </a:gs>
-            <a:gs pos="93000">
-              <a:schemeClr val="accent5">
-                <a:hueOff val="-1530947"/>
-                <a:satOff val="225"/>
-                <a:lumOff val="-5393"/>
-                <a:alphaOff val="0"/>
-                <a:tint val="15000"/>
-                <a:satMod val="165000"/>
-              </a:schemeClr>
-            </a:gs>
-            <a:gs pos="100000">
-              <a:schemeClr val="accent5">
-                <a:hueOff val="-1530947"/>
-                <a:satOff val="225"/>
-                <a:lumOff val="-5393"/>
-                <a:alphaOff val="0"/>
-                <a:tint val="5000"/>
-                <a:satMod val="250000"/>
-              </a:schemeClr>
-            </a:gs>
-          </a:gsLst>
-          <a:path path="circle">
-            <a:fillToRect l="50000" t="130000" r="50000" b="-30000"/>
-          </a:path>
-        </a:gradFill>
-        <a:ln w="9525" cap="flat" cmpd="sng" algn="ctr">
-          <a:solidFill>
-            <a:schemeClr val="accent5">
-              <a:hueOff val="-1530947"/>
-              <a:satOff val="225"/>
-              <a:lumOff val="-5393"/>
-              <a:alphaOff val="0"/>
-            </a:schemeClr>
-          </a:solidFill>
-          <a:prstDash val="solid"/>
-        </a:ln>
-        <a:effectLst>
-          <a:outerShdw blurRad="57150" dist="38100" dir="5400000" algn="ctr" rotWithShape="0">
-            <a:schemeClr val="accent5">
-              <a:hueOff val="-1530947"/>
-              <a:satOff val="225"/>
-              <a:lumOff val="-5393"/>
-              <a:alphaOff val="0"/>
-              <a:shade val="9000"/>
-              <a:alpha val="48000"/>
-              <a:satMod val="105000"/>
-            </a:schemeClr>
-          </a:outerShdw>
-        </a:effectLst>
-      </dsp:spPr>
-      <dsp:style>
-        <a:lnRef idx="1">
-          <a:scrgbClr r="0" g="0" b="0"/>
-        </a:lnRef>
-        <a:fillRef idx="2">
-          <a:scrgbClr r="0" g="0" b="0"/>
-        </a:fillRef>
-        <a:effectRef idx="1">
-          <a:scrgbClr r="0" g="0" b="0"/>
-        </a:effectRef>
-        <a:fontRef idx="minor">
-          <a:schemeClr val="dk1"/>
-        </a:fontRef>
-      </dsp:style>
-    </dsp:sp>
-    <dsp:sp modelId="{0A718A93-1491-48F1-A6CD-C3B42D68594F}">
-      <dsp:nvSpPr>
-        <dsp:cNvPr id="0" name=""/>
-        <dsp:cNvSpPr/>
-      </dsp:nvSpPr>
-      <dsp:spPr>
-        <a:xfrm>
-          <a:off x="0" y="2364695"/>
-          <a:ext cx="7915275" cy="472858"/>
-        </a:xfrm>
-        <a:prstGeom prst="rect">
-          <a:avLst/>
-        </a:prstGeom>
-        <a:noFill/>
-        <a:ln>
-          <a:noFill/>
-        </a:ln>
-        <a:effectLst/>
-      </dsp:spPr>
-      <dsp:style>
-        <a:lnRef idx="0">
-          <a:scrgbClr r="0" g="0" b="0"/>
-        </a:lnRef>
-        <a:fillRef idx="0">
-          <a:scrgbClr r="0" g="0" b="0"/>
-        </a:fillRef>
-        <a:effectRef idx="0">
-          <a:scrgbClr r="0" g="0" b="0"/>
-        </a:effectRef>
-        <a:fontRef idx="minor"/>
-      </dsp:style>
-      <dsp:txBody>
-        <a:bodyPr spcFirstLastPara="0" vert="horz" wrap="square" lIns="80010" tIns="80010" rIns="80010" bIns="80010" numCol="1" spcCol="1270" anchor="t" anchorCtr="0">
-          <a:noAutofit/>
-        </a:bodyPr>
-        <a:lstStyle/>
-        <a:p>
-          <a:pPr lvl="0" algn="l" defTabSz="933450">
-            <a:lnSpc>
-              <a:spcPct val="90000"/>
-            </a:lnSpc>
-            <a:spcBef>
-              <a:spcPct val="0"/>
-            </a:spcBef>
-            <a:spcAft>
-              <a:spcPct val="35000"/>
-            </a:spcAft>
-          </a:pPr>
-          <a:r>
-            <a:rPr lang="en-US" sz="2100" kern="1200" dirty="0" smtClean="0"/>
-            <a:t>Hosting</a:t>
-          </a:r>
-          <a:endParaRPr lang="en-US" sz="2100" kern="1200" dirty="0"/>
-        </a:p>
-      </dsp:txBody>
-      <dsp:txXfrm>
-        <a:off x="0" y="2364695"/>
-        <a:ext cx="7915275" cy="472858"/>
-      </dsp:txXfrm>
-    </dsp:sp>
-    <dsp:sp modelId="{EDD1787A-0296-3748-AACA-61FDF323402D}">
-      <dsp:nvSpPr>
-        <dsp:cNvPr id="0" name=""/>
-        <dsp:cNvSpPr/>
-      </dsp:nvSpPr>
-      <dsp:spPr>
-        <a:xfrm>
-          <a:off x="0" y="2837553"/>
-          <a:ext cx="7915275" cy="0"/>
-        </a:xfrm>
-        <a:prstGeom prst="line">
-          <a:avLst/>
-        </a:prstGeom>
-        <a:gradFill rotWithShape="0">
-          <a:gsLst>
-            <a:gs pos="0">
-              <a:schemeClr val="accent5">
-                <a:hueOff val="-1837137"/>
-                <a:satOff val="270"/>
-                <a:lumOff val="-6471"/>
-                <a:alphaOff val="0"/>
-                <a:tint val="70000"/>
-                <a:satMod val="130000"/>
-              </a:schemeClr>
-            </a:gs>
-            <a:gs pos="43000">
-              <a:schemeClr val="accent5">
-                <a:hueOff val="-1837137"/>
-                <a:satOff val="270"/>
-                <a:lumOff val="-6471"/>
-                <a:alphaOff val="0"/>
-                <a:tint val="44000"/>
-                <a:satMod val="165000"/>
-              </a:schemeClr>
-            </a:gs>
-            <a:gs pos="93000">
-              <a:schemeClr val="accent5">
-                <a:hueOff val="-1837137"/>
-                <a:satOff val="270"/>
-                <a:lumOff val="-6471"/>
-                <a:alphaOff val="0"/>
-                <a:tint val="15000"/>
-                <a:satMod val="165000"/>
-              </a:schemeClr>
-            </a:gs>
-            <a:gs pos="100000">
-              <a:schemeClr val="accent5">
-                <a:hueOff val="-1837137"/>
-                <a:satOff val="270"/>
-                <a:lumOff val="-6471"/>
-                <a:alphaOff val="0"/>
-                <a:tint val="5000"/>
-                <a:satMod val="250000"/>
-              </a:schemeClr>
-            </a:gs>
-          </a:gsLst>
-          <a:path path="circle">
-            <a:fillToRect l="50000" t="130000" r="50000" b="-30000"/>
-          </a:path>
-        </a:gradFill>
-        <a:ln w="9525" cap="flat" cmpd="sng" algn="ctr">
-          <a:solidFill>
-            <a:schemeClr val="accent5">
-              <a:hueOff val="-1837137"/>
-              <a:satOff val="270"/>
-              <a:lumOff val="-6471"/>
-              <a:alphaOff val="0"/>
-            </a:schemeClr>
-          </a:solidFill>
-          <a:prstDash val="solid"/>
-        </a:ln>
-        <a:effectLst>
-          <a:outerShdw blurRad="57150" dist="38100" dir="5400000" algn="ctr" rotWithShape="0">
-            <a:schemeClr val="accent5">
-              <a:hueOff val="-1837137"/>
-              <a:satOff val="270"/>
-              <a:lumOff val="-6471"/>
-              <a:alphaOff val="0"/>
-              <a:shade val="9000"/>
-              <a:alpha val="48000"/>
-              <a:satMod val="105000"/>
-            </a:schemeClr>
-          </a:outerShdw>
-        </a:effectLst>
-      </dsp:spPr>
-      <dsp:style>
-        <a:lnRef idx="1">
-          <a:scrgbClr r="0" g="0" b="0"/>
-        </a:lnRef>
-        <a:fillRef idx="2">
-          <a:scrgbClr r="0" g="0" b="0"/>
-        </a:fillRef>
-        <a:effectRef idx="1">
-          <a:scrgbClr r="0" g="0" b="0"/>
-        </a:effectRef>
-        <a:fontRef idx="minor">
-          <a:schemeClr val="dk1"/>
-        </a:fontRef>
-      </dsp:style>
-    </dsp:sp>
-    <dsp:sp modelId="{DB6D5F9D-02BF-1746-953C-89A15CB67224}">
-      <dsp:nvSpPr>
-        <dsp:cNvPr id="0" name=""/>
-        <dsp:cNvSpPr/>
-      </dsp:nvSpPr>
-      <dsp:spPr>
-        <a:xfrm>
-          <a:off x="0" y="2837553"/>
-          <a:ext cx="7915275" cy="472858"/>
-        </a:xfrm>
-        <a:prstGeom prst="rect">
-          <a:avLst/>
-        </a:prstGeom>
-        <a:noFill/>
-        <a:ln>
-          <a:noFill/>
-        </a:ln>
-        <a:effectLst/>
-      </dsp:spPr>
-      <dsp:style>
-        <a:lnRef idx="0">
-          <a:scrgbClr r="0" g="0" b="0"/>
-        </a:lnRef>
-        <a:fillRef idx="0">
-          <a:scrgbClr r="0" g="0" b="0"/>
-        </a:fillRef>
-        <a:effectRef idx="0">
-          <a:scrgbClr r="0" g="0" b="0"/>
-        </a:effectRef>
-        <a:fontRef idx="minor"/>
-      </dsp:style>
-      <dsp:txBody>
-        <a:bodyPr spcFirstLastPara="0" vert="horz" wrap="square" lIns="80010" tIns="80010" rIns="80010" bIns="80010" numCol="1" spcCol="1270" anchor="t" anchorCtr="0">
-          <a:noAutofit/>
-        </a:bodyPr>
-        <a:lstStyle/>
-        <a:p>
-          <a:pPr lvl="0" algn="l" defTabSz="933450">
-            <a:lnSpc>
-              <a:spcPct val="90000"/>
-            </a:lnSpc>
-            <a:spcBef>
-              <a:spcPct val="0"/>
-            </a:spcBef>
-            <a:spcAft>
-              <a:spcPct val="35000"/>
-            </a:spcAft>
-          </a:pPr>
-          <a:r>
-            <a:rPr lang="en-US" sz="2100" kern="1200" dirty="0"/>
-            <a:t>Questions</a:t>
-          </a:r>
-        </a:p>
-      </dsp:txBody>
-      <dsp:txXfrm>
-        <a:off x="0" y="2837553"/>
-        <a:ext cx="7915275" cy="472858"/>
-      </dsp:txXfrm>
-    </dsp:sp>
   </dsp:spTree>
 </dsp:drawing>
 </file>
@@ -7353,7 +6236,7 @@
           <a:p>
             <a:fld id="{59C7C267-A324-43B7-A9CD-5E98CD661245}" type="datetimeFigureOut">
               <a:rPr lang="en-US" smtClean="0"/>
-              <a:t>5/3/2018</a:t>
+              <a:t>5/4/2018</a:t>
             </a:fld>
             <a:endParaRPr lang="en-US"/>
           </a:p>
@@ -7518,7 +6401,7 @@
           <a:p>
             <a:fld id="{59C7C267-A324-43B7-A9CD-5E98CD661245}" type="datetimeFigureOut">
               <a:rPr lang="en-US" smtClean="0"/>
-              <a:t>5/3/2018</a:t>
+              <a:t>5/4/2018</a:t>
             </a:fld>
             <a:endParaRPr lang="en-US"/>
           </a:p>
@@ -7693,7 +6576,7 @@
           <a:p>
             <a:fld id="{59C7C267-A324-43B7-A9CD-5E98CD661245}" type="datetimeFigureOut">
               <a:rPr lang="en-US" smtClean="0"/>
-              <a:t>5/3/2018</a:t>
+              <a:t>5/4/2018</a:t>
             </a:fld>
             <a:endParaRPr lang="en-US"/>
           </a:p>
@@ -7858,7 +6741,7 @@
           <a:p>
             <a:fld id="{59C7C267-A324-43B7-A9CD-5E98CD661245}" type="datetimeFigureOut">
               <a:rPr lang="en-US" smtClean="0"/>
-              <a:t>5/3/2018</a:t>
+              <a:t>5/4/2018</a:t>
             </a:fld>
             <a:endParaRPr lang="en-US"/>
           </a:p>
@@ -8100,7 +6983,7 @@
           <a:p>
             <a:fld id="{59C7C267-A324-43B7-A9CD-5E98CD661245}" type="datetimeFigureOut">
               <a:rPr lang="en-US" smtClean="0"/>
-              <a:t>5/3/2018</a:t>
+              <a:t>5/4/2018</a:t>
             </a:fld>
             <a:endParaRPr lang="en-US"/>
           </a:p>
@@ -8364,7 +7247,7 @@
           <a:p>
             <a:fld id="{59C7C267-A324-43B7-A9CD-5E98CD661245}" type="datetimeFigureOut">
               <a:rPr lang="en-US" smtClean="0"/>
-              <a:t>5/3/2018</a:t>
+              <a:t>5/4/2018</a:t>
             </a:fld>
             <a:endParaRPr lang="en-US"/>
           </a:p>
@@ -8742,7 +7625,7 @@
           <a:p>
             <a:fld id="{59C7C267-A324-43B7-A9CD-5E98CD661245}" type="datetimeFigureOut">
               <a:rPr lang="en-US" smtClean="0"/>
-              <a:t>5/3/2018</a:t>
+              <a:t>5/4/2018</a:t>
             </a:fld>
             <a:endParaRPr lang="en-US"/>
           </a:p>
@@ -8892,7 +7775,7 @@
           <a:p>
             <a:fld id="{59C7C267-A324-43B7-A9CD-5E98CD661245}" type="datetimeFigureOut">
               <a:rPr lang="en-US" smtClean="0"/>
-              <a:t>5/3/2018</a:t>
+              <a:t>5/4/2018</a:t>
             </a:fld>
             <a:endParaRPr lang="en-US"/>
           </a:p>
@@ -8982,7 +7865,7 @@
           <a:p>
             <a:fld id="{59C7C267-A324-43B7-A9CD-5E98CD661245}" type="datetimeFigureOut">
               <a:rPr lang="en-US" smtClean="0"/>
-              <a:t>5/3/2018</a:t>
+              <a:t>5/4/2018</a:t>
             </a:fld>
             <a:endParaRPr lang="en-US"/>
           </a:p>
@@ -9243,7 +8126,7 @@
           <a:p>
             <a:fld id="{59C7C267-A324-43B7-A9CD-5E98CD661245}" type="datetimeFigureOut">
               <a:rPr lang="en-US" smtClean="0"/>
-              <a:t>5/3/2018</a:t>
+              <a:t>5/4/2018</a:t>
             </a:fld>
             <a:endParaRPr lang="en-US"/>
           </a:p>
@@ -9531,7 +8414,7 @@
           <a:p>
             <a:fld id="{59C7C267-A324-43B7-A9CD-5E98CD661245}" type="datetimeFigureOut">
               <a:rPr lang="en-US" smtClean="0"/>
-              <a:t>5/3/2018</a:t>
+              <a:t>5/4/2018</a:t>
             </a:fld>
             <a:endParaRPr lang="en-US"/>
           </a:p>
@@ -10302,7 +9185,7 @@
           <a:p>
             <a:fld id="{59C7C267-A324-43B7-A9CD-5E98CD661245}" type="datetimeFigureOut">
               <a:rPr lang="en-US" smtClean="0"/>
-              <a:t>5/3/2018</a:t>
+              <a:t>5/4/2018</a:t>
             </a:fld>
             <a:endParaRPr lang="en-US"/>
           </a:p>
@@ -10969,7 +9852,7 @@
           <p:cNvPr id="4" name="內容版面配置區 4">
             <a:extLst>
               <a:ext uri="{FF2B5EF4-FFF2-40B4-BE49-F238E27FC236}">
-                <a16:creationId xmlns:a16="http://schemas.microsoft.com/office/drawing/2014/main" xmlns="" id="{8FB782CE-E1FB-452F-92E3-0D7D50756DED}"/>
+                <a16:creationId xmlns="" xmlns:a16="http://schemas.microsoft.com/office/drawing/2014/main" id="{8FB782CE-E1FB-452F-92E3-0D7D50756DED}"/>
               </a:ext>
             </a:extLst>
           </p:cNvPr>
@@ -11073,7 +9956,7 @@
           <p:cNvPr id="14" name="Content Placeholder 2">
             <a:extLst>
               <a:ext uri="{FF2B5EF4-FFF2-40B4-BE49-F238E27FC236}">
-                <a16:creationId xmlns:a16="http://schemas.microsoft.com/office/drawing/2014/main" xmlns="" id="{57A3AA4E-E166-40C8-8212-15C07AA30DD9}"/>
+                <a16:creationId xmlns="" xmlns:a16="http://schemas.microsoft.com/office/drawing/2014/main" id="{57A3AA4E-E166-40C8-8212-15C07AA30DD9}"/>
               </a:ext>
             </a:extLst>
           </p:cNvPr>
@@ -11142,7 +10025,7 @@
           <p:cNvPr id="25" name="Rectangle 20">
             <a:extLst>
               <a:ext uri="{FF2B5EF4-FFF2-40B4-BE49-F238E27FC236}">
-                <a16:creationId xmlns:a16="http://schemas.microsoft.com/office/drawing/2014/main" xmlns="" id="{A3322B77-FA16-4D4E-BAA6-811C61DB3E85}"/>
+                <a16:creationId xmlns="" xmlns:a16="http://schemas.microsoft.com/office/drawing/2014/main" id="{A3322B77-FA16-4D4E-BAA6-811C61DB3E85}"/>
               </a:ext>
             </a:extLst>
           </p:cNvPr>
@@ -11152,7 +10035,7 @@
           <p:nvPr>
             <p:extLst>
               <p:ext uri="{386F3935-93C4-4BCD-93E2-E3B085C9AB24}">
-                <p16:designElem xmlns:p16="http://schemas.microsoft.com/office/powerpoint/2015/main" xmlns="" val="1"/>
+                <p16:designElem xmlns="" xmlns:p16="http://schemas.microsoft.com/office/powerpoint/2015/main" val="1"/>
               </p:ext>
             </p:extLst>
           </p:nvPr>
@@ -11199,7 +10082,7 @@
           <p:cNvPr id="26" name="Freeform: Shape 22">
             <a:extLst>
               <a:ext uri="{FF2B5EF4-FFF2-40B4-BE49-F238E27FC236}">
-                <a16:creationId xmlns:a16="http://schemas.microsoft.com/office/drawing/2014/main" xmlns="" id="{CA6EF34F-3BAD-4CD8-B05E-03BA773AE864}"/>
+                <a16:creationId xmlns="" xmlns:a16="http://schemas.microsoft.com/office/drawing/2014/main" id="{CA6EF34F-3BAD-4CD8-B05E-03BA773AE864}"/>
               </a:ext>
             </a:extLst>
           </p:cNvPr>
@@ -11209,7 +10092,7 @@
           <p:nvPr>
             <p:extLst>
               <p:ext uri="{386F3935-93C4-4BCD-93E2-E3B085C9AB24}">
-                <p16:designElem xmlns:p16="http://schemas.microsoft.com/office/powerpoint/2015/main" xmlns="" val="1"/>
+                <p16:designElem xmlns="" xmlns:p16="http://schemas.microsoft.com/office/powerpoint/2015/main" val="1"/>
               </p:ext>
             </p:extLst>
           </p:nvPr>
@@ -11417,7 +10300,7 @@
           <p:cNvPr id="16" name="Content Placeholder 2">
             <a:extLst>
               <a:ext uri="{FF2B5EF4-FFF2-40B4-BE49-F238E27FC236}">
-                <a16:creationId xmlns:a16="http://schemas.microsoft.com/office/drawing/2014/main" xmlns="" id="{34CBDB6D-A946-43A9-BD74-F5B356ECCEDC}"/>
+                <a16:creationId xmlns="" xmlns:a16="http://schemas.microsoft.com/office/drawing/2014/main" id="{34CBDB6D-A946-43A9-BD74-F5B356ECCEDC}"/>
               </a:ext>
             </a:extLst>
           </p:cNvPr>
@@ -11938,20 +10821,29 @@
             <a:pPr lvl="1"/>
             <a:r>
               <a:rPr lang="en-CA" dirty="0" smtClean="0"/>
-              <a:t>SQL</a:t>
+              <a:t>Microsoft SQL database</a:t>
             </a:r>
           </a:p>
           <a:p>
             <a:pPr lvl="1"/>
             <a:r>
               <a:rPr lang="en-CA" dirty="0" smtClean="0"/>
-              <a:t>SRV Connection</a:t>
+              <a:t>PHP for reading and writing to </a:t>
             </a:r>
-          </a:p>
-          <a:p>
+            <a:r>
+              <a:rPr lang="en-CA" smtClean="0"/>
+              <a:t>the database.</a:t>
+            </a:r>
+            <a:endParaRPr lang="en-CA" dirty="0"/>
+          </a:p>
+          <a:p>
+            <a:r>
+              <a:rPr lang="en-CA" dirty="0" smtClean="0"/>
+              <a:t>https</a:t>
+            </a:r>
             <a:r>
               <a:rPr lang="en-CA" dirty="0"/>
-              <a:t>https://waterqwiz.azurewebsites.net/</a:t>
+              <a:t>://waterqwiz.azurewebsites.net/</a:t>
             </a:r>
           </a:p>
         </p:txBody>
@@ -12013,7 +10905,7 @@
           <p:cNvPr id="5" name="內容版面配置區 4">
             <a:extLst>
               <a:ext uri="{FF2B5EF4-FFF2-40B4-BE49-F238E27FC236}">
-                <a16:creationId xmlns:a16="http://schemas.microsoft.com/office/drawing/2014/main" xmlns="" id="{8FB782CE-E1FB-452F-92E3-0D7D50756DED}"/>
+                <a16:creationId xmlns="" xmlns:a16="http://schemas.microsoft.com/office/drawing/2014/main" id="{8FB782CE-E1FB-452F-92E3-0D7D50756DED}"/>
               </a:ext>
             </a:extLst>
           </p:cNvPr>

--- a/Wasted Water Quiz.pptx
+++ b/Wasted Water Quiz.pptx
@@ -8,12 +8,11 @@
     <p:sldId id="256" r:id="rId2"/>
     <p:sldId id="263" r:id="rId3"/>
     <p:sldId id="265" r:id="rId4"/>
-    <p:sldId id="271" r:id="rId5"/>
-    <p:sldId id="270" r:id="rId6"/>
-    <p:sldId id="267" r:id="rId7"/>
-    <p:sldId id="268" r:id="rId8"/>
-    <p:sldId id="269" r:id="rId9"/>
-    <p:sldId id="262" r:id="rId10"/>
+    <p:sldId id="272" r:id="rId5"/>
+    <p:sldId id="271" r:id="rId6"/>
+    <p:sldId id="270" r:id="rId7"/>
+    <p:sldId id="267" r:id="rId8"/>
+    <p:sldId id="262" r:id="rId9"/>
   </p:sldIdLst>
   <p:sldSz cx="9144000" cy="6858000" type="screen4x3"/>
   <p:notesSz cx="6858000" cy="9144000"/>
@@ -114,7 +113,7 @@
   </p:defaultTextStyle>
   <p:extLst>
     <p:ext uri="{EFAFB233-063F-42B5-8137-9DF3F51BA10A}">
-      <p15:sldGuideLst xmlns:p15="http://schemas.microsoft.com/office/powerpoint/2012/main">
+      <p15:sldGuideLst xmlns:p15="http://schemas.microsoft.com/office/powerpoint/2012/main" xmlns="">
         <p15:guide id="1" orient="horz" pos="2160">
           <p15:clr>
             <a:srgbClr val="A4A3A4"/>
@@ -1850,9 +1849,10 @@
         <a:lstStyle/>
         <a:p>
           <a:r>
-            <a:rPr lang="en-US" dirty="0"/>
-            <a:t>Scrum</a:t>
+            <a:rPr lang="en-US" dirty="0" smtClean="0"/>
+            <a:t>Demo</a:t>
           </a:r>
+          <a:endParaRPr lang="en-US" dirty="0"/>
         </a:p>
       </dgm:t>
     </dgm:pt>
@@ -1868,42 +1868,6 @@
       </dgm:t>
     </dgm:pt>
     <dgm:pt modelId="{FD73C98F-7CDB-4BA8-AF87-EB6441555EB6}" type="sibTrans" cxnId="{047C5288-30BC-4B41-BF5D-9664B414BAAA}">
-      <dgm:prSet/>
-      <dgm:spPr/>
-      <dgm:t>
-        <a:bodyPr/>
-        <a:lstStyle/>
-        <a:p>
-          <a:endParaRPr lang="en-US"/>
-        </a:p>
-      </dgm:t>
-    </dgm:pt>
-    <dgm:pt modelId="{288F703F-6FCA-4054-95A5-05AF09B5C609}">
-      <dgm:prSet/>
-      <dgm:spPr/>
-      <dgm:t>
-        <a:bodyPr/>
-        <a:lstStyle/>
-        <a:p>
-          <a:r>
-            <a:rPr lang="en-US" dirty="0"/>
-            <a:t>Database</a:t>
-          </a:r>
-        </a:p>
-      </dgm:t>
-    </dgm:pt>
-    <dgm:pt modelId="{7EE0D5A3-9CDF-437D-8509-B00AE9149B55}" type="parTrans" cxnId="{A0EA691B-DD78-4BDC-A054-4C5FE133D3A5}">
-      <dgm:prSet/>
-      <dgm:spPr/>
-      <dgm:t>
-        <a:bodyPr/>
-        <a:lstStyle/>
-        <a:p>
-          <a:endParaRPr lang="en-US"/>
-        </a:p>
-      </dgm:t>
-    </dgm:pt>
-    <dgm:pt modelId="{5435BE82-B4B4-4A1F-904F-74091A556665}" type="sibTrans" cxnId="{A0EA691B-DD78-4BDC-A054-4C5FE133D3A5}">
       <dgm:prSet/>
       <dgm:spPr/>
       <dgm:t>
@@ -1950,22 +1914,14 @@
         </a:p>
       </dgm:t>
     </dgm:pt>
-    <dgm:pt modelId="{CD21134F-6B83-46CB-87A9-37E7941873B8}">
-      <dgm:prSet/>
-      <dgm:spPr/>
-      <dgm:t>
-        <a:bodyPr/>
-        <a:lstStyle/>
-        <a:p>
-          <a:r>
-            <a:rPr lang="en-US" dirty="0"/>
-            <a:t>Hosting</a:t>
-          </a:r>
-        </a:p>
-      </dgm:t>
-    </dgm:pt>
-    <dgm:pt modelId="{DC15F982-2B44-4FC1-878C-DBBDB38A84A2}" type="parTrans" cxnId="{4A293171-3F7B-4CBA-9D55-94AE780628E1}">
-      <dgm:prSet/>
+    <dgm:pt modelId="{91CD5485-F150-D043-ADE0-19D754122003}" type="pres">
+      <dgm:prSet presAssocID="{04949050-BC41-45B2-BFD8-75D7D869405A}" presName="vert0" presStyleCnt="0">
+        <dgm:presLayoutVars>
+          <dgm:dir/>
+          <dgm:animOne val="branch"/>
+          <dgm:animLvl val="lvl"/>
+        </dgm:presLayoutVars>
+      </dgm:prSet>
       <dgm:spPr/>
       <dgm:t>
         <a:bodyPr/>
@@ -1975,8 +1931,16 @@
         </a:p>
       </dgm:t>
     </dgm:pt>
-    <dgm:pt modelId="{59EE8930-CFBF-4176-95EA-2516EFF3B753}" type="sibTrans" cxnId="{4A293171-3F7B-4CBA-9D55-94AE780628E1}">
-      <dgm:prSet/>
+    <dgm:pt modelId="{A49CD074-082E-BD4C-9396-5C88C70718B7}" type="pres">
+      <dgm:prSet presAssocID="{E98FA150-5339-4814-8FE1-20C02AFD87F8}" presName="thickLine" presStyleLbl="alignNode1" presStyleIdx="0" presStyleCnt="5"/>
+      <dgm:spPr/>
+    </dgm:pt>
+    <dgm:pt modelId="{E4C083C5-A6EA-BD4C-84C4-9A1B7FA48809}" type="pres">
+      <dgm:prSet presAssocID="{E98FA150-5339-4814-8FE1-20C02AFD87F8}" presName="horz1" presStyleCnt="0"/>
+      <dgm:spPr/>
+    </dgm:pt>
+    <dgm:pt modelId="{01539F69-3534-0C4E-9A6C-7977836A6A5C}" type="pres">
+      <dgm:prSet presAssocID="{E98FA150-5339-4814-8FE1-20C02AFD87F8}" presName="tx1" presStyleLbl="revTx" presStyleIdx="0" presStyleCnt="5"/>
       <dgm:spPr/>
       <dgm:t>
         <a:bodyPr/>
@@ -1986,34 +1950,12 @@
         </a:p>
       </dgm:t>
     </dgm:pt>
-    <dgm:pt modelId="{91CD5485-F150-D043-ADE0-19D754122003}" type="pres">
-      <dgm:prSet presAssocID="{04949050-BC41-45B2-BFD8-75D7D869405A}" presName="vert0" presStyleCnt="0">
-        <dgm:presLayoutVars>
-          <dgm:dir/>
-          <dgm:animOne val="branch"/>
-          <dgm:animLvl val="lvl"/>
-        </dgm:presLayoutVars>
-      </dgm:prSet>
-      <dgm:spPr/>
-    </dgm:pt>
-    <dgm:pt modelId="{A49CD074-082E-BD4C-9396-5C88C70718B7}" type="pres">
-      <dgm:prSet presAssocID="{E98FA150-5339-4814-8FE1-20C02AFD87F8}" presName="thickLine" presStyleLbl="alignNode1" presStyleIdx="0" presStyleCnt="7"/>
-      <dgm:spPr/>
-    </dgm:pt>
-    <dgm:pt modelId="{E4C083C5-A6EA-BD4C-84C4-9A1B7FA48809}" type="pres">
-      <dgm:prSet presAssocID="{E98FA150-5339-4814-8FE1-20C02AFD87F8}" presName="horz1" presStyleCnt="0"/>
-      <dgm:spPr/>
-    </dgm:pt>
-    <dgm:pt modelId="{01539F69-3534-0C4E-9A6C-7977836A6A5C}" type="pres">
-      <dgm:prSet presAssocID="{E98FA150-5339-4814-8FE1-20C02AFD87F8}" presName="tx1" presStyleLbl="revTx" presStyleIdx="0" presStyleCnt="7"/>
-      <dgm:spPr/>
-    </dgm:pt>
     <dgm:pt modelId="{458492FC-6E49-1C4B-BCA7-AF3A40186A1C}" type="pres">
       <dgm:prSet presAssocID="{E98FA150-5339-4814-8FE1-20C02AFD87F8}" presName="vert1" presStyleCnt="0"/>
       <dgm:spPr/>
     </dgm:pt>
     <dgm:pt modelId="{3C841FB7-219B-C944-8CDE-437716CD15E5}" type="pres">
-      <dgm:prSet presAssocID="{59057BDD-BB04-426B-AA09-C0F34A718B5C}" presName="thickLine" presStyleLbl="alignNode1" presStyleIdx="1" presStyleCnt="7"/>
+      <dgm:prSet presAssocID="{59057BDD-BB04-426B-AA09-C0F34A718B5C}" presName="thickLine" presStyleLbl="alignNode1" presStyleIdx="1" presStyleCnt="5"/>
       <dgm:spPr/>
     </dgm:pt>
     <dgm:pt modelId="{AF993FBB-D65B-DB4E-95D2-B590CCEAEB90}" type="pres">
@@ -2021,15 +1963,22 @@
       <dgm:spPr/>
     </dgm:pt>
     <dgm:pt modelId="{CBB3AF93-5C4F-5446-B8CA-CA95CA2FD835}" type="pres">
-      <dgm:prSet presAssocID="{59057BDD-BB04-426B-AA09-C0F34A718B5C}" presName="tx1" presStyleLbl="revTx" presStyleIdx="1" presStyleCnt="7"/>
+      <dgm:prSet presAssocID="{59057BDD-BB04-426B-AA09-C0F34A718B5C}" presName="tx1" presStyleLbl="revTx" presStyleIdx="1" presStyleCnt="5"/>
       <dgm:spPr/>
+      <dgm:t>
+        <a:bodyPr/>
+        <a:lstStyle/>
+        <a:p>
+          <a:endParaRPr lang="en-CA"/>
+        </a:p>
+      </dgm:t>
     </dgm:pt>
     <dgm:pt modelId="{92D9A66C-1A62-7943-B0A2-4ED5778E042E}" type="pres">
       <dgm:prSet presAssocID="{59057BDD-BB04-426B-AA09-C0F34A718B5C}" presName="vert1" presStyleCnt="0"/>
       <dgm:spPr/>
     </dgm:pt>
     <dgm:pt modelId="{8463D5D5-B945-A745-AF01-54BE1CC0DF37}" type="pres">
-      <dgm:prSet presAssocID="{C88E755F-C08D-48EA-85AD-3DF0C77937DF}" presName="thickLine" presStyleLbl="alignNode1" presStyleIdx="2" presStyleCnt="7"/>
+      <dgm:prSet presAssocID="{C88E755F-C08D-48EA-85AD-3DF0C77937DF}" presName="thickLine" presStyleLbl="alignNode1" presStyleIdx="2" presStyleCnt="5"/>
       <dgm:spPr/>
     </dgm:pt>
     <dgm:pt modelId="{F17E259D-AFAC-5C41-9D60-DE70CEB96282}" type="pres">
@@ -2037,15 +1986,22 @@
       <dgm:spPr/>
     </dgm:pt>
     <dgm:pt modelId="{7AE9FC42-9157-7849-B8B0-B8E92C7EB364}" type="pres">
-      <dgm:prSet presAssocID="{C88E755F-C08D-48EA-85AD-3DF0C77937DF}" presName="tx1" presStyleLbl="revTx" presStyleIdx="2" presStyleCnt="7"/>
+      <dgm:prSet presAssocID="{C88E755F-C08D-48EA-85AD-3DF0C77937DF}" presName="tx1" presStyleLbl="revTx" presStyleIdx="2" presStyleCnt="5"/>
       <dgm:spPr/>
+      <dgm:t>
+        <a:bodyPr/>
+        <a:lstStyle/>
+        <a:p>
+          <a:endParaRPr lang="en-CA"/>
+        </a:p>
+      </dgm:t>
     </dgm:pt>
     <dgm:pt modelId="{96810E07-1C6F-DD45-9E51-CFD5FE0225B2}" type="pres">
       <dgm:prSet presAssocID="{C88E755F-C08D-48EA-85AD-3DF0C77937DF}" presName="vert1" presStyleCnt="0"/>
       <dgm:spPr/>
     </dgm:pt>
     <dgm:pt modelId="{803C4B3A-C34F-E242-97BA-4F5566F5D147}" type="pres">
-      <dgm:prSet presAssocID="{B42F8499-A3AC-45C6-A135-DA69F157F0E8}" presName="thickLine" presStyleLbl="alignNode1" presStyleIdx="3" presStyleCnt="7"/>
+      <dgm:prSet presAssocID="{B42F8499-A3AC-45C6-A135-DA69F157F0E8}" presName="thickLine" presStyleLbl="alignNode1" presStyleIdx="3" presStyleCnt="5"/>
       <dgm:spPr/>
     </dgm:pt>
     <dgm:pt modelId="{0A0BCF0B-7F37-8C4C-B1ED-79AC6B125CD9}" type="pres">
@@ -2053,47 +2009,22 @@
       <dgm:spPr/>
     </dgm:pt>
     <dgm:pt modelId="{BB9D75FB-A306-F24F-A15F-9BB3E204E0A9}" type="pres">
-      <dgm:prSet presAssocID="{B42F8499-A3AC-45C6-A135-DA69F157F0E8}" presName="tx1" presStyleLbl="revTx" presStyleIdx="3" presStyleCnt="7"/>
+      <dgm:prSet presAssocID="{B42F8499-A3AC-45C6-A135-DA69F157F0E8}" presName="tx1" presStyleLbl="revTx" presStyleIdx="3" presStyleCnt="5"/>
       <dgm:spPr/>
+      <dgm:t>
+        <a:bodyPr/>
+        <a:lstStyle/>
+        <a:p>
+          <a:endParaRPr lang="en-CA"/>
+        </a:p>
+      </dgm:t>
     </dgm:pt>
     <dgm:pt modelId="{A099E14D-D1D1-5747-9DBE-24A4EE0E82CA}" type="pres">
       <dgm:prSet presAssocID="{B42F8499-A3AC-45C6-A135-DA69F157F0E8}" presName="vert1" presStyleCnt="0"/>
       <dgm:spPr/>
     </dgm:pt>
-    <dgm:pt modelId="{CC735D8E-C36B-6F47-8A0A-F18D17AB6D0D}" type="pres">
-      <dgm:prSet presAssocID="{288F703F-6FCA-4054-95A5-05AF09B5C609}" presName="thickLine" presStyleLbl="alignNode1" presStyleIdx="4" presStyleCnt="7"/>
-      <dgm:spPr/>
-    </dgm:pt>
-    <dgm:pt modelId="{8BA02731-D85A-FC4B-B9F4-11056AEDCE8D}" type="pres">
-      <dgm:prSet presAssocID="{288F703F-6FCA-4054-95A5-05AF09B5C609}" presName="horz1" presStyleCnt="0"/>
-      <dgm:spPr/>
-    </dgm:pt>
-    <dgm:pt modelId="{9322DCD7-A23F-6D45-B861-B8C337B5E0CB}" type="pres">
-      <dgm:prSet presAssocID="{288F703F-6FCA-4054-95A5-05AF09B5C609}" presName="tx1" presStyleLbl="revTx" presStyleIdx="4" presStyleCnt="7"/>
-      <dgm:spPr/>
-    </dgm:pt>
-    <dgm:pt modelId="{9C4DDDE7-8997-4246-AD19-305DDB2D37CD}" type="pres">
-      <dgm:prSet presAssocID="{288F703F-6FCA-4054-95A5-05AF09B5C609}" presName="vert1" presStyleCnt="0"/>
-      <dgm:spPr/>
-    </dgm:pt>
-    <dgm:pt modelId="{F7C221DE-A05D-41E8-ADB7-09B55969452C}" type="pres">
-      <dgm:prSet presAssocID="{CD21134F-6B83-46CB-87A9-37E7941873B8}" presName="thickLine" presStyleLbl="alignNode1" presStyleIdx="5" presStyleCnt="7"/>
-      <dgm:spPr/>
-    </dgm:pt>
-    <dgm:pt modelId="{2F0351E9-F846-4ED1-8A61-E749EE275E18}" type="pres">
-      <dgm:prSet presAssocID="{CD21134F-6B83-46CB-87A9-37E7941873B8}" presName="horz1" presStyleCnt="0"/>
-      <dgm:spPr/>
-    </dgm:pt>
-    <dgm:pt modelId="{0A718A93-1491-48F1-A6CD-C3B42D68594F}" type="pres">
-      <dgm:prSet presAssocID="{CD21134F-6B83-46CB-87A9-37E7941873B8}" presName="tx1" presStyleLbl="revTx" presStyleIdx="5" presStyleCnt="7"/>
-      <dgm:spPr/>
-    </dgm:pt>
-    <dgm:pt modelId="{3CEB2181-D820-43C3-888D-C1A16FAAEBCC}" type="pres">
-      <dgm:prSet presAssocID="{CD21134F-6B83-46CB-87A9-37E7941873B8}" presName="vert1" presStyleCnt="0"/>
-      <dgm:spPr/>
-    </dgm:pt>
     <dgm:pt modelId="{EDD1787A-0296-3748-AACA-61FDF323402D}" type="pres">
-      <dgm:prSet presAssocID="{AA76D586-0015-4FA1-87BD-54FD594C14D2}" presName="thickLine" presStyleLbl="alignNode1" presStyleIdx="6" presStyleCnt="7"/>
+      <dgm:prSet presAssocID="{AA76D586-0015-4FA1-87BD-54FD594C14D2}" presName="thickLine" presStyleLbl="alignNode1" presStyleIdx="4" presStyleCnt="5"/>
       <dgm:spPr/>
     </dgm:pt>
     <dgm:pt modelId="{CBE121D2-CD0A-B74B-90ED-BF795CDCEDA6}" type="pres">
@@ -2101,8 +2032,15 @@
       <dgm:spPr/>
     </dgm:pt>
     <dgm:pt modelId="{DB6D5F9D-02BF-1746-953C-89A15CB67224}" type="pres">
-      <dgm:prSet presAssocID="{AA76D586-0015-4FA1-87BD-54FD594C14D2}" presName="tx1" presStyleLbl="revTx" presStyleIdx="6" presStyleCnt="7"/>
+      <dgm:prSet presAssocID="{AA76D586-0015-4FA1-87BD-54FD594C14D2}" presName="tx1" presStyleLbl="revTx" presStyleIdx="4" presStyleCnt="5"/>
       <dgm:spPr/>
+      <dgm:t>
+        <a:bodyPr/>
+        <a:lstStyle/>
+        <a:p>
+          <a:endParaRPr lang="en-CA"/>
+        </a:p>
+      </dgm:t>
     </dgm:pt>
     <dgm:pt modelId="{D9DCCB30-16A7-6741-9852-88191878C754}" type="pres">
       <dgm:prSet presAssocID="{AA76D586-0015-4FA1-87BD-54FD594C14D2}" presName="vert1" presStyleCnt="0"/>
@@ -2110,21 +2048,17 @@
     </dgm:pt>
   </dgm:ptLst>
   <dgm:cxnLst>
+    <dgm:cxn modelId="{047C5288-30BC-4B41-BF5D-9664B414BAAA}" srcId="{04949050-BC41-45B2-BFD8-75D7D869405A}" destId="{B42F8499-A3AC-45C6-A135-DA69F157F0E8}" srcOrd="3" destOrd="0" parTransId="{DCD80B09-BD6E-4495-8DEC-30CBEA5059CB}" sibTransId="{FD73C98F-7CDB-4BA8-AF87-EB6441555EB6}"/>
+    <dgm:cxn modelId="{CE15AC40-8A07-C74D-859B-7A258DCCB7E2}" type="presOf" srcId="{B42F8499-A3AC-45C6-A135-DA69F157F0E8}" destId="{BB9D75FB-A306-F24F-A15F-9BB3E204E0A9}" srcOrd="0" destOrd="0" presId="urn:microsoft.com/office/officeart/2008/layout/LinedList"/>
     <dgm:cxn modelId="{C1B29806-9826-1145-AD5D-C127BAA2DDF8}" type="presOf" srcId="{E98FA150-5339-4814-8FE1-20C02AFD87F8}" destId="{01539F69-3534-0C4E-9A6C-7977836A6A5C}" srcOrd="0" destOrd="0" presId="urn:microsoft.com/office/officeart/2008/layout/LinedList"/>
-    <dgm:cxn modelId="{44F86215-31DC-4457-B9F0-05C9DFBC60D6}" type="presOf" srcId="{CD21134F-6B83-46CB-87A9-37E7941873B8}" destId="{0A718A93-1491-48F1-A6CD-C3B42D68594F}" srcOrd="0" destOrd="0" presId="urn:microsoft.com/office/officeart/2008/layout/LinedList"/>
-    <dgm:cxn modelId="{A0EA691B-DD78-4BDC-A054-4C5FE133D3A5}" srcId="{04949050-BC41-45B2-BFD8-75D7D869405A}" destId="{288F703F-6FCA-4054-95A5-05AF09B5C609}" srcOrd="4" destOrd="0" parTransId="{7EE0D5A3-9CDF-437D-8509-B00AE9149B55}" sibTransId="{5435BE82-B4B4-4A1F-904F-74091A556665}"/>
+    <dgm:cxn modelId="{4D0F1480-02CC-4544-82C8-85683999A835}" srcId="{04949050-BC41-45B2-BFD8-75D7D869405A}" destId="{E98FA150-5339-4814-8FE1-20C02AFD87F8}" srcOrd="0" destOrd="0" parTransId="{17EBE2F3-4ADF-492B-82D8-8376052D645B}" sibTransId="{69635EA2-533D-49D0-93AD-BFA72BED5F45}"/>
+    <dgm:cxn modelId="{751E7E60-E5F8-774A-8FE0-D99A3F6FCEA1}" type="presOf" srcId="{04949050-BC41-45B2-BFD8-75D7D869405A}" destId="{91CD5485-F150-D043-ADE0-19D754122003}" srcOrd="0" destOrd="0" presId="urn:microsoft.com/office/officeart/2008/layout/LinedList"/>
+    <dgm:cxn modelId="{A995CB59-D8CC-1247-A9B5-B4BCB8AF6F89}" type="presOf" srcId="{59057BDD-BB04-426B-AA09-C0F34A718B5C}" destId="{CBB3AF93-5C4F-5446-B8CA-CA95CA2FD835}" srcOrd="0" destOrd="0" presId="urn:microsoft.com/office/officeart/2008/layout/LinedList"/>
+    <dgm:cxn modelId="{527AAE99-54F2-BA42-9425-639CFC3C6BF7}" type="presOf" srcId="{AA76D586-0015-4FA1-87BD-54FD594C14D2}" destId="{DB6D5F9D-02BF-1746-953C-89A15CB67224}" srcOrd="0" destOrd="0" presId="urn:microsoft.com/office/officeart/2008/layout/LinedList"/>
+    <dgm:cxn modelId="{672CAC29-C623-47A9-A657-91C7520E4068}" srcId="{04949050-BC41-45B2-BFD8-75D7D869405A}" destId="{59057BDD-BB04-426B-AA09-C0F34A718B5C}" srcOrd="1" destOrd="0" parTransId="{489D992C-06D1-49AF-AA4A-9B129B026805}" sibTransId="{365D6A6D-1909-4179-A1AC-38BB696206B3}"/>
+    <dgm:cxn modelId="{8BC11DFA-D1FB-794C-9938-A7A4231DE06A}" type="presOf" srcId="{C88E755F-C08D-48EA-85AD-3DF0C77937DF}" destId="{7AE9FC42-9157-7849-B8B0-B8E92C7EB364}" srcOrd="0" destOrd="0" presId="urn:microsoft.com/office/officeart/2008/layout/LinedList"/>
     <dgm:cxn modelId="{ADDD9E1F-7F7B-4085-83D4-568FF8C13926}" srcId="{04949050-BC41-45B2-BFD8-75D7D869405A}" destId="{C88E755F-C08D-48EA-85AD-3DF0C77937DF}" srcOrd="2" destOrd="0" parTransId="{B2E6AE8C-C9C3-415B-ABC8-0A7B18DC48C9}" sibTransId="{C6CF371A-1A12-4380-905F-1886F8DEB5CE}"/>
-    <dgm:cxn modelId="{672CAC29-C623-47A9-A657-91C7520E4068}" srcId="{04949050-BC41-45B2-BFD8-75D7D869405A}" destId="{59057BDD-BB04-426B-AA09-C0F34A718B5C}" srcOrd="1" destOrd="0" parTransId="{489D992C-06D1-49AF-AA4A-9B129B026805}" sibTransId="{365D6A6D-1909-4179-A1AC-38BB696206B3}"/>
-    <dgm:cxn modelId="{CE15AC40-8A07-C74D-859B-7A258DCCB7E2}" type="presOf" srcId="{B42F8499-A3AC-45C6-A135-DA69F157F0E8}" destId="{BB9D75FB-A306-F24F-A15F-9BB3E204E0A9}" srcOrd="0" destOrd="0" presId="urn:microsoft.com/office/officeart/2008/layout/LinedList"/>
-    <dgm:cxn modelId="{A995CB59-D8CC-1247-A9B5-B4BCB8AF6F89}" type="presOf" srcId="{59057BDD-BB04-426B-AA09-C0F34A718B5C}" destId="{CBB3AF93-5C4F-5446-B8CA-CA95CA2FD835}" srcOrd="0" destOrd="0" presId="urn:microsoft.com/office/officeart/2008/layout/LinedList"/>
-    <dgm:cxn modelId="{751E7E60-E5F8-774A-8FE0-D99A3F6FCEA1}" type="presOf" srcId="{04949050-BC41-45B2-BFD8-75D7D869405A}" destId="{91CD5485-F150-D043-ADE0-19D754122003}" srcOrd="0" destOrd="0" presId="urn:microsoft.com/office/officeart/2008/layout/LinedList"/>
-    <dgm:cxn modelId="{4A293171-3F7B-4CBA-9D55-94AE780628E1}" srcId="{04949050-BC41-45B2-BFD8-75D7D869405A}" destId="{CD21134F-6B83-46CB-87A9-37E7941873B8}" srcOrd="5" destOrd="0" parTransId="{DC15F982-2B44-4FC1-878C-DBBDB38A84A2}" sibTransId="{59EE8930-CFBF-4176-95EA-2516EFF3B753}"/>
-    <dgm:cxn modelId="{4D0F1480-02CC-4544-82C8-85683999A835}" srcId="{04949050-BC41-45B2-BFD8-75D7D869405A}" destId="{E98FA150-5339-4814-8FE1-20C02AFD87F8}" srcOrd="0" destOrd="0" parTransId="{17EBE2F3-4ADF-492B-82D8-8376052D645B}" sibTransId="{69635EA2-533D-49D0-93AD-BFA72BED5F45}"/>
-    <dgm:cxn modelId="{047C5288-30BC-4B41-BF5D-9664B414BAAA}" srcId="{04949050-BC41-45B2-BFD8-75D7D869405A}" destId="{B42F8499-A3AC-45C6-A135-DA69F157F0E8}" srcOrd="3" destOrd="0" parTransId="{DCD80B09-BD6E-4495-8DEC-30CBEA5059CB}" sibTransId="{FD73C98F-7CDB-4BA8-AF87-EB6441555EB6}"/>
-    <dgm:cxn modelId="{527AAE99-54F2-BA42-9425-639CFC3C6BF7}" type="presOf" srcId="{AA76D586-0015-4FA1-87BD-54FD594C14D2}" destId="{DB6D5F9D-02BF-1746-953C-89A15CB67224}" srcOrd="0" destOrd="0" presId="urn:microsoft.com/office/officeart/2008/layout/LinedList"/>
-    <dgm:cxn modelId="{E035879F-CD79-0E4F-AEE3-E59D828FFD6C}" type="presOf" srcId="{288F703F-6FCA-4054-95A5-05AF09B5C609}" destId="{9322DCD7-A23F-6D45-B861-B8C337B5E0CB}" srcOrd="0" destOrd="0" presId="urn:microsoft.com/office/officeart/2008/layout/LinedList"/>
-    <dgm:cxn modelId="{81FB04F8-FB27-46ED-89C0-D502A8094611}" srcId="{04949050-BC41-45B2-BFD8-75D7D869405A}" destId="{AA76D586-0015-4FA1-87BD-54FD594C14D2}" srcOrd="6" destOrd="0" parTransId="{2976C8B2-2935-4489-B027-FEAB7411EE2A}" sibTransId="{B406A5FB-F6DE-4D68-89E0-F0678FB38C49}"/>
-    <dgm:cxn modelId="{8BC11DFA-D1FB-794C-9938-A7A4231DE06A}" type="presOf" srcId="{C88E755F-C08D-48EA-85AD-3DF0C77937DF}" destId="{7AE9FC42-9157-7849-B8B0-B8E92C7EB364}" srcOrd="0" destOrd="0" presId="urn:microsoft.com/office/officeart/2008/layout/LinedList"/>
+    <dgm:cxn modelId="{81FB04F8-FB27-46ED-89C0-D502A8094611}" srcId="{04949050-BC41-45B2-BFD8-75D7D869405A}" destId="{AA76D586-0015-4FA1-87BD-54FD594C14D2}" srcOrd="4" destOrd="0" parTransId="{2976C8B2-2935-4489-B027-FEAB7411EE2A}" sibTransId="{B406A5FB-F6DE-4D68-89E0-F0678FB38C49}"/>
     <dgm:cxn modelId="{85BA6A58-8BBA-E44F-8123-FDCB7129FDC9}" type="presParOf" srcId="{91CD5485-F150-D043-ADE0-19D754122003}" destId="{A49CD074-082E-BD4C-9396-5C88C70718B7}" srcOrd="0" destOrd="0" presId="urn:microsoft.com/office/officeart/2008/layout/LinedList"/>
     <dgm:cxn modelId="{94687ADE-E61A-834D-AEE2-66D9B3CD6A07}" type="presParOf" srcId="{91CD5485-F150-D043-ADE0-19D754122003}" destId="{E4C083C5-A6EA-BD4C-84C4-9A1B7FA48809}" srcOrd="1" destOrd="0" presId="urn:microsoft.com/office/officeart/2008/layout/LinedList"/>
     <dgm:cxn modelId="{A9747F18-CDD3-134F-8C91-722AC138422A}" type="presParOf" srcId="{E4C083C5-A6EA-BD4C-84C4-9A1B7FA48809}" destId="{01539F69-3534-0C4E-9A6C-7977836A6A5C}" srcOrd="0" destOrd="0" presId="urn:microsoft.com/office/officeart/2008/layout/LinedList"/>
@@ -2141,16 +2075,8 @@
     <dgm:cxn modelId="{849F954C-46AC-DC4D-9ED1-C56851F814CA}" type="presParOf" srcId="{91CD5485-F150-D043-ADE0-19D754122003}" destId="{0A0BCF0B-7F37-8C4C-B1ED-79AC6B125CD9}" srcOrd="7" destOrd="0" presId="urn:microsoft.com/office/officeart/2008/layout/LinedList"/>
     <dgm:cxn modelId="{F24ABA14-6087-E94A-B91F-0FC30DED94D1}" type="presParOf" srcId="{0A0BCF0B-7F37-8C4C-B1ED-79AC6B125CD9}" destId="{BB9D75FB-A306-F24F-A15F-9BB3E204E0A9}" srcOrd="0" destOrd="0" presId="urn:microsoft.com/office/officeart/2008/layout/LinedList"/>
     <dgm:cxn modelId="{89F9EC97-7035-A645-AB8E-EA6006DF6876}" type="presParOf" srcId="{0A0BCF0B-7F37-8C4C-B1ED-79AC6B125CD9}" destId="{A099E14D-D1D1-5747-9DBE-24A4EE0E82CA}" srcOrd="1" destOrd="0" presId="urn:microsoft.com/office/officeart/2008/layout/LinedList"/>
-    <dgm:cxn modelId="{BE99CEC8-74C8-1348-9D53-E25E9039ED64}" type="presParOf" srcId="{91CD5485-F150-D043-ADE0-19D754122003}" destId="{CC735D8E-C36B-6F47-8A0A-F18D17AB6D0D}" srcOrd="8" destOrd="0" presId="urn:microsoft.com/office/officeart/2008/layout/LinedList"/>
-    <dgm:cxn modelId="{9A31F33A-4F07-F24E-B8E4-75ED3AC42CCE}" type="presParOf" srcId="{91CD5485-F150-D043-ADE0-19D754122003}" destId="{8BA02731-D85A-FC4B-B9F4-11056AEDCE8D}" srcOrd="9" destOrd="0" presId="urn:microsoft.com/office/officeart/2008/layout/LinedList"/>
-    <dgm:cxn modelId="{C4B4EAB5-5E99-0445-9E75-80C70B03A858}" type="presParOf" srcId="{8BA02731-D85A-FC4B-B9F4-11056AEDCE8D}" destId="{9322DCD7-A23F-6D45-B861-B8C337B5E0CB}" srcOrd="0" destOrd="0" presId="urn:microsoft.com/office/officeart/2008/layout/LinedList"/>
-    <dgm:cxn modelId="{97A41717-F654-894A-9AAE-23C78CE15837}" type="presParOf" srcId="{8BA02731-D85A-FC4B-B9F4-11056AEDCE8D}" destId="{9C4DDDE7-8997-4246-AD19-305DDB2D37CD}" srcOrd="1" destOrd="0" presId="urn:microsoft.com/office/officeart/2008/layout/LinedList"/>
-    <dgm:cxn modelId="{52417BAC-5FA1-473F-9220-F6D307FECB8F}" type="presParOf" srcId="{91CD5485-F150-D043-ADE0-19D754122003}" destId="{F7C221DE-A05D-41E8-ADB7-09B55969452C}" srcOrd="10" destOrd="0" presId="urn:microsoft.com/office/officeart/2008/layout/LinedList"/>
-    <dgm:cxn modelId="{AAF1FBF7-7527-4CC0-96D3-44A2F9DF2164}" type="presParOf" srcId="{91CD5485-F150-D043-ADE0-19D754122003}" destId="{2F0351E9-F846-4ED1-8A61-E749EE275E18}" srcOrd="11" destOrd="0" presId="urn:microsoft.com/office/officeart/2008/layout/LinedList"/>
-    <dgm:cxn modelId="{BCCEF3A7-4AD8-4487-B7A8-D6184B10A0C4}" type="presParOf" srcId="{2F0351E9-F846-4ED1-8A61-E749EE275E18}" destId="{0A718A93-1491-48F1-A6CD-C3B42D68594F}" srcOrd="0" destOrd="0" presId="urn:microsoft.com/office/officeart/2008/layout/LinedList"/>
-    <dgm:cxn modelId="{C2DF5CF5-757C-4C93-A5A2-52848BCDACB2}" type="presParOf" srcId="{2F0351E9-F846-4ED1-8A61-E749EE275E18}" destId="{3CEB2181-D820-43C3-888D-C1A16FAAEBCC}" srcOrd="1" destOrd="0" presId="urn:microsoft.com/office/officeart/2008/layout/LinedList"/>
-    <dgm:cxn modelId="{3B19CAFB-90AE-A44A-A36A-05D827C6DC7D}" type="presParOf" srcId="{91CD5485-F150-D043-ADE0-19D754122003}" destId="{EDD1787A-0296-3748-AACA-61FDF323402D}" srcOrd="12" destOrd="0" presId="urn:microsoft.com/office/officeart/2008/layout/LinedList"/>
-    <dgm:cxn modelId="{FF1A99D3-1D67-9040-8021-F545A80D2051}" type="presParOf" srcId="{91CD5485-F150-D043-ADE0-19D754122003}" destId="{CBE121D2-CD0A-B74B-90ED-BF795CDCEDA6}" srcOrd="13" destOrd="0" presId="urn:microsoft.com/office/officeart/2008/layout/LinedList"/>
+    <dgm:cxn modelId="{3B19CAFB-90AE-A44A-A36A-05D827C6DC7D}" type="presParOf" srcId="{91CD5485-F150-D043-ADE0-19D754122003}" destId="{EDD1787A-0296-3748-AACA-61FDF323402D}" srcOrd="8" destOrd="0" presId="urn:microsoft.com/office/officeart/2008/layout/LinedList"/>
+    <dgm:cxn modelId="{FF1A99D3-1D67-9040-8021-F545A80D2051}" type="presParOf" srcId="{91CD5485-F150-D043-ADE0-19D754122003}" destId="{CBE121D2-CD0A-B74B-90ED-BF795CDCEDA6}" srcOrd="9" destOrd="0" presId="urn:microsoft.com/office/officeart/2008/layout/LinedList"/>
     <dgm:cxn modelId="{624AAEAD-BB8A-8E4F-ACEC-FF95563FD3FC}" type="presParOf" srcId="{CBE121D2-CD0A-B74B-90ED-BF795CDCEDA6}" destId="{DB6D5F9D-02BF-1746-953C-89A15CB67224}" srcOrd="0" destOrd="0" presId="urn:microsoft.com/office/officeart/2008/layout/LinedList"/>
     <dgm:cxn modelId="{753B6494-38C8-8841-B770-58C0DBA884B5}" type="presParOf" srcId="{CBE121D2-CD0A-B74B-90ED-BF795CDCEDA6}" destId="{D9DCCB30-16A7-6741-9852-88191878C754}" srcOrd="1" destOrd="0" presId="urn:microsoft.com/office/officeart/2008/layout/LinedList"/>
   </dgm:cxnLst>
@@ -2331,6 +2257,13 @@
         </dgm:presLayoutVars>
       </dgm:prSet>
       <dgm:spPr/>
+      <dgm:t>
+        <a:bodyPr/>
+        <a:lstStyle/>
+        <a:p>
+          <a:endParaRPr lang="en-CA"/>
+        </a:p>
+      </dgm:t>
     </dgm:pt>
     <dgm:pt modelId="{1EC33DDE-4DAC-1145-8AC6-40B71E8FFB52}" type="pres">
       <dgm:prSet presAssocID="{525E5362-F3E0-4733-917E-42C5F9F0456E}" presName="axisShape" presStyleLbl="bgShp" presStyleIdx="0" presStyleCnt="1"/>
@@ -2345,6 +2278,13 @@
         </dgm:presLayoutVars>
       </dgm:prSet>
       <dgm:spPr/>
+      <dgm:t>
+        <a:bodyPr/>
+        <a:lstStyle/>
+        <a:p>
+          <a:endParaRPr lang="en-CA"/>
+        </a:p>
+      </dgm:t>
     </dgm:pt>
     <dgm:pt modelId="{256C400B-89B6-3148-BB93-8B799FCD7E07}" type="pres">
       <dgm:prSet presAssocID="{525E5362-F3E0-4733-917E-42C5F9F0456E}" presName="rect2" presStyleLbl="node1" presStyleIdx="1" presStyleCnt="4">
@@ -2355,6 +2295,13 @@
         </dgm:presLayoutVars>
       </dgm:prSet>
       <dgm:spPr/>
+      <dgm:t>
+        <a:bodyPr/>
+        <a:lstStyle/>
+        <a:p>
+          <a:endParaRPr lang="en-CA"/>
+        </a:p>
+      </dgm:t>
     </dgm:pt>
     <dgm:pt modelId="{B8C21FC4-E4A7-A049-9344-463E3626BBD2}" type="pres">
       <dgm:prSet presAssocID="{525E5362-F3E0-4733-917E-42C5F9F0456E}" presName="rect3" presStyleLbl="node1" presStyleIdx="2" presStyleCnt="4">
@@ -2365,6 +2312,13 @@
         </dgm:presLayoutVars>
       </dgm:prSet>
       <dgm:spPr/>
+      <dgm:t>
+        <a:bodyPr/>
+        <a:lstStyle/>
+        <a:p>
+          <a:endParaRPr lang="en-CA"/>
+        </a:p>
+      </dgm:t>
     </dgm:pt>
     <dgm:pt modelId="{E8D5748A-AD28-CA45-B00B-E12EF9518C10}" type="pres">
       <dgm:prSet presAssocID="{525E5362-F3E0-4733-917E-42C5F9F0456E}" presName="rect4" presStyleLbl="node1" presStyleIdx="3" presStyleCnt="4">
@@ -2375,18 +2329,25 @@
         </dgm:presLayoutVars>
       </dgm:prSet>
       <dgm:spPr/>
+      <dgm:t>
+        <a:bodyPr/>
+        <a:lstStyle/>
+        <a:p>
+          <a:endParaRPr lang="en-CA"/>
+        </a:p>
+      </dgm:t>
     </dgm:pt>
   </dgm:ptLst>
   <dgm:cxnLst>
+    <dgm:cxn modelId="{5471D689-4639-EF43-9D05-C15BA8490A62}" type="presOf" srcId="{ADA20A3D-4B12-4568-91BF-CD3659C20377}" destId="{334C4CFD-303E-3747-B77D-A34B18B91235}" srcOrd="0" destOrd="0" presId="urn:microsoft.com/office/officeart/2005/8/layout/matrix2"/>
+    <dgm:cxn modelId="{52232D42-E242-E946-B8AE-28BB274180B2}" type="presOf" srcId="{B6218AC5-06F4-4F43-9229-417ACE6AF1E1}" destId="{256C400B-89B6-3148-BB93-8B799FCD7E07}" srcOrd="0" destOrd="0" presId="urn:microsoft.com/office/officeart/2005/8/layout/matrix2"/>
+    <dgm:cxn modelId="{9D5421D4-C1B7-4620-B994-00E1627A1C21}" srcId="{525E5362-F3E0-4733-917E-42C5F9F0456E}" destId="{EF2EFCAD-77B7-4298-A872-72815CE0234C}" srcOrd="3" destOrd="0" parTransId="{4A712B39-E2E8-42E3-A553-FE015B435982}" sibTransId="{7B460A25-0457-4E07-914B-18F63B3D4E52}"/>
+    <dgm:cxn modelId="{78B450EE-81D6-D34D-B845-188855DA45B7}" type="presOf" srcId="{91FF5814-BB43-46B7-B22A-CDF058991BC7}" destId="{B8C21FC4-E4A7-A049-9344-463E3626BBD2}" srcOrd="0" destOrd="0" presId="urn:microsoft.com/office/officeart/2005/8/layout/matrix2"/>
     <dgm:cxn modelId="{D828B731-54EE-C24A-883B-D84FFDA86582}" type="presOf" srcId="{525E5362-F3E0-4733-917E-42C5F9F0456E}" destId="{6985B73C-DC15-C24B-9DF4-F06F2E1EDEA4}" srcOrd="0" destOrd="0" presId="urn:microsoft.com/office/officeart/2005/8/layout/matrix2"/>
-    <dgm:cxn modelId="{52232D42-E242-E946-B8AE-28BB274180B2}" type="presOf" srcId="{B6218AC5-06F4-4F43-9229-417ACE6AF1E1}" destId="{256C400B-89B6-3148-BB93-8B799FCD7E07}" srcOrd="0" destOrd="0" presId="urn:microsoft.com/office/officeart/2005/8/layout/matrix2"/>
+    <dgm:cxn modelId="{043547D7-A7ED-42A8-8474-662A81BD62B0}" srcId="{525E5362-F3E0-4733-917E-42C5F9F0456E}" destId="{91FF5814-BB43-46B7-B22A-CDF058991BC7}" srcOrd="2" destOrd="0" parTransId="{123B21AB-5800-401B-97CA-92A436421861}" sibTransId="{A6A75991-C11F-4E2C-8D58-4B87F86E94B9}"/>
+    <dgm:cxn modelId="{E2005A7E-DB6B-864E-8718-DA3E90F9E5F4}" type="presOf" srcId="{EF2EFCAD-77B7-4298-A872-72815CE0234C}" destId="{E8D5748A-AD28-CA45-B00B-E12EF9518C10}" srcOrd="0" destOrd="0" presId="urn:microsoft.com/office/officeart/2005/8/layout/matrix2"/>
+    <dgm:cxn modelId="{48AA7DEA-0AEB-4CBA-A993-72F1008E2CCB}" srcId="{525E5362-F3E0-4733-917E-42C5F9F0456E}" destId="{B6218AC5-06F4-4F43-9229-417ACE6AF1E1}" srcOrd="1" destOrd="0" parTransId="{4C0B58A4-715B-4BEA-A685-62C71E26EA50}" sibTransId="{7916DDAB-76DF-4CF3-8BC6-E2247C6BEBD4}"/>
     <dgm:cxn modelId="{C5D7D854-EB26-4603-AE4B-F1277F97494B}" srcId="{525E5362-F3E0-4733-917E-42C5F9F0456E}" destId="{ADA20A3D-4B12-4568-91BF-CD3659C20377}" srcOrd="0" destOrd="0" parTransId="{F00A17AD-9DF5-4BB2-85CB-242EC849A801}" sibTransId="{378430ED-B090-4EA2-BA6D-511459F509AC}"/>
-    <dgm:cxn modelId="{E2005A7E-DB6B-864E-8718-DA3E90F9E5F4}" type="presOf" srcId="{EF2EFCAD-77B7-4298-A872-72815CE0234C}" destId="{E8D5748A-AD28-CA45-B00B-E12EF9518C10}" srcOrd="0" destOrd="0" presId="urn:microsoft.com/office/officeart/2005/8/layout/matrix2"/>
-    <dgm:cxn modelId="{5471D689-4639-EF43-9D05-C15BA8490A62}" type="presOf" srcId="{ADA20A3D-4B12-4568-91BF-CD3659C20377}" destId="{334C4CFD-303E-3747-B77D-A34B18B91235}" srcOrd="0" destOrd="0" presId="urn:microsoft.com/office/officeart/2005/8/layout/matrix2"/>
-    <dgm:cxn modelId="{9D5421D4-C1B7-4620-B994-00E1627A1C21}" srcId="{525E5362-F3E0-4733-917E-42C5F9F0456E}" destId="{EF2EFCAD-77B7-4298-A872-72815CE0234C}" srcOrd="3" destOrd="0" parTransId="{4A712B39-E2E8-42E3-A553-FE015B435982}" sibTransId="{7B460A25-0457-4E07-914B-18F63B3D4E52}"/>
-    <dgm:cxn modelId="{043547D7-A7ED-42A8-8474-662A81BD62B0}" srcId="{525E5362-F3E0-4733-917E-42C5F9F0456E}" destId="{91FF5814-BB43-46B7-B22A-CDF058991BC7}" srcOrd="2" destOrd="0" parTransId="{123B21AB-5800-401B-97CA-92A436421861}" sibTransId="{A6A75991-C11F-4E2C-8D58-4B87F86E94B9}"/>
-    <dgm:cxn modelId="{48AA7DEA-0AEB-4CBA-A993-72F1008E2CCB}" srcId="{525E5362-F3E0-4733-917E-42C5F9F0456E}" destId="{B6218AC5-06F4-4F43-9229-417ACE6AF1E1}" srcOrd="1" destOrd="0" parTransId="{4C0B58A4-715B-4BEA-A685-62C71E26EA50}" sibTransId="{7916DDAB-76DF-4CF3-8BC6-E2247C6BEBD4}"/>
-    <dgm:cxn modelId="{78B450EE-81D6-D34D-B845-188855DA45B7}" type="presOf" srcId="{91FF5814-BB43-46B7-B22A-CDF058991BC7}" destId="{B8C21FC4-E4A7-A049-9344-463E3626BBD2}" srcOrd="0" destOrd="0" presId="urn:microsoft.com/office/officeart/2005/8/layout/matrix2"/>
     <dgm:cxn modelId="{FED212DC-1B38-B449-95B1-7B8BC18CF4CF}" type="presParOf" srcId="{6985B73C-DC15-C24B-9DF4-F06F2E1EDEA4}" destId="{1EC33DDE-4DAC-1145-8AC6-40B71E8FFB52}" srcOrd="0" destOrd="0" presId="urn:microsoft.com/office/officeart/2005/8/layout/matrix2"/>
     <dgm:cxn modelId="{48791DF7-6A4B-4D4F-A3BA-8F742F7DCE07}" type="presParOf" srcId="{6985B73C-DC15-C24B-9DF4-F06F2E1EDEA4}" destId="{334C4CFD-303E-3747-B77D-A34B18B91235}" srcOrd="1" destOrd="0" presId="urn:microsoft.com/office/officeart/2005/8/layout/matrix2"/>
     <dgm:cxn modelId="{2EBAA3C5-2536-9248-8E85-0B1AD67685B1}" type="presParOf" srcId="{6985B73C-DC15-C24B-9DF4-F06F2E1EDEA4}" destId="{256C400B-89B6-3148-BB93-8B799FCD7E07}" srcOrd="2" destOrd="0" presId="urn:microsoft.com/office/officeart/2005/8/layout/matrix2"/>
@@ -2484,7 +2445,7 @@
       <dsp:spPr>
         <a:xfrm>
           <a:off x="0" y="404"/>
-          <a:ext cx="7915275" cy="472858"/>
+          <a:ext cx="7915275" cy="662001"/>
         </a:xfrm>
         <a:prstGeom prst="rect">
           <a:avLst/>
@@ -2508,12 +2469,12 @@
         <a:fontRef idx="minor"/>
       </dsp:style>
       <dsp:txBody>
-        <a:bodyPr spcFirstLastPara="0" vert="horz" wrap="square" lIns="80010" tIns="80010" rIns="80010" bIns="80010" numCol="1" spcCol="1270" anchor="t" anchorCtr="0">
+        <a:bodyPr spcFirstLastPara="0" vert="horz" wrap="square" lIns="114300" tIns="114300" rIns="114300" bIns="114300" numCol="1" spcCol="1270" anchor="t" anchorCtr="0">
           <a:noAutofit/>
         </a:bodyPr>
         <a:lstStyle/>
         <a:p>
-          <a:pPr marL="0" lvl="0" indent="0" algn="l" defTabSz="933450">
+          <a:pPr lvl="0" algn="l" defTabSz="1333500">
             <a:lnSpc>
               <a:spcPct val="90000"/>
             </a:lnSpc>
@@ -2523,17 +2484,16 @@
             <a:spcAft>
               <a:spcPct val="35000"/>
             </a:spcAft>
-            <a:buNone/>
           </a:pPr>
           <a:r>
-            <a:rPr lang="en-US" sz="2100" kern="1200" dirty="0"/>
+            <a:rPr lang="en-US" sz="3000" kern="1200" dirty="0"/>
             <a:t>Team Members</a:t>
           </a:r>
         </a:p>
       </dsp:txBody>
       <dsp:txXfrm>
         <a:off x="0" y="404"/>
-        <a:ext cx="7915275" cy="472858"/>
+        <a:ext cx="7915275" cy="662001"/>
       </dsp:txXfrm>
     </dsp:sp>
     <dsp:sp modelId="{3C841FB7-219B-C944-8CDE-437716CD15E5}">
@@ -2543,7 +2503,7 @@
       </dsp:nvSpPr>
       <dsp:spPr>
         <a:xfrm>
-          <a:off x="0" y="473262"/>
+          <a:off x="0" y="662405"/>
           <a:ext cx="7915275" cy="0"/>
         </a:xfrm>
         <a:prstGeom prst="line">
@@ -2553,9 +2513,9 @@
           <a:gsLst>
             <a:gs pos="0">
               <a:schemeClr val="accent5">
-                <a:hueOff val="3466031"/>
-                <a:satOff val="-95"/>
-                <a:lumOff val="-523"/>
+                <a:hueOff val="5199046"/>
+                <a:satOff val="-142"/>
+                <a:lumOff val="-785"/>
                 <a:alphaOff val="0"/>
                 <a:tint val="80000"/>
                 <a:lumMod val="105000"/>
@@ -2563,9 +2523,9 @@
             </a:gs>
             <a:gs pos="100000">
               <a:schemeClr val="accent5">
-                <a:hueOff val="3466031"/>
-                <a:satOff val="-95"/>
-                <a:lumOff val="-523"/>
+                <a:hueOff val="5199046"/>
+                <a:satOff val="-142"/>
+                <a:lumOff val="-785"/>
                 <a:alphaOff val="0"/>
                 <a:tint val="90000"/>
               </a:schemeClr>
@@ -2576,9 +2536,9 @@
         <a:ln w="9525" cap="rnd" cmpd="sng" algn="ctr">
           <a:solidFill>
             <a:schemeClr val="accent5">
-              <a:hueOff val="3466031"/>
-              <a:satOff val="-95"/>
-              <a:lumOff val="-523"/>
+              <a:hueOff val="5199046"/>
+              <a:satOff val="-142"/>
+              <a:lumOff val="-785"/>
               <a:alphaOff val="0"/>
             </a:schemeClr>
           </a:solidFill>
@@ -2608,8 +2568,8 @@
       </dsp:nvSpPr>
       <dsp:spPr>
         <a:xfrm>
-          <a:off x="0" y="473262"/>
-          <a:ext cx="7915275" cy="472858"/>
+          <a:off x="0" y="662405"/>
+          <a:ext cx="7915275" cy="662001"/>
         </a:xfrm>
         <a:prstGeom prst="rect">
           <a:avLst/>
@@ -2633,12 +2593,12 @@
         <a:fontRef idx="minor"/>
       </dsp:style>
       <dsp:txBody>
-        <a:bodyPr spcFirstLastPara="0" vert="horz" wrap="square" lIns="80010" tIns="80010" rIns="80010" bIns="80010" numCol="1" spcCol="1270" anchor="t" anchorCtr="0">
+        <a:bodyPr spcFirstLastPara="0" vert="horz" wrap="square" lIns="114300" tIns="114300" rIns="114300" bIns="114300" numCol="1" spcCol="1270" anchor="t" anchorCtr="0">
           <a:noAutofit/>
         </a:bodyPr>
         <a:lstStyle/>
         <a:p>
-          <a:pPr marL="0" lvl="0" indent="0" algn="l" defTabSz="933450">
+          <a:pPr lvl="0" algn="l" defTabSz="1333500">
             <a:lnSpc>
               <a:spcPct val="90000"/>
             </a:lnSpc>
@@ -2648,17 +2608,16 @@
             <a:spcAft>
               <a:spcPct val="35000"/>
             </a:spcAft>
-            <a:buNone/>
           </a:pPr>
           <a:r>
-            <a:rPr lang="en-US" sz="2100" kern="1200" dirty="0"/>
+            <a:rPr lang="en-US" sz="3000" kern="1200" dirty="0"/>
             <a:t>Features</a:t>
           </a:r>
         </a:p>
       </dsp:txBody>
       <dsp:txXfrm>
-        <a:off x="0" y="473262"/>
-        <a:ext cx="7915275" cy="472858"/>
+        <a:off x="0" y="662405"/>
+        <a:ext cx="7915275" cy="662001"/>
       </dsp:txXfrm>
     </dsp:sp>
     <dsp:sp modelId="{8463D5D5-B945-A745-AF01-54BE1CC0DF37}">
@@ -2668,132 +2627,7 @@
       </dsp:nvSpPr>
       <dsp:spPr>
         <a:xfrm>
-          <a:off x="0" y="946120"/>
-          <a:ext cx="7915275" cy="0"/>
-        </a:xfrm>
-        <a:prstGeom prst="line">
-          <a:avLst/>
-        </a:prstGeom>
-        <a:gradFill rotWithShape="0">
-          <a:gsLst>
-            <a:gs pos="0">
-              <a:schemeClr val="accent5">
-                <a:hueOff val="6932061"/>
-                <a:satOff val="-189"/>
-                <a:lumOff val="-1046"/>
-                <a:alphaOff val="0"/>
-                <a:tint val="80000"/>
-                <a:lumMod val="105000"/>
-              </a:schemeClr>
-            </a:gs>
-            <a:gs pos="100000">
-              <a:schemeClr val="accent5">
-                <a:hueOff val="6932061"/>
-                <a:satOff val="-189"/>
-                <a:lumOff val="-1046"/>
-                <a:alphaOff val="0"/>
-                <a:tint val="90000"/>
-              </a:schemeClr>
-            </a:gs>
-          </a:gsLst>
-          <a:lin ang="5400000" scaled="0"/>
-        </a:gradFill>
-        <a:ln w="9525" cap="rnd" cmpd="sng" algn="ctr">
-          <a:solidFill>
-            <a:schemeClr val="accent5">
-              <a:hueOff val="6932061"/>
-              <a:satOff val="-189"/>
-              <a:lumOff val="-1046"/>
-              <a:alphaOff val="0"/>
-            </a:schemeClr>
-          </a:solidFill>
-          <a:prstDash val="solid"/>
-        </a:ln>
-        <a:effectLst/>
-      </dsp:spPr>
-      <dsp:style>
-        <a:lnRef idx="1">
-          <a:scrgbClr r="0" g="0" b="0"/>
-        </a:lnRef>
-        <a:fillRef idx="2">
-          <a:scrgbClr r="0" g="0" b="0"/>
-        </a:fillRef>
-        <a:effectRef idx="1">
-          <a:scrgbClr r="0" g="0" b="0"/>
-        </a:effectRef>
-        <a:fontRef idx="minor">
-          <a:schemeClr val="dk1"/>
-        </a:fontRef>
-      </dsp:style>
-    </dsp:sp>
-    <dsp:sp modelId="{7AE9FC42-9157-7849-B8B0-B8E92C7EB364}">
-      <dsp:nvSpPr>
-        <dsp:cNvPr id="0" name=""/>
-        <dsp:cNvSpPr/>
-      </dsp:nvSpPr>
-      <dsp:spPr>
-        <a:xfrm>
-          <a:off x="0" y="946120"/>
-          <a:ext cx="7915275" cy="472858"/>
-        </a:xfrm>
-        <a:prstGeom prst="rect">
-          <a:avLst/>
-        </a:prstGeom>
-        <a:noFill/>
-        <a:ln>
-          <a:noFill/>
-        </a:ln>
-        <a:effectLst/>
-      </dsp:spPr>
-      <dsp:style>
-        <a:lnRef idx="0">
-          <a:scrgbClr r="0" g="0" b="0"/>
-        </a:lnRef>
-        <a:fillRef idx="0">
-          <a:scrgbClr r="0" g="0" b="0"/>
-        </a:fillRef>
-        <a:effectRef idx="0">
-          <a:scrgbClr r="0" g="0" b="0"/>
-        </a:effectRef>
-        <a:fontRef idx="minor"/>
-      </dsp:style>
-      <dsp:txBody>
-        <a:bodyPr spcFirstLastPara="0" vert="horz" wrap="square" lIns="80010" tIns="80010" rIns="80010" bIns="80010" numCol="1" spcCol="1270" anchor="t" anchorCtr="0">
-          <a:noAutofit/>
-        </a:bodyPr>
-        <a:lstStyle/>
-        <a:p>
-          <a:pPr marL="0" lvl="0" indent="0" algn="l" defTabSz="933450">
-            <a:lnSpc>
-              <a:spcPct val="90000"/>
-            </a:lnSpc>
-            <a:spcBef>
-              <a:spcPct val="0"/>
-            </a:spcBef>
-            <a:spcAft>
-              <a:spcPct val="35000"/>
-            </a:spcAft>
-            <a:buNone/>
-          </a:pPr>
-          <a:r>
-            <a:rPr lang="en-US" sz="2100" kern="1200" dirty="0"/>
-            <a:t>Target Audience &amp; Uniqueness</a:t>
-          </a:r>
-        </a:p>
-      </dsp:txBody>
-      <dsp:txXfrm>
-        <a:off x="0" y="946120"/>
-        <a:ext cx="7915275" cy="472858"/>
-      </dsp:txXfrm>
-    </dsp:sp>
-    <dsp:sp modelId="{803C4B3A-C34F-E242-97BA-4F5566F5D147}">
-      <dsp:nvSpPr>
-        <dsp:cNvPr id="0" name=""/>
-        <dsp:cNvSpPr/>
-      </dsp:nvSpPr>
-      <dsp:spPr>
-        <a:xfrm>
-          <a:off x="0" y="1418978"/>
+          <a:off x="0" y="1324407"/>
           <a:ext cx="7915275" cy="0"/>
         </a:xfrm>
         <a:prstGeom prst="line">
@@ -2851,15 +2685,15 @@
         </a:fontRef>
       </dsp:style>
     </dsp:sp>
-    <dsp:sp modelId="{BB9D75FB-A306-F24F-A15F-9BB3E204E0A9}">
+    <dsp:sp modelId="{7AE9FC42-9157-7849-B8B0-B8E92C7EB364}">
       <dsp:nvSpPr>
         <dsp:cNvPr id="0" name=""/>
         <dsp:cNvSpPr/>
       </dsp:nvSpPr>
       <dsp:spPr>
         <a:xfrm>
-          <a:off x="0" y="1418978"/>
-          <a:ext cx="7915275" cy="472858"/>
+          <a:off x="0" y="1324407"/>
+          <a:ext cx="7915275" cy="662001"/>
         </a:xfrm>
         <a:prstGeom prst="rect">
           <a:avLst/>
@@ -2883,12 +2717,12 @@
         <a:fontRef idx="minor"/>
       </dsp:style>
       <dsp:txBody>
-        <a:bodyPr spcFirstLastPara="0" vert="horz" wrap="square" lIns="80010" tIns="80010" rIns="80010" bIns="80010" numCol="1" spcCol="1270" anchor="t" anchorCtr="0">
+        <a:bodyPr spcFirstLastPara="0" vert="horz" wrap="square" lIns="114300" tIns="114300" rIns="114300" bIns="114300" numCol="1" spcCol="1270" anchor="t" anchorCtr="0">
           <a:noAutofit/>
         </a:bodyPr>
         <a:lstStyle/>
         <a:p>
-          <a:pPr marL="0" lvl="0" indent="0" algn="l" defTabSz="933450">
+          <a:pPr lvl="0" algn="l" defTabSz="1333500">
             <a:lnSpc>
               <a:spcPct val="90000"/>
             </a:lnSpc>
@@ -2898,27 +2732,26 @@
             <a:spcAft>
               <a:spcPct val="35000"/>
             </a:spcAft>
-            <a:buNone/>
           </a:pPr>
           <a:r>
-            <a:rPr lang="en-US" sz="2100" kern="1200" dirty="0"/>
-            <a:t>Scrum</a:t>
+            <a:rPr lang="en-US" sz="3000" kern="1200" dirty="0"/>
+            <a:t>Target Audience &amp; Uniqueness</a:t>
           </a:r>
         </a:p>
       </dsp:txBody>
       <dsp:txXfrm>
-        <a:off x="0" y="1418978"/>
-        <a:ext cx="7915275" cy="472858"/>
+        <a:off x="0" y="1324407"/>
+        <a:ext cx="7915275" cy="662001"/>
       </dsp:txXfrm>
     </dsp:sp>
-    <dsp:sp modelId="{CC735D8E-C36B-6F47-8A0A-F18D17AB6D0D}">
+    <dsp:sp modelId="{803C4B3A-C34F-E242-97BA-4F5566F5D147}">
       <dsp:nvSpPr>
         <dsp:cNvPr id="0" name=""/>
         <dsp:cNvSpPr/>
       </dsp:nvSpPr>
       <dsp:spPr>
         <a:xfrm>
-          <a:off x="0" y="1891837"/>
+          <a:off x="0" y="1986408"/>
           <a:ext cx="7915275" cy="0"/>
         </a:xfrm>
         <a:prstGeom prst="line">
@@ -2928,9 +2761,9 @@
           <a:gsLst>
             <a:gs pos="0">
               <a:schemeClr val="accent5">
-                <a:hueOff val="13864123"/>
-                <a:satOff val="-379"/>
-                <a:lumOff val="-2092"/>
+                <a:hueOff val="15597138"/>
+                <a:satOff val="-426"/>
+                <a:lumOff val="-2354"/>
                 <a:alphaOff val="0"/>
                 <a:tint val="80000"/>
                 <a:lumMod val="105000"/>
@@ -2938,9 +2771,9 @@
             </a:gs>
             <a:gs pos="100000">
               <a:schemeClr val="accent5">
-                <a:hueOff val="13864123"/>
-                <a:satOff val="-379"/>
-                <a:lumOff val="-2092"/>
+                <a:hueOff val="15597138"/>
+                <a:satOff val="-426"/>
+                <a:lumOff val="-2354"/>
                 <a:alphaOff val="0"/>
                 <a:tint val="90000"/>
               </a:schemeClr>
@@ -2951,9 +2784,9 @@
         <a:ln w="9525" cap="rnd" cmpd="sng" algn="ctr">
           <a:solidFill>
             <a:schemeClr val="accent5">
-              <a:hueOff val="13864123"/>
-              <a:satOff val="-379"/>
-              <a:lumOff val="-2092"/>
+              <a:hueOff val="15597138"/>
+              <a:satOff val="-426"/>
+              <a:lumOff val="-2354"/>
               <a:alphaOff val="0"/>
             </a:schemeClr>
           </a:solidFill>
@@ -2976,15 +2809,15 @@
         </a:fontRef>
       </dsp:style>
     </dsp:sp>
-    <dsp:sp modelId="{9322DCD7-A23F-6D45-B861-B8C337B5E0CB}">
+    <dsp:sp modelId="{BB9D75FB-A306-F24F-A15F-9BB3E204E0A9}">
       <dsp:nvSpPr>
         <dsp:cNvPr id="0" name=""/>
         <dsp:cNvSpPr/>
       </dsp:nvSpPr>
       <dsp:spPr>
         <a:xfrm>
-          <a:off x="0" y="1891837"/>
-          <a:ext cx="7915275" cy="472858"/>
+          <a:off x="0" y="1986408"/>
+          <a:ext cx="7915275" cy="662001"/>
         </a:xfrm>
         <a:prstGeom prst="rect">
           <a:avLst/>
@@ -3008,12 +2841,12 @@
         <a:fontRef idx="minor"/>
       </dsp:style>
       <dsp:txBody>
-        <a:bodyPr spcFirstLastPara="0" vert="horz" wrap="square" lIns="80010" tIns="80010" rIns="80010" bIns="80010" numCol="1" spcCol="1270" anchor="t" anchorCtr="0">
+        <a:bodyPr spcFirstLastPara="0" vert="horz" wrap="square" lIns="114300" tIns="114300" rIns="114300" bIns="114300" numCol="1" spcCol="1270" anchor="t" anchorCtr="0">
           <a:noAutofit/>
         </a:bodyPr>
         <a:lstStyle/>
         <a:p>
-          <a:pPr marL="0" lvl="0" indent="0" algn="l" defTabSz="933450">
+          <a:pPr lvl="0" algn="l" defTabSz="1333500">
             <a:lnSpc>
               <a:spcPct val="90000"/>
             </a:lnSpc>
@@ -3023,142 +2856,17 @@
             <a:spcAft>
               <a:spcPct val="35000"/>
             </a:spcAft>
-            <a:buNone/>
           </a:pPr>
           <a:r>
-            <a:rPr lang="en-US" sz="2100" kern="1200" dirty="0"/>
-            <a:t>Database</a:t>
+            <a:rPr lang="en-US" sz="3000" kern="1200" dirty="0" smtClean="0"/>
+            <a:t>Demo</a:t>
           </a:r>
+          <a:endParaRPr lang="en-US" sz="3000" kern="1200" dirty="0"/>
         </a:p>
       </dsp:txBody>
       <dsp:txXfrm>
-        <a:off x="0" y="1891837"/>
-        <a:ext cx="7915275" cy="472858"/>
-      </dsp:txXfrm>
-    </dsp:sp>
-    <dsp:sp modelId="{F7C221DE-A05D-41E8-ADB7-09B55969452C}">
-      <dsp:nvSpPr>
-        <dsp:cNvPr id="0" name=""/>
-        <dsp:cNvSpPr/>
-      </dsp:nvSpPr>
-      <dsp:spPr>
-        <a:xfrm>
-          <a:off x="0" y="2364695"/>
-          <a:ext cx="7915275" cy="0"/>
-        </a:xfrm>
-        <a:prstGeom prst="line">
-          <a:avLst/>
-        </a:prstGeom>
-        <a:gradFill rotWithShape="0">
-          <a:gsLst>
-            <a:gs pos="0">
-              <a:schemeClr val="accent5">
-                <a:hueOff val="17330153"/>
-                <a:satOff val="-473"/>
-                <a:lumOff val="-2615"/>
-                <a:alphaOff val="0"/>
-                <a:tint val="80000"/>
-                <a:lumMod val="105000"/>
-              </a:schemeClr>
-            </a:gs>
-            <a:gs pos="100000">
-              <a:schemeClr val="accent5">
-                <a:hueOff val="17330153"/>
-                <a:satOff val="-473"/>
-                <a:lumOff val="-2615"/>
-                <a:alphaOff val="0"/>
-                <a:tint val="90000"/>
-              </a:schemeClr>
-            </a:gs>
-          </a:gsLst>
-          <a:lin ang="5400000" scaled="0"/>
-        </a:gradFill>
-        <a:ln w="9525" cap="rnd" cmpd="sng" algn="ctr">
-          <a:solidFill>
-            <a:schemeClr val="accent5">
-              <a:hueOff val="17330153"/>
-              <a:satOff val="-473"/>
-              <a:lumOff val="-2615"/>
-              <a:alphaOff val="0"/>
-            </a:schemeClr>
-          </a:solidFill>
-          <a:prstDash val="solid"/>
-        </a:ln>
-        <a:effectLst/>
-      </dsp:spPr>
-      <dsp:style>
-        <a:lnRef idx="1">
-          <a:scrgbClr r="0" g="0" b="0"/>
-        </a:lnRef>
-        <a:fillRef idx="2">
-          <a:scrgbClr r="0" g="0" b="0"/>
-        </a:fillRef>
-        <a:effectRef idx="1">
-          <a:scrgbClr r="0" g="0" b="0"/>
-        </a:effectRef>
-        <a:fontRef idx="minor">
-          <a:schemeClr val="dk1"/>
-        </a:fontRef>
-      </dsp:style>
-    </dsp:sp>
-    <dsp:sp modelId="{0A718A93-1491-48F1-A6CD-C3B42D68594F}">
-      <dsp:nvSpPr>
-        <dsp:cNvPr id="0" name=""/>
-        <dsp:cNvSpPr/>
-      </dsp:nvSpPr>
-      <dsp:spPr>
-        <a:xfrm>
-          <a:off x="0" y="2364695"/>
-          <a:ext cx="7915275" cy="472858"/>
-        </a:xfrm>
-        <a:prstGeom prst="rect">
-          <a:avLst/>
-        </a:prstGeom>
-        <a:noFill/>
-        <a:ln>
-          <a:noFill/>
-        </a:ln>
-        <a:effectLst/>
-      </dsp:spPr>
-      <dsp:style>
-        <a:lnRef idx="0">
-          <a:scrgbClr r="0" g="0" b="0"/>
-        </a:lnRef>
-        <a:fillRef idx="0">
-          <a:scrgbClr r="0" g="0" b="0"/>
-        </a:fillRef>
-        <a:effectRef idx="0">
-          <a:scrgbClr r="0" g="0" b="0"/>
-        </a:effectRef>
-        <a:fontRef idx="minor"/>
-      </dsp:style>
-      <dsp:txBody>
-        <a:bodyPr spcFirstLastPara="0" vert="horz" wrap="square" lIns="80010" tIns="80010" rIns="80010" bIns="80010" numCol="1" spcCol="1270" anchor="t" anchorCtr="0">
-          <a:noAutofit/>
-        </a:bodyPr>
-        <a:lstStyle/>
-        <a:p>
-          <a:pPr marL="0" lvl="0" indent="0" algn="l" defTabSz="933450">
-            <a:lnSpc>
-              <a:spcPct val="90000"/>
-            </a:lnSpc>
-            <a:spcBef>
-              <a:spcPct val="0"/>
-            </a:spcBef>
-            <a:spcAft>
-              <a:spcPct val="35000"/>
-            </a:spcAft>
-            <a:buNone/>
-          </a:pPr>
-          <a:r>
-            <a:rPr lang="en-US" sz="2100" kern="1200" dirty="0"/>
-            <a:t>Hosting</a:t>
-          </a:r>
-        </a:p>
-      </dsp:txBody>
-      <dsp:txXfrm>
-        <a:off x="0" y="2364695"/>
-        <a:ext cx="7915275" cy="472858"/>
+        <a:off x="0" y="1986408"/>
+        <a:ext cx="7915275" cy="662001"/>
       </dsp:txXfrm>
     </dsp:sp>
     <dsp:sp modelId="{EDD1787A-0296-3748-AACA-61FDF323402D}">
@@ -3168,7 +2876,7 @@
       </dsp:nvSpPr>
       <dsp:spPr>
         <a:xfrm>
-          <a:off x="0" y="2837553"/>
+          <a:off x="0" y="2648410"/>
           <a:ext cx="7915275" cy="0"/>
         </a:xfrm>
         <a:prstGeom prst="line">
@@ -3233,8 +2941,8 @@
       </dsp:nvSpPr>
       <dsp:spPr>
         <a:xfrm>
-          <a:off x="0" y="2837553"/>
-          <a:ext cx="7915275" cy="472858"/>
+          <a:off x="0" y="2648410"/>
+          <a:ext cx="7915275" cy="662001"/>
         </a:xfrm>
         <a:prstGeom prst="rect">
           <a:avLst/>
@@ -3258,12 +2966,12 @@
         <a:fontRef idx="minor"/>
       </dsp:style>
       <dsp:txBody>
-        <a:bodyPr spcFirstLastPara="0" vert="horz" wrap="square" lIns="80010" tIns="80010" rIns="80010" bIns="80010" numCol="1" spcCol="1270" anchor="t" anchorCtr="0">
+        <a:bodyPr spcFirstLastPara="0" vert="horz" wrap="square" lIns="114300" tIns="114300" rIns="114300" bIns="114300" numCol="1" spcCol="1270" anchor="t" anchorCtr="0">
           <a:noAutofit/>
         </a:bodyPr>
         <a:lstStyle/>
         <a:p>
-          <a:pPr marL="0" lvl="0" indent="0" algn="l" defTabSz="933450">
+          <a:pPr lvl="0" algn="l" defTabSz="1333500">
             <a:lnSpc>
               <a:spcPct val="90000"/>
             </a:lnSpc>
@@ -3273,17 +2981,16 @@
             <a:spcAft>
               <a:spcPct val="35000"/>
             </a:spcAft>
-            <a:buNone/>
           </a:pPr>
           <a:r>
-            <a:rPr lang="en-US" sz="2100" kern="1200" dirty="0"/>
+            <a:rPr lang="en-US" sz="3000" kern="1200" dirty="0"/>
             <a:t>Questions</a:t>
           </a:r>
         </a:p>
       </dsp:txBody>
       <dsp:txXfrm>
-        <a:off x="0" y="2837553"/>
-        <a:ext cx="7915275" cy="472858"/>
+        <a:off x="0" y="2648410"/>
+        <a:ext cx="7915275" cy="662001"/>
       </dsp:txXfrm>
     </dsp:sp>
   </dsp:spTree>
@@ -3411,7 +3118,7 @@
         </a:bodyPr>
         <a:lstStyle/>
         <a:p>
-          <a:pPr marL="0" lvl="0" indent="0" algn="ctr" defTabSz="844550">
+          <a:pPr lvl="0" algn="ctr" defTabSz="844550">
             <a:lnSpc>
               <a:spcPct val="90000"/>
             </a:lnSpc>
@@ -3421,7 +3128,6 @@
             <a:spcAft>
               <a:spcPct val="35000"/>
             </a:spcAft>
-            <a:buNone/>
           </a:pPr>
           <a:r>
             <a:rPr lang="en-US" sz="1900" kern="1200"/>
@@ -3503,7 +3209,7 @@
         </a:bodyPr>
         <a:lstStyle/>
         <a:p>
-          <a:pPr marL="0" lvl="0" indent="0" algn="ctr" defTabSz="844550">
+          <a:pPr lvl="0" algn="ctr" defTabSz="844550">
             <a:lnSpc>
               <a:spcPct val="90000"/>
             </a:lnSpc>
@@ -3513,7 +3219,6 @@
             <a:spcAft>
               <a:spcPct val="35000"/>
             </a:spcAft>
-            <a:buNone/>
           </a:pPr>
           <a:r>
             <a:rPr lang="en-US" sz="1900" kern="1200"/>
@@ -3595,7 +3300,7 @@
         </a:bodyPr>
         <a:lstStyle/>
         <a:p>
-          <a:pPr marL="0" lvl="0" indent="0" algn="ctr" defTabSz="844550">
+          <a:pPr lvl="0" algn="ctr" defTabSz="844550">
             <a:lnSpc>
               <a:spcPct val="90000"/>
             </a:lnSpc>
@@ -3605,7 +3310,6 @@
             <a:spcAft>
               <a:spcPct val="35000"/>
             </a:spcAft>
-            <a:buNone/>
           </a:pPr>
           <a:r>
             <a:rPr lang="en-US" sz="1900" kern="1200"/>
@@ -3687,7 +3391,7 @@
         </a:bodyPr>
         <a:lstStyle/>
         <a:p>
-          <a:pPr marL="0" lvl="0" indent="0" algn="ctr" defTabSz="844550">
+          <a:pPr lvl="0" algn="ctr" defTabSz="844550">
             <a:lnSpc>
               <a:spcPct val="90000"/>
             </a:lnSpc>
@@ -3697,7 +3401,6 @@
             <a:spcAft>
               <a:spcPct val="35000"/>
             </a:spcAft>
-            <a:buNone/>
           </a:pPr>
           <a:r>
             <a:rPr lang="en-US" sz="1900" kern="1200"/>
@@ -6803,7 +6506,7 @@
           <a:p>
             <a:fld id="{59C7C267-A324-43B7-A9CD-5E98CD661245}" type="datetimeFigureOut">
               <a:rPr lang="en-US" smtClean="0"/>
-              <a:t>5/4/18</a:t>
+              <a:t>5/18/2018</a:t>
             </a:fld>
             <a:endParaRPr lang="en-US"/>
           </a:p>
@@ -7121,7 +6824,7 @@
           <a:p>
             <a:fld id="{59C7C267-A324-43B7-A9CD-5E98CD661245}" type="datetimeFigureOut">
               <a:rPr lang="en-US" smtClean="0"/>
-              <a:t>5/4/18</a:t>
+              <a:t>5/18/2018</a:t>
             </a:fld>
             <a:endParaRPr lang="en-US"/>
           </a:p>
@@ -7609,7 +7312,7 @@
           <a:p>
             <a:fld id="{59C7C267-A324-43B7-A9CD-5E98CD661245}" type="datetimeFigureOut">
               <a:rPr lang="en-US" smtClean="0"/>
-              <a:t>5/4/18</a:t>
+              <a:t>5/18/2018</a:t>
             </a:fld>
             <a:endParaRPr lang="en-US"/>
           </a:p>
@@ -7978,7 +7681,7 @@
           <a:p>
             <a:fld id="{59C7C267-A324-43B7-A9CD-5E98CD661245}" type="datetimeFigureOut">
               <a:rPr lang="en-US" smtClean="0"/>
-              <a:t>5/4/18</a:t>
+              <a:t>5/18/2018</a:t>
             </a:fld>
             <a:endParaRPr lang="en-US"/>
           </a:p>
@@ -8251,7 +7954,7 @@
           <a:p>
             <a:fld id="{59C7C267-A324-43B7-A9CD-5E98CD661245}" type="datetimeFigureOut">
               <a:rPr lang="en-US" smtClean="0"/>
-              <a:t>5/4/18</a:t>
+              <a:t>5/18/2018</a:t>
             </a:fld>
             <a:endParaRPr lang="en-US"/>
           </a:p>
@@ -8577,7 +8280,7 @@
           <a:p>
             <a:fld id="{59C7C267-A324-43B7-A9CD-5E98CD661245}" type="datetimeFigureOut">
               <a:rPr lang="en-US" smtClean="0"/>
-              <a:t>5/4/18</a:t>
+              <a:t>5/18/2018</a:t>
             </a:fld>
             <a:endParaRPr lang="en-US"/>
           </a:p>
@@ -8855,7 +8558,7 @@
           <a:p>
             <a:fld id="{59C7C267-A324-43B7-A9CD-5E98CD661245}" type="datetimeFigureOut">
               <a:rPr lang="en-US" smtClean="0"/>
-              <a:t>5/4/18</a:t>
+              <a:t>5/18/2018</a:t>
             </a:fld>
             <a:endParaRPr lang="en-US"/>
           </a:p>
@@ -9198,7 +8901,7 @@
           <a:p>
             <a:fld id="{59C7C267-A324-43B7-A9CD-5E98CD661245}" type="datetimeFigureOut">
               <a:rPr lang="en-US" smtClean="0"/>
-              <a:t>5/4/18</a:t>
+              <a:t>5/18/2018</a:t>
             </a:fld>
             <a:endParaRPr lang="en-US"/>
           </a:p>
@@ -9537,7 +9240,7 @@
           <a:p>
             <a:fld id="{59C7C267-A324-43B7-A9CD-5E98CD661245}" type="datetimeFigureOut">
               <a:rPr lang="en-US" smtClean="0"/>
-              <a:t>5/4/18</a:t>
+              <a:t>5/18/2018</a:t>
             </a:fld>
             <a:endParaRPr lang="en-US"/>
           </a:p>
@@ -10014,7 +9717,7 @@
           <a:p>
             <a:fld id="{59C7C267-A324-43B7-A9CD-5E98CD661245}" type="datetimeFigureOut">
               <a:rPr lang="en-US" smtClean="0"/>
-              <a:t>5/4/18</a:t>
+              <a:t>5/18/2018</a:t>
             </a:fld>
             <a:endParaRPr lang="en-US"/>
           </a:p>
@@ -10235,7 +9938,7 @@
           <a:p>
             <a:fld id="{59C7C267-A324-43B7-A9CD-5E98CD661245}" type="datetimeFigureOut">
               <a:rPr lang="en-US" smtClean="0"/>
-              <a:t>5/4/18</a:t>
+              <a:t>5/18/2018</a:t>
             </a:fld>
             <a:endParaRPr lang="en-US"/>
           </a:p>
@@ -10330,7 +10033,7 @@
           <a:p>
             <a:fld id="{59C7C267-A324-43B7-A9CD-5E98CD661245}" type="datetimeFigureOut">
               <a:rPr lang="en-US" smtClean="0"/>
-              <a:t>5/4/18</a:t>
+              <a:t>5/18/2018</a:t>
             </a:fld>
             <a:endParaRPr lang="en-US"/>
           </a:p>
@@ -10797,7 +10500,7 @@
           <a:p>
             <a:fld id="{59C7C267-A324-43B7-A9CD-5E98CD661245}" type="datetimeFigureOut">
               <a:rPr lang="en-US" smtClean="0"/>
-              <a:t>5/4/18</a:t>
+              <a:t>5/18/2018</a:t>
             </a:fld>
             <a:endParaRPr lang="en-US"/>
           </a:p>
@@ -11110,7 +10813,7 @@
           <a:p>
             <a:fld id="{59C7C267-A324-43B7-A9CD-5E98CD661245}" type="datetimeFigureOut">
               <a:rPr lang="en-US" smtClean="0"/>
-              <a:t>5/4/18</a:t>
+              <a:t>5/18/2018</a:t>
             </a:fld>
             <a:endParaRPr lang="en-US"/>
           </a:p>
@@ -11380,7 +11083,7 @@
           <a:p>
             <a:fld id="{59C7C267-A324-43B7-A9CD-5E98CD661245}" type="datetimeFigureOut">
               <a:rPr lang="en-US" smtClean="0"/>
-              <a:t>5/4/18</a:t>
+              <a:t>5/18/2018</a:t>
             </a:fld>
             <a:endParaRPr lang="en-US"/>
           </a:p>
@@ -11946,7 +11649,7 @@
           <p:cNvPr id="14" name="Content Placeholder 2">
             <a:extLst>
               <a:ext uri="{FF2B5EF4-FFF2-40B4-BE49-F238E27FC236}">
-                <a16:creationId xmlns:a16="http://schemas.microsoft.com/office/drawing/2014/main" id="{57A3AA4E-E166-40C8-8212-15C07AA30DD9}"/>
+                <a16:creationId xmlns:a16="http://schemas.microsoft.com/office/drawing/2014/main" xmlns="" id="{57A3AA4E-E166-40C8-8212-15C07AA30DD9}"/>
               </a:ext>
             </a:extLst>
           </p:cNvPr>
@@ -11957,7 +11660,7 @@
             <p:ph idx="1"/>
             <p:extLst>
               <p:ext uri="{D42A27DB-BD31-4B8C-83A1-F6EECF244321}">
-                <p14:modId xmlns:p14="http://schemas.microsoft.com/office/powerpoint/2010/main" val="1749289696"/>
+                <p14:modId xmlns:p14="http://schemas.microsoft.com/office/powerpoint/2010/main" val="2350911197"/>
               </p:ext>
             </p:extLst>
           </p:nvPr>
@@ -12015,7 +11718,7 @@
           <p:cNvPr id="21" name="Rectangle 20">
             <a:extLst>
               <a:ext uri="{FF2B5EF4-FFF2-40B4-BE49-F238E27FC236}">
-                <a16:creationId xmlns:a16="http://schemas.microsoft.com/office/drawing/2014/main" id="{B2B82547-2424-4E7A-A98B-75206EE73028}"/>
+                <a16:creationId xmlns:a16="http://schemas.microsoft.com/office/drawing/2014/main" xmlns="" id="{B2B82547-2424-4E7A-A98B-75206EE73028}"/>
               </a:ext>
             </a:extLst>
           </p:cNvPr>
@@ -12025,7 +11728,7 @@
           <p:nvPr>
             <p:extLst>
               <p:ext uri="{386F3935-93C4-4BCD-93E2-E3B085C9AB24}">
-                <p16:designElem xmlns:p16="http://schemas.microsoft.com/office/powerpoint/2015/main" val="1"/>
+                <p16:designElem xmlns:p16="http://schemas.microsoft.com/office/powerpoint/2015/main" xmlns="" val="1"/>
               </p:ext>
             </p:extLst>
           </p:nvPr>
@@ -12072,7 +11775,7 @@
           <p:cNvPr id="23" name="Freeform 23">
             <a:extLst>
               <a:ext uri="{FF2B5EF4-FFF2-40B4-BE49-F238E27FC236}">
-                <a16:creationId xmlns:a16="http://schemas.microsoft.com/office/drawing/2014/main" id="{5109BC2F-9616-4D7D-9E98-57898009A828}"/>
+                <a16:creationId xmlns:a16="http://schemas.microsoft.com/office/drawing/2014/main" xmlns="" id="{5109BC2F-9616-4D7D-9E98-57898009A828}"/>
               </a:ext>
             </a:extLst>
           </p:cNvPr>
@@ -12082,7 +11785,7 @@
           <p:nvPr>
             <p:extLst>
               <p:ext uri="{386F3935-93C4-4BCD-93E2-E3B085C9AB24}">
-                <p16:designElem xmlns:p16="http://schemas.microsoft.com/office/powerpoint/2015/main" val="1"/>
+                <p16:designElem xmlns:p16="http://schemas.microsoft.com/office/powerpoint/2015/main" xmlns="" val="1"/>
               </p:ext>
             </p:extLst>
           </p:nvPr>
@@ -12305,7 +12008,7 @@
           <p:cNvPr id="16" name="Content Placeholder 2">
             <a:extLst>
               <a:ext uri="{FF2B5EF4-FFF2-40B4-BE49-F238E27FC236}">
-                <a16:creationId xmlns:a16="http://schemas.microsoft.com/office/drawing/2014/main" id="{34CBDB6D-A946-43A9-BD74-F5B356ECCEDC}"/>
+                <a16:creationId xmlns:a16="http://schemas.microsoft.com/office/drawing/2014/main" xmlns="" id="{34CBDB6D-A946-43A9-BD74-F5B356ECCEDC}"/>
               </a:ext>
             </a:extLst>
           </p:cNvPr>
@@ -12374,7 +12077,7 @@
           <p:cNvPr id="8" name="Rectangle 7">
             <a:extLst>
               <a:ext uri="{FF2B5EF4-FFF2-40B4-BE49-F238E27FC236}">
-                <a16:creationId xmlns:a16="http://schemas.microsoft.com/office/drawing/2014/main" id="{089A69AF-D57B-49B4-886C-D4A5DC194421}"/>
+                <a16:creationId xmlns:a16="http://schemas.microsoft.com/office/drawing/2014/main" xmlns="" id="{089A69AF-D57B-49B4-886C-D4A5DC194421}"/>
               </a:ext>
             </a:extLst>
           </p:cNvPr>
@@ -12384,7 +12087,7 @@
           <p:nvPr>
             <p:extLst>
               <p:ext uri="{386F3935-93C4-4BCD-93E2-E3B085C9AB24}">
-                <p16:designElem xmlns:p16="http://schemas.microsoft.com/office/powerpoint/2015/main" val="1"/>
+                <p16:designElem xmlns:p16="http://schemas.microsoft.com/office/powerpoint/2015/main" xmlns="" val="1"/>
               </p:ext>
             </p:extLst>
           </p:nvPr>
@@ -12431,7 +12134,7 @@
           <p:cNvPr id="10" name="Freeform: Shape 9">
             <a:extLst>
               <a:ext uri="{FF2B5EF4-FFF2-40B4-BE49-F238E27FC236}">
-                <a16:creationId xmlns:a16="http://schemas.microsoft.com/office/drawing/2014/main" id="{CABDC08D-6093-4397-92D4-54D00E2BB1C2}"/>
+                <a16:creationId xmlns:a16="http://schemas.microsoft.com/office/drawing/2014/main" xmlns="" id="{CABDC08D-6093-4397-92D4-54D00E2BB1C2}"/>
               </a:ext>
             </a:extLst>
           </p:cNvPr>
@@ -12441,7 +12144,7 @@
           <p:nvPr>
             <p:extLst>
               <p:ext uri="{386F3935-93C4-4BCD-93E2-E3B085C9AB24}">
-                <p16:designElem xmlns:p16="http://schemas.microsoft.com/office/powerpoint/2015/main" val="1"/>
+                <p16:designElem xmlns:p16="http://schemas.microsoft.com/office/powerpoint/2015/main" xmlns="" val="1"/>
               </p:ext>
             </p:extLst>
           </p:nvPr>
@@ -12635,8 +12338,8 @@
           </a:ln>
           <a:effectLst/>
           <a:extLst>
-            <a:ext uri="{91240B29-F687-4f45-9708-019B960494DF}">
-              <a14:hiddenLine xmlns:a14="http://schemas.microsoft.com/office/drawing/2010/main" xmlns:p14="http://schemas.microsoft.com/office/powerpoint/2010/main" xmlns:a16="http://schemas.microsoft.com/office/drawing/2014/main" xmlns="" w="9525">
+            <a:ext uri="{91240B29-F687-4F45-9708-019B960494DF}">
+              <a14:hiddenLine xmlns:a14="http://schemas.microsoft.com/office/drawing/2010/main" w="9525">
                 <a:solidFill>
                   <a:srgbClr val="000000"/>
                 </a:solidFill>
@@ -12685,8 +12388,8 @@
           <a:lstStyle/>
           <a:p>
             <a:r>
-              <a:rPr lang="en-US"/>
-              <a:t>Features</a:t>
+              <a:rPr lang="en-US" dirty="0" err="1" smtClean="0"/>
+              <a:t>WaterQwiz</a:t>
             </a:r>
             <a:endParaRPr lang="en-CA" dirty="0"/>
           </a:p>
@@ -12704,7 +12407,7 @@
         </p:nvSpPr>
         <p:spPr>
           <a:xfrm>
-            <a:off x="4506051" y="978993"/>
+            <a:off x="4865994" y="821155"/>
             <a:ext cx="4023913" cy="4900014"/>
           </a:xfrm>
           <a:effectLst/>
@@ -12716,14 +12419,22 @@
           <a:lstStyle/>
           <a:p>
             <a:r>
+              <a:rPr lang="en-US" dirty="0" smtClean="0"/>
+              <a:t>Web and Mobile </a:t>
+            </a:r>
+            <a:r>
               <a:rPr lang="en-US" dirty="0"/>
-              <a:t>Mobile quiz game </a:t>
+              <a:t>quiz game </a:t>
             </a:r>
           </a:p>
           <a:p>
+            <a:r>
+              <a:rPr lang="en-US" altLang="zh-TW" dirty="0" smtClean="0"/>
+              <a:t>Educate users about water </a:t>
+            </a:r>
             <a:r>
               <a:rPr lang="en-US" altLang="zh-TW" dirty="0"/>
-              <a:t>Quiz on water wasting </a:t>
+              <a:t>wasting </a:t>
             </a:r>
           </a:p>
           <a:p>
@@ -12736,31 +12447,12 @@
           <a:p>
             <a:r>
               <a:rPr lang="en-US" dirty="0"/>
-              <a:t>Fun and Engaging</a:t>
+              <a:t>Fun and </a:t>
             </a:r>
-          </a:p>
-          <a:p>
-            <a:pPr lvl="1"/>
             <a:r>
-              <a:rPr lang="en-US" dirty="0"/>
-              <a:t>Timer and health bar as a water gauge</a:t>
+              <a:rPr lang="en-US" dirty="0" smtClean="0"/>
+              <a:t>Engaging</a:t>
             </a:r>
-          </a:p>
-          <a:p>
-            <a:pPr lvl="1"/>
-            <a:r>
-              <a:rPr lang="en-US" dirty="0"/>
-              <a:t>Compete with friends and other residents on the leaderboard</a:t>
-            </a:r>
-          </a:p>
-          <a:p>
-            <a:pPr lvl="1"/>
-            <a:r>
-              <a:rPr lang="en-US" dirty="0"/>
-              <a:t>Browse through linked existing websites to train yourself to get better score next time</a:t>
-            </a:r>
-          </a:p>
-          <a:p>
             <a:endParaRPr lang="en-US" dirty="0"/>
           </a:p>
         </p:txBody>
@@ -12768,7 +12460,7 @@
     </p:spTree>
     <p:extLst>
       <p:ext uri="{BB962C8B-B14F-4D97-AF65-F5344CB8AC3E}">
-        <p14:creationId xmlns:p14="http://schemas.microsoft.com/office/powerpoint/2010/main" val="1580239463"/>
+        <p14:creationId xmlns:p14="http://schemas.microsoft.com/office/powerpoint/2010/main" val="1612482934"/>
       </p:ext>
     </p:extLst>
   </p:cSld>
@@ -12781,6 +12473,14 @@
 <file path=ppt/slides/slide5.xml><?xml version="1.0" encoding="utf-8"?>
 <p:sld xmlns:a="http://schemas.openxmlformats.org/drawingml/2006/main" xmlns:r="http://schemas.openxmlformats.org/officeDocument/2006/relationships" xmlns:p="http://schemas.openxmlformats.org/presentationml/2006/main">
   <p:cSld>
+    <p:bg>
+      <p:bgPr>
+        <a:solidFill>
+          <a:schemeClr val="bg2"/>
+        </a:solidFill>
+        <a:effectLst/>
+      </p:bgPr>
+    </p:bg>
     <p:spTree>
       <p:nvGrpSpPr>
         <p:cNvPr id="1" name=""/>
@@ -12795,6 +12495,299 @@
           <a:chExt cx="0" cy="0"/>
         </a:xfrm>
       </p:grpSpPr>
+      <p:sp useBgFill="1">
+        <p:nvSpPr>
+          <p:cNvPr id="8" name="Rectangle 7">
+            <a:extLst>
+              <a:ext uri="{FF2B5EF4-FFF2-40B4-BE49-F238E27FC236}">
+                <a16:creationId xmlns:a16="http://schemas.microsoft.com/office/drawing/2014/main" xmlns="" id="{089A69AF-D57B-49B4-886C-D4A5DC194421}"/>
+              </a:ext>
+            </a:extLst>
+          </p:cNvPr>
+          <p:cNvSpPr>
+            <a:spLocks noGrp="1" noRot="1" noChangeAspect="1" noMove="1" noResize="1" noEditPoints="1" noAdjustHandles="1" noChangeArrowheads="1" noChangeShapeType="1" noTextEdit="1"/>
+          </p:cNvSpPr>
+          <p:nvPr>
+            <p:extLst>
+              <p:ext uri="{386F3935-93C4-4BCD-93E2-E3B085C9AB24}">
+                <p16:designElem xmlns:p16="http://schemas.microsoft.com/office/powerpoint/2015/main" xmlns="" val="1"/>
+              </p:ext>
+            </p:extLst>
+          </p:nvPr>
+        </p:nvSpPr>
+        <p:spPr>
+          <a:xfrm>
+            <a:off x="0" y="0"/>
+            <a:ext cx="9144000" cy="6858000"/>
+          </a:xfrm>
+          <a:prstGeom prst="rect">
+            <a:avLst/>
+          </a:prstGeom>
+          <a:ln>
+            <a:noFill/>
+          </a:ln>
+        </p:spPr>
+        <p:style>
+          <a:lnRef idx="2">
+            <a:schemeClr val="accent1">
+              <a:shade val="50000"/>
+            </a:schemeClr>
+          </a:lnRef>
+          <a:fillRef idx="1">
+            <a:schemeClr val="accent1"/>
+          </a:fillRef>
+          <a:effectRef idx="0">
+            <a:schemeClr val="accent1"/>
+          </a:effectRef>
+          <a:fontRef idx="minor">
+            <a:schemeClr val="lt1"/>
+          </a:fontRef>
+        </p:style>
+        <p:txBody>
+          <a:bodyPr rtlCol="0" anchor="ctr"/>
+          <a:lstStyle/>
+          <a:p>
+            <a:pPr algn="ctr"/>
+            <a:endParaRPr lang="en-US"/>
+          </a:p>
+        </p:txBody>
+      </p:sp>
+      <p:sp>
+        <p:nvSpPr>
+          <p:cNvPr id="10" name="Freeform: Shape 9">
+            <a:extLst>
+              <a:ext uri="{FF2B5EF4-FFF2-40B4-BE49-F238E27FC236}">
+                <a16:creationId xmlns:a16="http://schemas.microsoft.com/office/drawing/2014/main" xmlns="" id="{CABDC08D-6093-4397-92D4-54D00E2BB1C2}"/>
+              </a:ext>
+            </a:extLst>
+          </p:cNvPr>
+          <p:cNvSpPr>
+            <a:spLocks noGrp="1" noRot="1" noChangeAspect="1" noMove="1" noResize="1" noEditPoints="1" noAdjustHandles="1" noChangeArrowheads="1" noChangeShapeType="1" noTextEdit="1"/>
+          </p:cNvSpPr>
+          <p:nvPr>
+            <p:extLst>
+              <p:ext uri="{386F3935-93C4-4BCD-93E2-E3B085C9AB24}">
+                <p16:designElem xmlns:p16="http://schemas.microsoft.com/office/powerpoint/2015/main" xmlns="" val="1"/>
+              </p:ext>
+            </p:extLst>
+          </p:nvPr>
+        </p:nvSpPr>
+        <p:spPr bwMode="auto">
+          <a:xfrm rot="16200000">
+            <a:off x="-488043" y="650724"/>
+            <a:ext cx="5143500" cy="5556552"/>
+          </a:xfrm>
+          <a:custGeom>
+            <a:avLst/>
+            <a:gdLst>
+              <a:gd name="connsiteX0" fmla="*/ 6858000 w 6858000"/>
+              <a:gd name="connsiteY0" fmla="*/ 3445704 h 5556552"/>
+              <a:gd name="connsiteX1" fmla="*/ 3829242 w 6858000"/>
+              <a:gd name="connsiteY1" fmla="*/ 5433322 h 5556552"/>
+              <a:gd name="connsiteX2" fmla="*/ 3827369 w 6858000"/>
+              <a:gd name="connsiteY2" fmla="*/ 5434867 h 5556552"/>
+              <a:gd name="connsiteX3" fmla="*/ 3824583 w 6858000"/>
+              <a:gd name="connsiteY3" fmla="*/ 5436378 h 5556552"/>
+              <a:gd name="connsiteX4" fmla="*/ 3798693 w 6858000"/>
+              <a:gd name="connsiteY4" fmla="*/ 5453370 h 5556552"/>
+              <a:gd name="connsiteX5" fmla="*/ 3785011 w 6858000"/>
+              <a:gd name="connsiteY5" fmla="*/ 5457858 h 5556552"/>
+              <a:gd name="connsiteX6" fmla="*/ 3706339 w 6858000"/>
+              <a:gd name="connsiteY6" fmla="*/ 5500559 h 5556552"/>
+              <a:gd name="connsiteX7" fmla="*/ 3428998 w 6858000"/>
+              <a:gd name="connsiteY7" fmla="*/ 5556552 h 5556552"/>
+              <a:gd name="connsiteX8" fmla="*/ 3151658 w 6858000"/>
+              <a:gd name="connsiteY8" fmla="*/ 5500559 h 5556552"/>
+              <a:gd name="connsiteX9" fmla="*/ 3072996 w 6858000"/>
+              <a:gd name="connsiteY9" fmla="*/ 5457863 h 5556552"/>
+              <a:gd name="connsiteX10" fmla="*/ 3059298 w 6858000"/>
+              <a:gd name="connsiteY10" fmla="*/ 5453370 h 5556552"/>
+              <a:gd name="connsiteX11" fmla="*/ 3033383 w 6858000"/>
+              <a:gd name="connsiteY11" fmla="*/ 5436362 h 5556552"/>
+              <a:gd name="connsiteX12" fmla="*/ 3030627 w 6858000"/>
+              <a:gd name="connsiteY12" fmla="*/ 5434867 h 5556552"/>
+              <a:gd name="connsiteX13" fmla="*/ 3028775 w 6858000"/>
+              <a:gd name="connsiteY13" fmla="*/ 5433338 h 5556552"/>
+              <a:gd name="connsiteX14" fmla="*/ 0 w 6858000"/>
+              <a:gd name="connsiteY14" fmla="*/ 3445704 h 5556552"/>
+              <a:gd name="connsiteX15" fmla="*/ 6858000 w 6858000"/>
+              <a:gd name="connsiteY15" fmla="*/ 0 h 5556552"/>
+              <a:gd name="connsiteX16" fmla="*/ 6858000 w 6858000"/>
+              <a:gd name="connsiteY16" fmla="*/ 349336 h 5556552"/>
+              <a:gd name="connsiteX17" fmla="*/ 6858000 w 6858000"/>
+              <a:gd name="connsiteY17" fmla="*/ 3445703 h 5556552"/>
+              <a:gd name="connsiteX18" fmla="*/ 0 w 6858000"/>
+              <a:gd name="connsiteY18" fmla="*/ 3445703 h 5556552"/>
+              <a:gd name="connsiteX19" fmla="*/ 0 w 6858000"/>
+              <a:gd name="connsiteY19" fmla="*/ 0 h 5556552"/>
+            </a:gdLst>
+            <a:ahLst/>
+            <a:cxnLst>
+              <a:cxn ang="0">
+                <a:pos x="connsiteX0" y="connsiteY0"/>
+              </a:cxn>
+              <a:cxn ang="0">
+                <a:pos x="connsiteX1" y="connsiteY1"/>
+              </a:cxn>
+              <a:cxn ang="0">
+                <a:pos x="connsiteX2" y="connsiteY2"/>
+              </a:cxn>
+              <a:cxn ang="0">
+                <a:pos x="connsiteX3" y="connsiteY3"/>
+              </a:cxn>
+              <a:cxn ang="0">
+                <a:pos x="connsiteX4" y="connsiteY4"/>
+              </a:cxn>
+              <a:cxn ang="0">
+                <a:pos x="connsiteX5" y="connsiteY5"/>
+              </a:cxn>
+              <a:cxn ang="0">
+                <a:pos x="connsiteX6" y="connsiteY6"/>
+              </a:cxn>
+              <a:cxn ang="0">
+                <a:pos x="connsiteX7" y="connsiteY7"/>
+              </a:cxn>
+              <a:cxn ang="0">
+                <a:pos x="connsiteX8" y="connsiteY8"/>
+              </a:cxn>
+              <a:cxn ang="0">
+                <a:pos x="connsiteX9" y="connsiteY9"/>
+              </a:cxn>
+              <a:cxn ang="0">
+                <a:pos x="connsiteX10" y="connsiteY10"/>
+              </a:cxn>
+              <a:cxn ang="0">
+                <a:pos x="connsiteX11" y="connsiteY11"/>
+              </a:cxn>
+              <a:cxn ang="0">
+                <a:pos x="connsiteX12" y="connsiteY12"/>
+              </a:cxn>
+              <a:cxn ang="0">
+                <a:pos x="connsiteX13" y="connsiteY13"/>
+              </a:cxn>
+              <a:cxn ang="0">
+                <a:pos x="connsiteX14" y="connsiteY14"/>
+              </a:cxn>
+              <a:cxn ang="0">
+                <a:pos x="connsiteX15" y="connsiteY15"/>
+              </a:cxn>
+              <a:cxn ang="0">
+                <a:pos x="connsiteX16" y="connsiteY16"/>
+              </a:cxn>
+              <a:cxn ang="0">
+                <a:pos x="connsiteX17" y="connsiteY17"/>
+              </a:cxn>
+              <a:cxn ang="0">
+                <a:pos x="connsiteX18" y="connsiteY18"/>
+              </a:cxn>
+              <a:cxn ang="0">
+                <a:pos x="connsiteX19" y="connsiteY19"/>
+              </a:cxn>
+            </a:cxnLst>
+            <a:rect l="l" t="t" r="r" b="b"/>
+            <a:pathLst>
+              <a:path w="6858000" h="5556552">
+                <a:moveTo>
+                  <a:pt x="6858000" y="3445704"/>
+                </a:moveTo>
+                <a:lnTo>
+                  <a:pt x="3829242" y="5433322"/>
+                </a:lnTo>
+                <a:lnTo>
+                  <a:pt x="3827369" y="5434867"/>
+                </a:lnTo>
+                <a:lnTo>
+                  <a:pt x="3824583" y="5436378"/>
+                </a:lnTo>
+                <a:lnTo>
+                  <a:pt x="3798693" y="5453370"/>
+                </a:lnTo>
+                <a:lnTo>
+                  <a:pt x="3785011" y="5457858"/>
+                </a:lnTo>
+                <a:lnTo>
+                  <a:pt x="3706339" y="5500559"/>
+                </a:lnTo>
+                <a:cubicBezTo>
+                  <a:pt x="3621096" y="5536614"/>
+                  <a:pt x="3527375" y="5556552"/>
+                  <a:pt x="3428998" y="5556552"/>
+                </a:cubicBezTo>
+                <a:cubicBezTo>
+                  <a:pt x="3330621" y="5556552"/>
+                  <a:pt x="3236901" y="5536614"/>
+                  <a:pt x="3151658" y="5500559"/>
+                </a:cubicBezTo>
+                <a:lnTo>
+                  <a:pt x="3072996" y="5457863"/>
+                </a:lnTo>
+                <a:lnTo>
+                  <a:pt x="3059298" y="5453370"/>
+                </a:lnTo>
+                <a:lnTo>
+                  <a:pt x="3033383" y="5436362"/>
+                </a:lnTo>
+                <a:lnTo>
+                  <a:pt x="3030627" y="5434867"/>
+                </a:lnTo>
+                <a:lnTo>
+                  <a:pt x="3028775" y="5433338"/>
+                </a:lnTo>
+                <a:lnTo>
+                  <a:pt x="0" y="3445704"/>
+                </a:lnTo>
+                <a:close/>
+                <a:moveTo>
+                  <a:pt x="6858000" y="0"/>
+                </a:moveTo>
+                <a:lnTo>
+                  <a:pt x="6858000" y="349336"/>
+                </a:lnTo>
+                <a:lnTo>
+                  <a:pt x="6858000" y="3445703"/>
+                </a:lnTo>
+                <a:lnTo>
+                  <a:pt x="0" y="3445703"/>
+                </a:lnTo>
+                <a:lnTo>
+                  <a:pt x="0" y="0"/>
+                </a:lnTo>
+                <a:close/>
+              </a:path>
+            </a:pathLst>
+          </a:custGeom>
+          <a:ln>
+            <a:noFill/>
+          </a:ln>
+          <a:effectLst/>
+          <a:extLst>
+            <a:ext uri="{91240B29-F687-4F45-9708-019B960494DF}">
+              <a14:hiddenLine xmlns:a14="http://schemas.microsoft.com/office/drawing/2010/main" w="9525">
+                <a:solidFill>
+                  <a:srgbClr val="000000"/>
+                </a:solidFill>
+                <a:round/>
+                <a:headEnd/>
+                <a:tailEnd/>
+              </a14:hiddenLine>
+            </a:ext>
+          </a:extLst>
+        </p:spPr>
+        <p:style>
+          <a:lnRef idx="1">
+            <a:schemeClr val="accent1"/>
+          </a:lnRef>
+          <a:fillRef idx="3">
+            <a:schemeClr val="accent1"/>
+          </a:fillRef>
+          <a:effectRef idx="2">
+            <a:schemeClr val="accent1"/>
+          </a:effectRef>
+          <a:fontRef idx="minor">
+            <a:schemeClr val="lt1"/>
+          </a:fontRef>
+        </p:style>
+      </p:sp>
       <p:sp>
         <p:nvSpPr>
           <p:cNvPr id="2" name="Title 1"/>
@@ -12805,18 +12798,21 @@
             <p:ph type="title"/>
           </p:nvPr>
         </p:nvSpPr>
-        <p:spPr/>
+        <p:spPr>
+          <a:xfrm>
+            <a:off x="338636" y="1734857"/>
+            <a:ext cx="2824112" cy="3388287"/>
+          </a:xfrm>
+        </p:spPr>
         <p:txBody>
-          <a:bodyPr/>
+          <a:bodyPr anchor="ctr">
+            <a:normAutofit/>
+          </a:bodyPr>
           <a:lstStyle/>
           <a:p>
             <a:r>
-              <a:rPr lang="en-US" dirty="0"/>
-              <a:t>Target Audience &amp; </a:t>
-            </a:r>
-            <a:r>
-              <a:rPr lang="en-US" altLang="zh-TW" dirty="0"/>
-              <a:t>Uniqueness</a:t>
+              <a:rPr lang="en-US"/>
+              <a:t>Features</a:t>
             </a:r>
             <a:endParaRPr lang="en-CA" dirty="0"/>
           </a:p>
@@ -12832,55 +12828,49 @@
             <p:ph idx="1"/>
           </p:nvPr>
         </p:nvSpPr>
-        <p:spPr/>
+        <p:spPr>
+          <a:xfrm>
+            <a:off x="4724400" y="978993"/>
+            <a:ext cx="4023913" cy="4900014"/>
+          </a:xfrm>
+          <a:effectLst/>
+        </p:spPr>
         <p:txBody>
-          <a:bodyPr/>
+          <a:bodyPr>
+            <a:normAutofit/>
+          </a:bodyPr>
           <a:lstStyle/>
           <a:p>
+            <a:r>
+              <a:rPr lang="en-US" dirty="0" smtClean="0"/>
+              <a:t>Timer </a:t>
+            </a:r>
             <a:r>
               <a:rPr lang="en-US" dirty="0"/>
-              <a:t>Elementary school kids</a:t>
+              <a:t>and health bar as a water gauge</a:t>
             </a:r>
           </a:p>
           <a:p>
             <a:r>
               <a:rPr lang="en-US" dirty="0"/>
-              <a:t>Quiz lovers</a:t>
+              <a:t>Compete with friends and other residents on the leaderboard</a:t>
             </a:r>
-          </a:p>
-          <a:p>
-            <a:endParaRPr lang="en-US" dirty="0"/>
           </a:p>
           <a:p>
             <a:r>
               <a:rPr lang="en-US" dirty="0"/>
-              <a:t>Time attack</a:t>
+              <a:t>Browse through linked existing websites to train yourself to get better score next time</a:t>
             </a:r>
           </a:p>
           <a:p>
-            <a:r>
-              <a:rPr lang="en-US" dirty="0"/>
-              <a:t>Arcade style leaderboard</a:t>
-            </a:r>
-          </a:p>
-          <a:p>
-            <a:r>
-              <a:rPr lang="en-US" dirty="0"/>
-              <a:t>Appealing graphics</a:t>
-            </a:r>
-          </a:p>
-          <a:p>
-            <a:r>
-              <a:rPr lang="en-US" dirty="0"/>
-              <a:t>Smooth game flow</a:t>
-            </a:r>
+            <a:endParaRPr lang="en-US" dirty="0"/>
           </a:p>
         </p:txBody>
       </p:sp>
     </p:spTree>
     <p:extLst>
       <p:ext uri="{BB962C8B-B14F-4D97-AF65-F5344CB8AC3E}">
-        <p14:creationId xmlns:p14="http://schemas.microsoft.com/office/powerpoint/2010/main" val="965156508"/>
+        <p14:creationId xmlns:p14="http://schemas.microsoft.com/office/powerpoint/2010/main" val="1580239463"/>
       </p:ext>
     </p:extLst>
   </p:cSld>
@@ -12923,9 +12913,14 @@
           <a:lstStyle/>
           <a:p>
             <a:r>
-              <a:rPr lang="en-CA" dirty="0"/>
-              <a:t>Scrum</a:t>
+              <a:rPr lang="en-US" dirty="0"/>
+              <a:t>Target Audience &amp; </a:t>
             </a:r>
+            <a:r>
+              <a:rPr lang="en-US" altLang="zh-TW" dirty="0"/>
+              <a:t>Uniqueness</a:t>
+            </a:r>
+            <a:endParaRPr lang="en-CA" dirty="0"/>
           </a:p>
         </p:txBody>
       </p:sp>
@@ -12944,14 +12939,51 @@
           <a:bodyPr/>
           <a:lstStyle/>
           <a:p>
-            <a:endParaRPr lang="en-CA" dirty="0"/>
+            <a:r>
+              <a:rPr lang="en-US" dirty="0"/>
+              <a:t>Elementary school kids</a:t>
+            </a:r>
+          </a:p>
+          <a:p>
+            <a:r>
+              <a:rPr lang="en-US" dirty="0"/>
+              <a:t>Quiz lovers</a:t>
+            </a:r>
+          </a:p>
+          <a:p>
+            <a:endParaRPr lang="en-US" dirty="0"/>
+          </a:p>
+          <a:p>
+            <a:r>
+              <a:rPr lang="en-US" dirty="0" smtClean="0"/>
+              <a:t>Timer</a:t>
+            </a:r>
+            <a:endParaRPr lang="en-US" dirty="0"/>
+          </a:p>
+          <a:p>
+            <a:r>
+              <a:rPr lang="en-US" dirty="0"/>
+              <a:t>Arcade style leaderboard</a:t>
+            </a:r>
+          </a:p>
+          <a:p>
+            <a:r>
+              <a:rPr lang="en-US" dirty="0"/>
+              <a:t>Appealing graphics</a:t>
+            </a:r>
+          </a:p>
+          <a:p>
+            <a:r>
+              <a:rPr lang="en-US" dirty="0"/>
+              <a:t>Smooth game flow</a:t>
+            </a:r>
           </a:p>
         </p:txBody>
       </p:sp>
     </p:spTree>
     <p:extLst>
       <p:ext uri="{BB962C8B-B14F-4D97-AF65-F5344CB8AC3E}">
-        <p14:creationId xmlns:p14="http://schemas.microsoft.com/office/powerpoint/2010/main" val="544006469"/>
+        <p14:creationId xmlns:p14="http://schemas.microsoft.com/office/powerpoint/2010/main" val="965156508"/>
       </p:ext>
     </p:extLst>
   </p:cSld>
@@ -12994,9 +13026,10 @@
           <a:lstStyle/>
           <a:p>
             <a:r>
-              <a:rPr lang="en-CA" dirty="0"/>
-              <a:t>Database</a:t>
+              <a:rPr lang="en-CA" dirty="0" smtClean="0"/>
+              <a:t>Demo</a:t>
             </a:r>
+            <a:endParaRPr lang="en-CA" dirty="0"/>
           </a:p>
         </p:txBody>
       </p:sp>
@@ -13017,49 +13050,18 @@
           <a:p>
             <a:r>
               <a:rPr lang="en-CA" dirty="0"/>
-              <a:t>MySQL </a:t>
+              <a:t>https://waterqwiz.azurewebsites.net/</a:t>
             </a:r>
           </a:p>
           <a:p>
-            <a:r>
-              <a:rPr lang="en-CA" dirty="0"/>
-              <a:t>Stores </a:t>
-            </a:r>
-          </a:p>
-          <a:p>
-            <a:pPr lvl="1"/>
-            <a:r>
-              <a:rPr lang="en-CA" dirty="0"/>
-              <a:t>Questions</a:t>
-            </a:r>
-          </a:p>
-          <a:p>
-            <a:pPr lvl="1"/>
-            <a:r>
-              <a:rPr lang="en-CA" dirty="0"/>
-              <a:t>Answers</a:t>
-            </a:r>
-          </a:p>
-          <a:p>
-            <a:pPr lvl="1"/>
-            <a:r>
-              <a:rPr lang="en-CA" dirty="0"/>
-              <a:t>Leaderboard</a:t>
-            </a:r>
-          </a:p>
-          <a:p>
-            <a:pPr lvl="1"/>
-            <a:r>
-              <a:rPr lang="en-CA" dirty="0"/>
-              <a:t>Hints</a:t>
-            </a:r>
+            <a:endParaRPr lang="en-CA" dirty="0"/>
           </a:p>
         </p:txBody>
       </p:sp>
     </p:spTree>
     <p:extLst>
       <p:ext uri="{BB962C8B-B14F-4D97-AF65-F5344CB8AC3E}">
-        <p14:creationId xmlns:p14="http://schemas.microsoft.com/office/powerpoint/2010/main" val="915587776"/>
+        <p14:creationId xmlns:p14="http://schemas.microsoft.com/office/powerpoint/2010/main" val="544006469"/>
       </p:ext>
     </p:extLst>
   </p:cSld>
@@ -13102,111 +13104,6 @@
           <a:lstStyle/>
           <a:p>
             <a:r>
-              <a:rPr lang="en-CA" dirty="0"/>
-              <a:t>Hosting</a:t>
-            </a:r>
-          </a:p>
-        </p:txBody>
-      </p:sp>
-      <p:sp>
-        <p:nvSpPr>
-          <p:cNvPr id="3" name="Content Placeholder 2"/>
-          <p:cNvSpPr>
-            <a:spLocks noGrp="1"/>
-          </p:cNvSpPr>
-          <p:nvPr>
-            <p:ph idx="1"/>
-          </p:nvPr>
-        </p:nvSpPr>
-        <p:spPr/>
-        <p:txBody>
-          <a:bodyPr/>
-          <a:lstStyle/>
-          <a:p>
-            <a:r>
-              <a:rPr lang="en-CA" dirty="0"/>
-              <a:t>Hosted on Microsoft Azure</a:t>
-            </a:r>
-          </a:p>
-          <a:p>
-            <a:r>
-              <a:rPr lang="en-CA" dirty="0"/>
-              <a:t>SQL Server</a:t>
-            </a:r>
-          </a:p>
-          <a:p>
-            <a:pPr lvl="1"/>
-            <a:r>
-              <a:rPr lang="en-CA" dirty="0"/>
-              <a:t>Microsoft SQL database</a:t>
-            </a:r>
-          </a:p>
-          <a:p>
-            <a:pPr lvl="1"/>
-            <a:r>
-              <a:rPr lang="en-CA" dirty="0"/>
-              <a:t>PHP for reading and writing to </a:t>
-            </a:r>
-            <a:r>
-              <a:rPr lang="en-CA"/>
-              <a:t>the database.</a:t>
-            </a:r>
-            <a:endParaRPr lang="en-CA" dirty="0"/>
-          </a:p>
-          <a:p>
-            <a:r>
-              <a:rPr lang="en-CA" dirty="0"/>
-              <a:t>https://waterqwiz.azurewebsites.net/</a:t>
-            </a:r>
-          </a:p>
-        </p:txBody>
-      </p:sp>
-    </p:spTree>
-    <p:extLst>
-      <p:ext uri="{BB962C8B-B14F-4D97-AF65-F5344CB8AC3E}">
-        <p14:creationId xmlns:p14="http://schemas.microsoft.com/office/powerpoint/2010/main" val="1282403252"/>
-      </p:ext>
-    </p:extLst>
-  </p:cSld>
-  <p:clrMapOvr>
-    <a:masterClrMapping/>
-  </p:clrMapOvr>
-</p:sld>
-</file>
-
-<file path=ppt/slides/slide9.xml><?xml version="1.0" encoding="utf-8"?>
-<p:sld xmlns:a="http://schemas.openxmlformats.org/drawingml/2006/main" xmlns:r="http://schemas.openxmlformats.org/officeDocument/2006/relationships" xmlns:p="http://schemas.openxmlformats.org/presentationml/2006/main">
-  <p:cSld>
-    <p:spTree>
-      <p:nvGrpSpPr>
-        <p:cNvPr id="1" name=""/>
-        <p:cNvGrpSpPr/>
-        <p:nvPr/>
-      </p:nvGrpSpPr>
-      <p:grpSpPr>
-        <a:xfrm>
-          <a:off x="0" y="0"/>
-          <a:ext cx="0" cy="0"/>
-          <a:chOff x="0" y="0"/>
-          <a:chExt cx="0" cy="0"/>
-        </a:xfrm>
-      </p:grpSpPr>
-      <p:sp>
-        <p:nvSpPr>
-          <p:cNvPr id="2" name="Title 1"/>
-          <p:cNvSpPr>
-            <a:spLocks noGrp="1"/>
-          </p:cNvSpPr>
-          <p:nvPr>
-            <p:ph type="title"/>
-          </p:nvPr>
-        </p:nvSpPr>
-        <p:spPr/>
-        <p:txBody>
-          <a:bodyPr/>
-          <a:lstStyle/>
-          <a:p>
-            <a:r>
               <a:rPr lang="en-US" dirty="0"/>
               <a:t>Questions?</a:t>
             </a:r>
@@ -13218,7 +13115,7 @@
           <p:cNvPr id="5" name="內容版面配置區 4">
             <a:extLst>
               <a:ext uri="{FF2B5EF4-FFF2-40B4-BE49-F238E27FC236}">
-                <a16:creationId xmlns:a16="http://schemas.microsoft.com/office/drawing/2014/main" id="{8FB782CE-E1FB-452F-92E3-0D7D50756DED}"/>
+                <a16:creationId xmlns:a16="http://schemas.microsoft.com/office/drawing/2014/main" xmlns="" id="{8FB782CE-E1FB-452F-92E3-0D7D50756DED}"/>
               </a:ext>
             </a:extLst>
           </p:cNvPr>
@@ -13492,7 +13389,7 @@
   <a:extraClrSchemeLst/>
   <a:extLst>
     <a:ext uri="{05A4C25C-085E-4340-85A3-A5531E510DB2}">
-      <thm15:themeFamily xmlns:thm15="http://schemas.microsoft.com/office/thememl/2012/main" name="Quotable" id="{39EC5628-30ED-4578-ACD8-9820EDB8E15A}" vid="{6F3559E9-1A4C-49D8-94D4-F41003531C49}"/>
+      <thm15:themeFamily xmlns:thm15="http://schemas.microsoft.com/office/thememl/2012/main" xmlns="" name="Quotable" id="{39EC5628-30ED-4578-ACD8-9820EDB8E15A}" vid="{6F3559E9-1A4C-49D8-94D4-F41003531C49}"/>
     </a:ext>
   </a:extLst>
 </a:theme>

--- a/Wasted Water Quiz.pptx
+++ b/Wasted Water Quiz.pptx
@@ -11,8 +11,9 @@
     <p:sldId id="272" r:id="rId5"/>
     <p:sldId id="271" r:id="rId6"/>
     <p:sldId id="270" r:id="rId7"/>
-    <p:sldId id="267" r:id="rId8"/>
-    <p:sldId id="262" r:id="rId9"/>
+    <p:sldId id="273" r:id="rId8"/>
+    <p:sldId id="267" r:id="rId9"/>
+    <p:sldId id="262" r:id="rId10"/>
   </p:sldIdLst>
   <p:sldSz cx="9144000" cy="6858000" type="screen4x3"/>
   <p:notesSz cx="6858000" cy="9144000"/>
@@ -113,7 +114,7 @@
   </p:defaultTextStyle>
   <p:extLst>
     <p:ext uri="{EFAFB233-063F-42B5-8137-9DF3F51BA10A}">
-      <p15:sldGuideLst xmlns:p15="http://schemas.microsoft.com/office/powerpoint/2012/main" xmlns="">
+      <p15:sldGuideLst xmlns:p15="http://schemas.microsoft.com/office/powerpoint/2012/main">
         <p15:guide id="1" orient="horz" pos="2160">
           <p15:clr>
             <a:srgbClr val="A4A3A4"/>
@@ -1849,10 +1850,9 @@
         <a:lstStyle/>
         <a:p>
           <a:r>
-            <a:rPr lang="en-US" dirty="0" smtClean="0"/>
+            <a:rPr lang="en-US" dirty="0"/>
             <a:t>Demo</a:t>
           </a:r>
-          <a:endParaRPr lang="en-US" dirty="0"/>
         </a:p>
       </dgm:t>
     </dgm:pt>
@@ -1914,6 +1914,42 @@
         </a:p>
       </dgm:t>
     </dgm:pt>
+    <dgm:pt modelId="{19CC9690-40D6-4E02-B31F-DBD6D454FE69}">
+      <dgm:prSet/>
+      <dgm:spPr/>
+      <dgm:t>
+        <a:bodyPr/>
+        <a:lstStyle/>
+        <a:p>
+          <a:r>
+            <a:rPr lang="en-US" dirty="0"/>
+            <a:t>Challenges</a:t>
+          </a:r>
+        </a:p>
+      </dgm:t>
+    </dgm:pt>
+    <dgm:pt modelId="{77C9588B-7BFD-4C3D-9FE6-E28732A1C4F4}" type="parTrans" cxnId="{213F7EF8-8F38-4E36-9EAA-6029AC55D6FE}">
+      <dgm:prSet/>
+      <dgm:spPr/>
+      <dgm:t>
+        <a:bodyPr/>
+        <a:lstStyle/>
+        <a:p>
+          <a:endParaRPr lang="en-CA"/>
+        </a:p>
+      </dgm:t>
+    </dgm:pt>
+    <dgm:pt modelId="{271C5623-4F4C-4B05-9C88-58005E21DD3C}" type="sibTrans" cxnId="{213F7EF8-8F38-4E36-9EAA-6029AC55D6FE}">
+      <dgm:prSet/>
+      <dgm:spPr/>
+      <dgm:t>
+        <a:bodyPr/>
+        <a:lstStyle/>
+        <a:p>
+          <a:endParaRPr lang="en-CA"/>
+        </a:p>
+      </dgm:t>
+    </dgm:pt>
     <dgm:pt modelId="{91CD5485-F150-D043-ADE0-19D754122003}" type="pres">
       <dgm:prSet presAssocID="{04949050-BC41-45B2-BFD8-75D7D869405A}" presName="vert0" presStyleCnt="0">
         <dgm:presLayoutVars>
@@ -1923,16 +1959,9 @@
         </dgm:presLayoutVars>
       </dgm:prSet>
       <dgm:spPr/>
-      <dgm:t>
-        <a:bodyPr/>
-        <a:lstStyle/>
-        <a:p>
-          <a:endParaRPr lang="en-CA"/>
-        </a:p>
-      </dgm:t>
     </dgm:pt>
     <dgm:pt modelId="{A49CD074-082E-BD4C-9396-5C88C70718B7}" type="pres">
-      <dgm:prSet presAssocID="{E98FA150-5339-4814-8FE1-20C02AFD87F8}" presName="thickLine" presStyleLbl="alignNode1" presStyleIdx="0" presStyleCnt="5"/>
+      <dgm:prSet presAssocID="{E98FA150-5339-4814-8FE1-20C02AFD87F8}" presName="thickLine" presStyleLbl="alignNode1" presStyleIdx="0" presStyleCnt="6"/>
       <dgm:spPr/>
     </dgm:pt>
     <dgm:pt modelId="{E4C083C5-A6EA-BD4C-84C4-9A1B7FA48809}" type="pres">
@@ -1940,22 +1969,15 @@
       <dgm:spPr/>
     </dgm:pt>
     <dgm:pt modelId="{01539F69-3534-0C4E-9A6C-7977836A6A5C}" type="pres">
-      <dgm:prSet presAssocID="{E98FA150-5339-4814-8FE1-20C02AFD87F8}" presName="tx1" presStyleLbl="revTx" presStyleIdx="0" presStyleCnt="5"/>
+      <dgm:prSet presAssocID="{E98FA150-5339-4814-8FE1-20C02AFD87F8}" presName="tx1" presStyleLbl="revTx" presStyleIdx="0" presStyleCnt="6"/>
       <dgm:spPr/>
-      <dgm:t>
-        <a:bodyPr/>
-        <a:lstStyle/>
-        <a:p>
-          <a:endParaRPr lang="en-CA"/>
-        </a:p>
-      </dgm:t>
     </dgm:pt>
     <dgm:pt modelId="{458492FC-6E49-1C4B-BCA7-AF3A40186A1C}" type="pres">
       <dgm:prSet presAssocID="{E98FA150-5339-4814-8FE1-20C02AFD87F8}" presName="vert1" presStyleCnt="0"/>
       <dgm:spPr/>
     </dgm:pt>
     <dgm:pt modelId="{3C841FB7-219B-C944-8CDE-437716CD15E5}" type="pres">
-      <dgm:prSet presAssocID="{59057BDD-BB04-426B-AA09-C0F34A718B5C}" presName="thickLine" presStyleLbl="alignNode1" presStyleIdx="1" presStyleCnt="5"/>
+      <dgm:prSet presAssocID="{59057BDD-BB04-426B-AA09-C0F34A718B5C}" presName="thickLine" presStyleLbl="alignNode1" presStyleIdx="1" presStyleCnt="6"/>
       <dgm:spPr/>
     </dgm:pt>
     <dgm:pt modelId="{AF993FBB-D65B-DB4E-95D2-B590CCEAEB90}" type="pres">
@@ -1963,22 +1985,15 @@
       <dgm:spPr/>
     </dgm:pt>
     <dgm:pt modelId="{CBB3AF93-5C4F-5446-B8CA-CA95CA2FD835}" type="pres">
-      <dgm:prSet presAssocID="{59057BDD-BB04-426B-AA09-C0F34A718B5C}" presName="tx1" presStyleLbl="revTx" presStyleIdx="1" presStyleCnt="5"/>
+      <dgm:prSet presAssocID="{59057BDD-BB04-426B-AA09-C0F34A718B5C}" presName="tx1" presStyleLbl="revTx" presStyleIdx="1" presStyleCnt="6"/>
       <dgm:spPr/>
-      <dgm:t>
-        <a:bodyPr/>
-        <a:lstStyle/>
-        <a:p>
-          <a:endParaRPr lang="en-CA"/>
-        </a:p>
-      </dgm:t>
     </dgm:pt>
     <dgm:pt modelId="{92D9A66C-1A62-7943-B0A2-4ED5778E042E}" type="pres">
       <dgm:prSet presAssocID="{59057BDD-BB04-426B-AA09-C0F34A718B5C}" presName="vert1" presStyleCnt="0"/>
       <dgm:spPr/>
     </dgm:pt>
     <dgm:pt modelId="{8463D5D5-B945-A745-AF01-54BE1CC0DF37}" type="pres">
-      <dgm:prSet presAssocID="{C88E755F-C08D-48EA-85AD-3DF0C77937DF}" presName="thickLine" presStyleLbl="alignNode1" presStyleIdx="2" presStyleCnt="5"/>
+      <dgm:prSet presAssocID="{C88E755F-C08D-48EA-85AD-3DF0C77937DF}" presName="thickLine" presStyleLbl="alignNode1" presStyleIdx="2" presStyleCnt="6"/>
       <dgm:spPr/>
     </dgm:pt>
     <dgm:pt modelId="{F17E259D-AFAC-5C41-9D60-DE70CEB96282}" type="pres">
@@ -1986,22 +2001,31 @@
       <dgm:spPr/>
     </dgm:pt>
     <dgm:pt modelId="{7AE9FC42-9157-7849-B8B0-B8E92C7EB364}" type="pres">
-      <dgm:prSet presAssocID="{C88E755F-C08D-48EA-85AD-3DF0C77937DF}" presName="tx1" presStyleLbl="revTx" presStyleIdx="2" presStyleCnt="5"/>
+      <dgm:prSet presAssocID="{C88E755F-C08D-48EA-85AD-3DF0C77937DF}" presName="tx1" presStyleLbl="revTx" presStyleIdx="2" presStyleCnt="6"/>
       <dgm:spPr/>
-      <dgm:t>
-        <a:bodyPr/>
-        <a:lstStyle/>
-        <a:p>
-          <a:endParaRPr lang="en-CA"/>
-        </a:p>
-      </dgm:t>
     </dgm:pt>
     <dgm:pt modelId="{96810E07-1C6F-DD45-9E51-CFD5FE0225B2}" type="pres">
       <dgm:prSet presAssocID="{C88E755F-C08D-48EA-85AD-3DF0C77937DF}" presName="vert1" presStyleCnt="0"/>
       <dgm:spPr/>
     </dgm:pt>
+    <dgm:pt modelId="{9D99E01D-08C9-42CD-8B44-5C010141EC22}" type="pres">
+      <dgm:prSet presAssocID="{19CC9690-40D6-4E02-B31F-DBD6D454FE69}" presName="thickLine" presStyleLbl="alignNode1" presStyleIdx="3" presStyleCnt="6"/>
+      <dgm:spPr/>
+    </dgm:pt>
+    <dgm:pt modelId="{CC0703A8-C03C-451D-ADF6-C6F487BC57B5}" type="pres">
+      <dgm:prSet presAssocID="{19CC9690-40D6-4E02-B31F-DBD6D454FE69}" presName="horz1" presStyleCnt="0"/>
+      <dgm:spPr/>
+    </dgm:pt>
+    <dgm:pt modelId="{DC916959-FEEB-48BE-B291-17D5E2A6B00B}" type="pres">
+      <dgm:prSet presAssocID="{19CC9690-40D6-4E02-B31F-DBD6D454FE69}" presName="tx1" presStyleLbl="revTx" presStyleIdx="3" presStyleCnt="6"/>
+      <dgm:spPr/>
+    </dgm:pt>
+    <dgm:pt modelId="{5923F7A9-5A6C-44E6-862D-25977BC196E8}" type="pres">
+      <dgm:prSet presAssocID="{19CC9690-40D6-4E02-B31F-DBD6D454FE69}" presName="vert1" presStyleCnt="0"/>
+      <dgm:spPr/>
+    </dgm:pt>
     <dgm:pt modelId="{803C4B3A-C34F-E242-97BA-4F5566F5D147}" type="pres">
-      <dgm:prSet presAssocID="{B42F8499-A3AC-45C6-A135-DA69F157F0E8}" presName="thickLine" presStyleLbl="alignNode1" presStyleIdx="3" presStyleCnt="5"/>
+      <dgm:prSet presAssocID="{B42F8499-A3AC-45C6-A135-DA69F157F0E8}" presName="thickLine" presStyleLbl="alignNode1" presStyleIdx="4" presStyleCnt="6"/>
       <dgm:spPr/>
     </dgm:pt>
     <dgm:pt modelId="{0A0BCF0B-7F37-8C4C-B1ED-79AC6B125CD9}" type="pres">
@@ -2009,22 +2033,15 @@
       <dgm:spPr/>
     </dgm:pt>
     <dgm:pt modelId="{BB9D75FB-A306-F24F-A15F-9BB3E204E0A9}" type="pres">
-      <dgm:prSet presAssocID="{B42F8499-A3AC-45C6-A135-DA69F157F0E8}" presName="tx1" presStyleLbl="revTx" presStyleIdx="3" presStyleCnt="5"/>
+      <dgm:prSet presAssocID="{B42F8499-A3AC-45C6-A135-DA69F157F0E8}" presName="tx1" presStyleLbl="revTx" presStyleIdx="4" presStyleCnt="6"/>
       <dgm:spPr/>
-      <dgm:t>
-        <a:bodyPr/>
-        <a:lstStyle/>
-        <a:p>
-          <a:endParaRPr lang="en-CA"/>
-        </a:p>
-      </dgm:t>
     </dgm:pt>
     <dgm:pt modelId="{A099E14D-D1D1-5747-9DBE-24A4EE0E82CA}" type="pres">
       <dgm:prSet presAssocID="{B42F8499-A3AC-45C6-A135-DA69F157F0E8}" presName="vert1" presStyleCnt="0"/>
       <dgm:spPr/>
     </dgm:pt>
     <dgm:pt modelId="{EDD1787A-0296-3748-AACA-61FDF323402D}" type="pres">
-      <dgm:prSet presAssocID="{AA76D586-0015-4FA1-87BD-54FD594C14D2}" presName="thickLine" presStyleLbl="alignNode1" presStyleIdx="4" presStyleCnt="5"/>
+      <dgm:prSet presAssocID="{AA76D586-0015-4FA1-87BD-54FD594C14D2}" presName="thickLine" presStyleLbl="alignNode1" presStyleIdx="5" presStyleCnt="6"/>
       <dgm:spPr/>
     </dgm:pt>
     <dgm:pt modelId="{CBE121D2-CD0A-B74B-90ED-BF795CDCEDA6}" type="pres">
@@ -2032,15 +2049,8 @@
       <dgm:spPr/>
     </dgm:pt>
     <dgm:pt modelId="{DB6D5F9D-02BF-1746-953C-89A15CB67224}" type="pres">
-      <dgm:prSet presAssocID="{AA76D586-0015-4FA1-87BD-54FD594C14D2}" presName="tx1" presStyleLbl="revTx" presStyleIdx="4" presStyleCnt="5"/>
+      <dgm:prSet presAssocID="{AA76D586-0015-4FA1-87BD-54FD594C14D2}" presName="tx1" presStyleLbl="revTx" presStyleIdx="5" presStyleCnt="6"/>
       <dgm:spPr/>
-      <dgm:t>
-        <a:bodyPr/>
-        <a:lstStyle/>
-        <a:p>
-          <a:endParaRPr lang="en-CA"/>
-        </a:p>
-      </dgm:t>
     </dgm:pt>
     <dgm:pt modelId="{D9DCCB30-16A7-6741-9852-88191878C754}" type="pres">
       <dgm:prSet presAssocID="{AA76D586-0015-4FA1-87BD-54FD594C14D2}" presName="vert1" presStyleCnt="0"/>
@@ -2048,17 +2058,19 @@
     </dgm:pt>
   </dgm:ptLst>
   <dgm:cxnLst>
-    <dgm:cxn modelId="{047C5288-30BC-4B41-BF5D-9664B414BAAA}" srcId="{04949050-BC41-45B2-BFD8-75D7D869405A}" destId="{B42F8499-A3AC-45C6-A135-DA69F157F0E8}" srcOrd="3" destOrd="0" parTransId="{DCD80B09-BD6E-4495-8DEC-30CBEA5059CB}" sibTransId="{FD73C98F-7CDB-4BA8-AF87-EB6441555EB6}"/>
+    <dgm:cxn modelId="{C1B29806-9826-1145-AD5D-C127BAA2DDF8}" type="presOf" srcId="{E98FA150-5339-4814-8FE1-20C02AFD87F8}" destId="{01539F69-3534-0C4E-9A6C-7977836A6A5C}" srcOrd="0" destOrd="0" presId="urn:microsoft.com/office/officeart/2008/layout/LinedList"/>
+    <dgm:cxn modelId="{ADDD9E1F-7F7B-4085-83D4-568FF8C13926}" srcId="{04949050-BC41-45B2-BFD8-75D7D869405A}" destId="{C88E755F-C08D-48EA-85AD-3DF0C77937DF}" srcOrd="2" destOrd="0" parTransId="{B2E6AE8C-C9C3-415B-ABC8-0A7B18DC48C9}" sibTransId="{C6CF371A-1A12-4380-905F-1886F8DEB5CE}"/>
+    <dgm:cxn modelId="{672CAC29-C623-47A9-A657-91C7520E4068}" srcId="{04949050-BC41-45B2-BFD8-75D7D869405A}" destId="{59057BDD-BB04-426B-AA09-C0F34A718B5C}" srcOrd="1" destOrd="0" parTransId="{489D992C-06D1-49AF-AA4A-9B129B026805}" sibTransId="{365D6A6D-1909-4179-A1AC-38BB696206B3}"/>
     <dgm:cxn modelId="{CE15AC40-8A07-C74D-859B-7A258DCCB7E2}" type="presOf" srcId="{B42F8499-A3AC-45C6-A135-DA69F157F0E8}" destId="{BB9D75FB-A306-F24F-A15F-9BB3E204E0A9}" srcOrd="0" destOrd="0" presId="urn:microsoft.com/office/officeart/2008/layout/LinedList"/>
-    <dgm:cxn modelId="{C1B29806-9826-1145-AD5D-C127BAA2DDF8}" type="presOf" srcId="{E98FA150-5339-4814-8FE1-20C02AFD87F8}" destId="{01539F69-3534-0C4E-9A6C-7977836A6A5C}" srcOrd="0" destOrd="0" presId="urn:microsoft.com/office/officeart/2008/layout/LinedList"/>
+    <dgm:cxn modelId="{751E7E60-E5F8-774A-8FE0-D99A3F6FCEA1}" type="presOf" srcId="{04949050-BC41-45B2-BFD8-75D7D869405A}" destId="{91CD5485-F150-D043-ADE0-19D754122003}" srcOrd="0" destOrd="0" presId="urn:microsoft.com/office/officeart/2008/layout/LinedList"/>
+    <dgm:cxn modelId="{3D2DB255-F2F2-412D-BD60-C444C071D298}" type="presOf" srcId="{19CC9690-40D6-4E02-B31F-DBD6D454FE69}" destId="{DC916959-FEEB-48BE-B291-17D5E2A6B00B}" srcOrd="0" destOrd="0" presId="urn:microsoft.com/office/officeart/2008/layout/LinedList"/>
+    <dgm:cxn modelId="{A995CB59-D8CC-1247-A9B5-B4BCB8AF6F89}" type="presOf" srcId="{59057BDD-BB04-426B-AA09-C0F34A718B5C}" destId="{CBB3AF93-5C4F-5446-B8CA-CA95CA2FD835}" srcOrd="0" destOrd="0" presId="urn:microsoft.com/office/officeart/2008/layout/LinedList"/>
     <dgm:cxn modelId="{4D0F1480-02CC-4544-82C8-85683999A835}" srcId="{04949050-BC41-45B2-BFD8-75D7D869405A}" destId="{E98FA150-5339-4814-8FE1-20C02AFD87F8}" srcOrd="0" destOrd="0" parTransId="{17EBE2F3-4ADF-492B-82D8-8376052D645B}" sibTransId="{69635EA2-533D-49D0-93AD-BFA72BED5F45}"/>
-    <dgm:cxn modelId="{751E7E60-E5F8-774A-8FE0-D99A3F6FCEA1}" type="presOf" srcId="{04949050-BC41-45B2-BFD8-75D7D869405A}" destId="{91CD5485-F150-D043-ADE0-19D754122003}" srcOrd="0" destOrd="0" presId="urn:microsoft.com/office/officeart/2008/layout/LinedList"/>
-    <dgm:cxn modelId="{A995CB59-D8CC-1247-A9B5-B4BCB8AF6F89}" type="presOf" srcId="{59057BDD-BB04-426B-AA09-C0F34A718B5C}" destId="{CBB3AF93-5C4F-5446-B8CA-CA95CA2FD835}" srcOrd="0" destOrd="0" presId="urn:microsoft.com/office/officeart/2008/layout/LinedList"/>
+    <dgm:cxn modelId="{047C5288-30BC-4B41-BF5D-9664B414BAAA}" srcId="{04949050-BC41-45B2-BFD8-75D7D869405A}" destId="{B42F8499-A3AC-45C6-A135-DA69F157F0E8}" srcOrd="4" destOrd="0" parTransId="{DCD80B09-BD6E-4495-8DEC-30CBEA5059CB}" sibTransId="{FD73C98F-7CDB-4BA8-AF87-EB6441555EB6}"/>
     <dgm:cxn modelId="{527AAE99-54F2-BA42-9425-639CFC3C6BF7}" type="presOf" srcId="{AA76D586-0015-4FA1-87BD-54FD594C14D2}" destId="{DB6D5F9D-02BF-1746-953C-89A15CB67224}" srcOrd="0" destOrd="0" presId="urn:microsoft.com/office/officeart/2008/layout/LinedList"/>
-    <dgm:cxn modelId="{672CAC29-C623-47A9-A657-91C7520E4068}" srcId="{04949050-BC41-45B2-BFD8-75D7D869405A}" destId="{59057BDD-BB04-426B-AA09-C0F34A718B5C}" srcOrd="1" destOrd="0" parTransId="{489D992C-06D1-49AF-AA4A-9B129B026805}" sibTransId="{365D6A6D-1909-4179-A1AC-38BB696206B3}"/>
+    <dgm:cxn modelId="{81FB04F8-FB27-46ED-89C0-D502A8094611}" srcId="{04949050-BC41-45B2-BFD8-75D7D869405A}" destId="{AA76D586-0015-4FA1-87BD-54FD594C14D2}" srcOrd="5" destOrd="0" parTransId="{2976C8B2-2935-4489-B027-FEAB7411EE2A}" sibTransId="{B406A5FB-F6DE-4D68-89E0-F0678FB38C49}"/>
+    <dgm:cxn modelId="{213F7EF8-8F38-4E36-9EAA-6029AC55D6FE}" srcId="{04949050-BC41-45B2-BFD8-75D7D869405A}" destId="{19CC9690-40D6-4E02-B31F-DBD6D454FE69}" srcOrd="3" destOrd="0" parTransId="{77C9588B-7BFD-4C3D-9FE6-E28732A1C4F4}" sibTransId="{271C5623-4F4C-4B05-9C88-58005E21DD3C}"/>
     <dgm:cxn modelId="{8BC11DFA-D1FB-794C-9938-A7A4231DE06A}" type="presOf" srcId="{C88E755F-C08D-48EA-85AD-3DF0C77937DF}" destId="{7AE9FC42-9157-7849-B8B0-B8E92C7EB364}" srcOrd="0" destOrd="0" presId="urn:microsoft.com/office/officeart/2008/layout/LinedList"/>
-    <dgm:cxn modelId="{ADDD9E1F-7F7B-4085-83D4-568FF8C13926}" srcId="{04949050-BC41-45B2-BFD8-75D7D869405A}" destId="{C88E755F-C08D-48EA-85AD-3DF0C77937DF}" srcOrd="2" destOrd="0" parTransId="{B2E6AE8C-C9C3-415B-ABC8-0A7B18DC48C9}" sibTransId="{C6CF371A-1A12-4380-905F-1886F8DEB5CE}"/>
-    <dgm:cxn modelId="{81FB04F8-FB27-46ED-89C0-D502A8094611}" srcId="{04949050-BC41-45B2-BFD8-75D7D869405A}" destId="{AA76D586-0015-4FA1-87BD-54FD594C14D2}" srcOrd="4" destOrd="0" parTransId="{2976C8B2-2935-4489-B027-FEAB7411EE2A}" sibTransId="{B406A5FB-F6DE-4D68-89E0-F0678FB38C49}"/>
     <dgm:cxn modelId="{85BA6A58-8BBA-E44F-8123-FDCB7129FDC9}" type="presParOf" srcId="{91CD5485-F150-D043-ADE0-19D754122003}" destId="{A49CD074-082E-BD4C-9396-5C88C70718B7}" srcOrd="0" destOrd="0" presId="urn:microsoft.com/office/officeart/2008/layout/LinedList"/>
     <dgm:cxn modelId="{94687ADE-E61A-834D-AEE2-66D9B3CD6A07}" type="presParOf" srcId="{91CD5485-F150-D043-ADE0-19D754122003}" destId="{E4C083C5-A6EA-BD4C-84C4-9A1B7FA48809}" srcOrd="1" destOrd="0" presId="urn:microsoft.com/office/officeart/2008/layout/LinedList"/>
     <dgm:cxn modelId="{A9747F18-CDD3-134F-8C91-722AC138422A}" type="presParOf" srcId="{E4C083C5-A6EA-BD4C-84C4-9A1B7FA48809}" destId="{01539F69-3534-0C4E-9A6C-7977836A6A5C}" srcOrd="0" destOrd="0" presId="urn:microsoft.com/office/officeart/2008/layout/LinedList"/>
@@ -2071,12 +2083,16 @@
     <dgm:cxn modelId="{F7A06D03-3878-B542-819D-E01BB98593F4}" type="presParOf" srcId="{91CD5485-F150-D043-ADE0-19D754122003}" destId="{F17E259D-AFAC-5C41-9D60-DE70CEB96282}" srcOrd="5" destOrd="0" presId="urn:microsoft.com/office/officeart/2008/layout/LinedList"/>
     <dgm:cxn modelId="{DFD18D4E-28E7-AC40-B3ED-BCACCFFBD6B5}" type="presParOf" srcId="{F17E259D-AFAC-5C41-9D60-DE70CEB96282}" destId="{7AE9FC42-9157-7849-B8B0-B8E92C7EB364}" srcOrd="0" destOrd="0" presId="urn:microsoft.com/office/officeart/2008/layout/LinedList"/>
     <dgm:cxn modelId="{B15A7003-EBC5-144E-97B6-6AC5534C41A2}" type="presParOf" srcId="{F17E259D-AFAC-5C41-9D60-DE70CEB96282}" destId="{96810E07-1C6F-DD45-9E51-CFD5FE0225B2}" srcOrd="1" destOrd="0" presId="urn:microsoft.com/office/officeart/2008/layout/LinedList"/>
-    <dgm:cxn modelId="{B699A4E6-C0C8-874E-8228-B7FBB375D0FC}" type="presParOf" srcId="{91CD5485-F150-D043-ADE0-19D754122003}" destId="{803C4B3A-C34F-E242-97BA-4F5566F5D147}" srcOrd="6" destOrd="0" presId="urn:microsoft.com/office/officeart/2008/layout/LinedList"/>
-    <dgm:cxn modelId="{849F954C-46AC-DC4D-9ED1-C56851F814CA}" type="presParOf" srcId="{91CD5485-F150-D043-ADE0-19D754122003}" destId="{0A0BCF0B-7F37-8C4C-B1ED-79AC6B125CD9}" srcOrd="7" destOrd="0" presId="urn:microsoft.com/office/officeart/2008/layout/LinedList"/>
+    <dgm:cxn modelId="{F9462134-06C5-4A14-9820-535DDD0A2D49}" type="presParOf" srcId="{91CD5485-F150-D043-ADE0-19D754122003}" destId="{9D99E01D-08C9-42CD-8B44-5C010141EC22}" srcOrd="6" destOrd="0" presId="urn:microsoft.com/office/officeart/2008/layout/LinedList"/>
+    <dgm:cxn modelId="{FE4F62BD-0B10-4F23-9091-863A8EC2730A}" type="presParOf" srcId="{91CD5485-F150-D043-ADE0-19D754122003}" destId="{CC0703A8-C03C-451D-ADF6-C6F487BC57B5}" srcOrd="7" destOrd="0" presId="urn:microsoft.com/office/officeart/2008/layout/LinedList"/>
+    <dgm:cxn modelId="{8678CBE8-FA87-4E4C-A5F9-05C833CD0531}" type="presParOf" srcId="{CC0703A8-C03C-451D-ADF6-C6F487BC57B5}" destId="{DC916959-FEEB-48BE-B291-17D5E2A6B00B}" srcOrd="0" destOrd="0" presId="urn:microsoft.com/office/officeart/2008/layout/LinedList"/>
+    <dgm:cxn modelId="{C8C265BC-774F-43AF-97EF-CF9467DE895A}" type="presParOf" srcId="{CC0703A8-C03C-451D-ADF6-C6F487BC57B5}" destId="{5923F7A9-5A6C-44E6-862D-25977BC196E8}" srcOrd="1" destOrd="0" presId="urn:microsoft.com/office/officeart/2008/layout/LinedList"/>
+    <dgm:cxn modelId="{B699A4E6-C0C8-874E-8228-B7FBB375D0FC}" type="presParOf" srcId="{91CD5485-F150-D043-ADE0-19D754122003}" destId="{803C4B3A-C34F-E242-97BA-4F5566F5D147}" srcOrd="8" destOrd="0" presId="urn:microsoft.com/office/officeart/2008/layout/LinedList"/>
+    <dgm:cxn modelId="{849F954C-46AC-DC4D-9ED1-C56851F814CA}" type="presParOf" srcId="{91CD5485-F150-D043-ADE0-19D754122003}" destId="{0A0BCF0B-7F37-8C4C-B1ED-79AC6B125CD9}" srcOrd="9" destOrd="0" presId="urn:microsoft.com/office/officeart/2008/layout/LinedList"/>
     <dgm:cxn modelId="{F24ABA14-6087-E94A-B91F-0FC30DED94D1}" type="presParOf" srcId="{0A0BCF0B-7F37-8C4C-B1ED-79AC6B125CD9}" destId="{BB9D75FB-A306-F24F-A15F-9BB3E204E0A9}" srcOrd="0" destOrd="0" presId="urn:microsoft.com/office/officeart/2008/layout/LinedList"/>
     <dgm:cxn modelId="{89F9EC97-7035-A645-AB8E-EA6006DF6876}" type="presParOf" srcId="{0A0BCF0B-7F37-8C4C-B1ED-79AC6B125CD9}" destId="{A099E14D-D1D1-5747-9DBE-24A4EE0E82CA}" srcOrd="1" destOrd="0" presId="urn:microsoft.com/office/officeart/2008/layout/LinedList"/>
-    <dgm:cxn modelId="{3B19CAFB-90AE-A44A-A36A-05D827C6DC7D}" type="presParOf" srcId="{91CD5485-F150-D043-ADE0-19D754122003}" destId="{EDD1787A-0296-3748-AACA-61FDF323402D}" srcOrd="8" destOrd="0" presId="urn:microsoft.com/office/officeart/2008/layout/LinedList"/>
-    <dgm:cxn modelId="{FF1A99D3-1D67-9040-8021-F545A80D2051}" type="presParOf" srcId="{91CD5485-F150-D043-ADE0-19D754122003}" destId="{CBE121D2-CD0A-B74B-90ED-BF795CDCEDA6}" srcOrd="9" destOrd="0" presId="urn:microsoft.com/office/officeart/2008/layout/LinedList"/>
+    <dgm:cxn modelId="{3B19CAFB-90AE-A44A-A36A-05D827C6DC7D}" type="presParOf" srcId="{91CD5485-F150-D043-ADE0-19D754122003}" destId="{EDD1787A-0296-3748-AACA-61FDF323402D}" srcOrd="10" destOrd="0" presId="urn:microsoft.com/office/officeart/2008/layout/LinedList"/>
+    <dgm:cxn modelId="{FF1A99D3-1D67-9040-8021-F545A80D2051}" type="presParOf" srcId="{91CD5485-F150-D043-ADE0-19D754122003}" destId="{CBE121D2-CD0A-B74B-90ED-BF795CDCEDA6}" srcOrd="11" destOrd="0" presId="urn:microsoft.com/office/officeart/2008/layout/LinedList"/>
     <dgm:cxn modelId="{624AAEAD-BB8A-8E4F-ACEC-FF95563FD3FC}" type="presParOf" srcId="{CBE121D2-CD0A-B74B-90ED-BF795CDCEDA6}" destId="{DB6D5F9D-02BF-1746-953C-89A15CB67224}" srcOrd="0" destOrd="0" presId="urn:microsoft.com/office/officeart/2008/layout/LinedList"/>
     <dgm:cxn modelId="{753B6494-38C8-8841-B770-58C0DBA884B5}" type="presParOf" srcId="{CBE121D2-CD0A-B74B-90ED-BF795CDCEDA6}" destId="{D9DCCB30-16A7-6741-9852-88191878C754}" srcOrd="1" destOrd="0" presId="urn:microsoft.com/office/officeart/2008/layout/LinedList"/>
   </dgm:cxnLst>
@@ -2257,13 +2273,6 @@
         </dgm:presLayoutVars>
       </dgm:prSet>
       <dgm:spPr/>
-      <dgm:t>
-        <a:bodyPr/>
-        <a:lstStyle/>
-        <a:p>
-          <a:endParaRPr lang="en-CA"/>
-        </a:p>
-      </dgm:t>
     </dgm:pt>
     <dgm:pt modelId="{1EC33DDE-4DAC-1145-8AC6-40B71E8FFB52}" type="pres">
       <dgm:prSet presAssocID="{525E5362-F3E0-4733-917E-42C5F9F0456E}" presName="axisShape" presStyleLbl="bgShp" presStyleIdx="0" presStyleCnt="1"/>
@@ -2278,13 +2287,6 @@
         </dgm:presLayoutVars>
       </dgm:prSet>
       <dgm:spPr/>
-      <dgm:t>
-        <a:bodyPr/>
-        <a:lstStyle/>
-        <a:p>
-          <a:endParaRPr lang="en-CA"/>
-        </a:p>
-      </dgm:t>
     </dgm:pt>
     <dgm:pt modelId="{256C400B-89B6-3148-BB93-8B799FCD7E07}" type="pres">
       <dgm:prSet presAssocID="{525E5362-F3E0-4733-917E-42C5F9F0456E}" presName="rect2" presStyleLbl="node1" presStyleIdx="1" presStyleCnt="4">
@@ -2295,13 +2297,6 @@
         </dgm:presLayoutVars>
       </dgm:prSet>
       <dgm:spPr/>
-      <dgm:t>
-        <a:bodyPr/>
-        <a:lstStyle/>
-        <a:p>
-          <a:endParaRPr lang="en-CA"/>
-        </a:p>
-      </dgm:t>
     </dgm:pt>
     <dgm:pt modelId="{B8C21FC4-E4A7-A049-9344-463E3626BBD2}" type="pres">
       <dgm:prSet presAssocID="{525E5362-F3E0-4733-917E-42C5F9F0456E}" presName="rect3" presStyleLbl="node1" presStyleIdx="2" presStyleCnt="4">
@@ -2312,13 +2307,6 @@
         </dgm:presLayoutVars>
       </dgm:prSet>
       <dgm:spPr/>
-      <dgm:t>
-        <a:bodyPr/>
-        <a:lstStyle/>
-        <a:p>
-          <a:endParaRPr lang="en-CA"/>
-        </a:p>
-      </dgm:t>
     </dgm:pt>
     <dgm:pt modelId="{E8D5748A-AD28-CA45-B00B-E12EF9518C10}" type="pres">
       <dgm:prSet presAssocID="{525E5362-F3E0-4733-917E-42C5F9F0456E}" presName="rect4" presStyleLbl="node1" presStyleIdx="3" presStyleCnt="4">
@@ -2329,25 +2317,18 @@
         </dgm:presLayoutVars>
       </dgm:prSet>
       <dgm:spPr/>
-      <dgm:t>
-        <a:bodyPr/>
-        <a:lstStyle/>
-        <a:p>
-          <a:endParaRPr lang="en-CA"/>
-        </a:p>
-      </dgm:t>
     </dgm:pt>
   </dgm:ptLst>
   <dgm:cxnLst>
+    <dgm:cxn modelId="{D828B731-54EE-C24A-883B-D84FFDA86582}" type="presOf" srcId="{525E5362-F3E0-4733-917E-42C5F9F0456E}" destId="{6985B73C-DC15-C24B-9DF4-F06F2E1EDEA4}" srcOrd="0" destOrd="0" presId="urn:microsoft.com/office/officeart/2005/8/layout/matrix2"/>
+    <dgm:cxn modelId="{52232D42-E242-E946-B8AE-28BB274180B2}" type="presOf" srcId="{B6218AC5-06F4-4F43-9229-417ACE6AF1E1}" destId="{256C400B-89B6-3148-BB93-8B799FCD7E07}" srcOrd="0" destOrd="0" presId="urn:microsoft.com/office/officeart/2005/8/layout/matrix2"/>
+    <dgm:cxn modelId="{C5D7D854-EB26-4603-AE4B-F1277F97494B}" srcId="{525E5362-F3E0-4733-917E-42C5F9F0456E}" destId="{ADA20A3D-4B12-4568-91BF-CD3659C20377}" srcOrd="0" destOrd="0" parTransId="{F00A17AD-9DF5-4BB2-85CB-242EC849A801}" sibTransId="{378430ED-B090-4EA2-BA6D-511459F509AC}"/>
+    <dgm:cxn modelId="{E2005A7E-DB6B-864E-8718-DA3E90F9E5F4}" type="presOf" srcId="{EF2EFCAD-77B7-4298-A872-72815CE0234C}" destId="{E8D5748A-AD28-CA45-B00B-E12EF9518C10}" srcOrd="0" destOrd="0" presId="urn:microsoft.com/office/officeart/2005/8/layout/matrix2"/>
     <dgm:cxn modelId="{5471D689-4639-EF43-9D05-C15BA8490A62}" type="presOf" srcId="{ADA20A3D-4B12-4568-91BF-CD3659C20377}" destId="{334C4CFD-303E-3747-B77D-A34B18B91235}" srcOrd="0" destOrd="0" presId="urn:microsoft.com/office/officeart/2005/8/layout/matrix2"/>
-    <dgm:cxn modelId="{52232D42-E242-E946-B8AE-28BB274180B2}" type="presOf" srcId="{B6218AC5-06F4-4F43-9229-417ACE6AF1E1}" destId="{256C400B-89B6-3148-BB93-8B799FCD7E07}" srcOrd="0" destOrd="0" presId="urn:microsoft.com/office/officeart/2005/8/layout/matrix2"/>
     <dgm:cxn modelId="{9D5421D4-C1B7-4620-B994-00E1627A1C21}" srcId="{525E5362-F3E0-4733-917E-42C5F9F0456E}" destId="{EF2EFCAD-77B7-4298-A872-72815CE0234C}" srcOrd="3" destOrd="0" parTransId="{4A712B39-E2E8-42E3-A553-FE015B435982}" sibTransId="{7B460A25-0457-4E07-914B-18F63B3D4E52}"/>
+    <dgm:cxn modelId="{043547D7-A7ED-42A8-8474-662A81BD62B0}" srcId="{525E5362-F3E0-4733-917E-42C5F9F0456E}" destId="{91FF5814-BB43-46B7-B22A-CDF058991BC7}" srcOrd="2" destOrd="0" parTransId="{123B21AB-5800-401B-97CA-92A436421861}" sibTransId="{A6A75991-C11F-4E2C-8D58-4B87F86E94B9}"/>
+    <dgm:cxn modelId="{48AA7DEA-0AEB-4CBA-A993-72F1008E2CCB}" srcId="{525E5362-F3E0-4733-917E-42C5F9F0456E}" destId="{B6218AC5-06F4-4F43-9229-417ACE6AF1E1}" srcOrd="1" destOrd="0" parTransId="{4C0B58A4-715B-4BEA-A685-62C71E26EA50}" sibTransId="{7916DDAB-76DF-4CF3-8BC6-E2247C6BEBD4}"/>
     <dgm:cxn modelId="{78B450EE-81D6-D34D-B845-188855DA45B7}" type="presOf" srcId="{91FF5814-BB43-46B7-B22A-CDF058991BC7}" destId="{B8C21FC4-E4A7-A049-9344-463E3626BBD2}" srcOrd="0" destOrd="0" presId="urn:microsoft.com/office/officeart/2005/8/layout/matrix2"/>
-    <dgm:cxn modelId="{D828B731-54EE-C24A-883B-D84FFDA86582}" type="presOf" srcId="{525E5362-F3E0-4733-917E-42C5F9F0456E}" destId="{6985B73C-DC15-C24B-9DF4-F06F2E1EDEA4}" srcOrd="0" destOrd="0" presId="urn:microsoft.com/office/officeart/2005/8/layout/matrix2"/>
-    <dgm:cxn modelId="{043547D7-A7ED-42A8-8474-662A81BD62B0}" srcId="{525E5362-F3E0-4733-917E-42C5F9F0456E}" destId="{91FF5814-BB43-46B7-B22A-CDF058991BC7}" srcOrd="2" destOrd="0" parTransId="{123B21AB-5800-401B-97CA-92A436421861}" sibTransId="{A6A75991-C11F-4E2C-8D58-4B87F86E94B9}"/>
-    <dgm:cxn modelId="{E2005A7E-DB6B-864E-8718-DA3E90F9E5F4}" type="presOf" srcId="{EF2EFCAD-77B7-4298-A872-72815CE0234C}" destId="{E8D5748A-AD28-CA45-B00B-E12EF9518C10}" srcOrd="0" destOrd="0" presId="urn:microsoft.com/office/officeart/2005/8/layout/matrix2"/>
-    <dgm:cxn modelId="{48AA7DEA-0AEB-4CBA-A993-72F1008E2CCB}" srcId="{525E5362-F3E0-4733-917E-42C5F9F0456E}" destId="{B6218AC5-06F4-4F43-9229-417ACE6AF1E1}" srcOrd="1" destOrd="0" parTransId="{4C0B58A4-715B-4BEA-A685-62C71E26EA50}" sibTransId="{7916DDAB-76DF-4CF3-8BC6-E2247C6BEBD4}"/>
-    <dgm:cxn modelId="{C5D7D854-EB26-4603-AE4B-F1277F97494B}" srcId="{525E5362-F3E0-4733-917E-42C5F9F0456E}" destId="{ADA20A3D-4B12-4568-91BF-CD3659C20377}" srcOrd="0" destOrd="0" parTransId="{F00A17AD-9DF5-4BB2-85CB-242EC849A801}" sibTransId="{378430ED-B090-4EA2-BA6D-511459F509AC}"/>
     <dgm:cxn modelId="{FED212DC-1B38-B449-95B1-7B8BC18CF4CF}" type="presParOf" srcId="{6985B73C-DC15-C24B-9DF4-F06F2E1EDEA4}" destId="{1EC33DDE-4DAC-1145-8AC6-40B71E8FFB52}" srcOrd="0" destOrd="0" presId="urn:microsoft.com/office/officeart/2005/8/layout/matrix2"/>
     <dgm:cxn modelId="{48791DF7-6A4B-4D4F-A3BA-8F742F7DCE07}" type="presParOf" srcId="{6985B73C-DC15-C24B-9DF4-F06F2E1EDEA4}" destId="{334C4CFD-303E-3747-B77D-A34B18B91235}" srcOrd="1" destOrd="0" presId="urn:microsoft.com/office/officeart/2005/8/layout/matrix2"/>
     <dgm:cxn modelId="{2EBAA3C5-2536-9248-8E85-0B1AD67685B1}" type="presParOf" srcId="{6985B73C-DC15-C24B-9DF4-F06F2E1EDEA4}" destId="{256C400B-89B6-3148-BB93-8B799FCD7E07}" srcOrd="2" destOrd="0" presId="urn:microsoft.com/office/officeart/2005/8/layout/matrix2"/>
@@ -2379,7 +2360,7 @@
       </dsp:nvSpPr>
       <dsp:spPr>
         <a:xfrm>
-          <a:off x="0" y="404"/>
+          <a:off x="0" y="1616"/>
           <a:ext cx="7915275" cy="0"/>
         </a:xfrm>
         <a:prstGeom prst="line">
@@ -2444,8 +2425,8 @@
       </dsp:nvSpPr>
       <dsp:spPr>
         <a:xfrm>
-          <a:off x="0" y="404"/>
-          <a:ext cx="7915275" cy="662001"/>
+          <a:off x="0" y="1616"/>
+          <a:ext cx="7915275" cy="551263"/>
         </a:xfrm>
         <a:prstGeom prst="rect">
           <a:avLst/>
@@ -2469,12 +2450,12 @@
         <a:fontRef idx="minor"/>
       </dsp:style>
       <dsp:txBody>
-        <a:bodyPr spcFirstLastPara="0" vert="horz" wrap="square" lIns="114300" tIns="114300" rIns="114300" bIns="114300" numCol="1" spcCol="1270" anchor="t" anchorCtr="0">
+        <a:bodyPr spcFirstLastPara="0" vert="horz" wrap="square" lIns="95250" tIns="95250" rIns="95250" bIns="95250" numCol="1" spcCol="1270" anchor="t" anchorCtr="0">
           <a:noAutofit/>
         </a:bodyPr>
         <a:lstStyle/>
         <a:p>
-          <a:pPr lvl="0" algn="l" defTabSz="1333500">
+          <a:pPr marL="0" lvl="0" indent="0" algn="l" defTabSz="1111250">
             <a:lnSpc>
               <a:spcPct val="90000"/>
             </a:lnSpc>
@@ -2484,16 +2465,17 @@
             <a:spcAft>
               <a:spcPct val="35000"/>
             </a:spcAft>
+            <a:buNone/>
           </a:pPr>
           <a:r>
-            <a:rPr lang="en-US" sz="3000" kern="1200" dirty="0"/>
+            <a:rPr lang="en-US" sz="2500" kern="1200" dirty="0"/>
             <a:t>Team Members</a:t>
           </a:r>
         </a:p>
       </dsp:txBody>
       <dsp:txXfrm>
-        <a:off x="0" y="404"/>
-        <a:ext cx="7915275" cy="662001"/>
+        <a:off x="0" y="1616"/>
+        <a:ext cx="7915275" cy="551263"/>
       </dsp:txXfrm>
     </dsp:sp>
     <dsp:sp modelId="{3C841FB7-219B-C944-8CDE-437716CD15E5}">
@@ -2503,7 +2485,7 @@
       </dsp:nvSpPr>
       <dsp:spPr>
         <a:xfrm>
-          <a:off x="0" y="662405"/>
+          <a:off x="0" y="552880"/>
           <a:ext cx="7915275" cy="0"/>
         </a:xfrm>
         <a:prstGeom prst="line">
@@ -2513,9 +2495,9 @@
           <a:gsLst>
             <a:gs pos="0">
               <a:schemeClr val="accent5">
-                <a:hueOff val="5199046"/>
-                <a:satOff val="-142"/>
-                <a:lumOff val="-785"/>
+                <a:hueOff val="4159237"/>
+                <a:satOff val="-114"/>
+                <a:lumOff val="-628"/>
                 <a:alphaOff val="0"/>
                 <a:tint val="80000"/>
                 <a:lumMod val="105000"/>
@@ -2523,9 +2505,9 @@
             </a:gs>
             <a:gs pos="100000">
               <a:schemeClr val="accent5">
-                <a:hueOff val="5199046"/>
-                <a:satOff val="-142"/>
-                <a:lumOff val="-785"/>
+                <a:hueOff val="4159237"/>
+                <a:satOff val="-114"/>
+                <a:lumOff val="-628"/>
                 <a:alphaOff val="0"/>
                 <a:tint val="90000"/>
               </a:schemeClr>
@@ -2536,9 +2518,9 @@
         <a:ln w="9525" cap="rnd" cmpd="sng" algn="ctr">
           <a:solidFill>
             <a:schemeClr val="accent5">
-              <a:hueOff val="5199046"/>
-              <a:satOff val="-142"/>
-              <a:lumOff val="-785"/>
+              <a:hueOff val="4159237"/>
+              <a:satOff val="-114"/>
+              <a:lumOff val="-628"/>
               <a:alphaOff val="0"/>
             </a:schemeClr>
           </a:solidFill>
@@ -2568,8 +2550,8 @@
       </dsp:nvSpPr>
       <dsp:spPr>
         <a:xfrm>
-          <a:off x="0" y="662405"/>
-          <a:ext cx="7915275" cy="662001"/>
+          <a:off x="0" y="552880"/>
+          <a:ext cx="7915275" cy="551263"/>
         </a:xfrm>
         <a:prstGeom prst="rect">
           <a:avLst/>
@@ -2593,12 +2575,12 @@
         <a:fontRef idx="minor"/>
       </dsp:style>
       <dsp:txBody>
-        <a:bodyPr spcFirstLastPara="0" vert="horz" wrap="square" lIns="114300" tIns="114300" rIns="114300" bIns="114300" numCol="1" spcCol="1270" anchor="t" anchorCtr="0">
+        <a:bodyPr spcFirstLastPara="0" vert="horz" wrap="square" lIns="95250" tIns="95250" rIns="95250" bIns="95250" numCol="1" spcCol="1270" anchor="t" anchorCtr="0">
           <a:noAutofit/>
         </a:bodyPr>
         <a:lstStyle/>
         <a:p>
-          <a:pPr lvl="0" algn="l" defTabSz="1333500">
+          <a:pPr marL="0" lvl="0" indent="0" algn="l" defTabSz="1111250">
             <a:lnSpc>
               <a:spcPct val="90000"/>
             </a:lnSpc>
@@ -2608,16 +2590,17 @@
             <a:spcAft>
               <a:spcPct val="35000"/>
             </a:spcAft>
+            <a:buNone/>
           </a:pPr>
           <a:r>
-            <a:rPr lang="en-US" sz="3000" kern="1200" dirty="0"/>
+            <a:rPr lang="en-US" sz="2500" kern="1200" dirty="0"/>
             <a:t>Features</a:t>
           </a:r>
         </a:p>
       </dsp:txBody>
       <dsp:txXfrm>
-        <a:off x="0" y="662405"/>
-        <a:ext cx="7915275" cy="662001"/>
+        <a:off x="0" y="552880"/>
+        <a:ext cx="7915275" cy="551263"/>
       </dsp:txXfrm>
     </dsp:sp>
     <dsp:sp modelId="{8463D5D5-B945-A745-AF01-54BE1CC0DF37}">
@@ -2627,7 +2610,7 @@
       </dsp:nvSpPr>
       <dsp:spPr>
         <a:xfrm>
-          <a:off x="0" y="1324407"/>
+          <a:off x="0" y="1104144"/>
           <a:ext cx="7915275" cy="0"/>
         </a:xfrm>
         <a:prstGeom prst="line">
@@ -2637,9 +2620,9 @@
           <a:gsLst>
             <a:gs pos="0">
               <a:schemeClr val="accent5">
-                <a:hueOff val="10398092"/>
-                <a:satOff val="-284"/>
-                <a:lumOff val="-1569"/>
+                <a:hueOff val="8318473"/>
+                <a:satOff val="-227"/>
+                <a:lumOff val="-1255"/>
                 <a:alphaOff val="0"/>
                 <a:tint val="80000"/>
                 <a:lumMod val="105000"/>
@@ -2647,9 +2630,9 @@
             </a:gs>
             <a:gs pos="100000">
               <a:schemeClr val="accent5">
-                <a:hueOff val="10398092"/>
-                <a:satOff val="-284"/>
-                <a:lumOff val="-1569"/>
+                <a:hueOff val="8318473"/>
+                <a:satOff val="-227"/>
+                <a:lumOff val="-1255"/>
                 <a:alphaOff val="0"/>
                 <a:tint val="90000"/>
               </a:schemeClr>
@@ -2660,9 +2643,9 @@
         <a:ln w="9525" cap="rnd" cmpd="sng" algn="ctr">
           <a:solidFill>
             <a:schemeClr val="accent5">
-              <a:hueOff val="10398092"/>
-              <a:satOff val="-284"/>
-              <a:lumOff val="-1569"/>
+              <a:hueOff val="8318473"/>
+              <a:satOff val="-227"/>
+              <a:lumOff val="-1255"/>
               <a:alphaOff val="0"/>
             </a:schemeClr>
           </a:solidFill>
@@ -2692,8 +2675,8 @@
       </dsp:nvSpPr>
       <dsp:spPr>
         <a:xfrm>
-          <a:off x="0" y="1324407"/>
-          <a:ext cx="7915275" cy="662001"/>
+          <a:off x="0" y="1104144"/>
+          <a:ext cx="7915275" cy="551263"/>
         </a:xfrm>
         <a:prstGeom prst="rect">
           <a:avLst/>
@@ -2717,12 +2700,12 @@
         <a:fontRef idx="minor"/>
       </dsp:style>
       <dsp:txBody>
-        <a:bodyPr spcFirstLastPara="0" vert="horz" wrap="square" lIns="114300" tIns="114300" rIns="114300" bIns="114300" numCol="1" spcCol="1270" anchor="t" anchorCtr="0">
+        <a:bodyPr spcFirstLastPara="0" vert="horz" wrap="square" lIns="95250" tIns="95250" rIns="95250" bIns="95250" numCol="1" spcCol="1270" anchor="t" anchorCtr="0">
           <a:noAutofit/>
         </a:bodyPr>
         <a:lstStyle/>
         <a:p>
-          <a:pPr lvl="0" algn="l" defTabSz="1333500">
+          <a:pPr marL="0" lvl="0" indent="0" algn="l" defTabSz="1111250">
             <a:lnSpc>
               <a:spcPct val="90000"/>
             </a:lnSpc>
@@ -2732,26 +2715,27 @@
             <a:spcAft>
               <a:spcPct val="35000"/>
             </a:spcAft>
+            <a:buNone/>
           </a:pPr>
           <a:r>
-            <a:rPr lang="en-US" sz="3000" kern="1200" dirty="0"/>
+            <a:rPr lang="en-US" sz="2500" kern="1200" dirty="0"/>
             <a:t>Target Audience &amp; Uniqueness</a:t>
           </a:r>
         </a:p>
       </dsp:txBody>
       <dsp:txXfrm>
-        <a:off x="0" y="1324407"/>
-        <a:ext cx="7915275" cy="662001"/>
+        <a:off x="0" y="1104144"/>
+        <a:ext cx="7915275" cy="551263"/>
       </dsp:txXfrm>
     </dsp:sp>
-    <dsp:sp modelId="{803C4B3A-C34F-E242-97BA-4F5566F5D147}">
+    <dsp:sp modelId="{9D99E01D-08C9-42CD-8B44-5C010141EC22}">
       <dsp:nvSpPr>
         <dsp:cNvPr id="0" name=""/>
         <dsp:cNvSpPr/>
       </dsp:nvSpPr>
       <dsp:spPr>
         <a:xfrm>
-          <a:off x="0" y="1986408"/>
+          <a:off x="0" y="1655407"/>
           <a:ext cx="7915275" cy="0"/>
         </a:xfrm>
         <a:prstGeom prst="line">
@@ -2761,9 +2745,9 @@
           <a:gsLst>
             <a:gs pos="0">
               <a:schemeClr val="accent5">
-                <a:hueOff val="15597138"/>
-                <a:satOff val="-426"/>
-                <a:lumOff val="-2354"/>
+                <a:hueOff val="12477710"/>
+                <a:satOff val="-341"/>
+                <a:lumOff val="-1883"/>
                 <a:alphaOff val="0"/>
                 <a:tint val="80000"/>
                 <a:lumMod val="105000"/>
@@ -2771,9 +2755,9 @@
             </a:gs>
             <a:gs pos="100000">
               <a:schemeClr val="accent5">
-                <a:hueOff val="15597138"/>
-                <a:satOff val="-426"/>
-                <a:lumOff val="-2354"/>
+                <a:hueOff val="12477710"/>
+                <a:satOff val="-341"/>
+                <a:lumOff val="-1883"/>
                 <a:alphaOff val="0"/>
                 <a:tint val="90000"/>
               </a:schemeClr>
@@ -2784,9 +2768,134 @@
         <a:ln w="9525" cap="rnd" cmpd="sng" algn="ctr">
           <a:solidFill>
             <a:schemeClr val="accent5">
-              <a:hueOff val="15597138"/>
-              <a:satOff val="-426"/>
-              <a:lumOff val="-2354"/>
+              <a:hueOff val="12477710"/>
+              <a:satOff val="-341"/>
+              <a:lumOff val="-1883"/>
+              <a:alphaOff val="0"/>
+            </a:schemeClr>
+          </a:solidFill>
+          <a:prstDash val="solid"/>
+        </a:ln>
+        <a:effectLst/>
+      </dsp:spPr>
+      <dsp:style>
+        <a:lnRef idx="1">
+          <a:scrgbClr r="0" g="0" b="0"/>
+        </a:lnRef>
+        <a:fillRef idx="2">
+          <a:scrgbClr r="0" g="0" b="0"/>
+        </a:fillRef>
+        <a:effectRef idx="1">
+          <a:scrgbClr r="0" g="0" b="0"/>
+        </a:effectRef>
+        <a:fontRef idx="minor">
+          <a:schemeClr val="dk1"/>
+        </a:fontRef>
+      </dsp:style>
+    </dsp:sp>
+    <dsp:sp modelId="{DC916959-FEEB-48BE-B291-17D5E2A6B00B}">
+      <dsp:nvSpPr>
+        <dsp:cNvPr id="0" name=""/>
+        <dsp:cNvSpPr/>
+      </dsp:nvSpPr>
+      <dsp:spPr>
+        <a:xfrm>
+          <a:off x="0" y="1655408"/>
+          <a:ext cx="7915275" cy="551263"/>
+        </a:xfrm>
+        <a:prstGeom prst="rect">
+          <a:avLst/>
+        </a:prstGeom>
+        <a:noFill/>
+        <a:ln>
+          <a:noFill/>
+        </a:ln>
+        <a:effectLst/>
+      </dsp:spPr>
+      <dsp:style>
+        <a:lnRef idx="0">
+          <a:scrgbClr r="0" g="0" b="0"/>
+        </a:lnRef>
+        <a:fillRef idx="0">
+          <a:scrgbClr r="0" g="0" b="0"/>
+        </a:fillRef>
+        <a:effectRef idx="0">
+          <a:scrgbClr r="0" g="0" b="0"/>
+        </a:effectRef>
+        <a:fontRef idx="minor"/>
+      </dsp:style>
+      <dsp:txBody>
+        <a:bodyPr spcFirstLastPara="0" vert="horz" wrap="square" lIns="95250" tIns="95250" rIns="95250" bIns="95250" numCol="1" spcCol="1270" anchor="t" anchorCtr="0">
+          <a:noAutofit/>
+        </a:bodyPr>
+        <a:lstStyle/>
+        <a:p>
+          <a:pPr marL="0" lvl="0" indent="0" algn="l" defTabSz="1111250">
+            <a:lnSpc>
+              <a:spcPct val="90000"/>
+            </a:lnSpc>
+            <a:spcBef>
+              <a:spcPct val="0"/>
+            </a:spcBef>
+            <a:spcAft>
+              <a:spcPct val="35000"/>
+            </a:spcAft>
+            <a:buNone/>
+          </a:pPr>
+          <a:r>
+            <a:rPr lang="en-US" sz="2500" kern="1200" dirty="0"/>
+            <a:t>Challenges</a:t>
+          </a:r>
+        </a:p>
+      </dsp:txBody>
+      <dsp:txXfrm>
+        <a:off x="0" y="1655408"/>
+        <a:ext cx="7915275" cy="551263"/>
+      </dsp:txXfrm>
+    </dsp:sp>
+    <dsp:sp modelId="{803C4B3A-C34F-E242-97BA-4F5566F5D147}">
+      <dsp:nvSpPr>
+        <dsp:cNvPr id="0" name=""/>
+        <dsp:cNvSpPr/>
+      </dsp:nvSpPr>
+      <dsp:spPr>
+        <a:xfrm>
+          <a:off x="0" y="2206671"/>
+          <a:ext cx="7915275" cy="0"/>
+        </a:xfrm>
+        <a:prstGeom prst="line">
+          <a:avLst/>
+        </a:prstGeom>
+        <a:gradFill rotWithShape="0">
+          <a:gsLst>
+            <a:gs pos="0">
+              <a:schemeClr val="accent5">
+                <a:hueOff val="16636946"/>
+                <a:satOff val="-454"/>
+                <a:lumOff val="-2510"/>
+                <a:alphaOff val="0"/>
+                <a:tint val="80000"/>
+                <a:lumMod val="105000"/>
+              </a:schemeClr>
+            </a:gs>
+            <a:gs pos="100000">
+              <a:schemeClr val="accent5">
+                <a:hueOff val="16636946"/>
+                <a:satOff val="-454"/>
+                <a:lumOff val="-2510"/>
+                <a:alphaOff val="0"/>
+                <a:tint val="90000"/>
+              </a:schemeClr>
+            </a:gs>
+          </a:gsLst>
+          <a:lin ang="5400000" scaled="0"/>
+        </a:gradFill>
+        <a:ln w="9525" cap="rnd" cmpd="sng" algn="ctr">
+          <a:solidFill>
+            <a:schemeClr val="accent5">
+              <a:hueOff val="16636946"/>
+              <a:satOff val="-454"/>
+              <a:lumOff val="-2510"/>
               <a:alphaOff val="0"/>
             </a:schemeClr>
           </a:solidFill>
@@ -2816,8 +2925,8 @@
       </dsp:nvSpPr>
       <dsp:spPr>
         <a:xfrm>
-          <a:off x="0" y="1986408"/>
-          <a:ext cx="7915275" cy="662001"/>
+          <a:off x="0" y="2206671"/>
+          <a:ext cx="7915275" cy="551263"/>
         </a:xfrm>
         <a:prstGeom prst="rect">
           <a:avLst/>
@@ -2841,12 +2950,12 @@
         <a:fontRef idx="minor"/>
       </dsp:style>
       <dsp:txBody>
-        <a:bodyPr spcFirstLastPara="0" vert="horz" wrap="square" lIns="114300" tIns="114300" rIns="114300" bIns="114300" numCol="1" spcCol="1270" anchor="t" anchorCtr="0">
+        <a:bodyPr spcFirstLastPara="0" vert="horz" wrap="square" lIns="95250" tIns="95250" rIns="95250" bIns="95250" numCol="1" spcCol="1270" anchor="t" anchorCtr="0">
           <a:noAutofit/>
         </a:bodyPr>
         <a:lstStyle/>
         <a:p>
-          <a:pPr lvl="0" algn="l" defTabSz="1333500">
+          <a:pPr marL="0" lvl="0" indent="0" algn="l" defTabSz="1111250">
             <a:lnSpc>
               <a:spcPct val="90000"/>
             </a:lnSpc>
@@ -2856,17 +2965,17 @@
             <a:spcAft>
               <a:spcPct val="35000"/>
             </a:spcAft>
+            <a:buNone/>
           </a:pPr>
           <a:r>
-            <a:rPr lang="en-US" sz="3000" kern="1200" dirty="0" smtClean="0"/>
+            <a:rPr lang="en-US" sz="2500" kern="1200" dirty="0"/>
             <a:t>Demo</a:t>
           </a:r>
-          <a:endParaRPr lang="en-US" sz="3000" kern="1200" dirty="0"/>
         </a:p>
       </dsp:txBody>
       <dsp:txXfrm>
-        <a:off x="0" y="1986408"/>
-        <a:ext cx="7915275" cy="662001"/>
+        <a:off x="0" y="2206671"/>
+        <a:ext cx="7915275" cy="551263"/>
       </dsp:txXfrm>
     </dsp:sp>
     <dsp:sp modelId="{EDD1787A-0296-3748-AACA-61FDF323402D}">
@@ -2876,7 +2985,7 @@
       </dsp:nvSpPr>
       <dsp:spPr>
         <a:xfrm>
-          <a:off x="0" y="2648410"/>
+          <a:off x="0" y="2757935"/>
           <a:ext cx="7915275" cy="0"/>
         </a:xfrm>
         <a:prstGeom prst="line">
@@ -2941,8 +3050,8 @@
       </dsp:nvSpPr>
       <dsp:spPr>
         <a:xfrm>
-          <a:off x="0" y="2648410"/>
-          <a:ext cx="7915275" cy="662001"/>
+          <a:off x="0" y="2757935"/>
+          <a:ext cx="7915275" cy="551263"/>
         </a:xfrm>
         <a:prstGeom prst="rect">
           <a:avLst/>
@@ -2966,12 +3075,12 @@
         <a:fontRef idx="minor"/>
       </dsp:style>
       <dsp:txBody>
-        <a:bodyPr spcFirstLastPara="0" vert="horz" wrap="square" lIns="114300" tIns="114300" rIns="114300" bIns="114300" numCol="1" spcCol="1270" anchor="t" anchorCtr="0">
+        <a:bodyPr spcFirstLastPara="0" vert="horz" wrap="square" lIns="95250" tIns="95250" rIns="95250" bIns="95250" numCol="1" spcCol="1270" anchor="t" anchorCtr="0">
           <a:noAutofit/>
         </a:bodyPr>
         <a:lstStyle/>
         <a:p>
-          <a:pPr lvl="0" algn="l" defTabSz="1333500">
+          <a:pPr marL="0" lvl="0" indent="0" algn="l" defTabSz="1111250">
             <a:lnSpc>
               <a:spcPct val="90000"/>
             </a:lnSpc>
@@ -2981,16 +3090,17 @@
             <a:spcAft>
               <a:spcPct val="35000"/>
             </a:spcAft>
+            <a:buNone/>
           </a:pPr>
           <a:r>
-            <a:rPr lang="en-US" sz="3000" kern="1200" dirty="0"/>
+            <a:rPr lang="en-US" sz="2500" kern="1200" dirty="0"/>
             <a:t>Questions</a:t>
           </a:r>
         </a:p>
       </dsp:txBody>
       <dsp:txXfrm>
-        <a:off x="0" y="2648410"/>
-        <a:ext cx="7915275" cy="662001"/>
+        <a:off x="0" y="2757935"/>
+        <a:ext cx="7915275" cy="551263"/>
       </dsp:txXfrm>
     </dsp:sp>
   </dsp:spTree>
@@ -3118,7 +3228,7 @@
         </a:bodyPr>
         <a:lstStyle/>
         <a:p>
-          <a:pPr lvl="0" algn="ctr" defTabSz="844550">
+          <a:pPr marL="0" lvl="0" indent="0" algn="ctr" defTabSz="844550">
             <a:lnSpc>
               <a:spcPct val="90000"/>
             </a:lnSpc>
@@ -3128,6 +3238,7 @@
             <a:spcAft>
               <a:spcPct val="35000"/>
             </a:spcAft>
+            <a:buNone/>
           </a:pPr>
           <a:r>
             <a:rPr lang="en-US" sz="1900" kern="1200"/>
@@ -3209,7 +3320,7 @@
         </a:bodyPr>
         <a:lstStyle/>
         <a:p>
-          <a:pPr lvl="0" algn="ctr" defTabSz="844550">
+          <a:pPr marL="0" lvl="0" indent="0" algn="ctr" defTabSz="844550">
             <a:lnSpc>
               <a:spcPct val="90000"/>
             </a:lnSpc>
@@ -3219,6 +3330,7 @@
             <a:spcAft>
               <a:spcPct val="35000"/>
             </a:spcAft>
+            <a:buNone/>
           </a:pPr>
           <a:r>
             <a:rPr lang="en-US" sz="1900" kern="1200"/>
@@ -3300,7 +3412,7 @@
         </a:bodyPr>
         <a:lstStyle/>
         <a:p>
-          <a:pPr lvl="0" algn="ctr" defTabSz="844550">
+          <a:pPr marL="0" lvl="0" indent="0" algn="ctr" defTabSz="844550">
             <a:lnSpc>
               <a:spcPct val="90000"/>
             </a:lnSpc>
@@ -3310,6 +3422,7 @@
             <a:spcAft>
               <a:spcPct val="35000"/>
             </a:spcAft>
+            <a:buNone/>
           </a:pPr>
           <a:r>
             <a:rPr lang="en-US" sz="1900" kern="1200"/>
@@ -3391,7 +3504,7 @@
         </a:bodyPr>
         <a:lstStyle/>
         <a:p>
-          <a:pPr lvl="0" algn="ctr" defTabSz="844550">
+          <a:pPr marL="0" lvl="0" indent="0" algn="ctr" defTabSz="844550">
             <a:lnSpc>
               <a:spcPct val="90000"/>
             </a:lnSpc>
@@ -3401,6 +3514,7 @@
             <a:spcAft>
               <a:spcPct val="35000"/>
             </a:spcAft>
+            <a:buNone/>
           </a:pPr>
           <a:r>
             <a:rPr lang="en-US" sz="1900" kern="1200"/>
@@ -11649,7 +11763,7 @@
           <p:cNvPr id="14" name="Content Placeholder 2">
             <a:extLst>
               <a:ext uri="{FF2B5EF4-FFF2-40B4-BE49-F238E27FC236}">
-                <a16:creationId xmlns:a16="http://schemas.microsoft.com/office/drawing/2014/main" xmlns="" id="{57A3AA4E-E166-40C8-8212-15C07AA30DD9}"/>
+                <a16:creationId xmlns:a16="http://schemas.microsoft.com/office/drawing/2014/main" id="{57A3AA4E-E166-40C8-8212-15C07AA30DD9}"/>
               </a:ext>
             </a:extLst>
           </p:cNvPr>
@@ -11660,7 +11774,7 @@
             <p:ph idx="1"/>
             <p:extLst>
               <p:ext uri="{D42A27DB-BD31-4B8C-83A1-F6EECF244321}">
-                <p14:modId xmlns:p14="http://schemas.microsoft.com/office/powerpoint/2010/main" val="2350911197"/>
+                <p14:modId xmlns:p14="http://schemas.microsoft.com/office/powerpoint/2010/main" val="1537049709"/>
               </p:ext>
             </p:extLst>
           </p:nvPr>
@@ -11718,7 +11832,7 @@
           <p:cNvPr id="21" name="Rectangle 20">
             <a:extLst>
               <a:ext uri="{FF2B5EF4-FFF2-40B4-BE49-F238E27FC236}">
-                <a16:creationId xmlns:a16="http://schemas.microsoft.com/office/drawing/2014/main" xmlns="" id="{B2B82547-2424-4E7A-A98B-75206EE73028}"/>
+                <a16:creationId xmlns:a16="http://schemas.microsoft.com/office/drawing/2014/main" id="{B2B82547-2424-4E7A-A98B-75206EE73028}"/>
               </a:ext>
             </a:extLst>
           </p:cNvPr>
@@ -11728,7 +11842,7 @@
           <p:nvPr>
             <p:extLst>
               <p:ext uri="{386F3935-93C4-4BCD-93E2-E3B085C9AB24}">
-                <p16:designElem xmlns:p16="http://schemas.microsoft.com/office/powerpoint/2015/main" xmlns="" val="1"/>
+                <p16:designElem xmlns:p16="http://schemas.microsoft.com/office/powerpoint/2015/main" val="1"/>
               </p:ext>
             </p:extLst>
           </p:nvPr>
@@ -11775,7 +11889,7 @@
           <p:cNvPr id="23" name="Freeform 23">
             <a:extLst>
               <a:ext uri="{FF2B5EF4-FFF2-40B4-BE49-F238E27FC236}">
-                <a16:creationId xmlns:a16="http://schemas.microsoft.com/office/drawing/2014/main" xmlns="" id="{5109BC2F-9616-4D7D-9E98-57898009A828}"/>
+                <a16:creationId xmlns:a16="http://schemas.microsoft.com/office/drawing/2014/main" id="{5109BC2F-9616-4D7D-9E98-57898009A828}"/>
               </a:ext>
             </a:extLst>
           </p:cNvPr>
@@ -11785,7 +11899,7 @@
           <p:nvPr>
             <p:extLst>
               <p:ext uri="{386F3935-93C4-4BCD-93E2-E3B085C9AB24}">
-                <p16:designElem xmlns:p16="http://schemas.microsoft.com/office/powerpoint/2015/main" xmlns="" val="1"/>
+                <p16:designElem xmlns:p16="http://schemas.microsoft.com/office/powerpoint/2015/main" val="1"/>
               </p:ext>
             </p:extLst>
           </p:nvPr>
@@ -12008,7 +12122,7 @@
           <p:cNvPr id="16" name="Content Placeholder 2">
             <a:extLst>
               <a:ext uri="{FF2B5EF4-FFF2-40B4-BE49-F238E27FC236}">
-                <a16:creationId xmlns:a16="http://schemas.microsoft.com/office/drawing/2014/main" xmlns="" id="{34CBDB6D-A946-43A9-BD74-F5B356ECCEDC}"/>
+                <a16:creationId xmlns:a16="http://schemas.microsoft.com/office/drawing/2014/main" id="{34CBDB6D-A946-43A9-BD74-F5B356ECCEDC}"/>
               </a:ext>
             </a:extLst>
           </p:cNvPr>
@@ -12077,7 +12191,7 @@
           <p:cNvPr id="8" name="Rectangle 7">
             <a:extLst>
               <a:ext uri="{FF2B5EF4-FFF2-40B4-BE49-F238E27FC236}">
-                <a16:creationId xmlns:a16="http://schemas.microsoft.com/office/drawing/2014/main" xmlns="" id="{089A69AF-D57B-49B4-886C-D4A5DC194421}"/>
+                <a16:creationId xmlns:a16="http://schemas.microsoft.com/office/drawing/2014/main" id="{089A69AF-D57B-49B4-886C-D4A5DC194421}"/>
               </a:ext>
             </a:extLst>
           </p:cNvPr>
@@ -12087,7 +12201,7 @@
           <p:nvPr>
             <p:extLst>
               <p:ext uri="{386F3935-93C4-4BCD-93E2-E3B085C9AB24}">
-                <p16:designElem xmlns:p16="http://schemas.microsoft.com/office/powerpoint/2015/main" xmlns="" val="1"/>
+                <p16:designElem xmlns:p16="http://schemas.microsoft.com/office/powerpoint/2015/main" val="1"/>
               </p:ext>
             </p:extLst>
           </p:nvPr>
@@ -12134,7 +12248,7 @@
           <p:cNvPr id="10" name="Freeform: Shape 9">
             <a:extLst>
               <a:ext uri="{FF2B5EF4-FFF2-40B4-BE49-F238E27FC236}">
-                <a16:creationId xmlns:a16="http://schemas.microsoft.com/office/drawing/2014/main" xmlns="" id="{CABDC08D-6093-4397-92D4-54D00E2BB1C2}"/>
+                <a16:creationId xmlns:a16="http://schemas.microsoft.com/office/drawing/2014/main" id="{CABDC08D-6093-4397-92D4-54D00E2BB1C2}"/>
               </a:ext>
             </a:extLst>
           </p:cNvPr>
@@ -12144,7 +12258,7 @@
           <p:nvPr>
             <p:extLst>
               <p:ext uri="{386F3935-93C4-4BCD-93E2-E3B085C9AB24}">
-                <p16:designElem xmlns:p16="http://schemas.microsoft.com/office/powerpoint/2015/main" xmlns="" val="1"/>
+                <p16:designElem xmlns:p16="http://schemas.microsoft.com/office/powerpoint/2015/main" val="1"/>
               </p:ext>
             </p:extLst>
           </p:nvPr>
@@ -12388,7 +12502,7 @@
           <a:lstStyle/>
           <a:p>
             <a:r>
-              <a:rPr lang="en-US" dirty="0" err="1" smtClean="0"/>
+              <a:rPr lang="en-US" dirty="0" err="1"/>
               <a:t>WaterQwiz</a:t>
             </a:r>
             <a:endParaRPr lang="en-CA" dirty="0"/>
@@ -12419,22 +12533,14 @@
           <a:lstStyle/>
           <a:p>
             <a:r>
-              <a:rPr lang="en-US" dirty="0" smtClean="0"/>
-              <a:t>Web and Mobile </a:t>
+              <a:rPr lang="en-US" dirty="0"/>
+              <a:t>Web and Mobile quiz game </a:t>
             </a:r>
-            <a:r>
-              <a:rPr lang="en-US" dirty="0"/>
-              <a:t>quiz game </a:t>
-            </a:r>
-          </a:p>
-          <a:p>
-            <a:r>
-              <a:rPr lang="en-US" altLang="zh-TW" dirty="0" smtClean="0"/>
-              <a:t>Educate users about water </a:t>
-            </a:r>
+          </a:p>
+          <a:p>
             <a:r>
               <a:rPr lang="en-US" altLang="zh-TW" dirty="0"/>
-              <a:t>wasting </a:t>
+              <a:t>Educate users about water wasting </a:t>
             </a:r>
           </a:p>
           <a:p>
@@ -12447,13 +12553,8 @@
           <a:p>
             <a:r>
               <a:rPr lang="en-US" dirty="0"/>
-              <a:t>Fun and </a:t>
+              <a:t>Fun and Engaging</a:t>
             </a:r>
-            <a:r>
-              <a:rPr lang="en-US" dirty="0" smtClean="0"/>
-              <a:t>Engaging</a:t>
-            </a:r>
-            <a:endParaRPr lang="en-US" dirty="0"/>
           </a:p>
         </p:txBody>
       </p:sp>
@@ -12500,7 +12601,7 @@
           <p:cNvPr id="8" name="Rectangle 7">
             <a:extLst>
               <a:ext uri="{FF2B5EF4-FFF2-40B4-BE49-F238E27FC236}">
-                <a16:creationId xmlns:a16="http://schemas.microsoft.com/office/drawing/2014/main" xmlns="" id="{089A69AF-D57B-49B4-886C-D4A5DC194421}"/>
+                <a16:creationId xmlns:a16="http://schemas.microsoft.com/office/drawing/2014/main" id="{089A69AF-D57B-49B4-886C-D4A5DC194421}"/>
               </a:ext>
             </a:extLst>
           </p:cNvPr>
@@ -12510,7 +12611,7 @@
           <p:nvPr>
             <p:extLst>
               <p:ext uri="{386F3935-93C4-4BCD-93E2-E3B085C9AB24}">
-                <p16:designElem xmlns:p16="http://schemas.microsoft.com/office/powerpoint/2015/main" xmlns="" val="1"/>
+                <p16:designElem xmlns:p16="http://schemas.microsoft.com/office/powerpoint/2015/main" val="1"/>
               </p:ext>
             </p:extLst>
           </p:nvPr>
@@ -12557,7 +12658,7 @@
           <p:cNvPr id="10" name="Freeform: Shape 9">
             <a:extLst>
               <a:ext uri="{FF2B5EF4-FFF2-40B4-BE49-F238E27FC236}">
-                <a16:creationId xmlns:a16="http://schemas.microsoft.com/office/drawing/2014/main" xmlns="" id="{CABDC08D-6093-4397-92D4-54D00E2BB1C2}"/>
+                <a16:creationId xmlns:a16="http://schemas.microsoft.com/office/drawing/2014/main" id="{CABDC08D-6093-4397-92D4-54D00E2BB1C2}"/>
               </a:ext>
             </a:extLst>
           </p:cNvPr>
@@ -12567,7 +12668,7 @@
           <p:nvPr>
             <p:extLst>
               <p:ext uri="{386F3935-93C4-4BCD-93E2-E3B085C9AB24}">
-                <p16:designElem xmlns:p16="http://schemas.microsoft.com/office/powerpoint/2015/main" xmlns="" val="1"/>
+                <p16:designElem xmlns:p16="http://schemas.microsoft.com/office/powerpoint/2015/main" val="1"/>
               </p:ext>
             </p:extLst>
           </p:nvPr>
@@ -12842,12 +12943,8 @@
           <a:lstStyle/>
           <a:p>
             <a:r>
-              <a:rPr lang="en-US" dirty="0" smtClean="0"/>
-              <a:t>Timer </a:t>
-            </a:r>
-            <a:r>
               <a:rPr lang="en-US" dirty="0"/>
-              <a:t>and health bar as a water gauge</a:t>
+              <a:t>Timer and health bar as a “water gauge”</a:t>
             </a:r>
           </a:p>
           <a:p>
@@ -12955,10 +13052,9 @@
           </a:p>
           <a:p>
             <a:r>
-              <a:rPr lang="en-US" dirty="0" smtClean="0"/>
+              <a:rPr lang="en-US" dirty="0"/>
               <a:t>Timer</a:t>
             </a:r>
-            <a:endParaRPr lang="en-US" dirty="0"/>
           </a:p>
           <a:p>
             <a:r>
@@ -13012,7 +13108,13 @@
       </p:grpSpPr>
       <p:sp>
         <p:nvSpPr>
-          <p:cNvPr id="2" name="Title 1"/>
+          <p:cNvPr id="2" name="Title 1">
+            <a:extLst>
+              <a:ext uri="{FF2B5EF4-FFF2-40B4-BE49-F238E27FC236}">
+                <a16:creationId xmlns:a16="http://schemas.microsoft.com/office/drawing/2014/main" id="{5BF03A07-2297-4E88-8FA4-2C97CD4F8386}"/>
+              </a:ext>
+            </a:extLst>
+          </p:cNvPr>
           <p:cNvSpPr>
             <a:spLocks noGrp="1"/>
           </p:cNvSpPr>
@@ -13026,8 +13128,8 @@
           <a:lstStyle/>
           <a:p>
             <a:r>
-              <a:rPr lang="en-CA" dirty="0" smtClean="0"/>
-              <a:t>Demo</a:t>
+              <a:rPr lang="en-US" dirty="0"/>
+              <a:t>Challenges</a:t>
             </a:r>
             <a:endParaRPr lang="en-CA" dirty="0"/>
           </a:p>
@@ -13035,7 +13137,13 @@
       </p:sp>
       <p:sp>
         <p:nvSpPr>
-          <p:cNvPr id="3" name="Content Placeholder 2"/>
+          <p:cNvPr id="3" name="Content Placeholder 2">
+            <a:extLst>
+              <a:ext uri="{FF2B5EF4-FFF2-40B4-BE49-F238E27FC236}">
+                <a16:creationId xmlns:a16="http://schemas.microsoft.com/office/drawing/2014/main" id="{B8FD2C0E-F010-4AC9-9E26-2BD772F57429}"/>
+              </a:ext>
+            </a:extLst>
+          </p:cNvPr>
           <p:cNvSpPr>
             <a:spLocks noGrp="1"/>
           </p:cNvSpPr>
@@ -13049,19 +13157,75 @@
           <a:lstStyle/>
           <a:p>
             <a:r>
-              <a:rPr lang="en-CA" dirty="0"/>
-              <a:t>https://waterqwiz.azurewebsites.net/</a:t>
+              <a:rPr lang="en-US" dirty="0"/>
+              <a:t>Challenge #1: Easter egg</a:t>
             </a:r>
           </a:p>
           <a:p>
-            <a:endParaRPr lang="en-CA" dirty="0"/>
+            <a:pPr>
+              <a:buFontTx/>
+              <a:buChar char="-"/>
+            </a:pPr>
+            <a:r>
+              <a:rPr lang="en-US" dirty="0"/>
+              <a:t>10 clicks on main menu banner goes to </a:t>
+            </a:r>
+            <a:r>
+              <a:rPr lang="en-US" dirty="0">
+                <a:hlinkClick r:id="rId2"/>
+              </a:rPr>
+              <a:t>http://www.jacobsmith.xyz</a:t>
+            </a:r>
+            <a:endParaRPr lang="en-US" dirty="0"/>
+          </a:p>
+          <a:p>
+            <a:pPr>
+              <a:buFontTx/>
+              <a:buChar char="-"/>
+            </a:pPr>
+            <a:r>
+              <a:rPr lang="en-US" dirty="0" err="1"/>
+              <a:t>Drippy’s</a:t>
+            </a:r>
+            <a:r>
+              <a:rPr lang="en-US" dirty="0"/>
+              <a:t> cousin is vaguely seen in the main menu background</a:t>
+            </a:r>
+          </a:p>
+          <a:p>
+            <a:pPr>
+              <a:buFont typeface="Courier New" panose="02070309020205020404" pitchFamily="49" charset="0"/>
+              <a:buChar char="o"/>
+            </a:pPr>
+            <a:r>
+              <a:rPr lang="en-US" dirty="0"/>
+              <a:t>Challenge #2: API</a:t>
+            </a:r>
+          </a:p>
+          <a:p>
+            <a:pPr>
+              <a:buFontTx/>
+              <a:buChar char="-"/>
+            </a:pPr>
+            <a:r>
+              <a:rPr lang="en-US" dirty="0"/>
+              <a:t>Google Analytics – monitoring </a:t>
+            </a:r>
+            <a:r>
+              <a:rPr lang="en-US"/>
+              <a:t>the app’s </a:t>
+            </a:r>
+            <a:r>
+              <a:rPr lang="en-US" dirty="0"/>
+              <a:t>activities</a:t>
+            </a:r>
           </a:p>
         </p:txBody>
       </p:sp>
     </p:spTree>
     <p:extLst>
       <p:ext uri="{BB962C8B-B14F-4D97-AF65-F5344CB8AC3E}">
-        <p14:creationId xmlns:p14="http://schemas.microsoft.com/office/powerpoint/2010/main" val="544006469"/>
+        <p14:creationId xmlns:p14="http://schemas.microsoft.com/office/powerpoint/2010/main" val="4130618205"/>
       </p:ext>
     </p:extLst>
   </p:cSld>
@@ -13104,6 +13268,83 @@
           <a:lstStyle/>
           <a:p>
             <a:r>
+              <a:rPr lang="en-CA" dirty="0"/>
+              <a:t>Demo</a:t>
+            </a:r>
+          </a:p>
+        </p:txBody>
+      </p:sp>
+      <p:sp>
+        <p:nvSpPr>
+          <p:cNvPr id="3" name="Content Placeholder 2"/>
+          <p:cNvSpPr>
+            <a:spLocks noGrp="1"/>
+          </p:cNvSpPr>
+          <p:nvPr>
+            <p:ph idx="1"/>
+          </p:nvPr>
+        </p:nvSpPr>
+        <p:spPr/>
+        <p:txBody>
+          <a:bodyPr/>
+          <a:lstStyle/>
+          <a:p>
+            <a:r>
+              <a:rPr lang="en-CA" dirty="0"/>
+              <a:t>https://waterqwiz.azurewebsites.net/</a:t>
+            </a:r>
+          </a:p>
+          <a:p>
+            <a:endParaRPr lang="en-CA" dirty="0"/>
+          </a:p>
+        </p:txBody>
+      </p:sp>
+    </p:spTree>
+    <p:extLst>
+      <p:ext uri="{BB962C8B-B14F-4D97-AF65-F5344CB8AC3E}">
+        <p14:creationId xmlns:p14="http://schemas.microsoft.com/office/powerpoint/2010/main" val="544006469"/>
+      </p:ext>
+    </p:extLst>
+  </p:cSld>
+  <p:clrMapOvr>
+    <a:masterClrMapping/>
+  </p:clrMapOvr>
+</p:sld>
+</file>
+
+<file path=ppt/slides/slide9.xml><?xml version="1.0" encoding="utf-8"?>
+<p:sld xmlns:a="http://schemas.openxmlformats.org/drawingml/2006/main" xmlns:r="http://schemas.openxmlformats.org/officeDocument/2006/relationships" xmlns:p="http://schemas.openxmlformats.org/presentationml/2006/main">
+  <p:cSld>
+    <p:spTree>
+      <p:nvGrpSpPr>
+        <p:cNvPr id="1" name=""/>
+        <p:cNvGrpSpPr/>
+        <p:nvPr/>
+      </p:nvGrpSpPr>
+      <p:grpSpPr>
+        <a:xfrm>
+          <a:off x="0" y="0"/>
+          <a:ext cx="0" cy="0"/>
+          <a:chOff x="0" y="0"/>
+          <a:chExt cx="0" cy="0"/>
+        </a:xfrm>
+      </p:grpSpPr>
+      <p:sp>
+        <p:nvSpPr>
+          <p:cNvPr id="2" name="Title 1"/>
+          <p:cNvSpPr>
+            <a:spLocks noGrp="1"/>
+          </p:cNvSpPr>
+          <p:nvPr>
+            <p:ph type="title"/>
+          </p:nvPr>
+        </p:nvSpPr>
+        <p:spPr/>
+        <p:txBody>
+          <a:bodyPr/>
+          <a:lstStyle/>
+          <a:p>
+            <a:r>
               <a:rPr lang="en-US" dirty="0"/>
               <a:t>Questions?</a:t>
             </a:r>
@@ -13115,7 +13356,7 @@
           <p:cNvPr id="5" name="內容版面配置區 4">
             <a:extLst>
               <a:ext uri="{FF2B5EF4-FFF2-40B4-BE49-F238E27FC236}">
-                <a16:creationId xmlns:a16="http://schemas.microsoft.com/office/drawing/2014/main" xmlns="" id="{8FB782CE-E1FB-452F-92E3-0D7D50756DED}"/>
+                <a16:creationId xmlns:a16="http://schemas.microsoft.com/office/drawing/2014/main" id="{8FB782CE-E1FB-452F-92E3-0D7D50756DED}"/>
               </a:ext>
             </a:extLst>
           </p:cNvPr>
@@ -13389,7 +13630,7 @@
   <a:extraClrSchemeLst/>
   <a:extLst>
     <a:ext uri="{05A4C25C-085E-4340-85A3-A5531E510DB2}">
-      <thm15:themeFamily xmlns:thm15="http://schemas.microsoft.com/office/thememl/2012/main" xmlns="" name="Quotable" id="{39EC5628-30ED-4578-ACD8-9820EDB8E15A}" vid="{6F3559E9-1A4C-49D8-94D4-F41003531C49}"/>
+      <thm15:themeFamily xmlns:thm15="http://schemas.microsoft.com/office/thememl/2012/main" name="Quotable" id="{39EC5628-30ED-4578-ACD8-9820EDB8E15A}" vid="{6F3559E9-1A4C-49D8-94D4-F41003531C49}"/>
     </a:ext>
   </a:extLst>
 </a:theme>

--- a/Wasted Water Quiz.pptx
+++ b/Wasted Water Quiz.pptx
@@ -7,13 +7,12 @@
   <p:sldIdLst>
     <p:sldId id="256" r:id="rId2"/>
     <p:sldId id="263" r:id="rId3"/>
-    <p:sldId id="265" r:id="rId4"/>
-    <p:sldId id="272" r:id="rId5"/>
-    <p:sldId id="271" r:id="rId6"/>
-    <p:sldId id="270" r:id="rId7"/>
-    <p:sldId id="273" r:id="rId8"/>
-    <p:sldId id="267" r:id="rId9"/>
-    <p:sldId id="262" r:id="rId10"/>
+    <p:sldId id="272" r:id="rId4"/>
+    <p:sldId id="271" r:id="rId5"/>
+    <p:sldId id="270" r:id="rId6"/>
+    <p:sldId id="273" r:id="rId7"/>
+    <p:sldId id="267" r:id="rId8"/>
+    <p:sldId id="262" r:id="rId9"/>
   </p:sldIdLst>
   <p:sldSz cx="9144000" cy="6858000" type="screen4x3"/>
   <p:notesSz cx="6858000" cy="9144000"/>
@@ -114,7 +113,7 @@
   </p:defaultTextStyle>
   <p:extLst>
     <p:ext uri="{EFAFB233-063F-42B5-8137-9DF3F51BA10A}">
-      <p15:sldGuideLst xmlns:p15="http://schemas.microsoft.com/office/powerpoint/2012/main">
+      <p15:sldGuideLst xmlns:p15="http://schemas.microsoft.com/office/powerpoint/2012/main" xmlns="">
         <p15:guide id="1" orient="horz" pos="2160">
           <p15:clr>
             <a:srgbClr val="A4A3A4"/>
@@ -913,854 +912,11 @@
 </dgm:colorsDef>
 </file>
 
-<file path=ppt/diagrams/colors2.xml><?xml version="1.0" encoding="utf-8"?>
-<dgm:colorsDef xmlns:dgm="http://schemas.openxmlformats.org/drawingml/2006/diagram" xmlns:a="http://schemas.openxmlformats.org/drawingml/2006/main" uniqueId="urn:microsoft.com/office/officeart/2005/8/colors/accent2_1">
-  <dgm:title val=""/>
-  <dgm:desc val=""/>
-  <dgm:catLst>
-    <dgm:cat type="accent2" pri="11100"/>
-  </dgm:catLst>
-  <dgm:styleLbl name="node0">
-    <dgm:fillClrLst meth="repeat">
-      <a:schemeClr val="lt1"/>
-    </dgm:fillClrLst>
-    <dgm:linClrLst meth="repeat">
-      <a:schemeClr val="accent2">
-        <a:shade val="80000"/>
-      </a:schemeClr>
-    </dgm:linClrLst>
-    <dgm:effectClrLst/>
-    <dgm:txLinClrLst/>
-    <dgm:txFillClrLst meth="repeat">
-      <a:schemeClr val="dk1"/>
-    </dgm:txFillClrLst>
-    <dgm:txEffectClrLst/>
-  </dgm:styleLbl>
-  <dgm:styleLbl name="node1">
-    <dgm:fillClrLst meth="repeat">
-      <a:schemeClr val="lt1"/>
-    </dgm:fillClrLst>
-    <dgm:linClrLst meth="repeat">
-      <a:schemeClr val="accent2">
-        <a:shade val="80000"/>
-      </a:schemeClr>
-    </dgm:linClrLst>
-    <dgm:effectClrLst/>
-    <dgm:txLinClrLst/>
-    <dgm:txFillClrLst meth="repeat">
-      <a:schemeClr val="dk1"/>
-    </dgm:txFillClrLst>
-    <dgm:txEffectClrLst/>
-  </dgm:styleLbl>
-  <dgm:styleLbl name="alignNode1">
-    <dgm:fillClrLst meth="repeat">
-      <a:schemeClr val="lt1"/>
-    </dgm:fillClrLst>
-    <dgm:linClrLst meth="repeat">
-      <a:schemeClr val="accent2">
-        <a:shade val="80000"/>
-      </a:schemeClr>
-    </dgm:linClrLst>
-    <dgm:effectClrLst/>
-    <dgm:txLinClrLst/>
-    <dgm:txFillClrLst meth="repeat">
-      <a:schemeClr val="dk1"/>
-    </dgm:txFillClrLst>
-    <dgm:txEffectClrLst/>
-  </dgm:styleLbl>
-  <dgm:styleLbl name="lnNode1">
-    <dgm:fillClrLst meth="repeat">
-      <a:schemeClr val="lt1"/>
-    </dgm:fillClrLst>
-    <dgm:linClrLst meth="repeat">
-      <a:schemeClr val="accent2">
-        <a:shade val="80000"/>
-      </a:schemeClr>
-    </dgm:linClrLst>
-    <dgm:effectClrLst/>
-    <dgm:txLinClrLst/>
-    <dgm:txFillClrLst meth="repeat">
-      <a:schemeClr val="dk1"/>
-    </dgm:txFillClrLst>
-    <dgm:txEffectClrLst/>
-  </dgm:styleLbl>
-  <dgm:styleLbl name="vennNode1">
-    <dgm:fillClrLst meth="repeat">
-      <a:schemeClr val="lt1">
-        <a:alpha val="50000"/>
-      </a:schemeClr>
-    </dgm:fillClrLst>
-    <dgm:linClrLst meth="repeat">
-      <a:schemeClr val="accent2">
-        <a:shade val="80000"/>
-      </a:schemeClr>
-    </dgm:linClrLst>
-    <dgm:effectClrLst/>
-    <dgm:txLinClrLst/>
-    <dgm:txFillClrLst/>
-    <dgm:txEffectClrLst/>
-  </dgm:styleLbl>
-  <dgm:styleLbl name="node2">
-    <dgm:fillClrLst meth="repeat">
-      <a:schemeClr val="lt1"/>
-    </dgm:fillClrLst>
-    <dgm:linClrLst meth="repeat">
-      <a:schemeClr val="accent2">
-        <a:shade val="80000"/>
-      </a:schemeClr>
-    </dgm:linClrLst>
-    <dgm:effectClrLst/>
-    <dgm:txLinClrLst/>
-    <dgm:txFillClrLst meth="repeat">
-      <a:schemeClr val="dk1"/>
-    </dgm:txFillClrLst>
-    <dgm:txEffectClrLst/>
-  </dgm:styleLbl>
-  <dgm:styleLbl name="node3">
-    <dgm:fillClrLst meth="repeat">
-      <a:schemeClr val="lt1"/>
-    </dgm:fillClrLst>
-    <dgm:linClrLst meth="repeat">
-      <a:schemeClr val="accent2">
-        <a:shade val="80000"/>
-      </a:schemeClr>
-    </dgm:linClrLst>
-    <dgm:effectClrLst/>
-    <dgm:txLinClrLst/>
-    <dgm:txFillClrLst meth="repeat">
-      <a:schemeClr val="dk1"/>
-    </dgm:txFillClrLst>
-    <dgm:txEffectClrLst/>
-  </dgm:styleLbl>
-  <dgm:styleLbl name="node4">
-    <dgm:fillClrLst meth="repeat">
-      <a:schemeClr val="lt1"/>
-    </dgm:fillClrLst>
-    <dgm:linClrLst meth="repeat">
-      <a:schemeClr val="accent2">
-        <a:shade val="80000"/>
-      </a:schemeClr>
-    </dgm:linClrLst>
-    <dgm:effectClrLst/>
-    <dgm:txLinClrLst/>
-    <dgm:txFillClrLst meth="repeat">
-      <a:schemeClr val="dk1"/>
-    </dgm:txFillClrLst>
-    <dgm:txEffectClrLst/>
-  </dgm:styleLbl>
-  <dgm:styleLbl name="fgImgPlace1">
-    <dgm:fillClrLst meth="repeat">
-      <a:schemeClr val="accent2">
-        <a:tint val="40000"/>
-      </a:schemeClr>
-    </dgm:fillClrLst>
-    <dgm:linClrLst meth="repeat">
-      <a:schemeClr val="accent2">
-        <a:shade val="80000"/>
-      </a:schemeClr>
-    </dgm:linClrLst>
-    <dgm:effectClrLst/>
-    <dgm:txLinClrLst/>
-    <dgm:txFillClrLst meth="repeat">
-      <a:schemeClr val="lt1"/>
-    </dgm:txFillClrLst>
-    <dgm:txEffectClrLst/>
-  </dgm:styleLbl>
-  <dgm:styleLbl name="alignImgPlace1">
-    <dgm:fillClrLst meth="repeat">
-      <a:schemeClr val="accent2">
-        <a:tint val="40000"/>
-      </a:schemeClr>
-    </dgm:fillClrLst>
-    <dgm:linClrLst meth="repeat">
-      <a:schemeClr val="accent2">
-        <a:shade val="80000"/>
-      </a:schemeClr>
-    </dgm:linClrLst>
-    <dgm:effectClrLst/>
-    <dgm:txLinClrLst/>
-    <dgm:txFillClrLst meth="repeat">
-      <a:schemeClr val="lt1"/>
-    </dgm:txFillClrLst>
-    <dgm:txEffectClrLst/>
-  </dgm:styleLbl>
-  <dgm:styleLbl name="bgImgPlace1">
-    <dgm:fillClrLst meth="repeat">
-      <a:schemeClr val="accent2">
-        <a:tint val="40000"/>
-      </a:schemeClr>
-    </dgm:fillClrLst>
-    <dgm:linClrLst meth="repeat">
-      <a:schemeClr val="accent2">
-        <a:shade val="80000"/>
-      </a:schemeClr>
-    </dgm:linClrLst>
-    <dgm:effectClrLst/>
-    <dgm:txLinClrLst/>
-    <dgm:txFillClrLst meth="repeat">
-      <a:schemeClr val="lt1"/>
-    </dgm:txFillClrLst>
-    <dgm:txEffectClrLst/>
-  </dgm:styleLbl>
-  <dgm:styleLbl name="sibTrans2D1">
-    <dgm:fillClrLst meth="repeat">
-      <a:schemeClr val="accent2">
-        <a:tint val="60000"/>
-      </a:schemeClr>
-    </dgm:fillClrLst>
-    <dgm:linClrLst meth="repeat">
-      <a:schemeClr val="accent2">
-        <a:tint val="60000"/>
-      </a:schemeClr>
-    </dgm:linClrLst>
-    <dgm:effectClrLst/>
-    <dgm:txLinClrLst/>
-    <dgm:txFillClrLst meth="repeat">
-      <a:schemeClr val="dk1"/>
-    </dgm:txFillClrLst>
-    <dgm:txEffectClrLst/>
-  </dgm:styleLbl>
-  <dgm:styleLbl name="fgSibTrans2D1">
-    <dgm:fillClrLst meth="repeat">
-      <a:schemeClr val="accent2">
-        <a:tint val="60000"/>
-      </a:schemeClr>
-    </dgm:fillClrLst>
-    <dgm:linClrLst meth="repeat">
-      <a:schemeClr val="accent2">
-        <a:tint val="60000"/>
-      </a:schemeClr>
-    </dgm:linClrLst>
-    <dgm:effectClrLst/>
-    <dgm:txLinClrLst/>
-    <dgm:txFillClrLst meth="repeat">
-      <a:schemeClr val="dk1"/>
-    </dgm:txFillClrLst>
-    <dgm:txEffectClrLst/>
-  </dgm:styleLbl>
-  <dgm:styleLbl name="bgSibTrans2D1">
-    <dgm:fillClrLst meth="repeat">
-      <a:schemeClr val="accent2">
-        <a:tint val="60000"/>
-      </a:schemeClr>
-    </dgm:fillClrLst>
-    <dgm:linClrLst meth="repeat">
-      <a:schemeClr val="accent2">
-        <a:tint val="60000"/>
-      </a:schemeClr>
-    </dgm:linClrLst>
-    <dgm:effectClrLst/>
-    <dgm:txLinClrLst/>
-    <dgm:txFillClrLst meth="repeat">
-      <a:schemeClr val="dk1"/>
-    </dgm:txFillClrLst>
-    <dgm:txEffectClrLst/>
-  </dgm:styleLbl>
-  <dgm:styleLbl name="sibTrans1D1">
-    <dgm:fillClrLst meth="repeat">
-      <a:schemeClr val="accent2"/>
-    </dgm:fillClrLst>
-    <dgm:linClrLst meth="repeat">
-      <a:schemeClr val="accent2"/>
-    </dgm:linClrLst>
-    <dgm:effectClrLst/>
-    <dgm:txLinClrLst/>
-    <dgm:txFillClrLst meth="repeat">
-      <a:schemeClr val="tx1"/>
-    </dgm:txFillClrLst>
-    <dgm:txEffectClrLst/>
-  </dgm:styleLbl>
-  <dgm:styleLbl name="callout">
-    <dgm:fillClrLst meth="repeat">
-      <a:schemeClr val="accent2"/>
-    </dgm:fillClrLst>
-    <dgm:linClrLst meth="repeat">
-      <a:schemeClr val="accent2"/>
-    </dgm:linClrLst>
-    <dgm:effectClrLst/>
-    <dgm:txLinClrLst/>
-    <dgm:txFillClrLst meth="repeat">
-      <a:schemeClr val="tx1"/>
-    </dgm:txFillClrLst>
-    <dgm:txEffectClrLst/>
-  </dgm:styleLbl>
-  <dgm:styleLbl name="asst0">
-    <dgm:fillClrLst meth="repeat">
-      <a:schemeClr val="lt1"/>
-    </dgm:fillClrLst>
-    <dgm:linClrLst meth="repeat">
-      <a:schemeClr val="accent2">
-        <a:shade val="80000"/>
-      </a:schemeClr>
-    </dgm:linClrLst>
-    <dgm:effectClrLst/>
-    <dgm:txLinClrLst/>
-    <dgm:txFillClrLst meth="repeat">
-      <a:schemeClr val="dk1"/>
-    </dgm:txFillClrLst>
-    <dgm:txEffectClrLst/>
-  </dgm:styleLbl>
-  <dgm:styleLbl name="asst1">
-    <dgm:fillClrLst meth="repeat">
-      <a:schemeClr val="lt1"/>
-    </dgm:fillClrLst>
-    <dgm:linClrLst meth="repeat">
-      <a:schemeClr val="accent2">
-        <a:shade val="80000"/>
-      </a:schemeClr>
-    </dgm:linClrLst>
-    <dgm:effectClrLst/>
-    <dgm:txLinClrLst/>
-    <dgm:txFillClrLst meth="repeat">
-      <a:schemeClr val="dk1"/>
-    </dgm:txFillClrLst>
-    <dgm:txEffectClrLst/>
-  </dgm:styleLbl>
-  <dgm:styleLbl name="asst2">
-    <dgm:fillClrLst meth="repeat">
-      <a:schemeClr val="lt1"/>
-    </dgm:fillClrLst>
-    <dgm:linClrLst meth="repeat">
-      <a:schemeClr val="accent2">
-        <a:shade val="80000"/>
-      </a:schemeClr>
-    </dgm:linClrLst>
-    <dgm:effectClrLst/>
-    <dgm:txLinClrLst/>
-    <dgm:txFillClrLst meth="repeat">
-      <a:schemeClr val="dk1"/>
-    </dgm:txFillClrLst>
-    <dgm:txEffectClrLst/>
-  </dgm:styleLbl>
-  <dgm:styleLbl name="asst3">
-    <dgm:fillClrLst meth="repeat">
-      <a:schemeClr val="lt1"/>
-    </dgm:fillClrLst>
-    <dgm:linClrLst meth="repeat">
-      <a:schemeClr val="accent2">
-        <a:shade val="80000"/>
-      </a:schemeClr>
-    </dgm:linClrLst>
-    <dgm:effectClrLst/>
-    <dgm:txLinClrLst/>
-    <dgm:txFillClrLst meth="repeat">
-      <a:schemeClr val="dk1"/>
-    </dgm:txFillClrLst>
-    <dgm:txEffectClrLst/>
-  </dgm:styleLbl>
-  <dgm:styleLbl name="asst4">
-    <dgm:fillClrLst meth="repeat">
-      <a:schemeClr val="lt1"/>
-    </dgm:fillClrLst>
-    <dgm:linClrLst meth="repeat">
-      <a:schemeClr val="accent2">
-        <a:shade val="80000"/>
-      </a:schemeClr>
-    </dgm:linClrLst>
-    <dgm:effectClrLst/>
-    <dgm:txLinClrLst/>
-    <dgm:txFillClrLst meth="repeat">
-      <a:schemeClr val="dk1"/>
-    </dgm:txFillClrLst>
-    <dgm:txEffectClrLst/>
-  </dgm:styleLbl>
-  <dgm:styleLbl name="parChTrans2D1">
-    <dgm:fillClrLst meth="repeat">
-      <a:schemeClr val="accent2">
-        <a:tint val="60000"/>
-      </a:schemeClr>
-    </dgm:fillClrLst>
-    <dgm:linClrLst meth="repeat">
-      <a:schemeClr val="accent2">
-        <a:tint val="60000"/>
-      </a:schemeClr>
-    </dgm:linClrLst>
-    <dgm:effectClrLst/>
-    <dgm:txLinClrLst/>
-    <dgm:txFillClrLst/>
-    <dgm:txEffectClrLst/>
-  </dgm:styleLbl>
-  <dgm:styleLbl name="parChTrans2D2">
-    <dgm:fillClrLst meth="repeat">
-      <a:schemeClr val="accent2"/>
-    </dgm:fillClrLst>
-    <dgm:linClrLst meth="repeat">
-      <a:schemeClr val="accent2"/>
-    </dgm:linClrLst>
-    <dgm:effectClrLst/>
-    <dgm:txLinClrLst/>
-    <dgm:txFillClrLst/>
-    <dgm:txEffectClrLst/>
-  </dgm:styleLbl>
-  <dgm:styleLbl name="parChTrans2D3">
-    <dgm:fillClrLst meth="repeat">
-      <a:schemeClr val="accent2"/>
-    </dgm:fillClrLst>
-    <dgm:linClrLst meth="repeat">
-      <a:schemeClr val="accent2"/>
-    </dgm:linClrLst>
-    <dgm:effectClrLst/>
-    <dgm:txLinClrLst/>
-    <dgm:txFillClrLst/>
-    <dgm:txEffectClrLst/>
-  </dgm:styleLbl>
-  <dgm:styleLbl name="parChTrans2D4">
-    <dgm:fillClrLst meth="repeat">
-      <a:schemeClr val="accent2"/>
-    </dgm:fillClrLst>
-    <dgm:linClrLst meth="repeat">
-      <a:schemeClr val="accent2"/>
-    </dgm:linClrLst>
-    <dgm:effectClrLst/>
-    <dgm:txLinClrLst/>
-    <dgm:txFillClrLst meth="repeat">
-      <a:schemeClr val="lt1"/>
-    </dgm:txFillClrLst>
-    <dgm:txEffectClrLst/>
-  </dgm:styleLbl>
-  <dgm:styleLbl name="parChTrans1D1">
-    <dgm:fillClrLst meth="repeat">
-      <a:schemeClr val="accent2"/>
-    </dgm:fillClrLst>
-    <dgm:linClrLst meth="repeat">
-      <a:schemeClr val="accent2">
-        <a:shade val="60000"/>
-      </a:schemeClr>
-    </dgm:linClrLst>
-    <dgm:effectClrLst/>
-    <dgm:txLinClrLst/>
-    <dgm:txFillClrLst meth="repeat">
-      <a:schemeClr val="tx1"/>
-    </dgm:txFillClrLst>
-    <dgm:txEffectClrLst/>
-  </dgm:styleLbl>
-  <dgm:styleLbl name="parChTrans1D2">
-    <dgm:fillClrLst meth="repeat">
-      <a:schemeClr val="accent2"/>
-    </dgm:fillClrLst>
-    <dgm:linClrLst meth="repeat">
-      <a:schemeClr val="accent2">
-        <a:shade val="60000"/>
-      </a:schemeClr>
-    </dgm:linClrLst>
-    <dgm:effectClrLst/>
-    <dgm:txLinClrLst/>
-    <dgm:txFillClrLst meth="repeat">
-      <a:schemeClr val="tx1"/>
-    </dgm:txFillClrLst>
-    <dgm:txEffectClrLst/>
-  </dgm:styleLbl>
-  <dgm:styleLbl name="parChTrans1D3">
-    <dgm:fillClrLst meth="repeat">
-      <a:schemeClr val="accent2"/>
-    </dgm:fillClrLst>
-    <dgm:linClrLst meth="repeat">
-      <a:schemeClr val="accent2">
-        <a:shade val="80000"/>
-      </a:schemeClr>
-    </dgm:linClrLst>
-    <dgm:effectClrLst/>
-    <dgm:txLinClrLst/>
-    <dgm:txFillClrLst meth="repeat">
-      <a:schemeClr val="tx1"/>
-    </dgm:txFillClrLst>
-    <dgm:txEffectClrLst/>
-  </dgm:styleLbl>
-  <dgm:styleLbl name="parChTrans1D4">
-    <dgm:fillClrLst meth="repeat">
-      <a:schemeClr val="accent2"/>
-    </dgm:fillClrLst>
-    <dgm:linClrLst meth="repeat">
-      <a:schemeClr val="accent2">
-        <a:shade val="80000"/>
-      </a:schemeClr>
-    </dgm:linClrLst>
-    <dgm:effectClrLst/>
-    <dgm:txLinClrLst/>
-    <dgm:txFillClrLst meth="repeat">
-      <a:schemeClr val="tx1"/>
-    </dgm:txFillClrLst>
-    <dgm:txEffectClrLst/>
-  </dgm:styleLbl>
-  <dgm:styleLbl name="fgAcc1">
-    <dgm:fillClrLst meth="repeat">
-      <a:schemeClr val="accent2">
-        <a:alpha val="90000"/>
-        <a:tint val="40000"/>
-      </a:schemeClr>
-    </dgm:fillClrLst>
-    <dgm:linClrLst meth="repeat">
-      <a:schemeClr val="accent2"/>
-    </dgm:linClrLst>
-    <dgm:effectClrLst/>
-    <dgm:txLinClrLst/>
-    <dgm:txFillClrLst meth="repeat">
-      <a:schemeClr val="dk1"/>
-    </dgm:txFillClrLst>
-    <dgm:txEffectClrLst/>
-  </dgm:styleLbl>
-  <dgm:styleLbl name="conFgAcc1">
-    <dgm:fillClrLst meth="repeat">
-      <a:schemeClr val="accent2">
-        <a:alpha val="90000"/>
-        <a:tint val="40000"/>
-      </a:schemeClr>
-    </dgm:fillClrLst>
-    <dgm:linClrLst meth="repeat">
-      <a:schemeClr val="accent2"/>
-    </dgm:linClrLst>
-    <dgm:effectClrLst/>
-    <dgm:txLinClrLst/>
-    <dgm:txFillClrLst meth="repeat">
-      <a:schemeClr val="dk1"/>
-    </dgm:txFillClrLst>
-    <dgm:txEffectClrLst/>
-  </dgm:styleLbl>
-  <dgm:styleLbl name="alignAcc1">
-    <dgm:fillClrLst meth="repeat">
-      <a:schemeClr val="accent2">
-        <a:alpha val="90000"/>
-        <a:tint val="40000"/>
-      </a:schemeClr>
-    </dgm:fillClrLst>
-    <dgm:linClrLst meth="repeat">
-      <a:schemeClr val="accent2"/>
-    </dgm:linClrLst>
-    <dgm:effectClrLst/>
-    <dgm:txLinClrLst/>
-    <dgm:txFillClrLst meth="repeat">
-      <a:schemeClr val="dk1"/>
-    </dgm:txFillClrLst>
-    <dgm:txEffectClrLst/>
-  </dgm:styleLbl>
-  <dgm:styleLbl name="trAlignAcc1">
-    <dgm:fillClrLst meth="repeat">
-      <a:schemeClr val="accent2">
-        <a:alpha val="40000"/>
-        <a:tint val="40000"/>
-      </a:schemeClr>
-    </dgm:fillClrLst>
-    <dgm:linClrLst meth="repeat">
-      <a:schemeClr val="accent2"/>
-    </dgm:linClrLst>
-    <dgm:effectClrLst/>
-    <dgm:txLinClrLst/>
-    <dgm:txFillClrLst meth="repeat">
-      <a:schemeClr val="dk1"/>
-    </dgm:txFillClrLst>
-    <dgm:txEffectClrLst/>
-  </dgm:styleLbl>
-  <dgm:styleLbl name="bgAcc1">
-    <dgm:fillClrLst meth="repeat">
-      <a:schemeClr val="accent2">
-        <a:alpha val="90000"/>
-        <a:tint val="40000"/>
-      </a:schemeClr>
-    </dgm:fillClrLst>
-    <dgm:linClrLst meth="repeat">
-      <a:schemeClr val="accent2"/>
-    </dgm:linClrLst>
-    <dgm:effectClrLst/>
-    <dgm:txLinClrLst/>
-    <dgm:txFillClrLst meth="repeat">
-      <a:schemeClr val="dk1"/>
-    </dgm:txFillClrLst>
-    <dgm:txEffectClrLst/>
-  </dgm:styleLbl>
-  <dgm:styleLbl name="solidFgAcc1">
-    <dgm:fillClrLst meth="repeat">
-      <a:schemeClr val="lt1"/>
-    </dgm:fillClrLst>
-    <dgm:linClrLst meth="repeat">
-      <a:schemeClr val="accent2"/>
-    </dgm:linClrLst>
-    <dgm:effectClrLst/>
-    <dgm:txLinClrLst/>
-    <dgm:txFillClrLst meth="repeat">
-      <a:schemeClr val="dk1"/>
-    </dgm:txFillClrLst>
-    <dgm:txEffectClrLst/>
-  </dgm:styleLbl>
-  <dgm:styleLbl name="solidAlignAcc1">
-    <dgm:fillClrLst meth="repeat">
-      <a:schemeClr val="lt1"/>
-    </dgm:fillClrLst>
-    <dgm:linClrLst meth="repeat">
-      <a:schemeClr val="accent2"/>
-    </dgm:linClrLst>
-    <dgm:effectClrLst/>
-    <dgm:txLinClrLst/>
-    <dgm:txFillClrLst meth="repeat">
-      <a:schemeClr val="dk1"/>
-    </dgm:txFillClrLst>
-    <dgm:txEffectClrLst/>
-  </dgm:styleLbl>
-  <dgm:styleLbl name="solidBgAcc1">
-    <dgm:fillClrLst meth="repeat">
-      <a:schemeClr val="lt1"/>
-    </dgm:fillClrLst>
-    <dgm:linClrLst meth="repeat">
-      <a:schemeClr val="accent2"/>
-    </dgm:linClrLst>
-    <dgm:effectClrLst/>
-    <dgm:txLinClrLst/>
-    <dgm:txFillClrLst meth="repeat">
-      <a:schemeClr val="dk1"/>
-    </dgm:txFillClrLst>
-    <dgm:txEffectClrLst/>
-  </dgm:styleLbl>
-  <dgm:styleLbl name="fgAccFollowNode1">
-    <dgm:fillClrLst meth="repeat">
-      <a:schemeClr val="lt1">
-        <a:alpha val="90000"/>
-        <a:tint val="40000"/>
-      </a:schemeClr>
-    </dgm:fillClrLst>
-    <dgm:linClrLst meth="repeat">
-      <a:schemeClr val="accent2">
-        <a:alpha val="90000"/>
-      </a:schemeClr>
-    </dgm:linClrLst>
-    <dgm:effectClrLst/>
-    <dgm:txLinClrLst/>
-    <dgm:txFillClrLst meth="repeat">
-      <a:schemeClr val="dk1"/>
-    </dgm:txFillClrLst>
-    <dgm:txEffectClrLst/>
-  </dgm:styleLbl>
-  <dgm:styleLbl name="alignAccFollowNode1">
-    <dgm:fillClrLst meth="repeat">
-      <a:schemeClr val="lt1">
-        <a:alpha val="90000"/>
-        <a:tint val="40000"/>
-      </a:schemeClr>
-    </dgm:fillClrLst>
-    <dgm:linClrLst meth="repeat">
-      <a:schemeClr val="accent2">
-        <a:alpha val="90000"/>
-      </a:schemeClr>
-    </dgm:linClrLst>
-    <dgm:effectClrLst/>
-    <dgm:txLinClrLst/>
-    <dgm:txFillClrLst meth="repeat">
-      <a:schemeClr val="dk1"/>
-    </dgm:txFillClrLst>
-    <dgm:txEffectClrLst/>
-  </dgm:styleLbl>
-  <dgm:styleLbl name="bgAccFollowNode1">
-    <dgm:fillClrLst meth="repeat">
-      <a:schemeClr val="lt1">
-        <a:alpha val="90000"/>
-        <a:tint val="40000"/>
-      </a:schemeClr>
-    </dgm:fillClrLst>
-    <dgm:linClrLst meth="repeat">
-      <a:schemeClr val="accent2">
-        <a:alpha val="90000"/>
-      </a:schemeClr>
-    </dgm:linClrLst>
-    <dgm:effectClrLst/>
-    <dgm:txLinClrLst/>
-    <dgm:txFillClrLst meth="repeat">
-      <a:schemeClr val="dk1"/>
-    </dgm:txFillClrLst>
-    <dgm:txEffectClrLst/>
-  </dgm:styleLbl>
-  <dgm:styleLbl name="fgAcc0">
-    <dgm:fillClrLst meth="repeat">
-      <a:schemeClr val="accent2">
-        <a:alpha val="90000"/>
-        <a:tint val="40000"/>
-      </a:schemeClr>
-    </dgm:fillClrLst>
-    <dgm:linClrLst meth="repeat">
-      <a:schemeClr val="accent2"/>
-    </dgm:linClrLst>
-    <dgm:effectClrLst/>
-    <dgm:txLinClrLst/>
-    <dgm:txFillClrLst meth="repeat">
-      <a:schemeClr val="dk1"/>
-    </dgm:txFillClrLst>
-    <dgm:txEffectClrLst/>
-  </dgm:styleLbl>
-  <dgm:styleLbl name="fgAcc2">
-    <dgm:fillClrLst meth="repeat">
-      <a:schemeClr val="accent2">
-        <a:alpha val="90000"/>
-        <a:tint val="40000"/>
-      </a:schemeClr>
-    </dgm:fillClrLst>
-    <dgm:linClrLst meth="repeat">
-      <a:schemeClr val="accent2"/>
-    </dgm:linClrLst>
-    <dgm:effectClrLst/>
-    <dgm:txLinClrLst/>
-    <dgm:txFillClrLst meth="repeat">
-      <a:schemeClr val="dk1"/>
-    </dgm:txFillClrLst>
-    <dgm:txEffectClrLst/>
-  </dgm:styleLbl>
-  <dgm:styleLbl name="fgAcc3">
-    <dgm:fillClrLst meth="repeat">
-      <a:schemeClr val="accent2">
-        <a:alpha val="90000"/>
-        <a:tint val="40000"/>
-      </a:schemeClr>
-    </dgm:fillClrLst>
-    <dgm:linClrLst meth="repeat">
-      <a:schemeClr val="accent2"/>
-    </dgm:linClrLst>
-    <dgm:effectClrLst/>
-    <dgm:txLinClrLst/>
-    <dgm:txFillClrLst meth="repeat">
-      <a:schemeClr val="dk1"/>
-    </dgm:txFillClrLst>
-    <dgm:txEffectClrLst/>
-  </dgm:styleLbl>
-  <dgm:styleLbl name="fgAcc4">
-    <dgm:fillClrLst meth="repeat">
-      <a:schemeClr val="accent2">
-        <a:alpha val="90000"/>
-        <a:tint val="40000"/>
-      </a:schemeClr>
-    </dgm:fillClrLst>
-    <dgm:linClrLst meth="repeat">
-      <a:schemeClr val="accent2"/>
-    </dgm:linClrLst>
-    <dgm:effectClrLst/>
-    <dgm:txLinClrLst/>
-    <dgm:txFillClrLst meth="repeat">
-      <a:schemeClr val="dk1"/>
-    </dgm:txFillClrLst>
-    <dgm:txEffectClrLst/>
-  </dgm:styleLbl>
-  <dgm:styleLbl name="bgShp">
-    <dgm:fillClrLst meth="repeat">
-      <a:schemeClr val="accent2">
-        <a:tint val="40000"/>
-      </a:schemeClr>
-    </dgm:fillClrLst>
-    <dgm:linClrLst meth="repeat">
-      <a:schemeClr val="accent2"/>
-    </dgm:linClrLst>
-    <dgm:effectClrLst/>
-    <dgm:txLinClrLst/>
-    <dgm:txFillClrLst meth="repeat">
-      <a:schemeClr val="dk1"/>
-    </dgm:txFillClrLst>
-    <dgm:txEffectClrLst/>
-  </dgm:styleLbl>
-  <dgm:styleLbl name="dkBgShp">
-    <dgm:fillClrLst meth="repeat">
-      <a:schemeClr val="accent2">
-        <a:shade val="80000"/>
-      </a:schemeClr>
-    </dgm:fillClrLst>
-    <dgm:linClrLst meth="repeat">
-      <a:schemeClr val="accent2"/>
-    </dgm:linClrLst>
-    <dgm:effectClrLst/>
-    <dgm:txLinClrLst/>
-    <dgm:txFillClrLst meth="repeat">
-      <a:schemeClr val="lt1"/>
-    </dgm:txFillClrLst>
-    <dgm:txEffectClrLst/>
-  </dgm:styleLbl>
-  <dgm:styleLbl name="trBgShp">
-    <dgm:fillClrLst meth="repeat">
-      <a:schemeClr val="accent2">
-        <a:tint val="50000"/>
-        <a:alpha val="40000"/>
-      </a:schemeClr>
-    </dgm:fillClrLst>
-    <dgm:linClrLst meth="repeat">
-      <a:schemeClr val="accent2"/>
-    </dgm:linClrLst>
-    <dgm:effectClrLst/>
-    <dgm:txLinClrLst/>
-    <dgm:txFillClrLst meth="repeat">
-      <a:schemeClr val="lt1"/>
-    </dgm:txFillClrLst>
-    <dgm:txEffectClrLst/>
-  </dgm:styleLbl>
-  <dgm:styleLbl name="fgShp">
-    <dgm:fillClrLst meth="repeat">
-      <a:schemeClr val="accent2">
-        <a:tint val="60000"/>
-      </a:schemeClr>
-    </dgm:fillClrLst>
-    <dgm:linClrLst meth="repeat">
-      <a:schemeClr val="lt1"/>
-    </dgm:linClrLst>
-    <dgm:effectClrLst/>
-    <dgm:txLinClrLst/>
-    <dgm:txFillClrLst meth="repeat">
-      <a:schemeClr val="dk1"/>
-    </dgm:txFillClrLst>
-    <dgm:txEffectClrLst/>
-  </dgm:styleLbl>
-  <dgm:styleLbl name="revTx">
-    <dgm:fillClrLst meth="repeat">
-      <a:schemeClr val="lt1">
-        <a:alpha val="0"/>
-      </a:schemeClr>
-    </dgm:fillClrLst>
-    <dgm:linClrLst meth="repeat">
-      <a:schemeClr val="dk1">
-        <a:alpha val="0"/>
-      </a:schemeClr>
-    </dgm:linClrLst>
-    <dgm:effectClrLst/>
-    <dgm:txLinClrLst/>
-    <dgm:txFillClrLst meth="repeat">
-      <a:schemeClr val="tx1"/>
-    </dgm:txFillClrLst>
-    <dgm:txEffectClrLst/>
-  </dgm:styleLbl>
-</dgm:colorsDef>
-</file>
-
 <file path=ppt/diagrams/data1.xml><?xml version="1.0" encoding="utf-8"?>
 <dgm:dataModel xmlns:dgm="http://schemas.openxmlformats.org/drawingml/2006/diagram" xmlns:a="http://schemas.openxmlformats.org/drawingml/2006/main">
   <dgm:ptLst>
     <dgm:pt modelId="{04949050-BC41-45B2-BFD8-75D7D869405A}" type="doc">
       <dgm:prSet loTypeId="urn:microsoft.com/office/officeart/2008/layout/LinedList" loCatId="list" qsTypeId="urn:microsoft.com/office/officeart/2005/8/quickstyle/simple3" qsCatId="simple" csTypeId="urn:microsoft.com/office/officeart/2005/8/colors/colorful5" csCatId="colorful" phldr="1"/>
-      <dgm:spPr/>
-      <dgm:t>
-        <a:bodyPr/>
-        <a:lstStyle/>
-        <a:p>
-          <a:endParaRPr lang="en-US"/>
-        </a:p>
-      </dgm:t>
-    </dgm:pt>
-    <dgm:pt modelId="{E98FA150-5339-4814-8FE1-20C02AFD87F8}">
-      <dgm:prSet/>
-      <dgm:spPr/>
-      <dgm:t>
-        <a:bodyPr/>
-        <a:lstStyle/>
-        <a:p>
-          <a:r>
-            <a:rPr lang="en-US" dirty="0"/>
-            <a:t>Team Members</a:t>
-          </a:r>
-        </a:p>
-      </dgm:t>
-    </dgm:pt>
-    <dgm:pt modelId="{17EBE2F3-4ADF-492B-82D8-8376052D645B}" type="parTrans" cxnId="{4D0F1480-02CC-4544-82C8-85683999A835}">
-      <dgm:prSet/>
-      <dgm:spPr/>
-      <dgm:t>
-        <a:bodyPr/>
-        <a:lstStyle/>
-        <a:p>
-          <a:endParaRPr lang="en-US"/>
-        </a:p>
-      </dgm:t>
-    </dgm:pt>
-    <dgm:pt modelId="{69635EA2-533D-49D0-93AD-BFA72BED5F45}" type="sibTrans" cxnId="{4D0F1480-02CC-4544-82C8-85683999A835}">
-      <dgm:prSet/>
       <dgm:spPr/>
       <dgm:t>
         <a:bodyPr/>
@@ -1959,25 +1115,16 @@
         </dgm:presLayoutVars>
       </dgm:prSet>
       <dgm:spPr/>
-    </dgm:pt>
-    <dgm:pt modelId="{A49CD074-082E-BD4C-9396-5C88C70718B7}" type="pres">
-      <dgm:prSet presAssocID="{E98FA150-5339-4814-8FE1-20C02AFD87F8}" presName="thickLine" presStyleLbl="alignNode1" presStyleIdx="0" presStyleCnt="6"/>
-      <dgm:spPr/>
-    </dgm:pt>
-    <dgm:pt modelId="{E4C083C5-A6EA-BD4C-84C4-9A1B7FA48809}" type="pres">
-      <dgm:prSet presAssocID="{E98FA150-5339-4814-8FE1-20C02AFD87F8}" presName="horz1" presStyleCnt="0"/>
-      <dgm:spPr/>
-    </dgm:pt>
-    <dgm:pt modelId="{01539F69-3534-0C4E-9A6C-7977836A6A5C}" type="pres">
-      <dgm:prSet presAssocID="{E98FA150-5339-4814-8FE1-20C02AFD87F8}" presName="tx1" presStyleLbl="revTx" presStyleIdx="0" presStyleCnt="6"/>
-      <dgm:spPr/>
-    </dgm:pt>
-    <dgm:pt modelId="{458492FC-6E49-1C4B-BCA7-AF3A40186A1C}" type="pres">
-      <dgm:prSet presAssocID="{E98FA150-5339-4814-8FE1-20C02AFD87F8}" presName="vert1" presStyleCnt="0"/>
-      <dgm:spPr/>
+      <dgm:t>
+        <a:bodyPr/>
+        <a:lstStyle/>
+        <a:p>
+          <a:endParaRPr lang="en-US"/>
+        </a:p>
+      </dgm:t>
     </dgm:pt>
     <dgm:pt modelId="{3C841FB7-219B-C944-8CDE-437716CD15E5}" type="pres">
-      <dgm:prSet presAssocID="{59057BDD-BB04-426B-AA09-C0F34A718B5C}" presName="thickLine" presStyleLbl="alignNode1" presStyleIdx="1" presStyleCnt="6"/>
+      <dgm:prSet presAssocID="{59057BDD-BB04-426B-AA09-C0F34A718B5C}" presName="thickLine" presStyleLbl="alignNode1" presStyleIdx="0" presStyleCnt="5"/>
       <dgm:spPr/>
     </dgm:pt>
     <dgm:pt modelId="{AF993FBB-D65B-DB4E-95D2-B590CCEAEB90}" type="pres">
@@ -1985,15 +1132,22 @@
       <dgm:spPr/>
     </dgm:pt>
     <dgm:pt modelId="{CBB3AF93-5C4F-5446-B8CA-CA95CA2FD835}" type="pres">
-      <dgm:prSet presAssocID="{59057BDD-BB04-426B-AA09-C0F34A718B5C}" presName="tx1" presStyleLbl="revTx" presStyleIdx="1" presStyleCnt="6"/>
+      <dgm:prSet presAssocID="{59057BDD-BB04-426B-AA09-C0F34A718B5C}" presName="tx1" presStyleLbl="revTx" presStyleIdx="0" presStyleCnt="5"/>
       <dgm:spPr/>
+      <dgm:t>
+        <a:bodyPr/>
+        <a:lstStyle/>
+        <a:p>
+          <a:endParaRPr lang="en-US"/>
+        </a:p>
+      </dgm:t>
     </dgm:pt>
     <dgm:pt modelId="{92D9A66C-1A62-7943-B0A2-4ED5778E042E}" type="pres">
       <dgm:prSet presAssocID="{59057BDD-BB04-426B-AA09-C0F34A718B5C}" presName="vert1" presStyleCnt="0"/>
       <dgm:spPr/>
     </dgm:pt>
     <dgm:pt modelId="{8463D5D5-B945-A745-AF01-54BE1CC0DF37}" type="pres">
-      <dgm:prSet presAssocID="{C88E755F-C08D-48EA-85AD-3DF0C77937DF}" presName="thickLine" presStyleLbl="alignNode1" presStyleIdx="2" presStyleCnt="6"/>
+      <dgm:prSet presAssocID="{C88E755F-C08D-48EA-85AD-3DF0C77937DF}" presName="thickLine" presStyleLbl="alignNode1" presStyleIdx="1" presStyleCnt="5"/>
       <dgm:spPr/>
     </dgm:pt>
     <dgm:pt modelId="{F17E259D-AFAC-5C41-9D60-DE70CEB96282}" type="pres">
@@ -2001,15 +1155,22 @@
       <dgm:spPr/>
     </dgm:pt>
     <dgm:pt modelId="{7AE9FC42-9157-7849-B8B0-B8E92C7EB364}" type="pres">
-      <dgm:prSet presAssocID="{C88E755F-C08D-48EA-85AD-3DF0C77937DF}" presName="tx1" presStyleLbl="revTx" presStyleIdx="2" presStyleCnt="6"/>
+      <dgm:prSet presAssocID="{C88E755F-C08D-48EA-85AD-3DF0C77937DF}" presName="tx1" presStyleLbl="revTx" presStyleIdx="1" presStyleCnt="5"/>
       <dgm:spPr/>
+      <dgm:t>
+        <a:bodyPr/>
+        <a:lstStyle/>
+        <a:p>
+          <a:endParaRPr lang="en-US"/>
+        </a:p>
+      </dgm:t>
     </dgm:pt>
     <dgm:pt modelId="{96810E07-1C6F-DD45-9E51-CFD5FE0225B2}" type="pres">
       <dgm:prSet presAssocID="{C88E755F-C08D-48EA-85AD-3DF0C77937DF}" presName="vert1" presStyleCnt="0"/>
       <dgm:spPr/>
     </dgm:pt>
     <dgm:pt modelId="{9D99E01D-08C9-42CD-8B44-5C010141EC22}" type="pres">
-      <dgm:prSet presAssocID="{19CC9690-40D6-4E02-B31F-DBD6D454FE69}" presName="thickLine" presStyleLbl="alignNode1" presStyleIdx="3" presStyleCnt="6"/>
+      <dgm:prSet presAssocID="{19CC9690-40D6-4E02-B31F-DBD6D454FE69}" presName="thickLine" presStyleLbl="alignNode1" presStyleIdx="2" presStyleCnt="5"/>
       <dgm:spPr/>
     </dgm:pt>
     <dgm:pt modelId="{CC0703A8-C03C-451D-ADF6-C6F487BC57B5}" type="pres">
@@ -2017,15 +1178,22 @@
       <dgm:spPr/>
     </dgm:pt>
     <dgm:pt modelId="{DC916959-FEEB-48BE-B291-17D5E2A6B00B}" type="pres">
-      <dgm:prSet presAssocID="{19CC9690-40D6-4E02-B31F-DBD6D454FE69}" presName="tx1" presStyleLbl="revTx" presStyleIdx="3" presStyleCnt="6"/>
+      <dgm:prSet presAssocID="{19CC9690-40D6-4E02-B31F-DBD6D454FE69}" presName="tx1" presStyleLbl="revTx" presStyleIdx="2" presStyleCnt="5"/>
       <dgm:spPr/>
+      <dgm:t>
+        <a:bodyPr/>
+        <a:lstStyle/>
+        <a:p>
+          <a:endParaRPr lang="en-US"/>
+        </a:p>
+      </dgm:t>
     </dgm:pt>
     <dgm:pt modelId="{5923F7A9-5A6C-44E6-862D-25977BC196E8}" type="pres">
       <dgm:prSet presAssocID="{19CC9690-40D6-4E02-B31F-DBD6D454FE69}" presName="vert1" presStyleCnt="0"/>
       <dgm:spPr/>
     </dgm:pt>
     <dgm:pt modelId="{803C4B3A-C34F-E242-97BA-4F5566F5D147}" type="pres">
-      <dgm:prSet presAssocID="{B42F8499-A3AC-45C6-A135-DA69F157F0E8}" presName="thickLine" presStyleLbl="alignNode1" presStyleIdx="4" presStyleCnt="6"/>
+      <dgm:prSet presAssocID="{B42F8499-A3AC-45C6-A135-DA69F157F0E8}" presName="thickLine" presStyleLbl="alignNode1" presStyleIdx="3" presStyleCnt="5"/>
       <dgm:spPr/>
     </dgm:pt>
     <dgm:pt modelId="{0A0BCF0B-7F37-8C4C-B1ED-79AC6B125CD9}" type="pres">
@@ -2033,15 +1201,22 @@
       <dgm:spPr/>
     </dgm:pt>
     <dgm:pt modelId="{BB9D75FB-A306-F24F-A15F-9BB3E204E0A9}" type="pres">
-      <dgm:prSet presAssocID="{B42F8499-A3AC-45C6-A135-DA69F157F0E8}" presName="tx1" presStyleLbl="revTx" presStyleIdx="4" presStyleCnt="6"/>
+      <dgm:prSet presAssocID="{B42F8499-A3AC-45C6-A135-DA69F157F0E8}" presName="tx1" presStyleLbl="revTx" presStyleIdx="3" presStyleCnt="5"/>
       <dgm:spPr/>
+      <dgm:t>
+        <a:bodyPr/>
+        <a:lstStyle/>
+        <a:p>
+          <a:endParaRPr lang="en-US"/>
+        </a:p>
+      </dgm:t>
     </dgm:pt>
     <dgm:pt modelId="{A099E14D-D1D1-5747-9DBE-24A4EE0E82CA}" type="pres">
       <dgm:prSet presAssocID="{B42F8499-A3AC-45C6-A135-DA69F157F0E8}" presName="vert1" presStyleCnt="0"/>
       <dgm:spPr/>
     </dgm:pt>
     <dgm:pt modelId="{EDD1787A-0296-3748-AACA-61FDF323402D}" type="pres">
-      <dgm:prSet presAssocID="{AA76D586-0015-4FA1-87BD-54FD594C14D2}" presName="thickLine" presStyleLbl="alignNode1" presStyleIdx="5" presStyleCnt="6"/>
+      <dgm:prSet presAssocID="{AA76D586-0015-4FA1-87BD-54FD594C14D2}" presName="thickLine" presStyleLbl="alignNode1" presStyleIdx="4" presStyleCnt="5"/>
       <dgm:spPr/>
     </dgm:pt>
     <dgm:pt modelId="{CBE121D2-CD0A-B74B-90ED-BF795CDCEDA6}" type="pres">
@@ -2049,8 +1224,15 @@
       <dgm:spPr/>
     </dgm:pt>
     <dgm:pt modelId="{DB6D5F9D-02BF-1746-953C-89A15CB67224}" type="pres">
-      <dgm:prSet presAssocID="{AA76D586-0015-4FA1-87BD-54FD594C14D2}" presName="tx1" presStyleLbl="revTx" presStyleIdx="5" presStyleCnt="6"/>
+      <dgm:prSet presAssocID="{AA76D586-0015-4FA1-87BD-54FD594C14D2}" presName="tx1" presStyleLbl="revTx" presStyleIdx="4" presStyleCnt="5"/>
       <dgm:spPr/>
+      <dgm:t>
+        <a:bodyPr/>
+        <a:lstStyle/>
+        <a:p>
+          <a:endParaRPr lang="en-US"/>
+        </a:p>
+      </dgm:t>
     </dgm:pt>
     <dgm:pt modelId="{D9DCCB30-16A7-6741-9852-88191878C754}" type="pres">
       <dgm:prSet presAssocID="{AA76D586-0015-4FA1-87BD-54FD594C14D2}" presName="vert1" presStyleCnt="0"/>
@@ -2058,41 +1240,35 @@
     </dgm:pt>
   </dgm:ptLst>
   <dgm:cxnLst>
-    <dgm:cxn modelId="{C1B29806-9826-1145-AD5D-C127BAA2DDF8}" type="presOf" srcId="{E98FA150-5339-4814-8FE1-20C02AFD87F8}" destId="{01539F69-3534-0C4E-9A6C-7977836A6A5C}" srcOrd="0" destOrd="0" presId="urn:microsoft.com/office/officeart/2008/layout/LinedList"/>
-    <dgm:cxn modelId="{ADDD9E1F-7F7B-4085-83D4-568FF8C13926}" srcId="{04949050-BC41-45B2-BFD8-75D7D869405A}" destId="{C88E755F-C08D-48EA-85AD-3DF0C77937DF}" srcOrd="2" destOrd="0" parTransId="{B2E6AE8C-C9C3-415B-ABC8-0A7B18DC48C9}" sibTransId="{C6CF371A-1A12-4380-905F-1886F8DEB5CE}"/>
-    <dgm:cxn modelId="{672CAC29-C623-47A9-A657-91C7520E4068}" srcId="{04949050-BC41-45B2-BFD8-75D7D869405A}" destId="{59057BDD-BB04-426B-AA09-C0F34A718B5C}" srcOrd="1" destOrd="0" parTransId="{489D992C-06D1-49AF-AA4A-9B129B026805}" sibTransId="{365D6A6D-1909-4179-A1AC-38BB696206B3}"/>
-    <dgm:cxn modelId="{CE15AC40-8A07-C74D-859B-7A258DCCB7E2}" type="presOf" srcId="{B42F8499-A3AC-45C6-A135-DA69F157F0E8}" destId="{BB9D75FB-A306-F24F-A15F-9BB3E204E0A9}" srcOrd="0" destOrd="0" presId="urn:microsoft.com/office/officeart/2008/layout/LinedList"/>
+    <dgm:cxn modelId="{047C5288-30BC-4B41-BF5D-9664B414BAAA}" srcId="{04949050-BC41-45B2-BFD8-75D7D869405A}" destId="{B42F8499-A3AC-45C6-A135-DA69F157F0E8}" srcOrd="3" destOrd="0" parTransId="{DCD80B09-BD6E-4495-8DEC-30CBEA5059CB}" sibTransId="{FD73C98F-7CDB-4BA8-AF87-EB6441555EB6}"/>
+    <dgm:cxn modelId="{81FB04F8-FB27-46ED-89C0-D502A8094611}" srcId="{04949050-BC41-45B2-BFD8-75D7D869405A}" destId="{AA76D586-0015-4FA1-87BD-54FD594C14D2}" srcOrd="4" destOrd="0" parTransId="{2976C8B2-2935-4489-B027-FEAB7411EE2A}" sibTransId="{B406A5FB-F6DE-4D68-89E0-F0678FB38C49}"/>
     <dgm:cxn modelId="{751E7E60-E5F8-774A-8FE0-D99A3F6FCEA1}" type="presOf" srcId="{04949050-BC41-45B2-BFD8-75D7D869405A}" destId="{91CD5485-F150-D043-ADE0-19D754122003}" srcOrd="0" destOrd="0" presId="urn:microsoft.com/office/officeart/2008/layout/LinedList"/>
     <dgm:cxn modelId="{3D2DB255-F2F2-412D-BD60-C444C071D298}" type="presOf" srcId="{19CC9690-40D6-4E02-B31F-DBD6D454FE69}" destId="{DC916959-FEEB-48BE-B291-17D5E2A6B00B}" srcOrd="0" destOrd="0" presId="urn:microsoft.com/office/officeart/2008/layout/LinedList"/>
+    <dgm:cxn modelId="{ADDD9E1F-7F7B-4085-83D4-568FF8C13926}" srcId="{04949050-BC41-45B2-BFD8-75D7D869405A}" destId="{C88E755F-C08D-48EA-85AD-3DF0C77937DF}" srcOrd="1" destOrd="0" parTransId="{B2E6AE8C-C9C3-415B-ABC8-0A7B18DC48C9}" sibTransId="{C6CF371A-1A12-4380-905F-1886F8DEB5CE}"/>
+    <dgm:cxn modelId="{CE15AC40-8A07-C74D-859B-7A258DCCB7E2}" type="presOf" srcId="{B42F8499-A3AC-45C6-A135-DA69F157F0E8}" destId="{BB9D75FB-A306-F24F-A15F-9BB3E204E0A9}" srcOrd="0" destOrd="0" presId="urn:microsoft.com/office/officeart/2008/layout/LinedList"/>
+    <dgm:cxn modelId="{672CAC29-C623-47A9-A657-91C7520E4068}" srcId="{04949050-BC41-45B2-BFD8-75D7D869405A}" destId="{59057BDD-BB04-426B-AA09-C0F34A718B5C}" srcOrd="0" destOrd="0" parTransId="{489D992C-06D1-49AF-AA4A-9B129B026805}" sibTransId="{365D6A6D-1909-4179-A1AC-38BB696206B3}"/>
+    <dgm:cxn modelId="{213F7EF8-8F38-4E36-9EAA-6029AC55D6FE}" srcId="{04949050-BC41-45B2-BFD8-75D7D869405A}" destId="{19CC9690-40D6-4E02-B31F-DBD6D454FE69}" srcOrd="2" destOrd="0" parTransId="{77C9588B-7BFD-4C3D-9FE6-E28732A1C4F4}" sibTransId="{271C5623-4F4C-4B05-9C88-58005E21DD3C}"/>
     <dgm:cxn modelId="{A995CB59-D8CC-1247-A9B5-B4BCB8AF6F89}" type="presOf" srcId="{59057BDD-BB04-426B-AA09-C0F34A718B5C}" destId="{CBB3AF93-5C4F-5446-B8CA-CA95CA2FD835}" srcOrd="0" destOrd="0" presId="urn:microsoft.com/office/officeart/2008/layout/LinedList"/>
-    <dgm:cxn modelId="{4D0F1480-02CC-4544-82C8-85683999A835}" srcId="{04949050-BC41-45B2-BFD8-75D7D869405A}" destId="{E98FA150-5339-4814-8FE1-20C02AFD87F8}" srcOrd="0" destOrd="0" parTransId="{17EBE2F3-4ADF-492B-82D8-8376052D645B}" sibTransId="{69635EA2-533D-49D0-93AD-BFA72BED5F45}"/>
-    <dgm:cxn modelId="{047C5288-30BC-4B41-BF5D-9664B414BAAA}" srcId="{04949050-BC41-45B2-BFD8-75D7D869405A}" destId="{B42F8499-A3AC-45C6-A135-DA69F157F0E8}" srcOrd="4" destOrd="0" parTransId="{DCD80B09-BD6E-4495-8DEC-30CBEA5059CB}" sibTransId="{FD73C98F-7CDB-4BA8-AF87-EB6441555EB6}"/>
     <dgm:cxn modelId="{527AAE99-54F2-BA42-9425-639CFC3C6BF7}" type="presOf" srcId="{AA76D586-0015-4FA1-87BD-54FD594C14D2}" destId="{DB6D5F9D-02BF-1746-953C-89A15CB67224}" srcOrd="0" destOrd="0" presId="urn:microsoft.com/office/officeart/2008/layout/LinedList"/>
-    <dgm:cxn modelId="{81FB04F8-FB27-46ED-89C0-D502A8094611}" srcId="{04949050-BC41-45B2-BFD8-75D7D869405A}" destId="{AA76D586-0015-4FA1-87BD-54FD594C14D2}" srcOrd="5" destOrd="0" parTransId="{2976C8B2-2935-4489-B027-FEAB7411EE2A}" sibTransId="{B406A5FB-F6DE-4D68-89E0-F0678FB38C49}"/>
-    <dgm:cxn modelId="{213F7EF8-8F38-4E36-9EAA-6029AC55D6FE}" srcId="{04949050-BC41-45B2-BFD8-75D7D869405A}" destId="{19CC9690-40D6-4E02-B31F-DBD6D454FE69}" srcOrd="3" destOrd="0" parTransId="{77C9588B-7BFD-4C3D-9FE6-E28732A1C4F4}" sibTransId="{271C5623-4F4C-4B05-9C88-58005E21DD3C}"/>
     <dgm:cxn modelId="{8BC11DFA-D1FB-794C-9938-A7A4231DE06A}" type="presOf" srcId="{C88E755F-C08D-48EA-85AD-3DF0C77937DF}" destId="{7AE9FC42-9157-7849-B8B0-B8E92C7EB364}" srcOrd="0" destOrd="0" presId="urn:microsoft.com/office/officeart/2008/layout/LinedList"/>
-    <dgm:cxn modelId="{85BA6A58-8BBA-E44F-8123-FDCB7129FDC9}" type="presParOf" srcId="{91CD5485-F150-D043-ADE0-19D754122003}" destId="{A49CD074-082E-BD4C-9396-5C88C70718B7}" srcOrd="0" destOrd="0" presId="urn:microsoft.com/office/officeart/2008/layout/LinedList"/>
-    <dgm:cxn modelId="{94687ADE-E61A-834D-AEE2-66D9B3CD6A07}" type="presParOf" srcId="{91CD5485-F150-D043-ADE0-19D754122003}" destId="{E4C083C5-A6EA-BD4C-84C4-9A1B7FA48809}" srcOrd="1" destOrd="0" presId="urn:microsoft.com/office/officeart/2008/layout/LinedList"/>
-    <dgm:cxn modelId="{A9747F18-CDD3-134F-8C91-722AC138422A}" type="presParOf" srcId="{E4C083C5-A6EA-BD4C-84C4-9A1B7FA48809}" destId="{01539F69-3534-0C4E-9A6C-7977836A6A5C}" srcOrd="0" destOrd="0" presId="urn:microsoft.com/office/officeart/2008/layout/LinedList"/>
-    <dgm:cxn modelId="{05A5A68F-2679-2043-9400-23F7BCFC3964}" type="presParOf" srcId="{E4C083C5-A6EA-BD4C-84C4-9A1B7FA48809}" destId="{458492FC-6E49-1C4B-BCA7-AF3A40186A1C}" srcOrd="1" destOrd="0" presId="urn:microsoft.com/office/officeart/2008/layout/LinedList"/>
-    <dgm:cxn modelId="{F3422727-CA71-494A-9834-8C03DFC50E58}" type="presParOf" srcId="{91CD5485-F150-D043-ADE0-19D754122003}" destId="{3C841FB7-219B-C944-8CDE-437716CD15E5}" srcOrd="2" destOrd="0" presId="urn:microsoft.com/office/officeart/2008/layout/LinedList"/>
-    <dgm:cxn modelId="{D56A4A5E-A4CE-3D47-BED2-BC37DD557B4C}" type="presParOf" srcId="{91CD5485-F150-D043-ADE0-19D754122003}" destId="{AF993FBB-D65B-DB4E-95D2-B590CCEAEB90}" srcOrd="3" destOrd="0" presId="urn:microsoft.com/office/officeart/2008/layout/LinedList"/>
+    <dgm:cxn modelId="{F3422727-CA71-494A-9834-8C03DFC50E58}" type="presParOf" srcId="{91CD5485-F150-D043-ADE0-19D754122003}" destId="{3C841FB7-219B-C944-8CDE-437716CD15E5}" srcOrd="0" destOrd="0" presId="urn:microsoft.com/office/officeart/2008/layout/LinedList"/>
+    <dgm:cxn modelId="{D56A4A5E-A4CE-3D47-BED2-BC37DD557B4C}" type="presParOf" srcId="{91CD5485-F150-D043-ADE0-19D754122003}" destId="{AF993FBB-D65B-DB4E-95D2-B590CCEAEB90}" srcOrd="1" destOrd="0" presId="urn:microsoft.com/office/officeart/2008/layout/LinedList"/>
     <dgm:cxn modelId="{92841176-E238-D74B-ACE8-5FA171CEA13F}" type="presParOf" srcId="{AF993FBB-D65B-DB4E-95D2-B590CCEAEB90}" destId="{CBB3AF93-5C4F-5446-B8CA-CA95CA2FD835}" srcOrd="0" destOrd="0" presId="urn:microsoft.com/office/officeart/2008/layout/LinedList"/>
     <dgm:cxn modelId="{C565788B-A36C-8042-A162-C6E4A1CA6E55}" type="presParOf" srcId="{AF993FBB-D65B-DB4E-95D2-B590CCEAEB90}" destId="{92D9A66C-1A62-7943-B0A2-4ED5778E042E}" srcOrd="1" destOrd="0" presId="urn:microsoft.com/office/officeart/2008/layout/LinedList"/>
-    <dgm:cxn modelId="{6F978D30-3F2C-E747-BCD6-8EDCA27D20CB}" type="presParOf" srcId="{91CD5485-F150-D043-ADE0-19D754122003}" destId="{8463D5D5-B945-A745-AF01-54BE1CC0DF37}" srcOrd="4" destOrd="0" presId="urn:microsoft.com/office/officeart/2008/layout/LinedList"/>
-    <dgm:cxn modelId="{F7A06D03-3878-B542-819D-E01BB98593F4}" type="presParOf" srcId="{91CD5485-F150-D043-ADE0-19D754122003}" destId="{F17E259D-AFAC-5C41-9D60-DE70CEB96282}" srcOrd="5" destOrd="0" presId="urn:microsoft.com/office/officeart/2008/layout/LinedList"/>
+    <dgm:cxn modelId="{6F978D30-3F2C-E747-BCD6-8EDCA27D20CB}" type="presParOf" srcId="{91CD5485-F150-D043-ADE0-19D754122003}" destId="{8463D5D5-B945-A745-AF01-54BE1CC0DF37}" srcOrd="2" destOrd="0" presId="urn:microsoft.com/office/officeart/2008/layout/LinedList"/>
+    <dgm:cxn modelId="{F7A06D03-3878-B542-819D-E01BB98593F4}" type="presParOf" srcId="{91CD5485-F150-D043-ADE0-19D754122003}" destId="{F17E259D-AFAC-5C41-9D60-DE70CEB96282}" srcOrd="3" destOrd="0" presId="urn:microsoft.com/office/officeart/2008/layout/LinedList"/>
     <dgm:cxn modelId="{DFD18D4E-28E7-AC40-B3ED-BCACCFFBD6B5}" type="presParOf" srcId="{F17E259D-AFAC-5C41-9D60-DE70CEB96282}" destId="{7AE9FC42-9157-7849-B8B0-B8E92C7EB364}" srcOrd="0" destOrd="0" presId="urn:microsoft.com/office/officeart/2008/layout/LinedList"/>
     <dgm:cxn modelId="{B15A7003-EBC5-144E-97B6-6AC5534C41A2}" type="presParOf" srcId="{F17E259D-AFAC-5C41-9D60-DE70CEB96282}" destId="{96810E07-1C6F-DD45-9E51-CFD5FE0225B2}" srcOrd="1" destOrd="0" presId="urn:microsoft.com/office/officeart/2008/layout/LinedList"/>
-    <dgm:cxn modelId="{F9462134-06C5-4A14-9820-535DDD0A2D49}" type="presParOf" srcId="{91CD5485-F150-D043-ADE0-19D754122003}" destId="{9D99E01D-08C9-42CD-8B44-5C010141EC22}" srcOrd="6" destOrd="0" presId="urn:microsoft.com/office/officeart/2008/layout/LinedList"/>
-    <dgm:cxn modelId="{FE4F62BD-0B10-4F23-9091-863A8EC2730A}" type="presParOf" srcId="{91CD5485-F150-D043-ADE0-19D754122003}" destId="{CC0703A8-C03C-451D-ADF6-C6F487BC57B5}" srcOrd="7" destOrd="0" presId="urn:microsoft.com/office/officeart/2008/layout/LinedList"/>
+    <dgm:cxn modelId="{F9462134-06C5-4A14-9820-535DDD0A2D49}" type="presParOf" srcId="{91CD5485-F150-D043-ADE0-19D754122003}" destId="{9D99E01D-08C9-42CD-8B44-5C010141EC22}" srcOrd="4" destOrd="0" presId="urn:microsoft.com/office/officeart/2008/layout/LinedList"/>
+    <dgm:cxn modelId="{FE4F62BD-0B10-4F23-9091-863A8EC2730A}" type="presParOf" srcId="{91CD5485-F150-D043-ADE0-19D754122003}" destId="{CC0703A8-C03C-451D-ADF6-C6F487BC57B5}" srcOrd="5" destOrd="0" presId="urn:microsoft.com/office/officeart/2008/layout/LinedList"/>
     <dgm:cxn modelId="{8678CBE8-FA87-4E4C-A5F9-05C833CD0531}" type="presParOf" srcId="{CC0703A8-C03C-451D-ADF6-C6F487BC57B5}" destId="{DC916959-FEEB-48BE-B291-17D5E2A6B00B}" srcOrd="0" destOrd="0" presId="urn:microsoft.com/office/officeart/2008/layout/LinedList"/>
     <dgm:cxn modelId="{C8C265BC-774F-43AF-97EF-CF9467DE895A}" type="presParOf" srcId="{CC0703A8-C03C-451D-ADF6-C6F487BC57B5}" destId="{5923F7A9-5A6C-44E6-862D-25977BC196E8}" srcOrd="1" destOrd="0" presId="urn:microsoft.com/office/officeart/2008/layout/LinedList"/>
-    <dgm:cxn modelId="{B699A4E6-C0C8-874E-8228-B7FBB375D0FC}" type="presParOf" srcId="{91CD5485-F150-D043-ADE0-19D754122003}" destId="{803C4B3A-C34F-E242-97BA-4F5566F5D147}" srcOrd="8" destOrd="0" presId="urn:microsoft.com/office/officeart/2008/layout/LinedList"/>
-    <dgm:cxn modelId="{849F954C-46AC-DC4D-9ED1-C56851F814CA}" type="presParOf" srcId="{91CD5485-F150-D043-ADE0-19D754122003}" destId="{0A0BCF0B-7F37-8C4C-B1ED-79AC6B125CD9}" srcOrd="9" destOrd="0" presId="urn:microsoft.com/office/officeart/2008/layout/LinedList"/>
+    <dgm:cxn modelId="{B699A4E6-C0C8-874E-8228-B7FBB375D0FC}" type="presParOf" srcId="{91CD5485-F150-D043-ADE0-19D754122003}" destId="{803C4B3A-C34F-E242-97BA-4F5566F5D147}" srcOrd="6" destOrd="0" presId="urn:microsoft.com/office/officeart/2008/layout/LinedList"/>
+    <dgm:cxn modelId="{849F954C-46AC-DC4D-9ED1-C56851F814CA}" type="presParOf" srcId="{91CD5485-F150-D043-ADE0-19D754122003}" destId="{0A0BCF0B-7F37-8C4C-B1ED-79AC6B125CD9}" srcOrd="7" destOrd="0" presId="urn:microsoft.com/office/officeart/2008/layout/LinedList"/>
     <dgm:cxn modelId="{F24ABA14-6087-E94A-B91F-0FC30DED94D1}" type="presParOf" srcId="{0A0BCF0B-7F37-8C4C-B1ED-79AC6B125CD9}" destId="{BB9D75FB-A306-F24F-A15F-9BB3E204E0A9}" srcOrd="0" destOrd="0" presId="urn:microsoft.com/office/officeart/2008/layout/LinedList"/>
     <dgm:cxn modelId="{89F9EC97-7035-A645-AB8E-EA6006DF6876}" type="presParOf" srcId="{0A0BCF0B-7F37-8C4C-B1ED-79AC6B125CD9}" destId="{A099E14D-D1D1-5747-9DBE-24A4EE0E82CA}" srcOrd="1" destOrd="0" presId="urn:microsoft.com/office/officeart/2008/layout/LinedList"/>
-    <dgm:cxn modelId="{3B19CAFB-90AE-A44A-A36A-05D827C6DC7D}" type="presParOf" srcId="{91CD5485-F150-D043-ADE0-19D754122003}" destId="{EDD1787A-0296-3748-AACA-61FDF323402D}" srcOrd="10" destOrd="0" presId="urn:microsoft.com/office/officeart/2008/layout/LinedList"/>
-    <dgm:cxn modelId="{FF1A99D3-1D67-9040-8021-F545A80D2051}" type="presParOf" srcId="{91CD5485-F150-D043-ADE0-19D754122003}" destId="{CBE121D2-CD0A-B74B-90ED-BF795CDCEDA6}" srcOrd="11" destOrd="0" presId="urn:microsoft.com/office/officeart/2008/layout/LinedList"/>
+    <dgm:cxn modelId="{3B19CAFB-90AE-A44A-A36A-05D827C6DC7D}" type="presParOf" srcId="{91CD5485-F150-D043-ADE0-19D754122003}" destId="{EDD1787A-0296-3748-AACA-61FDF323402D}" srcOrd="8" destOrd="0" presId="urn:microsoft.com/office/officeart/2008/layout/LinedList"/>
+    <dgm:cxn modelId="{FF1A99D3-1D67-9040-8021-F545A80D2051}" type="presParOf" srcId="{91CD5485-F150-D043-ADE0-19D754122003}" destId="{CBE121D2-CD0A-B74B-90ED-BF795CDCEDA6}" srcOrd="9" destOrd="0" presId="urn:microsoft.com/office/officeart/2008/layout/LinedList"/>
     <dgm:cxn modelId="{624AAEAD-BB8A-8E4F-ACEC-FF95563FD3FC}" type="presParOf" srcId="{CBE121D2-CD0A-B74B-90ED-BF795CDCEDA6}" destId="{DB6D5F9D-02BF-1746-953C-89A15CB67224}" srcOrd="0" destOrd="0" presId="urn:microsoft.com/office/officeart/2008/layout/LinedList"/>
     <dgm:cxn modelId="{753B6494-38C8-8841-B770-58C0DBA884B5}" type="presParOf" srcId="{CBE121D2-CD0A-B74B-90ED-BF795CDCEDA6}" destId="{D9DCCB30-16A7-6741-9852-88191878C754}" srcOrd="1" destOrd="0" presId="urn:microsoft.com/office/officeart/2008/layout/LinedList"/>
   </dgm:cxnLst>
@@ -2106,245 +1282,6 @@
 </dgm:dataModel>
 </file>
 
-<file path=ppt/diagrams/data2.xml><?xml version="1.0" encoding="utf-8"?>
-<dgm:dataModel xmlns:dgm="http://schemas.openxmlformats.org/drawingml/2006/diagram" xmlns:a="http://schemas.openxmlformats.org/drawingml/2006/main">
-  <dgm:ptLst>
-    <dgm:pt modelId="{525E5362-F3E0-4733-917E-42C5F9F0456E}" type="doc">
-      <dgm:prSet loTypeId="urn:microsoft.com/office/officeart/2005/8/layout/matrix2" loCatId="matrix" qsTypeId="urn:microsoft.com/office/officeart/2005/8/quickstyle/simple3" qsCatId="simple" csTypeId="urn:microsoft.com/office/officeart/2005/8/colors/accent2_1" csCatId="accent2"/>
-      <dgm:spPr/>
-      <dgm:t>
-        <a:bodyPr/>
-        <a:lstStyle/>
-        <a:p>
-          <a:endParaRPr lang="en-US"/>
-        </a:p>
-      </dgm:t>
-    </dgm:pt>
-    <dgm:pt modelId="{ADA20A3D-4B12-4568-91BF-CD3659C20377}">
-      <dgm:prSet/>
-      <dgm:spPr/>
-      <dgm:t>
-        <a:bodyPr/>
-        <a:lstStyle/>
-        <a:p>
-          <a:r>
-            <a:rPr lang="en-US"/>
-            <a:t>Alex – UI/UX Designer</a:t>
-          </a:r>
-        </a:p>
-      </dgm:t>
-    </dgm:pt>
-    <dgm:pt modelId="{F00A17AD-9DF5-4BB2-85CB-242EC849A801}" type="parTrans" cxnId="{C5D7D854-EB26-4603-AE4B-F1277F97494B}">
-      <dgm:prSet/>
-      <dgm:spPr/>
-      <dgm:t>
-        <a:bodyPr/>
-        <a:lstStyle/>
-        <a:p>
-          <a:endParaRPr lang="en-US"/>
-        </a:p>
-      </dgm:t>
-    </dgm:pt>
-    <dgm:pt modelId="{378430ED-B090-4EA2-BA6D-511459F509AC}" type="sibTrans" cxnId="{C5D7D854-EB26-4603-AE4B-F1277F97494B}">
-      <dgm:prSet/>
-      <dgm:spPr/>
-      <dgm:t>
-        <a:bodyPr/>
-        <a:lstStyle/>
-        <a:p>
-          <a:endParaRPr lang="en-US"/>
-        </a:p>
-      </dgm:t>
-    </dgm:pt>
-    <dgm:pt modelId="{B6218AC5-06F4-4F43-9229-417ACE6AF1E1}">
-      <dgm:prSet/>
-      <dgm:spPr/>
-      <dgm:t>
-        <a:bodyPr/>
-        <a:lstStyle/>
-        <a:p>
-          <a:r>
-            <a:rPr lang="en-US"/>
-            <a:t>Harmanbir &amp; Jonathan – Front-End Developer</a:t>
-          </a:r>
-        </a:p>
-      </dgm:t>
-    </dgm:pt>
-    <dgm:pt modelId="{4C0B58A4-715B-4BEA-A685-62C71E26EA50}" type="parTrans" cxnId="{48AA7DEA-0AEB-4CBA-A993-72F1008E2CCB}">
-      <dgm:prSet/>
-      <dgm:spPr/>
-      <dgm:t>
-        <a:bodyPr/>
-        <a:lstStyle/>
-        <a:p>
-          <a:endParaRPr lang="en-US"/>
-        </a:p>
-      </dgm:t>
-    </dgm:pt>
-    <dgm:pt modelId="{7916DDAB-76DF-4CF3-8BC6-E2247C6BEBD4}" type="sibTrans" cxnId="{48AA7DEA-0AEB-4CBA-A993-72F1008E2CCB}">
-      <dgm:prSet/>
-      <dgm:spPr/>
-      <dgm:t>
-        <a:bodyPr/>
-        <a:lstStyle/>
-        <a:p>
-          <a:endParaRPr lang="en-US"/>
-        </a:p>
-      </dgm:t>
-    </dgm:pt>
-    <dgm:pt modelId="{91FF5814-BB43-46B7-B22A-CDF058991BC7}">
-      <dgm:prSet/>
-      <dgm:spPr/>
-      <dgm:t>
-        <a:bodyPr/>
-        <a:lstStyle/>
-        <a:p>
-          <a:r>
-            <a:rPr lang="en-US"/>
-            <a:t>Jacob – Back-End Developer &amp; Team lead</a:t>
-          </a:r>
-        </a:p>
-      </dgm:t>
-    </dgm:pt>
-    <dgm:pt modelId="{123B21AB-5800-401B-97CA-92A436421861}" type="parTrans" cxnId="{043547D7-A7ED-42A8-8474-662A81BD62B0}">
-      <dgm:prSet/>
-      <dgm:spPr/>
-      <dgm:t>
-        <a:bodyPr/>
-        <a:lstStyle/>
-        <a:p>
-          <a:endParaRPr lang="en-US"/>
-        </a:p>
-      </dgm:t>
-    </dgm:pt>
-    <dgm:pt modelId="{A6A75991-C11F-4E2C-8D58-4B87F86E94B9}" type="sibTrans" cxnId="{043547D7-A7ED-42A8-8474-662A81BD62B0}">
-      <dgm:prSet/>
-      <dgm:spPr/>
-      <dgm:t>
-        <a:bodyPr/>
-        <a:lstStyle/>
-        <a:p>
-          <a:endParaRPr lang="en-US"/>
-        </a:p>
-      </dgm:t>
-    </dgm:pt>
-    <dgm:pt modelId="{EF2EFCAD-77B7-4298-A872-72815CE0234C}">
-      <dgm:prSet/>
-      <dgm:spPr/>
-      <dgm:t>
-        <a:bodyPr/>
-        <a:lstStyle/>
-        <a:p>
-          <a:r>
-            <a:rPr lang="en-US"/>
-            <a:t>Allan – Quality Assurance &amp; Sound</a:t>
-          </a:r>
-        </a:p>
-      </dgm:t>
-    </dgm:pt>
-    <dgm:pt modelId="{4A712B39-E2E8-42E3-A553-FE015B435982}" type="parTrans" cxnId="{9D5421D4-C1B7-4620-B994-00E1627A1C21}">
-      <dgm:prSet/>
-      <dgm:spPr/>
-      <dgm:t>
-        <a:bodyPr/>
-        <a:lstStyle/>
-        <a:p>
-          <a:endParaRPr lang="en-US"/>
-        </a:p>
-      </dgm:t>
-    </dgm:pt>
-    <dgm:pt modelId="{7B460A25-0457-4E07-914B-18F63B3D4E52}" type="sibTrans" cxnId="{9D5421D4-C1B7-4620-B994-00E1627A1C21}">
-      <dgm:prSet/>
-      <dgm:spPr/>
-      <dgm:t>
-        <a:bodyPr/>
-        <a:lstStyle/>
-        <a:p>
-          <a:endParaRPr lang="en-US"/>
-        </a:p>
-      </dgm:t>
-    </dgm:pt>
-    <dgm:pt modelId="{6985B73C-DC15-C24B-9DF4-F06F2E1EDEA4}" type="pres">
-      <dgm:prSet presAssocID="{525E5362-F3E0-4733-917E-42C5F9F0456E}" presName="matrix" presStyleCnt="0">
-        <dgm:presLayoutVars>
-          <dgm:chMax val="1"/>
-          <dgm:dir/>
-          <dgm:resizeHandles val="exact"/>
-        </dgm:presLayoutVars>
-      </dgm:prSet>
-      <dgm:spPr/>
-    </dgm:pt>
-    <dgm:pt modelId="{1EC33DDE-4DAC-1145-8AC6-40B71E8FFB52}" type="pres">
-      <dgm:prSet presAssocID="{525E5362-F3E0-4733-917E-42C5F9F0456E}" presName="axisShape" presStyleLbl="bgShp" presStyleIdx="0" presStyleCnt="1"/>
-      <dgm:spPr/>
-    </dgm:pt>
-    <dgm:pt modelId="{334C4CFD-303E-3747-B77D-A34B18B91235}" type="pres">
-      <dgm:prSet presAssocID="{525E5362-F3E0-4733-917E-42C5F9F0456E}" presName="rect1" presStyleLbl="node1" presStyleIdx="0" presStyleCnt="4">
-        <dgm:presLayoutVars>
-          <dgm:chMax val="0"/>
-          <dgm:chPref val="0"/>
-          <dgm:bulletEnabled val="1"/>
-        </dgm:presLayoutVars>
-      </dgm:prSet>
-      <dgm:spPr/>
-    </dgm:pt>
-    <dgm:pt modelId="{256C400B-89B6-3148-BB93-8B799FCD7E07}" type="pres">
-      <dgm:prSet presAssocID="{525E5362-F3E0-4733-917E-42C5F9F0456E}" presName="rect2" presStyleLbl="node1" presStyleIdx="1" presStyleCnt="4">
-        <dgm:presLayoutVars>
-          <dgm:chMax val="0"/>
-          <dgm:chPref val="0"/>
-          <dgm:bulletEnabled val="1"/>
-        </dgm:presLayoutVars>
-      </dgm:prSet>
-      <dgm:spPr/>
-    </dgm:pt>
-    <dgm:pt modelId="{B8C21FC4-E4A7-A049-9344-463E3626BBD2}" type="pres">
-      <dgm:prSet presAssocID="{525E5362-F3E0-4733-917E-42C5F9F0456E}" presName="rect3" presStyleLbl="node1" presStyleIdx="2" presStyleCnt="4">
-        <dgm:presLayoutVars>
-          <dgm:chMax val="0"/>
-          <dgm:chPref val="0"/>
-          <dgm:bulletEnabled val="1"/>
-        </dgm:presLayoutVars>
-      </dgm:prSet>
-      <dgm:spPr/>
-    </dgm:pt>
-    <dgm:pt modelId="{E8D5748A-AD28-CA45-B00B-E12EF9518C10}" type="pres">
-      <dgm:prSet presAssocID="{525E5362-F3E0-4733-917E-42C5F9F0456E}" presName="rect4" presStyleLbl="node1" presStyleIdx="3" presStyleCnt="4">
-        <dgm:presLayoutVars>
-          <dgm:chMax val="0"/>
-          <dgm:chPref val="0"/>
-          <dgm:bulletEnabled val="1"/>
-        </dgm:presLayoutVars>
-      </dgm:prSet>
-      <dgm:spPr/>
-    </dgm:pt>
-  </dgm:ptLst>
-  <dgm:cxnLst>
-    <dgm:cxn modelId="{D828B731-54EE-C24A-883B-D84FFDA86582}" type="presOf" srcId="{525E5362-F3E0-4733-917E-42C5F9F0456E}" destId="{6985B73C-DC15-C24B-9DF4-F06F2E1EDEA4}" srcOrd="0" destOrd="0" presId="urn:microsoft.com/office/officeart/2005/8/layout/matrix2"/>
-    <dgm:cxn modelId="{52232D42-E242-E946-B8AE-28BB274180B2}" type="presOf" srcId="{B6218AC5-06F4-4F43-9229-417ACE6AF1E1}" destId="{256C400B-89B6-3148-BB93-8B799FCD7E07}" srcOrd="0" destOrd="0" presId="urn:microsoft.com/office/officeart/2005/8/layout/matrix2"/>
-    <dgm:cxn modelId="{C5D7D854-EB26-4603-AE4B-F1277F97494B}" srcId="{525E5362-F3E0-4733-917E-42C5F9F0456E}" destId="{ADA20A3D-4B12-4568-91BF-CD3659C20377}" srcOrd="0" destOrd="0" parTransId="{F00A17AD-9DF5-4BB2-85CB-242EC849A801}" sibTransId="{378430ED-B090-4EA2-BA6D-511459F509AC}"/>
-    <dgm:cxn modelId="{E2005A7E-DB6B-864E-8718-DA3E90F9E5F4}" type="presOf" srcId="{EF2EFCAD-77B7-4298-A872-72815CE0234C}" destId="{E8D5748A-AD28-CA45-B00B-E12EF9518C10}" srcOrd="0" destOrd="0" presId="urn:microsoft.com/office/officeart/2005/8/layout/matrix2"/>
-    <dgm:cxn modelId="{5471D689-4639-EF43-9D05-C15BA8490A62}" type="presOf" srcId="{ADA20A3D-4B12-4568-91BF-CD3659C20377}" destId="{334C4CFD-303E-3747-B77D-A34B18B91235}" srcOrd="0" destOrd="0" presId="urn:microsoft.com/office/officeart/2005/8/layout/matrix2"/>
-    <dgm:cxn modelId="{9D5421D4-C1B7-4620-B994-00E1627A1C21}" srcId="{525E5362-F3E0-4733-917E-42C5F9F0456E}" destId="{EF2EFCAD-77B7-4298-A872-72815CE0234C}" srcOrd="3" destOrd="0" parTransId="{4A712B39-E2E8-42E3-A553-FE015B435982}" sibTransId="{7B460A25-0457-4E07-914B-18F63B3D4E52}"/>
-    <dgm:cxn modelId="{043547D7-A7ED-42A8-8474-662A81BD62B0}" srcId="{525E5362-F3E0-4733-917E-42C5F9F0456E}" destId="{91FF5814-BB43-46B7-B22A-CDF058991BC7}" srcOrd="2" destOrd="0" parTransId="{123B21AB-5800-401B-97CA-92A436421861}" sibTransId="{A6A75991-C11F-4E2C-8D58-4B87F86E94B9}"/>
-    <dgm:cxn modelId="{48AA7DEA-0AEB-4CBA-A993-72F1008E2CCB}" srcId="{525E5362-F3E0-4733-917E-42C5F9F0456E}" destId="{B6218AC5-06F4-4F43-9229-417ACE6AF1E1}" srcOrd="1" destOrd="0" parTransId="{4C0B58A4-715B-4BEA-A685-62C71E26EA50}" sibTransId="{7916DDAB-76DF-4CF3-8BC6-E2247C6BEBD4}"/>
-    <dgm:cxn modelId="{78B450EE-81D6-D34D-B845-188855DA45B7}" type="presOf" srcId="{91FF5814-BB43-46B7-B22A-CDF058991BC7}" destId="{B8C21FC4-E4A7-A049-9344-463E3626BBD2}" srcOrd="0" destOrd="0" presId="urn:microsoft.com/office/officeart/2005/8/layout/matrix2"/>
-    <dgm:cxn modelId="{FED212DC-1B38-B449-95B1-7B8BC18CF4CF}" type="presParOf" srcId="{6985B73C-DC15-C24B-9DF4-F06F2E1EDEA4}" destId="{1EC33DDE-4DAC-1145-8AC6-40B71E8FFB52}" srcOrd="0" destOrd="0" presId="urn:microsoft.com/office/officeart/2005/8/layout/matrix2"/>
-    <dgm:cxn modelId="{48791DF7-6A4B-4D4F-A3BA-8F742F7DCE07}" type="presParOf" srcId="{6985B73C-DC15-C24B-9DF4-F06F2E1EDEA4}" destId="{334C4CFD-303E-3747-B77D-A34B18B91235}" srcOrd="1" destOrd="0" presId="urn:microsoft.com/office/officeart/2005/8/layout/matrix2"/>
-    <dgm:cxn modelId="{2EBAA3C5-2536-9248-8E85-0B1AD67685B1}" type="presParOf" srcId="{6985B73C-DC15-C24B-9DF4-F06F2E1EDEA4}" destId="{256C400B-89B6-3148-BB93-8B799FCD7E07}" srcOrd="2" destOrd="0" presId="urn:microsoft.com/office/officeart/2005/8/layout/matrix2"/>
-    <dgm:cxn modelId="{763E431E-8CA1-244C-91F0-7FF3E80D5333}" type="presParOf" srcId="{6985B73C-DC15-C24B-9DF4-F06F2E1EDEA4}" destId="{B8C21FC4-E4A7-A049-9344-463E3626BBD2}" srcOrd="3" destOrd="0" presId="urn:microsoft.com/office/officeart/2005/8/layout/matrix2"/>
-    <dgm:cxn modelId="{711A356A-F732-8743-A48E-8465365BDEB7}" type="presParOf" srcId="{6985B73C-DC15-C24B-9DF4-F06F2E1EDEA4}" destId="{E8D5748A-AD28-CA45-B00B-E12EF9518C10}" srcOrd="4" destOrd="0" presId="urn:microsoft.com/office/officeart/2005/8/layout/matrix2"/>
-  </dgm:cxnLst>
-  <dgm:bg/>
-  <dgm:whole/>
-  <dgm:extLst>
-    <a:ext uri="http://schemas.microsoft.com/office/drawing/2008/diagram">
-      <dsp:dataModelExt xmlns:dsp="http://schemas.microsoft.com/office/drawing/2008/diagram" relId="rId7" minVer="http://schemas.openxmlformats.org/drawingml/2006/diagram"/>
-    </a:ext>
-  </dgm:extLst>
-</dgm:dataModel>
-</file>
-
 <file path=ppt/diagrams/drawing1.xml><?xml version="1.0" encoding="utf-8"?>
 <dsp:drawing xmlns:dgm="http://schemas.openxmlformats.org/drawingml/2006/diagram" xmlns:dsp="http://schemas.microsoft.com/office/drawing/2008/diagram" xmlns:a="http://schemas.openxmlformats.org/drawingml/2006/main">
   <dsp:spTree>
@@ -2353,14 +1290,14 @@
       <dsp:cNvGrpSpPr/>
     </dsp:nvGrpSpPr>
     <dsp:grpSpPr/>
-    <dsp:sp modelId="{A49CD074-082E-BD4C-9396-5C88C70718B7}">
+    <dsp:sp modelId="{3C841FB7-219B-C944-8CDE-437716CD15E5}">
       <dsp:nvSpPr>
         <dsp:cNvPr id="0" name=""/>
         <dsp:cNvSpPr/>
       </dsp:nvSpPr>
       <dsp:spPr>
         <a:xfrm>
-          <a:off x="0" y="1616"/>
+          <a:off x="0" y="404"/>
           <a:ext cx="7915275" cy="0"/>
         </a:xfrm>
         <a:prstGeom prst="line">
@@ -2418,15 +1355,15 @@
         </a:fontRef>
       </dsp:style>
     </dsp:sp>
-    <dsp:sp modelId="{01539F69-3534-0C4E-9A6C-7977836A6A5C}">
+    <dsp:sp modelId="{CBB3AF93-5C4F-5446-B8CA-CA95CA2FD835}">
       <dsp:nvSpPr>
         <dsp:cNvPr id="0" name=""/>
         <dsp:cNvSpPr/>
       </dsp:nvSpPr>
       <dsp:spPr>
         <a:xfrm>
-          <a:off x="0" y="1616"/>
-          <a:ext cx="7915275" cy="551263"/>
+          <a:off x="0" y="404"/>
+          <a:ext cx="7915275" cy="662001"/>
         </a:xfrm>
         <a:prstGeom prst="rect">
           <a:avLst/>
@@ -2450,12 +1387,12 @@
         <a:fontRef idx="minor"/>
       </dsp:style>
       <dsp:txBody>
-        <a:bodyPr spcFirstLastPara="0" vert="horz" wrap="square" lIns="95250" tIns="95250" rIns="95250" bIns="95250" numCol="1" spcCol="1270" anchor="t" anchorCtr="0">
+        <a:bodyPr spcFirstLastPara="0" vert="horz" wrap="square" lIns="114300" tIns="114300" rIns="114300" bIns="114300" numCol="1" spcCol="1270" anchor="t" anchorCtr="0">
           <a:noAutofit/>
         </a:bodyPr>
         <a:lstStyle/>
         <a:p>
-          <a:pPr marL="0" lvl="0" indent="0" algn="l" defTabSz="1111250">
+          <a:pPr lvl="0" algn="l" defTabSz="1333500">
             <a:lnSpc>
               <a:spcPct val="90000"/>
             </a:lnSpc>
@@ -2465,27 +1402,26 @@
             <a:spcAft>
               <a:spcPct val="35000"/>
             </a:spcAft>
-            <a:buNone/>
           </a:pPr>
           <a:r>
-            <a:rPr lang="en-US" sz="2500" kern="1200" dirty="0"/>
-            <a:t>Team Members</a:t>
+            <a:rPr lang="en-US" sz="3000" kern="1200" dirty="0"/>
+            <a:t>Features</a:t>
           </a:r>
         </a:p>
       </dsp:txBody>
       <dsp:txXfrm>
-        <a:off x="0" y="1616"/>
-        <a:ext cx="7915275" cy="551263"/>
+        <a:off x="0" y="404"/>
+        <a:ext cx="7915275" cy="662001"/>
       </dsp:txXfrm>
     </dsp:sp>
-    <dsp:sp modelId="{3C841FB7-219B-C944-8CDE-437716CD15E5}">
+    <dsp:sp modelId="{8463D5D5-B945-A745-AF01-54BE1CC0DF37}">
       <dsp:nvSpPr>
         <dsp:cNvPr id="0" name=""/>
         <dsp:cNvSpPr/>
       </dsp:nvSpPr>
       <dsp:spPr>
         <a:xfrm>
-          <a:off x="0" y="552880"/>
+          <a:off x="0" y="662405"/>
           <a:ext cx="7915275" cy="0"/>
         </a:xfrm>
         <a:prstGeom prst="line">
@@ -2495,9 +1431,9 @@
           <a:gsLst>
             <a:gs pos="0">
               <a:schemeClr val="accent5">
-                <a:hueOff val="4159237"/>
-                <a:satOff val="-114"/>
-                <a:lumOff val="-628"/>
+                <a:hueOff val="5199046"/>
+                <a:satOff val="-142"/>
+                <a:lumOff val="-785"/>
                 <a:alphaOff val="0"/>
                 <a:tint val="80000"/>
                 <a:lumMod val="105000"/>
@@ -2505,9 +1441,9 @@
             </a:gs>
             <a:gs pos="100000">
               <a:schemeClr val="accent5">
-                <a:hueOff val="4159237"/>
-                <a:satOff val="-114"/>
-                <a:lumOff val="-628"/>
+                <a:hueOff val="5199046"/>
+                <a:satOff val="-142"/>
+                <a:lumOff val="-785"/>
                 <a:alphaOff val="0"/>
                 <a:tint val="90000"/>
               </a:schemeClr>
@@ -2518,134 +1454,9 @@
         <a:ln w="9525" cap="rnd" cmpd="sng" algn="ctr">
           <a:solidFill>
             <a:schemeClr val="accent5">
-              <a:hueOff val="4159237"/>
-              <a:satOff val="-114"/>
-              <a:lumOff val="-628"/>
-              <a:alphaOff val="0"/>
-            </a:schemeClr>
-          </a:solidFill>
-          <a:prstDash val="solid"/>
-        </a:ln>
-        <a:effectLst/>
-      </dsp:spPr>
-      <dsp:style>
-        <a:lnRef idx="1">
-          <a:scrgbClr r="0" g="0" b="0"/>
-        </a:lnRef>
-        <a:fillRef idx="2">
-          <a:scrgbClr r="0" g="0" b="0"/>
-        </a:fillRef>
-        <a:effectRef idx="1">
-          <a:scrgbClr r="0" g="0" b="0"/>
-        </a:effectRef>
-        <a:fontRef idx="minor">
-          <a:schemeClr val="dk1"/>
-        </a:fontRef>
-      </dsp:style>
-    </dsp:sp>
-    <dsp:sp modelId="{CBB3AF93-5C4F-5446-B8CA-CA95CA2FD835}">
-      <dsp:nvSpPr>
-        <dsp:cNvPr id="0" name=""/>
-        <dsp:cNvSpPr/>
-      </dsp:nvSpPr>
-      <dsp:spPr>
-        <a:xfrm>
-          <a:off x="0" y="552880"/>
-          <a:ext cx="7915275" cy="551263"/>
-        </a:xfrm>
-        <a:prstGeom prst="rect">
-          <a:avLst/>
-        </a:prstGeom>
-        <a:noFill/>
-        <a:ln>
-          <a:noFill/>
-        </a:ln>
-        <a:effectLst/>
-      </dsp:spPr>
-      <dsp:style>
-        <a:lnRef idx="0">
-          <a:scrgbClr r="0" g="0" b="0"/>
-        </a:lnRef>
-        <a:fillRef idx="0">
-          <a:scrgbClr r="0" g="0" b="0"/>
-        </a:fillRef>
-        <a:effectRef idx="0">
-          <a:scrgbClr r="0" g="0" b="0"/>
-        </a:effectRef>
-        <a:fontRef idx="minor"/>
-      </dsp:style>
-      <dsp:txBody>
-        <a:bodyPr spcFirstLastPara="0" vert="horz" wrap="square" lIns="95250" tIns="95250" rIns="95250" bIns="95250" numCol="1" spcCol="1270" anchor="t" anchorCtr="0">
-          <a:noAutofit/>
-        </a:bodyPr>
-        <a:lstStyle/>
-        <a:p>
-          <a:pPr marL="0" lvl="0" indent="0" algn="l" defTabSz="1111250">
-            <a:lnSpc>
-              <a:spcPct val="90000"/>
-            </a:lnSpc>
-            <a:spcBef>
-              <a:spcPct val="0"/>
-            </a:spcBef>
-            <a:spcAft>
-              <a:spcPct val="35000"/>
-            </a:spcAft>
-            <a:buNone/>
-          </a:pPr>
-          <a:r>
-            <a:rPr lang="en-US" sz="2500" kern="1200" dirty="0"/>
-            <a:t>Features</a:t>
-          </a:r>
-        </a:p>
-      </dsp:txBody>
-      <dsp:txXfrm>
-        <a:off x="0" y="552880"/>
-        <a:ext cx="7915275" cy="551263"/>
-      </dsp:txXfrm>
-    </dsp:sp>
-    <dsp:sp modelId="{8463D5D5-B945-A745-AF01-54BE1CC0DF37}">
-      <dsp:nvSpPr>
-        <dsp:cNvPr id="0" name=""/>
-        <dsp:cNvSpPr/>
-      </dsp:nvSpPr>
-      <dsp:spPr>
-        <a:xfrm>
-          <a:off x="0" y="1104144"/>
-          <a:ext cx="7915275" cy="0"/>
-        </a:xfrm>
-        <a:prstGeom prst="line">
-          <a:avLst/>
-        </a:prstGeom>
-        <a:gradFill rotWithShape="0">
-          <a:gsLst>
-            <a:gs pos="0">
-              <a:schemeClr val="accent5">
-                <a:hueOff val="8318473"/>
-                <a:satOff val="-227"/>
-                <a:lumOff val="-1255"/>
-                <a:alphaOff val="0"/>
-                <a:tint val="80000"/>
-                <a:lumMod val="105000"/>
-              </a:schemeClr>
-            </a:gs>
-            <a:gs pos="100000">
-              <a:schemeClr val="accent5">
-                <a:hueOff val="8318473"/>
-                <a:satOff val="-227"/>
-                <a:lumOff val="-1255"/>
-                <a:alphaOff val="0"/>
-                <a:tint val="90000"/>
-              </a:schemeClr>
-            </a:gs>
-          </a:gsLst>
-          <a:lin ang="5400000" scaled="0"/>
-        </a:gradFill>
-        <a:ln w="9525" cap="rnd" cmpd="sng" algn="ctr">
-          <a:solidFill>
-            <a:schemeClr val="accent5">
-              <a:hueOff val="8318473"/>
-              <a:satOff val="-227"/>
-              <a:lumOff val="-1255"/>
+              <a:hueOff val="5199046"/>
+              <a:satOff val="-142"/>
+              <a:lumOff val="-785"/>
               <a:alphaOff val="0"/>
             </a:schemeClr>
           </a:solidFill>
@@ -2675,8 +1486,8 @@
       </dsp:nvSpPr>
       <dsp:spPr>
         <a:xfrm>
-          <a:off x="0" y="1104144"/>
-          <a:ext cx="7915275" cy="551263"/>
+          <a:off x="0" y="662405"/>
+          <a:ext cx="7915275" cy="662001"/>
         </a:xfrm>
         <a:prstGeom prst="rect">
           <a:avLst/>
@@ -2700,12 +1511,12 @@
         <a:fontRef idx="minor"/>
       </dsp:style>
       <dsp:txBody>
-        <a:bodyPr spcFirstLastPara="0" vert="horz" wrap="square" lIns="95250" tIns="95250" rIns="95250" bIns="95250" numCol="1" spcCol="1270" anchor="t" anchorCtr="0">
+        <a:bodyPr spcFirstLastPara="0" vert="horz" wrap="square" lIns="114300" tIns="114300" rIns="114300" bIns="114300" numCol="1" spcCol="1270" anchor="t" anchorCtr="0">
           <a:noAutofit/>
         </a:bodyPr>
         <a:lstStyle/>
         <a:p>
-          <a:pPr marL="0" lvl="0" indent="0" algn="l" defTabSz="1111250">
+          <a:pPr lvl="0" algn="l" defTabSz="1333500">
             <a:lnSpc>
               <a:spcPct val="90000"/>
             </a:lnSpc>
@@ -2715,17 +1526,16 @@
             <a:spcAft>
               <a:spcPct val="35000"/>
             </a:spcAft>
-            <a:buNone/>
           </a:pPr>
           <a:r>
-            <a:rPr lang="en-US" sz="2500" kern="1200" dirty="0"/>
+            <a:rPr lang="en-US" sz="3000" kern="1200" dirty="0"/>
             <a:t>Target Audience &amp; Uniqueness</a:t>
           </a:r>
         </a:p>
       </dsp:txBody>
       <dsp:txXfrm>
-        <a:off x="0" y="1104144"/>
-        <a:ext cx="7915275" cy="551263"/>
+        <a:off x="0" y="662405"/>
+        <a:ext cx="7915275" cy="662001"/>
       </dsp:txXfrm>
     </dsp:sp>
     <dsp:sp modelId="{9D99E01D-08C9-42CD-8B44-5C010141EC22}">
@@ -2735,7 +1545,7 @@
       </dsp:nvSpPr>
       <dsp:spPr>
         <a:xfrm>
-          <a:off x="0" y="1655407"/>
+          <a:off x="0" y="1324407"/>
           <a:ext cx="7915275" cy="0"/>
         </a:xfrm>
         <a:prstGeom prst="line">
@@ -2745,9 +1555,9 @@
           <a:gsLst>
             <a:gs pos="0">
               <a:schemeClr val="accent5">
-                <a:hueOff val="12477710"/>
-                <a:satOff val="-341"/>
-                <a:lumOff val="-1883"/>
+                <a:hueOff val="10398092"/>
+                <a:satOff val="-284"/>
+                <a:lumOff val="-1569"/>
                 <a:alphaOff val="0"/>
                 <a:tint val="80000"/>
                 <a:lumMod val="105000"/>
@@ -2755,9 +1565,9 @@
             </a:gs>
             <a:gs pos="100000">
               <a:schemeClr val="accent5">
-                <a:hueOff val="12477710"/>
-                <a:satOff val="-341"/>
-                <a:lumOff val="-1883"/>
+                <a:hueOff val="10398092"/>
+                <a:satOff val="-284"/>
+                <a:lumOff val="-1569"/>
                 <a:alphaOff val="0"/>
                 <a:tint val="90000"/>
               </a:schemeClr>
@@ -2768,9 +1578,9 @@
         <a:ln w="9525" cap="rnd" cmpd="sng" algn="ctr">
           <a:solidFill>
             <a:schemeClr val="accent5">
-              <a:hueOff val="12477710"/>
-              <a:satOff val="-341"/>
-              <a:lumOff val="-1883"/>
+              <a:hueOff val="10398092"/>
+              <a:satOff val="-284"/>
+              <a:lumOff val="-1569"/>
               <a:alphaOff val="0"/>
             </a:schemeClr>
           </a:solidFill>
@@ -2800,8 +1610,8 @@
       </dsp:nvSpPr>
       <dsp:spPr>
         <a:xfrm>
-          <a:off x="0" y="1655408"/>
-          <a:ext cx="7915275" cy="551263"/>
+          <a:off x="0" y="1324407"/>
+          <a:ext cx="7915275" cy="662001"/>
         </a:xfrm>
         <a:prstGeom prst="rect">
           <a:avLst/>
@@ -2825,12 +1635,12 @@
         <a:fontRef idx="minor"/>
       </dsp:style>
       <dsp:txBody>
-        <a:bodyPr spcFirstLastPara="0" vert="horz" wrap="square" lIns="95250" tIns="95250" rIns="95250" bIns="95250" numCol="1" spcCol="1270" anchor="t" anchorCtr="0">
+        <a:bodyPr spcFirstLastPara="0" vert="horz" wrap="square" lIns="114300" tIns="114300" rIns="114300" bIns="114300" numCol="1" spcCol="1270" anchor="t" anchorCtr="0">
           <a:noAutofit/>
         </a:bodyPr>
         <a:lstStyle/>
         <a:p>
-          <a:pPr marL="0" lvl="0" indent="0" algn="l" defTabSz="1111250">
+          <a:pPr lvl="0" algn="l" defTabSz="1333500">
             <a:lnSpc>
               <a:spcPct val="90000"/>
             </a:lnSpc>
@@ -2840,17 +1650,16 @@
             <a:spcAft>
               <a:spcPct val="35000"/>
             </a:spcAft>
-            <a:buNone/>
           </a:pPr>
           <a:r>
-            <a:rPr lang="en-US" sz="2500" kern="1200" dirty="0"/>
+            <a:rPr lang="en-US" sz="3000" kern="1200" dirty="0"/>
             <a:t>Challenges</a:t>
           </a:r>
         </a:p>
       </dsp:txBody>
       <dsp:txXfrm>
-        <a:off x="0" y="1655408"/>
-        <a:ext cx="7915275" cy="551263"/>
+        <a:off x="0" y="1324407"/>
+        <a:ext cx="7915275" cy="662001"/>
       </dsp:txXfrm>
     </dsp:sp>
     <dsp:sp modelId="{803C4B3A-C34F-E242-97BA-4F5566F5D147}">
@@ -2860,7 +1669,7 @@
       </dsp:nvSpPr>
       <dsp:spPr>
         <a:xfrm>
-          <a:off x="0" y="2206671"/>
+          <a:off x="0" y="1986408"/>
           <a:ext cx="7915275" cy="0"/>
         </a:xfrm>
         <a:prstGeom prst="line">
@@ -2870,9 +1679,9 @@
           <a:gsLst>
             <a:gs pos="0">
               <a:schemeClr val="accent5">
-                <a:hueOff val="16636946"/>
-                <a:satOff val="-454"/>
-                <a:lumOff val="-2510"/>
+                <a:hueOff val="15597138"/>
+                <a:satOff val="-426"/>
+                <a:lumOff val="-2354"/>
                 <a:alphaOff val="0"/>
                 <a:tint val="80000"/>
                 <a:lumMod val="105000"/>
@@ -2880,9 +1689,9 @@
             </a:gs>
             <a:gs pos="100000">
               <a:schemeClr val="accent5">
-                <a:hueOff val="16636946"/>
-                <a:satOff val="-454"/>
-                <a:lumOff val="-2510"/>
+                <a:hueOff val="15597138"/>
+                <a:satOff val="-426"/>
+                <a:lumOff val="-2354"/>
                 <a:alphaOff val="0"/>
                 <a:tint val="90000"/>
               </a:schemeClr>
@@ -2893,9 +1702,9 @@
         <a:ln w="9525" cap="rnd" cmpd="sng" algn="ctr">
           <a:solidFill>
             <a:schemeClr val="accent5">
-              <a:hueOff val="16636946"/>
-              <a:satOff val="-454"/>
-              <a:lumOff val="-2510"/>
+              <a:hueOff val="15597138"/>
+              <a:satOff val="-426"/>
+              <a:lumOff val="-2354"/>
               <a:alphaOff val="0"/>
             </a:schemeClr>
           </a:solidFill>
@@ -2925,8 +1734,8 @@
       </dsp:nvSpPr>
       <dsp:spPr>
         <a:xfrm>
-          <a:off x="0" y="2206671"/>
-          <a:ext cx="7915275" cy="551263"/>
+          <a:off x="0" y="1986408"/>
+          <a:ext cx="7915275" cy="662001"/>
         </a:xfrm>
         <a:prstGeom prst="rect">
           <a:avLst/>
@@ -2950,12 +1759,12 @@
         <a:fontRef idx="minor"/>
       </dsp:style>
       <dsp:txBody>
-        <a:bodyPr spcFirstLastPara="0" vert="horz" wrap="square" lIns="95250" tIns="95250" rIns="95250" bIns="95250" numCol="1" spcCol="1270" anchor="t" anchorCtr="0">
+        <a:bodyPr spcFirstLastPara="0" vert="horz" wrap="square" lIns="114300" tIns="114300" rIns="114300" bIns="114300" numCol="1" spcCol="1270" anchor="t" anchorCtr="0">
           <a:noAutofit/>
         </a:bodyPr>
         <a:lstStyle/>
         <a:p>
-          <a:pPr marL="0" lvl="0" indent="0" algn="l" defTabSz="1111250">
+          <a:pPr lvl="0" algn="l" defTabSz="1333500">
             <a:lnSpc>
               <a:spcPct val="90000"/>
             </a:lnSpc>
@@ -2965,17 +1774,16 @@
             <a:spcAft>
               <a:spcPct val="35000"/>
             </a:spcAft>
-            <a:buNone/>
           </a:pPr>
           <a:r>
-            <a:rPr lang="en-US" sz="2500" kern="1200" dirty="0"/>
+            <a:rPr lang="en-US" sz="3000" kern="1200" dirty="0"/>
             <a:t>Demo</a:t>
           </a:r>
         </a:p>
       </dsp:txBody>
       <dsp:txXfrm>
-        <a:off x="0" y="2206671"/>
-        <a:ext cx="7915275" cy="551263"/>
+        <a:off x="0" y="1986408"/>
+        <a:ext cx="7915275" cy="662001"/>
       </dsp:txXfrm>
     </dsp:sp>
     <dsp:sp modelId="{EDD1787A-0296-3748-AACA-61FDF323402D}">
@@ -2985,7 +1793,7 @@
       </dsp:nvSpPr>
       <dsp:spPr>
         <a:xfrm>
-          <a:off x="0" y="2757935"/>
+          <a:off x="0" y="2648410"/>
           <a:ext cx="7915275" cy="0"/>
         </a:xfrm>
         <a:prstGeom prst="line">
@@ -3050,8 +1858,8 @@
       </dsp:nvSpPr>
       <dsp:spPr>
         <a:xfrm>
-          <a:off x="0" y="2757935"/>
-          <a:ext cx="7915275" cy="551263"/>
+          <a:off x="0" y="2648410"/>
+          <a:ext cx="7915275" cy="662001"/>
         </a:xfrm>
         <a:prstGeom prst="rect">
           <a:avLst/>
@@ -3075,12 +1883,12 @@
         <a:fontRef idx="minor"/>
       </dsp:style>
       <dsp:txBody>
-        <a:bodyPr spcFirstLastPara="0" vert="horz" wrap="square" lIns="95250" tIns="95250" rIns="95250" bIns="95250" numCol="1" spcCol="1270" anchor="t" anchorCtr="0">
+        <a:bodyPr spcFirstLastPara="0" vert="horz" wrap="square" lIns="114300" tIns="114300" rIns="114300" bIns="114300" numCol="1" spcCol="1270" anchor="t" anchorCtr="0">
           <a:noAutofit/>
         </a:bodyPr>
         <a:lstStyle/>
         <a:p>
-          <a:pPr marL="0" lvl="0" indent="0" algn="l" defTabSz="1111250">
+          <a:pPr lvl="0" algn="l" defTabSz="1333500">
             <a:lnSpc>
               <a:spcPct val="90000"/>
             </a:lnSpc>
@@ -3090,441 +1898,16 @@
             <a:spcAft>
               <a:spcPct val="35000"/>
             </a:spcAft>
-            <a:buNone/>
           </a:pPr>
           <a:r>
-            <a:rPr lang="en-US" sz="2500" kern="1200" dirty="0"/>
+            <a:rPr lang="en-US" sz="3000" kern="1200" dirty="0"/>
             <a:t>Questions</a:t>
           </a:r>
         </a:p>
       </dsp:txBody>
       <dsp:txXfrm>
-        <a:off x="0" y="2757935"/>
-        <a:ext cx="7915275" cy="551263"/>
-      </dsp:txXfrm>
-    </dsp:sp>
-  </dsp:spTree>
-</dsp:drawing>
-</file>
-
-<file path=ppt/diagrams/drawing2.xml><?xml version="1.0" encoding="utf-8"?>
-<dsp:drawing xmlns:dgm="http://schemas.openxmlformats.org/drawingml/2006/diagram" xmlns:dsp="http://schemas.microsoft.com/office/drawing/2008/diagram" xmlns:a="http://schemas.openxmlformats.org/drawingml/2006/main">
-  <dsp:spTree>
-    <dsp:nvGrpSpPr>
-      <dsp:cNvPr id="0" name=""/>
-      <dsp:cNvGrpSpPr/>
-    </dsp:nvGrpSpPr>
-    <dsp:grpSpPr/>
-    <dsp:sp modelId="{1EC33DDE-4DAC-1145-8AC6-40B71E8FFB52}">
-      <dsp:nvSpPr>
-        <dsp:cNvPr id="0" name=""/>
-        <dsp:cNvSpPr/>
-      </dsp:nvSpPr>
-      <dsp:spPr>
-        <a:xfrm>
-          <a:off x="0" y="303365"/>
-          <a:ext cx="4296258" cy="4296258"/>
-        </a:xfrm>
-        <a:prstGeom prst="quadArrow">
-          <a:avLst>
-            <a:gd name="adj1" fmla="val 2000"/>
-            <a:gd name="adj2" fmla="val 4000"/>
-            <a:gd name="adj3" fmla="val 5000"/>
-          </a:avLst>
-        </a:prstGeom>
-        <a:solidFill>
-          <a:schemeClr val="accent2">
-            <a:tint val="40000"/>
-            <a:hueOff val="0"/>
-            <a:satOff val="0"/>
-            <a:lumOff val="0"/>
-            <a:alphaOff val="0"/>
-          </a:schemeClr>
-        </a:solidFill>
-        <a:ln>
-          <a:noFill/>
-        </a:ln>
-        <a:effectLst/>
-      </dsp:spPr>
-      <dsp:style>
-        <a:lnRef idx="0">
-          <a:scrgbClr r="0" g="0" b="0"/>
-        </a:lnRef>
-        <a:fillRef idx="1">
-          <a:scrgbClr r="0" g="0" b="0"/>
-        </a:fillRef>
-        <a:effectRef idx="1">
-          <a:scrgbClr r="0" g="0" b="0"/>
-        </a:effectRef>
-        <a:fontRef idx="minor"/>
-      </dsp:style>
-    </dsp:sp>
-    <dsp:sp modelId="{334C4CFD-303E-3747-B77D-A34B18B91235}">
-      <dsp:nvSpPr>
-        <dsp:cNvPr id="0" name=""/>
-        <dsp:cNvSpPr/>
-      </dsp:nvSpPr>
-      <dsp:spPr>
-        <a:xfrm>
-          <a:off x="279256" y="582622"/>
-          <a:ext cx="1718503" cy="1718503"/>
-        </a:xfrm>
-        <a:prstGeom prst="roundRect">
-          <a:avLst/>
-        </a:prstGeom>
-        <a:gradFill rotWithShape="0">
-          <a:gsLst>
-            <a:gs pos="0">
-              <a:schemeClr val="lt1">
-                <a:hueOff val="0"/>
-                <a:satOff val="0"/>
-                <a:lumOff val="0"/>
-                <a:alphaOff val="0"/>
-                <a:tint val="80000"/>
-                <a:lumMod val="105000"/>
-              </a:schemeClr>
-            </a:gs>
-            <a:gs pos="100000">
-              <a:schemeClr val="lt1">
-                <a:hueOff val="0"/>
-                <a:satOff val="0"/>
-                <a:lumOff val="0"/>
-                <a:alphaOff val="0"/>
-                <a:tint val="90000"/>
-              </a:schemeClr>
-            </a:gs>
-          </a:gsLst>
-          <a:lin ang="5400000" scaled="0"/>
-        </a:gradFill>
-        <a:ln>
-          <a:noFill/>
-        </a:ln>
-        <a:effectLst/>
-        <a:scene3d>
-          <a:camera prst="orthographicFront"/>
-          <a:lightRig rig="flat" dir="t"/>
-        </a:scene3d>
-        <a:sp3d prstMaterial="dkEdge">
-          <a:bevelT w="8200" h="38100"/>
-        </a:sp3d>
-      </dsp:spPr>
-      <dsp:style>
-        <a:lnRef idx="0">
-          <a:scrgbClr r="0" g="0" b="0"/>
-        </a:lnRef>
-        <a:fillRef idx="2">
-          <a:scrgbClr r="0" g="0" b="0"/>
-        </a:fillRef>
-        <a:effectRef idx="1">
-          <a:scrgbClr r="0" g="0" b="0"/>
-        </a:effectRef>
-        <a:fontRef idx="minor">
-          <a:schemeClr val="dk1"/>
-        </a:fontRef>
-      </dsp:style>
-      <dsp:txBody>
-        <a:bodyPr spcFirstLastPara="0" vert="horz" wrap="square" lIns="72390" tIns="72390" rIns="72390" bIns="72390" numCol="1" spcCol="1270" anchor="ctr" anchorCtr="0">
-          <a:noAutofit/>
-        </a:bodyPr>
-        <a:lstStyle/>
-        <a:p>
-          <a:pPr marL="0" lvl="0" indent="0" algn="ctr" defTabSz="844550">
-            <a:lnSpc>
-              <a:spcPct val="90000"/>
-            </a:lnSpc>
-            <a:spcBef>
-              <a:spcPct val="0"/>
-            </a:spcBef>
-            <a:spcAft>
-              <a:spcPct val="35000"/>
-            </a:spcAft>
-            <a:buNone/>
-          </a:pPr>
-          <a:r>
-            <a:rPr lang="en-US" sz="1900" kern="1200"/>
-            <a:t>Alex – UI/UX Designer</a:t>
-          </a:r>
-        </a:p>
-      </dsp:txBody>
-      <dsp:txXfrm>
-        <a:off x="363146" y="666512"/>
-        <a:ext cx="1550723" cy="1550723"/>
-      </dsp:txXfrm>
-    </dsp:sp>
-    <dsp:sp modelId="{256C400B-89B6-3148-BB93-8B799FCD7E07}">
-      <dsp:nvSpPr>
-        <dsp:cNvPr id="0" name=""/>
-        <dsp:cNvSpPr/>
-      </dsp:nvSpPr>
-      <dsp:spPr>
-        <a:xfrm>
-          <a:off x="2298498" y="582622"/>
-          <a:ext cx="1718503" cy="1718503"/>
-        </a:xfrm>
-        <a:prstGeom prst="roundRect">
-          <a:avLst/>
-        </a:prstGeom>
-        <a:gradFill rotWithShape="0">
-          <a:gsLst>
-            <a:gs pos="0">
-              <a:schemeClr val="lt1">
-                <a:hueOff val="0"/>
-                <a:satOff val="0"/>
-                <a:lumOff val="0"/>
-                <a:alphaOff val="0"/>
-                <a:tint val="80000"/>
-                <a:lumMod val="105000"/>
-              </a:schemeClr>
-            </a:gs>
-            <a:gs pos="100000">
-              <a:schemeClr val="lt1">
-                <a:hueOff val="0"/>
-                <a:satOff val="0"/>
-                <a:lumOff val="0"/>
-                <a:alphaOff val="0"/>
-                <a:tint val="90000"/>
-              </a:schemeClr>
-            </a:gs>
-          </a:gsLst>
-          <a:lin ang="5400000" scaled="0"/>
-        </a:gradFill>
-        <a:ln>
-          <a:noFill/>
-        </a:ln>
-        <a:effectLst/>
-        <a:scene3d>
-          <a:camera prst="orthographicFront"/>
-          <a:lightRig rig="flat" dir="t"/>
-        </a:scene3d>
-        <a:sp3d prstMaterial="dkEdge">
-          <a:bevelT w="8200" h="38100"/>
-        </a:sp3d>
-      </dsp:spPr>
-      <dsp:style>
-        <a:lnRef idx="0">
-          <a:scrgbClr r="0" g="0" b="0"/>
-        </a:lnRef>
-        <a:fillRef idx="2">
-          <a:scrgbClr r="0" g="0" b="0"/>
-        </a:fillRef>
-        <a:effectRef idx="1">
-          <a:scrgbClr r="0" g="0" b="0"/>
-        </a:effectRef>
-        <a:fontRef idx="minor">
-          <a:schemeClr val="dk1"/>
-        </a:fontRef>
-      </dsp:style>
-      <dsp:txBody>
-        <a:bodyPr spcFirstLastPara="0" vert="horz" wrap="square" lIns="72390" tIns="72390" rIns="72390" bIns="72390" numCol="1" spcCol="1270" anchor="ctr" anchorCtr="0">
-          <a:noAutofit/>
-        </a:bodyPr>
-        <a:lstStyle/>
-        <a:p>
-          <a:pPr marL="0" lvl="0" indent="0" algn="ctr" defTabSz="844550">
-            <a:lnSpc>
-              <a:spcPct val="90000"/>
-            </a:lnSpc>
-            <a:spcBef>
-              <a:spcPct val="0"/>
-            </a:spcBef>
-            <a:spcAft>
-              <a:spcPct val="35000"/>
-            </a:spcAft>
-            <a:buNone/>
-          </a:pPr>
-          <a:r>
-            <a:rPr lang="en-US" sz="1900" kern="1200"/>
-            <a:t>Harmanbir &amp; Jonathan – Front-End Developer</a:t>
-          </a:r>
-        </a:p>
-      </dsp:txBody>
-      <dsp:txXfrm>
-        <a:off x="2382388" y="666512"/>
-        <a:ext cx="1550723" cy="1550723"/>
-      </dsp:txXfrm>
-    </dsp:sp>
-    <dsp:sp modelId="{B8C21FC4-E4A7-A049-9344-463E3626BBD2}">
-      <dsp:nvSpPr>
-        <dsp:cNvPr id="0" name=""/>
-        <dsp:cNvSpPr/>
-      </dsp:nvSpPr>
-      <dsp:spPr>
-        <a:xfrm>
-          <a:off x="279256" y="2601864"/>
-          <a:ext cx="1718503" cy="1718503"/>
-        </a:xfrm>
-        <a:prstGeom prst="roundRect">
-          <a:avLst/>
-        </a:prstGeom>
-        <a:gradFill rotWithShape="0">
-          <a:gsLst>
-            <a:gs pos="0">
-              <a:schemeClr val="lt1">
-                <a:hueOff val="0"/>
-                <a:satOff val="0"/>
-                <a:lumOff val="0"/>
-                <a:alphaOff val="0"/>
-                <a:tint val="80000"/>
-                <a:lumMod val="105000"/>
-              </a:schemeClr>
-            </a:gs>
-            <a:gs pos="100000">
-              <a:schemeClr val="lt1">
-                <a:hueOff val="0"/>
-                <a:satOff val="0"/>
-                <a:lumOff val="0"/>
-                <a:alphaOff val="0"/>
-                <a:tint val="90000"/>
-              </a:schemeClr>
-            </a:gs>
-          </a:gsLst>
-          <a:lin ang="5400000" scaled="0"/>
-        </a:gradFill>
-        <a:ln>
-          <a:noFill/>
-        </a:ln>
-        <a:effectLst/>
-        <a:scene3d>
-          <a:camera prst="orthographicFront"/>
-          <a:lightRig rig="flat" dir="t"/>
-        </a:scene3d>
-        <a:sp3d prstMaterial="dkEdge">
-          <a:bevelT w="8200" h="38100"/>
-        </a:sp3d>
-      </dsp:spPr>
-      <dsp:style>
-        <a:lnRef idx="0">
-          <a:scrgbClr r="0" g="0" b="0"/>
-        </a:lnRef>
-        <a:fillRef idx="2">
-          <a:scrgbClr r="0" g="0" b="0"/>
-        </a:fillRef>
-        <a:effectRef idx="1">
-          <a:scrgbClr r="0" g="0" b="0"/>
-        </a:effectRef>
-        <a:fontRef idx="minor">
-          <a:schemeClr val="dk1"/>
-        </a:fontRef>
-      </dsp:style>
-      <dsp:txBody>
-        <a:bodyPr spcFirstLastPara="0" vert="horz" wrap="square" lIns="72390" tIns="72390" rIns="72390" bIns="72390" numCol="1" spcCol="1270" anchor="ctr" anchorCtr="0">
-          <a:noAutofit/>
-        </a:bodyPr>
-        <a:lstStyle/>
-        <a:p>
-          <a:pPr marL="0" lvl="0" indent="0" algn="ctr" defTabSz="844550">
-            <a:lnSpc>
-              <a:spcPct val="90000"/>
-            </a:lnSpc>
-            <a:spcBef>
-              <a:spcPct val="0"/>
-            </a:spcBef>
-            <a:spcAft>
-              <a:spcPct val="35000"/>
-            </a:spcAft>
-            <a:buNone/>
-          </a:pPr>
-          <a:r>
-            <a:rPr lang="en-US" sz="1900" kern="1200"/>
-            <a:t>Jacob – Back-End Developer &amp; Team lead</a:t>
-          </a:r>
-        </a:p>
-      </dsp:txBody>
-      <dsp:txXfrm>
-        <a:off x="363146" y="2685754"/>
-        <a:ext cx="1550723" cy="1550723"/>
-      </dsp:txXfrm>
-    </dsp:sp>
-    <dsp:sp modelId="{E8D5748A-AD28-CA45-B00B-E12EF9518C10}">
-      <dsp:nvSpPr>
-        <dsp:cNvPr id="0" name=""/>
-        <dsp:cNvSpPr/>
-      </dsp:nvSpPr>
-      <dsp:spPr>
-        <a:xfrm>
-          <a:off x="2298498" y="2601864"/>
-          <a:ext cx="1718503" cy="1718503"/>
-        </a:xfrm>
-        <a:prstGeom prst="roundRect">
-          <a:avLst/>
-        </a:prstGeom>
-        <a:gradFill rotWithShape="0">
-          <a:gsLst>
-            <a:gs pos="0">
-              <a:schemeClr val="lt1">
-                <a:hueOff val="0"/>
-                <a:satOff val="0"/>
-                <a:lumOff val="0"/>
-                <a:alphaOff val="0"/>
-                <a:tint val="80000"/>
-                <a:lumMod val="105000"/>
-              </a:schemeClr>
-            </a:gs>
-            <a:gs pos="100000">
-              <a:schemeClr val="lt1">
-                <a:hueOff val="0"/>
-                <a:satOff val="0"/>
-                <a:lumOff val="0"/>
-                <a:alphaOff val="0"/>
-                <a:tint val="90000"/>
-              </a:schemeClr>
-            </a:gs>
-          </a:gsLst>
-          <a:lin ang="5400000" scaled="0"/>
-        </a:gradFill>
-        <a:ln>
-          <a:noFill/>
-        </a:ln>
-        <a:effectLst/>
-        <a:scene3d>
-          <a:camera prst="orthographicFront"/>
-          <a:lightRig rig="flat" dir="t"/>
-        </a:scene3d>
-        <a:sp3d prstMaterial="dkEdge">
-          <a:bevelT w="8200" h="38100"/>
-        </a:sp3d>
-      </dsp:spPr>
-      <dsp:style>
-        <a:lnRef idx="0">
-          <a:scrgbClr r="0" g="0" b="0"/>
-        </a:lnRef>
-        <a:fillRef idx="2">
-          <a:scrgbClr r="0" g="0" b="0"/>
-        </a:fillRef>
-        <a:effectRef idx="1">
-          <a:scrgbClr r="0" g="0" b="0"/>
-        </a:effectRef>
-        <a:fontRef idx="minor">
-          <a:schemeClr val="dk1"/>
-        </a:fontRef>
-      </dsp:style>
-      <dsp:txBody>
-        <a:bodyPr spcFirstLastPara="0" vert="horz" wrap="square" lIns="72390" tIns="72390" rIns="72390" bIns="72390" numCol="1" spcCol="1270" anchor="ctr" anchorCtr="0">
-          <a:noAutofit/>
-        </a:bodyPr>
-        <a:lstStyle/>
-        <a:p>
-          <a:pPr marL="0" lvl="0" indent="0" algn="ctr" defTabSz="844550">
-            <a:lnSpc>
-              <a:spcPct val="90000"/>
-            </a:lnSpc>
-            <a:spcBef>
-              <a:spcPct val="0"/>
-            </a:spcBef>
-            <a:spcAft>
-              <a:spcPct val="35000"/>
-            </a:spcAft>
-            <a:buNone/>
-          </a:pPr>
-          <a:r>
-            <a:rPr lang="en-US" sz="1900" kern="1200"/>
-            <a:t>Allan – Quality Assurance &amp; Sound</a:t>
-          </a:r>
-        </a:p>
-      </dsp:txBody>
-      <dsp:txXfrm>
-        <a:off x="2382388" y="2685754"/>
-        <a:ext cx="1550723" cy="1550723"/>
+        <a:off x="0" y="2648410"/>
+        <a:ext cx="7915275" cy="662001"/>
       </dsp:txXfrm>
     </dsp:sp>
   </dsp:spTree>
@@ -3997,1283 +2380,7 @@
 </dgm:layoutDef>
 </file>
 
-<file path=ppt/diagrams/layout2.xml><?xml version="1.0" encoding="utf-8"?>
-<dgm:layoutDef xmlns:dgm="http://schemas.openxmlformats.org/drawingml/2006/diagram" xmlns:a="http://schemas.openxmlformats.org/drawingml/2006/main" uniqueId="urn:microsoft.com/office/officeart/2005/8/layout/matrix2">
-  <dgm:title val=""/>
-  <dgm:desc val=""/>
-  <dgm:catLst>
-    <dgm:cat type="matrix" pri="3000"/>
-  </dgm:catLst>
-  <dgm:sampData>
-    <dgm:dataModel>
-      <dgm:ptLst>
-        <dgm:pt modelId="0" type="doc"/>
-        <dgm:pt modelId="1">
-          <dgm:prSet phldr="1"/>
-        </dgm:pt>
-        <dgm:pt modelId="2">
-          <dgm:prSet phldr="1"/>
-        </dgm:pt>
-        <dgm:pt modelId="3">
-          <dgm:prSet phldr="1"/>
-        </dgm:pt>
-        <dgm:pt modelId="4">
-          <dgm:prSet phldr="1"/>
-        </dgm:pt>
-      </dgm:ptLst>
-      <dgm:cxnLst>
-        <dgm:cxn modelId="5" srcId="0" destId="1" srcOrd="0" destOrd="0"/>
-        <dgm:cxn modelId="6" srcId="0" destId="2" srcOrd="1" destOrd="0"/>
-        <dgm:cxn modelId="7" srcId="0" destId="3" srcOrd="0" destOrd="0"/>
-        <dgm:cxn modelId="8" srcId="0" destId="4" srcOrd="1" destOrd="0"/>
-      </dgm:cxnLst>
-      <dgm:bg/>
-      <dgm:whole/>
-    </dgm:dataModel>
-  </dgm:sampData>
-  <dgm:styleData useDef="1">
-    <dgm:dataModel>
-      <dgm:ptLst/>
-      <dgm:bg/>
-      <dgm:whole/>
-    </dgm:dataModel>
-  </dgm:styleData>
-  <dgm:clrData useDef="1">
-    <dgm:dataModel>
-      <dgm:ptLst/>
-      <dgm:bg/>
-      <dgm:whole/>
-    </dgm:dataModel>
-  </dgm:clrData>
-  <dgm:layoutNode name="matrix">
-    <dgm:varLst>
-      <dgm:chMax val="1"/>
-      <dgm:dir/>
-      <dgm:resizeHandles val="exact"/>
-    </dgm:varLst>
-    <dgm:alg type="composite">
-      <dgm:param type="ar" val="1"/>
-    </dgm:alg>
-    <dgm:shape xmlns:r="http://schemas.openxmlformats.org/officeDocument/2006/relationships" r:blip="">
-      <dgm:adjLst/>
-    </dgm:shape>
-    <dgm:presOf/>
-    <dgm:choose name="Name0">
-      <dgm:if name="Name1" func="var" arg="dir" op="equ" val="norm">
-        <dgm:constrLst>
-          <dgm:constr type="primFontSz" for="ch" ptType="node" op="equ" val="65"/>
-          <dgm:constr type="w" for="ch" forName="axisShape" refType="w"/>
-          <dgm:constr type="h" for="ch" forName="axisShape" refType="h"/>
-          <dgm:constr type="w" for="ch" forName="rect1" refType="w" fact="0.4"/>
-          <dgm:constr type="h" for="ch" forName="rect1" refType="w" fact="0.4"/>
-          <dgm:constr type="l" for="ch" forName="rect1" refType="w" fact="0.065"/>
-          <dgm:constr type="t" for="ch" forName="rect1" refType="h" fact="0.065"/>
-          <dgm:constr type="w" for="ch" forName="rect2" refType="w" fact="0.4"/>
-          <dgm:constr type="h" for="ch" forName="rect2" refType="h" fact="0.4"/>
-          <dgm:constr type="r" for="ch" forName="rect2" refType="w" fact="0.935"/>
-          <dgm:constr type="t" for="ch" forName="rect2" refType="h" fact="0.065"/>
-          <dgm:constr type="w" for="ch" forName="rect3" refType="w" fact="0.4"/>
-          <dgm:constr type="h" for="ch" forName="rect3" refType="w" fact="0.4"/>
-          <dgm:constr type="l" for="ch" forName="rect3" refType="w" fact="0.065"/>
-          <dgm:constr type="b" for="ch" forName="rect3" refType="h" fact="0.935"/>
-          <dgm:constr type="w" for="ch" forName="rect4" refType="w" fact="0.4"/>
-          <dgm:constr type="h" for="ch" forName="rect4" refType="h" fact="0.4"/>
-          <dgm:constr type="r" for="ch" forName="rect4" refType="w" fact="0.935"/>
-          <dgm:constr type="b" for="ch" forName="rect4" refType="h" fact="0.935"/>
-        </dgm:constrLst>
-      </dgm:if>
-      <dgm:else name="Name2">
-        <dgm:constrLst>
-          <dgm:constr type="primFontSz" for="ch" ptType="node" op="equ" val="65"/>
-          <dgm:constr type="w" for="ch" forName="axisShape" refType="w"/>
-          <dgm:constr type="h" for="ch" forName="axisShape" refType="h"/>
-          <dgm:constr type="w" for="ch" forName="rect1" refType="w" fact="0.4"/>
-          <dgm:constr type="h" for="ch" forName="rect1" refType="w" fact="0.4"/>
-          <dgm:constr type="r" for="ch" forName="rect1" refType="w" fact="0.935"/>
-          <dgm:constr type="t" for="ch" forName="rect1" refType="h" fact="0.065"/>
-          <dgm:constr type="w" for="ch" forName="rect2" refType="w" fact="0.4"/>
-          <dgm:constr type="h" for="ch" forName="rect2" refType="h" fact="0.4"/>
-          <dgm:constr type="l" for="ch" forName="rect2" refType="w" fact="0.065"/>
-          <dgm:constr type="t" for="ch" forName="rect2" refType="h" fact="0.065"/>
-          <dgm:constr type="w" for="ch" forName="rect3" refType="w" fact="0.4"/>
-          <dgm:constr type="h" for="ch" forName="rect3" refType="w" fact="0.4"/>
-          <dgm:constr type="r" for="ch" forName="rect3" refType="w" fact="0.935"/>
-          <dgm:constr type="b" for="ch" forName="rect3" refType="h" fact="0.935"/>
-          <dgm:constr type="w" for="ch" forName="rect4" refType="w" fact="0.4"/>
-          <dgm:constr type="h" for="ch" forName="rect4" refType="h" fact="0.4"/>
-          <dgm:constr type="l" for="ch" forName="rect4" refType="w" fact="0.065"/>
-          <dgm:constr type="b" for="ch" forName="rect4" refType="h" fact="0.935"/>
-        </dgm:constrLst>
-      </dgm:else>
-    </dgm:choose>
-    <dgm:ruleLst/>
-    <dgm:choose name="Name3">
-      <dgm:if name="Name4" axis="ch" ptType="node" func="cnt" op="gte" val="1">
-        <dgm:layoutNode name="axisShape" styleLbl="bgShp">
-          <dgm:alg type="sp"/>
-          <dgm:shape xmlns:r="http://schemas.openxmlformats.org/officeDocument/2006/relationships" type="quadArrow" r:blip="">
-            <dgm:adjLst>
-              <dgm:adj idx="1" val="0.02"/>
-              <dgm:adj idx="2" val="0.04"/>
-              <dgm:adj idx="3" val="0.05"/>
-            </dgm:adjLst>
-          </dgm:shape>
-          <dgm:presOf/>
-          <dgm:constrLst/>
-          <dgm:ruleLst/>
-        </dgm:layoutNode>
-        <dgm:layoutNode name="rect1">
-          <dgm:varLst>
-            <dgm:chMax val="0"/>
-            <dgm:chPref val="0"/>
-            <dgm:bulletEnabled val="1"/>
-          </dgm:varLst>
-          <dgm:alg type="tx"/>
-          <dgm:shape xmlns:r="http://schemas.openxmlformats.org/officeDocument/2006/relationships" type="roundRect" r:blip="">
-            <dgm:adjLst/>
-          </dgm:shape>
-          <dgm:presOf axis="ch desOrSelf" ptType="node node" st="1 1" cnt="1 0"/>
-          <dgm:constrLst>
-            <dgm:constr type="tMarg" refType="primFontSz" fact="0.3"/>
-            <dgm:constr type="bMarg" refType="primFontSz" fact="0.3"/>
-            <dgm:constr type="lMarg" refType="primFontSz" fact="0.3"/>
-            <dgm:constr type="rMarg" refType="primFontSz" fact="0.3"/>
-          </dgm:constrLst>
-          <dgm:ruleLst>
-            <dgm:rule type="primFontSz" val="5" fact="NaN" max="NaN"/>
-          </dgm:ruleLst>
-        </dgm:layoutNode>
-        <dgm:layoutNode name="rect2">
-          <dgm:varLst>
-            <dgm:chMax val="0"/>
-            <dgm:chPref val="0"/>
-            <dgm:bulletEnabled val="1"/>
-          </dgm:varLst>
-          <dgm:alg type="tx"/>
-          <dgm:shape xmlns:r="http://schemas.openxmlformats.org/officeDocument/2006/relationships" type="roundRect" r:blip="">
-            <dgm:adjLst/>
-          </dgm:shape>
-          <dgm:presOf axis="ch desOrSelf" ptType="node node" st="2 1" cnt="1 0"/>
-          <dgm:constrLst>
-            <dgm:constr type="tMarg" refType="primFontSz" fact="0.3"/>
-            <dgm:constr type="bMarg" refType="primFontSz" fact="0.3"/>
-            <dgm:constr type="lMarg" refType="primFontSz" fact="0.3"/>
-            <dgm:constr type="rMarg" refType="primFontSz" fact="0.3"/>
-          </dgm:constrLst>
-          <dgm:ruleLst>
-            <dgm:rule type="primFontSz" val="5" fact="NaN" max="NaN"/>
-          </dgm:ruleLst>
-        </dgm:layoutNode>
-        <dgm:layoutNode name="rect3">
-          <dgm:varLst>
-            <dgm:chMax val="0"/>
-            <dgm:chPref val="0"/>
-            <dgm:bulletEnabled val="1"/>
-          </dgm:varLst>
-          <dgm:alg type="tx"/>
-          <dgm:shape xmlns:r="http://schemas.openxmlformats.org/officeDocument/2006/relationships" type="roundRect" r:blip="">
-            <dgm:adjLst/>
-          </dgm:shape>
-          <dgm:presOf axis="ch desOrSelf" ptType="node node" st="3 1" cnt="1 0"/>
-          <dgm:constrLst>
-            <dgm:constr type="tMarg" refType="primFontSz" fact="0.3"/>
-            <dgm:constr type="bMarg" refType="primFontSz" fact="0.3"/>
-            <dgm:constr type="lMarg" refType="primFontSz" fact="0.3"/>
-            <dgm:constr type="rMarg" refType="primFontSz" fact="0.3"/>
-          </dgm:constrLst>
-          <dgm:ruleLst>
-            <dgm:rule type="primFontSz" val="5" fact="NaN" max="NaN"/>
-          </dgm:ruleLst>
-        </dgm:layoutNode>
-        <dgm:layoutNode name="rect4">
-          <dgm:varLst>
-            <dgm:chMax val="0"/>
-            <dgm:chPref val="0"/>
-            <dgm:bulletEnabled val="1"/>
-          </dgm:varLst>
-          <dgm:alg type="tx"/>
-          <dgm:shape xmlns:r="http://schemas.openxmlformats.org/officeDocument/2006/relationships" type="roundRect" r:blip="">
-            <dgm:adjLst/>
-          </dgm:shape>
-          <dgm:presOf axis="ch desOrSelf" ptType="node node" st="4 1" cnt="1 0"/>
-          <dgm:constrLst>
-            <dgm:constr type="tMarg" refType="primFontSz" fact="0.3"/>
-            <dgm:constr type="bMarg" refType="primFontSz" fact="0.3"/>
-            <dgm:constr type="lMarg" refType="primFontSz" fact="0.3"/>
-            <dgm:constr type="rMarg" refType="primFontSz" fact="0.3"/>
-          </dgm:constrLst>
-          <dgm:ruleLst>
-            <dgm:rule type="primFontSz" val="5" fact="NaN" max="NaN"/>
-          </dgm:ruleLst>
-        </dgm:layoutNode>
-      </dgm:if>
-      <dgm:else name="Name5"/>
-    </dgm:choose>
-  </dgm:layoutNode>
-</dgm:layoutDef>
-</file>
-
 <file path=ppt/diagrams/quickStyle1.xml><?xml version="1.0" encoding="utf-8"?>
-<dgm:styleDef xmlns:dgm="http://schemas.openxmlformats.org/drawingml/2006/diagram" xmlns:a="http://schemas.openxmlformats.org/drawingml/2006/main" uniqueId="urn:microsoft.com/office/officeart/2005/8/quickstyle/simple3">
-  <dgm:title val=""/>
-  <dgm:desc val=""/>
-  <dgm:catLst>
-    <dgm:cat type="simple" pri="10300"/>
-  </dgm:catLst>
-  <dgm:scene3d>
-    <a:camera prst="orthographicFront"/>
-    <a:lightRig rig="threePt" dir="t"/>
-  </dgm:scene3d>
-  <dgm:styleLbl name="node0">
-    <dgm:scene3d>
-      <a:camera prst="orthographicFront"/>
-      <a:lightRig rig="flat" dir="t"/>
-    </dgm:scene3d>
-    <dgm:sp3d prstMaterial="dkEdge">
-      <a:bevelT w="8200" h="38100"/>
-    </dgm:sp3d>
-    <dgm:txPr/>
-    <dgm:style>
-      <a:lnRef idx="0">
-        <a:scrgbClr r="0" g="0" b="0"/>
-      </a:lnRef>
-      <a:fillRef idx="2">
-        <a:scrgbClr r="0" g="0" b="0"/>
-      </a:fillRef>
-      <a:effectRef idx="1">
-        <a:scrgbClr r="0" g="0" b="0"/>
-      </a:effectRef>
-      <a:fontRef idx="minor">
-        <a:schemeClr val="dk1"/>
-      </a:fontRef>
-    </dgm:style>
-  </dgm:styleLbl>
-  <dgm:styleLbl name="lnNode1">
-    <dgm:scene3d>
-      <a:camera prst="orthographicFront"/>
-      <a:lightRig rig="flat" dir="t"/>
-    </dgm:scene3d>
-    <dgm:sp3d prstMaterial="dkEdge">
-      <a:bevelT w="8200" h="38100"/>
-    </dgm:sp3d>
-    <dgm:txPr/>
-    <dgm:style>
-      <a:lnRef idx="1">
-        <a:scrgbClr r="0" g="0" b="0"/>
-      </a:lnRef>
-      <a:fillRef idx="2">
-        <a:scrgbClr r="0" g="0" b="0"/>
-      </a:fillRef>
-      <a:effectRef idx="0">
-        <a:scrgbClr r="0" g="0" b="0"/>
-      </a:effectRef>
-      <a:fontRef idx="minor">
-        <a:schemeClr val="dk1"/>
-      </a:fontRef>
-    </dgm:style>
-  </dgm:styleLbl>
-  <dgm:styleLbl name="vennNode1">
-    <dgm:scene3d>
-      <a:camera prst="orthographicFront"/>
-      <a:lightRig rig="flat" dir="t"/>
-    </dgm:scene3d>
-    <dgm:sp3d prstMaterial="dkEdge">
-      <a:bevelT w="8200" h="38100"/>
-    </dgm:sp3d>
-    <dgm:txPr/>
-    <dgm:style>
-      <a:lnRef idx="0">
-        <a:scrgbClr r="0" g="0" b="0"/>
-      </a:lnRef>
-      <a:fillRef idx="2">
-        <a:scrgbClr r="0" g="0" b="0"/>
-      </a:fillRef>
-      <a:effectRef idx="0">
-        <a:scrgbClr r="0" g="0" b="0"/>
-      </a:effectRef>
-      <a:fontRef idx="minor">
-        <a:schemeClr val="tx1"/>
-      </a:fontRef>
-    </dgm:style>
-  </dgm:styleLbl>
-  <dgm:styleLbl name="alignNode1">
-    <dgm:scene3d>
-      <a:camera prst="orthographicFront"/>
-      <a:lightRig rig="threePt" dir="t"/>
-    </dgm:scene3d>
-    <dgm:sp3d/>
-    <dgm:txPr/>
-    <dgm:style>
-      <a:lnRef idx="1">
-        <a:scrgbClr r="0" g="0" b="0"/>
-      </a:lnRef>
-      <a:fillRef idx="2">
-        <a:scrgbClr r="0" g="0" b="0"/>
-      </a:fillRef>
-      <a:effectRef idx="1">
-        <a:scrgbClr r="0" g="0" b="0"/>
-      </a:effectRef>
-      <a:fontRef idx="minor">
-        <a:schemeClr val="dk1"/>
-      </a:fontRef>
-    </dgm:style>
-  </dgm:styleLbl>
-  <dgm:styleLbl name="node1">
-    <dgm:scene3d>
-      <a:camera prst="orthographicFront"/>
-      <a:lightRig rig="flat" dir="t"/>
-    </dgm:scene3d>
-    <dgm:sp3d prstMaterial="dkEdge">
-      <a:bevelT w="8200" h="38100"/>
-    </dgm:sp3d>
-    <dgm:txPr/>
-    <dgm:style>
-      <a:lnRef idx="0">
-        <a:scrgbClr r="0" g="0" b="0"/>
-      </a:lnRef>
-      <a:fillRef idx="2">
-        <a:scrgbClr r="0" g="0" b="0"/>
-      </a:fillRef>
-      <a:effectRef idx="1">
-        <a:scrgbClr r="0" g="0" b="0"/>
-      </a:effectRef>
-      <a:fontRef idx="minor">
-        <a:schemeClr val="dk1"/>
-      </a:fontRef>
-    </dgm:style>
-  </dgm:styleLbl>
-  <dgm:styleLbl name="node2">
-    <dgm:scene3d>
-      <a:camera prst="orthographicFront"/>
-      <a:lightRig rig="flat" dir="t"/>
-    </dgm:scene3d>
-    <dgm:sp3d prstMaterial="dkEdge">
-      <a:bevelT w="8200" h="38100"/>
-    </dgm:sp3d>
-    <dgm:txPr/>
-    <dgm:style>
-      <a:lnRef idx="0">
-        <a:scrgbClr r="0" g="0" b="0"/>
-      </a:lnRef>
-      <a:fillRef idx="2">
-        <a:scrgbClr r="0" g="0" b="0"/>
-      </a:fillRef>
-      <a:effectRef idx="1">
-        <a:scrgbClr r="0" g="0" b="0"/>
-      </a:effectRef>
-      <a:fontRef idx="minor">
-        <a:schemeClr val="dk1"/>
-      </a:fontRef>
-    </dgm:style>
-  </dgm:styleLbl>
-  <dgm:styleLbl name="node3">
-    <dgm:scene3d>
-      <a:camera prst="orthographicFront"/>
-      <a:lightRig rig="flat" dir="t"/>
-    </dgm:scene3d>
-    <dgm:sp3d prstMaterial="dkEdge">
-      <a:bevelT w="8200" h="38100"/>
-    </dgm:sp3d>
-    <dgm:txPr/>
-    <dgm:style>
-      <a:lnRef idx="0">
-        <a:scrgbClr r="0" g="0" b="0"/>
-      </a:lnRef>
-      <a:fillRef idx="2">
-        <a:scrgbClr r="0" g="0" b="0"/>
-      </a:fillRef>
-      <a:effectRef idx="1">
-        <a:scrgbClr r="0" g="0" b="0"/>
-      </a:effectRef>
-      <a:fontRef idx="minor">
-        <a:schemeClr val="dk1"/>
-      </a:fontRef>
-    </dgm:style>
-  </dgm:styleLbl>
-  <dgm:styleLbl name="node4">
-    <dgm:scene3d>
-      <a:camera prst="orthographicFront"/>
-      <a:lightRig rig="flat" dir="t"/>
-    </dgm:scene3d>
-    <dgm:sp3d prstMaterial="dkEdge">
-      <a:bevelT w="8200" h="38100"/>
-    </dgm:sp3d>
-    <dgm:txPr/>
-    <dgm:style>
-      <a:lnRef idx="0">
-        <a:scrgbClr r="0" g="0" b="0"/>
-      </a:lnRef>
-      <a:fillRef idx="2">
-        <a:scrgbClr r="0" g="0" b="0"/>
-      </a:fillRef>
-      <a:effectRef idx="1">
-        <a:scrgbClr r="0" g="0" b="0"/>
-      </a:effectRef>
-      <a:fontRef idx="minor">
-        <a:schemeClr val="dk1"/>
-      </a:fontRef>
-    </dgm:style>
-  </dgm:styleLbl>
-  <dgm:styleLbl name="fgImgPlace1">
-    <dgm:scene3d>
-      <a:camera prst="orthographicFront"/>
-      <a:lightRig rig="threePt" dir="t"/>
-    </dgm:scene3d>
-    <dgm:sp3d/>
-    <dgm:txPr/>
-    <dgm:style>
-      <a:lnRef idx="1">
-        <a:scrgbClr r="0" g="0" b="0"/>
-      </a:lnRef>
-      <a:fillRef idx="1">
-        <a:scrgbClr r="0" g="0" b="0"/>
-      </a:fillRef>
-      <a:effectRef idx="1">
-        <a:scrgbClr r="0" g="0" b="0"/>
-      </a:effectRef>
-      <a:fontRef idx="minor"/>
-    </dgm:style>
-  </dgm:styleLbl>
-  <dgm:styleLbl name="alignImgPlace1">
-    <dgm:scene3d>
-      <a:camera prst="orthographicFront"/>
-      <a:lightRig rig="threePt" dir="t"/>
-    </dgm:scene3d>
-    <dgm:sp3d/>
-    <dgm:txPr/>
-    <dgm:style>
-      <a:lnRef idx="1">
-        <a:scrgbClr r="0" g="0" b="0"/>
-      </a:lnRef>
-      <a:fillRef idx="1">
-        <a:scrgbClr r="0" g="0" b="0"/>
-      </a:fillRef>
-      <a:effectRef idx="1">
-        <a:scrgbClr r="0" g="0" b="0"/>
-      </a:effectRef>
-      <a:fontRef idx="minor"/>
-    </dgm:style>
-  </dgm:styleLbl>
-  <dgm:styleLbl name="bgImgPlace1">
-    <dgm:scene3d>
-      <a:camera prst="orthographicFront"/>
-      <a:lightRig rig="threePt" dir="t"/>
-    </dgm:scene3d>
-    <dgm:sp3d/>
-    <dgm:txPr/>
-    <dgm:style>
-      <a:lnRef idx="1">
-        <a:scrgbClr r="0" g="0" b="0"/>
-      </a:lnRef>
-      <a:fillRef idx="1">
-        <a:scrgbClr r="0" g="0" b="0"/>
-      </a:fillRef>
-      <a:effectRef idx="1">
-        <a:scrgbClr r="0" g="0" b="0"/>
-      </a:effectRef>
-      <a:fontRef idx="minor"/>
-    </dgm:style>
-  </dgm:styleLbl>
-  <dgm:styleLbl name="sibTrans2D1">
-    <dgm:scene3d>
-      <a:camera prst="orthographicFront"/>
-      <a:lightRig rig="threePt" dir="t"/>
-    </dgm:scene3d>
-    <dgm:sp3d/>
-    <dgm:txPr/>
-    <dgm:style>
-      <a:lnRef idx="0">
-        <a:scrgbClr r="0" g="0" b="0"/>
-      </a:lnRef>
-      <a:fillRef idx="2">
-        <a:scrgbClr r="0" g="0" b="0"/>
-      </a:fillRef>
-      <a:effectRef idx="1">
-        <a:scrgbClr r="0" g="0" b="0"/>
-      </a:effectRef>
-      <a:fontRef idx="minor">
-        <a:schemeClr val="dk1"/>
-      </a:fontRef>
-    </dgm:style>
-  </dgm:styleLbl>
-  <dgm:styleLbl name="fgSibTrans2D1">
-    <dgm:scene3d>
-      <a:camera prst="orthographicFront"/>
-      <a:lightRig rig="threePt" dir="t"/>
-    </dgm:scene3d>
-    <dgm:sp3d/>
-    <dgm:txPr/>
-    <dgm:style>
-      <a:lnRef idx="0">
-        <a:scrgbClr r="0" g="0" b="0"/>
-      </a:lnRef>
-      <a:fillRef idx="2">
-        <a:scrgbClr r="0" g="0" b="0"/>
-      </a:fillRef>
-      <a:effectRef idx="1">
-        <a:scrgbClr r="0" g="0" b="0"/>
-      </a:effectRef>
-      <a:fontRef idx="minor">
-        <a:schemeClr val="dk1"/>
-      </a:fontRef>
-    </dgm:style>
-  </dgm:styleLbl>
-  <dgm:styleLbl name="bgSibTrans2D1">
-    <dgm:scene3d>
-      <a:camera prst="orthographicFront"/>
-      <a:lightRig rig="threePt" dir="t"/>
-    </dgm:scene3d>
-    <dgm:sp3d/>
-    <dgm:txPr/>
-    <dgm:style>
-      <a:lnRef idx="0">
-        <a:scrgbClr r="0" g="0" b="0"/>
-      </a:lnRef>
-      <a:fillRef idx="2">
-        <a:scrgbClr r="0" g="0" b="0"/>
-      </a:fillRef>
-      <a:effectRef idx="1">
-        <a:scrgbClr r="0" g="0" b="0"/>
-      </a:effectRef>
-      <a:fontRef idx="minor">
-        <a:schemeClr val="dk1"/>
-      </a:fontRef>
-    </dgm:style>
-  </dgm:styleLbl>
-  <dgm:styleLbl name="sibTrans1D1">
-    <dgm:scene3d>
-      <a:camera prst="orthographicFront"/>
-      <a:lightRig rig="threePt" dir="t"/>
-    </dgm:scene3d>
-    <dgm:sp3d/>
-    <dgm:txPr/>
-    <dgm:style>
-      <a:lnRef idx="1">
-        <a:scrgbClr r="0" g="0" b="0"/>
-      </a:lnRef>
-      <a:fillRef idx="0">
-        <a:scrgbClr r="0" g="0" b="0"/>
-      </a:fillRef>
-      <a:effectRef idx="0">
-        <a:scrgbClr r="0" g="0" b="0"/>
-      </a:effectRef>
-      <a:fontRef idx="minor"/>
-    </dgm:style>
-  </dgm:styleLbl>
-  <dgm:styleLbl name="callout">
-    <dgm:scene3d>
-      <a:camera prst="orthographicFront"/>
-      <a:lightRig rig="threePt" dir="t"/>
-    </dgm:scene3d>
-    <dgm:sp3d/>
-    <dgm:txPr/>
-    <dgm:style>
-      <a:lnRef idx="1">
-        <a:scrgbClr r="0" g="0" b="0"/>
-      </a:lnRef>
-      <a:fillRef idx="2">
-        <a:scrgbClr r="0" g="0" b="0"/>
-      </a:fillRef>
-      <a:effectRef idx="1">
-        <a:scrgbClr r="0" g="0" b="0"/>
-      </a:effectRef>
-      <a:fontRef idx="minor"/>
-    </dgm:style>
-  </dgm:styleLbl>
-  <dgm:styleLbl name="asst0">
-    <dgm:scene3d>
-      <a:camera prst="orthographicFront"/>
-      <a:lightRig rig="flat" dir="t"/>
-    </dgm:scene3d>
-    <dgm:sp3d prstMaterial="dkEdge">
-      <a:bevelT w="8200" h="38100"/>
-    </dgm:sp3d>
-    <dgm:txPr/>
-    <dgm:style>
-      <a:lnRef idx="0">
-        <a:scrgbClr r="0" g="0" b="0"/>
-      </a:lnRef>
-      <a:fillRef idx="2">
-        <a:scrgbClr r="0" g="0" b="0"/>
-      </a:fillRef>
-      <a:effectRef idx="1">
-        <a:scrgbClr r="0" g="0" b="0"/>
-      </a:effectRef>
-      <a:fontRef idx="minor">
-        <a:schemeClr val="dk1"/>
-      </a:fontRef>
-    </dgm:style>
-  </dgm:styleLbl>
-  <dgm:styleLbl name="asst1">
-    <dgm:scene3d>
-      <a:camera prst="orthographicFront"/>
-      <a:lightRig rig="flat" dir="t"/>
-    </dgm:scene3d>
-    <dgm:sp3d prstMaterial="dkEdge">
-      <a:bevelT w="8200" h="38100"/>
-    </dgm:sp3d>
-    <dgm:txPr/>
-    <dgm:style>
-      <a:lnRef idx="0">
-        <a:scrgbClr r="0" g="0" b="0"/>
-      </a:lnRef>
-      <a:fillRef idx="2">
-        <a:scrgbClr r="0" g="0" b="0"/>
-      </a:fillRef>
-      <a:effectRef idx="1">
-        <a:scrgbClr r="0" g="0" b="0"/>
-      </a:effectRef>
-      <a:fontRef idx="minor">
-        <a:schemeClr val="dk1"/>
-      </a:fontRef>
-    </dgm:style>
-  </dgm:styleLbl>
-  <dgm:styleLbl name="asst2">
-    <dgm:scene3d>
-      <a:camera prst="orthographicFront"/>
-      <a:lightRig rig="flat" dir="t"/>
-    </dgm:scene3d>
-    <dgm:sp3d prstMaterial="dkEdge">
-      <a:bevelT w="8200" h="38100"/>
-    </dgm:sp3d>
-    <dgm:txPr/>
-    <dgm:style>
-      <a:lnRef idx="0">
-        <a:scrgbClr r="0" g="0" b="0"/>
-      </a:lnRef>
-      <a:fillRef idx="2">
-        <a:scrgbClr r="0" g="0" b="0"/>
-      </a:fillRef>
-      <a:effectRef idx="1">
-        <a:scrgbClr r="0" g="0" b="0"/>
-      </a:effectRef>
-      <a:fontRef idx="minor">
-        <a:schemeClr val="dk1"/>
-      </a:fontRef>
-    </dgm:style>
-  </dgm:styleLbl>
-  <dgm:styleLbl name="asst3">
-    <dgm:scene3d>
-      <a:camera prst="orthographicFront"/>
-      <a:lightRig rig="flat" dir="t"/>
-    </dgm:scene3d>
-    <dgm:sp3d prstMaterial="dkEdge">
-      <a:bevelT w="8200" h="38100"/>
-    </dgm:sp3d>
-    <dgm:txPr/>
-    <dgm:style>
-      <a:lnRef idx="0">
-        <a:scrgbClr r="0" g="0" b="0"/>
-      </a:lnRef>
-      <a:fillRef idx="2">
-        <a:scrgbClr r="0" g="0" b="0"/>
-      </a:fillRef>
-      <a:effectRef idx="1">
-        <a:scrgbClr r="0" g="0" b="0"/>
-      </a:effectRef>
-      <a:fontRef idx="minor">
-        <a:schemeClr val="dk1"/>
-      </a:fontRef>
-    </dgm:style>
-  </dgm:styleLbl>
-  <dgm:styleLbl name="asst4">
-    <dgm:scene3d>
-      <a:camera prst="orthographicFront"/>
-      <a:lightRig rig="flat" dir="t"/>
-    </dgm:scene3d>
-    <dgm:sp3d prstMaterial="dkEdge">
-      <a:bevelT w="8200" h="38100"/>
-    </dgm:sp3d>
-    <dgm:txPr/>
-    <dgm:style>
-      <a:lnRef idx="0">
-        <a:scrgbClr r="0" g="0" b="0"/>
-      </a:lnRef>
-      <a:fillRef idx="2">
-        <a:scrgbClr r="0" g="0" b="0"/>
-      </a:fillRef>
-      <a:effectRef idx="1">
-        <a:scrgbClr r="0" g="0" b="0"/>
-      </a:effectRef>
-      <a:fontRef idx="minor">
-        <a:schemeClr val="dk1"/>
-      </a:fontRef>
-    </dgm:style>
-  </dgm:styleLbl>
-  <dgm:styleLbl name="parChTrans2D1">
-    <dgm:scene3d>
-      <a:camera prst="orthographicFront"/>
-      <a:lightRig rig="threePt" dir="t"/>
-    </dgm:scene3d>
-    <dgm:sp3d/>
-    <dgm:txPr/>
-    <dgm:style>
-      <a:lnRef idx="1">
-        <a:scrgbClr r="0" g="0" b="0"/>
-      </a:lnRef>
-      <a:fillRef idx="2">
-        <a:scrgbClr r="0" g="0" b="0"/>
-      </a:fillRef>
-      <a:effectRef idx="1">
-        <a:scrgbClr r="0" g="0" b="0"/>
-      </a:effectRef>
-      <a:fontRef idx="minor">
-        <a:schemeClr val="dk1"/>
-      </a:fontRef>
-    </dgm:style>
-  </dgm:styleLbl>
-  <dgm:styleLbl name="parChTrans2D2">
-    <dgm:scene3d>
-      <a:camera prst="orthographicFront"/>
-      <a:lightRig rig="threePt" dir="t"/>
-    </dgm:scene3d>
-    <dgm:sp3d/>
-    <dgm:txPr/>
-    <dgm:style>
-      <a:lnRef idx="1">
-        <a:scrgbClr r="0" g="0" b="0"/>
-      </a:lnRef>
-      <a:fillRef idx="2">
-        <a:scrgbClr r="0" g="0" b="0"/>
-      </a:fillRef>
-      <a:effectRef idx="1">
-        <a:scrgbClr r="0" g="0" b="0"/>
-      </a:effectRef>
-      <a:fontRef idx="minor">
-        <a:schemeClr val="dk1"/>
-      </a:fontRef>
-    </dgm:style>
-  </dgm:styleLbl>
-  <dgm:styleLbl name="parChTrans2D3">
-    <dgm:scene3d>
-      <a:camera prst="orthographicFront"/>
-      <a:lightRig rig="threePt" dir="t"/>
-    </dgm:scene3d>
-    <dgm:sp3d/>
-    <dgm:txPr/>
-    <dgm:style>
-      <a:lnRef idx="1">
-        <a:scrgbClr r="0" g="0" b="0"/>
-      </a:lnRef>
-      <a:fillRef idx="2">
-        <a:scrgbClr r="0" g="0" b="0"/>
-      </a:fillRef>
-      <a:effectRef idx="1">
-        <a:scrgbClr r="0" g="0" b="0"/>
-      </a:effectRef>
-      <a:fontRef idx="minor">
-        <a:schemeClr val="dk1"/>
-      </a:fontRef>
-    </dgm:style>
-  </dgm:styleLbl>
-  <dgm:styleLbl name="parChTrans2D4">
-    <dgm:scene3d>
-      <a:camera prst="orthographicFront"/>
-      <a:lightRig rig="threePt" dir="t"/>
-    </dgm:scene3d>
-    <dgm:sp3d/>
-    <dgm:txPr/>
-    <dgm:style>
-      <a:lnRef idx="1">
-        <a:scrgbClr r="0" g="0" b="0"/>
-      </a:lnRef>
-      <a:fillRef idx="2">
-        <a:scrgbClr r="0" g="0" b="0"/>
-      </a:fillRef>
-      <a:effectRef idx="1">
-        <a:scrgbClr r="0" g="0" b="0"/>
-      </a:effectRef>
-      <a:fontRef idx="minor">
-        <a:schemeClr val="dk1"/>
-      </a:fontRef>
-    </dgm:style>
-  </dgm:styleLbl>
-  <dgm:styleLbl name="parChTrans1D1">
-    <dgm:scene3d>
-      <a:camera prst="orthographicFront"/>
-      <a:lightRig rig="threePt" dir="t"/>
-    </dgm:scene3d>
-    <dgm:sp3d/>
-    <dgm:txPr/>
-    <dgm:style>
-      <a:lnRef idx="2">
-        <a:scrgbClr r="0" g="0" b="0"/>
-      </a:lnRef>
-      <a:fillRef idx="0">
-        <a:scrgbClr r="0" g="0" b="0"/>
-      </a:fillRef>
-      <a:effectRef idx="0">
-        <a:scrgbClr r="0" g="0" b="0"/>
-      </a:effectRef>
-      <a:fontRef idx="minor"/>
-    </dgm:style>
-  </dgm:styleLbl>
-  <dgm:styleLbl name="parChTrans1D2">
-    <dgm:scene3d>
-      <a:camera prst="orthographicFront"/>
-      <a:lightRig rig="threePt" dir="t"/>
-    </dgm:scene3d>
-    <dgm:sp3d/>
-    <dgm:txPr/>
-    <dgm:style>
-      <a:lnRef idx="2">
-        <a:scrgbClr r="0" g="0" b="0"/>
-      </a:lnRef>
-      <a:fillRef idx="0">
-        <a:scrgbClr r="0" g="0" b="0"/>
-      </a:fillRef>
-      <a:effectRef idx="0">
-        <a:scrgbClr r="0" g="0" b="0"/>
-      </a:effectRef>
-      <a:fontRef idx="minor"/>
-    </dgm:style>
-  </dgm:styleLbl>
-  <dgm:styleLbl name="parChTrans1D3">
-    <dgm:scene3d>
-      <a:camera prst="orthographicFront"/>
-      <a:lightRig rig="threePt" dir="t"/>
-    </dgm:scene3d>
-    <dgm:sp3d/>
-    <dgm:txPr/>
-    <dgm:style>
-      <a:lnRef idx="2">
-        <a:scrgbClr r="0" g="0" b="0"/>
-      </a:lnRef>
-      <a:fillRef idx="0">
-        <a:scrgbClr r="0" g="0" b="0"/>
-      </a:fillRef>
-      <a:effectRef idx="0">
-        <a:scrgbClr r="0" g="0" b="0"/>
-      </a:effectRef>
-      <a:fontRef idx="minor"/>
-    </dgm:style>
-  </dgm:styleLbl>
-  <dgm:styleLbl name="parChTrans1D4">
-    <dgm:scene3d>
-      <a:camera prst="orthographicFront"/>
-      <a:lightRig rig="threePt" dir="t"/>
-    </dgm:scene3d>
-    <dgm:sp3d/>
-    <dgm:txPr/>
-    <dgm:style>
-      <a:lnRef idx="2">
-        <a:scrgbClr r="0" g="0" b="0"/>
-      </a:lnRef>
-      <a:fillRef idx="0">
-        <a:scrgbClr r="0" g="0" b="0"/>
-      </a:fillRef>
-      <a:effectRef idx="0">
-        <a:scrgbClr r="0" g="0" b="0"/>
-      </a:effectRef>
-      <a:fontRef idx="minor"/>
-    </dgm:style>
-  </dgm:styleLbl>
-  <dgm:styleLbl name="fgAcc1">
-    <dgm:scene3d>
-      <a:camera prst="orthographicFront"/>
-      <a:lightRig rig="threePt" dir="t"/>
-    </dgm:scene3d>
-    <dgm:sp3d/>
-    <dgm:txPr/>
-    <dgm:style>
-      <a:lnRef idx="1">
-        <a:scrgbClr r="0" g="0" b="0"/>
-      </a:lnRef>
-      <a:fillRef idx="1">
-        <a:scrgbClr r="0" g="0" b="0"/>
-      </a:fillRef>
-      <a:effectRef idx="0">
-        <a:scrgbClr r="0" g="0" b="0"/>
-      </a:effectRef>
-      <a:fontRef idx="minor"/>
-    </dgm:style>
-  </dgm:styleLbl>
-  <dgm:styleLbl name="conFgAcc1">
-    <dgm:scene3d>
-      <a:camera prst="orthographicFront"/>
-      <a:lightRig rig="threePt" dir="t"/>
-    </dgm:scene3d>
-    <dgm:sp3d/>
-    <dgm:txPr/>
-    <dgm:style>
-      <a:lnRef idx="1">
-        <a:scrgbClr r="0" g="0" b="0"/>
-      </a:lnRef>
-      <a:fillRef idx="1">
-        <a:scrgbClr r="0" g="0" b="0"/>
-      </a:fillRef>
-      <a:effectRef idx="0">
-        <a:scrgbClr r="0" g="0" b="0"/>
-      </a:effectRef>
-      <a:fontRef idx="minor"/>
-    </dgm:style>
-  </dgm:styleLbl>
-  <dgm:styleLbl name="alignAcc1">
-    <dgm:scene3d>
-      <a:camera prst="orthographicFront"/>
-      <a:lightRig rig="threePt" dir="t"/>
-    </dgm:scene3d>
-    <dgm:sp3d/>
-    <dgm:txPr/>
-    <dgm:style>
-      <a:lnRef idx="1">
-        <a:scrgbClr r="0" g="0" b="0"/>
-      </a:lnRef>
-      <a:fillRef idx="1">
-        <a:scrgbClr r="0" g="0" b="0"/>
-      </a:fillRef>
-      <a:effectRef idx="0">
-        <a:scrgbClr r="0" g="0" b="0"/>
-      </a:effectRef>
-      <a:fontRef idx="minor"/>
-    </dgm:style>
-  </dgm:styleLbl>
-  <dgm:styleLbl name="trAlignAcc1">
-    <dgm:scene3d>
-      <a:camera prst="orthographicFront"/>
-      <a:lightRig rig="threePt" dir="t"/>
-    </dgm:scene3d>
-    <dgm:sp3d/>
-    <dgm:txPr/>
-    <dgm:style>
-      <a:lnRef idx="1">
-        <a:scrgbClr r="0" g="0" b="0"/>
-      </a:lnRef>
-      <a:fillRef idx="1">
-        <a:scrgbClr r="0" g="0" b="0"/>
-      </a:fillRef>
-      <a:effectRef idx="0">
-        <a:scrgbClr r="0" g="0" b="0"/>
-      </a:effectRef>
-      <a:fontRef idx="minor"/>
-    </dgm:style>
-  </dgm:styleLbl>
-  <dgm:styleLbl name="bgAcc1">
-    <dgm:scene3d>
-      <a:camera prst="orthographicFront"/>
-      <a:lightRig rig="threePt" dir="t"/>
-    </dgm:scene3d>
-    <dgm:sp3d/>
-    <dgm:txPr/>
-    <dgm:style>
-      <a:lnRef idx="1">
-        <a:scrgbClr r="0" g="0" b="0"/>
-      </a:lnRef>
-      <a:fillRef idx="1">
-        <a:scrgbClr r="0" g="0" b="0"/>
-      </a:fillRef>
-      <a:effectRef idx="0">
-        <a:scrgbClr r="0" g="0" b="0"/>
-      </a:effectRef>
-      <a:fontRef idx="minor"/>
-    </dgm:style>
-  </dgm:styleLbl>
-  <dgm:styleLbl name="solidFgAcc1">
-    <dgm:scene3d>
-      <a:camera prst="orthographicFront"/>
-      <a:lightRig rig="threePt" dir="t"/>
-    </dgm:scene3d>
-    <dgm:sp3d/>
-    <dgm:txPr/>
-    <dgm:style>
-      <a:lnRef idx="1">
-        <a:scrgbClr r="0" g="0" b="0"/>
-      </a:lnRef>
-      <a:fillRef idx="2">
-        <a:scrgbClr r="0" g="0" b="0"/>
-      </a:fillRef>
-      <a:effectRef idx="0">
-        <a:scrgbClr r="0" g="0" b="0"/>
-      </a:effectRef>
-      <a:fontRef idx="minor"/>
-    </dgm:style>
-  </dgm:styleLbl>
-  <dgm:styleLbl name="solidAlignAcc1">
-    <dgm:scene3d>
-      <a:camera prst="orthographicFront"/>
-      <a:lightRig rig="threePt" dir="t"/>
-    </dgm:scene3d>
-    <dgm:sp3d/>
-    <dgm:txPr/>
-    <dgm:style>
-      <a:lnRef idx="1">
-        <a:scrgbClr r="0" g="0" b="0"/>
-      </a:lnRef>
-      <a:fillRef idx="1">
-        <a:scrgbClr r="0" g="0" b="0"/>
-      </a:fillRef>
-      <a:effectRef idx="0">
-        <a:scrgbClr r="0" g="0" b="0"/>
-      </a:effectRef>
-      <a:fontRef idx="minor"/>
-    </dgm:style>
-  </dgm:styleLbl>
-  <dgm:styleLbl name="solidBgAcc1">
-    <dgm:scene3d>
-      <a:camera prst="orthographicFront"/>
-      <a:lightRig rig="threePt" dir="t"/>
-    </dgm:scene3d>
-    <dgm:sp3d/>
-    <dgm:txPr/>
-    <dgm:style>
-      <a:lnRef idx="1">
-        <a:scrgbClr r="0" g="0" b="0"/>
-      </a:lnRef>
-      <a:fillRef idx="1">
-        <a:scrgbClr r="0" g="0" b="0"/>
-      </a:fillRef>
-      <a:effectRef idx="0">
-        <a:scrgbClr r="0" g="0" b="0"/>
-      </a:effectRef>
-      <a:fontRef idx="minor"/>
-    </dgm:style>
-  </dgm:styleLbl>
-  <dgm:styleLbl name="fgAccFollowNode1">
-    <dgm:scene3d>
-      <a:camera prst="orthographicFront"/>
-      <a:lightRig rig="threePt" dir="t"/>
-    </dgm:scene3d>
-    <dgm:sp3d/>
-    <dgm:txPr/>
-    <dgm:style>
-      <a:lnRef idx="1">
-        <a:scrgbClr r="0" g="0" b="0"/>
-      </a:lnRef>
-      <a:fillRef idx="1">
-        <a:scrgbClr r="0" g="0" b="0"/>
-      </a:fillRef>
-      <a:effectRef idx="0">
-        <a:scrgbClr r="0" g="0" b="0"/>
-      </a:effectRef>
-      <a:fontRef idx="minor"/>
-    </dgm:style>
-  </dgm:styleLbl>
-  <dgm:styleLbl name="alignAccFollowNode1">
-    <dgm:scene3d>
-      <a:camera prst="orthographicFront"/>
-      <a:lightRig rig="threePt" dir="t"/>
-    </dgm:scene3d>
-    <dgm:sp3d/>
-    <dgm:txPr/>
-    <dgm:style>
-      <a:lnRef idx="1">
-        <a:scrgbClr r="0" g="0" b="0"/>
-      </a:lnRef>
-      <a:fillRef idx="1">
-        <a:scrgbClr r="0" g="0" b="0"/>
-      </a:fillRef>
-      <a:effectRef idx="0">
-        <a:scrgbClr r="0" g="0" b="0"/>
-      </a:effectRef>
-      <a:fontRef idx="minor"/>
-    </dgm:style>
-  </dgm:styleLbl>
-  <dgm:styleLbl name="bgAccFollowNode1">
-    <dgm:scene3d>
-      <a:camera prst="orthographicFront"/>
-      <a:lightRig rig="threePt" dir="t"/>
-    </dgm:scene3d>
-    <dgm:sp3d/>
-    <dgm:txPr/>
-    <dgm:style>
-      <a:lnRef idx="1">
-        <a:scrgbClr r="0" g="0" b="0"/>
-      </a:lnRef>
-      <a:fillRef idx="1">
-        <a:scrgbClr r="0" g="0" b="0"/>
-      </a:fillRef>
-      <a:effectRef idx="0">
-        <a:scrgbClr r="0" g="0" b="0"/>
-      </a:effectRef>
-      <a:fontRef idx="minor"/>
-    </dgm:style>
-  </dgm:styleLbl>
-  <dgm:styleLbl name="fgAcc0">
-    <dgm:scene3d>
-      <a:camera prst="orthographicFront"/>
-      <a:lightRig rig="threePt" dir="t"/>
-    </dgm:scene3d>
-    <dgm:sp3d/>
-    <dgm:txPr/>
-    <dgm:style>
-      <a:lnRef idx="1">
-        <a:scrgbClr r="0" g="0" b="0"/>
-      </a:lnRef>
-      <a:fillRef idx="1">
-        <a:scrgbClr r="0" g="0" b="0"/>
-      </a:fillRef>
-      <a:effectRef idx="0">
-        <a:scrgbClr r="0" g="0" b="0"/>
-      </a:effectRef>
-      <a:fontRef idx="minor"/>
-    </dgm:style>
-  </dgm:styleLbl>
-  <dgm:styleLbl name="fgAcc2">
-    <dgm:scene3d>
-      <a:camera prst="orthographicFront"/>
-      <a:lightRig rig="threePt" dir="t"/>
-    </dgm:scene3d>
-    <dgm:sp3d/>
-    <dgm:txPr/>
-    <dgm:style>
-      <a:lnRef idx="1">
-        <a:scrgbClr r="0" g="0" b="0"/>
-      </a:lnRef>
-      <a:fillRef idx="1">
-        <a:scrgbClr r="0" g="0" b="0"/>
-      </a:fillRef>
-      <a:effectRef idx="0">
-        <a:scrgbClr r="0" g="0" b="0"/>
-      </a:effectRef>
-      <a:fontRef idx="minor"/>
-    </dgm:style>
-  </dgm:styleLbl>
-  <dgm:styleLbl name="fgAcc3">
-    <dgm:scene3d>
-      <a:camera prst="orthographicFront"/>
-      <a:lightRig rig="threePt" dir="t"/>
-    </dgm:scene3d>
-    <dgm:sp3d/>
-    <dgm:txPr/>
-    <dgm:style>
-      <a:lnRef idx="1">
-        <a:scrgbClr r="0" g="0" b="0"/>
-      </a:lnRef>
-      <a:fillRef idx="1">
-        <a:scrgbClr r="0" g="0" b="0"/>
-      </a:fillRef>
-      <a:effectRef idx="0">
-        <a:scrgbClr r="0" g="0" b="0"/>
-      </a:effectRef>
-      <a:fontRef idx="minor"/>
-    </dgm:style>
-  </dgm:styleLbl>
-  <dgm:styleLbl name="fgAcc4">
-    <dgm:scene3d>
-      <a:camera prst="orthographicFront"/>
-      <a:lightRig rig="threePt" dir="t"/>
-    </dgm:scene3d>
-    <dgm:sp3d/>
-    <dgm:txPr/>
-    <dgm:style>
-      <a:lnRef idx="1">
-        <a:scrgbClr r="0" g="0" b="0"/>
-      </a:lnRef>
-      <a:fillRef idx="1">
-        <a:scrgbClr r="0" g="0" b="0"/>
-      </a:fillRef>
-      <a:effectRef idx="0">
-        <a:scrgbClr r="0" g="0" b="0"/>
-      </a:effectRef>
-      <a:fontRef idx="minor"/>
-    </dgm:style>
-  </dgm:styleLbl>
-  <dgm:styleLbl name="bgShp">
-    <dgm:scene3d>
-      <a:camera prst="orthographicFront"/>
-      <a:lightRig rig="threePt" dir="t"/>
-    </dgm:scene3d>
-    <dgm:sp3d/>
-    <dgm:txPr/>
-    <dgm:style>
-      <a:lnRef idx="0">
-        <a:scrgbClr r="0" g="0" b="0"/>
-      </a:lnRef>
-      <a:fillRef idx="1">
-        <a:scrgbClr r="0" g="0" b="0"/>
-      </a:fillRef>
-      <a:effectRef idx="1">
-        <a:scrgbClr r="0" g="0" b="0"/>
-      </a:effectRef>
-      <a:fontRef idx="minor"/>
-    </dgm:style>
-  </dgm:styleLbl>
-  <dgm:styleLbl name="dkBgShp">
-    <dgm:scene3d>
-      <a:camera prst="orthographicFront"/>
-      <a:lightRig rig="threePt" dir="t"/>
-    </dgm:scene3d>
-    <dgm:sp3d/>
-    <dgm:txPr/>
-    <dgm:style>
-      <a:lnRef idx="0">
-        <a:scrgbClr r="0" g="0" b="0"/>
-      </a:lnRef>
-      <a:fillRef idx="1">
-        <a:scrgbClr r="0" g="0" b="0"/>
-      </a:fillRef>
-      <a:effectRef idx="1">
-        <a:scrgbClr r="0" g="0" b="0"/>
-      </a:effectRef>
-      <a:fontRef idx="minor"/>
-    </dgm:style>
-  </dgm:styleLbl>
-  <dgm:styleLbl name="trBgShp">
-    <dgm:scene3d>
-      <a:camera prst="orthographicFront"/>
-      <a:lightRig rig="threePt" dir="t"/>
-    </dgm:scene3d>
-    <dgm:sp3d/>
-    <dgm:txPr/>
-    <dgm:style>
-      <a:lnRef idx="0">
-        <a:scrgbClr r="0" g="0" b="0"/>
-      </a:lnRef>
-      <a:fillRef idx="1">
-        <a:scrgbClr r="0" g="0" b="0"/>
-      </a:fillRef>
-      <a:effectRef idx="0">
-        <a:scrgbClr r="0" g="0" b="0"/>
-      </a:effectRef>
-      <a:fontRef idx="minor"/>
-    </dgm:style>
-  </dgm:styleLbl>
-  <dgm:styleLbl name="fgShp">
-    <dgm:scene3d>
-      <a:camera prst="orthographicFront"/>
-      <a:lightRig rig="flat" dir="t"/>
-    </dgm:scene3d>
-    <dgm:sp3d prstMaterial="dkEdge">
-      <a:bevelT w="8200" h="38100"/>
-    </dgm:sp3d>
-    <dgm:txPr/>
-    <dgm:style>
-      <a:lnRef idx="1">
-        <a:scrgbClr r="0" g="0" b="0"/>
-      </a:lnRef>
-      <a:fillRef idx="2">
-        <a:scrgbClr r="0" g="0" b="0"/>
-      </a:fillRef>
-      <a:effectRef idx="1">
-        <a:scrgbClr r="0" g="0" b="0"/>
-      </a:effectRef>
-      <a:fontRef idx="minor"/>
-    </dgm:style>
-  </dgm:styleLbl>
-  <dgm:styleLbl name="revTx">
-    <dgm:scene3d>
-      <a:camera prst="orthographicFront"/>
-      <a:lightRig rig="threePt" dir="t"/>
-    </dgm:scene3d>
-    <dgm:sp3d/>
-    <dgm:txPr/>
-    <dgm:style>
-      <a:lnRef idx="0">
-        <a:scrgbClr r="0" g="0" b="0"/>
-      </a:lnRef>
-      <a:fillRef idx="0">
-        <a:scrgbClr r="0" g="0" b="0"/>
-      </a:fillRef>
-      <a:effectRef idx="0">
-        <a:scrgbClr r="0" g="0" b="0"/>
-      </a:effectRef>
-      <a:fontRef idx="minor"/>
-    </dgm:style>
-  </dgm:styleLbl>
-</dgm:styleDef>
-</file>
-
-<file path=ppt/diagrams/quickStyle2.xml><?xml version="1.0" encoding="utf-8"?>
 <dgm:styleDef xmlns:dgm="http://schemas.openxmlformats.org/drawingml/2006/diagram" xmlns:a="http://schemas.openxmlformats.org/drawingml/2006/main" uniqueId="urn:microsoft.com/office/officeart/2005/8/quickstyle/simple3">
   <dgm:title val=""/>
   <dgm:desc val=""/>
@@ -11763,7 +8870,7 @@
           <p:cNvPr id="14" name="Content Placeholder 2">
             <a:extLst>
               <a:ext uri="{FF2B5EF4-FFF2-40B4-BE49-F238E27FC236}">
-                <a16:creationId xmlns:a16="http://schemas.microsoft.com/office/drawing/2014/main" id="{57A3AA4E-E166-40C8-8212-15C07AA30DD9}"/>
+                <a16:creationId xmlns:a16="http://schemas.microsoft.com/office/drawing/2014/main" xmlns="" id="{57A3AA4E-E166-40C8-8212-15C07AA30DD9}"/>
               </a:ext>
             </a:extLst>
           </p:cNvPr>
@@ -11774,7 +8881,7 @@
             <p:ph idx="1"/>
             <p:extLst>
               <p:ext uri="{D42A27DB-BD31-4B8C-83A1-F6EECF244321}">
-                <p14:modId xmlns:p14="http://schemas.microsoft.com/office/powerpoint/2010/main" val="1537049709"/>
+                <p14:modId xmlns:p14="http://schemas.microsoft.com/office/powerpoint/2010/main" val="922890515"/>
               </p:ext>
             </p:extLst>
           </p:nvPr>
@@ -11829,10 +8936,10 @@
       </p:grpSpPr>
       <p:sp useBgFill="1">
         <p:nvSpPr>
-          <p:cNvPr id="21" name="Rectangle 20">
+          <p:cNvPr id="8" name="Rectangle 7">
             <a:extLst>
               <a:ext uri="{FF2B5EF4-FFF2-40B4-BE49-F238E27FC236}">
-                <a16:creationId xmlns:a16="http://schemas.microsoft.com/office/drawing/2014/main" id="{B2B82547-2424-4E7A-A98B-75206EE73028}"/>
+                <a16:creationId xmlns:a16="http://schemas.microsoft.com/office/drawing/2014/main" xmlns="" id="{089A69AF-D57B-49B4-886C-D4A5DC194421}"/>
               </a:ext>
             </a:extLst>
           </p:cNvPr>
@@ -11842,7 +8949,7 @@
           <p:nvPr>
             <p:extLst>
               <p:ext uri="{386F3935-93C4-4BCD-93E2-E3B085C9AB24}">
-                <p16:designElem xmlns:p16="http://schemas.microsoft.com/office/powerpoint/2015/main" val="1"/>
+                <p16:designElem xmlns:p16="http://schemas.microsoft.com/office/powerpoint/2015/main" xmlns="" val="1"/>
               </p:ext>
             </p:extLst>
           </p:nvPr>
@@ -11886,10 +8993,10 @@
       </p:sp>
       <p:sp>
         <p:nvSpPr>
-          <p:cNvPr id="23" name="Freeform 23">
+          <p:cNvPr id="10" name="Freeform: Shape 9">
             <a:extLst>
               <a:ext uri="{FF2B5EF4-FFF2-40B4-BE49-F238E27FC236}">
-                <a16:creationId xmlns:a16="http://schemas.microsoft.com/office/drawing/2014/main" id="{5109BC2F-9616-4D7D-9E98-57898009A828}"/>
+                <a16:creationId xmlns:a16="http://schemas.microsoft.com/office/drawing/2014/main" xmlns="" id="{CABDC08D-6093-4397-92D4-54D00E2BB1C2}"/>
               </a:ext>
             </a:extLst>
           </p:cNvPr>
@@ -11899,366 +9006,7 @@
           <p:nvPr>
             <p:extLst>
               <p:ext uri="{386F3935-93C4-4BCD-93E2-E3B085C9AB24}">
-                <p16:designElem xmlns:p16="http://schemas.microsoft.com/office/powerpoint/2015/main" val="1"/>
-              </p:ext>
-            </p:extLst>
-          </p:nvPr>
-        </p:nvSpPr>
-        <p:spPr bwMode="white">
-          <a:xfrm>
-            <a:off x="0" y="0"/>
-            <a:ext cx="3477753" cy="6858000"/>
-          </a:xfrm>
-          <a:custGeom>
-            <a:avLst/>
-            <a:gdLst>
-              <a:gd name="connsiteX0" fmla="*/ 0 w 4637005"/>
-              <a:gd name="connsiteY0" fmla="*/ 0 h 6858000"/>
-              <a:gd name="connsiteX1" fmla="*/ 4637005 w 4637005"/>
-              <a:gd name="connsiteY1" fmla="*/ 0 h 6858000"/>
-              <a:gd name="connsiteX2" fmla="*/ 4637005 w 4637005"/>
-              <a:gd name="connsiteY2" fmla="*/ 1900238 h 6858000"/>
-              <a:gd name="connsiteX3" fmla="*/ 4266589 w 4637005"/>
-              <a:gd name="connsiteY3" fmla="*/ 2178050 h 6858000"/>
-              <a:gd name="connsiteX4" fmla="*/ 4262355 w 4637005"/>
-              <a:gd name="connsiteY4" fmla="*/ 2184400 h 6858000"/>
-              <a:gd name="connsiteX5" fmla="*/ 4256005 w 4637005"/>
-              <a:gd name="connsiteY5" fmla="*/ 2193925 h 6858000"/>
-              <a:gd name="connsiteX6" fmla="*/ 4249655 w 4637005"/>
-              <a:gd name="connsiteY6" fmla="*/ 2201863 h 6858000"/>
-              <a:gd name="connsiteX7" fmla="*/ 4249655 w 4637005"/>
-              <a:gd name="connsiteY7" fmla="*/ 2211388 h 6858000"/>
-              <a:gd name="connsiteX8" fmla="*/ 4249655 w 4637005"/>
-              <a:gd name="connsiteY8" fmla="*/ 2220913 h 6858000"/>
-              <a:gd name="connsiteX9" fmla="*/ 4256005 w 4637005"/>
-              <a:gd name="connsiteY9" fmla="*/ 2228850 h 6858000"/>
-              <a:gd name="connsiteX10" fmla="*/ 4262355 w 4637005"/>
-              <a:gd name="connsiteY10" fmla="*/ 2238375 h 6858000"/>
-              <a:gd name="connsiteX11" fmla="*/ 4266589 w 4637005"/>
-              <a:gd name="connsiteY11" fmla="*/ 2244725 h 6858000"/>
-              <a:gd name="connsiteX12" fmla="*/ 4637005 w 4637005"/>
-              <a:gd name="connsiteY12" fmla="*/ 2522538 h 6858000"/>
-              <a:gd name="connsiteX13" fmla="*/ 4637005 w 4637005"/>
-              <a:gd name="connsiteY13" fmla="*/ 6858000 h 6858000"/>
-              <a:gd name="connsiteX14" fmla="*/ 0 w 4637005"/>
-              <a:gd name="connsiteY14" fmla="*/ 6858000 h 6858000"/>
-            </a:gdLst>
-            <a:ahLst/>
-            <a:cxnLst>
-              <a:cxn ang="0">
-                <a:pos x="connsiteX0" y="connsiteY0"/>
-              </a:cxn>
-              <a:cxn ang="0">
-                <a:pos x="connsiteX1" y="connsiteY1"/>
-              </a:cxn>
-              <a:cxn ang="0">
-                <a:pos x="connsiteX2" y="connsiteY2"/>
-              </a:cxn>
-              <a:cxn ang="0">
-                <a:pos x="connsiteX3" y="connsiteY3"/>
-              </a:cxn>
-              <a:cxn ang="0">
-                <a:pos x="connsiteX4" y="connsiteY4"/>
-              </a:cxn>
-              <a:cxn ang="0">
-                <a:pos x="connsiteX5" y="connsiteY5"/>
-              </a:cxn>
-              <a:cxn ang="0">
-                <a:pos x="connsiteX6" y="connsiteY6"/>
-              </a:cxn>
-              <a:cxn ang="0">
-                <a:pos x="connsiteX7" y="connsiteY7"/>
-              </a:cxn>
-              <a:cxn ang="0">
-                <a:pos x="connsiteX8" y="connsiteY8"/>
-              </a:cxn>
-              <a:cxn ang="0">
-                <a:pos x="connsiteX9" y="connsiteY9"/>
-              </a:cxn>
-              <a:cxn ang="0">
-                <a:pos x="connsiteX10" y="connsiteY10"/>
-              </a:cxn>
-              <a:cxn ang="0">
-                <a:pos x="connsiteX11" y="connsiteY11"/>
-              </a:cxn>
-              <a:cxn ang="0">
-                <a:pos x="connsiteX12" y="connsiteY12"/>
-              </a:cxn>
-              <a:cxn ang="0">
-                <a:pos x="connsiteX13" y="connsiteY13"/>
-              </a:cxn>
-              <a:cxn ang="0">
-                <a:pos x="connsiteX14" y="connsiteY14"/>
-              </a:cxn>
-            </a:cxnLst>
-            <a:rect l="l" t="t" r="r" b="b"/>
-            <a:pathLst>
-              <a:path w="4637005" h="6858000">
-                <a:moveTo>
-                  <a:pt x="0" y="0"/>
-                </a:moveTo>
-                <a:lnTo>
-                  <a:pt x="4637005" y="0"/>
-                </a:lnTo>
-                <a:lnTo>
-                  <a:pt x="4637005" y="1900238"/>
-                </a:lnTo>
-                <a:lnTo>
-                  <a:pt x="4266589" y="2178050"/>
-                </a:lnTo>
-                <a:lnTo>
-                  <a:pt x="4262355" y="2184400"/>
-                </a:lnTo>
-                <a:lnTo>
-                  <a:pt x="4256005" y="2193925"/>
-                </a:lnTo>
-                <a:lnTo>
-                  <a:pt x="4249655" y="2201863"/>
-                </a:lnTo>
-                <a:lnTo>
-                  <a:pt x="4249655" y="2211388"/>
-                </a:lnTo>
-                <a:lnTo>
-                  <a:pt x="4249655" y="2220913"/>
-                </a:lnTo>
-                <a:lnTo>
-                  <a:pt x="4256005" y="2228850"/>
-                </a:lnTo>
-                <a:lnTo>
-                  <a:pt x="4262355" y="2238375"/>
-                </a:lnTo>
-                <a:lnTo>
-                  <a:pt x="4266589" y="2244725"/>
-                </a:lnTo>
-                <a:lnTo>
-                  <a:pt x="4637005" y="2522538"/>
-                </a:lnTo>
-                <a:lnTo>
-                  <a:pt x="4637005" y="6858000"/>
-                </a:lnTo>
-                <a:lnTo>
-                  <a:pt x="0" y="6858000"/>
-                </a:lnTo>
-                <a:close/>
-              </a:path>
-            </a:pathLst>
-          </a:custGeom>
-          <a:blipFill>
-            <a:blip r:embed="rId2">
-              <a:duotone>
-                <a:schemeClr val="accent1">
-                  <a:tint val="98000"/>
-                  <a:lumMod val="102000"/>
-                </a:schemeClr>
-                <a:schemeClr val="accent1">
-                  <a:shade val="98000"/>
-                  <a:lumMod val="98000"/>
-                </a:schemeClr>
-              </a:duotone>
-            </a:blip>
-            <a:tile tx="0" ty="0" sx="100000" sy="100000" flip="none" algn="tl"/>
-          </a:blipFill>
-          <a:ln>
-            <a:headEnd/>
-            <a:tailEnd/>
-          </a:ln>
-        </p:spPr>
-        <p:style>
-          <a:lnRef idx="1">
-            <a:schemeClr val="accent1"/>
-          </a:lnRef>
-          <a:fillRef idx="3">
-            <a:schemeClr val="accent1"/>
-          </a:fillRef>
-          <a:effectRef idx="2">
-            <a:schemeClr val="accent1"/>
-          </a:effectRef>
-          <a:fontRef idx="minor">
-            <a:schemeClr val="lt1"/>
-          </a:fontRef>
-        </p:style>
-        <p:txBody>
-          <a:bodyPr wrap="square" rtlCol="0" anchor="ctr">
-            <a:noAutofit/>
-          </a:bodyPr>
-          <a:lstStyle/>
-          <a:p>
-            <a:pPr algn="ctr"/>
-            <a:endParaRPr lang="en-US"/>
-          </a:p>
-        </p:txBody>
-      </p:sp>
-      <p:sp>
-        <p:nvSpPr>
-          <p:cNvPr id="2" name="Title 1"/>
-          <p:cNvSpPr>
-            <a:spLocks noGrp="1"/>
-          </p:cNvSpPr>
-          <p:nvPr>
-            <p:ph type="title"/>
-          </p:nvPr>
-        </p:nvSpPr>
-        <p:spPr>
-          <a:xfrm>
-            <a:off x="481315" y="1687286"/>
-            <a:ext cx="2452097" cy="3978017"/>
-          </a:xfrm>
-        </p:spPr>
-        <p:txBody>
-          <a:bodyPr anchor="t">
-            <a:normAutofit/>
-          </a:bodyPr>
-          <a:lstStyle/>
-          <a:p>
-            <a:r>
-              <a:rPr lang="en-US" sz="3800"/>
-              <a:t>Team 24</a:t>
-            </a:r>
-          </a:p>
-        </p:txBody>
-      </p:sp>
-      <p:graphicFrame>
-        <p:nvGraphicFramePr>
-          <p:cNvPr id="16" name="Content Placeholder 2">
-            <a:extLst>
-              <a:ext uri="{FF2B5EF4-FFF2-40B4-BE49-F238E27FC236}">
-                <a16:creationId xmlns:a16="http://schemas.microsoft.com/office/drawing/2014/main" id="{34CBDB6D-A946-43A9-BD74-F5B356ECCEDC}"/>
-              </a:ext>
-            </a:extLst>
-          </p:cNvPr>
-          <p:cNvGraphicFramePr>
-            <a:graphicFrameLocks noGrp="1"/>
-          </p:cNvGraphicFramePr>
-          <p:nvPr>
-            <p:ph idx="1"/>
-            <p:extLst>
-              <p:ext uri="{D42A27DB-BD31-4B8C-83A1-F6EECF244321}">
-                <p14:modId xmlns:p14="http://schemas.microsoft.com/office/powerpoint/2010/main" val="426066323"/>
-              </p:ext>
-            </p:extLst>
-          </p:nvPr>
-        </p:nvGraphicFramePr>
-        <p:xfrm>
-          <a:off x="4131615" y="965200"/>
-          <a:ext cx="4296258" cy="4902990"/>
-        </p:xfrm>
-        <a:graphic>
-          <a:graphicData uri="http://schemas.openxmlformats.org/drawingml/2006/diagram">
-            <dgm:relIds xmlns:dgm="http://schemas.openxmlformats.org/drawingml/2006/diagram" xmlns:r="http://schemas.openxmlformats.org/officeDocument/2006/relationships" r:dm="rId3" r:lo="rId4" r:qs="rId5" r:cs="rId6"/>
-          </a:graphicData>
-        </a:graphic>
-      </p:graphicFrame>
-    </p:spTree>
-    <p:extLst>
-      <p:ext uri="{BB962C8B-B14F-4D97-AF65-F5344CB8AC3E}">
-        <p14:creationId xmlns:p14="http://schemas.microsoft.com/office/powerpoint/2010/main" val="3207274119"/>
-      </p:ext>
-    </p:extLst>
-  </p:cSld>
-  <p:clrMapOvr>
-    <a:masterClrMapping/>
-  </p:clrMapOvr>
-</p:sld>
-</file>
-
-<file path=ppt/slides/slide4.xml><?xml version="1.0" encoding="utf-8"?>
-<p:sld xmlns:a="http://schemas.openxmlformats.org/drawingml/2006/main" xmlns:r="http://schemas.openxmlformats.org/officeDocument/2006/relationships" xmlns:p="http://schemas.openxmlformats.org/presentationml/2006/main">
-  <p:cSld>
-    <p:bg>
-      <p:bgPr>
-        <a:solidFill>
-          <a:schemeClr val="bg2"/>
-        </a:solidFill>
-        <a:effectLst/>
-      </p:bgPr>
-    </p:bg>
-    <p:spTree>
-      <p:nvGrpSpPr>
-        <p:cNvPr id="1" name=""/>
-        <p:cNvGrpSpPr/>
-        <p:nvPr/>
-      </p:nvGrpSpPr>
-      <p:grpSpPr>
-        <a:xfrm>
-          <a:off x="0" y="0"/>
-          <a:ext cx="0" cy="0"/>
-          <a:chOff x="0" y="0"/>
-          <a:chExt cx="0" cy="0"/>
-        </a:xfrm>
-      </p:grpSpPr>
-      <p:sp useBgFill="1">
-        <p:nvSpPr>
-          <p:cNvPr id="8" name="Rectangle 7">
-            <a:extLst>
-              <a:ext uri="{FF2B5EF4-FFF2-40B4-BE49-F238E27FC236}">
-                <a16:creationId xmlns:a16="http://schemas.microsoft.com/office/drawing/2014/main" id="{089A69AF-D57B-49B4-886C-D4A5DC194421}"/>
-              </a:ext>
-            </a:extLst>
-          </p:cNvPr>
-          <p:cNvSpPr>
-            <a:spLocks noGrp="1" noRot="1" noChangeAspect="1" noMove="1" noResize="1" noEditPoints="1" noAdjustHandles="1" noChangeArrowheads="1" noChangeShapeType="1" noTextEdit="1"/>
-          </p:cNvSpPr>
-          <p:nvPr>
-            <p:extLst>
-              <p:ext uri="{386F3935-93C4-4BCD-93E2-E3B085C9AB24}">
-                <p16:designElem xmlns:p16="http://schemas.microsoft.com/office/powerpoint/2015/main" val="1"/>
-              </p:ext>
-            </p:extLst>
-          </p:nvPr>
-        </p:nvSpPr>
-        <p:spPr>
-          <a:xfrm>
-            <a:off x="0" y="0"/>
-            <a:ext cx="9144000" cy="6858000"/>
-          </a:xfrm>
-          <a:prstGeom prst="rect">
-            <a:avLst/>
-          </a:prstGeom>
-          <a:ln>
-            <a:noFill/>
-          </a:ln>
-        </p:spPr>
-        <p:style>
-          <a:lnRef idx="2">
-            <a:schemeClr val="accent1">
-              <a:shade val="50000"/>
-            </a:schemeClr>
-          </a:lnRef>
-          <a:fillRef idx="1">
-            <a:schemeClr val="accent1"/>
-          </a:fillRef>
-          <a:effectRef idx="0">
-            <a:schemeClr val="accent1"/>
-          </a:effectRef>
-          <a:fontRef idx="minor">
-            <a:schemeClr val="lt1"/>
-          </a:fontRef>
-        </p:style>
-        <p:txBody>
-          <a:bodyPr rtlCol="0" anchor="ctr"/>
-          <a:lstStyle/>
-          <a:p>
-            <a:pPr algn="ctr"/>
-            <a:endParaRPr lang="en-US"/>
-          </a:p>
-        </p:txBody>
-      </p:sp>
-      <p:sp>
-        <p:nvSpPr>
-          <p:cNvPr id="10" name="Freeform: Shape 9">
-            <a:extLst>
-              <a:ext uri="{FF2B5EF4-FFF2-40B4-BE49-F238E27FC236}">
-                <a16:creationId xmlns:a16="http://schemas.microsoft.com/office/drawing/2014/main" id="{CABDC08D-6093-4397-92D4-54D00E2BB1C2}"/>
-              </a:ext>
-            </a:extLst>
-          </p:cNvPr>
-          <p:cNvSpPr>
-            <a:spLocks noGrp="1" noRot="1" noChangeAspect="1" noMove="1" noResize="1" noEditPoints="1" noAdjustHandles="1" noChangeArrowheads="1" noChangeShapeType="1" noTextEdit="1"/>
-          </p:cNvSpPr>
-          <p:nvPr>
-            <p:extLst>
-              <p:ext uri="{386F3935-93C4-4BCD-93E2-E3B085C9AB24}">
-                <p16:designElem xmlns:p16="http://schemas.microsoft.com/office/powerpoint/2015/main" val="1"/>
+                <p16:designElem xmlns:p16="http://schemas.microsoft.com/office/powerpoint/2015/main" xmlns="" val="1"/>
               </p:ext>
             </p:extLst>
           </p:nvPr>
@@ -12571,7 +9319,7 @@
 </p:sld>
 </file>
 
-<file path=ppt/slides/slide5.xml><?xml version="1.0" encoding="utf-8"?>
+<file path=ppt/slides/slide4.xml><?xml version="1.0" encoding="utf-8"?>
 <p:sld xmlns:a="http://schemas.openxmlformats.org/drawingml/2006/main" xmlns:r="http://schemas.openxmlformats.org/officeDocument/2006/relationships" xmlns:p="http://schemas.openxmlformats.org/presentationml/2006/main">
   <p:cSld>
     <p:bg>
@@ -12601,7 +9349,7 @@
           <p:cNvPr id="8" name="Rectangle 7">
             <a:extLst>
               <a:ext uri="{FF2B5EF4-FFF2-40B4-BE49-F238E27FC236}">
-                <a16:creationId xmlns:a16="http://schemas.microsoft.com/office/drawing/2014/main" id="{089A69AF-D57B-49B4-886C-D4A5DC194421}"/>
+                <a16:creationId xmlns:a16="http://schemas.microsoft.com/office/drawing/2014/main" xmlns="" id="{089A69AF-D57B-49B4-886C-D4A5DC194421}"/>
               </a:ext>
             </a:extLst>
           </p:cNvPr>
@@ -12611,7 +9359,7 @@
           <p:nvPr>
             <p:extLst>
               <p:ext uri="{386F3935-93C4-4BCD-93E2-E3B085C9AB24}">
-                <p16:designElem xmlns:p16="http://schemas.microsoft.com/office/powerpoint/2015/main" val="1"/>
+                <p16:designElem xmlns:p16="http://schemas.microsoft.com/office/powerpoint/2015/main" xmlns="" val="1"/>
               </p:ext>
             </p:extLst>
           </p:nvPr>
@@ -12658,7 +9406,7 @@
           <p:cNvPr id="10" name="Freeform: Shape 9">
             <a:extLst>
               <a:ext uri="{FF2B5EF4-FFF2-40B4-BE49-F238E27FC236}">
-                <a16:creationId xmlns:a16="http://schemas.microsoft.com/office/drawing/2014/main" id="{CABDC08D-6093-4397-92D4-54D00E2BB1C2}"/>
+                <a16:creationId xmlns:a16="http://schemas.microsoft.com/office/drawing/2014/main" xmlns="" id="{CABDC08D-6093-4397-92D4-54D00E2BB1C2}"/>
               </a:ext>
             </a:extLst>
           </p:cNvPr>
@@ -12668,7 +9416,7 @@
           <p:nvPr>
             <p:extLst>
               <p:ext uri="{386F3935-93C4-4BCD-93E2-E3B085C9AB24}">
-                <p16:designElem xmlns:p16="http://schemas.microsoft.com/office/powerpoint/2015/main" val="1"/>
+                <p16:designElem xmlns:p16="http://schemas.microsoft.com/office/powerpoint/2015/main" xmlns="" val="1"/>
               </p:ext>
             </p:extLst>
           </p:nvPr>
@@ -12977,6 +9725,118 @@
 </p:sld>
 </file>
 
+<file path=ppt/slides/slide5.xml><?xml version="1.0" encoding="utf-8"?>
+<p:sld xmlns:a="http://schemas.openxmlformats.org/drawingml/2006/main" xmlns:r="http://schemas.openxmlformats.org/officeDocument/2006/relationships" xmlns:p="http://schemas.openxmlformats.org/presentationml/2006/main">
+  <p:cSld>
+    <p:spTree>
+      <p:nvGrpSpPr>
+        <p:cNvPr id="1" name=""/>
+        <p:cNvGrpSpPr/>
+        <p:nvPr/>
+      </p:nvGrpSpPr>
+      <p:grpSpPr>
+        <a:xfrm>
+          <a:off x="0" y="0"/>
+          <a:ext cx="0" cy="0"/>
+          <a:chOff x="0" y="0"/>
+          <a:chExt cx="0" cy="0"/>
+        </a:xfrm>
+      </p:grpSpPr>
+      <p:sp>
+        <p:nvSpPr>
+          <p:cNvPr id="2" name="Title 1"/>
+          <p:cNvSpPr>
+            <a:spLocks noGrp="1"/>
+          </p:cNvSpPr>
+          <p:nvPr>
+            <p:ph type="title"/>
+          </p:nvPr>
+        </p:nvSpPr>
+        <p:spPr/>
+        <p:txBody>
+          <a:bodyPr/>
+          <a:lstStyle/>
+          <a:p>
+            <a:r>
+              <a:rPr lang="en-US" dirty="0"/>
+              <a:t>Target Audience &amp; </a:t>
+            </a:r>
+            <a:r>
+              <a:rPr lang="en-US" altLang="zh-TW" dirty="0"/>
+              <a:t>Uniqueness</a:t>
+            </a:r>
+            <a:endParaRPr lang="en-CA" dirty="0"/>
+          </a:p>
+        </p:txBody>
+      </p:sp>
+      <p:sp>
+        <p:nvSpPr>
+          <p:cNvPr id="3" name="Content Placeholder 2"/>
+          <p:cNvSpPr>
+            <a:spLocks noGrp="1"/>
+          </p:cNvSpPr>
+          <p:nvPr>
+            <p:ph idx="1"/>
+          </p:nvPr>
+        </p:nvSpPr>
+        <p:spPr/>
+        <p:txBody>
+          <a:bodyPr/>
+          <a:lstStyle/>
+          <a:p>
+            <a:r>
+              <a:rPr lang="en-US" dirty="0"/>
+              <a:t>Elementary school kids</a:t>
+            </a:r>
+          </a:p>
+          <a:p>
+            <a:r>
+              <a:rPr lang="en-US" dirty="0"/>
+              <a:t>Quiz lovers</a:t>
+            </a:r>
+          </a:p>
+          <a:p>
+            <a:endParaRPr lang="en-US" dirty="0"/>
+          </a:p>
+          <a:p>
+            <a:r>
+              <a:rPr lang="en-US" dirty="0"/>
+              <a:t>Timer</a:t>
+            </a:r>
+          </a:p>
+          <a:p>
+            <a:r>
+              <a:rPr lang="en-US" dirty="0"/>
+              <a:t>Arcade style leaderboard</a:t>
+            </a:r>
+          </a:p>
+          <a:p>
+            <a:r>
+              <a:rPr lang="en-US" dirty="0"/>
+              <a:t>Appealing graphics</a:t>
+            </a:r>
+          </a:p>
+          <a:p>
+            <a:r>
+              <a:rPr lang="en-US" dirty="0"/>
+              <a:t>Smooth game flow</a:t>
+            </a:r>
+          </a:p>
+        </p:txBody>
+      </p:sp>
+    </p:spTree>
+    <p:extLst>
+      <p:ext uri="{BB962C8B-B14F-4D97-AF65-F5344CB8AC3E}">
+        <p14:creationId xmlns:p14="http://schemas.microsoft.com/office/powerpoint/2010/main" val="965156508"/>
+      </p:ext>
+    </p:extLst>
+  </p:cSld>
+  <p:clrMapOvr>
+    <a:masterClrMapping/>
+  </p:clrMapOvr>
+</p:sld>
+</file>
+
 <file path=ppt/slides/slide6.xml><?xml version="1.0" encoding="utf-8"?>
 <p:sld xmlns:a="http://schemas.openxmlformats.org/drawingml/2006/main" xmlns:r="http://schemas.openxmlformats.org/officeDocument/2006/relationships" xmlns:p="http://schemas.openxmlformats.org/presentationml/2006/main">
   <p:cSld>
@@ -12996,7 +9856,13 @@
       </p:grpSpPr>
       <p:sp>
         <p:nvSpPr>
-          <p:cNvPr id="2" name="Title 1"/>
+          <p:cNvPr id="2" name="Title 1">
+            <a:extLst>
+              <a:ext uri="{FF2B5EF4-FFF2-40B4-BE49-F238E27FC236}">
+                <a16:creationId xmlns:a16="http://schemas.microsoft.com/office/drawing/2014/main" xmlns="" id="{5BF03A07-2297-4E88-8FA4-2C97CD4F8386}"/>
+              </a:ext>
+            </a:extLst>
+          </p:cNvPr>
           <p:cNvSpPr>
             <a:spLocks noGrp="1"/>
           </p:cNvSpPr>
@@ -13011,11 +9877,7 @@
           <a:p>
             <a:r>
               <a:rPr lang="en-US" dirty="0"/>
-              <a:t>Target Audience &amp; </a:t>
-            </a:r>
-            <a:r>
-              <a:rPr lang="en-US" altLang="zh-TW" dirty="0"/>
-              <a:t>Uniqueness</a:t>
+              <a:t>Challenges</a:t>
             </a:r>
             <a:endParaRPr lang="en-CA" dirty="0"/>
           </a:p>
@@ -13023,7 +9885,13 @@
       </p:sp>
       <p:sp>
         <p:nvSpPr>
-          <p:cNvPr id="3" name="Content Placeholder 2"/>
+          <p:cNvPr id="3" name="Content Placeholder 2">
+            <a:extLst>
+              <a:ext uri="{FF2B5EF4-FFF2-40B4-BE49-F238E27FC236}">
+                <a16:creationId xmlns:a16="http://schemas.microsoft.com/office/drawing/2014/main" xmlns="" id="{B8FD2C0E-F010-4AC9-9E26-2BD772F57429}"/>
+              </a:ext>
+            </a:extLst>
+          </p:cNvPr>
           <p:cNvSpPr>
             <a:spLocks noGrp="1"/>
           </p:cNvSpPr>
@@ -13038,40 +9906,66 @@
           <a:p>
             <a:r>
               <a:rPr lang="en-US" dirty="0"/>
-              <a:t>Elementary school kids</a:t>
+              <a:t>Challenge #1: Easter egg</a:t>
             </a:r>
           </a:p>
           <a:p>
+            <a:pPr>
+              <a:buFontTx/>
+              <a:buChar char="-"/>
+            </a:pPr>
             <a:r>
               <a:rPr lang="en-US" dirty="0"/>
-              <a:t>Quiz lovers</a:t>
+              <a:t>10 clicks on main menu banner goes to </a:t>
             </a:r>
-          </a:p>
-          <a:p>
+            <a:r>
+              <a:rPr lang="en-US" dirty="0">
+                <a:hlinkClick r:id="rId2"/>
+              </a:rPr>
+              <a:t>http://www.jacobsmith.xyz</a:t>
+            </a:r>
             <a:endParaRPr lang="en-US" dirty="0"/>
           </a:p>
           <a:p>
+            <a:pPr>
+              <a:buFontTx/>
+              <a:buChar char="-"/>
+            </a:pPr>
+            <a:r>
+              <a:rPr lang="en-US" dirty="0" err="1"/>
+              <a:t>Drippy’s</a:t>
+            </a:r>
             <a:r>
               <a:rPr lang="en-US" dirty="0"/>
-              <a:t>Timer</a:t>
+              <a:t> cousin is vaguely seen in the main menu background</a:t>
             </a:r>
           </a:p>
           <a:p>
+            <a:pPr>
+              <a:buFont typeface="Courier New" panose="02070309020205020404" pitchFamily="49" charset="0"/>
+              <a:buChar char="o"/>
+            </a:pPr>
             <a:r>
               <a:rPr lang="en-US" dirty="0"/>
-              <a:t>Arcade style leaderboard</a:t>
+              <a:t>Challenge #2: API</a:t>
             </a:r>
           </a:p>
           <a:p>
+            <a:pPr>
+              <a:buFontTx/>
+              <a:buChar char="-"/>
+            </a:pPr>
             <a:r>
               <a:rPr lang="en-US" dirty="0"/>
-              <a:t>Appealing graphics</a:t>
+              <a:t>Google Analytics – monitoring </a:t>
             </a:r>
-          </a:p>
-          <a:p>
+            <a:r>
+              <a:rPr lang="en-US"/>
+              <a:t>the app’s </a:t>
+            </a:r>
             <a:r>
               <a:rPr lang="en-US" dirty="0"/>
-              <a:t>Smooth game flow</a:t>
+              <a:t>activities</a:t>
             </a:r>
           </a:p>
         </p:txBody>
@@ -13079,7 +9973,7 @@
     </p:spTree>
     <p:extLst>
       <p:ext uri="{BB962C8B-B14F-4D97-AF65-F5344CB8AC3E}">
-        <p14:creationId xmlns:p14="http://schemas.microsoft.com/office/powerpoint/2010/main" val="965156508"/>
+        <p14:creationId xmlns:p14="http://schemas.microsoft.com/office/powerpoint/2010/main" val="4130618205"/>
       </p:ext>
     </p:extLst>
   </p:cSld>
@@ -13108,13 +10002,7 @@
       </p:grpSpPr>
       <p:sp>
         <p:nvSpPr>
-          <p:cNvPr id="2" name="Title 1">
-            <a:extLst>
-              <a:ext uri="{FF2B5EF4-FFF2-40B4-BE49-F238E27FC236}">
-                <a16:creationId xmlns:a16="http://schemas.microsoft.com/office/drawing/2014/main" id="{5BF03A07-2297-4E88-8FA4-2C97CD4F8386}"/>
-              </a:ext>
-            </a:extLst>
-          </p:cNvPr>
+          <p:cNvPr id="2" name="Title 1"/>
           <p:cNvSpPr>
             <a:spLocks noGrp="1"/>
           </p:cNvSpPr>
@@ -13128,22 +10016,15 @@
           <a:lstStyle/>
           <a:p>
             <a:r>
-              <a:rPr lang="en-US" dirty="0"/>
-              <a:t>Challenges</a:t>
+              <a:rPr lang="en-CA" dirty="0"/>
+              <a:t>Demo</a:t>
             </a:r>
-            <a:endParaRPr lang="en-CA" dirty="0"/>
           </a:p>
         </p:txBody>
       </p:sp>
       <p:sp>
         <p:nvSpPr>
-          <p:cNvPr id="3" name="Content Placeholder 2">
-            <a:extLst>
-              <a:ext uri="{FF2B5EF4-FFF2-40B4-BE49-F238E27FC236}">
-                <a16:creationId xmlns:a16="http://schemas.microsoft.com/office/drawing/2014/main" id="{B8FD2C0E-F010-4AC9-9E26-2BD772F57429}"/>
-              </a:ext>
-            </a:extLst>
-          </p:cNvPr>
+          <p:cNvPr id="3" name="Content Placeholder 2"/>
           <p:cNvSpPr>
             <a:spLocks noGrp="1"/>
           </p:cNvSpPr>
@@ -13157,75 +10038,19 @@
           <a:lstStyle/>
           <a:p>
             <a:r>
-              <a:rPr lang="en-US" dirty="0"/>
-              <a:t>Challenge #1: Easter egg</a:t>
+              <a:rPr lang="en-CA" dirty="0"/>
+              <a:t>https://waterqwiz.azurewebsites.net/</a:t>
             </a:r>
           </a:p>
           <a:p>
-            <a:pPr>
-              <a:buFontTx/>
-              <a:buChar char="-"/>
-            </a:pPr>
-            <a:r>
-              <a:rPr lang="en-US" dirty="0"/>
-              <a:t>10 clicks on main menu banner goes to </a:t>
-            </a:r>
-            <a:r>
-              <a:rPr lang="en-US" dirty="0">
-                <a:hlinkClick r:id="rId2"/>
-              </a:rPr>
-              <a:t>http://www.jacobsmith.xyz</a:t>
-            </a:r>
-            <a:endParaRPr lang="en-US" dirty="0"/>
-          </a:p>
-          <a:p>
-            <a:pPr>
-              <a:buFontTx/>
-              <a:buChar char="-"/>
-            </a:pPr>
-            <a:r>
-              <a:rPr lang="en-US" dirty="0" err="1"/>
-              <a:t>Drippy’s</a:t>
-            </a:r>
-            <a:r>
-              <a:rPr lang="en-US" dirty="0"/>
-              <a:t> cousin is vaguely seen in the main menu background</a:t>
-            </a:r>
-          </a:p>
-          <a:p>
-            <a:pPr>
-              <a:buFont typeface="Courier New" panose="02070309020205020404" pitchFamily="49" charset="0"/>
-              <a:buChar char="o"/>
-            </a:pPr>
-            <a:r>
-              <a:rPr lang="en-US" dirty="0"/>
-              <a:t>Challenge #2: API</a:t>
-            </a:r>
-          </a:p>
-          <a:p>
-            <a:pPr>
-              <a:buFontTx/>
-              <a:buChar char="-"/>
-            </a:pPr>
-            <a:r>
-              <a:rPr lang="en-US" dirty="0"/>
-              <a:t>Google Analytics – monitoring </a:t>
-            </a:r>
-            <a:r>
-              <a:rPr lang="en-US"/>
-              <a:t>the app’s </a:t>
-            </a:r>
-            <a:r>
-              <a:rPr lang="en-US" dirty="0"/>
-              <a:t>activities</a:t>
-            </a:r>
+            <a:endParaRPr lang="en-CA" dirty="0"/>
           </a:p>
         </p:txBody>
       </p:sp>
     </p:spTree>
     <p:extLst>
       <p:ext uri="{BB962C8B-B14F-4D97-AF65-F5344CB8AC3E}">
-        <p14:creationId xmlns:p14="http://schemas.microsoft.com/office/powerpoint/2010/main" val="4130618205"/>
+        <p14:creationId xmlns:p14="http://schemas.microsoft.com/office/powerpoint/2010/main" val="544006469"/>
       </p:ext>
     </p:extLst>
   </p:cSld>
@@ -13268,83 +10093,6 @@
           <a:lstStyle/>
           <a:p>
             <a:r>
-              <a:rPr lang="en-CA" dirty="0"/>
-              <a:t>Demo</a:t>
-            </a:r>
-          </a:p>
-        </p:txBody>
-      </p:sp>
-      <p:sp>
-        <p:nvSpPr>
-          <p:cNvPr id="3" name="Content Placeholder 2"/>
-          <p:cNvSpPr>
-            <a:spLocks noGrp="1"/>
-          </p:cNvSpPr>
-          <p:nvPr>
-            <p:ph idx="1"/>
-          </p:nvPr>
-        </p:nvSpPr>
-        <p:spPr/>
-        <p:txBody>
-          <a:bodyPr/>
-          <a:lstStyle/>
-          <a:p>
-            <a:r>
-              <a:rPr lang="en-CA" dirty="0"/>
-              <a:t>https://waterqwiz.azurewebsites.net/</a:t>
-            </a:r>
-          </a:p>
-          <a:p>
-            <a:endParaRPr lang="en-CA" dirty="0"/>
-          </a:p>
-        </p:txBody>
-      </p:sp>
-    </p:spTree>
-    <p:extLst>
-      <p:ext uri="{BB962C8B-B14F-4D97-AF65-F5344CB8AC3E}">
-        <p14:creationId xmlns:p14="http://schemas.microsoft.com/office/powerpoint/2010/main" val="544006469"/>
-      </p:ext>
-    </p:extLst>
-  </p:cSld>
-  <p:clrMapOvr>
-    <a:masterClrMapping/>
-  </p:clrMapOvr>
-</p:sld>
-</file>
-
-<file path=ppt/slides/slide9.xml><?xml version="1.0" encoding="utf-8"?>
-<p:sld xmlns:a="http://schemas.openxmlformats.org/drawingml/2006/main" xmlns:r="http://schemas.openxmlformats.org/officeDocument/2006/relationships" xmlns:p="http://schemas.openxmlformats.org/presentationml/2006/main">
-  <p:cSld>
-    <p:spTree>
-      <p:nvGrpSpPr>
-        <p:cNvPr id="1" name=""/>
-        <p:cNvGrpSpPr/>
-        <p:nvPr/>
-      </p:nvGrpSpPr>
-      <p:grpSpPr>
-        <a:xfrm>
-          <a:off x="0" y="0"/>
-          <a:ext cx="0" cy="0"/>
-          <a:chOff x="0" y="0"/>
-          <a:chExt cx="0" cy="0"/>
-        </a:xfrm>
-      </p:grpSpPr>
-      <p:sp>
-        <p:nvSpPr>
-          <p:cNvPr id="2" name="Title 1"/>
-          <p:cNvSpPr>
-            <a:spLocks noGrp="1"/>
-          </p:cNvSpPr>
-          <p:nvPr>
-            <p:ph type="title"/>
-          </p:nvPr>
-        </p:nvSpPr>
-        <p:spPr/>
-        <p:txBody>
-          <a:bodyPr/>
-          <a:lstStyle/>
-          <a:p>
-            <a:r>
               <a:rPr lang="en-US" dirty="0"/>
               <a:t>Questions?</a:t>
             </a:r>
@@ -13356,7 +10104,7 @@
           <p:cNvPr id="5" name="內容版面配置區 4">
             <a:extLst>
               <a:ext uri="{FF2B5EF4-FFF2-40B4-BE49-F238E27FC236}">
-                <a16:creationId xmlns:a16="http://schemas.microsoft.com/office/drawing/2014/main" id="{8FB782CE-E1FB-452F-92E3-0D7D50756DED}"/>
+                <a16:creationId xmlns:a16="http://schemas.microsoft.com/office/drawing/2014/main" xmlns="" id="{8FB782CE-E1FB-452F-92E3-0D7D50756DED}"/>
               </a:ext>
             </a:extLst>
           </p:cNvPr>
@@ -13630,7 +10378,7 @@
   <a:extraClrSchemeLst/>
   <a:extLst>
     <a:ext uri="{05A4C25C-085E-4340-85A3-A5531E510DB2}">
-      <thm15:themeFamily xmlns:thm15="http://schemas.microsoft.com/office/thememl/2012/main" name="Quotable" id="{39EC5628-30ED-4578-ACD8-9820EDB8E15A}" vid="{6F3559E9-1A4C-49D8-94D4-F41003531C49}"/>
+      <thm15:themeFamily xmlns:thm15="http://schemas.microsoft.com/office/thememl/2012/main" xmlns="" name="Quotable" id="{39EC5628-30ED-4578-ACD8-9820EDB8E15A}" vid="{6F3559E9-1A4C-49D8-94D4-F41003531C49}"/>
     </a:ext>
   </a:extLst>
 </a:theme>
